--- a/Documentação/chameleon.pptx
+++ b/Documentação/chameleon.pptx
@@ -7,14 +7,18 @@
   <p:sldIdLst>
     <p:sldId id="258" r:id="rId2"/>
     <p:sldId id="256" r:id="rId3"/>
-    <p:sldId id="257" r:id="rId4"/>
-    <p:sldId id="259" r:id="rId5"/>
-    <p:sldId id="260" r:id="rId6"/>
-    <p:sldId id="261" r:id="rId7"/>
-    <p:sldId id="263" r:id="rId8"/>
-    <p:sldId id="264" r:id="rId9"/>
-    <p:sldId id="265" r:id="rId10"/>
-    <p:sldId id="267" r:id="rId11"/>
+    <p:sldId id="259" r:id="rId4"/>
+    <p:sldId id="260" r:id="rId5"/>
+    <p:sldId id="269" r:id="rId6"/>
+    <p:sldId id="271" r:id="rId7"/>
+    <p:sldId id="270" r:id="rId8"/>
+    <p:sldId id="272" r:id="rId9"/>
+    <p:sldId id="261" r:id="rId10"/>
+    <p:sldId id="263" r:id="rId11"/>
+    <p:sldId id="264" r:id="rId12"/>
+    <p:sldId id="265" r:id="rId13"/>
+    <p:sldId id="268" r:id="rId14"/>
+    <p:sldId id="267" r:id="rId15"/>
   </p:sldIdLst>
   <p:sldSz cx="12192000" cy="6858000"/>
   <p:notesSz cx="6858000" cy="9144000"/>
@@ -263,7 +267,7 @@
           <a:p>
             <a:fld id="{F50B35C2-D55D-43EC-A9F9-87B33DB15AB7}" type="datetimeFigureOut">
               <a:rPr lang="pt-BR" smtClean="0"/>
-              <a:t>20/04/2020</a:t>
+              <a:t>21/04/2020</a:t>
             </a:fld>
             <a:endParaRPr lang="pt-BR"/>
           </a:p>
@@ -433,7 +437,7 @@
           <a:p>
             <a:fld id="{F50B35C2-D55D-43EC-A9F9-87B33DB15AB7}" type="datetimeFigureOut">
               <a:rPr lang="pt-BR" smtClean="0"/>
-              <a:t>20/04/2020</a:t>
+              <a:t>21/04/2020</a:t>
             </a:fld>
             <a:endParaRPr lang="pt-BR"/>
           </a:p>
@@ -613,7 +617,7 @@
           <a:p>
             <a:fld id="{F50B35C2-D55D-43EC-A9F9-87B33DB15AB7}" type="datetimeFigureOut">
               <a:rPr lang="pt-BR" smtClean="0"/>
-              <a:t>20/04/2020</a:t>
+              <a:t>21/04/2020</a:t>
             </a:fld>
             <a:endParaRPr lang="pt-BR"/>
           </a:p>
@@ -783,7 +787,7 @@
           <a:p>
             <a:fld id="{F50B35C2-D55D-43EC-A9F9-87B33DB15AB7}" type="datetimeFigureOut">
               <a:rPr lang="pt-BR" smtClean="0"/>
-              <a:t>20/04/2020</a:t>
+              <a:t>21/04/2020</a:t>
             </a:fld>
             <a:endParaRPr lang="pt-BR"/>
           </a:p>
@@ -1029,7 +1033,7 @@
           <a:p>
             <a:fld id="{F50B35C2-D55D-43EC-A9F9-87B33DB15AB7}" type="datetimeFigureOut">
               <a:rPr lang="pt-BR" smtClean="0"/>
-              <a:t>20/04/2020</a:t>
+              <a:t>21/04/2020</a:t>
             </a:fld>
             <a:endParaRPr lang="pt-BR"/>
           </a:p>
@@ -1261,7 +1265,7 @@
           <a:p>
             <a:fld id="{F50B35C2-D55D-43EC-A9F9-87B33DB15AB7}" type="datetimeFigureOut">
               <a:rPr lang="pt-BR" smtClean="0"/>
-              <a:t>20/04/2020</a:t>
+              <a:t>21/04/2020</a:t>
             </a:fld>
             <a:endParaRPr lang="pt-BR"/>
           </a:p>
@@ -1628,7 +1632,7 @@
           <a:p>
             <a:fld id="{F50B35C2-D55D-43EC-A9F9-87B33DB15AB7}" type="datetimeFigureOut">
               <a:rPr lang="pt-BR" smtClean="0"/>
-              <a:t>20/04/2020</a:t>
+              <a:t>21/04/2020</a:t>
             </a:fld>
             <a:endParaRPr lang="pt-BR"/>
           </a:p>
@@ -1746,7 +1750,7 @@
           <a:p>
             <a:fld id="{F50B35C2-D55D-43EC-A9F9-87B33DB15AB7}" type="datetimeFigureOut">
               <a:rPr lang="pt-BR" smtClean="0"/>
-              <a:t>20/04/2020</a:t>
+              <a:t>21/04/2020</a:t>
             </a:fld>
             <a:endParaRPr lang="pt-BR"/>
           </a:p>
@@ -1841,7 +1845,7 @@
           <a:p>
             <a:fld id="{F50B35C2-D55D-43EC-A9F9-87B33DB15AB7}" type="datetimeFigureOut">
               <a:rPr lang="pt-BR" smtClean="0"/>
-              <a:t>20/04/2020</a:t>
+              <a:t>21/04/2020</a:t>
             </a:fld>
             <a:endParaRPr lang="pt-BR"/>
           </a:p>
@@ -2118,7 +2122,7 @@
           <a:p>
             <a:fld id="{F50B35C2-D55D-43EC-A9F9-87B33DB15AB7}" type="datetimeFigureOut">
               <a:rPr lang="pt-BR" smtClean="0"/>
-              <a:t>20/04/2020</a:t>
+              <a:t>21/04/2020</a:t>
             </a:fld>
             <a:endParaRPr lang="pt-BR"/>
           </a:p>
@@ -2371,7 +2375,7 @@
           <a:p>
             <a:fld id="{F50B35C2-D55D-43EC-A9F9-87B33DB15AB7}" type="datetimeFigureOut">
               <a:rPr lang="pt-BR" smtClean="0"/>
-              <a:t>20/04/2020</a:t>
+              <a:t>21/04/2020</a:t>
             </a:fld>
             <a:endParaRPr lang="pt-BR"/>
           </a:p>
@@ -2584,7 +2588,7 @@
           <a:p>
             <a:fld id="{F50B35C2-D55D-43EC-A9F9-87B33DB15AB7}" type="datetimeFigureOut">
               <a:rPr lang="pt-BR" smtClean="0"/>
-              <a:t>20/04/2020</a:t>
+              <a:t>21/04/2020</a:t>
             </a:fld>
             <a:endParaRPr lang="pt-BR"/>
           </a:p>
@@ -3039,8 +3043,8 @@
         </p:nvSpPr>
         <p:spPr>
           <a:xfrm>
-            <a:off x="509451" y="2481943"/>
-            <a:ext cx="1894115" cy="1894115"/>
+            <a:off x="732784" y="2444911"/>
+            <a:ext cx="1517226" cy="1517226"/>
           </a:xfrm>
           <a:prstGeom prst="ellipse">
             <a:avLst/>
@@ -3091,8 +3095,8 @@
         </p:nvSpPr>
         <p:spPr>
           <a:xfrm>
-            <a:off x="2784564" y="2481942"/>
-            <a:ext cx="1894115" cy="1894115"/>
+            <a:off x="2575816" y="2444911"/>
+            <a:ext cx="1517226" cy="1517226"/>
           </a:xfrm>
           <a:prstGeom prst="ellipse">
             <a:avLst/>
@@ -3143,8 +3147,8 @@
         </p:nvSpPr>
         <p:spPr>
           <a:xfrm>
-            <a:off x="7334790" y="2481941"/>
-            <a:ext cx="1894115" cy="1894115"/>
+            <a:off x="6261880" y="2461098"/>
+            <a:ext cx="1517226" cy="1517226"/>
           </a:xfrm>
           <a:prstGeom prst="ellipse">
             <a:avLst/>
@@ -3195,8 +3199,8 @@
         </p:nvSpPr>
         <p:spPr>
           <a:xfrm>
-            <a:off x="5059677" y="2481942"/>
-            <a:ext cx="1894115" cy="1894115"/>
+            <a:off x="4418848" y="2444911"/>
+            <a:ext cx="1517226" cy="1517226"/>
           </a:xfrm>
           <a:prstGeom prst="ellipse">
             <a:avLst/>
@@ -3247,8 +3251,8 @@
         </p:nvSpPr>
         <p:spPr>
           <a:xfrm>
-            <a:off x="9609903" y="2402613"/>
-            <a:ext cx="1894115" cy="1894115"/>
+            <a:off x="8104912" y="2444911"/>
+            <a:ext cx="1517226" cy="1517226"/>
           </a:xfrm>
           <a:prstGeom prst="ellipse">
             <a:avLst/>
@@ -3299,8 +3303,8 @@
         </p:nvSpPr>
         <p:spPr>
           <a:xfrm>
-            <a:off x="463730" y="4690259"/>
-            <a:ext cx="1985555" cy="954107"/>
+            <a:off x="696161" y="4376752"/>
+            <a:ext cx="1590471" cy="954107"/>
           </a:xfrm>
           <a:prstGeom prst="rect">
             <a:avLst/>
@@ -3315,7 +3319,7 @@
           <a:p>
             <a:pPr algn="ctr"/>
             <a:r>
-              <a:rPr lang="pt-BR" sz="2800" dirty="0">
+              <a:rPr lang="pt-BR" sz="2800" dirty="0" smtClean="0">
                 <a:latin typeface="Bariol Bold" panose="02000506040000020003" pitchFamily="2" charset="0"/>
               </a:rPr>
               <a:t>Christian </a:t>
@@ -3324,11 +3328,14 @@
           <a:p>
             <a:pPr algn="ctr"/>
             <a:r>
-              <a:rPr lang="pt-BR" sz="2800" dirty="0">
+              <a:rPr lang="pt-BR" sz="2800" dirty="0" smtClean="0">
                 <a:latin typeface="Bariol Bold" panose="02000506040000020003" pitchFamily="2" charset="0"/>
               </a:rPr>
               <a:t>Raphael</a:t>
             </a:r>
+            <a:endParaRPr lang="pt-BR" sz="2800" dirty="0">
+              <a:latin typeface="Bariol Bold" panose="02000506040000020003" pitchFamily="2" charset="0"/>
+            </a:endParaRPr>
           </a:p>
         </p:txBody>
       </p:sp>
@@ -3346,8 +3353,8 @@
         </p:nvSpPr>
         <p:spPr>
           <a:xfrm>
-            <a:off x="2738841" y="4690254"/>
-            <a:ext cx="1985555" cy="954107"/>
+            <a:off x="2536554" y="4377420"/>
+            <a:ext cx="1590471" cy="954107"/>
           </a:xfrm>
           <a:prstGeom prst="rect">
             <a:avLst/>
@@ -3393,8 +3400,8 @@
         </p:nvSpPr>
         <p:spPr>
           <a:xfrm>
-            <a:off x="5013956" y="4690254"/>
-            <a:ext cx="1985555" cy="954107"/>
+            <a:off x="4376947" y="4376751"/>
+            <a:ext cx="1590471" cy="954107"/>
           </a:xfrm>
           <a:prstGeom prst="rect">
             <a:avLst/>
@@ -3443,8 +3450,8 @@
         </p:nvSpPr>
         <p:spPr>
           <a:xfrm>
-            <a:off x="7289071" y="4690255"/>
-            <a:ext cx="1985555" cy="954107"/>
+            <a:off x="6225257" y="4376750"/>
+            <a:ext cx="1590471" cy="954107"/>
           </a:xfrm>
           <a:prstGeom prst="rect">
             <a:avLst/>
@@ -3493,8 +3500,8 @@
         </p:nvSpPr>
         <p:spPr>
           <a:xfrm>
-            <a:off x="9609903" y="4690254"/>
-            <a:ext cx="1985555" cy="954107"/>
+            <a:off x="8073567" y="4376748"/>
+            <a:ext cx="1590471" cy="954107"/>
           </a:xfrm>
           <a:prstGeom prst="rect">
             <a:avLst/>
@@ -3509,19 +3516,22 @@
           <a:p>
             <a:pPr algn="ctr"/>
             <a:r>
+              <a:rPr lang="pt-BR" sz="2800" dirty="0" err="1" smtClean="0">
+                <a:latin typeface="Bariol Bold" panose="02000506040000020003" pitchFamily="2" charset="0"/>
+              </a:rPr>
+              <a:t>Adaías</a:t>
+            </a:r>
+            <a:endParaRPr lang="pt-BR" sz="2800" dirty="0" smtClean="0">
+              <a:latin typeface="Bariol Bold" panose="02000506040000020003" pitchFamily="2" charset="0"/>
+            </a:endParaRPr>
+          </a:p>
+          <a:p>
+            <a:pPr algn="ctr"/>
+            <a:r>
               <a:rPr lang="pt-BR" sz="2800" dirty="0" smtClean="0">
                 <a:latin typeface="Bariol Bold" panose="02000506040000020003" pitchFamily="2" charset="0"/>
               </a:rPr>
-              <a:t>Guilherme</a:t>
-            </a:r>
-          </a:p>
-          <a:p>
-            <a:pPr algn="ctr"/>
-            <a:r>
-              <a:rPr lang="pt-BR" sz="2800" dirty="0" smtClean="0">
-                <a:latin typeface="Bariol Bold" panose="02000506040000020003" pitchFamily="2" charset="0"/>
-              </a:rPr>
-              <a:t>De Sá</a:t>
+              <a:t>Santos</a:t>
             </a:r>
             <a:endParaRPr lang="pt-BR" sz="2800" dirty="0">
               <a:latin typeface="Bariol Bold" panose="02000506040000020003" pitchFamily="2" charset="0"/>
@@ -3559,6 +3569,108 @@
           </a:prstGeom>
         </p:spPr>
       </p:pic>
+      <p:sp>
+        <p:nvSpPr>
+          <p:cNvPr id="14" name="Elipse 13">
+            <a:extLst>
+              <a:ext uri="{FF2B5EF4-FFF2-40B4-BE49-F238E27FC236}">
+                <a16:creationId xmlns:a16="http://schemas.microsoft.com/office/drawing/2014/main" id="{F663AA05-740A-4CDE-B1D5-80249D0F45FF}"/>
+              </a:ext>
+            </a:extLst>
+          </p:cNvPr>
+          <p:cNvSpPr/>
+          <p:nvPr/>
+        </p:nvSpPr>
+        <p:spPr>
+          <a:xfrm>
+            <a:off x="9952930" y="2461098"/>
+            <a:ext cx="1517226" cy="1517226"/>
+          </a:xfrm>
+          <a:prstGeom prst="ellipse">
+            <a:avLst/>
+          </a:prstGeom>
+          <a:solidFill>
+            <a:srgbClr val="35B794"/>
+          </a:solidFill>
+          <a:ln>
+            <a:noFill/>
+          </a:ln>
+        </p:spPr>
+        <p:style>
+          <a:lnRef idx="2">
+            <a:schemeClr val="accent1">
+              <a:shade val="50000"/>
+            </a:schemeClr>
+          </a:lnRef>
+          <a:fillRef idx="1">
+            <a:schemeClr val="accent1"/>
+          </a:fillRef>
+          <a:effectRef idx="0">
+            <a:schemeClr val="accent1"/>
+          </a:effectRef>
+          <a:fontRef idx="minor">
+            <a:schemeClr val="lt1"/>
+          </a:fontRef>
+        </p:style>
+        <p:txBody>
+          <a:bodyPr rtlCol="0" anchor="ctr"/>
+          <a:lstStyle/>
+          <a:p>
+            <a:pPr algn="ctr"/>
+            <a:endParaRPr lang="pt-BR"/>
+          </a:p>
+        </p:txBody>
+      </p:sp>
+      <p:sp>
+        <p:nvSpPr>
+          <p:cNvPr id="16" name="CaixaDeTexto 15">
+            <a:extLst>
+              <a:ext uri="{FF2B5EF4-FFF2-40B4-BE49-F238E27FC236}">
+                <a16:creationId xmlns:a16="http://schemas.microsoft.com/office/drawing/2014/main" id="{3EEDA333-49AA-47A1-9E18-27FCA69C6ADA}"/>
+              </a:ext>
+            </a:extLst>
+          </p:cNvPr>
+          <p:cNvSpPr txBox="1"/>
+          <p:nvPr/>
+        </p:nvSpPr>
+        <p:spPr>
+          <a:xfrm>
+            <a:off x="9921877" y="4376748"/>
+            <a:ext cx="1590471" cy="954107"/>
+          </a:xfrm>
+          <a:prstGeom prst="rect">
+            <a:avLst/>
+          </a:prstGeom>
+          <a:noFill/>
+        </p:spPr>
+        <p:txBody>
+          <a:bodyPr wrap="square" rtlCol="0">
+            <a:spAutoFit/>
+          </a:bodyPr>
+          <a:lstStyle/>
+          <a:p>
+            <a:pPr algn="ctr"/>
+            <a:r>
+              <a:rPr lang="pt-BR" sz="2800" dirty="0" smtClean="0">
+                <a:latin typeface="Bariol Bold" panose="02000506040000020003" pitchFamily="2" charset="0"/>
+              </a:rPr>
+              <a:t>Guilherme</a:t>
+            </a:r>
+          </a:p>
+          <a:p>
+            <a:pPr algn="ctr"/>
+            <a:r>
+              <a:rPr lang="pt-BR" sz="2800" dirty="0" smtClean="0">
+                <a:latin typeface="Bariol Bold" panose="02000506040000020003" pitchFamily="2" charset="0"/>
+              </a:rPr>
+              <a:t>De Sá</a:t>
+            </a:r>
+            <a:endParaRPr lang="pt-BR" sz="2800" dirty="0">
+              <a:latin typeface="Bariol Bold" panose="02000506040000020003" pitchFamily="2" charset="0"/>
+            </a:endParaRPr>
+          </a:p>
+        </p:txBody>
+      </p:sp>
     </p:spTree>
     <p:extLst>
       <p:ext uri="{BB962C8B-B14F-4D97-AF65-F5344CB8AC3E}">
@@ -3588,6 +3700,1056 @@
 </file>
 
 <file path=ppt/slides/slide10.xml><?xml version="1.0" encoding="utf-8"?>
+<p:sld xmlns:a="http://schemas.openxmlformats.org/drawingml/2006/main" xmlns:r="http://schemas.openxmlformats.org/officeDocument/2006/relationships" xmlns:p="http://schemas.openxmlformats.org/presentationml/2006/main">
+  <p:cSld>
+    <p:spTree>
+      <p:nvGrpSpPr>
+        <p:cNvPr id="1" name=""/>
+        <p:cNvGrpSpPr/>
+        <p:nvPr/>
+      </p:nvGrpSpPr>
+      <p:grpSpPr>
+        <a:xfrm>
+          <a:off x="0" y="0"/>
+          <a:ext cx="0" cy="0"/>
+          <a:chOff x="0" y="0"/>
+          <a:chExt cx="0" cy="0"/>
+        </a:xfrm>
+      </p:grpSpPr>
+      <p:sp>
+        <p:nvSpPr>
+          <p:cNvPr id="2" name="Título 1">
+            <a:extLst>
+              <a:ext uri="{FF2B5EF4-FFF2-40B4-BE49-F238E27FC236}">
+                <a16:creationId xmlns:a16="http://schemas.microsoft.com/office/drawing/2014/main" id="{99F76FBE-1BC2-4EE6-B90A-22263BF7BDCD}"/>
+              </a:ext>
+            </a:extLst>
+          </p:cNvPr>
+          <p:cNvSpPr>
+            <a:spLocks noGrp="1"/>
+          </p:cNvSpPr>
+          <p:nvPr>
+            <p:ph type="title"/>
+          </p:nvPr>
+        </p:nvSpPr>
+        <p:spPr/>
+        <p:txBody>
+          <a:bodyPr/>
+          <a:lstStyle/>
+          <a:p>
+            <a:r>
+              <a:rPr lang="pt-BR" dirty="0">
+                <a:solidFill>
+                  <a:schemeClr val="tx1">
+                    <a:lumMod val="75000"/>
+                    <a:lumOff val="25000"/>
+                  </a:schemeClr>
+                </a:solidFill>
+                <a:latin typeface="Bariol Bold" panose="02000506040000020003" pitchFamily="2" charset="0"/>
+              </a:rPr>
+              <a:t>Requisitos (Backlog)</a:t>
+            </a:r>
+          </a:p>
+        </p:txBody>
+      </p:sp>
+      <p:pic>
+        <p:nvPicPr>
+          <p:cNvPr id="8" name="Imagem 7"/>
+          <p:cNvPicPr>
+            <a:picLocks noChangeAspect="1"/>
+          </p:cNvPicPr>
+          <p:nvPr/>
+        </p:nvPicPr>
+        <p:blipFill>
+          <a:blip r:embed="rId2" cstate="print">
+            <a:extLst>
+              <a:ext uri="{28A0092B-C50C-407E-A947-70E740481C1C}">
+                <a14:useLocalDpi xmlns:a14="http://schemas.microsoft.com/office/drawing/2010/main" val="0"/>
+              </a:ext>
+            </a:extLst>
+          </a:blip>
+          <a:stretch>
+            <a:fillRect/>
+          </a:stretch>
+        </p:blipFill>
+        <p:spPr>
+          <a:xfrm>
+            <a:off x="11313459" y="286497"/>
+            <a:ext cx="576000" cy="576000"/>
+          </a:xfrm>
+          <a:prstGeom prst="rect">
+            <a:avLst/>
+          </a:prstGeom>
+        </p:spPr>
+      </p:pic>
+      <p:pic>
+        <p:nvPicPr>
+          <p:cNvPr id="9" name="Imagem 8"/>
+          <p:cNvPicPr>
+            <a:picLocks noChangeAspect="1"/>
+          </p:cNvPicPr>
+          <p:nvPr/>
+        </p:nvPicPr>
+        <p:blipFill>
+          <a:blip r:embed="rId3" cstate="print">
+            <a:extLst>
+              <a:ext uri="{28A0092B-C50C-407E-A947-70E740481C1C}">
+                <a14:useLocalDpi xmlns:a14="http://schemas.microsoft.com/office/drawing/2010/main" val="0"/>
+              </a:ext>
+            </a:extLst>
+          </a:blip>
+          <a:stretch>
+            <a:fillRect/>
+          </a:stretch>
+        </p:blipFill>
+        <p:spPr>
+          <a:xfrm>
+            <a:off x="7609467" y="3802671"/>
+            <a:ext cx="4458351" cy="3055328"/>
+          </a:xfrm>
+          <a:prstGeom prst="rect">
+            <a:avLst/>
+          </a:prstGeom>
+        </p:spPr>
+      </p:pic>
+    </p:spTree>
+    <p:extLst>
+      <p:ext uri="{BB962C8B-B14F-4D97-AF65-F5344CB8AC3E}">
+        <p14:creationId xmlns:p14="http://schemas.microsoft.com/office/powerpoint/2010/main" val="1842012260"/>
+      </p:ext>
+    </p:extLst>
+  </p:cSld>
+  <p:clrMapOvr>
+    <a:masterClrMapping/>
+  </p:clrMapOvr>
+  <mc:AlternateContent xmlns:mc="http://schemas.openxmlformats.org/markup-compatibility/2006" xmlns:p14="http://schemas.microsoft.com/office/powerpoint/2010/main">
+    <mc:Choice Requires="p14">
+      <p:transition spd="med" p14:dur="700">
+        <p:fade/>
+      </p:transition>
+    </mc:Choice>
+    <mc:Fallback xmlns="">
+      <p:transition spd="med">
+        <p:fade/>
+      </p:transition>
+    </mc:Fallback>
+  </mc:AlternateContent>
+  <p:timing>
+    <p:tnLst>
+      <p:par>
+        <p:cTn id="1" dur="indefinite" restart="never" nodeType="tmRoot">
+          <p:childTnLst>
+            <p:seq concurrent="1" nextAc="seek">
+              <p:cTn id="2" dur="indefinite" nodeType="mainSeq">
+                <p:childTnLst>
+                  <p:par>
+                    <p:cTn id="3" fill="hold">
+                      <p:stCondLst>
+                        <p:cond delay="indefinite"/>
+                        <p:cond evt="onBegin" delay="0">
+                          <p:tn val="2"/>
+                        </p:cond>
+                      </p:stCondLst>
+                      <p:childTnLst>
+                        <p:par>
+                          <p:cTn id="4" fill="hold">
+                            <p:stCondLst>
+                              <p:cond delay="0"/>
+                            </p:stCondLst>
+                            <p:childTnLst>
+                              <p:par>
+                                <p:cTn id="5" presetID="10" presetClass="entr" presetSubtype="0" fill="hold" nodeType="afterEffect">
+                                  <p:stCondLst>
+                                    <p:cond delay="0"/>
+                                  </p:stCondLst>
+                                  <p:childTnLst>
+                                    <p:set>
+                                      <p:cBhvr>
+                                        <p:cTn id="6" dur="1" fill="hold">
+                                          <p:stCondLst>
+                                            <p:cond delay="0"/>
+                                          </p:stCondLst>
+                                        </p:cTn>
+                                        <p:tgtEl>
+                                          <p:spTgt spid="9"/>
+                                        </p:tgtEl>
+                                        <p:attrNameLst>
+                                          <p:attrName>style.visibility</p:attrName>
+                                        </p:attrNameLst>
+                                      </p:cBhvr>
+                                      <p:to>
+                                        <p:strVal val="visible"/>
+                                      </p:to>
+                                    </p:set>
+                                    <p:animEffect transition="in" filter="fade">
+                                      <p:cBhvr>
+                                        <p:cTn id="7" dur="500"/>
+                                        <p:tgtEl>
+                                          <p:spTgt spid="9"/>
+                                        </p:tgtEl>
+                                      </p:cBhvr>
+                                    </p:animEffect>
+                                  </p:childTnLst>
+                                </p:cTn>
+                              </p:par>
+                            </p:childTnLst>
+                          </p:cTn>
+                        </p:par>
+                      </p:childTnLst>
+                    </p:cTn>
+                  </p:par>
+                </p:childTnLst>
+              </p:cTn>
+              <p:prevCondLst>
+                <p:cond evt="onPrev" delay="0">
+                  <p:tgtEl>
+                    <p:sldTgt/>
+                  </p:tgtEl>
+                </p:cond>
+              </p:prevCondLst>
+              <p:nextCondLst>
+                <p:cond evt="onNext" delay="0">
+                  <p:tgtEl>
+                    <p:sldTgt/>
+                  </p:tgtEl>
+                </p:cond>
+              </p:nextCondLst>
+            </p:seq>
+          </p:childTnLst>
+        </p:cTn>
+      </p:par>
+    </p:tnLst>
+  </p:timing>
+</p:sld>
+</file>
+
+<file path=ppt/slides/slide11.xml><?xml version="1.0" encoding="utf-8"?>
+<p:sld xmlns:a="http://schemas.openxmlformats.org/drawingml/2006/main" xmlns:r="http://schemas.openxmlformats.org/officeDocument/2006/relationships" xmlns:p="http://schemas.openxmlformats.org/presentationml/2006/main">
+  <p:cSld>
+    <p:spTree>
+      <p:nvGrpSpPr>
+        <p:cNvPr id="1" name=""/>
+        <p:cNvGrpSpPr/>
+        <p:nvPr/>
+      </p:nvGrpSpPr>
+      <p:grpSpPr>
+        <a:xfrm>
+          <a:off x="0" y="0"/>
+          <a:ext cx="0" cy="0"/>
+          <a:chOff x="0" y="0"/>
+          <a:chExt cx="0" cy="0"/>
+        </a:xfrm>
+      </p:grpSpPr>
+      <p:sp>
+        <p:nvSpPr>
+          <p:cNvPr id="2" name="Título 1">
+            <a:extLst>
+              <a:ext uri="{FF2B5EF4-FFF2-40B4-BE49-F238E27FC236}">
+                <a16:creationId xmlns:a16="http://schemas.microsoft.com/office/drawing/2014/main" id="{99F76FBE-1BC2-4EE6-B90A-22263BF7BDCD}"/>
+              </a:ext>
+            </a:extLst>
+          </p:cNvPr>
+          <p:cNvSpPr>
+            <a:spLocks noGrp="1"/>
+          </p:cNvSpPr>
+          <p:nvPr>
+            <p:ph type="title"/>
+          </p:nvPr>
+        </p:nvSpPr>
+        <p:spPr>
+          <a:xfrm>
+            <a:off x="0" y="1433807"/>
+            <a:ext cx="12192000" cy="1325563"/>
+          </a:xfrm>
+        </p:spPr>
+        <p:txBody>
+          <a:bodyPr/>
+          <a:lstStyle/>
+          <a:p>
+            <a:pPr algn="ctr"/>
+            <a:r>
+              <a:rPr lang="pt-BR" dirty="0" smtClean="0">
+                <a:solidFill>
+                  <a:schemeClr val="tx1">
+                    <a:lumMod val="75000"/>
+                    <a:lumOff val="25000"/>
+                  </a:schemeClr>
+                </a:solidFill>
+                <a:latin typeface="Bariol Bold" panose="02000506040000020003" pitchFamily="2" charset="0"/>
+              </a:rPr>
+              <a:t>Site / Simulador Financeiro</a:t>
+            </a:r>
+            <a:endParaRPr lang="pt-BR" dirty="0">
+              <a:solidFill>
+                <a:schemeClr val="tx1">
+                  <a:lumMod val="75000"/>
+                  <a:lumOff val="25000"/>
+                </a:schemeClr>
+              </a:solidFill>
+              <a:latin typeface="Bariol Bold" panose="02000506040000020003" pitchFamily="2" charset="0"/>
+            </a:endParaRPr>
+          </a:p>
+        </p:txBody>
+      </p:sp>
+      <p:pic>
+        <p:nvPicPr>
+          <p:cNvPr id="6" name="Imagem 5"/>
+          <p:cNvPicPr>
+            <a:picLocks noChangeAspect="1"/>
+          </p:cNvPicPr>
+          <p:nvPr/>
+        </p:nvPicPr>
+        <p:blipFill>
+          <a:blip r:embed="rId2" cstate="print">
+            <a:extLst>
+              <a:ext uri="{28A0092B-C50C-407E-A947-70E740481C1C}">
+                <a14:useLocalDpi xmlns:a14="http://schemas.microsoft.com/office/drawing/2010/main" val="0"/>
+              </a:ext>
+            </a:extLst>
+          </a:blip>
+          <a:stretch>
+            <a:fillRect/>
+          </a:stretch>
+        </p:blipFill>
+        <p:spPr>
+          <a:xfrm>
+            <a:off x="11313459" y="286497"/>
+            <a:ext cx="576000" cy="576000"/>
+          </a:xfrm>
+          <a:prstGeom prst="rect">
+            <a:avLst/>
+          </a:prstGeom>
+        </p:spPr>
+      </p:pic>
+      <p:pic>
+        <p:nvPicPr>
+          <p:cNvPr id="4" name="Imagem 3"/>
+          <p:cNvPicPr>
+            <a:picLocks noChangeAspect="1"/>
+          </p:cNvPicPr>
+          <p:nvPr/>
+        </p:nvPicPr>
+        <p:blipFill>
+          <a:blip r:embed="rId3">
+            <a:extLst>
+              <a:ext uri="{28A0092B-C50C-407E-A947-70E740481C1C}">
+                <a14:useLocalDpi xmlns:a14="http://schemas.microsoft.com/office/drawing/2010/main" val="0"/>
+              </a:ext>
+            </a:extLst>
+          </a:blip>
+          <a:stretch>
+            <a:fillRect/>
+          </a:stretch>
+        </p:blipFill>
+        <p:spPr>
+          <a:xfrm>
+            <a:off x="2717757" y="2759370"/>
+            <a:ext cx="6756485" cy="3996367"/>
+          </a:xfrm>
+          <a:prstGeom prst="rect">
+            <a:avLst/>
+          </a:prstGeom>
+        </p:spPr>
+      </p:pic>
+    </p:spTree>
+    <p:extLst>
+      <p:ext uri="{BB962C8B-B14F-4D97-AF65-F5344CB8AC3E}">
+        <p14:creationId xmlns:p14="http://schemas.microsoft.com/office/powerpoint/2010/main" val="983124599"/>
+      </p:ext>
+    </p:extLst>
+  </p:cSld>
+  <p:clrMapOvr>
+    <a:masterClrMapping/>
+  </p:clrMapOvr>
+  <mc:AlternateContent xmlns:mc="http://schemas.openxmlformats.org/markup-compatibility/2006" xmlns:p14="http://schemas.microsoft.com/office/powerpoint/2010/main">
+    <mc:Choice Requires="p14">
+      <p:transition spd="med" p14:dur="700">
+        <p:fade/>
+      </p:transition>
+    </mc:Choice>
+    <mc:Fallback xmlns="">
+      <p:transition spd="med">
+        <p:fade/>
+      </p:transition>
+    </mc:Fallback>
+  </mc:AlternateContent>
+  <p:timing>
+    <p:tnLst>
+      <p:par>
+        <p:cTn id="1" dur="indefinite" restart="never" nodeType="tmRoot">
+          <p:childTnLst>
+            <p:seq concurrent="1" nextAc="seek">
+              <p:cTn id="2" dur="indefinite" nodeType="mainSeq">
+                <p:childTnLst>
+                  <p:par>
+                    <p:cTn id="3" fill="hold">
+                      <p:stCondLst>
+                        <p:cond delay="indefinite"/>
+                        <p:cond evt="onBegin" delay="0">
+                          <p:tn val="2"/>
+                        </p:cond>
+                      </p:stCondLst>
+                      <p:childTnLst>
+                        <p:par>
+                          <p:cTn id="4" fill="hold">
+                            <p:stCondLst>
+                              <p:cond delay="0"/>
+                            </p:stCondLst>
+                            <p:childTnLst>
+                              <p:par>
+                                <p:cTn id="5" presetID="10" presetClass="entr" presetSubtype="0" fill="hold" grpId="0" nodeType="afterEffect">
+                                  <p:stCondLst>
+                                    <p:cond delay="0"/>
+                                  </p:stCondLst>
+                                  <p:childTnLst>
+                                    <p:set>
+                                      <p:cBhvr>
+                                        <p:cTn id="6" dur="1" fill="hold">
+                                          <p:stCondLst>
+                                            <p:cond delay="0"/>
+                                          </p:stCondLst>
+                                        </p:cTn>
+                                        <p:tgtEl>
+                                          <p:spTgt spid="2"/>
+                                        </p:tgtEl>
+                                        <p:attrNameLst>
+                                          <p:attrName>style.visibility</p:attrName>
+                                        </p:attrNameLst>
+                                      </p:cBhvr>
+                                      <p:to>
+                                        <p:strVal val="visible"/>
+                                      </p:to>
+                                    </p:set>
+                                    <p:animEffect transition="in" filter="fade">
+                                      <p:cBhvr>
+                                        <p:cTn id="7" dur="500"/>
+                                        <p:tgtEl>
+                                          <p:spTgt spid="2"/>
+                                        </p:tgtEl>
+                                      </p:cBhvr>
+                                    </p:animEffect>
+                                  </p:childTnLst>
+                                </p:cTn>
+                              </p:par>
+                            </p:childTnLst>
+                          </p:cTn>
+                        </p:par>
+                        <p:par>
+                          <p:cTn id="8" fill="hold">
+                            <p:stCondLst>
+                              <p:cond delay="500"/>
+                            </p:stCondLst>
+                            <p:childTnLst>
+                              <p:par>
+                                <p:cTn id="9" presetID="10" presetClass="entr" presetSubtype="0" fill="hold" nodeType="afterEffect">
+                                  <p:stCondLst>
+                                    <p:cond delay="0"/>
+                                  </p:stCondLst>
+                                  <p:childTnLst>
+                                    <p:set>
+                                      <p:cBhvr>
+                                        <p:cTn id="10" dur="1" fill="hold">
+                                          <p:stCondLst>
+                                            <p:cond delay="0"/>
+                                          </p:stCondLst>
+                                        </p:cTn>
+                                        <p:tgtEl>
+                                          <p:spTgt spid="4"/>
+                                        </p:tgtEl>
+                                        <p:attrNameLst>
+                                          <p:attrName>style.visibility</p:attrName>
+                                        </p:attrNameLst>
+                                      </p:cBhvr>
+                                      <p:to>
+                                        <p:strVal val="visible"/>
+                                      </p:to>
+                                    </p:set>
+                                    <p:animEffect transition="in" filter="fade">
+                                      <p:cBhvr>
+                                        <p:cTn id="11" dur="500"/>
+                                        <p:tgtEl>
+                                          <p:spTgt spid="4"/>
+                                        </p:tgtEl>
+                                      </p:cBhvr>
+                                    </p:animEffect>
+                                  </p:childTnLst>
+                                </p:cTn>
+                              </p:par>
+                            </p:childTnLst>
+                          </p:cTn>
+                        </p:par>
+                      </p:childTnLst>
+                    </p:cTn>
+                  </p:par>
+                </p:childTnLst>
+              </p:cTn>
+              <p:prevCondLst>
+                <p:cond evt="onPrev" delay="0">
+                  <p:tgtEl>
+                    <p:sldTgt/>
+                  </p:tgtEl>
+                </p:cond>
+              </p:prevCondLst>
+              <p:nextCondLst>
+                <p:cond evt="onNext" delay="0">
+                  <p:tgtEl>
+                    <p:sldTgt/>
+                  </p:tgtEl>
+                </p:cond>
+              </p:nextCondLst>
+            </p:seq>
+          </p:childTnLst>
+        </p:cTn>
+      </p:par>
+    </p:tnLst>
+    <p:bldLst>
+      <p:bldP spid="2" grpId="0"/>
+    </p:bldLst>
+  </p:timing>
+</p:sld>
+</file>
+
+<file path=ppt/slides/slide12.xml><?xml version="1.0" encoding="utf-8"?>
+<p:sld xmlns:a="http://schemas.openxmlformats.org/drawingml/2006/main" xmlns:r="http://schemas.openxmlformats.org/officeDocument/2006/relationships" xmlns:p="http://schemas.openxmlformats.org/presentationml/2006/main">
+  <p:cSld>
+    <p:spTree>
+      <p:nvGrpSpPr>
+        <p:cNvPr id="1" name=""/>
+        <p:cNvGrpSpPr/>
+        <p:nvPr/>
+      </p:nvGrpSpPr>
+      <p:grpSpPr>
+        <a:xfrm>
+          <a:off x="0" y="0"/>
+          <a:ext cx="0" cy="0"/>
+          <a:chOff x="0" y="0"/>
+          <a:chExt cx="0" cy="0"/>
+        </a:xfrm>
+      </p:grpSpPr>
+      <p:sp>
+        <p:nvSpPr>
+          <p:cNvPr id="6" name="Título 1">
+            <a:extLst>
+              <a:ext uri="{FF2B5EF4-FFF2-40B4-BE49-F238E27FC236}">
+                <a16:creationId xmlns:a16="http://schemas.microsoft.com/office/drawing/2014/main" id="{99F76FBE-1BC2-4EE6-B90A-22263BF7BDCD}"/>
+              </a:ext>
+            </a:extLst>
+          </p:cNvPr>
+          <p:cNvSpPr txBox="1">
+            <a:spLocks/>
+          </p:cNvSpPr>
+          <p:nvPr/>
+        </p:nvSpPr>
+        <p:spPr>
+          <a:xfrm>
+            <a:off x="838199" y="1433807"/>
+            <a:ext cx="10515600" cy="1325563"/>
+          </a:xfrm>
+          <a:prstGeom prst="rect">
+            <a:avLst/>
+          </a:prstGeom>
+        </p:spPr>
+        <p:txBody>
+          <a:bodyPr vert="horz" lIns="91440" tIns="45720" rIns="91440" bIns="45720" rtlCol="0" anchor="ctr">
+            <a:normAutofit/>
+          </a:bodyPr>
+          <a:lstStyle>
+            <a:lvl1pPr algn="l" defTabSz="914400" rtl="0" eaLnBrk="1" latinLnBrk="0" hangingPunct="1">
+              <a:lnSpc>
+                <a:spcPct val="90000"/>
+              </a:lnSpc>
+              <a:spcBef>
+                <a:spcPct val="0"/>
+              </a:spcBef>
+              <a:buNone/>
+              <a:defRPr sz="4400" kern="1200">
+                <a:solidFill>
+                  <a:schemeClr val="tx1"/>
+                </a:solidFill>
+                <a:latin typeface="+mj-lt"/>
+                <a:ea typeface="+mj-ea"/>
+                <a:cs typeface="+mj-cs"/>
+              </a:defRPr>
+            </a:lvl1pPr>
+          </a:lstStyle>
+          <a:p>
+            <a:pPr algn="ctr"/>
+            <a:r>
+              <a:rPr lang="pt-BR" dirty="0" smtClean="0">
+                <a:solidFill>
+                  <a:schemeClr val="tx1">
+                    <a:lumMod val="75000"/>
+                    <a:lumOff val="25000"/>
+                  </a:schemeClr>
+                </a:solidFill>
+                <a:latin typeface="Bariol Bold" panose="02000506040000020003" pitchFamily="2" charset="0"/>
+              </a:rPr>
+              <a:t>Banco de Dados</a:t>
+            </a:r>
+            <a:endParaRPr lang="pt-BR" dirty="0">
+              <a:solidFill>
+                <a:schemeClr val="tx1">
+                  <a:lumMod val="75000"/>
+                  <a:lumOff val="25000"/>
+                </a:schemeClr>
+              </a:solidFill>
+              <a:latin typeface="Bariol Bold" panose="02000506040000020003" pitchFamily="2" charset="0"/>
+            </a:endParaRPr>
+          </a:p>
+        </p:txBody>
+      </p:sp>
+      <p:pic>
+        <p:nvPicPr>
+          <p:cNvPr id="5" name="Imagem 4"/>
+          <p:cNvPicPr>
+            <a:picLocks noChangeAspect="1"/>
+          </p:cNvPicPr>
+          <p:nvPr/>
+        </p:nvPicPr>
+        <p:blipFill>
+          <a:blip r:embed="rId2" cstate="print">
+            <a:extLst>
+              <a:ext uri="{28A0092B-C50C-407E-A947-70E740481C1C}">
+                <a14:useLocalDpi xmlns:a14="http://schemas.microsoft.com/office/drawing/2010/main" val="0"/>
+              </a:ext>
+            </a:extLst>
+          </a:blip>
+          <a:stretch>
+            <a:fillRect/>
+          </a:stretch>
+        </p:blipFill>
+        <p:spPr>
+          <a:xfrm>
+            <a:off x="11313459" y="286497"/>
+            <a:ext cx="576000" cy="576000"/>
+          </a:xfrm>
+          <a:prstGeom prst="rect">
+            <a:avLst/>
+          </a:prstGeom>
+        </p:spPr>
+      </p:pic>
+      <p:pic>
+        <p:nvPicPr>
+          <p:cNvPr id="2" name="Imagem 1"/>
+          <p:cNvPicPr>
+            <a:picLocks noChangeAspect="1"/>
+          </p:cNvPicPr>
+          <p:nvPr/>
+        </p:nvPicPr>
+        <p:blipFill>
+          <a:blip r:embed="rId3">
+            <a:extLst>
+              <a:ext uri="{28A0092B-C50C-407E-A947-70E740481C1C}">
+                <a14:useLocalDpi xmlns:a14="http://schemas.microsoft.com/office/drawing/2010/main" val="0"/>
+              </a:ext>
+            </a:extLst>
+          </a:blip>
+          <a:stretch>
+            <a:fillRect/>
+          </a:stretch>
+        </p:blipFill>
+        <p:spPr>
+          <a:xfrm>
+            <a:off x="3176869" y="2650489"/>
+            <a:ext cx="5838260" cy="4207511"/>
+          </a:xfrm>
+          <a:prstGeom prst="rect">
+            <a:avLst/>
+          </a:prstGeom>
+        </p:spPr>
+      </p:pic>
+    </p:spTree>
+    <p:extLst>
+      <p:ext uri="{BB962C8B-B14F-4D97-AF65-F5344CB8AC3E}">
+        <p14:creationId xmlns:p14="http://schemas.microsoft.com/office/powerpoint/2010/main" val="2185208328"/>
+      </p:ext>
+    </p:extLst>
+  </p:cSld>
+  <p:clrMapOvr>
+    <a:masterClrMapping/>
+  </p:clrMapOvr>
+  <mc:AlternateContent xmlns:mc="http://schemas.openxmlformats.org/markup-compatibility/2006" xmlns:p14="http://schemas.microsoft.com/office/powerpoint/2010/main">
+    <mc:Choice Requires="p14">
+      <p:transition spd="med" p14:dur="700">
+        <p:fade/>
+      </p:transition>
+    </mc:Choice>
+    <mc:Fallback xmlns="">
+      <p:transition spd="med">
+        <p:fade/>
+      </p:transition>
+    </mc:Fallback>
+  </mc:AlternateContent>
+  <p:timing>
+    <p:tnLst>
+      <p:par>
+        <p:cTn id="1" dur="indefinite" restart="never" nodeType="tmRoot">
+          <p:childTnLst>
+            <p:seq concurrent="1" nextAc="seek">
+              <p:cTn id="2" dur="indefinite" nodeType="mainSeq">
+                <p:childTnLst>
+                  <p:par>
+                    <p:cTn id="3" fill="hold">
+                      <p:stCondLst>
+                        <p:cond delay="indefinite"/>
+                        <p:cond evt="onBegin" delay="0">
+                          <p:tn val="2"/>
+                        </p:cond>
+                      </p:stCondLst>
+                      <p:childTnLst>
+                        <p:par>
+                          <p:cTn id="4" fill="hold">
+                            <p:stCondLst>
+                              <p:cond delay="0"/>
+                            </p:stCondLst>
+                            <p:childTnLst>
+                              <p:par>
+                                <p:cTn id="5" presetID="10" presetClass="entr" presetSubtype="0" fill="hold" grpId="0" nodeType="afterEffect">
+                                  <p:stCondLst>
+                                    <p:cond delay="0"/>
+                                  </p:stCondLst>
+                                  <p:childTnLst>
+                                    <p:set>
+                                      <p:cBhvr>
+                                        <p:cTn id="6" dur="1" fill="hold">
+                                          <p:stCondLst>
+                                            <p:cond delay="0"/>
+                                          </p:stCondLst>
+                                        </p:cTn>
+                                        <p:tgtEl>
+                                          <p:spTgt spid="6"/>
+                                        </p:tgtEl>
+                                        <p:attrNameLst>
+                                          <p:attrName>style.visibility</p:attrName>
+                                        </p:attrNameLst>
+                                      </p:cBhvr>
+                                      <p:to>
+                                        <p:strVal val="visible"/>
+                                      </p:to>
+                                    </p:set>
+                                    <p:animEffect transition="in" filter="fade">
+                                      <p:cBhvr>
+                                        <p:cTn id="7" dur="500"/>
+                                        <p:tgtEl>
+                                          <p:spTgt spid="6"/>
+                                        </p:tgtEl>
+                                      </p:cBhvr>
+                                    </p:animEffect>
+                                  </p:childTnLst>
+                                </p:cTn>
+                              </p:par>
+                            </p:childTnLst>
+                          </p:cTn>
+                        </p:par>
+                        <p:par>
+                          <p:cTn id="8" fill="hold">
+                            <p:stCondLst>
+                              <p:cond delay="500"/>
+                            </p:stCondLst>
+                            <p:childTnLst>
+                              <p:par>
+                                <p:cTn id="9" presetID="10" presetClass="entr" presetSubtype="0" fill="hold" nodeType="afterEffect">
+                                  <p:stCondLst>
+                                    <p:cond delay="0"/>
+                                  </p:stCondLst>
+                                  <p:childTnLst>
+                                    <p:set>
+                                      <p:cBhvr>
+                                        <p:cTn id="10" dur="1" fill="hold">
+                                          <p:stCondLst>
+                                            <p:cond delay="0"/>
+                                          </p:stCondLst>
+                                        </p:cTn>
+                                        <p:tgtEl>
+                                          <p:spTgt spid="2"/>
+                                        </p:tgtEl>
+                                        <p:attrNameLst>
+                                          <p:attrName>style.visibility</p:attrName>
+                                        </p:attrNameLst>
+                                      </p:cBhvr>
+                                      <p:to>
+                                        <p:strVal val="visible"/>
+                                      </p:to>
+                                    </p:set>
+                                    <p:animEffect transition="in" filter="fade">
+                                      <p:cBhvr>
+                                        <p:cTn id="11" dur="500"/>
+                                        <p:tgtEl>
+                                          <p:spTgt spid="2"/>
+                                        </p:tgtEl>
+                                      </p:cBhvr>
+                                    </p:animEffect>
+                                  </p:childTnLst>
+                                </p:cTn>
+                              </p:par>
+                            </p:childTnLst>
+                          </p:cTn>
+                        </p:par>
+                      </p:childTnLst>
+                    </p:cTn>
+                  </p:par>
+                </p:childTnLst>
+              </p:cTn>
+              <p:prevCondLst>
+                <p:cond evt="onPrev" delay="0">
+                  <p:tgtEl>
+                    <p:sldTgt/>
+                  </p:tgtEl>
+                </p:cond>
+              </p:prevCondLst>
+              <p:nextCondLst>
+                <p:cond evt="onNext" delay="0">
+                  <p:tgtEl>
+                    <p:sldTgt/>
+                  </p:tgtEl>
+                </p:cond>
+              </p:nextCondLst>
+            </p:seq>
+          </p:childTnLst>
+        </p:cTn>
+      </p:par>
+    </p:tnLst>
+    <p:bldLst>
+      <p:bldP spid="6" grpId="0"/>
+    </p:bldLst>
+  </p:timing>
+</p:sld>
+</file>
+
+<file path=ppt/slides/slide13.xml><?xml version="1.0" encoding="utf-8"?>
+<p:sld xmlns:a="http://schemas.openxmlformats.org/drawingml/2006/main" xmlns:r="http://schemas.openxmlformats.org/officeDocument/2006/relationships" xmlns:p="http://schemas.openxmlformats.org/presentationml/2006/main">
+  <p:cSld>
+    <p:spTree>
+      <p:nvGrpSpPr>
+        <p:cNvPr id="1" name=""/>
+        <p:cNvGrpSpPr/>
+        <p:nvPr/>
+      </p:nvGrpSpPr>
+      <p:grpSpPr>
+        <a:xfrm>
+          <a:off x="0" y="0"/>
+          <a:ext cx="0" cy="0"/>
+          <a:chOff x="0" y="0"/>
+          <a:chExt cx="0" cy="0"/>
+        </a:xfrm>
+      </p:grpSpPr>
+      <p:sp>
+        <p:nvSpPr>
+          <p:cNvPr id="6" name="Título 1">
+            <a:extLst>
+              <a:ext uri="{FF2B5EF4-FFF2-40B4-BE49-F238E27FC236}">
+                <a16:creationId xmlns:a16="http://schemas.microsoft.com/office/drawing/2014/main" id="{99F76FBE-1BC2-4EE6-B90A-22263BF7BDCD}"/>
+              </a:ext>
+            </a:extLst>
+          </p:cNvPr>
+          <p:cNvSpPr txBox="1">
+            <a:spLocks/>
+          </p:cNvSpPr>
+          <p:nvPr/>
+        </p:nvSpPr>
+        <p:spPr>
+          <a:xfrm>
+            <a:off x="838199" y="1433807"/>
+            <a:ext cx="10515600" cy="1325563"/>
+          </a:xfrm>
+          <a:prstGeom prst="rect">
+            <a:avLst/>
+          </a:prstGeom>
+        </p:spPr>
+        <p:txBody>
+          <a:bodyPr vert="horz" lIns="91440" tIns="45720" rIns="91440" bIns="45720" rtlCol="0" anchor="ctr">
+            <a:normAutofit/>
+          </a:bodyPr>
+          <a:lstStyle>
+            <a:lvl1pPr algn="l" defTabSz="914400" rtl="0" eaLnBrk="1" latinLnBrk="0" hangingPunct="1">
+              <a:lnSpc>
+                <a:spcPct val="90000"/>
+              </a:lnSpc>
+              <a:spcBef>
+                <a:spcPct val="0"/>
+              </a:spcBef>
+              <a:buNone/>
+              <a:defRPr sz="4400" kern="1200">
+                <a:solidFill>
+                  <a:schemeClr val="tx1"/>
+                </a:solidFill>
+                <a:latin typeface="+mj-lt"/>
+                <a:ea typeface="+mj-ea"/>
+                <a:cs typeface="+mj-cs"/>
+              </a:defRPr>
+            </a:lvl1pPr>
+          </a:lstStyle>
+          <a:p>
+            <a:pPr algn="ctr"/>
+            <a:r>
+              <a:rPr lang="pt-BR" dirty="0" err="1" smtClean="0">
+                <a:solidFill>
+                  <a:schemeClr val="tx1">
+                    <a:lumMod val="75000"/>
+                    <a:lumOff val="25000"/>
+                  </a:schemeClr>
+                </a:solidFill>
+                <a:latin typeface="Bariol Bold" panose="02000506040000020003" pitchFamily="2" charset="0"/>
+              </a:rPr>
+              <a:t>Arduino</a:t>
+            </a:r>
+            <a:endParaRPr lang="pt-BR" dirty="0">
+              <a:solidFill>
+                <a:schemeClr val="tx1">
+                  <a:lumMod val="75000"/>
+                  <a:lumOff val="25000"/>
+                </a:schemeClr>
+              </a:solidFill>
+              <a:latin typeface="Bariol Bold" panose="02000506040000020003" pitchFamily="2" charset="0"/>
+            </a:endParaRPr>
+          </a:p>
+        </p:txBody>
+      </p:sp>
+      <p:pic>
+        <p:nvPicPr>
+          <p:cNvPr id="5" name="Imagem 4"/>
+          <p:cNvPicPr>
+            <a:picLocks noChangeAspect="1"/>
+          </p:cNvPicPr>
+          <p:nvPr/>
+        </p:nvPicPr>
+        <p:blipFill>
+          <a:blip r:embed="rId2" cstate="print">
+            <a:extLst>
+              <a:ext uri="{28A0092B-C50C-407E-A947-70E740481C1C}">
+                <a14:useLocalDpi xmlns:a14="http://schemas.microsoft.com/office/drawing/2010/main" val="0"/>
+              </a:ext>
+            </a:extLst>
+          </a:blip>
+          <a:stretch>
+            <a:fillRect/>
+          </a:stretch>
+        </p:blipFill>
+        <p:spPr>
+          <a:xfrm>
+            <a:off x="11313459" y="286497"/>
+            <a:ext cx="576000" cy="576000"/>
+          </a:xfrm>
+          <a:prstGeom prst="rect">
+            <a:avLst/>
+          </a:prstGeom>
+        </p:spPr>
+      </p:pic>
+    </p:spTree>
+    <p:extLst>
+      <p:ext uri="{BB962C8B-B14F-4D97-AF65-F5344CB8AC3E}">
+        <p14:creationId xmlns:p14="http://schemas.microsoft.com/office/powerpoint/2010/main" val="423573388"/>
+      </p:ext>
+    </p:extLst>
+  </p:cSld>
+  <p:clrMapOvr>
+    <a:masterClrMapping/>
+  </p:clrMapOvr>
+  <mc:AlternateContent xmlns:mc="http://schemas.openxmlformats.org/markup-compatibility/2006" xmlns:p14="http://schemas.microsoft.com/office/powerpoint/2010/main">
+    <mc:Choice Requires="p14">
+      <p:transition spd="med" p14:dur="700">
+        <p:fade/>
+      </p:transition>
+    </mc:Choice>
+    <mc:Fallback xmlns="">
+      <p:transition spd="med">
+        <p:fade/>
+      </p:transition>
+    </mc:Fallback>
+  </mc:AlternateContent>
+  <p:timing>
+    <p:tnLst>
+      <p:par>
+        <p:cTn id="1" dur="indefinite" restart="never" nodeType="tmRoot">
+          <p:childTnLst>
+            <p:seq concurrent="1" nextAc="seek">
+              <p:cTn id="2" dur="indefinite" nodeType="mainSeq">
+                <p:childTnLst>
+                  <p:par>
+                    <p:cTn id="3" fill="hold">
+                      <p:stCondLst>
+                        <p:cond delay="indefinite"/>
+                        <p:cond evt="onBegin" delay="0">
+                          <p:tn val="2"/>
+                        </p:cond>
+                      </p:stCondLst>
+                      <p:childTnLst>
+                        <p:par>
+                          <p:cTn id="4" fill="hold">
+                            <p:stCondLst>
+                              <p:cond delay="0"/>
+                            </p:stCondLst>
+                            <p:childTnLst>
+                              <p:par>
+                                <p:cTn id="5" presetID="10" presetClass="entr" presetSubtype="0" fill="hold" grpId="0" nodeType="afterEffect">
+                                  <p:stCondLst>
+                                    <p:cond delay="0"/>
+                                  </p:stCondLst>
+                                  <p:childTnLst>
+                                    <p:set>
+                                      <p:cBhvr>
+                                        <p:cTn id="6" dur="1" fill="hold">
+                                          <p:stCondLst>
+                                            <p:cond delay="0"/>
+                                          </p:stCondLst>
+                                        </p:cTn>
+                                        <p:tgtEl>
+                                          <p:spTgt spid="6"/>
+                                        </p:tgtEl>
+                                        <p:attrNameLst>
+                                          <p:attrName>style.visibility</p:attrName>
+                                        </p:attrNameLst>
+                                      </p:cBhvr>
+                                      <p:to>
+                                        <p:strVal val="visible"/>
+                                      </p:to>
+                                    </p:set>
+                                    <p:animEffect transition="in" filter="fade">
+                                      <p:cBhvr>
+                                        <p:cTn id="7" dur="500"/>
+                                        <p:tgtEl>
+                                          <p:spTgt spid="6"/>
+                                        </p:tgtEl>
+                                      </p:cBhvr>
+                                    </p:animEffect>
+                                  </p:childTnLst>
+                                </p:cTn>
+                              </p:par>
+                            </p:childTnLst>
+                          </p:cTn>
+                        </p:par>
+                      </p:childTnLst>
+                    </p:cTn>
+                  </p:par>
+                </p:childTnLst>
+              </p:cTn>
+              <p:prevCondLst>
+                <p:cond evt="onPrev" delay="0">
+                  <p:tgtEl>
+                    <p:sldTgt/>
+                  </p:tgtEl>
+                </p:cond>
+              </p:prevCondLst>
+              <p:nextCondLst>
+                <p:cond evt="onNext" delay="0">
+                  <p:tgtEl>
+                    <p:sldTgt/>
+                  </p:tgtEl>
+                </p:cond>
+              </p:nextCondLst>
+            </p:seq>
+          </p:childTnLst>
+        </p:cTn>
+      </p:par>
+    </p:tnLst>
+    <p:bldLst>
+      <p:bldP spid="6" grpId="0"/>
+    </p:bldLst>
+  </p:timing>
+</p:sld>
+</file>
+
+<file path=ppt/slides/slide14.xml><?xml version="1.0" encoding="utf-8"?>
 <p:sld xmlns:a="http://schemas.openxmlformats.org/drawingml/2006/main" xmlns:r="http://schemas.openxmlformats.org/officeDocument/2006/relationships" xmlns:p="http://schemas.openxmlformats.org/presentationml/2006/main">
   <p:cSld>
     <p:spTree>
@@ -4144,9 +5306,59 @@
           <a:chExt cx="0" cy="0"/>
         </a:xfrm>
       </p:grpSpPr>
+      <p:sp>
+        <p:nvSpPr>
+          <p:cNvPr id="2" name="Título 1">
+            <a:extLst>
+              <a:ext uri="{FF2B5EF4-FFF2-40B4-BE49-F238E27FC236}">
+                <a16:creationId xmlns:a16="http://schemas.microsoft.com/office/drawing/2014/main" id="{99F76FBE-1BC2-4EE6-B90A-22263BF7BDCD}"/>
+              </a:ext>
+            </a:extLst>
+          </p:cNvPr>
+          <p:cNvSpPr>
+            <a:spLocks noGrp="1"/>
+          </p:cNvSpPr>
+          <p:nvPr>
+            <p:ph type="title"/>
+          </p:nvPr>
+        </p:nvSpPr>
+        <p:spPr>
+          <a:xfrm>
+            <a:off x="842683" y="392019"/>
+            <a:ext cx="10515600" cy="1325563"/>
+          </a:xfrm>
+        </p:spPr>
+        <p:txBody>
+          <a:bodyPr/>
+          <a:lstStyle/>
+          <a:p>
+            <a:r>
+              <a:rPr lang="pt-BR" dirty="0" smtClean="0">
+                <a:solidFill>
+                  <a:schemeClr val="tx1">
+                    <a:lumMod val="75000"/>
+                    <a:lumOff val="25000"/>
+                  </a:schemeClr>
+                </a:solidFill>
+                <a:latin typeface="Bariol Bold" panose="02000506040000020003" pitchFamily="2" charset="0"/>
+              </a:rPr>
+              <a:t>Segmento/Contexto</a:t>
+            </a:r>
+            <a:endParaRPr lang="pt-BR" dirty="0">
+              <a:solidFill>
+                <a:schemeClr val="tx1">
+                  <a:lumMod val="75000"/>
+                  <a:lumOff val="25000"/>
+                </a:schemeClr>
+              </a:solidFill>
+              <a:latin typeface="Bariol Bold" panose="02000506040000020003" pitchFamily="2" charset="0"/>
+            </a:endParaRPr>
+          </a:p>
+        </p:txBody>
+      </p:sp>
       <p:pic>
         <p:nvPicPr>
-          <p:cNvPr id="5" name="Imagem 4"/>
+          <p:cNvPr id="8" name="Imagem 7"/>
           <p:cNvPicPr>
             <a:picLocks noChangeAspect="1"/>
           </p:cNvPicPr>
@@ -4174,59 +5386,9 @@
           </a:prstGeom>
         </p:spPr>
       </p:pic>
-      <p:sp>
-        <p:nvSpPr>
-          <p:cNvPr id="6" name="Título 1">
-            <a:extLst>
-              <a:ext uri="{FF2B5EF4-FFF2-40B4-BE49-F238E27FC236}">
-                <a16:creationId xmlns:a16="http://schemas.microsoft.com/office/drawing/2014/main" id="{99F76FBE-1BC2-4EE6-B90A-22263BF7BDCD}"/>
-              </a:ext>
-            </a:extLst>
-          </p:cNvPr>
-          <p:cNvSpPr>
-            <a:spLocks noGrp="1"/>
-          </p:cNvSpPr>
-          <p:nvPr>
-            <p:ph type="title"/>
-          </p:nvPr>
-        </p:nvSpPr>
-        <p:spPr>
-          <a:xfrm>
-            <a:off x="838200" y="365125"/>
-            <a:ext cx="10515600" cy="1325563"/>
-          </a:xfrm>
-        </p:spPr>
-        <p:txBody>
-          <a:bodyPr/>
-          <a:lstStyle/>
-          <a:p>
-            <a:r>
-              <a:rPr lang="pt-BR" dirty="0" smtClean="0">
-                <a:solidFill>
-                  <a:schemeClr val="tx1">
-                    <a:lumMod val="75000"/>
-                    <a:lumOff val="25000"/>
-                  </a:schemeClr>
-                </a:solidFill>
-                <a:latin typeface="Bariol Bold" panose="02000506040000020003" pitchFamily="2" charset="0"/>
-              </a:rPr>
-              <a:t>Segmento/Mercado</a:t>
-            </a:r>
-            <a:endParaRPr lang="pt-BR" dirty="0">
-              <a:solidFill>
-                <a:schemeClr val="tx1">
-                  <a:lumMod val="75000"/>
-                  <a:lumOff val="25000"/>
-                </a:schemeClr>
-              </a:solidFill>
-              <a:latin typeface="Bariol Bold" panose="02000506040000020003" pitchFamily="2" charset="0"/>
-            </a:endParaRPr>
-          </a:p>
-        </p:txBody>
-      </p:sp>
       <p:pic>
         <p:nvPicPr>
-          <p:cNvPr id="13" name="Imagem 12"/>
+          <p:cNvPr id="9" name="Imagem 8"/>
           <p:cNvPicPr>
             <a:picLocks noChangeAspect="1"/>
           </p:cNvPicPr>
@@ -4246,8 +5408,8 @@
         </p:blipFill>
         <p:spPr>
           <a:xfrm>
-            <a:off x="7756794" y="3827073"/>
-            <a:ext cx="4163698" cy="3030927"/>
+            <a:off x="7901991" y="3657600"/>
+            <a:ext cx="3873304" cy="3200400"/>
           </a:xfrm>
           <a:prstGeom prst="rect">
             <a:avLst/>
@@ -4257,7 +5419,7 @@
     </p:spTree>
     <p:extLst>
       <p:ext uri="{BB962C8B-B14F-4D97-AF65-F5344CB8AC3E}">
-        <p14:creationId xmlns:p14="http://schemas.microsoft.com/office/powerpoint/2010/main" val="723741193"/>
+        <p14:creationId xmlns:p14="http://schemas.microsoft.com/office/powerpoint/2010/main" val="3934364964"/>
       </p:ext>
     </p:extLst>
   </p:cSld>
@@ -4313,7 +5475,7 @@
                                           </p:stCondLst>
                                         </p:cTn>
                                         <p:tgtEl>
-                                          <p:spTgt spid="13"/>
+                                          <p:spTgt spid="9"/>
                                         </p:tgtEl>
                                         <p:attrNameLst>
                                           <p:attrName>style.visibility</p:attrName>
@@ -4327,7 +5489,7 @@
                                       <p:cBhvr>
                                         <p:cTn id="7" dur="500"/>
                                         <p:tgtEl>
-                                          <p:spTgt spid="13"/>
+                                          <p:spTgt spid="9"/>
                                         </p:tgtEl>
                                       </p:cBhvr>
                                     </p:animEffect>
@@ -4398,12 +5560,7 @@
             <p:ph type="title"/>
           </p:nvPr>
         </p:nvSpPr>
-        <p:spPr>
-          <a:xfrm>
-            <a:off x="842683" y="392019"/>
-            <a:ext cx="10515600" cy="1325563"/>
-          </a:xfrm>
-        </p:spPr>
+        <p:spPr/>
         <p:txBody>
           <a:bodyPr/>
           <a:lstStyle/>
@@ -4418,7 +5575,7 @@
                 </a:solidFill>
                 <a:latin typeface="Bariol Bold" panose="02000506040000020003" pitchFamily="2" charset="0"/>
               </a:rPr>
-              <a:t>Contexto</a:t>
+              <a:t>Problema</a:t>
             </a:r>
           </a:p>
         </p:txBody>
@@ -4475,8 +5632,8 @@
         </p:blipFill>
         <p:spPr>
           <a:xfrm>
-            <a:off x="7901991" y="3657600"/>
-            <a:ext cx="3873304" cy="3200400"/>
+            <a:off x="7716172" y="3846172"/>
+            <a:ext cx="4244942" cy="3011828"/>
           </a:xfrm>
           <a:prstGeom prst="rect">
             <a:avLst/>
@@ -4486,7 +5643,7 @@
     </p:spTree>
     <p:extLst>
       <p:ext uri="{BB962C8B-B14F-4D97-AF65-F5344CB8AC3E}">
-        <p14:creationId xmlns:p14="http://schemas.microsoft.com/office/powerpoint/2010/main" val="3934364964"/>
+        <p14:creationId xmlns:p14="http://schemas.microsoft.com/office/powerpoint/2010/main" val="2210787078"/>
       </p:ext>
     </p:extLst>
   </p:cSld>
@@ -4613,27 +5770,54 @@
       </p:grpSpPr>
       <p:sp>
         <p:nvSpPr>
-          <p:cNvPr id="2" name="Título 1">
+          <p:cNvPr id="7" name="Título 1">
             <a:extLst>
               <a:ext uri="{FF2B5EF4-FFF2-40B4-BE49-F238E27FC236}">
                 <a16:creationId xmlns:a16="http://schemas.microsoft.com/office/drawing/2014/main" id="{99F76FBE-1BC2-4EE6-B90A-22263BF7BDCD}"/>
               </a:ext>
             </a:extLst>
           </p:cNvPr>
-          <p:cNvSpPr>
-            <a:spLocks noGrp="1"/>
+          <p:cNvSpPr txBox="1">
+            <a:spLocks/>
           </p:cNvSpPr>
-          <p:nvPr>
-            <p:ph type="title"/>
-          </p:nvPr>
-        </p:nvSpPr>
-        <p:spPr/>
-        <p:txBody>
-          <a:bodyPr/>
-          <a:lstStyle/>
-          <a:p>
-            <a:r>
-              <a:rPr lang="pt-BR" dirty="0">
+          <p:nvPr/>
+        </p:nvSpPr>
+        <p:spPr>
+          <a:xfrm>
+            <a:off x="838199" y="1433807"/>
+            <a:ext cx="10515600" cy="1325563"/>
+          </a:xfrm>
+          <a:prstGeom prst="rect">
+            <a:avLst/>
+          </a:prstGeom>
+        </p:spPr>
+        <p:txBody>
+          <a:bodyPr vert="horz" lIns="91440" tIns="45720" rIns="91440" bIns="45720" rtlCol="0" anchor="ctr">
+            <a:normAutofit/>
+          </a:bodyPr>
+          <a:lstStyle>
+            <a:lvl1pPr algn="l" defTabSz="914400" rtl="0" eaLnBrk="1" latinLnBrk="0" hangingPunct="1">
+              <a:lnSpc>
+                <a:spcPct val="90000"/>
+              </a:lnSpc>
+              <a:spcBef>
+                <a:spcPct val="0"/>
+              </a:spcBef>
+              <a:buNone/>
+              <a:defRPr sz="4400" kern="1200">
+                <a:solidFill>
+                  <a:schemeClr val="tx1"/>
+                </a:solidFill>
+                <a:latin typeface="+mj-lt"/>
+                <a:ea typeface="+mj-ea"/>
+                <a:cs typeface="+mj-cs"/>
+              </a:defRPr>
+            </a:lvl1pPr>
+          </a:lstStyle>
+          <a:p>
+            <a:pPr algn="ctr"/>
+            <a:r>
+              <a:rPr lang="pt-BR" dirty="0" smtClean="0">
                 <a:solidFill>
                   <a:schemeClr val="tx1">
                     <a:lumMod val="75000"/>
@@ -4642,14 +5826,23 @@
                 </a:solidFill>
                 <a:latin typeface="Bariol Bold" panose="02000506040000020003" pitchFamily="2" charset="0"/>
               </a:rPr>
-              <a:t>Problema</a:t>
-            </a:r>
+              <a:t>HLD</a:t>
+            </a:r>
+            <a:endParaRPr lang="pt-BR" dirty="0">
+              <a:solidFill>
+                <a:schemeClr val="tx1">
+                  <a:lumMod val="75000"/>
+                  <a:lumOff val="25000"/>
+                </a:schemeClr>
+              </a:solidFill>
+              <a:latin typeface="Bariol Bold" panose="02000506040000020003" pitchFamily="2" charset="0"/>
+            </a:endParaRPr>
           </a:p>
         </p:txBody>
       </p:sp>
       <p:pic>
         <p:nvPicPr>
-          <p:cNvPr id="8" name="Imagem 7"/>
+          <p:cNvPr id="5" name="Imagem 4"/>
           <p:cNvPicPr>
             <a:picLocks noChangeAspect="1"/>
           </p:cNvPicPr>
@@ -4679,14 +5872,14 @@
       </p:pic>
       <p:pic>
         <p:nvPicPr>
-          <p:cNvPr id="9" name="Imagem 8"/>
+          <p:cNvPr id="2" name="Imagem 1"/>
           <p:cNvPicPr>
             <a:picLocks noChangeAspect="1"/>
           </p:cNvPicPr>
           <p:nvPr/>
         </p:nvPicPr>
         <p:blipFill>
-          <a:blip r:embed="rId3" cstate="print">
+          <a:blip r:embed="rId3">
             <a:extLst>
               <a:ext uri="{28A0092B-C50C-407E-A947-70E740481C1C}">
                 <a14:useLocalDpi xmlns:a14="http://schemas.microsoft.com/office/drawing/2010/main" val="0"/>
@@ -4699,8 +5892,8 @@
         </p:blipFill>
         <p:spPr>
           <a:xfrm>
-            <a:off x="7716172" y="3846172"/>
-            <a:ext cx="4244942" cy="3011828"/>
+            <a:off x="3250285" y="2759370"/>
+            <a:ext cx="5691427" cy="3840332"/>
           </a:xfrm>
           <a:prstGeom prst="rect">
             <a:avLst/>
@@ -4710,7 +5903,7 @@
     </p:spTree>
     <p:extLst>
       <p:ext uri="{BB962C8B-B14F-4D97-AF65-F5344CB8AC3E}">
-        <p14:creationId xmlns:p14="http://schemas.microsoft.com/office/powerpoint/2010/main" val="2210787078"/>
+        <p14:creationId xmlns:p14="http://schemas.microsoft.com/office/powerpoint/2010/main" val="3319278386"/>
       </p:ext>
     </p:extLst>
   </p:cSld>
@@ -4753,7 +5946,7 @@
                             </p:stCondLst>
                             <p:childTnLst>
                               <p:par>
-                                <p:cTn id="5" presetID="10" presetClass="entr" presetSubtype="0" fill="hold" nodeType="afterEffect">
+                                <p:cTn id="5" presetID="10" presetClass="entr" presetSubtype="0" fill="hold" grpId="0" nodeType="afterEffect">
                                   <p:stCondLst>
                                     <p:cond delay="0"/>
                                   </p:stCondLst>
@@ -4766,7 +5959,7 @@
                                           </p:stCondLst>
                                         </p:cTn>
                                         <p:tgtEl>
-                                          <p:spTgt spid="9"/>
+                                          <p:spTgt spid="7"/>
                                         </p:tgtEl>
                                         <p:attrNameLst>
                                           <p:attrName>style.visibility</p:attrName>
@@ -4780,10 +5973,124 @@
                                       <p:cBhvr>
                                         <p:cTn id="7" dur="500"/>
                                         <p:tgtEl>
-                                          <p:spTgt spid="9"/>
+                                          <p:spTgt spid="7"/>
                                         </p:tgtEl>
                                       </p:cBhvr>
                                     </p:animEffect>
+                                  </p:childTnLst>
+                                </p:cTn>
+                              </p:par>
+                              <p:par>
+                                <p:cTn id="8" presetID="10" presetClass="entr" presetSubtype="0" fill="hold" nodeType="withEffect">
+                                  <p:stCondLst>
+                                    <p:cond delay="0"/>
+                                  </p:stCondLst>
+                                  <p:childTnLst>
+                                    <p:set>
+                                      <p:cBhvr>
+                                        <p:cTn id="9" dur="1" fill="hold">
+                                          <p:stCondLst>
+                                            <p:cond delay="0"/>
+                                          </p:stCondLst>
+                                        </p:cTn>
+                                        <p:tgtEl>
+                                          <p:spTgt spid="2"/>
+                                        </p:tgtEl>
+                                        <p:attrNameLst>
+                                          <p:attrName>style.visibility</p:attrName>
+                                        </p:attrNameLst>
+                                      </p:cBhvr>
+                                      <p:to>
+                                        <p:strVal val="visible"/>
+                                      </p:to>
+                                    </p:set>
+                                    <p:animEffect transition="in" filter="fade">
+                                      <p:cBhvr>
+                                        <p:cTn id="10" dur="500"/>
+                                        <p:tgtEl>
+                                          <p:spTgt spid="2"/>
+                                        </p:tgtEl>
+                                      </p:cBhvr>
+                                    </p:animEffect>
+                                  </p:childTnLst>
+                                </p:cTn>
+                              </p:par>
+                            </p:childTnLst>
+                          </p:cTn>
+                        </p:par>
+                        <p:par>
+                          <p:cTn id="11" fill="hold">
+                            <p:stCondLst>
+                              <p:cond delay="500"/>
+                            </p:stCondLst>
+                            <p:childTnLst>
+                              <p:par>
+                                <p:cTn id="12" presetID="10" presetClass="exit" presetSubtype="0" fill="hold" grpId="1" nodeType="afterEffect">
+                                  <p:stCondLst>
+                                    <p:cond delay="1000"/>
+                                  </p:stCondLst>
+                                  <p:childTnLst>
+                                    <p:animEffect transition="out" filter="fade">
+                                      <p:cBhvr>
+                                        <p:cTn id="13" dur="500"/>
+                                        <p:tgtEl>
+                                          <p:spTgt spid="7"/>
+                                        </p:tgtEl>
+                                      </p:cBhvr>
+                                    </p:animEffect>
+                                    <p:set>
+                                      <p:cBhvr>
+                                        <p:cTn id="14" dur="1" fill="hold">
+                                          <p:stCondLst>
+                                            <p:cond delay="499"/>
+                                          </p:stCondLst>
+                                        </p:cTn>
+                                        <p:tgtEl>
+                                          <p:spTgt spid="7"/>
+                                        </p:tgtEl>
+                                        <p:attrNameLst>
+                                          <p:attrName>style.visibility</p:attrName>
+                                        </p:attrNameLst>
+                                      </p:cBhvr>
+                                      <p:to>
+                                        <p:strVal val="hidden"/>
+                                      </p:to>
+                                    </p:set>
+                                  </p:childTnLst>
+                                </p:cTn>
+                              </p:par>
+                              <p:par>
+                                <p:cTn id="15" presetID="10" presetClass="exit" presetSubtype="0" fill="hold" nodeType="withEffect">
+                                  <p:stCondLst>
+                                    <p:cond delay="1000"/>
+                                  </p:stCondLst>
+                                  <p:childTnLst>
+                                    <p:animEffect transition="out" filter="fade">
+                                      <p:cBhvr>
+                                        <p:cTn id="16" dur="500"/>
+                                        <p:tgtEl>
+                                          <p:spTgt spid="2"/>
+                                        </p:tgtEl>
+                                      </p:cBhvr>
+                                    </p:animEffect>
+                                    <p:set>
+                                      <p:cBhvr>
+                                        <p:cTn id="17" dur="1" fill="hold">
+                                          <p:stCondLst>
+                                            <p:cond delay="499"/>
+                                          </p:stCondLst>
+                                        </p:cTn>
+                                        <p:tgtEl>
+                                          <p:spTgt spid="2"/>
+                                        </p:tgtEl>
+                                        <p:attrNameLst>
+                                          <p:attrName>style.visibility</p:attrName>
+                                        </p:attrNameLst>
+                                      </p:cBhvr>
+                                      <p:to>
+                                        <p:strVal val="hidden"/>
+                                      </p:to>
+                                    </p:set>
                                   </p:childTnLst>
                                 </p:cTn>
                               </p:par>
@@ -4814,11 +6121,3870 @@
         </p:cTn>
       </p:par>
     </p:tnLst>
+    <p:bldLst>
+      <p:bldP spid="7" grpId="0"/>
+      <p:bldP spid="7" grpId="1"/>
+    </p:bldLst>
   </p:timing>
 </p:sld>
 </file>
 
 <file path=ppt/slides/slide6.xml><?xml version="1.0" encoding="utf-8"?>
+<p:sld xmlns:a="http://schemas.openxmlformats.org/drawingml/2006/main" xmlns:r="http://schemas.openxmlformats.org/officeDocument/2006/relationships" xmlns:p="http://schemas.openxmlformats.org/presentationml/2006/main">
+  <p:cSld>
+    <p:spTree>
+      <p:nvGrpSpPr>
+        <p:cNvPr id="1" name=""/>
+        <p:cNvGrpSpPr/>
+        <p:nvPr/>
+      </p:nvGrpSpPr>
+      <p:grpSpPr>
+        <a:xfrm>
+          <a:off x="0" y="0"/>
+          <a:ext cx="0" cy="0"/>
+          <a:chOff x="0" y="0"/>
+          <a:chExt cx="0" cy="0"/>
+        </a:xfrm>
+      </p:grpSpPr>
+      <p:sp>
+        <p:nvSpPr>
+          <p:cNvPr id="6" name="Retângulo 5"/>
+          <p:cNvSpPr/>
+          <p:nvPr/>
+        </p:nvSpPr>
+        <p:spPr>
+          <a:xfrm>
+            <a:off x="600892" y="287383"/>
+            <a:ext cx="4885508" cy="2560320"/>
+          </a:xfrm>
+          <a:prstGeom prst="rect">
+            <a:avLst/>
+          </a:prstGeom>
+          <a:solidFill>
+            <a:schemeClr val="bg1"/>
+          </a:solidFill>
+          <a:ln>
+            <a:solidFill>
+              <a:schemeClr val="tx1">
+                <a:lumMod val="50000"/>
+                <a:lumOff val="50000"/>
+              </a:schemeClr>
+            </a:solidFill>
+          </a:ln>
+        </p:spPr>
+        <p:style>
+          <a:lnRef idx="2">
+            <a:schemeClr val="accent1">
+              <a:shade val="50000"/>
+            </a:schemeClr>
+          </a:lnRef>
+          <a:fillRef idx="1">
+            <a:schemeClr val="accent1"/>
+          </a:fillRef>
+          <a:effectRef idx="0">
+            <a:schemeClr val="accent1"/>
+          </a:effectRef>
+          <a:fontRef idx="minor">
+            <a:schemeClr val="lt1"/>
+          </a:fontRef>
+        </p:style>
+        <p:txBody>
+          <a:bodyPr rtlCol="0" anchor="ctr"/>
+          <a:lstStyle/>
+          <a:p>
+            <a:pPr algn="ctr"/>
+            <a:endParaRPr lang="pt-BR"/>
+          </a:p>
+        </p:txBody>
+      </p:sp>
+      <p:pic>
+        <p:nvPicPr>
+          <p:cNvPr id="8" name="Picture 6" descr="A close up of a logo&#10;&#10;Description generated with very high confidence">
+            <a:extLst>
+              <a:ext uri="{FF2B5EF4-FFF2-40B4-BE49-F238E27FC236}">
+                <a16:creationId xmlns:a16="http://schemas.microsoft.com/office/drawing/2014/main" id="{02FAD4E8-4127-4FD5-A86F-7066B5200CF9}"/>
+              </a:ext>
+            </a:extLst>
+          </p:cNvPr>
+          <p:cNvPicPr>
+            <a:picLocks noChangeAspect="1"/>
+          </p:cNvPicPr>
+          <p:nvPr/>
+        </p:nvPicPr>
+        <p:blipFill>
+          <a:blip r:embed="rId2"/>
+          <a:stretch>
+            <a:fillRect/>
+          </a:stretch>
+        </p:blipFill>
+        <p:spPr>
+          <a:xfrm>
+            <a:off x="1217536" y="1516516"/>
+            <a:ext cx="599531" cy="756598"/>
+          </a:xfrm>
+          <a:prstGeom prst="rect">
+            <a:avLst/>
+          </a:prstGeom>
+        </p:spPr>
+      </p:pic>
+      <p:pic>
+        <p:nvPicPr>
+          <p:cNvPr id="9" name="Picture 2" descr="A close up of a logo&#10;&#10;Description generated with very high confidence">
+            <a:extLst>
+              <a:ext uri="{FF2B5EF4-FFF2-40B4-BE49-F238E27FC236}">
+                <a16:creationId xmlns:a16="http://schemas.microsoft.com/office/drawing/2014/main" id="{CF17E598-BC0F-433A-AACD-E985418FFF8F}"/>
+              </a:ext>
+            </a:extLst>
+          </p:cNvPr>
+          <p:cNvPicPr>
+            <a:picLocks noChangeAspect="1"/>
+          </p:cNvPicPr>
+          <p:nvPr/>
+        </p:nvPicPr>
+        <p:blipFill>
+          <a:blip r:embed="rId3"/>
+          <a:stretch>
+            <a:fillRect/>
+          </a:stretch>
+        </p:blipFill>
+        <p:spPr>
+          <a:xfrm rot="7500000">
+            <a:off x="2039211" y="1520952"/>
+            <a:ext cx="737731" cy="747726"/>
+          </a:xfrm>
+          <a:prstGeom prst="rect">
+            <a:avLst/>
+          </a:prstGeom>
+        </p:spPr>
+      </p:pic>
+      <p:pic>
+        <p:nvPicPr>
+          <p:cNvPr id="10" name="Picture 8" descr="A circuit board&#10;&#10;Description generated with very high confidence">
+            <a:extLst>
+              <a:ext uri="{FF2B5EF4-FFF2-40B4-BE49-F238E27FC236}">
+                <a16:creationId xmlns:a16="http://schemas.microsoft.com/office/drawing/2014/main" id="{8631CDC9-C9ED-40D8-9718-9030D394E95F}"/>
+              </a:ext>
+            </a:extLst>
+          </p:cNvPr>
+          <p:cNvPicPr>
+            <a:picLocks noChangeAspect="1"/>
+          </p:cNvPicPr>
+          <p:nvPr/>
+        </p:nvPicPr>
+        <p:blipFill>
+          <a:blip r:embed="rId4"/>
+          <a:stretch>
+            <a:fillRect/>
+          </a:stretch>
+        </p:blipFill>
+        <p:spPr>
+          <a:xfrm>
+            <a:off x="1523100" y="2104557"/>
+            <a:ext cx="687748" cy="707741"/>
+          </a:xfrm>
+          <a:prstGeom prst="rect">
+            <a:avLst/>
+          </a:prstGeom>
+        </p:spPr>
+      </p:pic>
+      <p:pic>
+        <p:nvPicPr>
+          <p:cNvPr id="11" name="Graphic 48" descr="Chevron arrows">
+            <a:extLst>
+              <a:ext uri="{FF2B5EF4-FFF2-40B4-BE49-F238E27FC236}">
+                <a16:creationId xmlns:a16="http://schemas.microsoft.com/office/drawing/2014/main" id="{9C83C282-EC67-4BF5-988C-C6151F03EAC8}"/>
+              </a:ext>
+            </a:extLst>
+          </p:cNvPr>
+          <p:cNvPicPr>
+            <a:picLocks noChangeAspect="1"/>
+          </p:cNvPicPr>
+          <p:nvPr/>
+        </p:nvPicPr>
+        <p:blipFill>
+          <a:blip r:embed="rId5">
+            <a:extLst>
+              <a:ext uri="{96DAC541-7B7A-43D3-8B79-37D633B846F1}">
+                <asvg:svgBlip xmlns="" xmlns:asvg="http://schemas.microsoft.com/office/drawing/2016/SVG/main" r:embed="rId9"/>
+              </a:ext>
+            </a:extLst>
+          </a:blip>
+          <a:stretch>
+            <a:fillRect/>
+          </a:stretch>
+        </p:blipFill>
+        <p:spPr>
+          <a:xfrm>
+            <a:off x="3175957" y="1589400"/>
+            <a:ext cx="515811" cy="505815"/>
+          </a:xfrm>
+          <a:prstGeom prst="rect">
+            <a:avLst/>
+          </a:prstGeom>
+        </p:spPr>
+      </p:pic>
+      <p:pic>
+        <p:nvPicPr>
+          <p:cNvPr id="12" name="Graphic 50" descr="Chevron arrows">
+            <a:extLst>
+              <a:ext uri="{FF2B5EF4-FFF2-40B4-BE49-F238E27FC236}">
+                <a16:creationId xmlns:a16="http://schemas.microsoft.com/office/drawing/2014/main" id="{F8ADD165-FA14-4184-A53E-48188D71E5FF}"/>
+              </a:ext>
+            </a:extLst>
+          </p:cNvPr>
+          <p:cNvPicPr>
+            <a:picLocks noChangeAspect="1"/>
+          </p:cNvPicPr>
+          <p:nvPr/>
+        </p:nvPicPr>
+        <p:blipFill>
+          <a:blip r:embed="rId5">
+            <a:extLst>
+              <a:ext uri="{96DAC541-7B7A-43D3-8B79-37D633B846F1}">
+                <asvg:svgBlip xmlns="" xmlns:asvg="http://schemas.microsoft.com/office/drawing/2016/SVG/main" r:embed="rId9"/>
+              </a:ext>
+            </a:extLst>
+          </a:blip>
+          <a:stretch>
+            <a:fillRect/>
+          </a:stretch>
+        </p:blipFill>
+        <p:spPr>
+          <a:xfrm rot="10800000">
+            <a:off x="3145969" y="2095215"/>
+            <a:ext cx="545799" cy="515810"/>
+          </a:xfrm>
+          <a:prstGeom prst="rect">
+            <a:avLst/>
+          </a:prstGeom>
+        </p:spPr>
+      </p:pic>
+      <p:pic>
+        <p:nvPicPr>
+          <p:cNvPr id="13" name="Picture 52" descr="A close up of a logo&#10;&#10;Description generated with high confidence">
+            <a:extLst>
+              <a:ext uri="{FF2B5EF4-FFF2-40B4-BE49-F238E27FC236}">
+                <a16:creationId xmlns:a16="http://schemas.microsoft.com/office/drawing/2014/main" id="{09477861-B8F4-44DE-814A-58410BB781B9}"/>
+              </a:ext>
+            </a:extLst>
+          </p:cNvPr>
+          <p:cNvPicPr>
+            <a:picLocks noChangeAspect="1"/>
+          </p:cNvPicPr>
+          <p:nvPr/>
+        </p:nvPicPr>
+        <p:blipFill>
+          <a:blip r:embed="rId10"/>
+          <a:stretch>
+            <a:fillRect/>
+          </a:stretch>
+        </p:blipFill>
+        <p:spPr>
+          <a:xfrm>
+            <a:off x="4032044" y="1263001"/>
+            <a:ext cx="907666" cy="877677"/>
+          </a:xfrm>
+          <a:prstGeom prst="rect">
+            <a:avLst/>
+          </a:prstGeom>
+        </p:spPr>
+      </p:pic>
+      <p:pic>
+        <p:nvPicPr>
+          <p:cNvPr id="14" name="Picture 55" descr="A close up of a clock&#10;&#10;Description generated with high confidence">
+            <a:extLst>
+              <a:ext uri="{FF2B5EF4-FFF2-40B4-BE49-F238E27FC236}">
+                <a16:creationId xmlns:a16="http://schemas.microsoft.com/office/drawing/2014/main" id="{5C726E55-A6D4-4B74-8915-31B0312BC132}"/>
+              </a:ext>
+            </a:extLst>
+          </p:cNvPr>
+          <p:cNvPicPr>
+            <a:picLocks noChangeAspect="1"/>
+          </p:cNvPicPr>
+          <p:nvPr/>
+        </p:nvPicPr>
+        <p:blipFill>
+          <a:blip r:embed="rId11"/>
+          <a:stretch>
+            <a:fillRect/>
+          </a:stretch>
+        </p:blipFill>
+        <p:spPr>
+          <a:xfrm>
+            <a:off x="4182451" y="2081491"/>
+            <a:ext cx="687748" cy="647762"/>
+          </a:xfrm>
+          <a:prstGeom prst="rect">
+            <a:avLst/>
+          </a:prstGeom>
+        </p:spPr>
+      </p:pic>
+      <p:sp>
+        <p:nvSpPr>
+          <p:cNvPr id="15" name="Retângulo 14"/>
+          <p:cNvSpPr/>
+          <p:nvPr/>
+        </p:nvSpPr>
+        <p:spPr>
+          <a:xfrm>
+            <a:off x="8180067" y="287383"/>
+            <a:ext cx="3472002" cy="2560320"/>
+          </a:xfrm>
+          <a:prstGeom prst="rect">
+            <a:avLst/>
+          </a:prstGeom>
+          <a:solidFill>
+            <a:schemeClr val="bg1"/>
+          </a:solidFill>
+          <a:ln>
+            <a:solidFill>
+              <a:schemeClr val="tx1">
+                <a:lumMod val="50000"/>
+                <a:lumOff val="50000"/>
+              </a:schemeClr>
+            </a:solidFill>
+          </a:ln>
+        </p:spPr>
+        <p:style>
+          <a:lnRef idx="2">
+            <a:schemeClr val="accent1">
+              <a:shade val="50000"/>
+            </a:schemeClr>
+          </a:lnRef>
+          <a:fillRef idx="1">
+            <a:schemeClr val="accent1"/>
+          </a:fillRef>
+          <a:effectRef idx="0">
+            <a:schemeClr val="accent1"/>
+          </a:effectRef>
+          <a:fontRef idx="minor">
+            <a:schemeClr val="lt1"/>
+          </a:fontRef>
+        </p:style>
+        <p:txBody>
+          <a:bodyPr rtlCol="0" anchor="ctr"/>
+          <a:lstStyle/>
+          <a:p>
+            <a:pPr algn="ctr"/>
+            <a:endParaRPr lang="pt-BR"/>
+          </a:p>
+        </p:txBody>
+      </p:sp>
+      <p:cxnSp>
+        <p:nvCxnSpPr>
+          <p:cNvPr id="16" name="Conector de Seta Reta 15"/>
+          <p:cNvCxnSpPr/>
+          <p:nvPr/>
+        </p:nvCxnSpPr>
+        <p:spPr>
+          <a:xfrm rot="16200000" flipV="1">
+            <a:off x="6795668" y="1470877"/>
+            <a:ext cx="0" cy="1447312"/>
+          </a:xfrm>
+          <a:prstGeom prst="straightConnector1">
+            <a:avLst/>
+          </a:prstGeom>
+          <a:ln w="38100">
+            <a:solidFill>
+              <a:schemeClr val="tx1">
+                <a:lumMod val="75000"/>
+                <a:lumOff val="25000"/>
+              </a:schemeClr>
+            </a:solidFill>
+            <a:tailEnd type="triangle"/>
+          </a:ln>
+        </p:spPr>
+        <p:style>
+          <a:lnRef idx="1">
+            <a:schemeClr val="accent1"/>
+          </a:lnRef>
+          <a:fillRef idx="0">
+            <a:schemeClr val="accent1"/>
+          </a:fillRef>
+          <a:effectRef idx="0">
+            <a:schemeClr val="accent1"/>
+          </a:effectRef>
+          <a:fontRef idx="minor">
+            <a:schemeClr val="tx1"/>
+          </a:fontRef>
+        </p:style>
+      </p:cxnSp>
+      <p:cxnSp>
+        <p:nvCxnSpPr>
+          <p:cNvPr id="17" name="Conector de Seta Reta 16"/>
+          <p:cNvCxnSpPr/>
+          <p:nvPr/>
+        </p:nvCxnSpPr>
+        <p:spPr>
+          <a:xfrm rot="16200000">
+            <a:off x="6846526" y="1745403"/>
+            <a:ext cx="0" cy="1447312"/>
+          </a:xfrm>
+          <a:prstGeom prst="straightConnector1">
+            <a:avLst/>
+          </a:prstGeom>
+          <a:ln w="38100">
+            <a:solidFill>
+              <a:schemeClr val="tx1">
+                <a:lumMod val="75000"/>
+                <a:lumOff val="25000"/>
+              </a:schemeClr>
+            </a:solidFill>
+            <a:tailEnd type="triangle"/>
+          </a:ln>
+        </p:spPr>
+        <p:style>
+          <a:lnRef idx="1">
+            <a:schemeClr val="accent1"/>
+          </a:lnRef>
+          <a:fillRef idx="0">
+            <a:schemeClr val="accent1"/>
+          </a:fillRef>
+          <a:effectRef idx="0">
+            <a:schemeClr val="accent1"/>
+          </a:effectRef>
+          <a:fontRef idx="minor">
+            <a:schemeClr val="tx1"/>
+          </a:fontRef>
+        </p:style>
+      </p:cxnSp>
+      <p:pic>
+        <p:nvPicPr>
+          <p:cNvPr id="18" name="Picture 37" descr="A picture containing computer, table&#10;&#10;Description generated with very high confidence">
+            <a:extLst>
+              <a:ext uri="{FF2B5EF4-FFF2-40B4-BE49-F238E27FC236}">
+                <a16:creationId xmlns:a16="http://schemas.microsoft.com/office/drawing/2014/main" id="{62574C71-6DE6-4BEE-A15F-55F806CE58A0}"/>
+              </a:ext>
+            </a:extLst>
+          </p:cNvPr>
+          <p:cNvPicPr>
+            <a:picLocks noChangeAspect="1"/>
+          </p:cNvPicPr>
+          <p:nvPr/>
+        </p:nvPicPr>
+        <p:blipFill>
+          <a:blip r:embed="rId12"/>
+          <a:stretch>
+            <a:fillRect/>
+          </a:stretch>
+        </p:blipFill>
+        <p:spPr>
+          <a:xfrm>
+            <a:off x="9079941" y="1238521"/>
+            <a:ext cx="1672254" cy="1711204"/>
+          </a:xfrm>
+          <a:prstGeom prst="rect">
+            <a:avLst/>
+          </a:prstGeom>
+        </p:spPr>
+      </p:pic>
+      <p:sp>
+        <p:nvSpPr>
+          <p:cNvPr id="19" name="Retângulo 18"/>
+          <p:cNvSpPr/>
+          <p:nvPr/>
+        </p:nvSpPr>
+        <p:spPr>
+          <a:xfrm>
+            <a:off x="653143" y="424784"/>
+            <a:ext cx="4781006" cy="830997"/>
+          </a:xfrm>
+          <a:prstGeom prst="rect">
+            <a:avLst/>
+          </a:prstGeom>
+        </p:spPr>
+        <p:txBody>
+          <a:bodyPr wrap="square">
+            <a:spAutoFit/>
+          </a:bodyPr>
+          <a:lstStyle/>
+          <a:p>
+            <a:pPr algn="ctr"/>
+            <a:r>
+              <a:rPr lang="en-US" sz="1600" dirty="0" err="1">
+                <a:solidFill>
+                  <a:schemeClr val="tx1">
+                    <a:lumMod val="85000"/>
+                    <a:lumOff val="15000"/>
+                  </a:schemeClr>
+                </a:solidFill>
+                <a:latin typeface="Arial"/>
+                <a:cs typeface="Arial"/>
+              </a:rPr>
+              <a:t>Os</a:t>
+            </a:r>
+            <a:r>
+              <a:rPr lang="en-US" sz="1600" dirty="0">
+                <a:solidFill>
+                  <a:schemeClr val="tx1">
+                    <a:lumMod val="85000"/>
+                    <a:lumOff val="15000"/>
+                  </a:schemeClr>
+                </a:solidFill>
+                <a:latin typeface="Arial"/>
+                <a:cs typeface="Arial"/>
+              </a:rPr>
+              <a:t> </a:t>
+            </a:r>
+            <a:r>
+              <a:rPr lang="en-US" sz="1600" dirty="0" err="1">
+                <a:solidFill>
+                  <a:schemeClr val="tx1">
+                    <a:lumMod val="85000"/>
+                    <a:lumOff val="15000"/>
+                  </a:schemeClr>
+                </a:solidFill>
+                <a:latin typeface="Arial"/>
+                <a:cs typeface="Arial"/>
+              </a:rPr>
+              <a:t>sensores</a:t>
+            </a:r>
+            <a:r>
+              <a:rPr lang="en-US" sz="1600" dirty="0">
+                <a:solidFill>
+                  <a:schemeClr val="tx1">
+                    <a:lumMod val="85000"/>
+                    <a:lumOff val="15000"/>
+                  </a:schemeClr>
+                </a:solidFill>
+                <a:latin typeface="Arial"/>
+                <a:cs typeface="Arial"/>
+              </a:rPr>
+              <a:t> </a:t>
+            </a:r>
+            <a:r>
+              <a:rPr lang="en-US" sz="1600" dirty="0" err="1">
+                <a:solidFill>
+                  <a:schemeClr val="tx1">
+                    <a:lumMod val="85000"/>
+                    <a:lumOff val="15000"/>
+                  </a:schemeClr>
+                </a:solidFill>
+                <a:latin typeface="Arial"/>
+                <a:cs typeface="Arial"/>
+              </a:rPr>
+              <a:t>irão</a:t>
+            </a:r>
+            <a:r>
+              <a:rPr lang="en-US" sz="1600" dirty="0">
+                <a:solidFill>
+                  <a:schemeClr val="tx1">
+                    <a:lumMod val="85000"/>
+                    <a:lumOff val="15000"/>
+                  </a:schemeClr>
+                </a:solidFill>
+                <a:latin typeface="Arial"/>
+                <a:cs typeface="Arial"/>
+              </a:rPr>
+              <a:t> </a:t>
+            </a:r>
+            <a:r>
+              <a:rPr lang="en-US" sz="1600" dirty="0" err="1">
+                <a:solidFill>
+                  <a:schemeClr val="tx1">
+                    <a:lumMod val="85000"/>
+                    <a:lumOff val="15000"/>
+                  </a:schemeClr>
+                </a:solidFill>
+                <a:latin typeface="Arial"/>
+                <a:cs typeface="Arial"/>
+              </a:rPr>
+              <a:t>monitorar</a:t>
+            </a:r>
+            <a:r>
+              <a:rPr lang="en-US" sz="1600" dirty="0">
+                <a:solidFill>
+                  <a:schemeClr val="tx1">
+                    <a:lumMod val="85000"/>
+                    <a:lumOff val="15000"/>
+                  </a:schemeClr>
+                </a:solidFill>
+                <a:latin typeface="Arial"/>
+                <a:cs typeface="Arial"/>
+              </a:rPr>
+              <a:t>  o </a:t>
+            </a:r>
+            <a:r>
+              <a:rPr lang="en-US" sz="1600" dirty="0" err="1">
+                <a:solidFill>
+                  <a:schemeClr val="tx1">
+                    <a:lumMod val="85000"/>
+                    <a:lumOff val="15000"/>
+                  </a:schemeClr>
+                </a:solidFill>
+                <a:latin typeface="Arial"/>
+                <a:cs typeface="Arial"/>
+              </a:rPr>
+              <a:t>ambiente</a:t>
+            </a:r>
+            <a:r>
+              <a:rPr lang="en-US" sz="1600" dirty="0">
+                <a:solidFill>
+                  <a:schemeClr val="tx1">
+                    <a:lumMod val="85000"/>
+                    <a:lumOff val="15000"/>
+                  </a:schemeClr>
+                </a:solidFill>
+                <a:latin typeface="Arial"/>
+                <a:cs typeface="Arial"/>
+              </a:rPr>
+              <a:t>  e </a:t>
+            </a:r>
+            <a:r>
+              <a:rPr lang="en-US" sz="1600" dirty="0" err="1">
+                <a:solidFill>
+                  <a:schemeClr val="tx1">
+                    <a:lumMod val="85000"/>
+                    <a:lumOff val="15000"/>
+                  </a:schemeClr>
+                </a:solidFill>
+                <a:latin typeface="Arial"/>
+                <a:cs typeface="Arial"/>
+              </a:rPr>
+              <a:t>detectar</a:t>
+            </a:r>
+            <a:r>
+              <a:rPr lang="en-US" sz="1600" dirty="0">
+                <a:solidFill>
+                  <a:schemeClr val="tx1">
+                    <a:lumMod val="85000"/>
+                    <a:lumOff val="15000"/>
+                  </a:schemeClr>
+                </a:solidFill>
+                <a:latin typeface="Arial"/>
+                <a:cs typeface="Arial"/>
+              </a:rPr>
+              <a:t> se o </a:t>
+            </a:r>
+            <a:r>
+              <a:rPr lang="en-US" sz="1600" dirty="0" err="1">
+                <a:solidFill>
+                  <a:schemeClr val="tx1">
+                    <a:lumMod val="85000"/>
+                    <a:lumOff val="15000"/>
+                  </a:schemeClr>
+                </a:solidFill>
+                <a:latin typeface="Arial"/>
+                <a:cs typeface="Arial"/>
+              </a:rPr>
+              <a:t>próprio</a:t>
+            </a:r>
+            <a:r>
+              <a:rPr lang="en-US" sz="1600" dirty="0">
+                <a:solidFill>
+                  <a:schemeClr val="tx1">
+                    <a:lumMod val="85000"/>
+                    <a:lumOff val="15000"/>
+                  </a:schemeClr>
+                </a:solidFill>
+                <a:latin typeface="Arial"/>
+                <a:cs typeface="Arial"/>
+              </a:rPr>
+              <a:t> é </a:t>
+            </a:r>
+            <a:r>
+              <a:rPr lang="en-US" sz="1600" dirty="0" err="1">
+                <a:solidFill>
+                  <a:schemeClr val="tx1">
+                    <a:lumMod val="85000"/>
+                    <a:lumOff val="15000"/>
+                  </a:schemeClr>
+                </a:solidFill>
+                <a:latin typeface="Arial"/>
+                <a:cs typeface="Arial"/>
+              </a:rPr>
+              <a:t>propício</a:t>
+            </a:r>
+            <a:r>
+              <a:rPr lang="en-US" sz="1600" dirty="0">
+                <a:solidFill>
+                  <a:schemeClr val="tx1">
+                    <a:lumMod val="85000"/>
+                    <a:lumOff val="15000"/>
+                  </a:schemeClr>
+                </a:solidFill>
+                <a:latin typeface="Arial"/>
+                <a:cs typeface="Arial"/>
+              </a:rPr>
+              <a:t> para o </a:t>
+            </a:r>
+            <a:r>
+              <a:rPr lang="en-US" sz="1600" dirty="0" err="1">
+                <a:solidFill>
+                  <a:schemeClr val="tx1">
+                    <a:lumMod val="85000"/>
+                    <a:lumOff val="15000"/>
+                  </a:schemeClr>
+                </a:solidFill>
+                <a:latin typeface="Arial"/>
+                <a:cs typeface="Arial"/>
+              </a:rPr>
+              <a:t>armazenamento</a:t>
+            </a:r>
+            <a:r>
+              <a:rPr lang="en-US" sz="1600" dirty="0">
+                <a:solidFill>
+                  <a:schemeClr val="tx1">
+                    <a:lumMod val="85000"/>
+                    <a:lumOff val="15000"/>
+                  </a:schemeClr>
+                </a:solidFill>
+                <a:latin typeface="Arial"/>
+                <a:cs typeface="Arial"/>
+              </a:rPr>
+              <a:t> </a:t>
+            </a:r>
+            <a:r>
+              <a:rPr lang="en-US" sz="1600" dirty="0" err="1">
+                <a:solidFill>
+                  <a:schemeClr val="tx1">
+                    <a:lumMod val="85000"/>
+                    <a:lumOff val="15000"/>
+                  </a:schemeClr>
+                </a:solidFill>
+                <a:latin typeface="Arial"/>
+                <a:cs typeface="Arial"/>
+              </a:rPr>
+              <a:t>adequado</a:t>
+            </a:r>
+            <a:r>
+              <a:rPr lang="en-US" sz="1600" dirty="0">
+                <a:solidFill>
+                  <a:schemeClr val="tx1">
+                    <a:lumMod val="85000"/>
+                    <a:lumOff val="15000"/>
+                  </a:schemeClr>
+                </a:solidFill>
+                <a:latin typeface="Arial"/>
+                <a:cs typeface="Arial"/>
+              </a:rPr>
+              <a:t> dos </a:t>
+            </a:r>
+            <a:r>
+              <a:rPr lang="en-US" sz="1600" dirty="0" err="1">
+                <a:solidFill>
+                  <a:schemeClr val="tx1">
+                    <a:lumMod val="85000"/>
+                    <a:lumOff val="15000"/>
+                  </a:schemeClr>
+                </a:solidFill>
+                <a:latin typeface="Arial"/>
+                <a:cs typeface="Arial"/>
+              </a:rPr>
+              <a:t>livros</a:t>
+            </a:r>
+            <a:endParaRPr lang="en-US" sz="1600" dirty="0">
+              <a:solidFill>
+                <a:schemeClr val="tx1">
+                  <a:lumMod val="85000"/>
+                  <a:lumOff val="15000"/>
+                </a:schemeClr>
+              </a:solidFill>
+              <a:latin typeface="Arial"/>
+              <a:cs typeface="Arial"/>
+            </a:endParaRPr>
+          </a:p>
+        </p:txBody>
+      </p:sp>
+      <p:sp>
+        <p:nvSpPr>
+          <p:cNvPr id="20" name="Retângulo 19"/>
+          <p:cNvSpPr/>
+          <p:nvPr/>
+        </p:nvSpPr>
+        <p:spPr>
+          <a:xfrm>
+            <a:off x="8183313" y="457202"/>
+            <a:ext cx="3472003" cy="830997"/>
+          </a:xfrm>
+          <a:prstGeom prst="rect">
+            <a:avLst/>
+          </a:prstGeom>
+        </p:spPr>
+        <p:txBody>
+          <a:bodyPr wrap="square">
+            <a:spAutoFit/>
+          </a:bodyPr>
+          <a:lstStyle/>
+          <a:p>
+            <a:pPr algn="ctr"/>
+            <a:r>
+              <a:rPr lang="en-US" sz="1600" dirty="0" err="1">
+                <a:solidFill>
+                  <a:schemeClr val="tx1">
+                    <a:lumMod val="85000"/>
+                    <a:lumOff val="15000"/>
+                  </a:schemeClr>
+                </a:solidFill>
+                <a:latin typeface="Arial"/>
+                <a:cs typeface="Arial"/>
+              </a:rPr>
+              <a:t>Os</a:t>
+            </a:r>
+            <a:r>
+              <a:rPr lang="en-US" sz="1600" dirty="0">
+                <a:solidFill>
+                  <a:schemeClr val="tx1">
+                    <a:lumMod val="85000"/>
+                    <a:lumOff val="15000"/>
+                  </a:schemeClr>
+                </a:solidFill>
+                <a:latin typeface="Arial"/>
+                <a:cs typeface="Arial"/>
+              </a:rPr>
+              <a:t> dados </a:t>
+            </a:r>
+            <a:r>
+              <a:rPr lang="en-US" sz="1600" dirty="0" err="1">
+                <a:solidFill>
+                  <a:schemeClr val="tx1">
+                    <a:lumMod val="85000"/>
+                    <a:lumOff val="15000"/>
+                  </a:schemeClr>
+                </a:solidFill>
+                <a:latin typeface="Arial"/>
+                <a:cs typeface="Arial"/>
+              </a:rPr>
+              <a:t>serão</a:t>
+            </a:r>
+            <a:r>
+              <a:rPr lang="en-US" sz="1600" dirty="0">
+                <a:solidFill>
+                  <a:schemeClr val="tx1">
+                    <a:lumMod val="85000"/>
+                    <a:lumOff val="15000"/>
+                  </a:schemeClr>
+                </a:solidFill>
+                <a:latin typeface="Arial"/>
+                <a:cs typeface="Arial"/>
+              </a:rPr>
+              <a:t> </a:t>
+            </a:r>
+            <a:r>
+              <a:rPr lang="en-US" sz="1600" dirty="0" err="1">
+                <a:solidFill>
+                  <a:schemeClr val="tx1">
+                    <a:lumMod val="85000"/>
+                    <a:lumOff val="15000"/>
+                  </a:schemeClr>
+                </a:solidFill>
+                <a:latin typeface="Arial"/>
+                <a:cs typeface="Arial"/>
+              </a:rPr>
+              <a:t>enviados</a:t>
+            </a:r>
+            <a:r>
+              <a:rPr lang="en-US" sz="1600" dirty="0">
+                <a:solidFill>
+                  <a:schemeClr val="tx1">
+                    <a:lumMod val="85000"/>
+                    <a:lumOff val="15000"/>
+                  </a:schemeClr>
+                </a:solidFill>
+                <a:latin typeface="Arial"/>
+                <a:cs typeface="Arial"/>
+              </a:rPr>
+              <a:t> para o </a:t>
+            </a:r>
+            <a:r>
+              <a:rPr lang="en-US" sz="1600" dirty="0" err="1">
+                <a:solidFill>
+                  <a:schemeClr val="tx1">
+                    <a:lumMod val="85000"/>
+                    <a:lumOff val="15000"/>
+                  </a:schemeClr>
+                </a:solidFill>
+                <a:latin typeface="Arial"/>
+                <a:cs typeface="Arial"/>
+              </a:rPr>
+              <a:t>sistema</a:t>
+            </a:r>
+            <a:r>
+              <a:rPr lang="en-US" sz="1600" dirty="0">
+                <a:solidFill>
+                  <a:schemeClr val="tx1">
+                    <a:lumMod val="85000"/>
+                    <a:lumOff val="15000"/>
+                  </a:schemeClr>
+                </a:solidFill>
+                <a:latin typeface="Arial"/>
+                <a:cs typeface="Arial"/>
+              </a:rPr>
+              <a:t> da </a:t>
+            </a:r>
+            <a:r>
+              <a:rPr lang="en-US" sz="1600" dirty="0" err="1">
+                <a:solidFill>
+                  <a:schemeClr val="tx1">
+                    <a:lumMod val="85000"/>
+                    <a:lumOff val="15000"/>
+                  </a:schemeClr>
+                </a:solidFill>
+                <a:latin typeface="Arial"/>
+                <a:cs typeface="Arial"/>
+              </a:rPr>
+              <a:t>empresa</a:t>
+            </a:r>
+            <a:r>
+              <a:rPr lang="en-US" sz="1600" dirty="0">
+                <a:solidFill>
+                  <a:schemeClr val="tx1">
+                    <a:lumMod val="85000"/>
+                    <a:lumOff val="15000"/>
+                  </a:schemeClr>
+                </a:solidFill>
+                <a:latin typeface="Arial"/>
+                <a:cs typeface="Arial"/>
+              </a:rPr>
+              <a:t> para o </a:t>
+            </a:r>
+            <a:r>
+              <a:rPr lang="en-US" sz="1600" dirty="0" err="1">
+                <a:solidFill>
+                  <a:schemeClr val="tx1">
+                    <a:lumMod val="85000"/>
+                    <a:lumOff val="15000"/>
+                  </a:schemeClr>
+                </a:solidFill>
+                <a:latin typeface="Arial"/>
+                <a:cs typeface="Arial"/>
+              </a:rPr>
+              <a:t>monitoramento</a:t>
+            </a:r>
+            <a:r>
+              <a:rPr lang="en-US" sz="1600" dirty="0">
+                <a:solidFill>
+                  <a:schemeClr val="tx1">
+                    <a:lumMod val="85000"/>
+                    <a:lumOff val="15000"/>
+                  </a:schemeClr>
+                </a:solidFill>
+                <a:latin typeface="Arial"/>
+                <a:cs typeface="Arial"/>
+              </a:rPr>
+              <a:t> e </a:t>
+            </a:r>
+            <a:r>
+              <a:rPr lang="en-US" sz="1600" dirty="0" err="1">
+                <a:solidFill>
+                  <a:schemeClr val="tx1">
+                    <a:lumMod val="85000"/>
+                    <a:lumOff val="15000"/>
+                  </a:schemeClr>
+                </a:solidFill>
+                <a:latin typeface="Arial"/>
+                <a:cs typeface="Arial"/>
+              </a:rPr>
+              <a:t>gerencimento</a:t>
+            </a:r>
+            <a:endParaRPr lang="en-US" sz="1600" dirty="0">
+              <a:solidFill>
+                <a:schemeClr val="tx1">
+                  <a:lumMod val="85000"/>
+                  <a:lumOff val="15000"/>
+                </a:schemeClr>
+              </a:solidFill>
+              <a:latin typeface="Arial"/>
+              <a:cs typeface="Arial"/>
+            </a:endParaRPr>
+          </a:p>
+        </p:txBody>
+      </p:sp>
+      <p:pic>
+        <p:nvPicPr>
+          <p:cNvPr id="21" name="Picture 30" descr="A close up of a device&#10;&#10;Description generated with very high confidence">
+            <a:extLst>
+              <a:ext uri="{FF2B5EF4-FFF2-40B4-BE49-F238E27FC236}">
+                <a16:creationId xmlns:a16="http://schemas.microsoft.com/office/drawing/2014/main" id="{64311C35-AE07-45F0-9E8D-286483932DBC}"/>
+              </a:ext>
+            </a:extLst>
+          </p:cNvPr>
+          <p:cNvPicPr>
+            <a:picLocks noChangeAspect="1"/>
+          </p:cNvPicPr>
+          <p:nvPr/>
+        </p:nvPicPr>
+        <p:blipFill>
+          <a:blip r:embed="rId13"/>
+          <a:stretch>
+            <a:fillRect/>
+          </a:stretch>
+        </p:blipFill>
+        <p:spPr>
+          <a:xfrm>
+            <a:off x="6316001" y="819390"/>
+            <a:ext cx="1061049" cy="1075425"/>
+          </a:xfrm>
+          <a:prstGeom prst="rect">
+            <a:avLst/>
+          </a:prstGeom>
+        </p:spPr>
+      </p:pic>
+      <p:sp>
+        <p:nvSpPr>
+          <p:cNvPr id="22" name="TextBox 33">
+            <a:extLst>
+              <a:ext uri="{FF2B5EF4-FFF2-40B4-BE49-F238E27FC236}">
+                <a16:creationId xmlns:a16="http://schemas.microsoft.com/office/drawing/2014/main" id="{46EBE350-3D70-431B-BFCA-8FAC071B45DB}"/>
+              </a:ext>
+            </a:extLst>
+          </p:cNvPr>
+          <p:cNvSpPr txBox="1"/>
+          <p:nvPr/>
+        </p:nvSpPr>
+        <p:spPr>
+          <a:xfrm>
+            <a:off x="5904131" y="472028"/>
+            <a:ext cx="1916776" cy="338554"/>
+          </a:xfrm>
+          <a:prstGeom prst="rect">
+            <a:avLst/>
+          </a:prstGeom>
+          <a:noFill/>
+        </p:spPr>
+        <p:txBody>
+          <a:bodyPr rot="0" spcFirstLastPara="0" vertOverflow="overflow" horzOverflow="overflow" vert="horz" wrap="square" lIns="91440" tIns="45720" rIns="91440" bIns="45720" numCol="1" spcCol="0" rtlCol="0" fromWordArt="0" anchor="t" anchorCtr="0" forceAA="0" compatLnSpc="1">
+            <a:prstTxWarp prst="textNoShape">
+              <a:avLst/>
+            </a:prstTxWarp>
+            <a:spAutoFit/>
+          </a:bodyPr>
+          <a:lstStyle/>
+          <a:p>
+            <a:pPr algn="ctr"/>
+            <a:r>
+              <a:rPr lang="en-US" sz="1600" dirty="0" err="1">
+                <a:solidFill>
+                  <a:schemeClr val="tx1">
+                    <a:lumMod val="85000"/>
+                    <a:lumOff val="15000"/>
+                  </a:schemeClr>
+                </a:solidFill>
+                <a:latin typeface="Arial"/>
+                <a:cs typeface="Arial"/>
+              </a:rPr>
+              <a:t>Roteador</a:t>
+            </a:r>
+            <a:r>
+              <a:rPr lang="en-US" sz="1600" dirty="0">
+                <a:solidFill>
+                  <a:schemeClr val="tx1">
+                    <a:lumMod val="85000"/>
+                    <a:lumOff val="15000"/>
+                  </a:schemeClr>
+                </a:solidFill>
+                <a:latin typeface="Arial"/>
+                <a:cs typeface="Arial"/>
+              </a:rPr>
+              <a:t> </a:t>
+            </a:r>
+            <a:r>
+              <a:rPr lang="en-US" sz="1600" dirty="0" err="1">
+                <a:solidFill>
+                  <a:schemeClr val="tx1">
+                    <a:lumMod val="85000"/>
+                    <a:lumOff val="15000"/>
+                  </a:schemeClr>
+                </a:solidFill>
+                <a:latin typeface="Arial"/>
+                <a:cs typeface="Arial"/>
+              </a:rPr>
+              <a:t>Wirelles</a:t>
+            </a:r>
+          </a:p>
+        </p:txBody>
+      </p:sp>
+      <p:sp>
+        <p:nvSpPr>
+          <p:cNvPr id="23" name="Retângulo 22"/>
+          <p:cNvSpPr/>
+          <p:nvPr/>
+        </p:nvSpPr>
+        <p:spPr>
+          <a:xfrm>
+            <a:off x="4769849" y="3937760"/>
+            <a:ext cx="2834640" cy="2560320"/>
+          </a:xfrm>
+          <a:prstGeom prst="rect">
+            <a:avLst/>
+          </a:prstGeom>
+          <a:solidFill>
+            <a:schemeClr val="bg1"/>
+          </a:solidFill>
+          <a:ln>
+            <a:solidFill>
+              <a:schemeClr val="tx1">
+                <a:lumMod val="50000"/>
+                <a:lumOff val="50000"/>
+              </a:schemeClr>
+            </a:solidFill>
+          </a:ln>
+        </p:spPr>
+        <p:style>
+          <a:lnRef idx="2">
+            <a:schemeClr val="accent1">
+              <a:shade val="50000"/>
+            </a:schemeClr>
+          </a:lnRef>
+          <a:fillRef idx="1">
+            <a:schemeClr val="accent1"/>
+          </a:fillRef>
+          <a:effectRef idx="0">
+            <a:schemeClr val="accent1"/>
+          </a:effectRef>
+          <a:fontRef idx="minor">
+            <a:schemeClr val="lt1"/>
+          </a:fontRef>
+        </p:style>
+        <p:txBody>
+          <a:bodyPr rtlCol="0" anchor="ctr"/>
+          <a:lstStyle/>
+          <a:p>
+            <a:pPr algn="ctr"/>
+            <a:endParaRPr lang="pt-BR"/>
+          </a:p>
+        </p:txBody>
+      </p:sp>
+      <p:pic>
+        <p:nvPicPr>
+          <p:cNvPr id="24" name="Picture 13" descr="A picture containing comb&#10;&#10;Description generated with very high confidence">
+            <a:extLst>
+              <a:ext uri="{FF2B5EF4-FFF2-40B4-BE49-F238E27FC236}">
+                <a16:creationId xmlns:a16="http://schemas.microsoft.com/office/drawing/2014/main" id="{96E322C2-909A-46BB-B588-211766AB85E0}"/>
+              </a:ext>
+            </a:extLst>
+          </p:cNvPr>
+          <p:cNvPicPr>
+            <a:picLocks noChangeAspect="1"/>
+          </p:cNvPicPr>
+          <p:nvPr/>
+        </p:nvPicPr>
+        <p:blipFill>
+          <a:blip r:embed="rId14"/>
+          <a:stretch>
+            <a:fillRect/>
+          </a:stretch>
+        </p:blipFill>
+        <p:spPr>
+          <a:xfrm>
+            <a:off x="5343964" y="4650330"/>
+            <a:ext cx="1707612" cy="1648627"/>
+          </a:xfrm>
+          <a:prstGeom prst="rect">
+            <a:avLst/>
+          </a:prstGeom>
+        </p:spPr>
+      </p:pic>
+      <p:sp>
+        <p:nvSpPr>
+          <p:cNvPr id="25" name="TextBox 61">
+            <a:extLst>
+              <a:ext uri="{FF2B5EF4-FFF2-40B4-BE49-F238E27FC236}">
+                <a16:creationId xmlns:a16="http://schemas.microsoft.com/office/drawing/2014/main" id="{2B0D8CBA-CC14-4E5F-B4F1-1633DDE93E6E}"/>
+              </a:ext>
+            </a:extLst>
+          </p:cNvPr>
+          <p:cNvSpPr txBox="1"/>
+          <p:nvPr/>
+        </p:nvSpPr>
+        <p:spPr>
+          <a:xfrm>
+            <a:off x="5356588" y="4091911"/>
+            <a:ext cx="1647006" cy="338554"/>
+          </a:xfrm>
+          <a:prstGeom prst="rect">
+            <a:avLst/>
+          </a:prstGeom>
+          <a:noFill/>
+        </p:spPr>
+        <p:txBody>
+          <a:bodyPr rot="0" spcFirstLastPara="0" vertOverflow="overflow" horzOverflow="overflow" vert="horz" wrap="square" lIns="91440" tIns="45720" rIns="91440" bIns="45720" numCol="1" spcCol="0" rtlCol="0" fromWordArt="0" anchor="t" anchorCtr="0" forceAA="0" compatLnSpc="1">
+            <a:prstTxWarp prst="textNoShape">
+              <a:avLst/>
+            </a:prstTxWarp>
+            <a:spAutoFit/>
+          </a:bodyPr>
+          <a:lstStyle/>
+          <a:p>
+            <a:pPr algn="ctr"/>
+            <a:r>
+              <a:rPr lang="en-US" sz="1600" dirty="0" smtClean="0">
+                <a:solidFill>
+                  <a:schemeClr val="tx1">
+                    <a:lumMod val="85000"/>
+                    <a:lumOff val="15000"/>
+                  </a:schemeClr>
+                </a:solidFill>
+                <a:latin typeface="Arial"/>
+                <a:cs typeface="Arial"/>
+              </a:rPr>
+              <a:t>Internet</a:t>
+            </a:r>
+            <a:endParaRPr lang="en-US" sz="1600" dirty="0">
+              <a:solidFill>
+                <a:schemeClr val="tx1">
+                  <a:lumMod val="85000"/>
+                  <a:lumOff val="15000"/>
+                </a:schemeClr>
+              </a:solidFill>
+              <a:latin typeface="Arial"/>
+              <a:cs typeface="Arial"/>
+            </a:endParaRPr>
+          </a:p>
+        </p:txBody>
+      </p:sp>
+      <p:sp>
+        <p:nvSpPr>
+          <p:cNvPr id="26" name="Retângulo 25"/>
+          <p:cNvSpPr/>
+          <p:nvPr/>
+        </p:nvSpPr>
+        <p:spPr>
+          <a:xfrm>
+            <a:off x="600892" y="3902803"/>
+            <a:ext cx="2811093" cy="2560320"/>
+          </a:xfrm>
+          <a:prstGeom prst="rect">
+            <a:avLst/>
+          </a:prstGeom>
+          <a:solidFill>
+            <a:schemeClr val="bg1"/>
+          </a:solidFill>
+          <a:ln>
+            <a:solidFill>
+              <a:schemeClr val="tx1">
+                <a:lumMod val="50000"/>
+                <a:lumOff val="50000"/>
+              </a:schemeClr>
+            </a:solidFill>
+          </a:ln>
+        </p:spPr>
+        <p:style>
+          <a:lnRef idx="2">
+            <a:schemeClr val="accent1">
+              <a:shade val="50000"/>
+            </a:schemeClr>
+          </a:lnRef>
+          <a:fillRef idx="1">
+            <a:schemeClr val="accent1"/>
+          </a:fillRef>
+          <a:effectRef idx="0">
+            <a:schemeClr val="accent1"/>
+          </a:effectRef>
+          <a:fontRef idx="minor">
+            <a:schemeClr val="lt1"/>
+          </a:fontRef>
+        </p:style>
+        <p:txBody>
+          <a:bodyPr rtlCol="0" anchor="ctr"/>
+          <a:lstStyle/>
+          <a:p>
+            <a:pPr algn="ctr"/>
+            <a:endParaRPr lang="pt-BR"/>
+          </a:p>
+        </p:txBody>
+      </p:sp>
+      <p:pic>
+        <p:nvPicPr>
+          <p:cNvPr id="27" name="Picture 68" descr="A close up of a sign&#10;&#10;Description generated with high confidence">
+            <a:extLst>
+              <a:ext uri="{FF2B5EF4-FFF2-40B4-BE49-F238E27FC236}">
+                <a16:creationId xmlns:a16="http://schemas.microsoft.com/office/drawing/2014/main" id="{C7BC0718-3AEC-417A-BD8F-3A387BBF0481}"/>
+              </a:ext>
+            </a:extLst>
+          </p:cNvPr>
+          <p:cNvPicPr>
+            <a:picLocks noChangeAspect="1"/>
+          </p:cNvPicPr>
+          <p:nvPr/>
+        </p:nvPicPr>
+        <p:blipFill>
+          <a:blip r:embed="rId15"/>
+          <a:stretch>
+            <a:fillRect/>
+          </a:stretch>
+        </p:blipFill>
+        <p:spPr>
+          <a:xfrm>
+            <a:off x="2052968" y="3940352"/>
+            <a:ext cx="1132042" cy="1110439"/>
+          </a:xfrm>
+          <a:prstGeom prst="rect">
+            <a:avLst/>
+          </a:prstGeom>
+        </p:spPr>
+      </p:pic>
+      <p:pic>
+        <p:nvPicPr>
+          <p:cNvPr id="28" name="Picture 70" descr="A screen shot of a computer&#10;&#10;Description generated with very high confidence">
+            <a:extLst>
+              <a:ext uri="{FF2B5EF4-FFF2-40B4-BE49-F238E27FC236}">
+                <a16:creationId xmlns:a16="http://schemas.microsoft.com/office/drawing/2014/main" id="{0CAA2E08-371C-4778-B698-82EA38A03D11}"/>
+              </a:ext>
+            </a:extLst>
+          </p:cNvPr>
+          <p:cNvPicPr>
+            <a:picLocks noChangeAspect="1"/>
+          </p:cNvPicPr>
+          <p:nvPr/>
+        </p:nvPicPr>
+        <p:blipFill>
+          <a:blip r:embed="rId16"/>
+          <a:stretch>
+            <a:fillRect/>
+          </a:stretch>
+        </p:blipFill>
+        <p:spPr>
+          <a:xfrm>
+            <a:off x="1200499" y="5279305"/>
+            <a:ext cx="1590450" cy="1050409"/>
+          </a:xfrm>
+          <a:prstGeom prst="rect">
+            <a:avLst/>
+          </a:prstGeom>
+        </p:spPr>
+      </p:pic>
+      <p:pic>
+        <p:nvPicPr>
+          <p:cNvPr id="29" name="Picture 73" descr="A close up of a logo&#10;&#10;Description generated with high confidence">
+            <a:extLst>
+              <a:ext uri="{FF2B5EF4-FFF2-40B4-BE49-F238E27FC236}">
+                <a16:creationId xmlns:a16="http://schemas.microsoft.com/office/drawing/2014/main" id="{385A0B54-3BDE-4902-8311-81E6A8A2E57E}"/>
+              </a:ext>
+            </a:extLst>
+          </p:cNvPr>
+          <p:cNvPicPr>
+            <a:picLocks noChangeAspect="1"/>
+          </p:cNvPicPr>
+          <p:nvPr/>
+        </p:nvPicPr>
+        <p:blipFill>
+          <a:blip r:embed="rId17"/>
+          <a:stretch>
+            <a:fillRect/>
+          </a:stretch>
+        </p:blipFill>
+        <p:spPr>
+          <a:xfrm>
+            <a:off x="853784" y="4047958"/>
+            <a:ext cx="872795" cy="883597"/>
+          </a:xfrm>
+          <a:prstGeom prst="rect">
+            <a:avLst/>
+          </a:prstGeom>
+        </p:spPr>
+      </p:pic>
+      <p:sp>
+        <p:nvSpPr>
+          <p:cNvPr id="30" name="Retângulo 29"/>
+          <p:cNvSpPr/>
+          <p:nvPr/>
+        </p:nvSpPr>
+        <p:spPr>
+          <a:xfrm>
+            <a:off x="8813101" y="3896533"/>
+            <a:ext cx="2834640" cy="2560320"/>
+          </a:xfrm>
+          <a:prstGeom prst="rect">
+            <a:avLst/>
+          </a:prstGeom>
+          <a:solidFill>
+            <a:schemeClr val="bg1"/>
+          </a:solidFill>
+          <a:ln>
+            <a:solidFill>
+              <a:schemeClr val="tx1">
+                <a:lumMod val="50000"/>
+                <a:lumOff val="50000"/>
+              </a:schemeClr>
+            </a:solidFill>
+          </a:ln>
+        </p:spPr>
+        <p:style>
+          <a:lnRef idx="2">
+            <a:schemeClr val="accent1">
+              <a:shade val="50000"/>
+            </a:schemeClr>
+          </a:lnRef>
+          <a:fillRef idx="1">
+            <a:schemeClr val="accent1"/>
+          </a:fillRef>
+          <a:effectRef idx="0">
+            <a:schemeClr val="accent1"/>
+          </a:effectRef>
+          <a:fontRef idx="minor">
+            <a:schemeClr val="lt1"/>
+          </a:fontRef>
+        </p:style>
+        <p:txBody>
+          <a:bodyPr rtlCol="0" anchor="ctr"/>
+          <a:lstStyle/>
+          <a:p>
+            <a:pPr algn="ctr"/>
+            <a:endParaRPr lang="pt-BR"/>
+          </a:p>
+        </p:txBody>
+      </p:sp>
+      <p:pic>
+        <p:nvPicPr>
+          <p:cNvPr id="31" name="Picture 79" descr="A close up of a logo&#10;&#10;Description generated with very high confidence">
+            <a:extLst>
+              <a:ext uri="{FF2B5EF4-FFF2-40B4-BE49-F238E27FC236}">
+                <a16:creationId xmlns:a16="http://schemas.microsoft.com/office/drawing/2014/main" id="{7EA4B790-3FF9-4E6B-891E-C4B0A8AC7E5E}"/>
+              </a:ext>
+            </a:extLst>
+          </p:cNvPr>
+          <p:cNvPicPr>
+            <a:picLocks noChangeAspect="1"/>
+          </p:cNvPicPr>
+          <p:nvPr/>
+        </p:nvPicPr>
+        <p:blipFill>
+          <a:blip r:embed="rId18"/>
+          <a:stretch>
+            <a:fillRect/>
+          </a:stretch>
+        </p:blipFill>
+        <p:spPr>
+          <a:xfrm>
+            <a:off x="9564613" y="4047958"/>
+            <a:ext cx="1338116" cy="936724"/>
+          </a:xfrm>
+          <a:prstGeom prst="rect">
+            <a:avLst/>
+          </a:prstGeom>
+          <a:ln>
+            <a:noFill/>
+          </a:ln>
+        </p:spPr>
+      </p:pic>
+      <p:sp>
+        <p:nvSpPr>
+          <p:cNvPr id="32" name="TextBox 88">
+            <a:extLst>
+              <a:ext uri="{FF2B5EF4-FFF2-40B4-BE49-F238E27FC236}">
+                <a16:creationId xmlns:a16="http://schemas.microsoft.com/office/drawing/2014/main" id="{194A1E76-091F-4A2D-A3A3-64B09C6107D4}"/>
+              </a:ext>
+            </a:extLst>
+          </p:cNvPr>
+          <p:cNvSpPr txBox="1"/>
+          <p:nvPr/>
+        </p:nvSpPr>
+        <p:spPr>
+          <a:xfrm>
+            <a:off x="9357336" y="5224777"/>
+            <a:ext cx="1746169" cy="1323439"/>
+          </a:xfrm>
+          <a:prstGeom prst="rect">
+            <a:avLst/>
+          </a:prstGeom>
+          <a:noFill/>
+          <a:ln>
+            <a:noFill/>
+          </a:ln>
+        </p:spPr>
+        <p:txBody>
+          <a:bodyPr rot="0" spcFirstLastPara="0" vertOverflow="overflow" horzOverflow="overflow" vert="horz" wrap="square" lIns="91440" tIns="45720" rIns="91440" bIns="45720" numCol="1" spcCol="0" rtlCol="0" fromWordArt="0" anchor="t" anchorCtr="0" forceAA="0" compatLnSpc="1">
+            <a:prstTxWarp prst="textNoShape">
+              <a:avLst/>
+            </a:prstTxWarp>
+            <a:spAutoFit/>
+          </a:bodyPr>
+          <a:lstStyle/>
+          <a:p>
+            <a:pPr marL="285750" indent="-285750" algn="l">
+              <a:buFont typeface="Arial" panose="020B0604020202020204" pitchFamily="34" charset="0"/>
+              <a:buChar char="•"/>
+            </a:pPr>
+            <a:r>
+              <a:rPr lang="en-US" sz="1600" dirty="0" err="1" smtClean="0">
+                <a:solidFill>
+                  <a:schemeClr val="tx1">
+                    <a:lumMod val="85000"/>
+                    <a:lumOff val="15000"/>
+                  </a:schemeClr>
+                </a:solidFill>
+                <a:latin typeface="Arial"/>
+                <a:cs typeface="Arial"/>
+              </a:rPr>
+              <a:t>Servidores</a:t>
+            </a:r>
+            <a:endParaRPr lang="en-US" sz="1600" dirty="0" smtClean="0">
+              <a:solidFill>
+                <a:schemeClr val="tx1">
+                  <a:lumMod val="85000"/>
+                  <a:lumOff val="15000"/>
+                </a:schemeClr>
+              </a:solidFill>
+              <a:latin typeface="Arial"/>
+              <a:cs typeface="Arial"/>
+            </a:endParaRPr>
+          </a:p>
+          <a:p>
+            <a:pPr marL="285750" indent="-285750">
+              <a:buFont typeface="Arial" panose="020B0604020202020204" pitchFamily="34" charset="0"/>
+              <a:buChar char="•"/>
+            </a:pPr>
+            <a:r>
+              <a:rPr lang="en-US" sz="1600" dirty="0" err="1" smtClean="0">
+                <a:solidFill>
+                  <a:schemeClr val="tx1">
+                    <a:lumMod val="85000"/>
+                    <a:lumOff val="15000"/>
+                  </a:schemeClr>
+                </a:solidFill>
+                <a:latin typeface="Arial"/>
+                <a:cs typeface="Arial"/>
+              </a:rPr>
+              <a:t>Plataforma</a:t>
+            </a:r>
+            <a:endParaRPr lang="en-US" sz="1600" dirty="0" smtClean="0">
+              <a:solidFill>
+                <a:schemeClr val="tx1">
+                  <a:lumMod val="85000"/>
+                  <a:lumOff val="15000"/>
+                </a:schemeClr>
+              </a:solidFill>
+              <a:latin typeface="Arial"/>
+              <a:cs typeface="Arial"/>
+            </a:endParaRPr>
+          </a:p>
+          <a:p>
+            <a:pPr marL="285750" indent="-285750">
+              <a:buFont typeface="Arial" panose="020B0604020202020204" pitchFamily="34" charset="0"/>
+              <a:buChar char="•"/>
+            </a:pPr>
+            <a:r>
+              <a:rPr lang="en-US" sz="1600" dirty="0" err="1">
+                <a:solidFill>
+                  <a:schemeClr val="tx1">
+                    <a:lumMod val="85000"/>
+                    <a:lumOff val="15000"/>
+                  </a:schemeClr>
+                </a:solidFill>
+                <a:latin typeface="Arial"/>
+                <a:cs typeface="Arial"/>
+              </a:rPr>
+              <a:t>Sistemas</a:t>
+            </a:r>
+            <a:endParaRPr lang="en-US" sz="1600" dirty="0">
+              <a:solidFill>
+                <a:schemeClr val="tx1">
+                  <a:lumMod val="85000"/>
+                  <a:lumOff val="15000"/>
+                </a:schemeClr>
+              </a:solidFill>
+              <a:latin typeface="Arial"/>
+              <a:cs typeface="Arial"/>
+            </a:endParaRPr>
+          </a:p>
+          <a:p>
+            <a:pPr marL="285750" indent="-285750">
+              <a:buFont typeface="Arial" panose="020B0604020202020204" pitchFamily="34" charset="0"/>
+              <a:buChar char="•"/>
+            </a:pPr>
+            <a:r>
+              <a:rPr lang="en-US" sz="1600" dirty="0" err="1">
+                <a:solidFill>
+                  <a:schemeClr val="tx1">
+                    <a:lumMod val="85000"/>
+                    <a:lumOff val="15000"/>
+                  </a:schemeClr>
+                </a:solidFill>
+                <a:latin typeface="Arial"/>
+                <a:cs typeface="Arial"/>
+              </a:rPr>
+              <a:t>Comunicação</a:t>
+            </a:r>
+            <a:endParaRPr lang="en-US" sz="1600" dirty="0">
+              <a:solidFill>
+                <a:schemeClr val="tx1">
+                  <a:lumMod val="85000"/>
+                  <a:lumOff val="15000"/>
+                </a:schemeClr>
+              </a:solidFill>
+              <a:latin typeface="Arial"/>
+              <a:cs typeface="Arial"/>
+            </a:endParaRPr>
+          </a:p>
+          <a:p>
+            <a:pPr marL="285750" indent="-285750">
+              <a:buFont typeface="Arial" panose="020B0604020202020204" pitchFamily="34" charset="0"/>
+              <a:buChar char="•"/>
+            </a:pPr>
+            <a:endParaRPr lang="en-US" sz="1600" dirty="0">
+              <a:solidFill>
+                <a:schemeClr val="tx1">
+                  <a:lumMod val="85000"/>
+                  <a:lumOff val="15000"/>
+                </a:schemeClr>
+              </a:solidFill>
+              <a:latin typeface="Arial"/>
+              <a:cs typeface="Arial"/>
+            </a:endParaRPr>
+          </a:p>
+        </p:txBody>
+      </p:sp>
+      <p:cxnSp>
+        <p:nvCxnSpPr>
+          <p:cNvPr id="33" name="Conector de Seta Reta 32"/>
+          <p:cNvCxnSpPr/>
+          <p:nvPr/>
+        </p:nvCxnSpPr>
+        <p:spPr>
+          <a:xfrm rot="16200000" flipV="1">
+            <a:off x="8192122" y="4862527"/>
+            <a:ext cx="0" cy="675181"/>
+          </a:xfrm>
+          <a:prstGeom prst="straightConnector1">
+            <a:avLst/>
+          </a:prstGeom>
+          <a:ln w="38100">
+            <a:solidFill>
+              <a:schemeClr val="tx1">
+                <a:lumMod val="75000"/>
+                <a:lumOff val="25000"/>
+              </a:schemeClr>
+            </a:solidFill>
+            <a:tailEnd type="triangle"/>
+          </a:ln>
+        </p:spPr>
+        <p:style>
+          <a:lnRef idx="1">
+            <a:schemeClr val="accent1"/>
+          </a:lnRef>
+          <a:fillRef idx="0">
+            <a:schemeClr val="accent1"/>
+          </a:fillRef>
+          <a:effectRef idx="0">
+            <a:schemeClr val="accent1"/>
+          </a:effectRef>
+          <a:fontRef idx="minor">
+            <a:schemeClr val="tx1"/>
+          </a:fontRef>
+        </p:style>
+      </p:cxnSp>
+      <p:cxnSp>
+        <p:nvCxnSpPr>
+          <p:cNvPr id="34" name="Conector de Seta Reta 33"/>
+          <p:cNvCxnSpPr/>
+          <p:nvPr/>
+        </p:nvCxnSpPr>
+        <p:spPr>
+          <a:xfrm rot="16200000">
+            <a:off x="8242980" y="5137053"/>
+            <a:ext cx="0" cy="675181"/>
+          </a:xfrm>
+          <a:prstGeom prst="straightConnector1">
+            <a:avLst/>
+          </a:prstGeom>
+          <a:ln w="38100">
+            <a:solidFill>
+              <a:schemeClr val="tx1">
+                <a:lumMod val="75000"/>
+                <a:lumOff val="25000"/>
+              </a:schemeClr>
+            </a:solidFill>
+            <a:tailEnd type="triangle"/>
+          </a:ln>
+        </p:spPr>
+        <p:style>
+          <a:lnRef idx="1">
+            <a:schemeClr val="accent1"/>
+          </a:lnRef>
+          <a:fillRef idx="0">
+            <a:schemeClr val="accent1"/>
+          </a:fillRef>
+          <a:effectRef idx="0">
+            <a:schemeClr val="accent1"/>
+          </a:effectRef>
+          <a:fontRef idx="minor">
+            <a:schemeClr val="tx1"/>
+          </a:fontRef>
+        </p:style>
+      </p:cxnSp>
+      <p:cxnSp>
+        <p:nvCxnSpPr>
+          <p:cNvPr id="35" name="Conector de Seta Reta 34"/>
+          <p:cNvCxnSpPr/>
+          <p:nvPr/>
+        </p:nvCxnSpPr>
+        <p:spPr>
+          <a:xfrm rot="16200000" flipV="1">
+            <a:off x="4077311" y="4859479"/>
+            <a:ext cx="0" cy="675181"/>
+          </a:xfrm>
+          <a:prstGeom prst="straightConnector1">
+            <a:avLst/>
+          </a:prstGeom>
+          <a:ln w="38100">
+            <a:solidFill>
+              <a:schemeClr val="tx1">
+                <a:lumMod val="75000"/>
+                <a:lumOff val="25000"/>
+              </a:schemeClr>
+            </a:solidFill>
+            <a:tailEnd type="triangle"/>
+          </a:ln>
+        </p:spPr>
+        <p:style>
+          <a:lnRef idx="1">
+            <a:schemeClr val="accent1"/>
+          </a:lnRef>
+          <a:fillRef idx="0">
+            <a:schemeClr val="accent1"/>
+          </a:fillRef>
+          <a:effectRef idx="0">
+            <a:schemeClr val="accent1"/>
+          </a:effectRef>
+          <a:fontRef idx="minor">
+            <a:schemeClr val="tx1"/>
+          </a:fontRef>
+        </p:style>
+      </p:cxnSp>
+      <p:cxnSp>
+        <p:nvCxnSpPr>
+          <p:cNvPr id="36" name="Conector de Seta Reta 35"/>
+          <p:cNvCxnSpPr/>
+          <p:nvPr/>
+        </p:nvCxnSpPr>
+        <p:spPr>
+          <a:xfrm rot="16200000">
+            <a:off x="4128169" y="5134005"/>
+            <a:ext cx="0" cy="675181"/>
+          </a:xfrm>
+          <a:prstGeom prst="straightConnector1">
+            <a:avLst/>
+          </a:prstGeom>
+          <a:ln w="38100">
+            <a:solidFill>
+              <a:schemeClr val="tx1">
+                <a:lumMod val="75000"/>
+                <a:lumOff val="25000"/>
+              </a:schemeClr>
+            </a:solidFill>
+            <a:tailEnd type="triangle"/>
+          </a:ln>
+        </p:spPr>
+        <p:style>
+          <a:lnRef idx="1">
+            <a:schemeClr val="accent1"/>
+          </a:lnRef>
+          <a:fillRef idx="0">
+            <a:schemeClr val="accent1"/>
+          </a:fillRef>
+          <a:effectRef idx="0">
+            <a:schemeClr val="accent1"/>
+          </a:effectRef>
+          <a:fontRef idx="minor">
+            <a:schemeClr val="tx1"/>
+          </a:fontRef>
+        </p:style>
+      </p:cxnSp>
+      <p:cxnSp>
+        <p:nvCxnSpPr>
+          <p:cNvPr id="37" name="Conector de Seta Reta 36"/>
+          <p:cNvCxnSpPr/>
+          <p:nvPr/>
+        </p:nvCxnSpPr>
+        <p:spPr>
+          <a:xfrm flipV="1">
+            <a:off x="7612342" y="3005628"/>
+            <a:ext cx="516009" cy="445123"/>
+          </a:xfrm>
+          <a:prstGeom prst="straightConnector1">
+            <a:avLst/>
+          </a:prstGeom>
+          <a:ln w="38100">
+            <a:solidFill>
+              <a:schemeClr val="tx1">
+                <a:lumMod val="75000"/>
+                <a:lumOff val="25000"/>
+              </a:schemeClr>
+            </a:solidFill>
+            <a:tailEnd type="triangle"/>
+          </a:ln>
+        </p:spPr>
+        <p:style>
+          <a:lnRef idx="1">
+            <a:schemeClr val="accent1"/>
+          </a:lnRef>
+          <a:fillRef idx="0">
+            <a:schemeClr val="accent1"/>
+          </a:fillRef>
+          <a:effectRef idx="0">
+            <a:schemeClr val="accent1"/>
+          </a:effectRef>
+          <a:fontRef idx="minor">
+            <a:schemeClr val="tx1"/>
+          </a:fontRef>
+        </p:style>
+      </p:cxnSp>
+      <p:cxnSp>
+        <p:nvCxnSpPr>
+          <p:cNvPr id="38" name="Conector de Seta Reta 37"/>
+          <p:cNvCxnSpPr/>
+          <p:nvPr/>
+        </p:nvCxnSpPr>
+        <p:spPr>
+          <a:xfrm flipH="1">
+            <a:off x="7609150" y="3367078"/>
+            <a:ext cx="490762" cy="408913"/>
+          </a:xfrm>
+          <a:prstGeom prst="straightConnector1">
+            <a:avLst/>
+          </a:prstGeom>
+          <a:ln w="38100">
+            <a:solidFill>
+              <a:schemeClr val="tx1">
+                <a:lumMod val="75000"/>
+                <a:lumOff val="25000"/>
+              </a:schemeClr>
+            </a:solidFill>
+            <a:tailEnd type="triangle"/>
+          </a:ln>
+        </p:spPr>
+        <p:style>
+          <a:lnRef idx="1">
+            <a:schemeClr val="accent1"/>
+          </a:lnRef>
+          <a:fillRef idx="0">
+            <a:schemeClr val="accent1"/>
+          </a:fillRef>
+          <a:effectRef idx="0">
+            <a:schemeClr val="accent1"/>
+          </a:effectRef>
+          <a:fontRef idx="minor">
+            <a:schemeClr val="tx1"/>
+          </a:fontRef>
+        </p:style>
+      </p:cxnSp>
+    </p:spTree>
+    <p:extLst>
+      <p:ext uri="{BB962C8B-B14F-4D97-AF65-F5344CB8AC3E}">
+        <p14:creationId xmlns:p14="http://schemas.microsoft.com/office/powerpoint/2010/main" val="3401515717"/>
+      </p:ext>
+    </p:extLst>
+  </p:cSld>
+  <p:clrMapOvr>
+    <a:masterClrMapping/>
+  </p:clrMapOvr>
+  <mc:AlternateContent xmlns:mc="http://schemas.openxmlformats.org/markup-compatibility/2006" xmlns:p14="http://schemas.microsoft.com/office/powerpoint/2010/main">
+    <mc:Choice Requires="p14">
+      <p:transition spd="med" p14:dur="700">
+        <p:fade/>
+      </p:transition>
+    </mc:Choice>
+    <mc:Fallback xmlns="">
+      <p:transition spd="med">
+        <p:fade/>
+      </p:transition>
+    </mc:Fallback>
+  </mc:AlternateContent>
+  <p:timing>
+    <p:tnLst>
+      <p:par>
+        <p:cTn id="1" dur="indefinite" restart="never" nodeType="tmRoot"/>
+      </p:par>
+    </p:tnLst>
+  </p:timing>
+</p:sld>
+</file>
+
+<file path=ppt/slides/slide7.xml><?xml version="1.0" encoding="utf-8"?>
+<p:sld xmlns:a="http://schemas.openxmlformats.org/drawingml/2006/main" xmlns:r="http://schemas.openxmlformats.org/officeDocument/2006/relationships" xmlns:p="http://schemas.openxmlformats.org/presentationml/2006/main">
+  <p:cSld>
+    <p:spTree>
+      <p:nvGrpSpPr>
+        <p:cNvPr id="1" name=""/>
+        <p:cNvGrpSpPr/>
+        <p:nvPr/>
+      </p:nvGrpSpPr>
+      <p:grpSpPr>
+        <a:xfrm>
+          <a:off x="0" y="0"/>
+          <a:ext cx="0" cy="0"/>
+          <a:chOff x="0" y="0"/>
+          <a:chExt cx="0" cy="0"/>
+        </a:xfrm>
+      </p:grpSpPr>
+      <p:sp>
+        <p:nvSpPr>
+          <p:cNvPr id="7" name="Título 1">
+            <a:extLst>
+              <a:ext uri="{FF2B5EF4-FFF2-40B4-BE49-F238E27FC236}">
+                <a16:creationId xmlns:a16="http://schemas.microsoft.com/office/drawing/2014/main" id="{99F76FBE-1BC2-4EE6-B90A-22263BF7BDCD}"/>
+              </a:ext>
+            </a:extLst>
+          </p:cNvPr>
+          <p:cNvSpPr txBox="1">
+            <a:spLocks/>
+          </p:cNvSpPr>
+          <p:nvPr/>
+        </p:nvSpPr>
+        <p:spPr>
+          <a:xfrm>
+            <a:off x="838199" y="1433807"/>
+            <a:ext cx="10515600" cy="1325563"/>
+          </a:xfrm>
+          <a:prstGeom prst="rect">
+            <a:avLst/>
+          </a:prstGeom>
+        </p:spPr>
+        <p:txBody>
+          <a:bodyPr vert="horz" lIns="91440" tIns="45720" rIns="91440" bIns="45720" rtlCol="0" anchor="ctr">
+            <a:normAutofit/>
+          </a:bodyPr>
+          <a:lstStyle>
+            <a:lvl1pPr algn="l" defTabSz="914400" rtl="0" eaLnBrk="1" latinLnBrk="0" hangingPunct="1">
+              <a:lnSpc>
+                <a:spcPct val="90000"/>
+              </a:lnSpc>
+              <a:spcBef>
+                <a:spcPct val="0"/>
+              </a:spcBef>
+              <a:buNone/>
+              <a:defRPr sz="4400" kern="1200">
+                <a:solidFill>
+                  <a:schemeClr val="tx1"/>
+                </a:solidFill>
+                <a:latin typeface="+mj-lt"/>
+                <a:ea typeface="+mj-ea"/>
+                <a:cs typeface="+mj-cs"/>
+              </a:defRPr>
+            </a:lvl1pPr>
+          </a:lstStyle>
+          <a:p>
+            <a:pPr algn="ctr"/>
+            <a:r>
+              <a:rPr lang="pt-BR" dirty="0" smtClean="0">
+                <a:solidFill>
+                  <a:schemeClr val="tx1">
+                    <a:lumMod val="75000"/>
+                    <a:lumOff val="25000"/>
+                  </a:schemeClr>
+                </a:solidFill>
+                <a:latin typeface="Bariol Bold" panose="02000506040000020003" pitchFamily="2" charset="0"/>
+              </a:rPr>
+              <a:t>LLD</a:t>
+            </a:r>
+            <a:endParaRPr lang="pt-BR" dirty="0">
+              <a:solidFill>
+                <a:schemeClr val="tx1">
+                  <a:lumMod val="75000"/>
+                  <a:lumOff val="25000"/>
+                </a:schemeClr>
+              </a:solidFill>
+              <a:latin typeface="Bariol Bold" panose="02000506040000020003" pitchFamily="2" charset="0"/>
+            </a:endParaRPr>
+          </a:p>
+        </p:txBody>
+      </p:sp>
+      <p:pic>
+        <p:nvPicPr>
+          <p:cNvPr id="5" name="Imagem 4"/>
+          <p:cNvPicPr>
+            <a:picLocks noChangeAspect="1"/>
+          </p:cNvPicPr>
+          <p:nvPr/>
+        </p:nvPicPr>
+        <p:blipFill>
+          <a:blip r:embed="rId2" cstate="print">
+            <a:extLst>
+              <a:ext uri="{28A0092B-C50C-407E-A947-70E740481C1C}">
+                <a14:useLocalDpi xmlns:a14="http://schemas.microsoft.com/office/drawing/2010/main" val="0"/>
+              </a:ext>
+            </a:extLst>
+          </a:blip>
+          <a:stretch>
+            <a:fillRect/>
+          </a:stretch>
+        </p:blipFill>
+        <p:spPr>
+          <a:xfrm>
+            <a:off x="11313459" y="286497"/>
+            <a:ext cx="576000" cy="576000"/>
+          </a:xfrm>
+          <a:prstGeom prst="rect">
+            <a:avLst/>
+          </a:prstGeom>
+        </p:spPr>
+      </p:pic>
+      <p:pic>
+        <p:nvPicPr>
+          <p:cNvPr id="2" name="Imagem 1"/>
+          <p:cNvPicPr>
+            <a:picLocks noChangeAspect="1"/>
+          </p:cNvPicPr>
+          <p:nvPr/>
+        </p:nvPicPr>
+        <p:blipFill>
+          <a:blip r:embed="rId3">
+            <a:extLst>
+              <a:ext uri="{28A0092B-C50C-407E-A947-70E740481C1C}">
+                <a14:useLocalDpi xmlns:a14="http://schemas.microsoft.com/office/drawing/2010/main" val="0"/>
+              </a:ext>
+            </a:extLst>
+          </a:blip>
+          <a:stretch>
+            <a:fillRect/>
+          </a:stretch>
+        </p:blipFill>
+        <p:spPr>
+          <a:xfrm>
+            <a:off x="3478054" y="2563369"/>
+            <a:ext cx="5235889" cy="4137877"/>
+          </a:xfrm>
+          <a:prstGeom prst="rect">
+            <a:avLst/>
+          </a:prstGeom>
+        </p:spPr>
+      </p:pic>
+    </p:spTree>
+    <p:extLst>
+      <p:ext uri="{BB962C8B-B14F-4D97-AF65-F5344CB8AC3E}">
+        <p14:creationId xmlns:p14="http://schemas.microsoft.com/office/powerpoint/2010/main" val="2217421586"/>
+      </p:ext>
+    </p:extLst>
+  </p:cSld>
+  <p:clrMapOvr>
+    <a:masterClrMapping/>
+  </p:clrMapOvr>
+  <mc:AlternateContent xmlns:mc="http://schemas.openxmlformats.org/markup-compatibility/2006" xmlns:p14="http://schemas.microsoft.com/office/powerpoint/2010/main">
+    <mc:Choice Requires="p14">
+      <p:transition spd="med" p14:dur="700">
+        <p:fade/>
+      </p:transition>
+    </mc:Choice>
+    <mc:Fallback xmlns="">
+      <p:transition spd="med">
+        <p:fade/>
+      </p:transition>
+    </mc:Fallback>
+  </mc:AlternateContent>
+  <p:timing>
+    <p:tnLst>
+      <p:par>
+        <p:cTn id="1" dur="indefinite" restart="never" nodeType="tmRoot">
+          <p:childTnLst>
+            <p:seq concurrent="1" nextAc="seek">
+              <p:cTn id="2" dur="indefinite" nodeType="mainSeq">
+                <p:childTnLst>
+                  <p:par>
+                    <p:cTn id="3" fill="hold">
+                      <p:stCondLst>
+                        <p:cond delay="indefinite"/>
+                        <p:cond evt="onBegin" delay="0">
+                          <p:tn val="2"/>
+                        </p:cond>
+                      </p:stCondLst>
+                      <p:childTnLst>
+                        <p:par>
+                          <p:cTn id="4" fill="hold">
+                            <p:stCondLst>
+                              <p:cond delay="0"/>
+                            </p:stCondLst>
+                            <p:childTnLst>
+                              <p:par>
+                                <p:cTn id="5" presetID="10" presetClass="entr" presetSubtype="0" fill="hold" grpId="0" nodeType="afterEffect">
+                                  <p:stCondLst>
+                                    <p:cond delay="0"/>
+                                  </p:stCondLst>
+                                  <p:childTnLst>
+                                    <p:set>
+                                      <p:cBhvr>
+                                        <p:cTn id="6" dur="1" fill="hold">
+                                          <p:stCondLst>
+                                            <p:cond delay="0"/>
+                                          </p:stCondLst>
+                                        </p:cTn>
+                                        <p:tgtEl>
+                                          <p:spTgt spid="7"/>
+                                        </p:tgtEl>
+                                        <p:attrNameLst>
+                                          <p:attrName>style.visibility</p:attrName>
+                                        </p:attrNameLst>
+                                      </p:cBhvr>
+                                      <p:to>
+                                        <p:strVal val="visible"/>
+                                      </p:to>
+                                    </p:set>
+                                    <p:animEffect transition="in" filter="fade">
+                                      <p:cBhvr>
+                                        <p:cTn id="7" dur="500"/>
+                                        <p:tgtEl>
+                                          <p:spTgt spid="7"/>
+                                        </p:tgtEl>
+                                      </p:cBhvr>
+                                    </p:animEffect>
+                                  </p:childTnLst>
+                                </p:cTn>
+                              </p:par>
+                              <p:par>
+                                <p:cTn id="8" presetID="10" presetClass="entr" presetSubtype="0" fill="hold" nodeType="withEffect">
+                                  <p:stCondLst>
+                                    <p:cond delay="0"/>
+                                  </p:stCondLst>
+                                  <p:childTnLst>
+                                    <p:set>
+                                      <p:cBhvr>
+                                        <p:cTn id="9" dur="1" fill="hold">
+                                          <p:stCondLst>
+                                            <p:cond delay="0"/>
+                                          </p:stCondLst>
+                                        </p:cTn>
+                                        <p:tgtEl>
+                                          <p:spTgt spid="2"/>
+                                        </p:tgtEl>
+                                        <p:attrNameLst>
+                                          <p:attrName>style.visibility</p:attrName>
+                                        </p:attrNameLst>
+                                      </p:cBhvr>
+                                      <p:to>
+                                        <p:strVal val="visible"/>
+                                      </p:to>
+                                    </p:set>
+                                    <p:animEffect transition="in" filter="fade">
+                                      <p:cBhvr>
+                                        <p:cTn id="10" dur="500"/>
+                                        <p:tgtEl>
+                                          <p:spTgt spid="2"/>
+                                        </p:tgtEl>
+                                      </p:cBhvr>
+                                    </p:animEffect>
+                                  </p:childTnLst>
+                                </p:cTn>
+                              </p:par>
+                            </p:childTnLst>
+                          </p:cTn>
+                        </p:par>
+                        <p:par>
+                          <p:cTn id="11" fill="hold">
+                            <p:stCondLst>
+                              <p:cond delay="500"/>
+                            </p:stCondLst>
+                            <p:childTnLst>
+                              <p:par>
+                                <p:cTn id="12" presetID="10" presetClass="exit" presetSubtype="0" fill="hold" grpId="1" nodeType="afterEffect">
+                                  <p:stCondLst>
+                                    <p:cond delay="1000"/>
+                                  </p:stCondLst>
+                                  <p:childTnLst>
+                                    <p:animEffect transition="out" filter="fade">
+                                      <p:cBhvr>
+                                        <p:cTn id="13" dur="500"/>
+                                        <p:tgtEl>
+                                          <p:spTgt spid="7"/>
+                                        </p:tgtEl>
+                                      </p:cBhvr>
+                                    </p:animEffect>
+                                    <p:set>
+                                      <p:cBhvr>
+                                        <p:cTn id="14" dur="1" fill="hold">
+                                          <p:stCondLst>
+                                            <p:cond delay="499"/>
+                                          </p:stCondLst>
+                                        </p:cTn>
+                                        <p:tgtEl>
+                                          <p:spTgt spid="7"/>
+                                        </p:tgtEl>
+                                        <p:attrNameLst>
+                                          <p:attrName>style.visibility</p:attrName>
+                                        </p:attrNameLst>
+                                      </p:cBhvr>
+                                      <p:to>
+                                        <p:strVal val="hidden"/>
+                                      </p:to>
+                                    </p:set>
+                                  </p:childTnLst>
+                                </p:cTn>
+                              </p:par>
+                              <p:par>
+                                <p:cTn id="15" presetID="10" presetClass="exit" presetSubtype="0" fill="hold" nodeType="withEffect">
+                                  <p:stCondLst>
+                                    <p:cond delay="1000"/>
+                                  </p:stCondLst>
+                                  <p:childTnLst>
+                                    <p:animEffect transition="out" filter="fade">
+                                      <p:cBhvr>
+                                        <p:cTn id="16" dur="500"/>
+                                        <p:tgtEl>
+                                          <p:spTgt spid="2"/>
+                                        </p:tgtEl>
+                                      </p:cBhvr>
+                                    </p:animEffect>
+                                    <p:set>
+                                      <p:cBhvr>
+                                        <p:cTn id="17" dur="1" fill="hold">
+                                          <p:stCondLst>
+                                            <p:cond delay="499"/>
+                                          </p:stCondLst>
+                                        </p:cTn>
+                                        <p:tgtEl>
+                                          <p:spTgt spid="2"/>
+                                        </p:tgtEl>
+                                        <p:attrNameLst>
+                                          <p:attrName>style.visibility</p:attrName>
+                                        </p:attrNameLst>
+                                      </p:cBhvr>
+                                      <p:to>
+                                        <p:strVal val="hidden"/>
+                                      </p:to>
+                                    </p:set>
+                                  </p:childTnLst>
+                                </p:cTn>
+                              </p:par>
+                            </p:childTnLst>
+                          </p:cTn>
+                        </p:par>
+                      </p:childTnLst>
+                    </p:cTn>
+                  </p:par>
+                </p:childTnLst>
+              </p:cTn>
+              <p:prevCondLst>
+                <p:cond evt="onPrev" delay="0">
+                  <p:tgtEl>
+                    <p:sldTgt/>
+                  </p:tgtEl>
+                </p:cond>
+              </p:prevCondLst>
+              <p:nextCondLst>
+                <p:cond evt="onNext" delay="0">
+                  <p:tgtEl>
+                    <p:sldTgt/>
+                  </p:tgtEl>
+                </p:cond>
+              </p:nextCondLst>
+            </p:seq>
+          </p:childTnLst>
+        </p:cTn>
+      </p:par>
+    </p:tnLst>
+    <p:bldLst>
+      <p:bldP spid="7" grpId="0"/>
+      <p:bldP spid="7" grpId="1"/>
+    </p:bldLst>
+  </p:timing>
+</p:sld>
+</file>
+
+<file path=ppt/slides/slide8.xml><?xml version="1.0" encoding="utf-8"?>
+<p:sld xmlns:a="http://schemas.openxmlformats.org/drawingml/2006/main" xmlns:r="http://schemas.openxmlformats.org/officeDocument/2006/relationships" xmlns:p="http://schemas.openxmlformats.org/presentationml/2006/main">
+  <p:cSld>
+    <p:spTree>
+      <p:nvGrpSpPr>
+        <p:cNvPr id="1" name=""/>
+        <p:cNvGrpSpPr/>
+        <p:nvPr/>
+      </p:nvGrpSpPr>
+      <p:grpSpPr>
+        <a:xfrm>
+          <a:off x="0" y="0"/>
+          <a:ext cx="0" cy="0"/>
+          <a:chOff x="0" y="0"/>
+          <a:chExt cx="0" cy="0"/>
+        </a:xfrm>
+      </p:grpSpPr>
+      <p:sp>
+        <p:nvSpPr>
+          <p:cNvPr id="6" name="Retângulo 5"/>
+          <p:cNvSpPr/>
+          <p:nvPr/>
+        </p:nvSpPr>
+        <p:spPr>
+          <a:xfrm>
+            <a:off x="2525488" y="567403"/>
+            <a:ext cx="7045102" cy="1799772"/>
+          </a:xfrm>
+          <a:prstGeom prst="rect">
+            <a:avLst/>
+          </a:prstGeom>
+          <a:solidFill>
+            <a:schemeClr val="bg1"/>
+          </a:solidFill>
+          <a:ln>
+            <a:solidFill>
+              <a:schemeClr val="tx1">
+                <a:lumMod val="65000"/>
+                <a:lumOff val="35000"/>
+              </a:schemeClr>
+            </a:solidFill>
+          </a:ln>
+        </p:spPr>
+        <p:style>
+          <a:lnRef idx="2">
+            <a:schemeClr val="accent1">
+              <a:shade val="50000"/>
+            </a:schemeClr>
+          </a:lnRef>
+          <a:fillRef idx="1">
+            <a:schemeClr val="accent1"/>
+          </a:fillRef>
+          <a:effectRef idx="0">
+            <a:schemeClr val="accent1"/>
+          </a:effectRef>
+          <a:fontRef idx="minor">
+            <a:schemeClr val="lt1"/>
+          </a:fontRef>
+        </p:style>
+        <p:txBody>
+          <a:bodyPr rtlCol="0" anchor="ctr"/>
+          <a:lstStyle/>
+          <a:p>
+            <a:pPr algn="ctr"/>
+            <a:endParaRPr lang="pt-BR"/>
+          </a:p>
+        </p:txBody>
+      </p:sp>
+      <p:pic>
+        <p:nvPicPr>
+          <p:cNvPr id="8" name="Imagem 7"/>
+          <p:cNvPicPr>
+            <a:picLocks noChangeAspect="1"/>
+          </p:cNvPicPr>
+          <p:nvPr/>
+        </p:nvPicPr>
+        <p:blipFill>
+          <a:blip r:embed="rId2" cstate="print">
+            <a:extLst>
+              <a:ext uri="{28A0092B-C50C-407E-A947-70E740481C1C}">
+                <a14:useLocalDpi xmlns:a14="http://schemas.microsoft.com/office/drawing/2010/main" val="0"/>
+              </a:ext>
+            </a:extLst>
+          </a:blip>
+          <a:stretch>
+            <a:fillRect/>
+          </a:stretch>
+        </p:blipFill>
+        <p:spPr>
+          <a:xfrm>
+            <a:off x="4511230" y="928753"/>
+            <a:ext cx="1077075" cy="1077075"/>
+          </a:xfrm>
+          <a:prstGeom prst="rect">
+            <a:avLst/>
+          </a:prstGeom>
+        </p:spPr>
+      </p:pic>
+      <p:pic>
+        <p:nvPicPr>
+          <p:cNvPr id="9" name="Imagem 8"/>
+          <p:cNvPicPr>
+            <a:picLocks noChangeAspect="1"/>
+          </p:cNvPicPr>
+          <p:nvPr/>
+        </p:nvPicPr>
+        <p:blipFill>
+          <a:blip r:embed="rId3" cstate="print">
+            <a:extLst>
+              <a:ext uri="{28A0092B-C50C-407E-A947-70E740481C1C}">
+                <a14:useLocalDpi xmlns:a14="http://schemas.microsoft.com/office/drawing/2010/main" val="0"/>
+              </a:ext>
+            </a:extLst>
+          </a:blip>
+          <a:stretch>
+            <a:fillRect/>
+          </a:stretch>
+        </p:blipFill>
+        <p:spPr>
+          <a:xfrm>
+            <a:off x="5805721" y="986658"/>
+            <a:ext cx="990295" cy="990295"/>
+          </a:xfrm>
+          <a:prstGeom prst="rect">
+            <a:avLst/>
+          </a:prstGeom>
+        </p:spPr>
+      </p:pic>
+      <p:sp>
+        <p:nvSpPr>
+          <p:cNvPr id="10" name="CaixaDeTexto 9"/>
+          <p:cNvSpPr txBox="1"/>
+          <p:nvPr/>
+        </p:nvSpPr>
+        <p:spPr>
+          <a:xfrm>
+            <a:off x="2827726" y="1312528"/>
+            <a:ext cx="1901371" cy="338554"/>
+          </a:xfrm>
+          <a:prstGeom prst="rect">
+            <a:avLst/>
+          </a:prstGeom>
+          <a:noFill/>
+        </p:spPr>
+        <p:txBody>
+          <a:bodyPr wrap="square" rtlCol="0">
+            <a:spAutoFit/>
+          </a:bodyPr>
+          <a:lstStyle/>
+          <a:p>
+            <a:pPr algn="ctr"/>
+            <a:r>
+              <a:rPr lang="pt-BR" sz="1600" dirty="0" smtClean="0">
+                <a:latin typeface="Arial" panose="020B0604020202020204" pitchFamily="34" charset="0"/>
+                <a:cs typeface="Arial" panose="020B0604020202020204" pitchFamily="34" charset="0"/>
+              </a:rPr>
+              <a:t>BD SQL Server</a:t>
+            </a:r>
+            <a:endParaRPr lang="pt-BR" sz="1600" dirty="0">
+              <a:latin typeface="Arial" panose="020B0604020202020204" pitchFamily="34" charset="0"/>
+              <a:cs typeface="Arial" panose="020B0604020202020204" pitchFamily="34" charset="0"/>
+            </a:endParaRPr>
+          </a:p>
+        </p:txBody>
+      </p:sp>
+      <p:sp>
+        <p:nvSpPr>
+          <p:cNvPr id="11" name="CaixaDeTexto 10"/>
+          <p:cNvSpPr txBox="1"/>
+          <p:nvPr/>
+        </p:nvSpPr>
+        <p:spPr>
+          <a:xfrm>
+            <a:off x="6650575" y="1051791"/>
+            <a:ext cx="2597909" cy="830997"/>
+          </a:xfrm>
+          <a:prstGeom prst="rect">
+            <a:avLst/>
+          </a:prstGeom>
+          <a:noFill/>
+        </p:spPr>
+        <p:txBody>
+          <a:bodyPr wrap="square" rtlCol="0">
+            <a:spAutoFit/>
+          </a:bodyPr>
+          <a:lstStyle/>
+          <a:p>
+            <a:pPr algn="ctr"/>
+            <a:r>
+              <a:rPr lang="pt-BR" sz="1600" dirty="0" smtClean="0">
+                <a:latin typeface="Arial" panose="020B0604020202020204" pitchFamily="34" charset="0"/>
+                <a:cs typeface="Arial" panose="020B0604020202020204" pitchFamily="34" charset="0"/>
+              </a:rPr>
+              <a:t>Servidor da Aplicação</a:t>
+            </a:r>
+          </a:p>
+          <a:p>
+            <a:pPr algn="ctr"/>
+            <a:r>
+              <a:rPr lang="pt-BR" sz="1600" dirty="0" smtClean="0">
+                <a:latin typeface="Arial" panose="020B0604020202020204" pitchFamily="34" charset="0"/>
+                <a:cs typeface="Arial" panose="020B0604020202020204" pitchFamily="34" charset="0"/>
+              </a:rPr>
+              <a:t>HTML / CSS</a:t>
+            </a:r>
+          </a:p>
+          <a:p>
+            <a:pPr algn="ctr"/>
+            <a:r>
+              <a:rPr lang="pt-BR" sz="1600" dirty="0" smtClean="0">
+                <a:latin typeface="Arial" panose="020B0604020202020204" pitchFamily="34" charset="0"/>
+                <a:cs typeface="Arial" panose="020B0604020202020204" pitchFamily="34" charset="0"/>
+              </a:rPr>
+              <a:t>Node JS / </a:t>
+            </a:r>
+            <a:r>
+              <a:rPr lang="pt-BR" sz="1600" dirty="0" err="1" smtClean="0">
+                <a:latin typeface="Arial" panose="020B0604020202020204" pitchFamily="34" charset="0"/>
+                <a:cs typeface="Arial" panose="020B0604020202020204" pitchFamily="34" charset="0"/>
+              </a:rPr>
+              <a:t>JavaScript</a:t>
+            </a:r>
+            <a:endParaRPr lang="pt-BR" sz="1600" dirty="0" smtClean="0">
+              <a:latin typeface="Arial" panose="020B0604020202020204" pitchFamily="34" charset="0"/>
+              <a:cs typeface="Arial" panose="020B0604020202020204" pitchFamily="34" charset="0"/>
+            </a:endParaRPr>
+          </a:p>
+        </p:txBody>
+      </p:sp>
+      <p:sp>
+        <p:nvSpPr>
+          <p:cNvPr id="12" name="CaixaDeTexto 11"/>
+          <p:cNvSpPr txBox="1"/>
+          <p:nvPr/>
+        </p:nvSpPr>
+        <p:spPr>
+          <a:xfrm>
+            <a:off x="4888177" y="142395"/>
+            <a:ext cx="2319721" cy="369332"/>
+          </a:xfrm>
+          <a:prstGeom prst="rect">
+            <a:avLst/>
+          </a:prstGeom>
+          <a:noFill/>
+        </p:spPr>
+        <p:txBody>
+          <a:bodyPr wrap="square" rtlCol="0">
+            <a:spAutoFit/>
+          </a:bodyPr>
+          <a:lstStyle/>
+          <a:p>
+            <a:pPr algn="ctr"/>
+            <a:r>
+              <a:rPr lang="pt-BR" b="1" dirty="0" smtClean="0">
+                <a:latin typeface="Arial" panose="020B0604020202020204" pitchFamily="34" charset="0"/>
+                <a:cs typeface="Arial" panose="020B0604020202020204" pitchFamily="34" charset="0"/>
+              </a:rPr>
+              <a:t>Microsoft </a:t>
+            </a:r>
+            <a:r>
+              <a:rPr lang="pt-BR" b="1" dirty="0" err="1" smtClean="0">
+                <a:latin typeface="Arial" panose="020B0604020202020204" pitchFamily="34" charset="0"/>
+                <a:cs typeface="Arial" panose="020B0604020202020204" pitchFamily="34" charset="0"/>
+              </a:rPr>
+              <a:t>Azure</a:t>
+            </a:r>
+            <a:endParaRPr lang="pt-BR" b="1" dirty="0">
+              <a:latin typeface="Arial" panose="020B0604020202020204" pitchFamily="34" charset="0"/>
+              <a:cs typeface="Arial" panose="020B0604020202020204" pitchFamily="34" charset="0"/>
+            </a:endParaRPr>
+          </a:p>
+        </p:txBody>
+      </p:sp>
+      <p:sp>
+        <p:nvSpPr>
+          <p:cNvPr id="13" name="Retângulo 12"/>
+          <p:cNvSpPr/>
+          <p:nvPr/>
+        </p:nvSpPr>
+        <p:spPr>
+          <a:xfrm>
+            <a:off x="5458251" y="2367175"/>
+            <a:ext cx="1183059" cy="592725"/>
+          </a:xfrm>
+          <a:prstGeom prst="rect">
+            <a:avLst/>
+          </a:prstGeom>
+          <a:solidFill>
+            <a:schemeClr val="bg1"/>
+          </a:solidFill>
+          <a:ln>
+            <a:solidFill>
+              <a:schemeClr val="bg1"/>
+            </a:solidFill>
+          </a:ln>
+        </p:spPr>
+        <p:style>
+          <a:lnRef idx="2">
+            <a:schemeClr val="accent1">
+              <a:shade val="50000"/>
+            </a:schemeClr>
+          </a:lnRef>
+          <a:fillRef idx="1">
+            <a:schemeClr val="accent1"/>
+          </a:fillRef>
+          <a:effectRef idx="0">
+            <a:schemeClr val="accent1"/>
+          </a:effectRef>
+          <a:fontRef idx="minor">
+            <a:schemeClr val="lt1"/>
+          </a:fontRef>
+        </p:style>
+        <p:txBody>
+          <a:bodyPr rtlCol="0" anchor="ctr"/>
+          <a:lstStyle/>
+          <a:p>
+            <a:pPr algn="ctr"/>
+            <a:endParaRPr lang="pt-BR"/>
+          </a:p>
+        </p:txBody>
+      </p:sp>
+      <p:pic>
+        <p:nvPicPr>
+          <p:cNvPr id="14" name="Imagem 13"/>
+          <p:cNvPicPr>
+            <a:picLocks noChangeAspect="1"/>
+          </p:cNvPicPr>
+          <p:nvPr/>
+        </p:nvPicPr>
+        <p:blipFill>
+          <a:blip r:embed="rId4" cstate="print">
+            <a:extLst>
+              <a:ext uri="{28A0092B-C50C-407E-A947-70E740481C1C}">
+                <a14:useLocalDpi xmlns:a14="http://schemas.microsoft.com/office/drawing/2010/main" val="0"/>
+              </a:ext>
+            </a:extLst>
+          </a:blip>
+          <a:stretch>
+            <a:fillRect/>
+          </a:stretch>
+        </p:blipFill>
+        <p:spPr>
+          <a:xfrm>
+            <a:off x="5479374" y="1976953"/>
+            <a:ext cx="1186543" cy="1186543"/>
+          </a:xfrm>
+          <a:prstGeom prst="rect">
+            <a:avLst/>
+          </a:prstGeom>
+        </p:spPr>
+      </p:pic>
+      <p:sp>
+        <p:nvSpPr>
+          <p:cNvPr id="15" name="CaixaDeTexto 14"/>
+          <p:cNvSpPr txBox="1"/>
+          <p:nvPr/>
+        </p:nvSpPr>
+        <p:spPr>
+          <a:xfrm>
+            <a:off x="5121959" y="2930988"/>
+            <a:ext cx="1901371" cy="338554"/>
+          </a:xfrm>
+          <a:prstGeom prst="rect">
+            <a:avLst/>
+          </a:prstGeom>
+          <a:noFill/>
+        </p:spPr>
+        <p:txBody>
+          <a:bodyPr wrap="square" rtlCol="0">
+            <a:spAutoFit/>
+          </a:bodyPr>
+          <a:lstStyle/>
+          <a:p>
+            <a:pPr algn="ctr"/>
+            <a:r>
+              <a:rPr lang="pt-BR" sz="1600" dirty="0" smtClean="0">
+                <a:latin typeface="Arial" panose="020B0604020202020204" pitchFamily="34" charset="0"/>
+                <a:cs typeface="Arial" panose="020B0604020202020204" pitchFamily="34" charset="0"/>
+              </a:rPr>
+              <a:t>Internet</a:t>
+            </a:r>
+            <a:endParaRPr lang="pt-BR" sz="1600" dirty="0">
+              <a:latin typeface="Arial" panose="020B0604020202020204" pitchFamily="34" charset="0"/>
+              <a:cs typeface="Arial" panose="020B0604020202020204" pitchFamily="34" charset="0"/>
+            </a:endParaRPr>
+          </a:p>
+        </p:txBody>
+      </p:sp>
+      <p:sp>
+        <p:nvSpPr>
+          <p:cNvPr id="16" name="Retângulo 15"/>
+          <p:cNvSpPr/>
+          <p:nvPr/>
+        </p:nvSpPr>
+        <p:spPr>
+          <a:xfrm>
+            <a:off x="467293" y="3611194"/>
+            <a:ext cx="5421090" cy="2876691"/>
+          </a:xfrm>
+          <a:prstGeom prst="rect">
+            <a:avLst/>
+          </a:prstGeom>
+          <a:solidFill>
+            <a:schemeClr val="bg1"/>
+          </a:solidFill>
+          <a:ln>
+            <a:solidFill>
+              <a:schemeClr val="tx1">
+                <a:lumMod val="65000"/>
+                <a:lumOff val="35000"/>
+              </a:schemeClr>
+            </a:solidFill>
+          </a:ln>
+        </p:spPr>
+        <p:style>
+          <a:lnRef idx="2">
+            <a:schemeClr val="accent1">
+              <a:shade val="50000"/>
+            </a:schemeClr>
+          </a:lnRef>
+          <a:fillRef idx="1">
+            <a:schemeClr val="accent1"/>
+          </a:fillRef>
+          <a:effectRef idx="0">
+            <a:schemeClr val="accent1"/>
+          </a:effectRef>
+          <a:fontRef idx="minor">
+            <a:schemeClr val="lt1"/>
+          </a:fontRef>
+        </p:style>
+        <p:txBody>
+          <a:bodyPr rtlCol="0" anchor="ctr"/>
+          <a:lstStyle/>
+          <a:p>
+            <a:pPr algn="ctr"/>
+            <a:endParaRPr lang="pt-BR" dirty="0"/>
+          </a:p>
+        </p:txBody>
+      </p:sp>
+      <p:sp>
+        <p:nvSpPr>
+          <p:cNvPr id="17" name="Retângulo 16"/>
+          <p:cNvSpPr/>
+          <p:nvPr/>
+        </p:nvSpPr>
+        <p:spPr>
+          <a:xfrm>
+            <a:off x="6265747" y="3611194"/>
+            <a:ext cx="5421090" cy="2876691"/>
+          </a:xfrm>
+          <a:prstGeom prst="rect">
+            <a:avLst/>
+          </a:prstGeom>
+          <a:solidFill>
+            <a:schemeClr val="bg1"/>
+          </a:solidFill>
+          <a:ln>
+            <a:solidFill>
+              <a:schemeClr val="tx1">
+                <a:lumMod val="65000"/>
+                <a:lumOff val="35000"/>
+              </a:schemeClr>
+            </a:solidFill>
+          </a:ln>
+        </p:spPr>
+        <p:style>
+          <a:lnRef idx="2">
+            <a:schemeClr val="accent1">
+              <a:shade val="50000"/>
+            </a:schemeClr>
+          </a:lnRef>
+          <a:fillRef idx="1">
+            <a:schemeClr val="accent1"/>
+          </a:fillRef>
+          <a:effectRef idx="0">
+            <a:schemeClr val="accent1"/>
+          </a:effectRef>
+          <a:fontRef idx="minor">
+            <a:schemeClr val="lt1"/>
+          </a:fontRef>
+        </p:style>
+        <p:txBody>
+          <a:bodyPr rtlCol="0" anchor="ctr"/>
+          <a:lstStyle/>
+          <a:p>
+            <a:pPr algn="ctr"/>
+            <a:endParaRPr lang="pt-BR"/>
+          </a:p>
+        </p:txBody>
+      </p:sp>
+      <p:cxnSp>
+        <p:nvCxnSpPr>
+          <p:cNvPr id="18" name="Conector de Seta Reta 17"/>
+          <p:cNvCxnSpPr/>
+          <p:nvPr/>
+        </p:nvCxnSpPr>
+        <p:spPr>
+          <a:xfrm flipH="1">
+            <a:off x="3441233" y="2775495"/>
+            <a:ext cx="1967445" cy="649539"/>
+          </a:xfrm>
+          <a:prstGeom prst="straightConnector1">
+            <a:avLst/>
+          </a:prstGeom>
+          <a:ln>
+            <a:solidFill>
+              <a:schemeClr val="tx1">
+                <a:lumMod val="65000"/>
+                <a:lumOff val="35000"/>
+              </a:schemeClr>
+            </a:solidFill>
+            <a:prstDash val="lgDashDot"/>
+            <a:headEnd type="triangle"/>
+            <a:tailEnd type="triangle"/>
+          </a:ln>
+        </p:spPr>
+        <p:style>
+          <a:lnRef idx="1">
+            <a:schemeClr val="accent1"/>
+          </a:lnRef>
+          <a:fillRef idx="0">
+            <a:schemeClr val="accent1"/>
+          </a:fillRef>
+          <a:effectRef idx="0">
+            <a:schemeClr val="accent1"/>
+          </a:effectRef>
+          <a:fontRef idx="minor">
+            <a:schemeClr val="tx1"/>
+          </a:fontRef>
+        </p:style>
+      </p:cxnSp>
+      <p:cxnSp>
+        <p:nvCxnSpPr>
+          <p:cNvPr id="19" name="Conector de Seta Reta 18"/>
+          <p:cNvCxnSpPr/>
+          <p:nvPr/>
+        </p:nvCxnSpPr>
+        <p:spPr>
+          <a:xfrm flipH="1" flipV="1">
+            <a:off x="6701728" y="2751605"/>
+            <a:ext cx="1989628" cy="673429"/>
+          </a:xfrm>
+          <a:prstGeom prst="straightConnector1">
+            <a:avLst/>
+          </a:prstGeom>
+          <a:ln>
+            <a:solidFill>
+              <a:schemeClr val="tx1">
+                <a:lumMod val="65000"/>
+                <a:lumOff val="35000"/>
+              </a:schemeClr>
+            </a:solidFill>
+            <a:prstDash val="lgDashDot"/>
+            <a:headEnd type="triangle"/>
+            <a:tailEnd type="triangle"/>
+          </a:ln>
+        </p:spPr>
+        <p:style>
+          <a:lnRef idx="1">
+            <a:schemeClr val="accent1"/>
+          </a:lnRef>
+          <a:fillRef idx="0">
+            <a:schemeClr val="accent1"/>
+          </a:fillRef>
+          <a:effectRef idx="0">
+            <a:schemeClr val="accent1"/>
+          </a:effectRef>
+          <a:fontRef idx="minor">
+            <a:schemeClr val="tx1"/>
+          </a:fontRef>
+        </p:style>
+      </p:cxnSp>
+      <p:sp>
+        <p:nvSpPr>
+          <p:cNvPr id="20" name="CaixaDeTexto 19"/>
+          <p:cNvSpPr txBox="1"/>
+          <p:nvPr/>
+        </p:nvSpPr>
+        <p:spPr>
+          <a:xfrm>
+            <a:off x="467293" y="3163687"/>
+            <a:ext cx="2596576" cy="369332"/>
+          </a:xfrm>
+          <a:prstGeom prst="rect">
+            <a:avLst/>
+          </a:prstGeom>
+          <a:noFill/>
+        </p:spPr>
+        <p:txBody>
+          <a:bodyPr wrap="square" rtlCol="0">
+            <a:spAutoFit/>
+          </a:bodyPr>
+          <a:lstStyle/>
+          <a:p>
+            <a:r>
+              <a:rPr lang="pt-BR" b="1" dirty="0" smtClean="0">
+                <a:latin typeface="Arial" panose="020B0604020202020204" pitchFamily="34" charset="0"/>
+                <a:cs typeface="Arial" panose="020B0604020202020204" pitchFamily="34" charset="0"/>
+              </a:rPr>
+              <a:t>Capitação de dados</a:t>
+            </a:r>
+            <a:endParaRPr lang="pt-BR" b="1" dirty="0">
+              <a:latin typeface="Arial" panose="020B0604020202020204" pitchFamily="34" charset="0"/>
+              <a:cs typeface="Arial" panose="020B0604020202020204" pitchFamily="34" charset="0"/>
+            </a:endParaRPr>
+          </a:p>
+        </p:txBody>
+      </p:sp>
+      <p:sp>
+        <p:nvSpPr>
+          <p:cNvPr id="21" name="CaixaDeTexto 20"/>
+          <p:cNvSpPr txBox="1"/>
+          <p:nvPr/>
+        </p:nvSpPr>
+        <p:spPr>
+          <a:xfrm>
+            <a:off x="8171544" y="3216477"/>
+            <a:ext cx="3515294" cy="369332"/>
+          </a:xfrm>
+          <a:prstGeom prst="rect">
+            <a:avLst/>
+          </a:prstGeom>
+          <a:noFill/>
+        </p:spPr>
+        <p:txBody>
+          <a:bodyPr wrap="square" rtlCol="0">
+            <a:spAutoFit/>
+          </a:bodyPr>
+          <a:lstStyle/>
+          <a:p>
+            <a:pPr algn="r"/>
+            <a:r>
+              <a:rPr lang="pt-BR" b="1" dirty="0" smtClean="0">
+                <a:latin typeface="Arial" panose="020B0604020202020204" pitchFamily="34" charset="0"/>
+                <a:cs typeface="Arial" panose="020B0604020202020204" pitchFamily="34" charset="0"/>
+              </a:rPr>
+              <a:t>Uso das informações</a:t>
+            </a:r>
+            <a:endParaRPr lang="pt-BR" b="1" dirty="0">
+              <a:latin typeface="Arial" panose="020B0604020202020204" pitchFamily="34" charset="0"/>
+              <a:cs typeface="Arial" panose="020B0604020202020204" pitchFamily="34" charset="0"/>
+            </a:endParaRPr>
+          </a:p>
+        </p:txBody>
+      </p:sp>
+      <p:pic>
+        <p:nvPicPr>
+          <p:cNvPr id="22" name="Imagem 21"/>
+          <p:cNvPicPr>
+            <a:picLocks noChangeAspect="1"/>
+          </p:cNvPicPr>
+          <p:nvPr/>
+        </p:nvPicPr>
+        <p:blipFill>
+          <a:blip r:embed="rId5" cstate="print">
+            <a:extLst>
+              <a:ext uri="{28A0092B-C50C-407E-A947-70E740481C1C}">
+                <a14:useLocalDpi xmlns:a14="http://schemas.microsoft.com/office/drawing/2010/main" val="0"/>
+              </a:ext>
+            </a:extLst>
+          </a:blip>
+          <a:stretch>
+            <a:fillRect/>
+          </a:stretch>
+        </p:blipFill>
+        <p:spPr>
+          <a:xfrm>
+            <a:off x="3345137" y="3025592"/>
+            <a:ext cx="308124" cy="308124"/>
+          </a:xfrm>
+          <a:prstGeom prst="rect">
+            <a:avLst/>
+          </a:prstGeom>
+        </p:spPr>
+      </p:pic>
+      <p:pic>
+        <p:nvPicPr>
+          <p:cNvPr id="23" name="Imagem 22"/>
+          <p:cNvPicPr>
+            <a:picLocks noChangeAspect="1"/>
+          </p:cNvPicPr>
+          <p:nvPr/>
+        </p:nvPicPr>
+        <p:blipFill>
+          <a:blip r:embed="rId5" cstate="print">
+            <a:extLst>
+              <a:ext uri="{28A0092B-C50C-407E-A947-70E740481C1C}">
+                <a14:useLocalDpi xmlns:a14="http://schemas.microsoft.com/office/drawing/2010/main" val="0"/>
+              </a:ext>
+            </a:extLst>
+          </a:blip>
+          <a:stretch>
+            <a:fillRect/>
+          </a:stretch>
+        </p:blipFill>
+        <p:spPr>
+          <a:xfrm>
+            <a:off x="8479328" y="3025592"/>
+            <a:ext cx="308124" cy="308124"/>
+          </a:xfrm>
+          <a:prstGeom prst="rect">
+            <a:avLst/>
+          </a:prstGeom>
+        </p:spPr>
+      </p:pic>
+      <p:pic>
+        <p:nvPicPr>
+          <p:cNvPr id="24" name="Imagem 23"/>
+          <p:cNvPicPr>
+            <a:picLocks noChangeAspect="1"/>
+          </p:cNvPicPr>
+          <p:nvPr/>
+        </p:nvPicPr>
+        <p:blipFill>
+          <a:blip r:embed="rId6" cstate="print">
+            <a:extLst>
+              <a:ext uri="{28A0092B-C50C-407E-A947-70E740481C1C}">
+                <a14:useLocalDpi xmlns:a14="http://schemas.microsoft.com/office/drawing/2010/main" val="0"/>
+              </a:ext>
+            </a:extLst>
+          </a:blip>
+          <a:stretch>
+            <a:fillRect/>
+          </a:stretch>
+        </p:blipFill>
+        <p:spPr>
+          <a:xfrm rot="5400000">
+            <a:off x="211924" y="4536174"/>
+            <a:ext cx="2088399" cy="1026729"/>
+          </a:xfrm>
+          <a:prstGeom prst="rect">
+            <a:avLst/>
+          </a:prstGeom>
+        </p:spPr>
+      </p:pic>
+      <p:sp>
+        <p:nvSpPr>
+          <p:cNvPr id="25" name="CaixaDeTexto 24"/>
+          <p:cNvSpPr txBox="1"/>
+          <p:nvPr/>
+        </p:nvSpPr>
+        <p:spPr>
+          <a:xfrm>
+            <a:off x="376780" y="5950587"/>
+            <a:ext cx="1901371" cy="307777"/>
+          </a:xfrm>
+          <a:prstGeom prst="rect">
+            <a:avLst/>
+          </a:prstGeom>
+          <a:noFill/>
+        </p:spPr>
+        <p:txBody>
+          <a:bodyPr wrap="square" rtlCol="0">
+            <a:spAutoFit/>
+          </a:bodyPr>
+          <a:lstStyle/>
+          <a:p>
+            <a:pPr algn="ctr"/>
+            <a:r>
+              <a:rPr lang="pt-BR" sz="1400" dirty="0" err="1" smtClean="0">
+                <a:latin typeface="Arial" panose="020B0604020202020204" pitchFamily="34" charset="0"/>
+                <a:cs typeface="Arial" panose="020B0604020202020204" pitchFamily="34" charset="0"/>
+              </a:rPr>
+              <a:t>Protoboard</a:t>
+            </a:r>
+            <a:endParaRPr lang="pt-BR" sz="1400" dirty="0">
+              <a:latin typeface="Arial" panose="020B0604020202020204" pitchFamily="34" charset="0"/>
+              <a:cs typeface="Arial" panose="020B0604020202020204" pitchFamily="34" charset="0"/>
+            </a:endParaRPr>
+          </a:p>
+        </p:txBody>
+      </p:sp>
+      <p:sp>
+        <p:nvSpPr>
+          <p:cNvPr id="26" name="CaixaDeTexto 25"/>
+          <p:cNvSpPr txBox="1"/>
+          <p:nvPr/>
+        </p:nvSpPr>
+        <p:spPr>
+          <a:xfrm>
+            <a:off x="376779" y="3858949"/>
+            <a:ext cx="1901371" cy="307777"/>
+          </a:xfrm>
+          <a:prstGeom prst="rect">
+            <a:avLst/>
+          </a:prstGeom>
+          <a:noFill/>
+        </p:spPr>
+        <p:txBody>
+          <a:bodyPr wrap="square" rtlCol="0">
+            <a:spAutoFit/>
+          </a:bodyPr>
+          <a:lstStyle/>
+          <a:p>
+            <a:pPr algn="ctr"/>
+            <a:r>
+              <a:rPr lang="pt-BR" sz="1400" dirty="0" err="1" smtClean="0">
+                <a:latin typeface="Arial" panose="020B0604020202020204" pitchFamily="34" charset="0"/>
+                <a:cs typeface="Arial" panose="020B0604020202020204" pitchFamily="34" charset="0"/>
+              </a:rPr>
+              <a:t>Arduino</a:t>
+            </a:r>
+            <a:endParaRPr lang="pt-BR" sz="1400" dirty="0">
+              <a:latin typeface="Arial" panose="020B0604020202020204" pitchFamily="34" charset="0"/>
+              <a:cs typeface="Arial" panose="020B0604020202020204" pitchFamily="34" charset="0"/>
+            </a:endParaRPr>
+          </a:p>
+        </p:txBody>
+      </p:sp>
+      <p:cxnSp>
+        <p:nvCxnSpPr>
+          <p:cNvPr id="27" name="Conector de Seta Reta 26"/>
+          <p:cNvCxnSpPr/>
+          <p:nvPr/>
+        </p:nvCxnSpPr>
+        <p:spPr>
+          <a:xfrm>
+            <a:off x="1436909" y="5656217"/>
+            <a:ext cx="1060008" cy="218381"/>
+          </a:xfrm>
+          <a:prstGeom prst="straightConnector1">
+            <a:avLst/>
+          </a:prstGeom>
+          <a:ln>
+            <a:solidFill>
+              <a:schemeClr val="tx1">
+                <a:lumMod val="65000"/>
+                <a:lumOff val="35000"/>
+              </a:schemeClr>
+            </a:solidFill>
+            <a:tailEnd type="triangle"/>
+          </a:ln>
+        </p:spPr>
+        <p:style>
+          <a:lnRef idx="1">
+            <a:schemeClr val="accent1"/>
+          </a:lnRef>
+          <a:fillRef idx="0">
+            <a:schemeClr val="accent1"/>
+          </a:fillRef>
+          <a:effectRef idx="0">
+            <a:schemeClr val="accent1"/>
+          </a:effectRef>
+          <a:fontRef idx="minor">
+            <a:schemeClr val="tx1"/>
+          </a:fontRef>
+        </p:style>
+      </p:cxnSp>
+      <p:sp>
+        <p:nvSpPr>
+          <p:cNvPr id="28" name="CaixaDeTexto 27"/>
+          <p:cNvSpPr txBox="1"/>
+          <p:nvPr/>
+        </p:nvSpPr>
+        <p:spPr>
+          <a:xfrm>
+            <a:off x="2031680" y="5701719"/>
+            <a:ext cx="2165641" cy="738664"/>
+          </a:xfrm>
+          <a:prstGeom prst="rect">
+            <a:avLst/>
+          </a:prstGeom>
+          <a:noFill/>
+        </p:spPr>
+        <p:txBody>
+          <a:bodyPr wrap="square" rtlCol="0">
+            <a:spAutoFit/>
+          </a:bodyPr>
+          <a:lstStyle/>
+          <a:p>
+            <a:pPr algn="ctr"/>
+            <a:r>
+              <a:rPr lang="pt-BR" sz="1400" dirty="0" smtClean="0">
+                <a:latin typeface="Arial" panose="020B0604020202020204" pitchFamily="34" charset="0"/>
+                <a:cs typeface="Arial" panose="020B0604020202020204" pitchFamily="34" charset="0"/>
+              </a:rPr>
+              <a:t>Sensor de </a:t>
+            </a:r>
+          </a:p>
+          <a:p>
+            <a:pPr algn="ctr"/>
+            <a:r>
+              <a:rPr lang="pt-BR" sz="1400" dirty="0" smtClean="0">
+                <a:latin typeface="Arial" panose="020B0604020202020204" pitchFamily="34" charset="0"/>
+                <a:cs typeface="Arial" panose="020B0604020202020204" pitchFamily="34" charset="0"/>
+              </a:rPr>
+              <a:t>Temperatura e umidade</a:t>
+            </a:r>
+          </a:p>
+          <a:p>
+            <a:pPr algn="ctr"/>
+            <a:r>
+              <a:rPr lang="pt-BR" sz="1400" dirty="0" smtClean="0">
+                <a:latin typeface="Arial" panose="020B0604020202020204" pitchFamily="34" charset="0"/>
+                <a:cs typeface="Arial" panose="020B0604020202020204" pitchFamily="34" charset="0"/>
+              </a:rPr>
+              <a:t>DHTT11</a:t>
+            </a:r>
+            <a:endParaRPr lang="pt-BR" sz="1400" dirty="0">
+              <a:latin typeface="Arial" panose="020B0604020202020204" pitchFamily="34" charset="0"/>
+              <a:cs typeface="Arial" panose="020B0604020202020204" pitchFamily="34" charset="0"/>
+            </a:endParaRPr>
+          </a:p>
+        </p:txBody>
+      </p:sp>
+      <p:pic>
+        <p:nvPicPr>
+          <p:cNvPr id="29" name="Imagem 28"/>
+          <p:cNvPicPr>
+            <a:picLocks noChangeAspect="1"/>
+          </p:cNvPicPr>
+          <p:nvPr/>
+        </p:nvPicPr>
+        <p:blipFill>
+          <a:blip r:embed="rId7" cstate="print">
+            <a:extLst>
+              <a:ext uri="{28A0092B-C50C-407E-A947-70E740481C1C}">
+                <a14:useLocalDpi xmlns:a14="http://schemas.microsoft.com/office/drawing/2010/main" val="0"/>
+              </a:ext>
+            </a:extLst>
+          </a:blip>
+          <a:stretch>
+            <a:fillRect/>
+          </a:stretch>
+        </p:blipFill>
+        <p:spPr>
+          <a:xfrm>
+            <a:off x="2694854" y="4326932"/>
+            <a:ext cx="1300566" cy="1300566"/>
+          </a:xfrm>
+          <a:prstGeom prst="rect">
+            <a:avLst/>
+          </a:prstGeom>
+        </p:spPr>
+      </p:pic>
+      <p:pic>
+        <p:nvPicPr>
+          <p:cNvPr id="30" name="Imagem 29"/>
+          <p:cNvPicPr>
+            <a:picLocks noChangeAspect="1"/>
+          </p:cNvPicPr>
+          <p:nvPr/>
+        </p:nvPicPr>
+        <p:blipFill>
+          <a:blip r:embed="rId8" cstate="print">
+            <a:extLst>
+              <a:ext uri="{28A0092B-C50C-407E-A947-70E740481C1C}">
+                <a14:useLocalDpi xmlns:a14="http://schemas.microsoft.com/office/drawing/2010/main" val="0"/>
+              </a:ext>
+            </a:extLst>
+          </a:blip>
+          <a:stretch>
+            <a:fillRect/>
+          </a:stretch>
+        </p:blipFill>
+        <p:spPr>
+          <a:xfrm>
+            <a:off x="1980124" y="4714104"/>
+            <a:ext cx="516793" cy="516793"/>
+          </a:xfrm>
+          <a:prstGeom prst="rect">
+            <a:avLst/>
+          </a:prstGeom>
+        </p:spPr>
+      </p:pic>
+      <p:cxnSp>
+        <p:nvCxnSpPr>
+          <p:cNvPr id="31" name="Conector de Seta Reta 30"/>
+          <p:cNvCxnSpPr>
+            <a:stCxn id="30" idx="3"/>
+            <a:endCxn id="29" idx="1"/>
+          </p:cNvCxnSpPr>
+          <p:nvPr/>
+        </p:nvCxnSpPr>
+        <p:spPr>
+          <a:xfrm>
+            <a:off x="2496917" y="4972501"/>
+            <a:ext cx="197937" cy="4714"/>
+          </a:xfrm>
+          <a:prstGeom prst="straightConnector1">
+            <a:avLst/>
+          </a:prstGeom>
+          <a:ln>
+            <a:solidFill>
+              <a:schemeClr val="tx1">
+                <a:lumMod val="65000"/>
+                <a:lumOff val="35000"/>
+              </a:schemeClr>
+            </a:solidFill>
+            <a:tailEnd type="triangle"/>
+          </a:ln>
+        </p:spPr>
+        <p:style>
+          <a:lnRef idx="1">
+            <a:schemeClr val="accent1"/>
+          </a:lnRef>
+          <a:fillRef idx="0">
+            <a:schemeClr val="accent1"/>
+          </a:fillRef>
+          <a:effectRef idx="0">
+            <a:schemeClr val="accent1"/>
+          </a:effectRef>
+          <a:fontRef idx="minor">
+            <a:schemeClr val="tx1"/>
+          </a:fontRef>
+        </p:style>
+      </p:cxnSp>
+      <p:cxnSp>
+        <p:nvCxnSpPr>
+          <p:cNvPr id="32" name="Conector de Seta Reta 31"/>
+          <p:cNvCxnSpPr/>
+          <p:nvPr/>
+        </p:nvCxnSpPr>
+        <p:spPr>
+          <a:xfrm flipH="1">
+            <a:off x="1766667" y="4972501"/>
+            <a:ext cx="204287" cy="4714"/>
+          </a:xfrm>
+          <a:prstGeom prst="straightConnector1">
+            <a:avLst/>
+          </a:prstGeom>
+          <a:ln>
+            <a:solidFill>
+              <a:schemeClr val="tx1">
+                <a:lumMod val="65000"/>
+                <a:lumOff val="35000"/>
+              </a:schemeClr>
+            </a:solidFill>
+            <a:tailEnd type="triangle"/>
+          </a:ln>
+        </p:spPr>
+        <p:style>
+          <a:lnRef idx="1">
+            <a:schemeClr val="accent1"/>
+          </a:lnRef>
+          <a:fillRef idx="0">
+            <a:schemeClr val="accent1"/>
+          </a:fillRef>
+          <a:effectRef idx="0">
+            <a:schemeClr val="accent1"/>
+          </a:effectRef>
+          <a:fontRef idx="minor">
+            <a:schemeClr val="tx1"/>
+          </a:fontRef>
+        </p:style>
+      </p:cxnSp>
+      <p:sp>
+        <p:nvSpPr>
+          <p:cNvPr id="33" name="CaixaDeTexto 32"/>
+          <p:cNvSpPr txBox="1"/>
+          <p:nvPr/>
+        </p:nvSpPr>
+        <p:spPr>
+          <a:xfrm>
+            <a:off x="1926552" y="4170611"/>
+            <a:ext cx="627064" cy="523220"/>
+          </a:xfrm>
+          <a:prstGeom prst="rect">
+            <a:avLst/>
+          </a:prstGeom>
+          <a:noFill/>
+        </p:spPr>
+        <p:txBody>
+          <a:bodyPr wrap="square" rtlCol="0">
+            <a:spAutoFit/>
+          </a:bodyPr>
+          <a:lstStyle/>
+          <a:p>
+            <a:pPr algn="ctr"/>
+            <a:r>
+              <a:rPr lang="pt-BR" sz="1400" dirty="0" smtClean="0">
+                <a:latin typeface="Arial" panose="020B0604020202020204" pitchFamily="34" charset="0"/>
+                <a:cs typeface="Arial" panose="020B0604020202020204" pitchFamily="34" charset="0"/>
+              </a:rPr>
+              <a:t>Cabo </a:t>
+            </a:r>
+          </a:p>
+          <a:p>
+            <a:pPr algn="ctr"/>
+            <a:r>
+              <a:rPr lang="pt-BR" sz="1400" dirty="0" smtClean="0">
+                <a:latin typeface="Arial" panose="020B0604020202020204" pitchFamily="34" charset="0"/>
+                <a:cs typeface="Arial" panose="020B0604020202020204" pitchFamily="34" charset="0"/>
+              </a:rPr>
+              <a:t>USB</a:t>
+            </a:r>
+            <a:endParaRPr lang="pt-BR" sz="1400" dirty="0">
+              <a:latin typeface="Arial" panose="020B0604020202020204" pitchFamily="34" charset="0"/>
+              <a:cs typeface="Arial" panose="020B0604020202020204" pitchFamily="34" charset="0"/>
+            </a:endParaRPr>
+          </a:p>
+        </p:txBody>
+      </p:sp>
+      <p:pic>
+        <p:nvPicPr>
+          <p:cNvPr id="34" name="Imagem 33"/>
+          <p:cNvPicPr>
+            <a:picLocks noChangeAspect="1"/>
+          </p:cNvPicPr>
+          <p:nvPr/>
+        </p:nvPicPr>
+        <p:blipFill>
+          <a:blip r:embed="rId9"/>
+          <a:stretch>
+            <a:fillRect/>
+          </a:stretch>
+        </p:blipFill>
+        <p:spPr>
+          <a:xfrm flipH="1">
+            <a:off x="6358454" y="3679794"/>
+            <a:ext cx="614584" cy="533097"/>
+          </a:xfrm>
+          <a:prstGeom prst="rect">
+            <a:avLst/>
+          </a:prstGeom>
+        </p:spPr>
+      </p:pic>
+      <p:pic>
+        <p:nvPicPr>
+          <p:cNvPr id="35" name="Imagem 34"/>
+          <p:cNvPicPr>
+            <a:picLocks noChangeAspect="1"/>
+          </p:cNvPicPr>
+          <p:nvPr/>
+        </p:nvPicPr>
+        <p:blipFill>
+          <a:blip r:embed="rId9"/>
+          <a:stretch>
+            <a:fillRect/>
+          </a:stretch>
+        </p:blipFill>
+        <p:spPr>
+          <a:xfrm>
+            <a:off x="5162181" y="3683885"/>
+            <a:ext cx="634385" cy="533097"/>
+          </a:xfrm>
+          <a:prstGeom prst="rect">
+            <a:avLst/>
+          </a:prstGeom>
+        </p:spPr>
+      </p:pic>
+      <p:sp>
+        <p:nvSpPr>
+          <p:cNvPr id="36" name="CaixaDeTexto 35"/>
+          <p:cNvSpPr txBox="1"/>
+          <p:nvPr/>
+        </p:nvSpPr>
+        <p:spPr>
+          <a:xfrm>
+            <a:off x="3550474" y="3677178"/>
+            <a:ext cx="1987474" cy="307777"/>
+          </a:xfrm>
+          <a:prstGeom prst="rect">
+            <a:avLst/>
+          </a:prstGeom>
+          <a:noFill/>
+        </p:spPr>
+        <p:txBody>
+          <a:bodyPr wrap="square" rtlCol="0">
+            <a:spAutoFit/>
+          </a:bodyPr>
+          <a:lstStyle/>
+          <a:p>
+            <a:pPr algn="ctr"/>
+            <a:r>
+              <a:rPr lang="pt-BR" sz="1400" dirty="0" smtClean="0">
+                <a:latin typeface="Arial" panose="020B0604020202020204" pitchFamily="34" charset="0"/>
+                <a:cs typeface="Arial" panose="020B0604020202020204" pitchFamily="34" charset="0"/>
+              </a:rPr>
+              <a:t>Internet LAN / </a:t>
+            </a:r>
+            <a:r>
+              <a:rPr lang="pt-BR" sz="1400" dirty="0" err="1" smtClean="0">
+                <a:latin typeface="Arial" panose="020B0604020202020204" pitchFamily="34" charset="0"/>
+                <a:cs typeface="Arial" panose="020B0604020202020204" pitchFamily="34" charset="0"/>
+              </a:rPr>
+              <a:t>Wi</a:t>
+            </a:r>
+            <a:r>
+              <a:rPr lang="pt-BR" sz="1400" dirty="0">
+                <a:latin typeface="Arial" panose="020B0604020202020204" pitchFamily="34" charset="0"/>
+                <a:cs typeface="Arial" panose="020B0604020202020204" pitchFamily="34" charset="0"/>
+              </a:rPr>
+              <a:t> </a:t>
+            </a:r>
+            <a:r>
+              <a:rPr lang="pt-BR" sz="1400" dirty="0" err="1" smtClean="0">
+                <a:latin typeface="Arial" panose="020B0604020202020204" pitchFamily="34" charset="0"/>
+                <a:cs typeface="Arial" panose="020B0604020202020204" pitchFamily="34" charset="0"/>
+              </a:rPr>
+              <a:t>fi</a:t>
+            </a:r>
+            <a:endParaRPr lang="pt-BR" sz="1400" dirty="0">
+              <a:latin typeface="Arial" panose="020B0604020202020204" pitchFamily="34" charset="0"/>
+              <a:cs typeface="Arial" panose="020B0604020202020204" pitchFamily="34" charset="0"/>
+            </a:endParaRPr>
+          </a:p>
+        </p:txBody>
+      </p:sp>
+      <p:sp>
+        <p:nvSpPr>
+          <p:cNvPr id="37" name="CaixaDeTexto 36"/>
+          <p:cNvSpPr txBox="1"/>
+          <p:nvPr/>
+        </p:nvSpPr>
+        <p:spPr>
+          <a:xfrm>
+            <a:off x="6553617" y="3674122"/>
+            <a:ext cx="1987474" cy="307777"/>
+          </a:xfrm>
+          <a:prstGeom prst="rect">
+            <a:avLst/>
+          </a:prstGeom>
+          <a:noFill/>
+        </p:spPr>
+        <p:txBody>
+          <a:bodyPr wrap="square" rtlCol="0">
+            <a:spAutoFit/>
+          </a:bodyPr>
+          <a:lstStyle/>
+          <a:p>
+            <a:pPr algn="ctr"/>
+            <a:r>
+              <a:rPr lang="pt-BR" sz="1400" dirty="0" smtClean="0">
+                <a:latin typeface="Arial" panose="020B0604020202020204" pitchFamily="34" charset="0"/>
+                <a:cs typeface="Arial" panose="020B0604020202020204" pitchFamily="34" charset="0"/>
+              </a:rPr>
+              <a:t>Internet LAN / </a:t>
+            </a:r>
+            <a:r>
+              <a:rPr lang="pt-BR" sz="1400" dirty="0" err="1" smtClean="0">
+                <a:latin typeface="Arial" panose="020B0604020202020204" pitchFamily="34" charset="0"/>
+                <a:cs typeface="Arial" panose="020B0604020202020204" pitchFamily="34" charset="0"/>
+              </a:rPr>
+              <a:t>Wi</a:t>
+            </a:r>
+            <a:r>
+              <a:rPr lang="pt-BR" sz="1400" dirty="0">
+                <a:latin typeface="Arial" panose="020B0604020202020204" pitchFamily="34" charset="0"/>
+                <a:cs typeface="Arial" panose="020B0604020202020204" pitchFamily="34" charset="0"/>
+              </a:rPr>
+              <a:t> </a:t>
+            </a:r>
+            <a:r>
+              <a:rPr lang="pt-BR" sz="1400" dirty="0" err="1" smtClean="0">
+                <a:latin typeface="Arial" panose="020B0604020202020204" pitchFamily="34" charset="0"/>
+                <a:cs typeface="Arial" panose="020B0604020202020204" pitchFamily="34" charset="0"/>
+              </a:rPr>
+              <a:t>fi</a:t>
+            </a:r>
+            <a:endParaRPr lang="pt-BR" sz="1400" dirty="0">
+              <a:latin typeface="Arial" panose="020B0604020202020204" pitchFamily="34" charset="0"/>
+              <a:cs typeface="Arial" panose="020B0604020202020204" pitchFamily="34" charset="0"/>
+            </a:endParaRPr>
+          </a:p>
+        </p:txBody>
+      </p:sp>
+      <p:sp>
+        <p:nvSpPr>
+          <p:cNvPr id="38" name="CaixaDeTexto 37"/>
+          <p:cNvSpPr txBox="1"/>
+          <p:nvPr/>
+        </p:nvSpPr>
+        <p:spPr>
+          <a:xfrm>
+            <a:off x="3692987" y="4432221"/>
+            <a:ext cx="2165641" cy="1169551"/>
+          </a:xfrm>
+          <a:prstGeom prst="rect">
+            <a:avLst/>
+          </a:prstGeom>
+          <a:noFill/>
+        </p:spPr>
+        <p:txBody>
+          <a:bodyPr wrap="square" rtlCol="0">
+            <a:spAutoFit/>
+          </a:bodyPr>
+          <a:lstStyle/>
+          <a:p>
+            <a:pPr algn="ctr"/>
+            <a:r>
+              <a:rPr lang="pt-BR" sz="1400" dirty="0" err="1" smtClean="0">
+                <a:latin typeface="Arial" panose="020B0604020202020204" pitchFamily="34" charset="0"/>
+                <a:cs typeface="Arial" panose="020B0604020202020204" pitchFamily="34" charset="0"/>
+              </a:rPr>
+              <a:t>Notbook</a:t>
+            </a:r>
+            <a:r>
+              <a:rPr lang="pt-BR" sz="1400" dirty="0" smtClean="0">
+                <a:latin typeface="Arial" panose="020B0604020202020204" pitchFamily="34" charset="0"/>
+                <a:cs typeface="Arial" panose="020B0604020202020204" pitchFamily="34" charset="0"/>
+              </a:rPr>
+              <a:t> HP</a:t>
+            </a:r>
+          </a:p>
+          <a:p>
+            <a:pPr algn="ctr"/>
+            <a:r>
+              <a:rPr lang="pt-BR" sz="1400" dirty="0" smtClean="0">
+                <a:latin typeface="Arial" panose="020B0604020202020204" pitchFamily="34" charset="0"/>
+                <a:cs typeface="Arial" panose="020B0604020202020204" pitchFamily="34" charset="0"/>
+              </a:rPr>
+              <a:t>Core i3 8GB RAM</a:t>
+            </a:r>
+          </a:p>
+          <a:p>
+            <a:pPr algn="ctr"/>
+            <a:r>
+              <a:rPr lang="pt-BR" sz="1400" dirty="0" smtClean="0">
+                <a:latin typeface="Arial" panose="020B0604020202020204" pitchFamily="34" charset="0"/>
+                <a:cs typeface="Arial" panose="020B0604020202020204" pitchFamily="34" charset="0"/>
+              </a:rPr>
+              <a:t>Com Node JS e IDE </a:t>
+            </a:r>
+            <a:r>
+              <a:rPr lang="pt-BR" sz="1400" dirty="0" err="1" smtClean="0">
+                <a:latin typeface="Arial" panose="020B0604020202020204" pitchFamily="34" charset="0"/>
+                <a:cs typeface="Arial" panose="020B0604020202020204" pitchFamily="34" charset="0"/>
+              </a:rPr>
+              <a:t>arduino</a:t>
+            </a:r>
+            <a:endParaRPr lang="pt-BR" sz="1400" dirty="0" smtClean="0">
+              <a:latin typeface="Arial" panose="020B0604020202020204" pitchFamily="34" charset="0"/>
+              <a:cs typeface="Arial" panose="020B0604020202020204" pitchFamily="34" charset="0"/>
+            </a:endParaRPr>
+          </a:p>
+          <a:p>
+            <a:pPr algn="ctr"/>
+            <a:endParaRPr lang="pt-BR" sz="1400" dirty="0">
+              <a:latin typeface="Arial" panose="020B0604020202020204" pitchFamily="34" charset="0"/>
+              <a:cs typeface="Arial" panose="020B0604020202020204" pitchFamily="34" charset="0"/>
+            </a:endParaRPr>
+          </a:p>
+        </p:txBody>
+      </p:sp>
+      <p:pic>
+        <p:nvPicPr>
+          <p:cNvPr id="39" name="Imagem 38"/>
+          <p:cNvPicPr>
+            <a:picLocks noChangeAspect="1"/>
+          </p:cNvPicPr>
+          <p:nvPr/>
+        </p:nvPicPr>
+        <p:blipFill>
+          <a:blip r:embed="rId10" cstate="print">
+            <a:extLst>
+              <a:ext uri="{28A0092B-C50C-407E-A947-70E740481C1C}">
+                <a14:useLocalDpi xmlns:a14="http://schemas.microsoft.com/office/drawing/2010/main" val="0"/>
+              </a:ext>
+            </a:extLst>
+          </a:blip>
+          <a:stretch>
+            <a:fillRect/>
+          </a:stretch>
+        </p:blipFill>
+        <p:spPr>
+          <a:xfrm>
+            <a:off x="5121959" y="6025584"/>
+            <a:ext cx="695366" cy="425332"/>
+          </a:xfrm>
+          <a:prstGeom prst="rect">
+            <a:avLst/>
+          </a:prstGeom>
+        </p:spPr>
+      </p:pic>
+      <p:pic>
+        <p:nvPicPr>
+          <p:cNvPr id="40" name="Imagem 39"/>
+          <p:cNvPicPr>
+            <a:picLocks noChangeAspect="1"/>
+          </p:cNvPicPr>
+          <p:nvPr/>
+        </p:nvPicPr>
+        <p:blipFill>
+          <a:blip r:embed="rId11" cstate="print">
+            <a:extLst>
+              <a:ext uri="{28A0092B-C50C-407E-A947-70E740481C1C}">
+                <a14:useLocalDpi xmlns:a14="http://schemas.microsoft.com/office/drawing/2010/main" val="0"/>
+              </a:ext>
+            </a:extLst>
+          </a:blip>
+          <a:stretch>
+            <a:fillRect/>
+          </a:stretch>
+        </p:blipFill>
+        <p:spPr>
+          <a:xfrm>
+            <a:off x="4511231" y="6040020"/>
+            <a:ext cx="575968" cy="420817"/>
+          </a:xfrm>
+          <a:prstGeom prst="rect">
+            <a:avLst/>
+          </a:prstGeom>
+        </p:spPr>
+      </p:pic>
+      <p:pic>
+        <p:nvPicPr>
+          <p:cNvPr id="41" name="Imagem 40"/>
+          <p:cNvPicPr>
+            <a:picLocks noChangeAspect="1"/>
+          </p:cNvPicPr>
+          <p:nvPr/>
+        </p:nvPicPr>
+        <p:blipFill>
+          <a:blip r:embed="rId12"/>
+          <a:stretch>
+            <a:fillRect/>
+          </a:stretch>
+        </p:blipFill>
+        <p:spPr>
+          <a:xfrm>
+            <a:off x="6477746" y="4432156"/>
+            <a:ext cx="1858405" cy="1530324"/>
+          </a:xfrm>
+          <a:prstGeom prst="rect">
+            <a:avLst/>
+          </a:prstGeom>
+        </p:spPr>
+      </p:pic>
+      <p:pic>
+        <p:nvPicPr>
+          <p:cNvPr id="42" name="Imagem 41"/>
+          <p:cNvPicPr>
+            <a:picLocks noChangeAspect="1"/>
+          </p:cNvPicPr>
+          <p:nvPr/>
+        </p:nvPicPr>
+        <p:blipFill>
+          <a:blip r:embed="rId7" cstate="print">
+            <a:extLst>
+              <a:ext uri="{28A0092B-C50C-407E-A947-70E740481C1C}">
+                <a14:useLocalDpi xmlns:a14="http://schemas.microsoft.com/office/drawing/2010/main" val="0"/>
+              </a:ext>
+            </a:extLst>
+          </a:blip>
+          <a:stretch>
+            <a:fillRect/>
+          </a:stretch>
+        </p:blipFill>
+        <p:spPr>
+          <a:xfrm>
+            <a:off x="8572996" y="4547035"/>
+            <a:ext cx="1300566" cy="1300566"/>
+          </a:xfrm>
+          <a:prstGeom prst="rect">
+            <a:avLst/>
+          </a:prstGeom>
+        </p:spPr>
+      </p:pic>
+      <p:sp>
+        <p:nvSpPr>
+          <p:cNvPr id="43" name="CaixaDeTexto 42"/>
+          <p:cNvSpPr txBox="1"/>
+          <p:nvPr/>
+        </p:nvSpPr>
+        <p:spPr>
+          <a:xfrm>
+            <a:off x="9571320" y="4703435"/>
+            <a:ext cx="2165641" cy="954107"/>
+          </a:xfrm>
+          <a:prstGeom prst="rect">
+            <a:avLst/>
+          </a:prstGeom>
+          <a:noFill/>
+        </p:spPr>
+        <p:txBody>
+          <a:bodyPr wrap="square" rtlCol="0">
+            <a:spAutoFit/>
+          </a:bodyPr>
+          <a:lstStyle/>
+          <a:p>
+            <a:pPr algn="ctr"/>
+            <a:r>
+              <a:rPr lang="pt-BR" sz="1400" dirty="0" err="1" smtClean="0">
+                <a:latin typeface="Arial" panose="020B0604020202020204" pitchFamily="34" charset="0"/>
+                <a:cs typeface="Arial" panose="020B0604020202020204" pitchFamily="34" charset="0"/>
+              </a:rPr>
+              <a:t>Notbook</a:t>
+            </a:r>
+            <a:r>
+              <a:rPr lang="pt-BR" sz="1400" dirty="0" smtClean="0">
+                <a:latin typeface="Arial" panose="020B0604020202020204" pitchFamily="34" charset="0"/>
+                <a:cs typeface="Arial" panose="020B0604020202020204" pitchFamily="34" charset="0"/>
+              </a:rPr>
+              <a:t> HP</a:t>
+            </a:r>
+          </a:p>
+          <a:p>
+            <a:pPr algn="ctr"/>
+            <a:r>
+              <a:rPr lang="pt-BR" sz="1400" dirty="0" smtClean="0">
+                <a:latin typeface="Arial" panose="020B0604020202020204" pitchFamily="34" charset="0"/>
+                <a:cs typeface="Arial" panose="020B0604020202020204" pitchFamily="34" charset="0"/>
+              </a:rPr>
+              <a:t>Core i3 8GB RAM</a:t>
+            </a:r>
+          </a:p>
+          <a:p>
+            <a:pPr algn="ctr"/>
+            <a:r>
+              <a:rPr lang="pt-BR" sz="1400" dirty="0" smtClean="0">
+                <a:latin typeface="Arial" panose="020B0604020202020204" pitchFamily="34" charset="0"/>
+                <a:cs typeface="Arial" panose="020B0604020202020204" pitchFamily="34" charset="0"/>
+              </a:rPr>
+              <a:t>Com Chrome </a:t>
+            </a:r>
+          </a:p>
+          <a:p>
+            <a:pPr algn="ctr"/>
+            <a:r>
+              <a:rPr lang="pt-BR" sz="1400" dirty="0" smtClean="0">
+                <a:latin typeface="Arial" panose="020B0604020202020204" pitchFamily="34" charset="0"/>
+                <a:cs typeface="Arial" panose="020B0604020202020204" pitchFamily="34" charset="0"/>
+              </a:rPr>
+              <a:t>ou Firefox</a:t>
+            </a:r>
+            <a:endParaRPr lang="pt-BR" sz="1400" dirty="0">
+              <a:latin typeface="Arial" panose="020B0604020202020204" pitchFamily="34" charset="0"/>
+              <a:cs typeface="Arial" panose="020B0604020202020204" pitchFamily="34" charset="0"/>
+            </a:endParaRPr>
+          </a:p>
+        </p:txBody>
+      </p:sp>
+      <p:pic>
+        <p:nvPicPr>
+          <p:cNvPr id="44" name="Imagem 43"/>
+          <p:cNvPicPr>
+            <a:picLocks noChangeAspect="1"/>
+          </p:cNvPicPr>
+          <p:nvPr/>
+        </p:nvPicPr>
+        <p:blipFill>
+          <a:blip r:embed="rId13" cstate="print">
+            <a:extLst>
+              <a:ext uri="{28A0092B-C50C-407E-A947-70E740481C1C}">
+                <a14:useLocalDpi xmlns:a14="http://schemas.microsoft.com/office/drawing/2010/main" val="0"/>
+              </a:ext>
+            </a:extLst>
+          </a:blip>
+          <a:stretch>
+            <a:fillRect/>
+          </a:stretch>
+        </p:blipFill>
+        <p:spPr>
+          <a:xfrm>
+            <a:off x="8833981" y="5858470"/>
+            <a:ext cx="384241" cy="384241"/>
+          </a:xfrm>
+          <a:prstGeom prst="rect">
+            <a:avLst/>
+          </a:prstGeom>
+        </p:spPr>
+      </p:pic>
+      <p:pic>
+        <p:nvPicPr>
+          <p:cNvPr id="45" name="Imagem 44"/>
+          <p:cNvPicPr>
+            <a:picLocks noChangeAspect="1"/>
+          </p:cNvPicPr>
+          <p:nvPr/>
+        </p:nvPicPr>
+        <p:blipFill>
+          <a:blip r:embed="rId14" cstate="print">
+            <a:extLst>
+              <a:ext uri="{28A0092B-C50C-407E-A947-70E740481C1C}">
+                <a14:useLocalDpi xmlns:a14="http://schemas.microsoft.com/office/drawing/2010/main" val="0"/>
+              </a:ext>
+            </a:extLst>
+          </a:blip>
+          <a:stretch>
+            <a:fillRect/>
+          </a:stretch>
+        </p:blipFill>
+        <p:spPr>
+          <a:xfrm>
+            <a:off x="9295717" y="5874598"/>
+            <a:ext cx="367512" cy="346610"/>
+          </a:xfrm>
+          <a:prstGeom prst="rect">
+            <a:avLst/>
+          </a:prstGeom>
+        </p:spPr>
+      </p:pic>
+    </p:spTree>
+    <p:extLst>
+      <p:ext uri="{BB962C8B-B14F-4D97-AF65-F5344CB8AC3E}">
+        <p14:creationId xmlns:p14="http://schemas.microsoft.com/office/powerpoint/2010/main" val="3145368698"/>
+      </p:ext>
+    </p:extLst>
+  </p:cSld>
+  <p:clrMapOvr>
+    <a:masterClrMapping/>
+  </p:clrMapOvr>
+  <mc:AlternateContent xmlns:mc="http://schemas.openxmlformats.org/markup-compatibility/2006" xmlns:p14="http://schemas.microsoft.com/office/powerpoint/2010/main">
+    <mc:Choice Requires="p14">
+      <p:transition spd="med" p14:dur="700">
+        <p:fade/>
+      </p:transition>
+    </mc:Choice>
+    <mc:Fallback xmlns="">
+      <p:transition spd="med">
+        <p:fade/>
+      </p:transition>
+    </mc:Fallback>
+  </mc:AlternateContent>
+  <p:timing>
+    <p:tnLst>
+      <p:par>
+        <p:cTn id="1" dur="indefinite" restart="never" nodeType="tmRoot"/>
+      </p:par>
+    </p:tnLst>
+  </p:timing>
+</p:sld>
+</file>
+
+<file path=ppt/slides/slide9.xml><?xml version="1.0" encoding="utf-8"?>
 <p:sld xmlns:a="http://schemas.openxmlformats.org/drawingml/2006/main" xmlns:r="http://schemas.openxmlformats.org/officeDocument/2006/relationships" xmlns:p="http://schemas.openxmlformats.org/presentationml/2006/main">
   <p:cSld>
     <p:spTree>
@@ -5038,835 +10204,6 @@
         </p:cTn>
       </p:par>
     </p:tnLst>
-  </p:timing>
-</p:sld>
-</file>
-
-<file path=ppt/slides/slide7.xml><?xml version="1.0" encoding="utf-8"?>
-<p:sld xmlns:a="http://schemas.openxmlformats.org/drawingml/2006/main" xmlns:r="http://schemas.openxmlformats.org/officeDocument/2006/relationships" xmlns:p="http://schemas.openxmlformats.org/presentationml/2006/main">
-  <p:cSld>
-    <p:spTree>
-      <p:nvGrpSpPr>
-        <p:cNvPr id="1" name=""/>
-        <p:cNvGrpSpPr/>
-        <p:nvPr/>
-      </p:nvGrpSpPr>
-      <p:grpSpPr>
-        <a:xfrm>
-          <a:off x="0" y="0"/>
-          <a:ext cx="0" cy="0"/>
-          <a:chOff x="0" y="0"/>
-          <a:chExt cx="0" cy="0"/>
-        </a:xfrm>
-      </p:grpSpPr>
-      <p:sp>
-        <p:nvSpPr>
-          <p:cNvPr id="2" name="Título 1">
-            <a:extLst>
-              <a:ext uri="{FF2B5EF4-FFF2-40B4-BE49-F238E27FC236}">
-                <a16:creationId xmlns:a16="http://schemas.microsoft.com/office/drawing/2014/main" id="{99F76FBE-1BC2-4EE6-B90A-22263BF7BDCD}"/>
-              </a:ext>
-            </a:extLst>
-          </p:cNvPr>
-          <p:cNvSpPr>
-            <a:spLocks noGrp="1"/>
-          </p:cNvSpPr>
-          <p:nvPr>
-            <p:ph type="title"/>
-          </p:nvPr>
-        </p:nvSpPr>
-        <p:spPr/>
-        <p:txBody>
-          <a:bodyPr/>
-          <a:lstStyle/>
-          <a:p>
-            <a:r>
-              <a:rPr lang="pt-BR" dirty="0">
-                <a:solidFill>
-                  <a:schemeClr val="tx1">
-                    <a:lumMod val="75000"/>
-                    <a:lumOff val="25000"/>
-                  </a:schemeClr>
-                </a:solidFill>
-                <a:latin typeface="Bariol Bold" panose="02000506040000020003" pitchFamily="2" charset="0"/>
-              </a:rPr>
-              <a:t>Requisitos (Backlog)</a:t>
-            </a:r>
-          </a:p>
-        </p:txBody>
-      </p:sp>
-      <p:pic>
-        <p:nvPicPr>
-          <p:cNvPr id="8" name="Imagem 7"/>
-          <p:cNvPicPr>
-            <a:picLocks noChangeAspect="1"/>
-          </p:cNvPicPr>
-          <p:nvPr/>
-        </p:nvPicPr>
-        <p:blipFill>
-          <a:blip r:embed="rId2" cstate="print">
-            <a:extLst>
-              <a:ext uri="{28A0092B-C50C-407E-A947-70E740481C1C}">
-                <a14:useLocalDpi xmlns:a14="http://schemas.microsoft.com/office/drawing/2010/main" val="0"/>
-              </a:ext>
-            </a:extLst>
-          </a:blip>
-          <a:stretch>
-            <a:fillRect/>
-          </a:stretch>
-        </p:blipFill>
-        <p:spPr>
-          <a:xfrm>
-            <a:off x="11313459" y="286497"/>
-            <a:ext cx="576000" cy="576000"/>
-          </a:xfrm>
-          <a:prstGeom prst="rect">
-            <a:avLst/>
-          </a:prstGeom>
-        </p:spPr>
-      </p:pic>
-      <p:pic>
-        <p:nvPicPr>
-          <p:cNvPr id="9" name="Imagem 8"/>
-          <p:cNvPicPr>
-            <a:picLocks noChangeAspect="1"/>
-          </p:cNvPicPr>
-          <p:nvPr/>
-        </p:nvPicPr>
-        <p:blipFill>
-          <a:blip r:embed="rId3" cstate="print">
-            <a:extLst>
-              <a:ext uri="{28A0092B-C50C-407E-A947-70E740481C1C}">
-                <a14:useLocalDpi xmlns:a14="http://schemas.microsoft.com/office/drawing/2010/main" val="0"/>
-              </a:ext>
-            </a:extLst>
-          </a:blip>
-          <a:stretch>
-            <a:fillRect/>
-          </a:stretch>
-        </p:blipFill>
-        <p:spPr>
-          <a:xfrm>
-            <a:off x="7609467" y="3802671"/>
-            <a:ext cx="4458351" cy="3055328"/>
-          </a:xfrm>
-          <a:prstGeom prst="rect">
-            <a:avLst/>
-          </a:prstGeom>
-        </p:spPr>
-      </p:pic>
-    </p:spTree>
-    <p:extLst>
-      <p:ext uri="{BB962C8B-B14F-4D97-AF65-F5344CB8AC3E}">
-        <p14:creationId xmlns:p14="http://schemas.microsoft.com/office/powerpoint/2010/main" val="1842012260"/>
-      </p:ext>
-    </p:extLst>
-  </p:cSld>
-  <p:clrMapOvr>
-    <a:masterClrMapping/>
-  </p:clrMapOvr>
-  <mc:AlternateContent xmlns:mc="http://schemas.openxmlformats.org/markup-compatibility/2006" xmlns:p14="http://schemas.microsoft.com/office/powerpoint/2010/main">
-    <mc:Choice Requires="p14">
-      <p:transition spd="med" p14:dur="700">
-        <p:fade/>
-      </p:transition>
-    </mc:Choice>
-    <mc:Fallback xmlns="">
-      <p:transition spd="med">
-        <p:fade/>
-      </p:transition>
-    </mc:Fallback>
-  </mc:AlternateContent>
-  <p:timing>
-    <p:tnLst>
-      <p:par>
-        <p:cTn id="1" dur="indefinite" restart="never" nodeType="tmRoot">
-          <p:childTnLst>
-            <p:seq concurrent="1" nextAc="seek">
-              <p:cTn id="2" dur="indefinite" nodeType="mainSeq">
-                <p:childTnLst>
-                  <p:par>
-                    <p:cTn id="3" fill="hold">
-                      <p:stCondLst>
-                        <p:cond delay="indefinite"/>
-                        <p:cond evt="onBegin" delay="0">
-                          <p:tn val="2"/>
-                        </p:cond>
-                      </p:stCondLst>
-                      <p:childTnLst>
-                        <p:par>
-                          <p:cTn id="4" fill="hold">
-                            <p:stCondLst>
-                              <p:cond delay="0"/>
-                            </p:stCondLst>
-                            <p:childTnLst>
-                              <p:par>
-                                <p:cTn id="5" presetID="10" presetClass="entr" presetSubtype="0" fill="hold" nodeType="afterEffect">
-                                  <p:stCondLst>
-                                    <p:cond delay="0"/>
-                                  </p:stCondLst>
-                                  <p:childTnLst>
-                                    <p:set>
-                                      <p:cBhvr>
-                                        <p:cTn id="6" dur="1" fill="hold">
-                                          <p:stCondLst>
-                                            <p:cond delay="0"/>
-                                          </p:stCondLst>
-                                        </p:cTn>
-                                        <p:tgtEl>
-                                          <p:spTgt spid="9"/>
-                                        </p:tgtEl>
-                                        <p:attrNameLst>
-                                          <p:attrName>style.visibility</p:attrName>
-                                        </p:attrNameLst>
-                                      </p:cBhvr>
-                                      <p:to>
-                                        <p:strVal val="visible"/>
-                                      </p:to>
-                                    </p:set>
-                                    <p:animEffect transition="in" filter="fade">
-                                      <p:cBhvr>
-                                        <p:cTn id="7" dur="500"/>
-                                        <p:tgtEl>
-                                          <p:spTgt spid="9"/>
-                                        </p:tgtEl>
-                                      </p:cBhvr>
-                                    </p:animEffect>
-                                  </p:childTnLst>
-                                </p:cTn>
-                              </p:par>
-                            </p:childTnLst>
-                          </p:cTn>
-                        </p:par>
-                      </p:childTnLst>
-                    </p:cTn>
-                  </p:par>
-                </p:childTnLst>
-              </p:cTn>
-              <p:prevCondLst>
-                <p:cond evt="onPrev" delay="0">
-                  <p:tgtEl>
-                    <p:sldTgt/>
-                  </p:tgtEl>
-                </p:cond>
-              </p:prevCondLst>
-              <p:nextCondLst>
-                <p:cond evt="onNext" delay="0">
-                  <p:tgtEl>
-                    <p:sldTgt/>
-                  </p:tgtEl>
-                </p:cond>
-              </p:nextCondLst>
-            </p:seq>
-          </p:childTnLst>
-        </p:cTn>
-      </p:par>
-    </p:tnLst>
-  </p:timing>
-</p:sld>
-</file>
-
-<file path=ppt/slides/slide8.xml><?xml version="1.0" encoding="utf-8"?>
-<p:sld xmlns:a="http://schemas.openxmlformats.org/drawingml/2006/main" xmlns:r="http://schemas.openxmlformats.org/officeDocument/2006/relationships" xmlns:p="http://schemas.openxmlformats.org/presentationml/2006/main">
-  <p:cSld>
-    <p:spTree>
-      <p:nvGrpSpPr>
-        <p:cNvPr id="1" name=""/>
-        <p:cNvGrpSpPr/>
-        <p:nvPr/>
-      </p:nvGrpSpPr>
-      <p:grpSpPr>
-        <a:xfrm>
-          <a:off x="0" y="0"/>
-          <a:ext cx="0" cy="0"/>
-          <a:chOff x="0" y="0"/>
-          <a:chExt cx="0" cy="0"/>
-        </a:xfrm>
-      </p:grpSpPr>
-      <p:sp>
-        <p:nvSpPr>
-          <p:cNvPr id="2" name="Título 1">
-            <a:extLst>
-              <a:ext uri="{FF2B5EF4-FFF2-40B4-BE49-F238E27FC236}">
-                <a16:creationId xmlns:a16="http://schemas.microsoft.com/office/drawing/2014/main" id="{99F76FBE-1BC2-4EE6-B90A-22263BF7BDCD}"/>
-              </a:ext>
-            </a:extLst>
-          </p:cNvPr>
-          <p:cNvSpPr>
-            <a:spLocks noGrp="1"/>
-          </p:cNvSpPr>
-          <p:nvPr>
-            <p:ph type="title"/>
-          </p:nvPr>
-        </p:nvSpPr>
-        <p:spPr>
-          <a:xfrm>
-            <a:off x="0" y="1433807"/>
-            <a:ext cx="12192000" cy="1325563"/>
-          </a:xfrm>
-        </p:spPr>
-        <p:txBody>
-          <a:bodyPr/>
-          <a:lstStyle/>
-          <a:p>
-            <a:pPr algn="ctr"/>
-            <a:r>
-              <a:rPr lang="pt-BR" dirty="0">
-                <a:solidFill>
-                  <a:schemeClr val="tx1">
-                    <a:lumMod val="75000"/>
-                    <a:lumOff val="25000"/>
-                  </a:schemeClr>
-                </a:solidFill>
-                <a:latin typeface="Bariol Bold" panose="02000506040000020003" pitchFamily="2" charset="0"/>
-              </a:rPr>
-              <a:t>Protótipo do </a:t>
-            </a:r>
-            <a:r>
-              <a:rPr lang="pt-BR" dirty="0" smtClean="0">
-                <a:solidFill>
-                  <a:schemeClr val="tx1">
-                    <a:lumMod val="75000"/>
-                    <a:lumOff val="25000"/>
-                  </a:schemeClr>
-                </a:solidFill>
-                <a:latin typeface="Bariol Bold" panose="02000506040000020003" pitchFamily="2" charset="0"/>
-              </a:rPr>
-              <a:t>Site / Simulador Financeiro</a:t>
-            </a:r>
-            <a:endParaRPr lang="pt-BR" dirty="0">
-              <a:solidFill>
-                <a:schemeClr val="tx1">
-                  <a:lumMod val="75000"/>
-                  <a:lumOff val="25000"/>
-                </a:schemeClr>
-              </a:solidFill>
-              <a:latin typeface="Bariol Bold" panose="02000506040000020003" pitchFamily="2" charset="0"/>
-            </a:endParaRPr>
-          </a:p>
-        </p:txBody>
-      </p:sp>
-      <p:pic>
-        <p:nvPicPr>
-          <p:cNvPr id="6" name="Imagem 5"/>
-          <p:cNvPicPr>
-            <a:picLocks noChangeAspect="1"/>
-          </p:cNvPicPr>
-          <p:nvPr/>
-        </p:nvPicPr>
-        <p:blipFill>
-          <a:blip r:embed="rId2" cstate="print">
-            <a:extLst>
-              <a:ext uri="{28A0092B-C50C-407E-A947-70E740481C1C}">
-                <a14:useLocalDpi xmlns:a14="http://schemas.microsoft.com/office/drawing/2010/main" val="0"/>
-              </a:ext>
-            </a:extLst>
-          </a:blip>
-          <a:stretch>
-            <a:fillRect/>
-          </a:stretch>
-        </p:blipFill>
-        <p:spPr>
-          <a:xfrm>
-            <a:off x="11313459" y="286497"/>
-            <a:ext cx="576000" cy="576000"/>
-          </a:xfrm>
-          <a:prstGeom prst="rect">
-            <a:avLst/>
-          </a:prstGeom>
-        </p:spPr>
-      </p:pic>
-      <p:pic>
-        <p:nvPicPr>
-          <p:cNvPr id="4" name="Imagem 3"/>
-          <p:cNvPicPr>
-            <a:picLocks noChangeAspect="1"/>
-          </p:cNvPicPr>
-          <p:nvPr/>
-        </p:nvPicPr>
-        <p:blipFill>
-          <a:blip r:embed="rId3">
-            <a:extLst>
-              <a:ext uri="{28A0092B-C50C-407E-A947-70E740481C1C}">
-                <a14:useLocalDpi xmlns:a14="http://schemas.microsoft.com/office/drawing/2010/main" val="0"/>
-              </a:ext>
-            </a:extLst>
-          </a:blip>
-          <a:stretch>
-            <a:fillRect/>
-          </a:stretch>
-        </p:blipFill>
-        <p:spPr>
-          <a:xfrm>
-            <a:off x="2717757" y="2759370"/>
-            <a:ext cx="6756485" cy="3996367"/>
-          </a:xfrm>
-          <a:prstGeom prst="rect">
-            <a:avLst/>
-          </a:prstGeom>
-        </p:spPr>
-      </p:pic>
-    </p:spTree>
-    <p:extLst>
-      <p:ext uri="{BB962C8B-B14F-4D97-AF65-F5344CB8AC3E}">
-        <p14:creationId xmlns:p14="http://schemas.microsoft.com/office/powerpoint/2010/main" val="983124599"/>
-      </p:ext>
-    </p:extLst>
-  </p:cSld>
-  <p:clrMapOvr>
-    <a:masterClrMapping/>
-  </p:clrMapOvr>
-  <mc:AlternateContent xmlns:mc="http://schemas.openxmlformats.org/markup-compatibility/2006" xmlns:p14="http://schemas.microsoft.com/office/powerpoint/2010/main">
-    <mc:Choice Requires="p14">
-      <p:transition spd="med" p14:dur="700">
-        <p:fade/>
-      </p:transition>
-    </mc:Choice>
-    <mc:Fallback xmlns="">
-      <p:transition spd="med">
-        <p:fade/>
-      </p:transition>
-    </mc:Fallback>
-  </mc:AlternateContent>
-  <p:timing>
-    <p:tnLst>
-      <p:par>
-        <p:cTn id="1" dur="indefinite" restart="never" nodeType="tmRoot">
-          <p:childTnLst>
-            <p:seq concurrent="1" nextAc="seek">
-              <p:cTn id="2" dur="indefinite" nodeType="mainSeq">
-                <p:childTnLst>
-                  <p:par>
-                    <p:cTn id="3" fill="hold">
-                      <p:stCondLst>
-                        <p:cond delay="indefinite"/>
-                        <p:cond evt="onBegin" delay="0">
-                          <p:tn val="2"/>
-                        </p:cond>
-                      </p:stCondLst>
-                      <p:childTnLst>
-                        <p:par>
-                          <p:cTn id="4" fill="hold">
-                            <p:stCondLst>
-                              <p:cond delay="0"/>
-                            </p:stCondLst>
-                            <p:childTnLst>
-                              <p:par>
-                                <p:cTn id="5" presetID="10" presetClass="entr" presetSubtype="0" fill="hold" grpId="0" nodeType="afterEffect">
-                                  <p:stCondLst>
-                                    <p:cond delay="0"/>
-                                  </p:stCondLst>
-                                  <p:childTnLst>
-                                    <p:set>
-                                      <p:cBhvr>
-                                        <p:cTn id="6" dur="1" fill="hold">
-                                          <p:stCondLst>
-                                            <p:cond delay="0"/>
-                                          </p:stCondLst>
-                                        </p:cTn>
-                                        <p:tgtEl>
-                                          <p:spTgt spid="2"/>
-                                        </p:tgtEl>
-                                        <p:attrNameLst>
-                                          <p:attrName>style.visibility</p:attrName>
-                                        </p:attrNameLst>
-                                      </p:cBhvr>
-                                      <p:to>
-                                        <p:strVal val="visible"/>
-                                      </p:to>
-                                    </p:set>
-                                    <p:animEffect transition="in" filter="fade">
-                                      <p:cBhvr>
-                                        <p:cTn id="7" dur="500"/>
-                                        <p:tgtEl>
-                                          <p:spTgt spid="2"/>
-                                        </p:tgtEl>
-                                      </p:cBhvr>
-                                    </p:animEffect>
-                                  </p:childTnLst>
-                                </p:cTn>
-                              </p:par>
-                            </p:childTnLst>
-                          </p:cTn>
-                        </p:par>
-                        <p:par>
-                          <p:cTn id="8" fill="hold">
-                            <p:stCondLst>
-                              <p:cond delay="500"/>
-                            </p:stCondLst>
-                            <p:childTnLst>
-                              <p:par>
-                                <p:cTn id="9" presetID="10" presetClass="entr" presetSubtype="0" fill="hold" nodeType="afterEffect">
-                                  <p:stCondLst>
-                                    <p:cond delay="0"/>
-                                  </p:stCondLst>
-                                  <p:childTnLst>
-                                    <p:set>
-                                      <p:cBhvr>
-                                        <p:cTn id="10" dur="1" fill="hold">
-                                          <p:stCondLst>
-                                            <p:cond delay="0"/>
-                                          </p:stCondLst>
-                                        </p:cTn>
-                                        <p:tgtEl>
-                                          <p:spTgt spid="4"/>
-                                        </p:tgtEl>
-                                        <p:attrNameLst>
-                                          <p:attrName>style.visibility</p:attrName>
-                                        </p:attrNameLst>
-                                      </p:cBhvr>
-                                      <p:to>
-                                        <p:strVal val="visible"/>
-                                      </p:to>
-                                    </p:set>
-                                    <p:animEffect transition="in" filter="fade">
-                                      <p:cBhvr>
-                                        <p:cTn id="11" dur="500"/>
-                                        <p:tgtEl>
-                                          <p:spTgt spid="4"/>
-                                        </p:tgtEl>
-                                      </p:cBhvr>
-                                    </p:animEffect>
-                                  </p:childTnLst>
-                                </p:cTn>
-                              </p:par>
-                            </p:childTnLst>
-                          </p:cTn>
-                        </p:par>
-                      </p:childTnLst>
-                    </p:cTn>
-                  </p:par>
-                </p:childTnLst>
-              </p:cTn>
-              <p:prevCondLst>
-                <p:cond evt="onPrev" delay="0">
-                  <p:tgtEl>
-                    <p:sldTgt/>
-                  </p:tgtEl>
-                </p:cond>
-              </p:prevCondLst>
-              <p:nextCondLst>
-                <p:cond evt="onNext" delay="0">
-                  <p:tgtEl>
-                    <p:sldTgt/>
-                  </p:tgtEl>
-                </p:cond>
-              </p:nextCondLst>
-            </p:seq>
-          </p:childTnLst>
-        </p:cTn>
-      </p:par>
-    </p:tnLst>
-    <p:bldLst>
-      <p:bldP spid="2" grpId="0"/>
-    </p:bldLst>
-  </p:timing>
-</p:sld>
-</file>
-
-<file path=ppt/slides/slide9.xml><?xml version="1.0" encoding="utf-8"?>
-<p:sld xmlns:a="http://schemas.openxmlformats.org/drawingml/2006/main" xmlns:r="http://schemas.openxmlformats.org/officeDocument/2006/relationships" xmlns:p="http://schemas.openxmlformats.org/presentationml/2006/main">
-  <p:cSld>
-    <p:spTree>
-      <p:nvGrpSpPr>
-        <p:cNvPr id="1" name=""/>
-        <p:cNvGrpSpPr/>
-        <p:nvPr/>
-      </p:nvGrpSpPr>
-      <p:grpSpPr>
-        <a:xfrm>
-          <a:off x="0" y="0"/>
-          <a:ext cx="0" cy="0"/>
-          <a:chOff x="0" y="0"/>
-          <a:chExt cx="0" cy="0"/>
-        </a:xfrm>
-      </p:grpSpPr>
-      <p:sp>
-        <p:nvSpPr>
-          <p:cNvPr id="6" name="Título 1">
-            <a:extLst>
-              <a:ext uri="{FF2B5EF4-FFF2-40B4-BE49-F238E27FC236}">
-                <a16:creationId xmlns:a16="http://schemas.microsoft.com/office/drawing/2014/main" id="{99F76FBE-1BC2-4EE6-B90A-22263BF7BDCD}"/>
-              </a:ext>
-            </a:extLst>
-          </p:cNvPr>
-          <p:cNvSpPr txBox="1">
-            <a:spLocks/>
-          </p:cNvSpPr>
-          <p:nvPr/>
-        </p:nvSpPr>
-        <p:spPr>
-          <a:xfrm>
-            <a:off x="838199" y="1433807"/>
-            <a:ext cx="10515600" cy="1325563"/>
-          </a:xfrm>
-          <a:prstGeom prst="rect">
-            <a:avLst/>
-          </a:prstGeom>
-        </p:spPr>
-        <p:txBody>
-          <a:bodyPr vert="horz" lIns="91440" tIns="45720" rIns="91440" bIns="45720" rtlCol="0" anchor="ctr">
-            <a:normAutofit/>
-          </a:bodyPr>
-          <a:lstStyle>
-            <a:lvl1pPr algn="l" defTabSz="914400" rtl="0" eaLnBrk="1" latinLnBrk="0" hangingPunct="1">
-              <a:lnSpc>
-                <a:spcPct val="90000"/>
-              </a:lnSpc>
-              <a:spcBef>
-                <a:spcPct val="0"/>
-              </a:spcBef>
-              <a:buNone/>
-              <a:defRPr sz="4400" kern="1200">
-                <a:solidFill>
-                  <a:schemeClr val="tx1"/>
-                </a:solidFill>
-                <a:latin typeface="+mj-lt"/>
-                <a:ea typeface="+mj-ea"/>
-                <a:cs typeface="+mj-cs"/>
-              </a:defRPr>
-            </a:lvl1pPr>
-          </a:lstStyle>
-          <a:p>
-            <a:pPr algn="ctr"/>
-            <a:r>
-              <a:rPr lang="pt-BR" dirty="0" smtClean="0">
-                <a:solidFill>
-                  <a:schemeClr val="tx1">
-                    <a:lumMod val="75000"/>
-                    <a:lumOff val="25000"/>
-                  </a:schemeClr>
-                </a:solidFill>
-                <a:latin typeface="Bariol Bold" panose="02000506040000020003" pitchFamily="2" charset="0"/>
-              </a:rPr>
-              <a:t>Banco de Dados (Protótipo)</a:t>
-            </a:r>
-            <a:endParaRPr lang="pt-BR" dirty="0">
-              <a:solidFill>
-                <a:schemeClr val="tx1">
-                  <a:lumMod val="75000"/>
-                  <a:lumOff val="25000"/>
-                </a:schemeClr>
-              </a:solidFill>
-              <a:latin typeface="Bariol Bold" panose="02000506040000020003" pitchFamily="2" charset="0"/>
-            </a:endParaRPr>
-          </a:p>
-        </p:txBody>
-      </p:sp>
-      <p:pic>
-        <p:nvPicPr>
-          <p:cNvPr id="5" name="Imagem 4"/>
-          <p:cNvPicPr>
-            <a:picLocks noChangeAspect="1"/>
-          </p:cNvPicPr>
-          <p:nvPr/>
-        </p:nvPicPr>
-        <p:blipFill>
-          <a:blip r:embed="rId2" cstate="print">
-            <a:extLst>
-              <a:ext uri="{28A0092B-C50C-407E-A947-70E740481C1C}">
-                <a14:useLocalDpi xmlns:a14="http://schemas.microsoft.com/office/drawing/2010/main" val="0"/>
-              </a:ext>
-            </a:extLst>
-          </a:blip>
-          <a:stretch>
-            <a:fillRect/>
-          </a:stretch>
-        </p:blipFill>
-        <p:spPr>
-          <a:xfrm>
-            <a:off x="11313459" y="286497"/>
-            <a:ext cx="576000" cy="576000"/>
-          </a:xfrm>
-          <a:prstGeom prst="rect">
-            <a:avLst/>
-          </a:prstGeom>
-        </p:spPr>
-      </p:pic>
-      <p:pic>
-        <p:nvPicPr>
-          <p:cNvPr id="2" name="Imagem 1"/>
-          <p:cNvPicPr>
-            <a:picLocks noChangeAspect="1"/>
-          </p:cNvPicPr>
-          <p:nvPr/>
-        </p:nvPicPr>
-        <p:blipFill>
-          <a:blip r:embed="rId3">
-            <a:extLst>
-              <a:ext uri="{28A0092B-C50C-407E-A947-70E740481C1C}">
-                <a14:useLocalDpi xmlns:a14="http://schemas.microsoft.com/office/drawing/2010/main" val="0"/>
-              </a:ext>
-            </a:extLst>
-          </a:blip>
-          <a:stretch>
-            <a:fillRect/>
-          </a:stretch>
-        </p:blipFill>
-        <p:spPr>
-          <a:xfrm>
-            <a:off x="3176869" y="2650489"/>
-            <a:ext cx="5838260" cy="4207511"/>
-          </a:xfrm>
-          <a:prstGeom prst="rect">
-            <a:avLst/>
-          </a:prstGeom>
-        </p:spPr>
-      </p:pic>
-    </p:spTree>
-    <p:extLst>
-      <p:ext uri="{BB962C8B-B14F-4D97-AF65-F5344CB8AC3E}">
-        <p14:creationId xmlns:p14="http://schemas.microsoft.com/office/powerpoint/2010/main" val="2185208328"/>
-      </p:ext>
-    </p:extLst>
-  </p:cSld>
-  <p:clrMapOvr>
-    <a:masterClrMapping/>
-  </p:clrMapOvr>
-  <mc:AlternateContent xmlns:mc="http://schemas.openxmlformats.org/markup-compatibility/2006" xmlns:p14="http://schemas.microsoft.com/office/powerpoint/2010/main">
-    <mc:Choice Requires="p14">
-      <p:transition spd="med" p14:dur="700">
-        <p:fade/>
-      </p:transition>
-    </mc:Choice>
-    <mc:Fallback xmlns="">
-      <p:transition spd="med">
-        <p:fade/>
-      </p:transition>
-    </mc:Fallback>
-  </mc:AlternateContent>
-  <p:timing>
-    <p:tnLst>
-      <p:par>
-        <p:cTn id="1" dur="indefinite" restart="never" nodeType="tmRoot">
-          <p:childTnLst>
-            <p:seq concurrent="1" nextAc="seek">
-              <p:cTn id="2" dur="indefinite" nodeType="mainSeq">
-                <p:childTnLst>
-                  <p:par>
-                    <p:cTn id="3" fill="hold">
-                      <p:stCondLst>
-                        <p:cond delay="indefinite"/>
-                        <p:cond evt="onBegin" delay="0">
-                          <p:tn val="2"/>
-                        </p:cond>
-                      </p:stCondLst>
-                      <p:childTnLst>
-                        <p:par>
-                          <p:cTn id="4" fill="hold">
-                            <p:stCondLst>
-                              <p:cond delay="0"/>
-                            </p:stCondLst>
-                            <p:childTnLst>
-                              <p:par>
-                                <p:cTn id="5" presetID="10" presetClass="entr" presetSubtype="0" fill="hold" grpId="0" nodeType="afterEffect">
-                                  <p:stCondLst>
-                                    <p:cond delay="0"/>
-                                  </p:stCondLst>
-                                  <p:childTnLst>
-                                    <p:set>
-                                      <p:cBhvr>
-                                        <p:cTn id="6" dur="1" fill="hold">
-                                          <p:stCondLst>
-                                            <p:cond delay="0"/>
-                                          </p:stCondLst>
-                                        </p:cTn>
-                                        <p:tgtEl>
-                                          <p:spTgt spid="6"/>
-                                        </p:tgtEl>
-                                        <p:attrNameLst>
-                                          <p:attrName>style.visibility</p:attrName>
-                                        </p:attrNameLst>
-                                      </p:cBhvr>
-                                      <p:to>
-                                        <p:strVal val="visible"/>
-                                      </p:to>
-                                    </p:set>
-                                    <p:animEffect transition="in" filter="fade">
-                                      <p:cBhvr>
-                                        <p:cTn id="7" dur="500"/>
-                                        <p:tgtEl>
-                                          <p:spTgt spid="6"/>
-                                        </p:tgtEl>
-                                      </p:cBhvr>
-                                    </p:animEffect>
-                                  </p:childTnLst>
-                                </p:cTn>
-                              </p:par>
-                            </p:childTnLst>
-                          </p:cTn>
-                        </p:par>
-                        <p:par>
-                          <p:cTn id="8" fill="hold">
-                            <p:stCondLst>
-                              <p:cond delay="500"/>
-                            </p:stCondLst>
-                            <p:childTnLst>
-                              <p:par>
-                                <p:cTn id="9" presetID="10" presetClass="entr" presetSubtype="0" fill="hold" nodeType="afterEffect">
-                                  <p:stCondLst>
-                                    <p:cond delay="0"/>
-                                  </p:stCondLst>
-                                  <p:childTnLst>
-                                    <p:set>
-                                      <p:cBhvr>
-                                        <p:cTn id="10" dur="1" fill="hold">
-                                          <p:stCondLst>
-                                            <p:cond delay="0"/>
-                                          </p:stCondLst>
-                                        </p:cTn>
-                                        <p:tgtEl>
-                                          <p:spTgt spid="2"/>
-                                        </p:tgtEl>
-                                        <p:attrNameLst>
-                                          <p:attrName>style.visibility</p:attrName>
-                                        </p:attrNameLst>
-                                      </p:cBhvr>
-                                      <p:to>
-                                        <p:strVal val="visible"/>
-                                      </p:to>
-                                    </p:set>
-                                    <p:animEffect transition="in" filter="fade">
-                                      <p:cBhvr>
-                                        <p:cTn id="11" dur="500"/>
-                                        <p:tgtEl>
-                                          <p:spTgt spid="2"/>
-                                        </p:tgtEl>
-                                      </p:cBhvr>
-                                    </p:animEffect>
-                                  </p:childTnLst>
-                                </p:cTn>
-                              </p:par>
-                            </p:childTnLst>
-                          </p:cTn>
-                        </p:par>
-                      </p:childTnLst>
-                    </p:cTn>
-                  </p:par>
-                </p:childTnLst>
-              </p:cTn>
-              <p:prevCondLst>
-                <p:cond evt="onPrev" delay="0">
-                  <p:tgtEl>
-                    <p:sldTgt/>
-                  </p:tgtEl>
-                </p:cond>
-              </p:prevCondLst>
-              <p:nextCondLst>
-                <p:cond evt="onNext" delay="0">
-                  <p:tgtEl>
-                    <p:sldTgt/>
-                  </p:tgtEl>
-                </p:cond>
-              </p:nextCondLst>
-            </p:seq>
-          </p:childTnLst>
-        </p:cTn>
-      </p:par>
-    </p:tnLst>
-    <p:bldLst>
-      <p:bldP spid="6" grpId="0"/>
-    </p:bldLst>
   </p:timing>
 </p:sld>
 </file>

--- a/Documentação/chameleon.pptx
+++ b/Documentação/chameleon.pptx
@@ -9,16 +9,18 @@
     <p:sldId id="256" r:id="rId3"/>
     <p:sldId id="259" r:id="rId4"/>
     <p:sldId id="260" r:id="rId5"/>
-    <p:sldId id="269" r:id="rId6"/>
-    <p:sldId id="271" r:id="rId7"/>
-    <p:sldId id="270" r:id="rId8"/>
-    <p:sldId id="272" r:id="rId9"/>
-    <p:sldId id="261" r:id="rId10"/>
-    <p:sldId id="263" r:id="rId11"/>
-    <p:sldId id="264" r:id="rId12"/>
-    <p:sldId id="265" r:id="rId13"/>
-    <p:sldId id="268" r:id="rId14"/>
-    <p:sldId id="267" r:id="rId15"/>
+    <p:sldId id="261" r:id="rId6"/>
+    <p:sldId id="275" r:id="rId7"/>
+    <p:sldId id="269" r:id="rId8"/>
+    <p:sldId id="271" r:id="rId9"/>
+    <p:sldId id="270" r:id="rId10"/>
+    <p:sldId id="272" r:id="rId11"/>
+    <p:sldId id="263" r:id="rId12"/>
+    <p:sldId id="264" r:id="rId13"/>
+    <p:sldId id="265" r:id="rId14"/>
+    <p:sldId id="273" r:id="rId15"/>
+    <p:sldId id="274" r:id="rId16"/>
+    <p:sldId id="267" r:id="rId17"/>
   </p:sldIdLst>
   <p:sldSz cx="12192000" cy="6858000"/>
   <p:notesSz cx="6858000" cy="9144000"/>
@@ -178,10 +180,9 @@
           </a:lstStyle>
           <a:p>
             <a:r>
-              <a:rPr lang="pt-BR" smtClean="0"/>
+              <a:rPr lang="pt-BR"/>
               <a:t>Clique para editar o título mestre</a:t>
             </a:r>
-            <a:endParaRPr lang="pt-BR"/>
           </a:p>
         </p:txBody>
       </p:sp>
@@ -243,10 +244,9 @@
           </a:lstStyle>
           <a:p>
             <a:r>
-              <a:rPr lang="pt-BR" smtClean="0"/>
+              <a:rPr lang="pt-BR"/>
               <a:t>Clique para editar o estilo do subtítulo Mestre</a:t>
             </a:r>
-            <a:endParaRPr lang="pt-BR"/>
           </a:p>
         </p:txBody>
       </p:sp>
@@ -267,7 +267,7 @@
           <a:p>
             <a:fld id="{F50B35C2-D55D-43EC-A9F9-87B33DB15AB7}" type="datetimeFigureOut">
               <a:rPr lang="pt-BR" smtClean="0"/>
-              <a:t>21/04/2020</a:t>
+              <a:t>23/04/2020</a:t>
             </a:fld>
             <a:endParaRPr lang="pt-BR"/>
           </a:p>
@@ -361,10 +361,9 @@
           <a:lstStyle/>
           <a:p>
             <a:r>
-              <a:rPr lang="pt-BR" smtClean="0"/>
+              <a:rPr lang="pt-BR"/>
               <a:t>Clique para editar o título mestre</a:t>
             </a:r>
-            <a:endParaRPr lang="pt-BR"/>
           </a:p>
         </p:txBody>
       </p:sp>
@@ -385,38 +384,37 @@
           <a:p>
             <a:pPr lvl="0"/>
             <a:r>
-              <a:rPr lang="pt-BR" smtClean="0"/>
+              <a:rPr lang="pt-BR"/>
               <a:t>Editar estilos de texto Mestre</a:t>
             </a:r>
           </a:p>
           <a:p>
             <a:pPr lvl="1"/>
             <a:r>
-              <a:rPr lang="pt-BR" smtClean="0"/>
+              <a:rPr lang="pt-BR"/>
               <a:t>Segundo nível</a:t>
             </a:r>
           </a:p>
           <a:p>
             <a:pPr lvl="2"/>
             <a:r>
-              <a:rPr lang="pt-BR" smtClean="0"/>
+              <a:rPr lang="pt-BR"/>
               <a:t>Terceiro nível</a:t>
             </a:r>
           </a:p>
           <a:p>
             <a:pPr lvl="3"/>
             <a:r>
-              <a:rPr lang="pt-BR" smtClean="0"/>
+              <a:rPr lang="pt-BR"/>
               <a:t>Quarto nível</a:t>
             </a:r>
           </a:p>
           <a:p>
             <a:pPr lvl="4"/>
             <a:r>
-              <a:rPr lang="pt-BR" smtClean="0"/>
+              <a:rPr lang="pt-BR"/>
               <a:t>Quinto nível</a:t>
             </a:r>
-            <a:endParaRPr lang="pt-BR"/>
           </a:p>
         </p:txBody>
       </p:sp>
@@ -437,7 +435,7 @@
           <a:p>
             <a:fld id="{F50B35C2-D55D-43EC-A9F9-87B33DB15AB7}" type="datetimeFigureOut">
               <a:rPr lang="pt-BR" smtClean="0"/>
-              <a:t>21/04/2020</a:t>
+              <a:t>23/04/2020</a:t>
             </a:fld>
             <a:endParaRPr lang="pt-BR"/>
           </a:p>
@@ -536,10 +534,9 @@
           <a:lstStyle/>
           <a:p>
             <a:r>
-              <a:rPr lang="pt-BR" smtClean="0"/>
+              <a:rPr lang="pt-BR"/>
               <a:t>Clique para editar o título mestre</a:t>
             </a:r>
-            <a:endParaRPr lang="pt-BR"/>
           </a:p>
         </p:txBody>
       </p:sp>
@@ -565,38 +562,37 @@
           <a:p>
             <a:pPr lvl="0"/>
             <a:r>
-              <a:rPr lang="pt-BR" smtClean="0"/>
+              <a:rPr lang="pt-BR"/>
               <a:t>Editar estilos de texto Mestre</a:t>
             </a:r>
           </a:p>
           <a:p>
             <a:pPr lvl="1"/>
             <a:r>
-              <a:rPr lang="pt-BR" smtClean="0"/>
+              <a:rPr lang="pt-BR"/>
               <a:t>Segundo nível</a:t>
             </a:r>
           </a:p>
           <a:p>
             <a:pPr lvl="2"/>
             <a:r>
-              <a:rPr lang="pt-BR" smtClean="0"/>
+              <a:rPr lang="pt-BR"/>
               <a:t>Terceiro nível</a:t>
             </a:r>
           </a:p>
           <a:p>
             <a:pPr lvl="3"/>
             <a:r>
-              <a:rPr lang="pt-BR" smtClean="0"/>
+              <a:rPr lang="pt-BR"/>
               <a:t>Quarto nível</a:t>
             </a:r>
           </a:p>
           <a:p>
             <a:pPr lvl="4"/>
             <a:r>
-              <a:rPr lang="pt-BR" smtClean="0"/>
+              <a:rPr lang="pt-BR"/>
               <a:t>Quinto nível</a:t>
             </a:r>
-            <a:endParaRPr lang="pt-BR"/>
           </a:p>
         </p:txBody>
       </p:sp>
@@ -617,7 +613,7 @@
           <a:p>
             <a:fld id="{F50B35C2-D55D-43EC-A9F9-87B33DB15AB7}" type="datetimeFigureOut">
               <a:rPr lang="pt-BR" smtClean="0"/>
-              <a:t>21/04/2020</a:t>
+              <a:t>23/04/2020</a:t>
             </a:fld>
             <a:endParaRPr lang="pt-BR"/>
           </a:p>
@@ -711,10 +707,9 @@
           <a:lstStyle/>
           <a:p>
             <a:r>
-              <a:rPr lang="pt-BR" smtClean="0"/>
+              <a:rPr lang="pt-BR"/>
               <a:t>Clique para editar o título mestre</a:t>
             </a:r>
-            <a:endParaRPr lang="pt-BR"/>
           </a:p>
         </p:txBody>
       </p:sp>
@@ -735,38 +730,37 @@
           <a:p>
             <a:pPr lvl="0"/>
             <a:r>
-              <a:rPr lang="pt-BR" smtClean="0"/>
+              <a:rPr lang="pt-BR"/>
               <a:t>Editar estilos de texto Mestre</a:t>
             </a:r>
           </a:p>
           <a:p>
             <a:pPr lvl="1"/>
             <a:r>
-              <a:rPr lang="pt-BR" smtClean="0"/>
+              <a:rPr lang="pt-BR"/>
               <a:t>Segundo nível</a:t>
             </a:r>
           </a:p>
           <a:p>
             <a:pPr lvl="2"/>
             <a:r>
-              <a:rPr lang="pt-BR" smtClean="0"/>
+              <a:rPr lang="pt-BR"/>
               <a:t>Terceiro nível</a:t>
             </a:r>
           </a:p>
           <a:p>
             <a:pPr lvl="3"/>
             <a:r>
-              <a:rPr lang="pt-BR" smtClean="0"/>
+              <a:rPr lang="pt-BR"/>
               <a:t>Quarto nível</a:t>
             </a:r>
           </a:p>
           <a:p>
             <a:pPr lvl="4"/>
             <a:r>
-              <a:rPr lang="pt-BR" smtClean="0"/>
+              <a:rPr lang="pt-BR"/>
               <a:t>Quinto nível</a:t>
             </a:r>
-            <a:endParaRPr lang="pt-BR"/>
           </a:p>
         </p:txBody>
       </p:sp>
@@ -787,7 +781,7 @@
           <a:p>
             <a:fld id="{F50B35C2-D55D-43EC-A9F9-87B33DB15AB7}" type="datetimeFigureOut">
               <a:rPr lang="pt-BR" smtClean="0"/>
-              <a:t>21/04/2020</a:t>
+              <a:t>23/04/2020</a:t>
             </a:fld>
             <a:endParaRPr lang="pt-BR"/>
           </a:p>
@@ -890,10 +884,9 @@
           </a:lstStyle>
           <a:p>
             <a:r>
-              <a:rPr lang="pt-BR" smtClean="0"/>
+              <a:rPr lang="pt-BR"/>
               <a:t>Clique para editar o título mestre</a:t>
             </a:r>
-            <a:endParaRPr lang="pt-BR"/>
           </a:p>
         </p:txBody>
       </p:sp>
@@ -1010,7 +1003,7 @@
           <a:p>
             <a:pPr lvl="0"/>
             <a:r>
-              <a:rPr lang="pt-BR" smtClean="0"/>
+              <a:rPr lang="pt-BR"/>
               <a:t>Editar estilos de texto Mestre</a:t>
             </a:r>
           </a:p>
@@ -1033,7 +1026,7 @@
           <a:p>
             <a:fld id="{F50B35C2-D55D-43EC-A9F9-87B33DB15AB7}" type="datetimeFigureOut">
               <a:rPr lang="pt-BR" smtClean="0"/>
-              <a:t>21/04/2020</a:t>
+              <a:t>23/04/2020</a:t>
             </a:fld>
             <a:endParaRPr lang="pt-BR"/>
           </a:p>
@@ -1127,10 +1120,9 @@
           <a:lstStyle/>
           <a:p>
             <a:r>
-              <a:rPr lang="pt-BR" smtClean="0"/>
+              <a:rPr lang="pt-BR"/>
               <a:t>Clique para editar o título mestre</a:t>
             </a:r>
-            <a:endParaRPr lang="pt-BR"/>
           </a:p>
         </p:txBody>
       </p:sp>
@@ -1156,38 +1148,37 @@
           <a:p>
             <a:pPr lvl="0"/>
             <a:r>
-              <a:rPr lang="pt-BR" smtClean="0"/>
+              <a:rPr lang="pt-BR"/>
               <a:t>Editar estilos de texto Mestre</a:t>
             </a:r>
           </a:p>
           <a:p>
             <a:pPr lvl="1"/>
             <a:r>
-              <a:rPr lang="pt-BR" smtClean="0"/>
+              <a:rPr lang="pt-BR"/>
               <a:t>Segundo nível</a:t>
             </a:r>
           </a:p>
           <a:p>
             <a:pPr lvl="2"/>
             <a:r>
-              <a:rPr lang="pt-BR" smtClean="0"/>
+              <a:rPr lang="pt-BR"/>
               <a:t>Terceiro nível</a:t>
             </a:r>
           </a:p>
           <a:p>
             <a:pPr lvl="3"/>
             <a:r>
-              <a:rPr lang="pt-BR" smtClean="0"/>
+              <a:rPr lang="pt-BR"/>
               <a:t>Quarto nível</a:t>
             </a:r>
           </a:p>
           <a:p>
             <a:pPr lvl="4"/>
             <a:r>
-              <a:rPr lang="pt-BR" smtClean="0"/>
+              <a:rPr lang="pt-BR"/>
               <a:t>Quinto nível</a:t>
             </a:r>
-            <a:endParaRPr lang="pt-BR"/>
           </a:p>
         </p:txBody>
       </p:sp>
@@ -1213,38 +1204,37 @@
           <a:p>
             <a:pPr lvl="0"/>
             <a:r>
-              <a:rPr lang="pt-BR" smtClean="0"/>
+              <a:rPr lang="pt-BR"/>
               <a:t>Editar estilos de texto Mestre</a:t>
             </a:r>
           </a:p>
           <a:p>
             <a:pPr lvl="1"/>
             <a:r>
-              <a:rPr lang="pt-BR" smtClean="0"/>
+              <a:rPr lang="pt-BR"/>
               <a:t>Segundo nível</a:t>
             </a:r>
           </a:p>
           <a:p>
             <a:pPr lvl="2"/>
             <a:r>
-              <a:rPr lang="pt-BR" smtClean="0"/>
+              <a:rPr lang="pt-BR"/>
               <a:t>Terceiro nível</a:t>
             </a:r>
           </a:p>
           <a:p>
             <a:pPr lvl="3"/>
             <a:r>
-              <a:rPr lang="pt-BR" smtClean="0"/>
+              <a:rPr lang="pt-BR"/>
               <a:t>Quarto nível</a:t>
             </a:r>
           </a:p>
           <a:p>
             <a:pPr lvl="4"/>
             <a:r>
-              <a:rPr lang="pt-BR" smtClean="0"/>
+              <a:rPr lang="pt-BR"/>
               <a:t>Quinto nível</a:t>
             </a:r>
-            <a:endParaRPr lang="pt-BR"/>
           </a:p>
         </p:txBody>
       </p:sp>
@@ -1265,7 +1255,7 @@
           <a:p>
             <a:fld id="{F50B35C2-D55D-43EC-A9F9-87B33DB15AB7}" type="datetimeFigureOut">
               <a:rPr lang="pt-BR" smtClean="0"/>
-              <a:t>21/04/2020</a:t>
+              <a:t>23/04/2020</a:t>
             </a:fld>
             <a:endParaRPr lang="pt-BR"/>
           </a:p>
@@ -1364,10 +1354,9 @@
           <a:lstStyle/>
           <a:p>
             <a:r>
-              <a:rPr lang="pt-BR" smtClean="0"/>
+              <a:rPr lang="pt-BR"/>
               <a:t>Clique para editar o título mestre</a:t>
             </a:r>
-            <a:endParaRPr lang="pt-BR"/>
           </a:p>
         </p:txBody>
       </p:sp>
@@ -1430,7 +1419,7 @@
           <a:p>
             <a:pPr lvl="0"/>
             <a:r>
-              <a:rPr lang="pt-BR" smtClean="0"/>
+              <a:rPr lang="pt-BR"/>
               <a:t>Editar estilos de texto Mestre</a:t>
             </a:r>
           </a:p>
@@ -1458,38 +1447,37 @@
           <a:p>
             <a:pPr lvl="0"/>
             <a:r>
-              <a:rPr lang="pt-BR" smtClean="0"/>
+              <a:rPr lang="pt-BR"/>
               <a:t>Editar estilos de texto Mestre</a:t>
             </a:r>
           </a:p>
           <a:p>
             <a:pPr lvl="1"/>
             <a:r>
-              <a:rPr lang="pt-BR" smtClean="0"/>
+              <a:rPr lang="pt-BR"/>
               <a:t>Segundo nível</a:t>
             </a:r>
           </a:p>
           <a:p>
             <a:pPr lvl="2"/>
             <a:r>
-              <a:rPr lang="pt-BR" smtClean="0"/>
+              <a:rPr lang="pt-BR"/>
               <a:t>Terceiro nível</a:t>
             </a:r>
           </a:p>
           <a:p>
             <a:pPr lvl="3"/>
             <a:r>
-              <a:rPr lang="pt-BR" smtClean="0"/>
+              <a:rPr lang="pt-BR"/>
               <a:t>Quarto nível</a:t>
             </a:r>
           </a:p>
           <a:p>
             <a:pPr lvl="4"/>
             <a:r>
-              <a:rPr lang="pt-BR" smtClean="0"/>
+              <a:rPr lang="pt-BR"/>
               <a:t>Quinto nível</a:t>
             </a:r>
-            <a:endParaRPr lang="pt-BR"/>
           </a:p>
         </p:txBody>
       </p:sp>
@@ -1552,7 +1540,7 @@
           <a:p>
             <a:pPr lvl="0"/>
             <a:r>
-              <a:rPr lang="pt-BR" smtClean="0"/>
+              <a:rPr lang="pt-BR"/>
               <a:t>Editar estilos de texto Mestre</a:t>
             </a:r>
           </a:p>
@@ -1580,38 +1568,37 @@
           <a:p>
             <a:pPr lvl="0"/>
             <a:r>
-              <a:rPr lang="pt-BR" smtClean="0"/>
+              <a:rPr lang="pt-BR"/>
               <a:t>Editar estilos de texto Mestre</a:t>
             </a:r>
           </a:p>
           <a:p>
             <a:pPr lvl="1"/>
             <a:r>
-              <a:rPr lang="pt-BR" smtClean="0"/>
+              <a:rPr lang="pt-BR"/>
               <a:t>Segundo nível</a:t>
             </a:r>
           </a:p>
           <a:p>
             <a:pPr lvl="2"/>
             <a:r>
-              <a:rPr lang="pt-BR" smtClean="0"/>
+              <a:rPr lang="pt-BR"/>
               <a:t>Terceiro nível</a:t>
             </a:r>
           </a:p>
           <a:p>
             <a:pPr lvl="3"/>
             <a:r>
-              <a:rPr lang="pt-BR" smtClean="0"/>
+              <a:rPr lang="pt-BR"/>
               <a:t>Quarto nível</a:t>
             </a:r>
           </a:p>
           <a:p>
             <a:pPr lvl="4"/>
             <a:r>
-              <a:rPr lang="pt-BR" smtClean="0"/>
+              <a:rPr lang="pt-BR"/>
               <a:t>Quinto nível</a:t>
             </a:r>
-            <a:endParaRPr lang="pt-BR"/>
           </a:p>
         </p:txBody>
       </p:sp>
@@ -1632,7 +1619,7 @@
           <a:p>
             <a:fld id="{F50B35C2-D55D-43EC-A9F9-87B33DB15AB7}" type="datetimeFigureOut">
               <a:rPr lang="pt-BR" smtClean="0"/>
-              <a:t>21/04/2020</a:t>
+              <a:t>23/04/2020</a:t>
             </a:fld>
             <a:endParaRPr lang="pt-BR"/>
           </a:p>
@@ -1726,10 +1713,9 @@
           <a:lstStyle/>
           <a:p>
             <a:r>
-              <a:rPr lang="pt-BR" smtClean="0"/>
+              <a:rPr lang="pt-BR"/>
               <a:t>Clique para editar o título mestre</a:t>
             </a:r>
-            <a:endParaRPr lang="pt-BR"/>
           </a:p>
         </p:txBody>
       </p:sp>
@@ -1750,7 +1736,7 @@
           <a:p>
             <a:fld id="{F50B35C2-D55D-43EC-A9F9-87B33DB15AB7}" type="datetimeFigureOut">
               <a:rPr lang="pt-BR" smtClean="0"/>
-              <a:t>21/04/2020</a:t>
+              <a:t>23/04/2020</a:t>
             </a:fld>
             <a:endParaRPr lang="pt-BR"/>
           </a:p>
@@ -1845,7 +1831,7 @@
           <a:p>
             <a:fld id="{F50B35C2-D55D-43EC-A9F9-87B33DB15AB7}" type="datetimeFigureOut">
               <a:rPr lang="pt-BR" smtClean="0"/>
-              <a:t>21/04/2020</a:t>
+              <a:t>23/04/2020</a:t>
             </a:fld>
             <a:endParaRPr lang="pt-BR"/>
           </a:p>
@@ -1948,10 +1934,9 @@
           </a:lstStyle>
           <a:p>
             <a:r>
-              <a:rPr lang="pt-BR" smtClean="0"/>
+              <a:rPr lang="pt-BR"/>
               <a:t>Clique para editar o título mestre</a:t>
             </a:r>
-            <a:endParaRPr lang="pt-BR"/>
           </a:p>
         </p:txBody>
       </p:sp>
@@ -2005,38 +1990,37 @@
           <a:p>
             <a:pPr lvl="0"/>
             <a:r>
-              <a:rPr lang="pt-BR" smtClean="0"/>
+              <a:rPr lang="pt-BR"/>
               <a:t>Editar estilos de texto Mestre</a:t>
             </a:r>
           </a:p>
           <a:p>
             <a:pPr lvl="1"/>
             <a:r>
-              <a:rPr lang="pt-BR" smtClean="0"/>
+              <a:rPr lang="pt-BR"/>
               <a:t>Segundo nível</a:t>
             </a:r>
           </a:p>
           <a:p>
             <a:pPr lvl="2"/>
             <a:r>
-              <a:rPr lang="pt-BR" smtClean="0"/>
+              <a:rPr lang="pt-BR"/>
               <a:t>Terceiro nível</a:t>
             </a:r>
           </a:p>
           <a:p>
             <a:pPr lvl="3"/>
             <a:r>
-              <a:rPr lang="pt-BR" smtClean="0"/>
+              <a:rPr lang="pt-BR"/>
               <a:t>Quarto nível</a:t>
             </a:r>
           </a:p>
           <a:p>
             <a:pPr lvl="4"/>
             <a:r>
-              <a:rPr lang="pt-BR" smtClean="0"/>
+              <a:rPr lang="pt-BR"/>
               <a:t>Quinto nível</a:t>
             </a:r>
-            <a:endParaRPr lang="pt-BR"/>
           </a:p>
         </p:txBody>
       </p:sp>
@@ -2099,7 +2083,7 @@
           <a:p>
             <a:pPr lvl="0"/>
             <a:r>
-              <a:rPr lang="pt-BR" smtClean="0"/>
+              <a:rPr lang="pt-BR"/>
               <a:t>Editar estilos de texto Mestre</a:t>
             </a:r>
           </a:p>
@@ -2122,7 +2106,7 @@
           <a:p>
             <a:fld id="{F50B35C2-D55D-43EC-A9F9-87B33DB15AB7}" type="datetimeFigureOut">
               <a:rPr lang="pt-BR" smtClean="0"/>
-              <a:t>21/04/2020</a:t>
+              <a:t>23/04/2020</a:t>
             </a:fld>
             <a:endParaRPr lang="pt-BR"/>
           </a:p>
@@ -2225,10 +2209,9 @@
           </a:lstStyle>
           <a:p>
             <a:r>
-              <a:rPr lang="pt-BR" smtClean="0"/>
+              <a:rPr lang="pt-BR"/>
               <a:t>Clique para editar o título mestre</a:t>
             </a:r>
-            <a:endParaRPr lang="pt-BR"/>
           </a:p>
         </p:txBody>
       </p:sp>
@@ -2352,7 +2335,7 @@
           <a:p>
             <a:pPr lvl="0"/>
             <a:r>
-              <a:rPr lang="pt-BR" smtClean="0"/>
+              <a:rPr lang="pt-BR"/>
               <a:t>Editar estilos de texto Mestre</a:t>
             </a:r>
           </a:p>
@@ -2375,7 +2358,7 @@
           <a:p>
             <a:fld id="{F50B35C2-D55D-43EC-A9F9-87B33DB15AB7}" type="datetimeFigureOut">
               <a:rPr lang="pt-BR" smtClean="0"/>
-              <a:t>21/04/2020</a:t>
+              <a:t>23/04/2020</a:t>
             </a:fld>
             <a:endParaRPr lang="pt-BR"/>
           </a:p>
@@ -2484,10 +2467,9 @@
           <a:lstStyle/>
           <a:p>
             <a:r>
-              <a:rPr lang="pt-BR" smtClean="0"/>
+              <a:rPr lang="pt-BR"/>
               <a:t>Clique para editar o título mestre</a:t>
             </a:r>
-            <a:endParaRPr lang="pt-BR"/>
           </a:p>
         </p:txBody>
       </p:sp>
@@ -2518,38 +2500,37 @@
           <a:p>
             <a:pPr lvl="0"/>
             <a:r>
-              <a:rPr lang="pt-BR" smtClean="0"/>
+              <a:rPr lang="pt-BR"/>
               <a:t>Editar estilos de texto Mestre</a:t>
             </a:r>
           </a:p>
           <a:p>
             <a:pPr lvl="1"/>
             <a:r>
-              <a:rPr lang="pt-BR" smtClean="0"/>
+              <a:rPr lang="pt-BR"/>
               <a:t>Segundo nível</a:t>
             </a:r>
           </a:p>
           <a:p>
             <a:pPr lvl="2"/>
             <a:r>
-              <a:rPr lang="pt-BR" smtClean="0"/>
+              <a:rPr lang="pt-BR"/>
               <a:t>Terceiro nível</a:t>
             </a:r>
           </a:p>
           <a:p>
             <a:pPr lvl="3"/>
             <a:r>
-              <a:rPr lang="pt-BR" smtClean="0"/>
+              <a:rPr lang="pt-BR"/>
               <a:t>Quarto nível</a:t>
             </a:r>
           </a:p>
           <a:p>
             <a:pPr lvl="4"/>
             <a:r>
-              <a:rPr lang="pt-BR" smtClean="0"/>
+              <a:rPr lang="pt-BR"/>
               <a:t>Quinto nível</a:t>
             </a:r>
-            <a:endParaRPr lang="pt-BR"/>
           </a:p>
         </p:txBody>
       </p:sp>
@@ -2588,7 +2569,7 @@
           <a:p>
             <a:fld id="{F50B35C2-D55D-43EC-A9F9-87B33DB15AB7}" type="datetimeFigureOut">
               <a:rPr lang="pt-BR" smtClean="0"/>
-              <a:t>21/04/2020</a:t>
+              <a:t>23/04/2020</a:t>
             </a:fld>
             <a:endParaRPr lang="pt-BR"/>
           </a:p>
@@ -3031,266 +3012,6 @@
       </p:sp>
       <p:sp>
         <p:nvSpPr>
-          <p:cNvPr id="3" name="Elipse 2">
-            <a:extLst>
-              <a:ext uri="{FF2B5EF4-FFF2-40B4-BE49-F238E27FC236}">
-                <a16:creationId xmlns:a16="http://schemas.microsoft.com/office/drawing/2014/main" id="{F85690BC-8C6C-4F60-80AD-CA39895D3466}"/>
-              </a:ext>
-            </a:extLst>
-          </p:cNvPr>
-          <p:cNvSpPr/>
-          <p:nvPr/>
-        </p:nvSpPr>
-        <p:spPr>
-          <a:xfrm>
-            <a:off x="732784" y="2444911"/>
-            <a:ext cx="1517226" cy="1517226"/>
-          </a:xfrm>
-          <a:prstGeom prst="ellipse">
-            <a:avLst/>
-          </a:prstGeom>
-          <a:solidFill>
-            <a:srgbClr val="35B794"/>
-          </a:solidFill>
-          <a:ln>
-            <a:noFill/>
-          </a:ln>
-        </p:spPr>
-        <p:style>
-          <a:lnRef idx="2">
-            <a:schemeClr val="accent1">
-              <a:shade val="50000"/>
-            </a:schemeClr>
-          </a:lnRef>
-          <a:fillRef idx="1">
-            <a:schemeClr val="accent1"/>
-          </a:fillRef>
-          <a:effectRef idx="0">
-            <a:schemeClr val="accent1"/>
-          </a:effectRef>
-          <a:fontRef idx="minor">
-            <a:schemeClr val="lt1"/>
-          </a:fontRef>
-        </p:style>
-        <p:txBody>
-          <a:bodyPr rtlCol="0" anchor="ctr"/>
-          <a:lstStyle/>
-          <a:p>
-            <a:pPr algn="ctr"/>
-            <a:endParaRPr lang="pt-BR"/>
-          </a:p>
-        </p:txBody>
-      </p:sp>
-      <p:sp>
-        <p:nvSpPr>
-          <p:cNvPr id="4" name="Elipse 3">
-            <a:extLst>
-              <a:ext uri="{FF2B5EF4-FFF2-40B4-BE49-F238E27FC236}">
-                <a16:creationId xmlns:a16="http://schemas.microsoft.com/office/drawing/2014/main" id="{CFF7654C-5D02-48DC-8C9D-1DFC556DBA65}"/>
-              </a:ext>
-            </a:extLst>
-          </p:cNvPr>
-          <p:cNvSpPr/>
-          <p:nvPr/>
-        </p:nvSpPr>
-        <p:spPr>
-          <a:xfrm>
-            <a:off x="2575816" y="2444911"/>
-            <a:ext cx="1517226" cy="1517226"/>
-          </a:xfrm>
-          <a:prstGeom prst="ellipse">
-            <a:avLst/>
-          </a:prstGeom>
-          <a:solidFill>
-            <a:srgbClr val="35B794"/>
-          </a:solidFill>
-          <a:ln>
-            <a:noFill/>
-          </a:ln>
-        </p:spPr>
-        <p:style>
-          <a:lnRef idx="2">
-            <a:schemeClr val="accent1">
-              <a:shade val="50000"/>
-            </a:schemeClr>
-          </a:lnRef>
-          <a:fillRef idx="1">
-            <a:schemeClr val="accent1"/>
-          </a:fillRef>
-          <a:effectRef idx="0">
-            <a:schemeClr val="accent1"/>
-          </a:effectRef>
-          <a:fontRef idx="minor">
-            <a:schemeClr val="lt1"/>
-          </a:fontRef>
-        </p:style>
-        <p:txBody>
-          <a:bodyPr rtlCol="0" anchor="ctr"/>
-          <a:lstStyle/>
-          <a:p>
-            <a:pPr algn="ctr"/>
-            <a:endParaRPr lang="pt-BR"/>
-          </a:p>
-        </p:txBody>
-      </p:sp>
-      <p:sp>
-        <p:nvSpPr>
-          <p:cNvPr id="5" name="Elipse 4">
-            <a:extLst>
-              <a:ext uri="{FF2B5EF4-FFF2-40B4-BE49-F238E27FC236}">
-                <a16:creationId xmlns:a16="http://schemas.microsoft.com/office/drawing/2014/main" id="{4821C533-B6AD-4FE6-BF89-6B58C131F0CD}"/>
-              </a:ext>
-            </a:extLst>
-          </p:cNvPr>
-          <p:cNvSpPr/>
-          <p:nvPr/>
-        </p:nvSpPr>
-        <p:spPr>
-          <a:xfrm>
-            <a:off x="6261880" y="2461098"/>
-            <a:ext cx="1517226" cy="1517226"/>
-          </a:xfrm>
-          <a:prstGeom prst="ellipse">
-            <a:avLst/>
-          </a:prstGeom>
-          <a:solidFill>
-            <a:srgbClr val="35B794"/>
-          </a:solidFill>
-          <a:ln>
-            <a:noFill/>
-          </a:ln>
-        </p:spPr>
-        <p:style>
-          <a:lnRef idx="2">
-            <a:schemeClr val="accent1">
-              <a:shade val="50000"/>
-            </a:schemeClr>
-          </a:lnRef>
-          <a:fillRef idx="1">
-            <a:schemeClr val="accent1"/>
-          </a:fillRef>
-          <a:effectRef idx="0">
-            <a:schemeClr val="accent1"/>
-          </a:effectRef>
-          <a:fontRef idx="minor">
-            <a:schemeClr val="lt1"/>
-          </a:fontRef>
-        </p:style>
-        <p:txBody>
-          <a:bodyPr rtlCol="0" anchor="ctr"/>
-          <a:lstStyle/>
-          <a:p>
-            <a:pPr algn="ctr"/>
-            <a:endParaRPr lang="pt-BR"/>
-          </a:p>
-        </p:txBody>
-      </p:sp>
-      <p:sp>
-        <p:nvSpPr>
-          <p:cNvPr id="6" name="Elipse 5">
-            <a:extLst>
-              <a:ext uri="{FF2B5EF4-FFF2-40B4-BE49-F238E27FC236}">
-                <a16:creationId xmlns:a16="http://schemas.microsoft.com/office/drawing/2014/main" id="{B933C42F-90F1-4AF3-A2FA-DCB1FC97D05E}"/>
-              </a:ext>
-            </a:extLst>
-          </p:cNvPr>
-          <p:cNvSpPr/>
-          <p:nvPr/>
-        </p:nvSpPr>
-        <p:spPr>
-          <a:xfrm>
-            <a:off x="4418848" y="2444911"/>
-            <a:ext cx="1517226" cy="1517226"/>
-          </a:xfrm>
-          <a:prstGeom prst="ellipse">
-            <a:avLst/>
-          </a:prstGeom>
-          <a:solidFill>
-            <a:srgbClr val="35B794"/>
-          </a:solidFill>
-          <a:ln>
-            <a:noFill/>
-          </a:ln>
-        </p:spPr>
-        <p:style>
-          <a:lnRef idx="2">
-            <a:schemeClr val="accent1">
-              <a:shade val="50000"/>
-            </a:schemeClr>
-          </a:lnRef>
-          <a:fillRef idx="1">
-            <a:schemeClr val="accent1"/>
-          </a:fillRef>
-          <a:effectRef idx="0">
-            <a:schemeClr val="accent1"/>
-          </a:effectRef>
-          <a:fontRef idx="minor">
-            <a:schemeClr val="lt1"/>
-          </a:fontRef>
-        </p:style>
-        <p:txBody>
-          <a:bodyPr rtlCol="0" anchor="ctr"/>
-          <a:lstStyle/>
-          <a:p>
-            <a:pPr algn="ctr"/>
-            <a:endParaRPr lang="pt-BR"/>
-          </a:p>
-        </p:txBody>
-      </p:sp>
-      <p:sp>
-        <p:nvSpPr>
-          <p:cNvPr id="7" name="Elipse 6">
-            <a:extLst>
-              <a:ext uri="{FF2B5EF4-FFF2-40B4-BE49-F238E27FC236}">
-                <a16:creationId xmlns:a16="http://schemas.microsoft.com/office/drawing/2014/main" id="{F663AA05-740A-4CDE-B1D5-80249D0F45FF}"/>
-              </a:ext>
-            </a:extLst>
-          </p:cNvPr>
-          <p:cNvSpPr/>
-          <p:nvPr/>
-        </p:nvSpPr>
-        <p:spPr>
-          <a:xfrm>
-            <a:off x="8104912" y="2444911"/>
-            <a:ext cx="1517226" cy="1517226"/>
-          </a:xfrm>
-          <a:prstGeom prst="ellipse">
-            <a:avLst/>
-          </a:prstGeom>
-          <a:solidFill>
-            <a:srgbClr val="35B794"/>
-          </a:solidFill>
-          <a:ln>
-            <a:noFill/>
-          </a:ln>
-        </p:spPr>
-        <p:style>
-          <a:lnRef idx="2">
-            <a:schemeClr val="accent1">
-              <a:shade val="50000"/>
-            </a:schemeClr>
-          </a:lnRef>
-          <a:fillRef idx="1">
-            <a:schemeClr val="accent1"/>
-          </a:fillRef>
-          <a:effectRef idx="0">
-            <a:schemeClr val="accent1"/>
-          </a:effectRef>
-          <a:fontRef idx="minor">
-            <a:schemeClr val="lt1"/>
-          </a:fontRef>
-        </p:style>
-        <p:txBody>
-          <a:bodyPr rtlCol="0" anchor="ctr"/>
-          <a:lstStyle/>
-          <a:p>
-            <a:pPr algn="ctr"/>
-            <a:endParaRPr lang="pt-BR"/>
-          </a:p>
-        </p:txBody>
-      </p:sp>
-      <p:sp>
-        <p:nvSpPr>
           <p:cNvPr id="8" name="CaixaDeTexto 7">
             <a:extLst>
               <a:ext uri="{FF2B5EF4-FFF2-40B4-BE49-F238E27FC236}">
@@ -3319,7 +3040,7 @@
           <a:p>
             <a:pPr algn="ctr"/>
             <a:r>
-              <a:rPr lang="pt-BR" sz="2800" dirty="0" smtClean="0">
+              <a:rPr lang="pt-BR" sz="2800" dirty="0">
                 <a:latin typeface="Bariol Bold" panose="02000506040000020003" pitchFamily="2" charset="0"/>
               </a:rPr>
               <a:t>Christian </a:t>
@@ -3328,14 +3049,11 @@
           <a:p>
             <a:pPr algn="ctr"/>
             <a:r>
-              <a:rPr lang="pt-BR" sz="2800" dirty="0" smtClean="0">
+              <a:rPr lang="pt-BR" sz="2800" dirty="0">
                 <a:latin typeface="Bariol Bold" panose="02000506040000020003" pitchFamily="2" charset="0"/>
               </a:rPr>
               <a:t>Raphael</a:t>
             </a:r>
-            <a:endParaRPr lang="pt-BR" sz="2800" dirty="0">
-              <a:latin typeface="Bariol Bold" panose="02000506040000020003" pitchFamily="2" charset="0"/>
-            </a:endParaRPr>
           </a:p>
         </p:txBody>
       </p:sp>
@@ -3416,7 +3134,7 @@
           <a:p>
             <a:pPr algn="ctr"/>
             <a:r>
-              <a:rPr lang="pt-BR" sz="2800" dirty="0" smtClean="0">
+              <a:rPr lang="pt-BR" sz="2800" dirty="0">
                 <a:latin typeface="Bariol Bold" panose="02000506040000020003" pitchFamily="2" charset="0"/>
               </a:rPr>
               <a:t>Giselle</a:t>
@@ -3425,14 +3143,11 @@
           <a:p>
             <a:pPr algn="ctr"/>
             <a:r>
-              <a:rPr lang="pt-BR" sz="2800" dirty="0" smtClean="0">
+              <a:rPr lang="pt-BR" sz="2800" dirty="0">
                 <a:latin typeface="Bariol Bold" panose="02000506040000020003" pitchFamily="2" charset="0"/>
               </a:rPr>
               <a:t>Araújo</a:t>
             </a:r>
-            <a:endParaRPr lang="pt-BR" sz="2800" dirty="0">
-              <a:latin typeface="Bariol Bold" panose="02000506040000020003" pitchFamily="2" charset="0"/>
-            </a:endParaRPr>
           </a:p>
         </p:txBody>
       </p:sp>
@@ -3466,7 +3181,7 @@
           <a:p>
             <a:pPr algn="ctr"/>
             <a:r>
-              <a:rPr lang="pt-BR" sz="2800" dirty="0" smtClean="0">
+              <a:rPr lang="pt-BR" sz="2800" dirty="0">
                 <a:latin typeface="Bariol Bold" panose="02000506040000020003" pitchFamily="2" charset="0"/>
               </a:rPr>
               <a:t>Guilherme</a:t>
@@ -3475,14 +3190,11 @@
           <a:p>
             <a:pPr algn="ctr"/>
             <a:r>
-              <a:rPr lang="pt-BR" sz="2800" dirty="0" smtClean="0">
+              <a:rPr lang="pt-BR" sz="2800" dirty="0">
                 <a:latin typeface="Bariol Bold" panose="02000506040000020003" pitchFamily="2" charset="0"/>
               </a:rPr>
               <a:t>Santos</a:t>
             </a:r>
-            <a:endParaRPr lang="pt-BR" sz="2800" dirty="0">
-              <a:latin typeface="Bariol Bold" panose="02000506040000020003" pitchFamily="2" charset="0"/>
-            </a:endParaRPr>
           </a:p>
         </p:txBody>
       </p:sp>
@@ -3516,26 +3228,23 @@
           <a:p>
             <a:pPr algn="ctr"/>
             <a:r>
-              <a:rPr lang="pt-BR" sz="2800" dirty="0" err="1" smtClean="0">
+              <a:rPr lang="pt-BR" sz="2800" dirty="0" err="1">
                 <a:latin typeface="Bariol Bold" panose="02000506040000020003" pitchFamily="2" charset="0"/>
               </a:rPr>
               <a:t>Adaías</a:t>
             </a:r>
-            <a:endParaRPr lang="pt-BR" sz="2800" dirty="0" smtClean="0">
+            <a:endParaRPr lang="pt-BR" sz="2800" dirty="0">
               <a:latin typeface="Bariol Bold" panose="02000506040000020003" pitchFamily="2" charset="0"/>
             </a:endParaRPr>
           </a:p>
           <a:p>
             <a:pPr algn="ctr"/>
             <a:r>
-              <a:rPr lang="pt-BR" sz="2800" dirty="0" smtClean="0">
+              <a:rPr lang="pt-BR" sz="2800" dirty="0">
                 <a:latin typeface="Bariol Bold" panose="02000506040000020003" pitchFamily="2" charset="0"/>
               </a:rPr>
               <a:t>Santos</a:t>
             </a:r>
-            <a:endParaRPr lang="pt-BR" sz="2800" dirty="0">
-              <a:latin typeface="Bariol Bold" panose="02000506040000020003" pitchFamily="2" charset="0"/>
-            </a:endParaRPr>
           </a:p>
         </p:txBody>
       </p:sp>
@@ -3571,58 +3280,6 @@
       </p:pic>
       <p:sp>
         <p:nvSpPr>
-          <p:cNvPr id="14" name="Elipse 13">
-            <a:extLst>
-              <a:ext uri="{FF2B5EF4-FFF2-40B4-BE49-F238E27FC236}">
-                <a16:creationId xmlns:a16="http://schemas.microsoft.com/office/drawing/2014/main" id="{F663AA05-740A-4CDE-B1D5-80249D0F45FF}"/>
-              </a:ext>
-            </a:extLst>
-          </p:cNvPr>
-          <p:cNvSpPr/>
-          <p:nvPr/>
-        </p:nvSpPr>
-        <p:spPr>
-          <a:xfrm>
-            <a:off x="9952930" y="2461098"/>
-            <a:ext cx="1517226" cy="1517226"/>
-          </a:xfrm>
-          <a:prstGeom prst="ellipse">
-            <a:avLst/>
-          </a:prstGeom>
-          <a:solidFill>
-            <a:srgbClr val="35B794"/>
-          </a:solidFill>
-          <a:ln>
-            <a:noFill/>
-          </a:ln>
-        </p:spPr>
-        <p:style>
-          <a:lnRef idx="2">
-            <a:schemeClr val="accent1">
-              <a:shade val="50000"/>
-            </a:schemeClr>
-          </a:lnRef>
-          <a:fillRef idx="1">
-            <a:schemeClr val="accent1"/>
-          </a:fillRef>
-          <a:effectRef idx="0">
-            <a:schemeClr val="accent1"/>
-          </a:effectRef>
-          <a:fontRef idx="minor">
-            <a:schemeClr val="lt1"/>
-          </a:fontRef>
-        </p:style>
-        <p:txBody>
-          <a:bodyPr rtlCol="0" anchor="ctr"/>
-          <a:lstStyle/>
-          <a:p>
-            <a:pPr algn="ctr"/>
-            <a:endParaRPr lang="pt-BR"/>
-          </a:p>
-        </p:txBody>
-      </p:sp>
-      <p:sp>
-        <p:nvSpPr>
           <p:cNvPr id="16" name="CaixaDeTexto 15">
             <a:extLst>
               <a:ext uri="{FF2B5EF4-FFF2-40B4-BE49-F238E27FC236}">
@@ -3651,7 +3308,7 @@
           <a:p>
             <a:pPr algn="ctr"/>
             <a:r>
-              <a:rPr lang="pt-BR" sz="2800" dirty="0" smtClean="0">
+              <a:rPr lang="pt-BR" sz="2800" dirty="0">
                 <a:latin typeface="Bariol Bold" panose="02000506040000020003" pitchFamily="2" charset="0"/>
               </a:rPr>
               <a:t>Guilherme</a:t>
@@ -3660,17 +3317,199 @@
           <a:p>
             <a:pPr algn="ctr"/>
             <a:r>
-              <a:rPr lang="pt-BR" sz="2800" dirty="0" smtClean="0">
+              <a:rPr lang="pt-BR" sz="2800" dirty="0">
                 <a:latin typeface="Bariol Bold" panose="02000506040000020003" pitchFamily="2" charset="0"/>
               </a:rPr>
               <a:t>De Sá</a:t>
             </a:r>
-            <a:endParaRPr lang="pt-BR" sz="2800" dirty="0">
-              <a:latin typeface="Bariol Bold" panose="02000506040000020003" pitchFamily="2" charset="0"/>
-            </a:endParaRPr>
-          </a:p>
-        </p:txBody>
-      </p:sp>
+          </a:p>
+        </p:txBody>
+      </p:sp>
+      <p:pic>
+        <p:nvPicPr>
+          <p:cNvPr id="22" name="Imagem 21"/>
+          <p:cNvPicPr>
+            <a:picLocks noChangeAspect="1"/>
+          </p:cNvPicPr>
+          <p:nvPr/>
+        </p:nvPicPr>
+        <p:blipFill>
+          <a:blip r:embed="rId3" cstate="print">
+            <a:extLst>
+              <a:ext uri="{28A0092B-C50C-407E-A947-70E740481C1C}">
+                <a14:useLocalDpi xmlns:a14="http://schemas.microsoft.com/office/drawing/2010/main" val="0"/>
+              </a:ext>
+            </a:extLst>
+          </a:blip>
+          <a:stretch>
+            <a:fillRect/>
+          </a:stretch>
+        </p:blipFill>
+        <p:spPr>
+          <a:xfrm>
+            <a:off x="2573323" y="2444911"/>
+            <a:ext cx="1517226" cy="1517226"/>
+          </a:xfrm>
+          <a:prstGeom prst="ellipse">
+            <a:avLst/>
+          </a:prstGeom>
+        </p:spPr>
+      </p:pic>
+      <p:pic>
+        <p:nvPicPr>
+          <p:cNvPr id="23" name="Imagem 22"/>
+          <p:cNvPicPr>
+            <a:picLocks noChangeAspect="1"/>
+          </p:cNvPicPr>
+          <p:nvPr/>
+        </p:nvPicPr>
+        <p:blipFill>
+          <a:blip r:embed="rId4" cstate="print">
+            <a:extLst>
+              <a:ext uri="{28A0092B-C50C-407E-A947-70E740481C1C}">
+                <a14:useLocalDpi xmlns:a14="http://schemas.microsoft.com/office/drawing/2010/main" val="0"/>
+              </a:ext>
+            </a:extLst>
+          </a:blip>
+          <a:stretch>
+            <a:fillRect/>
+          </a:stretch>
+        </p:blipFill>
+        <p:spPr>
+          <a:xfrm>
+            <a:off x="4411888" y="2442937"/>
+            <a:ext cx="1519200" cy="1519200"/>
+          </a:xfrm>
+          <a:prstGeom prst="ellipse">
+            <a:avLst/>
+          </a:prstGeom>
+        </p:spPr>
+      </p:pic>
+      <p:pic>
+        <p:nvPicPr>
+          <p:cNvPr id="25" name="Imagem 24"/>
+          <p:cNvPicPr>
+            <a:picLocks noChangeAspect="1"/>
+          </p:cNvPicPr>
+          <p:nvPr/>
+        </p:nvPicPr>
+        <p:blipFill>
+          <a:blip r:embed="rId5" cstate="print">
+            <a:extLst>
+              <a:ext uri="{28A0092B-C50C-407E-A947-70E740481C1C}">
+                <a14:useLocalDpi xmlns:a14="http://schemas.microsoft.com/office/drawing/2010/main" val="0"/>
+              </a:ext>
+            </a:extLst>
+          </a:blip>
+          <a:stretch>
+            <a:fillRect/>
+          </a:stretch>
+        </p:blipFill>
+        <p:spPr>
+          <a:xfrm>
+            <a:off x="8109898" y="2442937"/>
+            <a:ext cx="1519200" cy="1526192"/>
+          </a:xfrm>
+          <a:prstGeom prst="ellipse">
+            <a:avLst/>
+          </a:prstGeom>
+        </p:spPr>
+      </p:pic>
+      <p:pic>
+        <p:nvPicPr>
+          <p:cNvPr id="17" name="Imagem 16"/>
+          <p:cNvPicPr>
+            <a:picLocks noChangeAspect="1"/>
+          </p:cNvPicPr>
+          <p:nvPr/>
+        </p:nvPicPr>
+        <p:blipFill>
+          <a:blip r:embed="rId6" cstate="print">
+            <a:extLst>
+              <a:ext uri="{28A0092B-C50C-407E-A947-70E740481C1C}">
+                <a14:useLocalDpi xmlns:a14="http://schemas.microsoft.com/office/drawing/2010/main" val="0"/>
+              </a:ext>
+            </a:extLst>
+          </a:blip>
+          <a:stretch>
+            <a:fillRect/>
+          </a:stretch>
+        </p:blipFill>
+        <p:spPr>
+          <a:xfrm>
+            <a:off x="6259906" y="2472771"/>
+            <a:ext cx="1519200" cy="1493880"/>
+          </a:xfrm>
+          <a:prstGeom prst="ellipse">
+            <a:avLst/>
+          </a:prstGeom>
+        </p:spPr>
+      </p:pic>
+      <p:pic>
+        <p:nvPicPr>
+          <p:cNvPr id="19" name="Imagem 18"/>
+          <p:cNvPicPr>
+            <a:picLocks noChangeAspect="1"/>
+          </p:cNvPicPr>
+          <p:nvPr/>
+        </p:nvPicPr>
+        <p:blipFill>
+          <a:blip r:embed="rId7" cstate="print">
+            <a:extLst>
+              <a:ext uri="{28A0092B-C50C-407E-A947-70E740481C1C}">
+                <a14:useLocalDpi xmlns:a14="http://schemas.microsoft.com/office/drawing/2010/main" val="0"/>
+              </a:ext>
+            </a:extLst>
+          </a:blip>
+          <a:stretch>
+            <a:fillRect/>
+          </a:stretch>
+        </p:blipFill>
+        <p:spPr>
+          <a:xfrm>
+            <a:off x="9957916" y="2442937"/>
+            <a:ext cx="1519200" cy="1519200"/>
+          </a:xfrm>
+          <a:prstGeom prst="ellipse">
+            <a:avLst/>
+          </a:prstGeom>
+        </p:spPr>
+      </p:pic>
+      <p:pic>
+        <p:nvPicPr>
+          <p:cNvPr id="5" name="Imagem 4" descr="Homem com óculos de grau e camisa preta&#10;&#10;Descrição gerada automaticamente">
+            <a:extLst>
+              <a:ext uri="{FF2B5EF4-FFF2-40B4-BE49-F238E27FC236}">
+                <a16:creationId xmlns:a16="http://schemas.microsoft.com/office/drawing/2014/main" id="{D815F394-F527-4EF6-8095-041600C68E39}"/>
+              </a:ext>
+            </a:extLst>
+          </p:cNvPr>
+          <p:cNvPicPr>
+            <a:picLocks noChangeAspect="1"/>
+          </p:cNvPicPr>
+          <p:nvPr/>
+        </p:nvPicPr>
+        <p:blipFill rotWithShape="1">
+          <a:blip r:embed="rId8" cstate="print">
+            <a:extLst>
+              <a:ext uri="{28A0092B-C50C-407E-A947-70E740481C1C}">
+                <a14:useLocalDpi xmlns:a14="http://schemas.microsoft.com/office/drawing/2010/main" val="0"/>
+              </a:ext>
+            </a:extLst>
+          </a:blip>
+          <a:srcRect l="887" t="13646" r="585" b="13646"/>
+          <a:stretch/>
+        </p:blipFill>
+        <p:spPr>
+          <a:xfrm>
+            <a:off x="642607" y="2437251"/>
+            <a:ext cx="1590471" cy="1564920"/>
+          </a:xfrm>
+          <a:prstGeom prst="flowChartConnector">
+            <a:avLst/>
+          </a:prstGeom>
+        </p:spPr>
+      </p:pic>
     </p:spTree>
     <p:extLst>
       <p:ext uri="{BB962C8B-B14F-4D97-AF65-F5344CB8AC3E}">
@@ -3689,13 +3528,6 @@
       <p:transition spd="slow" advClick="0"/>
     </mc:Fallback>
   </mc:AlternateContent>
-  <p:timing>
-    <p:tnLst>
-      <p:par>
-        <p:cTn id="1" dur="indefinite" restart="never" nodeType="tmRoot"/>
-      </p:par>
-    </p:tnLst>
-  </p:timing>
 </p:sld>
 </file>
 
@@ -3718,6 +3550,1586 @@
       </p:grpSpPr>
       <p:sp>
         <p:nvSpPr>
+          <p:cNvPr id="6" name="Retângulo 5"/>
+          <p:cNvSpPr/>
+          <p:nvPr/>
+        </p:nvSpPr>
+        <p:spPr>
+          <a:xfrm>
+            <a:off x="2525488" y="567403"/>
+            <a:ext cx="7045102" cy="1799772"/>
+          </a:xfrm>
+          <a:prstGeom prst="rect">
+            <a:avLst/>
+          </a:prstGeom>
+          <a:solidFill>
+            <a:schemeClr val="bg1"/>
+          </a:solidFill>
+          <a:ln>
+            <a:solidFill>
+              <a:schemeClr val="tx1">
+                <a:lumMod val="65000"/>
+                <a:lumOff val="35000"/>
+              </a:schemeClr>
+            </a:solidFill>
+          </a:ln>
+        </p:spPr>
+        <p:style>
+          <a:lnRef idx="2">
+            <a:schemeClr val="accent1">
+              <a:shade val="50000"/>
+            </a:schemeClr>
+          </a:lnRef>
+          <a:fillRef idx="1">
+            <a:schemeClr val="accent1"/>
+          </a:fillRef>
+          <a:effectRef idx="0">
+            <a:schemeClr val="accent1"/>
+          </a:effectRef>
+          <a:fontRef idx="minor">
+            <a:schemeClr val="lt1"/>
+          </a:fontRef>
+        </p:style>
+        <p:txBody>
+          <a:bodyPr rtlCol="0" anchor="ctr"/>
+          <a:lstStyle/>
+          <a:p>
+            <a:pPr algn="ctr"/>
+            <a:endParaRPr lang="pt-BR"/>
+          </a:p>
+        </p:txBody>
+      </p:sp>
+      <p:pic>
+        <p:nvPicPr>
+          <p:cNvPr id="8" name="Imagem 7"/>
+          <p:cNvPicPr>
+            <a:picLocks noChangeAspect="1"/>
+          </p:cNvPicPr>
+          <p:nvPr/>
+        </p:nvPicPr>
+        <p:blipFill>
+          <a:blip r:embed="rId2" cstate="print">
+            <a:extLst>
+              <a:ext uri="{28A0092B-C50C-407E-A947-70E740481C1C}">
+                <a14:useLocalDpi xmlns:a14="http://schemas.microsoft.com/office/drawing/2010/main" val="0"/>
+              </a:ext>
+            </a:extLst>
+          </a:blip>
+          <a:stretch>
+            <a:fillRect/>
+          </a:stretch>
+        </p:blipFill>
+        <p:spPr>
+          <a:xfrm>
+            <a:off x="4511230" y="928753"/>
+            <a:ext cx="1077075" cy="1077075"/>
+          </a:xfrm>
+          <a:prstGeom prst="rect">
+            <a:avLst/>
+          </a:prstGeom>
+        </p:spPr>
+      </p:pic>
+      <p:pic>
+        <p:nvPicPr>
+          <p:cNvPr id="9" name="Imagem 8"/>
+          <p:cNvPicPr>
+            <a:picLocks noChangeAspect="1"/>
+          </p:cNvPicPr>
+          <p:nvPr/>
+        </p:nvPicPr>
+        <p:blipFill>
+          <a:blip r:embed="rId3" cstate="print">
+            <a:extLst>
+              <a:ext uri="{28A0092B-C50C-407E-A947-70E740481C1C}">
+                <a14:useLocalDpi xmlns:a14="http://schemas.microsoft.com/office/drawing/2010/main" val="0"/>
+              </a:ext>
+            </a:extLst>
+          </a:blip>
+          <a:stretch>
+            <a:fillRect/>
+          </a:stretch>
+        </p:blipFill>
+        <p:spPr>
+          <a:xfrm>
+            <a:off x="5805721" y="986658"/>
+            <a:ext cx="990295" cy="990295"/>
+          </a:xfrm>
+          <a:prstGeom prst="rect">
+            <a:avLst/>
+          </a:prstGeom>
+        </p:spPr>
+      </p:pic>
+      <p:sp>
+        <p:nvSpPr>
+          <p:cNvPr id="10" name="CaixaDeTexto 9"/>
+          <p:cNvSpPr txBox="1"/>
+          <p:nvPr/>
+        </p:nvSpPr>
+        <p:spPr>
+          <a:xfrm>
+            <a:off x="2827726" y="1312528"/>
+            <a:ext cx="1901371" cy="338554"/>
+          </a:xfrm>
+          <a:prstGeom prst="rect">
+            <a:avLst/>
+          </a:prstGeom>
+          <a:noFill/>
+        </p:spPr>
+        <p:txBody>
+          <a:bodyPr wrap="square" rtlCol="0">
+            <a:spAutoFit/>
+          </a:bodyPr>
+          <a:lstStyle/>
+          <a:p>
+            <a:pPr algn="ctr"/>
+            <a:r>
+              <a:rPr lang="pt-BR" sz="1600" dirty="0">
+                <a:latin typeface="Arial" panose="020B0604020202020204" pitchFamily="34" charset="0"/>
+                <a:cs typeface="Arial" panose="020B0604020202020204" pitchFamily="34" charset="0"/>
+              </a:rPr>
+              <a:t>BD SQL Server</a:t>
+            </a:r>
+          </a:p>
+        </p:txBody>
+      </p:sp>
+      <p:sp>
+        <p:nvSpPr>
+          <p:cNvPr id="11" name="CaixaDeTexto 10"/>
+          <p:cNvSpPr txBox="1"/>
+          <p:nvPr/>
+        </p:nvSpPr>
+        <p:spPr>
+          <a:xfrm>
+            <a:off x="6650575" y="1051791"/>
+            <a:ext cx="2597909" cy="830997"/>
+          </a:xfrm>
+          <a:prstGeom prst="rect">
+            <a:avLst/>
+          </a:prstGeom>
+          <a:noFill/>
+        </p:spPr>
+        <p:txBody>
+          <a:bodyPr wrap="square" rtlCol="0">
+            <a:spAutoFit/>
+          </a:bodyPr>
+          <a:lstStyle/>
+          <a:p>
+            <a:pPr algn="ctr"/>
+            <a:r>
+              <a:rPr lang="pt-BR" sz="1600" dirty="0">
+                <a:latin typeface="Arial" panose="020B0604020202020204" pitchFamily="34" charset="0"/>
+                <a:cs typeface="Arial" panose="020B0604020202020204" pitchFamily="34" charset="0"/>
+              </a:rPr>
+              <a:t>Servidor da Aplicação</a:t>
+            </a:r>
+          </a:p>
+          <a:p>
+            <a:pPr algn="ctr"/>
+            <a:r>
+              <a:rPr lang="pt-BR" sz="1600" dirty="0">
+                <a:latin typeface="Arial" panose="020B0604020202020204" pitchFamily="34" charset="0"/>
+                <a:cs typeface="Arial" panose="020B0604020202020204" pitchFamily="34" charset="0"/>
+              </a:rPr>
+              <a:t>HTML / CSS</a:t>
+            </a:r>
+          </a:p>
+          <a:p>
+            <a:pPr algn="ctr"/>
+            <a:r>
+              <a:rPr lang="pt-BR" sz="1600" dirty="0">
+                <a:latin typeface="Arial" panose="020B0604020202020204" pitchFamily="34" charset="0"/>
+                <a:cs typeface="Arial" panose="020B0604020202020204" pitchFamily="34" charset="0"/>
+              </a:rPr>
+              <a:t>Node JS / </a:t>
+            </a:r>
+            <a:r>
+              <a:rPr lang="pt-BR" sz="1600" dirty="0" err="1">
+                <a:latin typeface="Arial" panose="020B0604020202020204" pitchFamily="34" charset="0"/>
+                <a:cs typeface="Arial" panose="020B0604020202020204" pitchFamily="34" charset="0"/>
+              </a:rPr>
+              <a:t>JavaScript</a:t>
+            </a:r>
+            <a:endParaRPr lang="pt-BR" sz="1600" dirty="0">
+              <a:latin typeface="Arial" panose="020B0604020202020204" pitchFamily="34" charset="0"/>
+              <a:cs typeface="Arial" panose="020B0604020202020204" pitchFamily="34" charset="0"/>
+            </a:endParaRPr>
+          </a:p>
+        </p:txBody>
+      </p:sp>
+      <p:sp>
+        <p:nvSpPr>
+          <p:cNvPr id="12" name="CaixaDeTexto 11"/>
+          <p:cNvSpPr txBox="1"/>
+          <p:nvPr/>
+        </p:nvSpPr>
+        <p:spPr>
+          <a:xfrm>
+            <a:off x="4888177" y="142395"/>
+            <a:ext cx="2319721" cy="369332"/>
+          </a:xfrm>
+          <a:prstGeom prst="rect">
+            <a:avLst/>
+          </a:prstGeom>
+          <a:noFill/>
+        </p:spPr>
+        <p:txBody>
+          <a:bodyPr wrap="square" rtlCol="0">
+            <a:spAutoFit/>
+          </a:bodyPr>
+          <a:lstStyle/>
+          <a:p>
+            <a:pPr algn="ctr"/>
+            <a:r>
+              <a:rPr lang="pt-BR" b="1" dirty="0">
+                <a:latin typeface="Bariol Bold"/>
+                <a:cs typeface="Arial" panose="020B0604020202020204" pitchFamily="34" charset="0"/>
+              </a:rPr>
+              <a:t>Microsoft </a:t>
+            </a:r>
+            <a:r>
+              <a:rPr lang="pt-BR" b="1" dirty="0" err="1">
+                <a:latin typeface="Bariol Bold"/>
+                <a:cs typeface="Arial" panose="020B0604020202020204" pitchFamily="34" charset="0"/>
+              </a:rPr>
+              <a:t>Azure</a:t>
+            </a:r>
+            <a:endParaRPr lang="pt-BR" b="1" dirty="0">
+              <a:latin typeface="Bariol Bold"/>
+              <a:cs typeface="Arial" panose="020B0604020202020204" pitchFamily="34" charset="0"/>
+            </a:endParaRPr>
+          </a:p>
+        </p:txBody>
+      </p:sp>
+      <p:sp>
+        <p:nvSpPr>
+          <p:cNvPr id="13" name="Retângulo 12"/>
+          <p:cNvSpPr/>
+          <p:nvPr/>
+        </p:nvSpPr>
+        <p:spPr>
+          <a:xfrm>
+            <a:off x="5458251" y="2367175"/>
+            <a:ext cx="1183059" cy="592725"/>
+          </a:xfrm>
+          <a:prstGeom prst="rect">
+            <a:avLst/>
+          </a:prstGeom>
+          <a:solidFill>
+            <a:schemeClr val="bg1"/>
+          </a:solidFill>
+          <a:ln>
+            <a:solidFill>
+              <a:schemeClr val="bg1"/>
+            </a:solidFill>
+          </a:ln>
+        </p:spPr>
+        <p:style>
+          <a:lnRef idx="2">
+            <a:schemeClr val="accent1">
+              <a:shade val="50000"/>
+            </a:schemeClr>
+          </a:lnRef>
+          <a:fillRef idx="1">
+            <a:schemeClr val="accent1"/>
+          </a:fillRef>
+          <a:effectRef idx="0">
+            <a:schemeClr val="accent1"/>
+          </a:effectRef>
+          <a:fontRef idx="minor">
+            <a:schemeClr val="lt1"/>
+          </a:fontRef>
+        </p:style>
+        <p:txBody>
+          <a:bodyPr rtlCol="0" anchor="ctr"/>
+          <a:lstStyle/>
+          <a:p>
+            <a:pPr algn="ctr"/>
+            <a:endParaRPr lang="pt-BR"/>
+          </a:p>
+        </p:txBody>
+      </p:sp>
+      <p:pic>
+        <p:nvPicPr>
+          <p:cNvPr id="14" name="Imagem 13"/>
+          <p:cNvPicPr>
+            <a:picLocks noChangeAspect="1"/>
+          </p:cNvPicPr>
+          <p:nvPr/>
+        </p:nvPicPr>
+        <p:blipFill>
+          <a:blip r:embed="rId4" cstate="print">
+            <a:extLst>
+              <a:ext uri="{28A0092B-C50C-407E-A947-70E740481C1C}">
+                <a14:useLocalDpi xmlns:a14="http://schemas.microsoft.com/office/drawing/2010/main" val="0"/>
+              </a:ext>
+            </a:extLst>
+          </a:blip>
+          <a:stretch>
+            <a:fillRect/>
+          </a:stretch>
+        </p:blipFill>
+        <p:spPr>
+          <a:xfrm>
+            <a:off x="5479374" y="1976953"/>
+            <a:ext cx="1186543" cy="1186543"/>
+          </a:xfrm>
+          <a:prstGeom prst="rect">
+            <a:avLst/>
+          </a:prstGeom>
+        </p:spPr>
+      </p:pic>
+      <p:sp>
+        <p:nvSpPr>
+          <p:cNvPr id="15" name="CaixaDeTexto 14"/>
+          <p:cNvSpPr txBox="1"/>
+          <p:nvPr/>
+        </p:nvSpPr>
+        <p:spPr>
+          <a:xfrm>
+            <a:off x="5121959" y="2930988"/>
+            <a:ext cx="1901371" cy="338554"/>
+          </a:xfrm>
+          <a:prstGeom prst="rect">
+            <a:avLst/>
+          </a:prstGeom>
+          <a:noFill/>
+        </p:spPr>
+        <p:txBody>
+          <a:bodyPr wrap="square" rtlCol="0">
+            <a:spAutoFit/>
+          </a:bodyPr>
+          <a:lstStyle/>
+          <a:p>
+            <a:pPr algn="ctr"/>
+            <a:r>
+              <a:rPr lang="pt-BR" sz="1600" dirty="0">
+                <a:latin typeface="Arial" panose="020B0604020202020204" pitchFamily="34" charset="0"/>
+                <a:cs typeface="Arial" panose="020B0604020202020204" pitchFamily="34" charset="0"/>
+              </a:rPr>
+              <a:t>Internet</a:t>
+            </a:r>
+          </a:p>
+        </p:txBody>
+      </p:sp>
+      <p:sp>
+        <p:nvSpPr>
+          <p:cNvPr id="16" name="Retângulo 15"/>
+          <p:cNvSpPr/>
+          <p:nvPr/>
+        </p:nvSpPr>
+        <p:spPr>
+          <a:xfrm>
+            <a:off x="467293" y="3611194"/>
+            <a:ext cx="5421090" cy="2876691"/>
+          </a:xfrm>
+          <a:prstGeom prst="rect">
+            <a:avLst/>
+          </a:prstGeom>
+          <a:solidFill>
+            <a:schemeClr val="bg1"/>
+          </a:solidFill>
+          <a:ln>
+            <a:solidFill>
+              <a:schemeClr val="tx1">
+                <a:lumMod val="65000"/>
+                <a:lumOff val="35000"/>
+              </a:schemeClr>
+            </a:solidFill>
+          </a:ln>
+        </p:spPr>
+        <p:style>
+          <a:lnRef idx="2">
+            <a:schemeClr val="accent1">
+              <a:shade val="50000"/>
+            </a:schemeClr>
+          </a:lnRef>
+          <a:fillRef idx="1">
+            <a:schemeClr val="accent1"/>
+          </a:fillRef>
+          <a:effectRef idx="0">
+            <a:schemeClr val="accent1"/>
+          </a:effectRef>
+          <a:fontRef idx="minor">
+            <a:schemeClr val="lt1"/>
+          </a:fontRef>
+        </p:style>
+        <p:txBody>
+          <a:bodyPr rtlCol="0" anchor="ctr"/>
+          <a:lstStyle/>
+          <a:p>
+            <a:pPr algn="ctr"/>
+            <a:endParaRPr lang="pt-BR" dirty="0"/>
+          </a:p>
+        </p:txBody>
+      </p:sp>
+      <p:sp>
+        <p:nvSpPr>
+          <p:cNvPr id="17" name="Retângulo 16"/>
+          <p:cNvSpPr/>
+          <p:nvPr/>
+        </p:nvSpPr>
+        <p:spPr>
+          <a:xfrm>
+            <a:off x="6265747" y="3611194"/>
+            <a:ext cx="5421090" cy="2876691"/>
+          </a:xfrm>
+          <a:prstGeom prst="rect">
+            <a:avLst/>
+          </a:prstGeom>
+          <a:solidFill>
+            <a:schemeClr val="bg1"/>
+          </a:solidFill>
+          <a:ln>
+            <a:solidFill>
+              <a:schemeClr val="tx1">
+                <a:lumMod val="65000"/>
+                <a:lumOff val="35000"/>
+              </a:schemeClr>
+            </a:solidFill>
+          </a:ln>
+        </p:spPr>
+        <p:style>
+          <a:lnRef idx="2">
+            <a:schemeClr val="accent1">
+              <a:shade val="50000"/>
+            </a:schemeClr>
+          </a:lnRef>
+          <a:fillRef idx="1">
+            <a:schemeClr val="accent1"/>
+          </a:fillRef>
+          <a:effectRef idx="0">
+            <a:schemeClr val="accent1"/>
+          </a:effectRef>
+          <a:fontRef idx="minor">
+            <a:schemeClr val="lt1"/>
+          </a:fontRef>
+        </p:style>
+        <p:txBody>
+          <a:bodyPr rtlCol="0" anchor="ctr"/>
+          <a:lstStyle/>
+          <a:p>
+            <a:pPr algn="ctr"/>
+            <a:endParaRPr lang="pt-BR"/>
+          </a:p>
+        </p:txBody>
+      </p:sp>
+      <p:cxnSp>
+        <p:nvCxnSpPr>
+          <p:cNvPr id="18" name="Conector de Seta Reta 17"/>
+          <p:cNvCxnSpPr/>
+          <p:nvPr/>
+        </p:nvCxnSpPr>
+        <p:spPr>
+          <a:xfrm flipH="1">
+            <a:off x="3441233" y="2775495"/>
+            <a:ext cx="1967445" cy="649539"/>
+          </a:xfrm>
+          <a:prstGeom prst="straightConnector1">
+            <a:avLst/>
+          </a:prstGeom>
+          <a:ln>
+            <a:solidFill>
+              <a:schemeClr val="tx1">
+                <a:lumMod val="65000"/>
+                <a:lumOff val="35000"/>
+              </a:schemeClr>
+            </a:solidFill>
+            <a:prstDash val="lgDashDot"/>
+            <a:headEnd type="triangle"/>
+            <a:tailEnd type="triangle"/>
+          </a:ln>
+        </p:spPr>
+        <p:style>
+          <a:lnRef idx="1">
+            <a:schemeClr val="accent1"/>
+          </a:lnRef>
+          <a:fillRef idx="0">
+            <a:schemeClr val="accent1"/>
+          </a:fillRef>
+          <a:effectRef idx="0">
+            <a:schemeClr val="accent1"/>
+          </a:effectRef>
+          <a:fontRef idx="minor">
+            <a:schemeClr val="tx1"/>
+          </a:fontRef>
+        </p:style>
+      </p:cxnSp>
+      <p:cxnSp>
+        <p:nvCxnSpPr>
+          <p:cNvPr id="19" name="Conector de Seta Reta 18"/>
+          <p:cNvCxnSpPr/>
+          <p:nvPr/>
+        </p:nvCxnSpPr>
+        <p:spPr>
+          <a:xfrm flipH="1" flipV="1">
+            <a:off x="6701728" y="2751605"/>
+            <a:ext cx="1989628" cy="673429"/>
+          </a:xfrm>
+          <a:prstGeom prst="straightConnector1">
+            <a:avLst/>
+          </a:prstGeom>
+          <a:ln>
+            <a:solidFill>
+              <a:schemeClr val="tx1">
+                <a:lumMod val="65000"/>
+                <a:lumOff val="35000"/>
+              </a:schemeClr>
+            </a:solidFill>
+            <a:prstDash val="lgDashDot"/>
+            <a:headEnd type="triangle"/>
+            <a:tailEnd type="triangle"/>
+          </a:ln>
+        </p:spPr>
+        <p:style>
+          <a:lnRef idx="1">
+            <a:schemeClr val="accent1"/>
+          </a:lnRef>
+          <a:fillRef idx="0">
+            <a:schemeClr val="accent1"/>
+          </a:fillRef>
+          <a:effectRef idx="0">
+            <a:schemeClr val="accent1"/>
+          </a:effectRef>
+          <a:fontRef idx="minor">
+            <a:schemeClr val="tx1"/>
+          </a:fontRef>
+        </p:style>
+      </p:cxnSp>
+      <p:sp>
+        <p:nvSpPr>
+          <p:cNvPr id="20" name="CaixaDeTexto 19"/>
+          <p:cNvSpPr txBox="1"/>
+          <p:nvPr/>
+        </p:nvSpPr>
+        <p:spPr>
+          <a:xfrm>
+            <a:off x="467293" y="3163687"/>
+            <a:ext cx="2596576" cy="369332"/>
+          </a:xfrm>
+          <a:prstGeom prst="rect">
+            <a:avLst/>
+          </a:prstGeom>
+          <a:noFill/>
+        </p:spPr>
+        <p:txBody>
+          <a:bodyPr wrap="square" rtlCol="0">
+            <a:spAutoFit/>
+          </a:bodyPr>
+          <a:lstStyle/>
+          <a:p>
+            <a:r>
+              <a:rPr lang="pt-BR" b="1" dirty="0">
+                <a:latin typeface="Bariol Bold"/>
+                <a:cs typeface="Arial" panose="020B0604020202020204" pitchFamily="34" charset="0"/>
+              </a:rPr>
+              <a:t>Capitação de dados</a:t>
+            </a:r>
+          </a:p>
+        </p:txBody>
+      </p:sp>
+      <p:sp>
+        <p:nvSpPr>
+          <p:cNvPr id="21" name="CaixaDeTexto 20"/>
+          <p:cNvSpPr txBox="1"/>
+          <p:nvPr/>
+        </p:nvSpPr>
+        <p:spPr>
+          <a:xfrm>
+            <a:off x="8171544" y="3216477"/>
+            <a:ext cx="3515294" cy="369332"/>
+          </a:xfrm>
+          <a:prstGeom prst="rect">
+            <a:avLst/>
+          </a:prstGeom>
+          <a:noFill/>
+        </p:spPr>
+        <p:txBody>
+          <a:bodyPr wrap="square" rtlCol="0">
+            <a:spAutoFit/>
+          </a:bodyPr>
+          <a:lstStyle/>
+          <a:p>
+            <a:pPr algn="r"/>
+            <a:r>
+              <a:rPr lang="pt-BR" b="1" dirty="0">
+                <a:latin typeface="Bariol Bold"/>
+                <a:cs typeface="Arial" panose="020B0604020202020204" pitchFamily="34" charset="0"/>
+              </a:rPr>
+              <a:t>Uso das informações</a:t>
+            </a:r>
+          </a:p>
+        </p:txBody>
+      </p:sp>
+      <p:pic>
+        <p:nvPicPr>
+          <p:cNvPr id="22" name="Imagem 21"/>
+          <p:cNvPicPr>
+            <a:picLocks noChangeAspect="1"/>
+          </p:cNvPicPr>
+          <p:nvPr/>
+        </p:nvPicPr>
+        <p:blipFill>
+          <a:blip r:embed="rId5" cstate="print">
+            <a:extLst>
+              <a:ext uri="{28A0092B-C50C-407E-A947-70E740481C1C}">
+                <a14:useLocalDpi xmlns:a14="http://schemas.microsoft.com/office/drawing/2010/main" val="0"/>
+              </a:ext>
+            </a:extLst>
+          </a:blip>
+          <a:stretch>
+            <a:fillRect/>
+          </a:stretch>
+        </p:blipFill>
+        <p:spPr>
+          <a:xfrm>
+            <a:off x="3345137" y="3025592"/>
+            <a:ext cx="308124" cy="308124"/>
+          </a:xfrm>
+          <a:prstGeom prst="rect">
+            <a:avLst/>
+          </a:prstGeom>
+        </p:spPr>
+      </p:pic>
+      <p:pic>
+        <p:nvPicPr>
+          <p:cNvPr id="23" name="Imagem 22"/>
+          <p:cNvPicPr>
+            <a:picLocks noChangeAspect="1"/>
+          </p:cNvPicPr>
+          <p:nvPr/>
+        </p:nvPicPr>
+        <p:blipFill>
+          <a:blip r:embed="rId5" cstate="print">
+            <a:extLst>
+              <a:ext uri="{28A0092B-C50C-407E-A947-70E740481C1C}">
+                <a14:useLocalDpi xmlns:a14="http://schemas.microsoft.com/office/drawing/2010/main" val="0"/>
+              </a:ext>
+            </a:extLst>
+          </a:blip>
+          <a:stretch>
+            <a:fillRect/>
+          </a:stretch>
+        </p:blipFill>
+        <p:spPr>
+          <a:xfrm>
+            <a:off x="8479328" y="3025592"/>
+            <a:ext cx="308124" cy="308124"/>
+          </a:xfrm>
+          <a:prstGeom prst="rect">
+            <a:avLst/>
+          </a:prstGeom>
+        </p:spPr>
+      </p:pic>
+      <p:pic>
+        <p:nvPicPr>
+          <p:cNvPr id="24" name="Imagem 23"/>
+          <p:cNvPicPr>
+            <a:picLocks noChangeAspect="1"/>
+          </p:cNvPicPr>
+          <p:nvPr/>
+        </p:nvPicPr>
+        <p:blipFill>
+          <a:blip r:embed="rId6" cstate="print">
+            <a:extLst>
+              <a:ext uri="{28A0092B-C50C-407E-A947-70E740481C1C}">
+                <a14:useLocalDpi xmlns:a14="http://schemas.microsoft.com/office/drawing/2010/main" val="0"/>
+              </a:ext>
+            </a:extLst>
+          </a:blip>
+          <a:stretch>
+            <a:fillRect/>
+          </a:stretch>
+        </p:blipFill>
+        <p:spPr>
+          <a:xfrm rot="5400000">
+            <a:off x="211924" y="4536174"/>
+            <a:ext cx="2088399" cy="1026729"/>
+          </a:xfrm>
+          <a:prstGeom prst="rect">
+            <a:avLst/>
+          </a:prstGeom>
+        </p:spPr>
+      </p:pic>
+      <p:sp>
+        <p:nvSpPr>
+          <p:cNvPr id="25" name="CaixaDeTexto 24"/>
+          <p:cNvSpPr txBox="1"/>
+          <p:nvPr/>
+        </p:nvSpPr>
+        <p:spPr>
+          <a:xfrm>
+            <a:off x="376780" y="5950587"/>
+            <a:ext cx="1901371" cy="307777"/>
+          </a:xfrm>
+          <a:prstGeom prst="rect">
+            <a:avLst/>
+          </a:prstGeom>
+          <a:noFill/>
+        </p:spPr>
+        <p:txBody>
+          <a:bodyPr wrap="square" rtlCol="0">
+            <a:spAutoFit/>
+          </a:bodyPr>
+          <a:lstStyle/>
+          <a:p>
+            <a:pPr algn="ctr"/>
+            <a:r>
+              <a:rPr lang="pt-BR" sz="1400" dirty="0" err="1">
+                <a:latin typeface="Arial" panose="020B0604020202020204" pitchFamily="34" charset="0"/>
+                <a:cs typeface="Arial" panose="020B0604020202020204" pitchFamily="34" charset="0"/>
+              </a:rPr>
+              <a:t>Protoboard</a:t>
+            </a:r>
+            <a:endParaRPr lang="pt-BR" sz="1400" dirty="0">
+              <a:latin typeface="Arial" panose="020B0604020202020204" pitchFamily="34" charset="0"/>
+              <a:cs typeface="Arial" panose="020B0604020202020204" pitchFamily="34" charset="0"/>
+            </a:endParaRPr>
+          </a:p>
+        </p:txBody>
+      </p:sp>
+      <p:sp>
+        <p:nvSpPr>
+          <p:cNvPr id="26" name="CaixaDeTexto 25"/>
+          <p:cNvSpPr txBox="1"/>
+          <p:nvPr/>
+        </p:nvSpPr>
+        <p:spPr>
+          <a:xfrm>
+            <a:off x="376779" y="3858949"/>
+            <a:ext cx="1901371" cy="307777"/>
+          </a:xfrm>
+          <a:prstGeom prst="rect">
+            <a:avLst/>
+          </a:prstGeom>
+          <a:noFill/>
+        </p:spPr>
+        <p:txBody>
+          <a:bodyPr wrap="square" rtlCol="0">
+            <a:spAutoFit/>
+          </a:bodyPr>
+          <a:lstStyle/>
+          <a:p>
+            <a:pPr algn="ctr"/>
+            <a:r>
+              <a:rPr lang="pt-BR" sz="1400" dirty="0" err="1">
+                <a:latin typeface="Arial" panose="020B0604020202020204" pitchFamily="34" charset="0"/>
+                <a:cs typeface="Arial" panose="020B0604020202020204" pitchFamily="34" charset="0"/>
+              </a:rPr>
+              <a:t>Arduino</a:t>
+            </a:r>
+            <a:endParaRPr lang="pt-BR" sz="1400" dirty="0">
+              <a:latin typeface="Arial" panose="020B0604020202020204" pitchFamily="34" charset="0"/>
+              <a:cs typeface="Arial" panose="020B0604020202020204" pitchFamily="34" charset="0"/>
+            </a:endParaRPr>
+          </a:p>
+        </p:txBody>
+      </p:sp>
+      <p:cxnSp>
+        <p:nvCxnSpPr>
+          <p:cNvPr id="27" name="Conector de Seta Reta 26"/>
+          <p:cNvCxnSpPr/>
+          <p:nvPr/>
+        </p:nvCxnSpPr>
+        <p:spPr>
+          <a:xfrm>
+            <a:off x="1436909" y="5656217"/>
+            <a:ext cx="1060008" cy="218381"/>
+          </a:xfrm>
+          <a:prstGeom prst="straightConnector1">
+            <a:avLst/>
+          </a:prstGeom>
+          <a:ln>
+            <a:solidFill>
+              <a:schemeClr val="tx1">
+                <a:lumMod val="65000"/>
+                <a:lumOff val="35000"/>
+              </a:schemeClr>
+            </a:solidFill>
+            <a:tailEnd type="triangle"/>
+          </a:ln>
+        </p:spPr>
+        <p:style>
+          <a:lnRef idx="1">
+            <a:schemeClr val="accent1"/>
+          </a:lnRef>
+          <a:fillRef idx="0">
+            <a:schemeClr val="accent1"/>
+          </a:fillRef>
+          <a:effectRef idx="0">
+            <a:schemeClr val="accent1"/>
+          </a:effectRef>
+          <a:fontRef idx="minor">
+            <a:schemeClr val="tx1"/>
+          </a:fontRef>
+        </p:style>
+      </p:cxnSp>
+      <p:sp>
+        <p:nvSpPr>
+          <p:cNvPr id="28" name="CaixaDeTexto 27"/>
+          <p:cNvSpPr txBox="1"/>
+          <p:nvPr/>
+        </p:nvSpPr>
+        <p:spPr>
+          <a:xfrm>
+            <a:off x="2031680" y="5701719"/>
+            <a:ext cx="2165641" cy="738664"/>
+          </a:xfrm>
+          <a:prstGeom prst="rect">
+            <a:avLst/>
+          </a:prstGeom>
+          <a:noFill/>
+        </p:spPr>
+        <p:txBody>
+          <a:bodyPr wrap="square" rtlCol="0">
+            <a:spAutoFit/>
+          </a:bodyPr>
+          <a:lstStyle/>
+          <a:p>
+            <a:pPr algn="ctr"/>
+            <a:r>
+              <a:rPr lang="pt-BR" sz="1400" dirty="0">
+                <a:latin typeface="Arial" panose="020B0604020202020204" pitchFamily="34" charset="0"/>
+                <a:cs typeface="Arial" panose="020B0604020202020204" pitchFamily="34" charset="0"/>
+              </a:rPr>
+              <a:t>Sensor de </a:t>
+            </a:r>
+          </a:p>
+          <a:p>
+            <a:pPr algn="ctr"/>
+            <a:r>
+              <a:rPr lang="pt-BR" sz="1400" dirty="0">
+                <a:latin typeface="Arial" panose="020B0604020202020204" pitchFamily="34" charset="0"/>
+                <a:cs typeface="Arial" panose="020B0604020202020204" pitchFamily="34" charset="0"/>
+              </a:rPr>
+              <a:t>Temperatura e umidade</a:t>
+            </a:r>
+          </a:p>
+          <a:p>
+            <a:pPr algn="ctr"/>
+            <a:r>
+              <a:rPr lang="pt-BR" sz="1400" dirty="0">
+                <a:latin typeface="Arial" panose="020B0604020202020204" pitchFamily="34" charset="0"/>
+                <a:cs typeface="Arial" panose="020B0604020202020204" pitchFamily="34" charset="0"/>
+              </a:rPr>
+              <a:t>DHTT11</a:t>
+            </a:r>
+          </a:p>
+        </p:txBody>
+      </p:sp>
+      <p:pic>
+        <p:nvPicPr>
+          <p:cNvPr id="29" name="Imagem 28"/>
+          <p:cNvPicPr>
+            <a:picLocks noChangeAspect="1"/>
+          </p:cNvPicPr>
+          <p:nvPr/>
+        </p:nvPicPr>
+        <p:blipFill>
+          <a:blip r:embed="rId7" cstate="print">
+            <a:extLst>
+              <a:ext uri="{28A0092B-C50C-407E-A947-70E740481C1C}">
+                <a14:useLocalDpi xmlns:a14="http://schemas.microsoft.com/office/drawing/2010/main" val="0"/>
+              </a:ext>
+            </a:extLst>
+          </a:blip>
+          <a:stretch>
+            <a:fillRect/>
+          </a:stretch>
+        </p:blipFill>
+        <p:spPr>
+          <a:xfrm>
+            <a:off x="2694854" y="4326932"/>
+            <a:ext cx="1300566" cy="1300566"/>
+          </a:xfrm>
+          <a:prstGeom prst="rect">
+            <a:avLst/>
+          </a:prstGeom>
+        </p:spPr>
+      </p:pic>
+      <p:pic>
+        <p:nvPicPr>
+          <p:cNvPr id="30" name="Imagem 29"/>
+          <p:cNvPicPr>
+            <a:picLocks noChangeAspect="1"/>
+          </p:cNvPicPr>
+          <p:nvPr/>
+        </p:nvPicPr>
+        <p:blipFill>
+          <a:blip r:embed="rId8" cstate="print">
+            <a:extLst>
+              <a:ext uri="{28A0092B-C50C-407E-A947-70E740481C1C}">
+                <a14:useLocalDpi xmlns:a14="http://schemas.microsoft.com/office/drawing/2010/main" val="0"/>
+              </a:ext>
+            </a:extLst>
+          </a:blip>
+          <a:stretch>
+            <a:fillRect/>
+          </a:stretch>
+        </p:blipFill>
+        <p:spPr>
+          <a:xfrm>
+            <a:off x="1980124" y="4714104"/>
+            <a:ext cx="516793" cy="516793"/>
+          </a:xfrm>
+          <a:prstGeom prst="rect">
+            <a:avLst/>
+          </a:prstGeom>
+        </p:spPr>
+      </p:pic>
+      <p:cxnSp>
+        <p:nvCxnSpPr>
+          <p:cNvPr id="31" name="Conector de Seta Reta 30"/>
+          <p:cNvCxnSpPr>
+            <a:stCxn id="30" idx="3"/>
+            <a:endCxn id="29" idx="1"/>
+          </p:cNvCxnSpPr>
+          <p:nvPr/>
+        </p:nvCxnSpPr>
+        <p:spPr>
+          <a:xfrm>
+            <a:off x="2496917" y="4972501"/>
+            <a:ext cx="197937" cy="4714"/>
+          </a:xfrm>
+          <a:prstGeom prst="straightConnector1">
+            <a:avLst/>
+          </a:prstGeom>
+          <a:ln>
+            <a:solidFill>
+              <a:schemeClr val="tx1">
+                <a:lumMod val="65000"/>
+                <a:lumOff val="35000"/>
+              </a:schemeClr>
+            </a:solidFill>
+            <a:tailEnd type="triangle"/>
+          </a:ln>
+        </p:spPr>
+        <p:style>
+          <a:lnRef idx="1">
+            <a:schemeClr val="accent1"/>
+          </a:lnRef>
+          <a:fillRef idx="0">
+            <a:schemeClr val="accent1"/>
+          </a:fillRef>
+          <a:effectRef idx="0">
+            <a:schemeClr val="accent1"/>
+          </a:effectRef>
+          <a:fontRef idx="minor">
+            <a:schemeClr val="tx1"/>
+          </a:fontRef>
+        </p:style>
+      </p:cxnSp>
+      <p:cxnSp>
+        <p:nvCxnSpPr>
+          <p:cNvPr id="32" name="Conector de Seta Reta 31"/>
+          <p:cNvCxnSpPr/>
+          <p:nvPr/>
+        </p:nvCxnSpPr>
+        <p:spPr>
+          <a:xfrm flipH="1">
+            <a:off x="1766667" y="4972501"/>
+            <a:ext cx="204287" cy="4714"/>
+          </a:xfrm>
+          <a:prstGeom prst="straightConnector1">
+            <a:avLst/>
+          </a:prstGeom>
+          <a:ln>
+            <a:solidFill>
+              <a:schemeClr val="tx1">
+                <a:lumMod val="65000"/>
+                <a:lumOff val="35000"/>
+              </a:schemeClr>
+            </a:solidFill>
+            <a:tailEnd type="triangle"/>
+          </a:ln>
+        </p:spPr>
+        <p:style>
+          <a:lnRef idx="1">
+            <a:schemeClr val="accent1"/>
+          </a:lnRef>
+          <a:fillRef idx="0">
+            <a:schemeClr val="accent1"/>
+          </a:fillRef>
+          <a:effectRef idx="0">
+            <a:schemeClr val="accent1"/>
+          </a:effectRef>
+          <a:fontRef idx="minor">
+            <a:schemeClr val="tx1"/>
+          </a:fontRef>
+        </p:style>
+      </p:cxnSp>
+      <p:sp>
+        <p:nvSpPr>
+          <p:cNvPr id="33" name="CaixaDeTexto 32"/>
+          <p:cNvSpPr txBox="1"/>
+          <p:nvPr/>
+        </p:nvSpPr>
+        <p:spPr>
+          <a:xfrm>
+            <a:off x="1926552" y="4170611"/>
+            <a:ext cx="627064" cy="523220"/>
+          </a:xfrm>
+          <a:prstGeom prst="rect">
+            <a:avLst/>
+          </a:prstGeom>
+          <a:noFill/>
+        </p:spPr>
+        <p:txBody>
+          <a:bodyPr wrap="square" rtlCol="0">
+            <a:spAutoFit/>
+          </a:bodyPr>
+          <a:lstStyle/>
+          <a:p>
+            <a:pPr algn="ctr"/>
+            <a:r>
+              <a:rPr lang="pt-BR" sz="1400" dirty="0">
+                <a:latin typeface="Arial" panose="020B0604020202020204" pitchFamily="34" charset="0"/>
+                <a:cs typeface="Arial" panose="020B0604020202020204" pitchFamily="34" charset="0"/>
+              </a:rPr>
+              <a:t>Cabo </a:t>
+            </a:r>
+          </a:p>
+          <a:p>
+            <a:pPr algn="ctr"/>
+            <a:r>
+              <a:rPr lang="pt-BR" sz="1400" dirty="0">
+                <a:latin typeface="Arial" panose="020B0604020202020204" pitchFamily="34" charset="0"/>
+                <a:cs typeface="Arial" panose="020B0604020202020204" pitchFamily="34" charset="0"/>
+              </a:rPr>
+              <a:t>USB</a:t>
+            </a:r>
+          </a:p>
+        </p:txBody>
+      </p:sp>
+      <p:pic>
+        <p:nvPicPr>
+          <p:cNvPr id="34" name="Imagem 33"/>
+          <p:cNvPicPr>
+            <a:picLocks noChangeAspect="1"/>
+          </p:cNvPicPr>
+          <p:nvPr/>
+        </p:nvPicPr>
+        <p:blipFill>
+          <a:blip r:embed="rId9"/>
+          <a:stretch>
+            <a:fillRect/>
+          </a:stretch>
+        </p:blipFill>
+        <p:spPr>
+          <a:xfrm flipH="1">
+            <a:off x="6358454" y="3679794"/>
+            <a:ext cx="614584" cy="533097"/>
+          </a:xfrm>
+          <a:prstGeom prst="rect">
+            <a:avLst/>
+          </a:prstGeom>
+        </p:spPr>
+      </p:pic>
+      <p:pic>
+        <p:nvPicPr>
+          <p:cNvPr id="35" name="Imagem 34"/>
+          <p:cNvPicPr>
+            <a:picLocks noChangeAspect="1"/>
+          </p:cNvPicPr>
+          <p:nvPr/>
+        </p:nvPicPr>
+        <p:blipFill>
+          <a:blip r:embed="rId9"/>
+          <a:stretch>
+            <a:fillRect/>
+          </a:stretch>
+        </p:blipFill>
+        <p:spPr>
+          <a:xfrm>
+            <a:off x="5162181" y="3683885"/>
+            <a:ext cx="634385" cy="533097"/>
+          </a:xfrm>
+          <a:prstGeom prst="rect">
+            <a:avLst/>
+          </a:prstGeom>
+        </p:spPr>
+      </p:pic>
+      <p:sp>
+        <p:nvSpPr>
+          <p:cNvPr id="36" name="CaixaDeTexto 35"/>
+          <p:cNvSpPr txBox="1"/>
+          <p:nvPr/>
+        </p:nvSpPr>
+        <p:spPr>
+          <a:xfrm>
+            <a:off x="3550474" y="3677178"/>
+            <a:ext cx="1987474" cy="307777"/>
+          </a:xfrm>
+          <a:prstGeom prst="rect">
+            <a:avLst/>
+          </a:prstGeom>
+          <a:noFill/>
+        </p:spPr>
+        <p:txBody>
+          <a:bodyPr wrap="square" rtlCol="0">
+            <a:spAutoFit/>
+          </a:bodyPr>
+          <a:lstStyle/>
+          <a:p>
+            <a:pPr algn="ctr"/>
+            <a:r>
+              <a:rPr lang="pt-BR" sz="1400" dirty="0">
+                <a:latin typeface="Arial" panose="020B0604020202020204" pitchFamily="34" charset="0"/>
+                <a:cs typeface="Arial" panose="020B0604020202020204" pitchFamily="34" charset="0"/>
+              </a:rPr>
+              <a:t>Internet LAN / </a:t>
+            </a:r>
+            <a:r>
+              <a:rPr lang="pt-BR" sz="1400" dirty="0" err="1">
+                <a:latin typeface="Arial" panose="020B0604020202020204" pitchFamily="34" charset="0"/>
+                <a:cs typeface="Arial" panose="020B0604020202020204" pitchFamily="34" charset="0"/>
+              </a:rPr>
+              <a:t>Wi</a:t>
+            </a:r>
+            <a:r>
+              <a:rPr lang="pt-BR" sz="1400" dirty="0">
+                <a:latin typeface="Arial" panose="020B0604020202020204" pitchFamily="34" charset="0"/>
+                <a:cs typeface="Arial" panose="020B0604020202020204" pitchFamily="34" charset="0"/>
+              </a:rPr>
+              <a:t> </a:t>
+            </a:r>
+            <a:r>
+              <a:rPr lang="pt-BR" sz="1400" dirty="0" err="1">
+                <a:latin typeface="Arial" panose="020B0604020202020204" pitchFamily="34" charset="0"/>
+                <a:cs typeface="Arial" panose="020B0604020202020204" pitchFamily="34" charset="0"/>
+              </a:rPr>
+              <a:t>fi</a:t>
+            </a:r>
+            <a:endParaRPr lang="pt-BR" sz="1400" dirty="0">
+              <a:latin typeface="Arial" panose="020B0604020202020204" pitchFamily="34" charset="0"/>
+              <a:cs typeface="Arial" panose="020B0604020202020204" pitchFamily="34" charset="0"/>
+            </a:endParaRPr>
+          </a:p>
+        </p:txBody>
+      </p:sp>
+      <p:sp>
+        <p:nvSpPr>
+          <p:cNvPr id="37" name="CaixaDeTexto 36"/>
+          <p:cNvSpPr txBox="1"/>
+          <p:nvPr/>
+        </p:nvSpPr>
+        <p:spPr>
+          <a:xfrm>
+            <a:off x="6553617" y="3674122"/>
+            <a:ext cx="1987474" cy="307777"/>
+          </a:xfrm>
+          <a:prstGeom prst="rect">
+            <a:avLst/>
+          </a:prstGeom>
+          <a:noFill/>
+        </p:spPr>
+        <p:txBody>
+          <a:bodyPr wrap="square" rtlCol="0">
+            <a:spAutoFit/>
+          </a:bodyPr>
+          <a:lstStyle/>
+          <a:p>
+            <a:pPr algn="ctr"/>
+            <a:r>
+              <a:rPr lang="pt-BR" sz="1400" dirty="0">
+                <a:latin typeface="Arial" panose="020B0604020202020204" pitchFamily="34" charset="0"/>
+                <a:cs typeface="Arial" panose="020B0604020202020204" pitchFamily="34" charset="0"/>
+              </a:rPr>
+              <a:t>Internet LAN / </a:t>
+            </a:r>
+            <a:r>
+              <a:rPr lang="pt-BR" sz="1400" dirty="0" err="1">
+                <a:latin typeface="Arial" panose="020B0604020202020204" pitchFamily="34" charset="0"/>
+                <a:cs typeface="Arial" panose="020B0604020202020204" pitchFamily="34" charset="0"/>
+              </a:rPr>
+              <a:t>Wi</a:t>
+            </a:r>
+            <a:r>
+              <a:rPr lang="pt-BR" sz="1400" dirty="0">
+                <a:latin typeface="Arial" panose="020B0604020202020204" pitchFamily="34" charset="0"/>
+                <a:cs typeface="Arial" panose="020B0604020202020204" pitchFamily="34" charset="0"/>
+              </a:rPr>
+              <a:t> </a:t>
+            </a:r>
+            <a:r>
+              <a:rPr lang="pt-BR" sz="1400" dirty="0" err="1">
+                <a:latin typeface="Arial" panose="020B0604020202020204" pitchFamily="34" charset="0"/>
+                <a:cs typeface="Arial" panose="020B0604020202020204" pitchFamily="34" charset="0"/>
+              </a:rPr>
+              <a:t>fi</a:t>
+            </a:r>
+            <a:endParaRPr lang="pt-BR" sz="1400" dirty="0">
+              <a:latin typeface="Arial" panose="020B0604020202020204" pitchFamily="34" charset="0"/>
+              <a:cs typeface="Arial" panose="020B0604020202020204" pitchFamily="34" charset="0"/>
+            </a:endParaRPr>
+          </a:p>
+        </p:txBody>
+      </p:sp>
+      <p:sp>
+        <p:nvSpPr>
+          <p:cNvPr id="38" name="CaixaDeTexto 37"/>
+          <p:cNvSpPr txBox="1"/>
+          <p:nvPr/>
+        </p:nvSpPr>
+        <p:spPr>
+          <a:xfrm>
+            <a:off x="3692987" y="4432221"/>
+            <a:ext cx="2165641" cy="1169551"/>
+          </a:xfrm>
+          <a:prstGeom prst="rect">
+            <a:avLst/>
+          </a:prstGeom>
+          <a:noFill/>
+        </p:spPr>
+        <p:txBody>
+          <a:bodyPr wrap="square" rtlCol="0">
+            <a:spAutoFit/>
+          </a:bodyPr>
+          <a:lstStyle/>
+          <a:p>
+            <a:pPr algn="ctr"/>
+            <a:r>
+              <a:rPr lang="pt-BR" sz="1400" dirty="0" err="1">
+                <a:latin typeface="Arial" panose="020B0604020202020204" pitchFamily="34" charset="0"/>
+                <a:cs typeface="Arial" panose="020B0604020202020204" pitchFamily="34" charset="0"/>
+              </a:rPr>
+              <a:t>Notbook</a:t>
+            </a:r>
+            <a:r>
+              <a:rPr lang="pt-BR" sz="1400" dirty="0">
+                <a:latin typeface="Arial" panose="020B0604020202020204" pitchFamily="34" charset="0"/>
+                <a:cs typeface="Arial" panose="020B0604020202020204" pitchFamily="34" charset="0"/>
+              </a:rPr>
+              <a:t> HP</a:t>
+            </a:r>
+          </a:p>
+          <a:p>
+            <a:pPr algn="ctr"/>
+            <a:r>
+              <a:rPr lang="pt-BR" sz="1400" dirty="0">
+                <a:latin typeface="Arial" panose="020B0604020202020204" pitchFamily="34" charset="0"/>
+                <a:cs typeface="Arial" panose="020B0604020202020204" pitchFamily="34" charset="0"/>
+              </a:rPr>
+              <a:t>Core i3 8GB RAM</a:t>
+            </a:r>
+          </a:p>
+          <a:p>
+            <a:pPr algn="ctr"/>
+            <a:r>
+              <a:rPr lang="pt-BR" sz="1400" dirty="0">
+                <a:latin typeface="Arial" panose="020B0604020202020204" pitchFamily="34" charset="0"/>
+                <a:cs typeface="Arial" panose="020B0604020202020204" pitchFamily="34" charset="0"/>
+              </a:rPr>
+              <a:t>Com Node JS e IDE </a:t>
+            </a:r>
+            <a:r>
+              <a:rPr lang="pt-BR" sz="1400" dirty="0" err="1">
+                <a:latin typeface="Arial" panose="020B0604020202020204" pitchFamily="34" charset="0"/>
+                <a:cs typeface="Arial" panose="020B0604020202020204" pitchFamily="34" charset="0"/>
+              </a:rPr>
+              <a:t>arduino</a:t>
+            </a:r>
+            <a:endParaRPr lang="pt-BR" sz="1400" dirty="0">
+              <a:latin typeface="Arial" panose="020B0604020202020204" pitchFamily="34" charset="0"/>
+              <a:cs typeface="Arial" panose="020B0604020202020204" pitchFamily="34" charset="0"/>
+            </a:endParaRPr>
+          </a:p>
+          <a:p>
+            <a:pPr algn="ctr"/>
+            <a:endParaRPr lang="pt-BR" sz="1400" dirty="0">
+              <a:latin typeface="Arial" panose="020B0604020202020204" pitchFamily="34" charset="0"/>
+              <a:cs typeface="Arial" panose="020B0604020202020204" pitchFamily="34" charset="0"/>
+            </a:endParaRPr>
+          </a:p>
+        </p:txBody>
+      </p:sp>
+      <p:pic>
+        <p:nvPicPr>
+          <p:cNvPr id="39" name="Imagem 38"/>
+          <p:cNvPicPr>
+            <a:picLocks noChangeAspect="1"/>
+          </p:cNvPicPr>
+          <p:nvPr/>
+        </p:nvPicPr>
+        <p:blipFill>
+          <a:blip r:embed="rId10" cstate="print">
+            <a:extLst>
+              <a:ext uri="{28A0092B-C50C-407E-A947-70E740481C1C}">
+                <a14:useLocalDpi xmlns:a14="http://schemas.microsoft.com/office/drawing/2010/main" val="0"/>
+              </a:ext>
+            </a:extLst>
+          </a:blip>
+          <a:stretch>
+            <a:fillRect/>
+          </a:stretch>
+        </p:blipFill>
+        <p:spPr>
+          <a:xfrm>
+            <a:off x="5121959" y="6025584"/>
+            <a:ext cx="695366" cy="425332"/>
+          </a:xfrm>
+          <a:prstGeom prst="rect">
+            <a:avLst/>
+          </a:prstGeom>
+        </p:spPr>
+      </p:pic>
+      <p:pic>
+        <p:nvPicPr>
+          <p:cNvPr id="40" name="Imagem 39"/>
+          <p:cNvPicPr>
+            <a:picLocks noChangeAspect="1"/>
+          </p:cNvPicPr>
+          <p:nvPr/>
+        </p:nvPicPr>
+        <p:blipFill>
+          <a:blip r:embed="rId11" cstate="print">
+            <a:extLst>
+              <a:ext uri="{28A0092B-C50C-407E-A947-70E740481C1C}">
+                <a14:useLocalDpi xmlns:a14="http://schemas.microsoft.com/office/drawing/2010/main" val="0"/>
+              </a:ext>
+            </a:extLst>
+          </a:blip>
+          <a:stretch>
+            <a:fillRect/>
+          </a:stretch>
+        </p:blipFill>
+        <p:spPr>
+          <a:xfrm>
+            <a:off x="4511231" y="6040020"/>
+            <a:ext cx="575968" cy="420817"/>
+          </a:xfrm>
+          <a:prstGeom prst="rect">
+            <a:avLst/>
+          </a:prstGeom>
+        </p:spPr>
+      </p:pic>
+      <p:pic>
+        <p:nvPicPr>
+          <p:cNvPr id="41" name="Imagem 40"/>
+          <p:cNvPicPr>
+            <a:picLocks noChangeAspect="1"/>
+          </p:cNvPicPr>
+          <p:nvPr/>
+        </p:nvPicPr>
+        <p:blipFill>
+          <a:blip r:embed="rId12"/>
+          <a:stretch>
+            <a:fillRect/>
+          </a:stretch>
+        </p:blipFill>
+        <p:spPr>
+          <a:xfrm>
+            <a:off x="6477746" y="4432156"/>
+            <a:ext cx="1858405" cy="1530324"/>
+          </a:xfrm>
+          <a:prstGeom prst="rect">
+            <a:avLst/>
+          </a:prstGeom>
+        </p:spPr>
+      </p:pic>
+      <p:pic>
+        <p:nvPicPr>
+          <p:cNvPr id="42" name="Imagem 41"/>
+          <p:cNvPicPr>
+            <a:picLocks noChangeAspect="1"/>
+          </p:cNvPicPr>
+          <p:nvPr/>
+        </p:nvPicPr>
+        <p:blipFill>
+          <a:blip r:embed="rId7" cstate="print">
+            <a:extLst>
+              <a:ext uri="{28A0092B-C50C-407E-A947-70E740481C1C}">
+                <a14:useLocalDpi xmlns:a14="http://schemas.microsoft.com/office/drawing/2010/main" val="0"/>
+              </a:ext>
+            </a:extLst>
+          </a:blip>
+          <a:stretch>
+            <a:fillRect/>
+          </a:stretch>
+        </p:blipFill>
+        <p:spPr>
+          <a:xfrm>
+            <a:off x="8572996" y="4547035"/>
+            <a:ext cx="1300566" cy="1300566"/>
+          </a:xfrm>
+          <a:prstGeom prst="rect">
+            <a:avLst/>
+          </a:prstGeom>
+        </p:spPr>
+      </p:pic>
+      <p:sp>
+        <p:nvSpPr>
+          <p:cNvPr id="43" name="CaixaDeTexto 42"/>
+          <p:cNvSpPr txBox="1"/>
+          <p:nvPr/>
+        </p:nvSpPr>
+        <p:spPr>
+          <a:xfrm>
+            <a:off x="9571320" y="4703435"/>
+            <a:ext cx="2165641" cy="954107"/>
+          </a:xfrm>
+          <a:prstGeom prst="rect">
+            <a:avLst/>
+          </a:prstGeom>
+          <a:noFill/>
+        </p:spPr>
+        <p:txBody>
+          <a:bodyPr wrap="square" rtlCol="0">
+            <a:spAutoFit/>
+          </a:bodyPr>
+          <a:lstStyle/>
+          <a:p>
+            <a:pPr algn="ctr"/>
+            <a:r>
+              <a:rPr lang="pt-BR" sz="1400" dirty="0" err="1">
+                <a:latin typeface="Arial" panose="020B0604020202020204" pitchFamily="34" charset="0"/>
+                <a:cs typeface="Arial" panose="020B0604020202020204" pitchFamily="34" charset="0"/>
+              </a:rPr>
+              <a:t>Notbook</a:t>
+            </a:r>
+            <a:r>
+              <a:rPr lang="pt-BR" sz="1400" dirty="0">
+                <a:latin typeface="Arial" panose="020B0604020202020204" pitchFamily="34" charset="0"/>
+                <a:cs typeface="Arial" panose="020B0604020202020204" pitchFamily="34" charset="0"/>
+              </a:rPr>
+              <a:t> HP</a:t>
+            </a:r>
+          </a:p>
+          <a:p>
+            <a:pPr algn="ctr"/>
+            <a:r>
+              <a:rPr lang="pt-BR" sz="1400" dirty="0">
+                <a:latin typeface="Arial" panose="020B0604020202020204" pitchFamily="34" charset="0"/>
+                <a:cs typeface="Arial" panose="020B0604020202020204" pitchFamily="34" charset="0"/>
+              </a:rPr>
+              <a:t>Core i3 8GB RAM</a:t>
+            </a:r>
+          </a:p>
+          <a:p>
+            <a:pPr algn="ctr"/>
+            <a:r>
+              <a:rPr lang="pt-BR" sz="1400" dirty="0">
+                <a:latin typeface="Arial" panose="020B0604020202020204" pitchFamily="34" charset="0"/>
+                <a:cs typeface="Arial" panose="020B0604020202020204" pitchFamily="34" charset="0"/>
+              </a:rPr>
+              <a:t>Com Chrome </a:t>
+            </a:r>
+          </a:p>
+          <a:p>
+            <a:pPr algn="ctr"/>
+            <a:r>
+              <a:rPr lang="pt-BR" sz="1400" dirty="0">
+                <a:latin typeface="Arial" panose="020B0604020202020204" pitchFamily="34" charset="0"/>
+                <a:cs typeface="Arial" panose="020B0604020202020204" pitchFamily="34" charset="0"/>
+              </a:rPr>
+              <a:t>ou Firefox</a:t>
+            </a:r>
+          </a:p>
+        </p:txBody>
+      </p:sp>
+      <p:pic>
+        <p:nvPicPr>
+          <p:cNvPr id="44" name="Imagem 43"/>
+          <p:cNvPicPr>
+            <a:picLocks noChangeAspect="1"/>
+          </p:cNvPicPr>
+          <p:nvPr/>
+        </p:nvPicPr>
+        <p:blipFill>
+          <a:blip r:embed="rId13" cstate="print">
+            <a:extLst>
+              <a:ext uri="{28A0092B-C50C-407E-A947-70E740481C1C}">
+                <a14:useLocalDpi xmlns:a14="http://schemas.microsoft.com/office/drawing/2010/main" val="0"/>
+              </a:ext>
+            </a:extLst>
+          </a:blip>
+          <a:stretch>
+            <a:fillRect/>
+          </a:stretch>
+        </p:blipFill>
+        <p:spPr>
+          <a:xfrm>
+            <a:off x="8833981" y="5858470"/>
+            <a:ext cx="384241" cy="384241"/>
+          </a:xfrm>
+          <a:prstGeom prst="rect">
+            <a:avLst/>
+          </a:prstGeom>
+        </p:spPr>
+      </p:pic>
+      <p:pic>
+        <p:nvPicPr>
+          <p:cNvPr id="45" name="Imagem 44"/>
+          <p:cNvPicPr>
+            <a:picLocks noChangeAspect="1"/>
+          </p:cNvPicPr>
+          <p:nvPr/>
+        </p:nvPicPr>
+        <p:blipFill>
+          <a:blip r:embed="rId14" cstate="print">
+            <a:extLst>
+              <a:ext uri="{28A0092B-C50C-407E-A947-70E740481C1C}">
+                <a14:useLocalDpi xmlns:a14="http://schemas.microsoft.com/office/drawing/2010/main" val="0"/>
+              </a:ext>
+            </a:extLst>
+          </a:blip>
+          <a:stretch>
+            <a:fillRect/>
+          </a:stretch>
+        </p:blipFill>
+        <p:spPr>
+          <a:xfrm>
+            <a:off x="9295717" y="5874598"/>
+            <a:ext cx="367512" cy="346610"/>
+          </a:xfrm>
+          <a:prstGeom prst="rect">
+            <a:avLst/>
+          </a:prstGeom>
+        </p:spPr>
+      </p:pic>
+    </p:spTree>
+    <p:extLst>
+      <p:ext uri="{BB962C8B-B14F-4D97-AF65-F5344CB8AC3E}">
+        <p14:creationId xmlns:p14="http://schemas.microsoft.com/office/powerpoint/2010/main" val="3145368698"/>
+      </p:ext>
+    </p:extLst>
+  </p:cSld>
+  <p:clrMapOvr>
+    <a:masterClrMapping/>
+  </p:clrMapOvr>
+  <mc:AlternateContent xmlns:mc="http://schemas.openxmlformats.org/markup-compatibility/2006" xmlns:p14="http://schemas.microsoft.com/office/powerpoint/2010/main">
+    <mc:Choice Requires="p14">
+      <p:transition spd="med" p14:dur="700">
+        <p:fade/>
+      </p:transition>
+    </mc:Choice>
+    <mc:Fallback xmlns="">
+      <p:transition spd="med">
+        <p:fade/>
+      </p:transition>
+    </mc:Fallback>
+  </mc:AlternateContent>
+</p:sld>
+</file>
+
+<file path=ppt/slides/slide11.xml><?xml version="1.0" encoding="utf-8"?>
+<p:sld xmlns:a="http://schemas.openxmlformats.org/drawingml/2006/main" xmlns:r="http://schemas.openxmlformats.org/officeDocument/2006/relationships" xmlns:p="http://schemas.openxmlformats.org/presentationml/2006/main">
+  <p:cSld>
+    <p:spTree>
+      <p:nvGrpSpPr>
+        <p:cNvPr id="1" name=""/>
+        <p:cNvGrpSpPr/>
+        <p:nvPr/>
+      </p:nvGrpSpPr>
+      <p:grpSpPr>
+        <a:xfrm>
+          <a:off x="0" y="0"/>
+          <a:ext cx="0" cy="0"/>
+          <a:chOff x="0" y="0"/>
+          <a:chExt cx="0" cy="0"/>
+        </a:xfrm>
+      </p:grpSpPr>
+      <p:sp>
+        <p:nvSpPr>
           <p:cNvPr id="2" name="Título 1">
             <a:extLst>
               <a:ext uri="{FF2B5EF4-FFF2-40B4-BE49-F238E27FC236}">
@@ -3812,6 +5224,109 @@
           </a:prstGeom>
         </p:spPr>
       </p:pic>
+      <p:sp>
+        <p:nvSpPr>
+          <p:cNvPr id="5" name="CaixaDeTexto 4">
+            <a:extLst>
+              <a:ext uri="{FF2B5EF4-FFF2-40B4-BE49-F238E27FC236}">
+                <a16:creationId xmlns:a16="http://schemas.microsoft.com/office/drawing/2014/main" id="{869545E3-DC46-4CDB-A839-CA8AA4E80E78}"/>
+              </a:ext>
+            </a:extLst>
+          </p:cNvPr>
+          <p:cNvSpPr txBox="1"/>
+          <p:nvPr/>
+        </p:nvSpPr>
+        <p:spPr>
+          <a:xfrm>
+            <a:off x="838200" y="2274838"/>
+            <a:ext cx="5995851" cy="1938992"/>
+          </a:xfrm>
+          <a:prstGeom prst="rect">
+            <a:avLst/>
+          </a:prstGeom>
+          <a:noFill/>
+        </p:spPr>
+        <p:txBody>
+          <a:bodyPr wrap="square" rtlCol="0">
+            <a:spAutoFit/>
+          </a:bodyPr>
+          <a:lstStyle/>
+          <a:p>
+            <a:pPr marL="342900" indent="-342900">
+              <a:buClr>
+                <a:srgbClr val="4772FF"/>
+              </a:buClr>
+              <a:buSzPct val="80000"/>
+              <a:buFont typeface="Wingdings" panose="05000000000000000000" pitchFamily="2" charset="2"/>
+              <a:buChar char="ü"/>
+            </a:pPr>
+            <a:r>
+              <a:rPr lang="pt-BR" sz="2400" dirty="0">
+                <a:latin typeface="Bariol Bold" panose="02000506040000020003" pitchFamily="2" charset="0"/>
+              </a:rPr>
+              <a:t>Sensor DHT11 (Temperatura e Umidade)</a:t>
+            </a:r>
+          </a:p>
+          <a:p>
+            <a:pPr marL="342900" indent="-342900">
+              <a:buClr>
+                <a:srgbClr val="4772FF"/>
+              </a:buClr>
+              <a:buSzPct val="80000"/>
+              <a:buFont typeface="Wingdings" panose="05000000000000000000" pitchFamily="2" charset="2"/>
+              <a:buChar char="ü"/>
+            </a:pPr>
+            <a:endParaRPr lang="pt-BR" sz="2400" dirty="0">
+              <a:latin typeface="Bariol Bold" panose="02000506040000020003" pitchFamily="2" charset="0"/>
+            </a:endParaRPr>
+          </a:p>
+          <a:p>
+            <a:pPr marL="342900" indent="-342900">
+              <a:buClr>
+                <a:srgbClr val="4772FF"/>
+              </a:buClr>
+              <a:buSzPct val="80000"/>
+              <a:buFont typeface="Wingdings" panose="05000000000000000000" pitchFamily="2" charset="2"/>
+              <a:buChar char="ü"/>
+            </a:pPr>
+            <a:r>
+              <a:rPr lang="pt-BR" sz="2400" dirty="0">
+                <a:latin typeface="Bariol Bold" panose="02000506040000020003" pitchFamily="2" charset="0"/>
+              </a:rPr>
+              <a:t>Site Institucional</a:t>
+            </a:r>
+          </a:p>
+          <a:p>
+            <a:pPr marL="342900" indent="-342900">
+              <a:buClr>
+                <a:srgbClr val="4772FF"/>
+              </a:buClr>
+              <a:buSzPct val="80000"/>
+              <a:buFont typeface="Wingdings" panose="05000000000000000000" pitchFamily="2" charset="2"/>
+              <a:buChar char="ü"/>
+            </a:pPr>
+            <a:endParaRPr lang="pt-BR" sz="2400" dirty="0">
+              <a:latin typeface="Bariol Bold" panose="02000506040000020003" pitchFamily="2" charset="0"/>
+            </a:endParaRPr>
+          </a:p>
+          <a:p>
+            <a:pPr marL="342900" indent="-342900">
+              <a:buClr>
+                <a:srgbClr val="4772FF"/>
+              </a:buClr>
+              <a:buSzPct val="80000"/>
+              <a:buFont typeface="Wingdings" panose="05000000000000000000" pitchFamily="2" charset="2"/>
+              <a:buChar char="ü"/>
+            </a:pPr>
+            <a:r>
+              <a:rPr lang="pt-BR" sz="2400" dirty="0">
+                <a:latin typeface="Bariol Bold" panose="02000506040000020003" pitchFamily="2" charset="0"/>
+              </a:rPr>
+              <a:t>Sistema integrado ao Site</a:t>
+            </a:r>
+          </a:p>
+        </p:txBody>
+      </p:sp>
     </p:spTree>
     <p:extLst>
       <p:ext uri="{BB962C8B-B14F-4D97-AF65-F5344CB8AC3E}">
@@ -3895,6 +5410,162 @@
                             </p:childTnLst>
                           </p:cTn>
                         </p:par>
+                        <p:par>
+                          <p:cTn id="8" fill="hold">
+                            <p:stCondLst>
+                              <p:cond delay="500"/>
+                            </p:stCondLst>
+                            <p:childTnLst>
+                              <p:par>
+                                <p:cTn id="9" presetID="10" presetClass="entr" presetSubtype="0" fill="hold" grpId="0" nodeType="afterEffect">
+                                  <p:stCondLst>
+                                    <p:cond delay="0"/>
+                                  </p:stCondLst>
+                                  <p:childTnLst>
+                                    <p:set>
+                                      <p:cBhvr>
+                                        <p:cTn id="10" dur="1" fill="hold">
+                                          <p:stCondLst>
+                                            <p:cond delay="0"/>
+                                          </p:stCondLst>
+                                        </p:cTn>
+                                        <p:tgtEl>
+                                          <p:spTgt spid="5">
+                                            <p:txEl>
+                                              <p:pRg st="0" end="0"/>
+                                            </p:txEl>
+                                          </p:spTgt>
+                                        </p:tgtEl>
+                                        <p:attrNameLst>
+                                          <p:attrName>style.visibility</p:attrName>
+                                        </p:attrNameLst>
+                                      </p:cBhvr>
+                                      <p:to>
+                                        <p:strVal val="visible"/>
+                                      </p:to>
+                                    </p:set>
+                                    <p:animEffect transition="in" filter="fade">
+                                      <p:cBhvr>
+                                        <p:cTn id="11" dur="500"/>
+                                        <p:tgtEl>
+                                          <p:spTgt spid="5">
+                                            <p:txEl>
+                                              <p:pRg st="0" end="0"/>
+                                            </p:txEl>
+                                          </p:spTgt>
+                                        </p:tgtEl>
+                                      </p:cBhvr>
+                                    </p:animEffect>
+                                  </p:childTnLst>
+                                </p:cTn>
+                              </p:par>
+                            </p:childTnLst>
+                          </p:cTn>
+                        </p:par>
+                        <p:par>
+                          <p:cTn id="12" fill="hold">
+                            <p:stCondLst>
+                              <p:cond delay="1000"/>
+                            </p:stCondLst>
+                            <p:childTnLst>
+                              <p:par>
+                                <p:cTn id="13" presetID="10" presetClass="entr" presetSubtype="0" fill="hold" grpId="0" nodeType="afterEffect">
+                                  <p:stCondLst>
+                                    <p:cond delay="0"/>
+                                  </p:stCondLst>
+                                  <p:childTnLst>
+                                    <p:set>
+                                      <p:cBhvr>
+                                        <p:cTn id="14" dur="1" fill="hold">
+                                          <p:stCondLst>
+                                            <p:cond delay="0"/>
+                                          </p:stCondLst>
+                                        </p:cTn>
+                                        <p:tgtEl>
+                                          <p:spTgt spid="5">
+                                            <p:txEl>
+                                              <p:pRg st="2" end="2"/>
+                                            </p:txEl>
+                                          </p:spTgt>
+                                        </p:tgtEl>
+                                        <p:attrNameLst>
+                                          <p:attrName>style.visibility</p:attrName>
+                                        </p:attrNameLst>
+                                      </p:cBhvr>
+                                      <p:to>
+                                        <p:strVal val="visible"/>
+                                      </p:to>
+                                    </p:set>
+                                    <p:animEffect transition="in" filter="fade">
+                                      <p:cBhvr>
+                                        <p:cTn id="15" dur="500"/>
+                                        <p:tgtEl>
+                                          <p:spTgt spid="5">
+                                            <p:txEl>
+                                              <p:pRg st="2" end="2"/>
+                                            </p:txEl>
+                                          </p:spTgt>
+                                        </p:tgtEl>
+                                      </p:cBhvr>
+                                    </p:animEffect>
+                                  </p:childTnLst>
+                                </p:cTn>
+                              </p:par>
+                            </p:childTnLst>
+                          </p:cTn>
+                        </p:par>
+                        <p:par>
+                          <p:cTn id="16" fill="hold">
+                            <p:stCondLst>
+                              <p:cond delay="1500"/>
+                            </p:stCondLst>
+                            <p:childTnLst>
+                              <p:par>
+                                <p:cTn id="17" presetID="10" presetClass="entr" presetSubtype="0" fill="hold" grpId="0" nodeType="afterEffect">
+                                  <p:stCondLst>
+                                    <p:cond delay="0"/>
+                                  </p:stCondLst>
+                                  <p:childTnLst>
+                                    <p:set>
+                                      <p:cBhvr>
+                                        <p:cTn id="18" dur="1" fill="hold">
+                                          <p:stCondLst>
+                                            <p:cond delay="0"/>
+                                          </p:stCondLst>
+                                        </p:cTn>
+                                        <p:tgtEl>
+                                          <p:spTgt spid="5">
+                                            <p:txEl>
+                                              <p:pRg st="4" end="4"/>
+                                            </p:txEl>
+                                          </p:spTgt>
+                                        </p:tgtEl>
+                                        <p:attrNameLst>
+                                          <p:attrName>style.visibility</p:attrName>
+                                        </p:attrNameLst>
+                                      </p:cBhvr>
+                                      <p:to>
+                                        <p:strVal val="visible"/>
+                                      </p:to>
+                                    </p:set>
+                                    <p:animEffect transition="in" filter="fade">
+                                      <p:cBhvr>
+                                        <p:cTn id="19" dur="500"/>
+                                        <p:tgtEl>
+                                          <p:spTgt spid="5">
+                                            <p:txEl>
+                                              <p:pRg st="4" end="4"/>
+                                            </p:txEl>
+                                          </p:spTgt>
+                                        </p:tgtEl>
+                                      </p:cBhvr>
+                                    </p:animEffect>
+                                  </p:childTnLst>
+                                </p:cTn>
+                              </p:par>
+                            </p:childTnLst>
+                          </p:cTn>
+                        </p:par>
                       </p:childTnLst>
                     </p:cTn>
                   </p:par>
@@ -3919,11 +5590,14 @@
         </p:cTn>
       </p:par>
     </p:tnLst>
+    <p:bldLst>
+      <p:bldP spid="5" grpId="0" uiExpand="1" build="allAtOnce"/>
+    </p:bldLst>
   </p:timing>
 </p:sld>
 </file>
 
-<file path=ppt/slides/slide11.xml><?xml version="1.0" encoding="utf-8"?>
+<file path=ppt/slides/slide12.xml><?xml version="1.0" encoding="utf-8"?>
 <p:sld xmlns:a="http://schemas.openxmlformats.org/drawingml/2006/main" xmlns:r="http://schemas.openxmlformats.org/officeDocument/2006/relationships" xmlns:p="http://schemas.openxmlformats.org/presentationml/2006/main">
   <p:cSld>
     <p:spTree>
@@ -3968,7 +5642,7 @@
           <a:p>
             <a:pPr algn="ctr"/>
             <a:r>
-              <a:rPr lang="pt-BR" dirty="0" smtClean="0">
+              <a:rPr lang="pt-BR" dirty="0">
                 <a:solidFill>
                   <a:schemeClr val="tx1">
                     <a:lumMod val="75000"/>
@@ -3979,15 +5653,6 @@
               </a:rPr>
               <a:t>Site / Simulador Financeiro</a:t>
             </a:r>
-            <a:endParaRPr lang="pt-BR" dirty="0">
-              <a:solidFill>
-                <a:schemeClr val="tx1">
-                  <a:lumMod val="75000"/>
-                  <a:lumOff val="25000"/>
-                </a:schemeClr>
-              </a:solidFill>
-              <a:latin typeface="Bariol Bold" panose="02000506040000020003" pitchFamily="2" charset="0"/>
-            </a:endParaRPr>
           </a:p>
         </p:txBody>
       </p:sp>
@@ -4209,7 +5874,7 @@
 </p:sld>
 </file>
 
-<file path=ppt/slides/slide12.xml><?xml version="1.0" encoding="utf-8"?>
+<file path=ppt/slides/slide13.xml><?xml version="1.0" encoding="utf-8"?>
 <p:sld xmlns:a="http://schemas.openxmlformats.org/drawingml/2006/main" xmlns:r="http://schemas.openxmlformats.org/officeDocument/2006/relationships" xmlns:p="http://schemas.openxmlformats.org/presentationml/2006/main">
   <p:cSld>
     <p:spTree>
@@ -4275,7 +5940,7 @@
           <a:p>
             <a:pPr algn="ctr"/>
             <a:r>
-              <a:rPr lang="pt-BR" dirty="0" smtClean="0">
+              <a:rPr lang="pt-BR" dirty="0">
                 <a:solidFill>
                   <a:schemeClr val="tx1">
                     <a:lumMod val="75000"/>
@@ -4286,15 +5951,6 @@
               </a:rPr>
               <a:t>Banco de Dados</a:t>
             </a:r>
-            <a:endParaRPr lang="pt-BR" dirty="0">
-              <a:solidFill>
-                <a:schemeClr val="tx1">
-                  <a:lumMod val="75000"/>
-                  <a:lumOff val="25000"/>
-                </a:schemeClr>
-              </a:solidFill>
-              <a:latin typeface="Bariol Bold" panose="02000506040000020003" pitchFamily="2" charset="0"/>
-            </a:endParaRPr>
           </a:p>
         </p:txBody>
       </p:sp>
@@ -4516,7 +6172,7 @@
 </p:sld>
 </file>
 
-<file path=ppt/slides/slide13.xml><?xml version="1.0" encoding="utf-8"?>
+<file path=ppt/slides/slide14.xml><?xml version="1.0" encoding="utf-8"?>
 <p:sld xmlns:a="http://schemas.openxmlformats.org/drawingml/2006/main" xmlns:r="http://schemas.openxmlformats.org/officeDocument/2006/relationships" xmlns:p="http://schemas.openxmlformats.org/presentationml/2006/main">
   <p:cSld>
     <p:spTree>
@@ -4533,9 +6189,213 @@
           <a:chExt cx="0" cy="0"/>
         </a:xfrm>
       </p:grpSpPr>
-      <p:sp>
-        <p:nvSpPr>
-          <p:cNvPr id="6" name="Título 1">
+      <p:pic>
+        <p:nvPicPr>
+          <p:cNvPr id="4" name="Imagem 3"/>
+          <p:cNvPicPr>
+            <a:picLocks noChangeAspect="1"/>
+          </p:cNvPicPr>
+          <p:nvPr/>
+        </p:nvPicPr>
+        <p:blipFill>
+          <a:blip r:embed="rId2">
+            <a:extLst>
+              <a:ext uri="{28A0092B-C50C-407E-A947-70E740481C1C}">
+                <a14:useLocalDpi xmlns:a14="http://schemas.microsoft.com/office/drawing/2010/main" val="0"/>
+              </a:ext>
+            </a:extLst>
+          </a:blip>
+          <a:stretch>
+            <a:fillRect/>
+          </a:stretch>
+        </p:blipFill>
+        <p:spPr>
+          <a:xfrm>
+            <a:off x="0" y="1128849"/>
+            <a:ext cx="12192000" cy="5410200"/>
+          </a:xfrm>
+          <a:prstGeom prst="rect">
+            <a:avLst/>
+          </a:prstGeom>
+        </p:spPr>
+      </p:pic>
+      <p:pic>
+        <p:nvPicPr>
+          <p:cNvPr id="5" name="Imagem 4"/>
+          <p:cNvPicPr>
+            <a:picLocks noChangeAspect="1"/>
+          </p:cNvPicPr>
+          <p:nvPr/>
+        </p:nvPicPr>
+        <p:blipFill>
+          <a:blip r:embed="rId3" cstate="print">
+            <a:extLst>
+              <a:ext uri="{28A0092B-C50C-407E-A947-70E740481C1C}">
+                <a14:useLocalDpi xmlns:a14="http://schemas.microsoft.com/office/drawing/2010/main" val="0"/>
+              </a:ext>
+            </a:extLst>
+          </a:blip>
+          <a:stretch>
+            <a:fillRect/>
+          </a:stretch>
+        </p:blipFill>
+        <p:spPr>
+          <a:xfrm>
+            <a:off x="11313459" y="286497"/>
+            <a:ext cx="576000" cy="576000"/>
+          </a:xfrm>
+          <a:prstGeom prst="rect">
+            <a:avLst/>
+          </a:prstGeom>
+        </p:spPr>
+      </p:pic>
+    </p:spTree>
+    <p:extLst>
+      <p:ext uri="{BB962C8B-B14F-4D97-AF65-F5344CB8AC3E}">
+        <p14:creationId xmlns:p14="http://schemas.microsoft.com/office/powerpoint/2010/main" val="1737745961"/>
+      </p:ext>
+    </p:extLst>
+  </p:cSld>
+  <p:clrMapOvr>
+    <a:masterClrMapping/>
+  </p:clrMapOvr>
+  <mc:AlternateContent xmlns:mc="http://schemas.openxmlformats.org/markup-compatibility/2006" xmlns:p14="http://schemas.microsoft.com/office/powerpoint/2010/main">
+    <mc:Choice Requires="p14">
+      <p:transition spd="med" p14:dur="700">
+        <p:fade/>
+      </p:transition>
+    </mc:Choice>
+    <mc:Fallback xmlns="">
+      <p:transition spd="med">
+        <p:fade/>
+      </p:transition>
+    </mc:Fallback>
+  </mc:AlternateContent>
+</p:sld>
+</file>
+
+<file path=ppt/slides/slide15.xml><?xml version="1.0" encoding="utf-8"?>
+<p:sld xmlns:a="http://schemas.openxmlformats.org/drawingml/2006/main" xmlns:r="http://schemas.openxmlformats.org/officeDocument/2006/relationships" xmlns:p="http://schemas.openxmlformats.org/presentationml/2006/main">
+  <p:cSld>
+    <p:spTree>
+      <p:nvGrpSpPr>
+        <p:cNvPr id="1" name=""/>
+        <p:cNvGrpSpPr/>
+        <p:nvPr/>
+      </p:nvGrpSpPr>
+      <p:grpSpPr>
+        <a:xfrm>
+          <a:off x="0" y="0"/>
+          <a:ext cx="0" cy="0"/>
+          <a:chOff x="0" y="0"/>
+          <a:chExt cx="0" cy="0"/>
+        </a:xfrm>
+      </p:grpSpPr>
+      <p:pic>
+        <p:nvPicPr>
+          <p:cNvPr id="5" name="Imagem 4"/>
+          <p:cNvPicPr>
+            <a:picLocks noChangeAspect="1"/>
+          </p:cNvPicPr>
+          <p:nvPr/>
+        </p:nvPicPr>
+        <p:blipFill>
+          <a:blip r:embed="rId2" cstate="print">
+            <a:extLst>
+              <a:ext uri="{28A0092B-C50C-407E-A947-70E740481C1C}">
+                <a14:useLocalDpi xmlns:a14="http://schemas.microsoft.com/office/drawing/2010/main" val="0"/>
+              </a:ext>
+            </a:extLst>
+          </a:blip>
+          <a:stretch>
+            <a:fillRect/>
+          </a:stretch>
+        </p:blipFill>
+        <p:spPr>
+          <a:xfrm>
+            <a:off x="11313459" y="286497"/>
+            <a:ext cx="576000" cy="576000"/>
+          </a:xfrm>
+          <a:prstGeom prst="rect">
+            <a:avLst/>
+          </a:prstGeom>
+        </p:spPr>
+      </p:pic>
+      <p:pic>
+        <p:nvPicPr>
+          <p:cNvPr id="2" name="Imagem 1"/>
+          <p:cNvPicPr>
+            <a:picLocks noChangeAspect="1"/>
+          </p:cNvPicPr>
+          <p:nvPr/>
+        </p:nvPicPr>
+        <p:blipFill>
+          <a:blip r:embed="rId3">
+            <a:extLst>
+              <a:ext uri="{28A0092B-C50C-407E-A947-70E740481C1C}">
+                <a14:useLocalDpi xmlns:a14="http://schemas.microsoft.com/office/drawing/2010/main" val="0"/>
+              </a:ext>
+            </a:extLst>
+          </a:blip>
+          <a:stretch>
+            <a:fillRect/>
+          </a:stretch>
+        </p:blipFill>
+        <p:spPr>
+          <a:xfrm>
+            <a:off x="0" y="2075497"/>
+            <a:ext cx="12192000" cy="3438525"/>
+          </a:xfrm>
+          <a:prstGeom prst="rect">
+            <a:avLst/>
+          </a:prstGeom>
+        </p:spPr>
+      </p:pic>
+    </p:spTree>
+    <p:extLst>
+      <p:ext uri="{BB962C8B-B14F-4D97-AF65-F5344CB8AC3E}">
+        <p14:creationId xmlns:p14="http://schemas.microsoft.com/office/powerpoint/2010/main" val="565326132"/>
+      </p:ext>
+    </p:extLst>
+  </p:cSld>
+  <p:clrMapOvr>
+    <a:masterClrMapping/>
+  </p:clrMapOvr>
+  <mc:AlternateContent xmlns:mc="http://schemas.openxmlformats.org/markup-compatibility/2006" xmlns:p14="http://schemas.microsoft.com/office/powerpoint/2010/main">
+    <mc:Choice Requires="p14">
+      <p:transition spd="med" p14:dur="700">
+        <p:fade/>
+      </p:transition>
+    </mc:Choice>
+    <mc:Fallback xmlns="">
+      <p:transition spd="med">
+        <p:fade/>
+      </p:transition>
+    </mc:Fallback>
+  </mc:AlternateContent>
+</p:sld>
+</file>
+
+<file path=ppt/slides/slide16.xml><?xml version="1.0" encoding="utf-8"?>
+<p:sld xmlns:a="http://schemas.openxmlformats.org/drawingml/2006/main" xmlns:r="http://schemas.openxmlformats.org/officeDocument/2006/relationships" xmlns:p="http://schemas.openxmlformats.org/presentationml/2006/main">
+  <p:cSld>
+    <p:spTree>
+      <p:nvGrpSpPr>
+        <p:cNvPr id="1" name=""/>
+        <p:cNvGrpSpPr/>
+        <p:nvPr/>
+      </p:nvGrpSpPr>
+      <p:grpSpPr>
+        <a:xfrm>
+          <a:off x="0" y="0"/>
+          <a:ext cx="0" cy="0"/>
+          <a:chOff x="0" y="0"/>
+          <a:chExt cx="0" cy="0"/>
+        </a:xfrm>
+      </p:grpSpPr>
+      <p:sp>
+        <p:nvSpPr>
+          <p:cNvPr id="7" name="Título 1">
             <a:extLst>
               <a:ext uri="{FF2B5EF4-FFF2-40B4-BE49-F238E27FC236}">
                 <a16:creationId xmlns:a16="http://schemas.microsoft.com/office/drawing/2014/main" id="{99F76FBE-1BC2-4EE6-B90A-22263BF7BDCD}"/>
@@ -4582,240 +6442,7 @@
           <a:p>
             <a:pPr algn="ctr"/>
             <a:r>
-              <a:rPr lang="pt-BR" dirty="0" err="1" smtClean="0">
-                <a:solidFill>
-                  <a:schemeClr val="tx1">
-                    <a:lumMod val="75000"/>
-                    <a:lumOff val="25000"/>
-                  </a:schemeClr>
-                </a:solidFill>
-                <a:latin typeface="Bariol Bold" panose="02000506040000020003" pitchFamily="2" charset="0"/>
-              </a:rPr>
-              <a:t>Arduino</a:t>
-            </a:r>
-            <a:endParaRPr lang="pt-BR" dirty="0">
-              <a:solidFill>
-                <a:schemeClr val="tx1">
-                  <a:lumMod val="75000"/>
-                  <a:lumOff val="25000"/>
-                </a:schemeClr>
-              </a:solidFill>
-              <a:latin typeface="Bariol Bold" panose="02000506040000020003" pitchFamily="2" charset="0"/>
-            </a:endParaRPr>
-          </a:p>
-        </p:txBody>
-      </p:sp>
-      <p:pic>
-        <p:nvPicPr>
-          <p:cNvPr id="5" name="Imagem 4"/>
-          <p:cNvPicPr>
-            <a:picLocks noChangeAspect="1"/>
-          </p:cNvPicPr>
-          <p:nvPr/>
-        </p:nvPicPr>
-        <p:blipFill>
-          <a:blip r:embed="rId2" cstate="print">
-            <a:extLst>
-              <a:ext uri="{28A0092B-C50C-407E-A947-70E740481C1C}">
-                <a14:useLocalDpi xmlns:a14="http://schemas.microsoft.com/office/drawing/2010/main" val="0"/>
-              </a:ext>
-            </a:extLst>
-          </a:blip>
-          <a:stretch>
-            <a:fillRect/>
-          </a:stretch>
-        </p:blipFill>
-        <p:spPr>
-          <a:xfrm>
-            <a:off x="11313459" y="286497"/>
-            <a:ext cx="576000" cy="576000"/>
-          </a:xfrm>
-          <a:prstGeom prst="rect">
-            <a:avLst/>
-          </a:prstGeom>
-        </p:spPr>
-      </p:pic>
-    </p:spTree>
-    <p:extLst>
-      <p:ext uri="{BB962C8B-B14F-4D97-AF65-F5344CB8AC3E}">
-        <p14:creationId xmlns:p14="http://schemas.microsoft.com/office/powerpoint/2010/main" val="423573388"/>
-      </p:ext>
-    </p:extLst>
-  </p:cSld>
-  <p:clrMapOvr>
-    <a:masterClrMapping/>
-  </p:clrMapOvr>
-  <mc:AlternateContent xmlns:mc="http://schemas.openxmlformats.org/markup-compatibility/2006" xmlns:p14="http://schemas.microsoft.com/office/powerpoint/2010/main">
-    <mc:Choice Requires="p14">
-      <p:transition spd="med" p14:dur="700">
-        <p:fade/>
-      </p:transition>
-    </mc:Choice>
-    <mc:Fallback xmlns="">
-      <p:transition spd="med">
-        <p:fade/>
-      </p:transition>
-    </mc:Fallback>
-  </mc:AlternateContent>
-  <p:timing>
-    <p:tnLst>
-      <p:par>
-        <p:cTn id="1" dur="indefinite" restart="never" nodeType="tmRoot">
-          <p:childTnLst>
-            <p:seq concurrent="1" nextAc="seek">
-              <p:cTn id="2" dur="indefinite" nodeType="mainSeq">
-                <p:childTnLst>
-                  <p:par>
-                    <p:cTn id="3" fill="hold">
-                      <p:stCondLst>
-                        <p:cond delay="indefinite"/>
-                        <p:cond evt="onBegin" delay="0">
-                          <p:tn val="2"/>
-                        </p:cond>
-                      </p:stCondLst>
-                      <p:childTnLst>
-                        <p:par>
-                          <p:cTn id="4" fill="hold">
-                            <p:stCondLst>
-                              <p:cond delay="0"/>
-                            </p:stCondLst>
-                            <p:childTnLst>
-                              <p:par>
-                                <p:cTn id="5" presetID="10" presetClass="entr" presetSubtype="0" fill="hold" grpId="0" nodeType="afterEffect">
-                                  <p:stCondLst>
-                                    <p:cond delay="0"/>
-                                  </p:stCondLst>
-                                  <p:childTnLst>
-                                    <p:set>
-                                      <p:cBhvr>
-                                        <p:cTn id="6" dur="1" fill="hold">
-                                          <p:stCondLst>
-                                            <p:cond delay="0"/>
-                                          </p:stCondLst>
-                                        </p:cTn>
-                                        <p:tgtEl>
-                                          <p:spTgt spid="6"/>
-                                        </p:tgtEl>
-                                        <p:attrNameLst>
-                                          <p:attrName>style.visibility</p:attrName>
-                                        </p:attrNameLst>
-                                      </p:cBhvr>
-                                      <p:to>
-                                        <p:strVal val="visible"/>
-                                      </p:to>
-                                    </p:set>
-                                    <p:animEffect transition="in" filter="fade">
-                                      <p:cBhvr>
-                                        <p:cTn id="7" dur="500"/>
-                                        <p:tgtEl>
-                                          <p:spTgt spid="6"/>
-                                        </p:tgtEl>
-                                      </p:cBhvr>
-                                    </p:animEffect>
-                                  </p:childTnLst>
-                                </p:cTn>
-                              </p:par>
-                            </p:childTnLst>
-                          </p:cTn>
-                        </p:par>
-                      </p:childTnLst>
-                    </p:cTn>
-                  </p:par>
-                </p:childTnLst>
-              </p:cTn>
-              <p:prevCondLst>
-                <p:cond evt="onPrev" delay="0">
-                  <p:tgtEl>
-                    <p:sldTgt/>
-                  </p:tgtEl>
-                </p:cond>
-              </p:prevCondLst>
-              <p:nextCondLst>
-                <p:cond evt="onNext" delay="0">
-                  <p:tgtEl>
-                    <p:sldTgt/>
-                  </p:tgtEl>
-                </p:cond>
-              </p:nextCondLst>
-            </p:seq>
-          </p:childTnLst>
-        </p:cTn>
-      </p:par>
-    </p:tnLst>
-    <p:bldLst>
-      <p:bldP spid="6" grpId="0"/>
-    </p:bldLst>
-  </p:timing>
-</p:sld>
-</file>
-
-<file path=ppt/slides/slide14.xml><?xml version="1.0" encoding="utf-8"?>
-<p:sld xmlns:a="http://schemas.openxmlformats.org/drawingml/2006/main" xmlns:r="http://schemas.openxmlformats.org/officeDocument/2006/relationships" xmlns:p="http://schemas.openxmlformats.org/presentationml/2006/main">
-  <p:cSld>
-    <p:spTree>
-      <p:nvGrpSpPr>
-        <p:cNvPr id="1" name=""/>
-        <p:cNvGrpSpPr/>
-        <p:nvPr/>
-      </p:nvGrpSpPr>
-      <p:grpSpPr>
-        <a:xfrm>
-          <a:off x="0" y="0"/>
-          <a:ext cx="0" cy="0"/>
-          <a:chOff x="0" y="0"/>
-          <a:chExt cx="0" cy="0"/>
-        </a:xfrm>
-      </p:grpSpPr>
-      <p:sp>
-        <p:nvSpPr>
-          <p:cNvPr id="7" name="Título 1">
-            <a:extLst>
-              <a:ext uri="{FF2B5EF4-FFF2-40B4-BE49-F238E27FC236}">
-                <a16:creationId xmlns:a16="http://schemas.microsoft.com/office/drawing/2014/main" id="{99F76FBE-1BC2-4EE6-B90A-22263BF7BDCD}"/>
-              </a:ext>
-            </a:extLst>
-          </p:cNvPr>
-          <p:cNvSpPr txBox="1">
-            <a:spLocks/>
-          </p:cNvSpPr>
-          <p:nvPr/>
-        </p:nvSpPr>
-        <p:spPr>
-          <a:xfrm>
-            <a:off x="838199" y="1433807"/>
-            <a:ext cx="10515600" cy="1325563"/>
-          </a:xfrm>
-          <a:prstGeom prst="rect">
-            <a:avLst/>
-          </a:prstGeom>
-        </p:spPr>
-        <p:txBody>
-          <a:bodyPr vert="horz" lIns="91440" tIns="45720" rIns="91440" bIns="45720" rtlCol="0" anchor="ctr">
-            <a:normAutofit/>
-          </a:bodyPr>
-          <a:lstStyle>
-            <a:lvl1pPr algn="l" defTabSz="914400" rtl="0" eaLnBrk="1" latinLnBrk="0" hangingPunct="1">
-              <a:lnSpc>
-                <a:spcPct val="90000"/>
-              </a:lnSpc>
-              <a:spcBef>
-                <a:spcPct val="0"/>
-              </a:spcBef>
-              <a:buNone/>
-              <a:defRPr sz="4400" kern="1200">
-                <a:solidFill>
-                  <a:schemeClr val="tx1"/>
-                </a:solidFill>
-                <a:latin typeface="+mj-lt"/>
-                <a:ea typeface="+mj-ea"/>
-                <a:cs typeface="+mj-cs"/>
-              </a:defRPr>
-            </a:lvl1pPr>
-          </a:lstStyle>
-          <a:p>
-            <a:pPr algn="ctr"/>
-            <a:r>
-              <a:rPr lang="pt-BR" dirty="0" smtClean="0">
+              <a:rPr lang="pt-BR" dirty="0">
                 <a:solidFill>
                   <a:schemeClr val="tx1">
                     <a:lumMod val="75000"/>
@@ -4826,15 +6453,6 @@
               </a:rPr>
               <a:t>Repositório no GitHub</a:t>
             </a:r>
-            <a:endParaRPr lang="pt-BR" dirty="0">
-              <a:solidFill>
-                <a:schemeClr val="tx1">
-                  <a:lumMod val="75000"/>
-                  <a:lumOff val="25000"/>
-                </a:schemeClr>
-              </a:solidFill>
-              <a:latin typeface="Bariol Bold" panose="02000506040000020003" pitchFamily="2" charset="0"/>
-            </a:endParaRPr>
           </a:p>
         </p:txBody>
       </p:sp>
@@ -5333,7 +6951,7 @@
           <a:lstStyle/>
           <a:p>
             <a:r>
-              <a:rPr lang="pt-BR" dirty="0" smtClean="0">
+              <a:rPr lang="pt-BR" dirty="0">
                 <a:solidFill>
                   <a:schemeClr val="tx1">
                     <a:lumMod val="75000"/>
@@ -5344,15 +6962,6 @@
               </a:rPr>
               <a:t>Segmento/Contexto</a:t>
             </a:r>
-            <a:endParaRPr lang="pt-BR" dirty="0">
-              <a:solidFill>
-                <a:schemeClr val="tx1">
-                  <a:lumMod val="75000"/>
-                  <a:lumOff val="25000"/>
-                </a:schemeClr>
-              </a:solidFill>
-              <a:latin typeface="Bariol Bold" panose="02000506040000020003" pitchFamily="2" charset="0"/>
-            </a:endParaRPr>
           </a:p>
         </p:txBody>
       </p:sp>
@@ -5416,6 +7025,109 @@
           </a:prstGeom>
         </p:spPr>
       </p:pic>
+      <p:sp>
+        <p:nvSpPr>
+          <p:cNvPr id="11" name="CaixaDeTexto 10">
+            <a:extLst>
+              <a:ext uri="{FF2B5EF4-FFF2-40B4-BE49-F238E27FC236}">
+                <a16:creationId xmlns:a16="http://schemas.microsoft.com/office/drawing/2014/main" id="{869545E3-DC46-4CDB-A839-CA8AA4E80E78}"/>
+              </a:ext>
+            </a:extLst>
+          </p:cNvPr>
+          <p:cNvSpPr txBox="1"/>
+          <p:nvPr/>
+        </p:nvSpPr>
+        <p:spPr>
+          <a:xfrm>
+            <a:off x="838200" y="2274838"/>
+            <a:ext cx="5995851" cy="3785652"/>
+          </a:xfrm>
+          <a:prstGeom prst="rect">
+            <a:avLst/>
+          </a:prstGeom>
+          <a:noFill/>
+        </p:spPr>
+        <p:txBody>
+          <a:bodyPr wrap="square" rtlCol="0">
+            <a:spAutoFit/>
+          </a:bodyPr>
+          <a:lstStyle/>
+          <a:p>
+            <a:pPr marL="342900" indent="-342900">
+              <a:buClr>
+                <a:srgbClr val="35B794"/>
+              </a:buClr>
+              <a:buSzPct val="80000"/>
+              <a:buFont typeface="Wingdings" panose="05000000000000000000" pitchFamily="2" charset="2"/>
+              <a:buChar char="ü"/>
+            </a:pPr>
+            <a:r>
+              <a:rPr lang="pt-BR" sz="2400" dirty="0">
+                <a:latin typeface="Bariol Bold" panose="02000506040000020003" pitchFamily="2" charset="0"/>
+              </a:rPr>
+              <a:t>92% dos estudantes universitários preferem livros físicos.</a:t>
+            </a:r>
+          </a:p>
+          <a:p>
+            <a:pPr marL="342900" indent="-342900">
+              <a:buClr>
+                <a:srgbClr val="35B794"/>
+              </a:buClr>
+              <a:buSzPct val="80000"/>
+              <a:buFont typeface="Wingdings" panose="05000000000000000000" pitchFamily="2" charset="2"/>
+              <a:buChar char="ü"/>
+            </a:pPr>
+            <a:endParaRPr lang="pt-BR" sz="2400" dirty="0">
+              <a:latin typeface="Bariol Bold" panose="02000506040000020003" pitchFamily="2" charset="0"/>
+            </a:endParaRPr>
+          </a:p>
+          <a:p>
+            <a:pPr marL="342900" indent="-342900">
+              <a:buClr>
+                <a:srgbClr val="35B794"/>
+              </a:buClr>
+              <a:buSzPct val="80000"/>
+              <a:buFont typeface="Wingdings" panose="05000000000000000000" pitchFamily="2" charset="2"/>
+              <a:buChar char="ü"/>
+            </a:pPr>
+            <a:r>
+              <a:rPr lang="pt-BR" sz="2400" dirty="0">
+                <a:latin typeface="Bariol Bold" panose="02000506040000020003" pitchFamily="2" charset="0"/>
+              </a:rPr>
+              <a:t>76 % dos leitores, acreditam ser mais vantajoso comprar livros usados ou pegar emprestado em bibliotecas.</a:t>
+            </a:r>
+          </a:p>
+          <a:p>
+            <a:pPr marL="342900" indent="-342900">
+              <a:buClr>
+                <a:srgbClr val="35B794"/>
+              </a:buClr>
+              <a:buSzPct val="80000"/>
+              <a:buFont typeface="Wingdings" panose="05000000000000000000" pitchFamily="2" charset="2"/>
+              <a:buChar char="ü"/>
+            </a:pPr>
+            <a:endParaRPr lang="pt-BR" sz="2400" dirty="0">
+              <a:latin typeface="Bariol Bold" panose="02000506040000020003" pitchFamily="2" charset="0"/>
+            </a:endParaRPr>
+          </a:p>
+          <a:p>
+            <a:pPr marL="342900" indent="-342900">
+              <a:buClr>
+                <a:srgbClr val="35B794"/>
+              </a:buClr>
+              <a:buSzPct val="80000"/>
+              <a:buFont typeface="Wingdings" panose="05000000000000000000" pitchFamily="2" charset="2"/>
+              <a:buChar char="ü"/>
+            </a:pPr>
+            <a:r>
+              <a:rPr lang="pt-BR" sz="2400" dirty="0">
+                <a:latin typeface="Bariol Bold" panose="02000506040000020003" pitchFamily="2" charset="0"/>
+              </a:rPr>
+              <a:t>Atualmente estão cadastradas 7,7 mil bibliotecas públicas no sistema do Ministério da Cultura</a:t>
+            </a:r>
+          </a:p>
+        </p:txBody>
+      </p:sp>
     </p:spTree>
     <p:extLst>
       <p:ext uri="{BB962C8B-B14F-4D97-AF65-F5344CB8AC3E}">
@@ -5770,54 +7482,27 @@
       </p:grpSpPr>
       <p:sp>
         <p:nvSpPr>
-          <p:cNvPr id="7" name="Título 1">
+          <p:cNvPr id="2" name="Título 1">
             <a:extLst>
               <a:ext uri="{FF2B5EF4-FFF2-40B4-BE49-F238E27FC236}">
                 <a16:creationId xmlns:a16="http://schemas.microsoft.com/office/drawing/2014/main" id="{99F76FBE-1BC2-4EE6-B90A-22263BF7BDCD}"/>
               </a:ext>
             </a:extLst>
           </p:cNvPr>
-          <p:cNvSpPr txBox="1">
-            <a:spLocks/>
+          <p:cNvSpPr>
+            <a:spLocks noGrp="1"/>
           </p:cNvSpPr>
-          <p:nvPr/>
-        </p:nvSpPr>
-        <p:spPr>
-          <a:xfrm>
-            <a:off x="838199" y="1433807"/>
-            <a:ext cx="10515600" cy="1325563"/>
-          </a:xfrm>
-          <a:prstGeom prst="rect">
-            <a:avLst/>
-          </a:prstGeom>
-        </p:spPr>
-        <p:txBody>
-          <a:bodyPr vert="horz" lIns="91440" tIns="45720" rIns="91440" bIns="45720" rtlCol="0" anchor="ctr">
-            <a:normAutofit/>
-          </a:bodyPr>
-          <a:lstStyle>
-            <a:lvl1pPr algn="l" defTabSz="914400" rtl="0" eaLnBrk="1" latinLnBrk="0" hangingPunct="1">
-              <a:lnSpc>
-                <a:spcPct val="90000"/>
-              </a:lnSpc>
-              <a:spcBef>
-                <a:spcPct val="0"/>
-              </a:spcBef>
-              <a:buNone/>
-              <a:defRPr sz="4400" kern="1200">
-                <a:solidFill>
-                  <a:schemeClr val="tx1"/>
-                </a:solidFill>
-                <a:latin typeface="+mj-lt"/>
-                <a:ea typeface="+mj-ea"/>
-                <a:cs typeface="+mj-cs"/>
-              </a:defRPr>
-            </a:lvl1pPr>
-          </a:lstStyle>
-          <a:p>
-            <a:pPr algn="ctr"/>
-            <a:r>
-              <a:rPr lang="pt-BR" dirty="0" smtClean="0">
+          <p:nvPr>
+            <p:ph type="title"/>
+          </p:nvPr>
+        </p:nvSpPr>
+        <p:spPr/>
+        <p:txBody>
+          <a:bodyPr/>
+          <a:lstStyle/>
+          <a:p>
+            <a:r>
+              <a:rPr lang="pt-BR" dirty="0">
                 <a:solidFill>
                   <a:schemeClr val="tx1">
                     <a:lumMod val="75000"/>
@@ -5826,23 +7511,14 @@
                 </a:solidFill>
                 <a:latin typeface="Bariol Bold" panose="02000506040000020003" pitchFamily="2" charset="0"/>
               </a:rPr>
-              <a:t>HLD</a:t>
-            </a:r>
-            <a:endParaRPr lang="pt-BR" dirty="0">
-              <a:solidFill>
-                <a:schemeClr val="tx1">
-                  <a:lumMod val="75000"/>
-                  <a:lumOff val="25000"/>
-                </a:schemeClr>
-              </a:solidFill>
-              <a:latin typeface="Bariol Bold" panose="02000506040000020003" pitchFamily="2" charset="0"/>
-            </a:endParaRPr>
+              <a:t>Solução Proposta</a:t>
+            </a:r>
           </a:p>
         </p:txBody>
       </p:sp>
       <p:pic>
         <p:nvPicPr>
-          <p:cNvPr id="5" name="Imagem 4"/>
+          <p:cNvPr id="8" name="Imagem 7"/>
           <p:cNvPicPr>
             <a:picLocks noChangeAspect="1"/>
           </p:cNvPicPr>
@@ -5872,14 +7548,14 @@
       </p:pic>
       <p:pic>
         <p:nvPicPr>
-          <p:cNvPr id="2" name="Imagem 1"/>
+          <p:cNvPr id="9" name="Imagem 8"/>
           <p:cNvPicPr>
             <a:picLocks noChangeAspect="1"/>
           </p:cNvPicPr>
           <p:nvPr/>
         </p:nvPicPr>
         <p:blipFill>
-          <a:blip r:embed="rId3">
+          <a:blip r:embed="rId3" cstate="print">
             <a:extLst>
               <a:ext uri="{28A0092B-C50C-407E-A947-70E740481C1C}">
                 <a14:useLocalDpi xmlns:a14="http://schemas.microsoft.com/office/drawing/2010/main" val="0"/>
@@ -5892,18 +7568,92 @@
         </p:blipFill>
         <p:spPr>
           <a:xfrm>
-            <a:off x="3250285" y="2759370"/>
-            <a:ext cx="5691427" cy="3840332"/>
+            <a:off x="7591728" y="3802671"/>
+            <a:ext cx="4493830" cy="3055329"/>
           </a:xfrm>
           <a:prstGeom prst="rect">
             <a:avLst/>
           </a:prstGeom>
         </p:spPr>
       </p:pic>
+      <p:sp>
+        <p:nvSpPr>
+          <p:cNvPr id="5" name="CaixaDeTexto 4">
+            <a:extLst>
+              <a:ext uri="{FF2B5EF4-FFF2-40B4-BE49-F238E27FC236}">
+                <a16:creationId xmlns:a16="http://schemas.microsoft.com/office/drawing/2014/main" id="{B1A9BA09-BC8C-4B52-AE69-EBE2FD7DC39C}"/>
+              </a:ext>
+            </a:extLst>
+          </p:cNvPr>
+          <p:cNvSpPr txBox="1"/>
+          <p:nvPr/>
+        </p:nvSpPr>
+        <p:spPr>
+          <a:xfrm>
+            <a:off x="838200" y="2274838"/>
+            <a:ext cx="5995851" cy="2677656"/>
+          </a:xfrm>
+          <a:prstGeom prst="rect">
+            <a:avLst/>
+          </a:prstGeom>
+          <a:noFill/>
+        </p:spPr>
+        <p:txBody>
+          <a:bodyPr wrap="square" rtlCol="0">
+            <a:spAutoFit/>
+          </a:bodyPr>
+          <a:lstStyle/>
+          <a:p>
+            <a:pPr marL="342900" indent="-342900">
+              <a:buClr>
+                <a:srgbClr val="35B794"/>
+              </a:buClr>
+              <a:buSzPct val="80000"/>
+              <a:buFont typeface="Wingdings" panose="05000000000000000000" pitchFamily="2" charset="2"/>
+              <a:buChar char="ü"/>
+            </a:pPr>
+            <a:r>
+              <a:rPr lang="pt-BR" sz="2400" dirty="0">
+                <a:latin typeface="Bariol Bold" panose="02000506040000020003" pitchFamily="2" charset="0"/>
+              </a:rPr>
+              <a:t>Sensores de Temperatura e Umidade que disponibilizam informações sobre os locais em que foram instalados</a:t>
+            </a:r>
+          </a:p>
+          <a:p>
+            <a:pPr marL="342900" indent="-342900">
+              <a:buClr>
+                <a:srgbClr val="35B794"/>
+              </a:buClr>
+              <a:buSzPct val="80000"/>
+              <a:buFont typeface="Wingdings" panose="05000000000000000000" pitchFamily="2" charset="2"/>
+              <a:buChar char="ü"/>
+            </a:pPr>
+            <a:endParaRPr lang="pt-BR" sz="2400" dirty="0">
+              <a:latin typeface="Bariol Bold" panose="02000506040000020003" pitchFamily="2" charset="0"/>
+            </a:endParaRPr>
+          </a:p>
+          <a:p>
+            <a:pPr marL="342900" indent="-342900">
+              <a:buClr>
+                <a:srgbClr val="35B794"/>
+              </a:buClr>
+              <a:buSzPct val="80000"/>
+              <a:buFont typeface="Wingdings" panose="05000000000000000000" pitchFamily="2" charset="2"/>
+              <a:buChar char="ü"/>
+            </a:pPr>
+            <a:r>
+              <a:rPr lang="pt-BR" sz="2400" dirty="0">
+                <a:latin typeface="Bariol Bold" panose="02000506040000020003" pitchFamily="2" charset="0"/>
+              </a:rPr>
+              <a:t>Sistema Web Responsivo com uma Dashboard que apresenta as informações dadas pelo sensor</a:t>
+            </a:r>
+          </a:p>
+        </p:txBody>
+      </p:sp>
     </p:spTree>
     <p:extLst>
       <p:ext uri="{BB962C8B-B14F-4D97-AF65-F5344CB8AC3E}">
-        <p14:creationId xmlns:p14="http://schemas.microsoft.com/office/powerpoint/2010/main" val="3319278386"/>
+        <p14:creationId xmlns:p14="http://schemas.microsoft.com/office/powerpoint/2010/main" val="3511221999"/>
       </p:ext>
     </p:extLst>
   </p:cSld>
@@ -5946,7 +7696,7 @@
                             </p:stCondLst>
                             <p:childTnLst>
                               <p:par>
-                                <p:cTn id="5" presetID="10" presetClass="entr" presetSubtype="0" fill="hold" grpId="0" nodeType="afterEffect">
+                                <p:cTn id="5" presetID="10" presetClass="entr" presetSubtype="0" fill="hold" nodeType="afterEffect">
                                   <p:stCondLst>
                                     <p:cond delay="0"/>
                                   </p:stCondLst>
@@ -5959,7 +7709,7 @@
                                           </p:stCondLst>
                                         </p:cTn>
                                         <p:tgtEl>
-                                          <p:spTgt spid="7"/>
+                                          <p:spTgt spid="9"/>
                                         </p:tgtEl>
                                         <p:attrNameLst>
                                           <p:attrName>style.visibility</p:attrName>
@@ -5973,124 +7723,10 @@
                                       <p:cBhvr>
                                         <p:cTn id="7" dur="500"/>
                                         <p:tgtEl>
-                                          <p:spTgt spid="7"/>
+                                          <p:spTgt spid="9"/>
                                         </p:tgtEl>
                                       </p:cBhvr>
                                     </p:animEffect>
-                                  </p:childTnLst>
-                                </p:cTn>
-                              </p:par>
-                              <p:par>
-                                <p:cTn id="8" presetID="10" presetClass="entr" presetSubtype="0" fill="hold" nodeType="withEffect">
-                                  <p:stCondLst>
-                                    <p:cond delay="0"/>
-                                  </p:stCondLst>
-                                  <p:childTnLst>
-                                    <p:set>
-                                      <p:cBhvr>
-                                        <p:cTn id="9" dur="1" fill="hold">
-                                          <p:stCondLst>
-                                            <p:cond delay="0"/>
-                                          </p:stCondLst>
-                                        </p:cTn>
-                                        <p:tgtEl>
-                                          <p:spTgt spid="2"/>
-                                        </p:tgtEl>
-                                        <p:attrNameLst>
-                                          <p:attrName>style.visibility</p:attrName>
-                                        </p:attrNameLst>
-                                      </p:cBhvr>
-                                      <p:to>
-                                        <p:strVal val="visible"/>
-                                      </p:to>
-                                    </p:set>
-                                    <p:animEffect transition="in" filter="fade">
-                                      <p:cBhvr>
-                                        <p:cTn id="10" dur="500"/>
-                                        <p:tgtEl>
-                                          <p:spTgt spid="2"/>
-                                        </p:tgtEl>
-                                      </p:cBhvr>
-                                    </p:animEffect>
-                                  </p:childTnLst>
-                                </p:cTn>
-                              </p:par>
-                            </p:childTnLst>
-                          </p:cTn>
-                        </p:par>
-                        <p:par>
-                          <p:cTn id="11" fill="hold">
-                            <p:stCondLst>
-                              <p:cond delay="500"/>
-                            </p:stCondLst>
-                            <p:childTnLst>
-                              <p:par>
-                                <p:cTn id="12" presetID="10" presetClass="exit" presetSubtype="0" fill="hold" grpId="1" nodeType="afterEffect">
-                                  <p:stCondLst>
-                                    <p:cond delay="1000"/>
-                                  </p:stCondLst>
-                                  <p:childTnLst>
-                                    <p:animEffect transition="out" filter="fade">
-                                      <p:cBhvr>
-                                        <p:cTn id="13" dur="500"/>
-                                        <p:tgtEl>
-                                          <p:spTgt spid="7"/>
-                                        </p:tgtEl>
-                                      </p:cBhvr>
-                                    </p:animEffect>
-                                    <p:set>
-                                      <p:cBhvr>
-                                        <p:cTn id="14" dur="1" fill="hold">
-                                          <p:stCondLst>
-                                            <p:cond delay="499"/>
-                                          </p:stCondLst>
-                                        </p:cTn>
-                                        <p:tgtEl>
-                                          <p:spTgt spid="7"/>
-                                        </p:tgtEl>
-                                        <p:attrNameLst>
-                                          <p:attrName>style.visibility</p:attrName>
-                                        </p:attrNameLst>
-                                      </p:cBhvr>
-                                      <p:to>
-                                        <p:strVal val="hidden"/>
-                                      </p:to>
-                                    </p:set>
-                                  </p:childTnLst>
-                                </p:cTn>
-                              </p:par>
-                              <p:par>
-                                <p:cTn id="15" presetID="10" presetClass="exit" presetSubtype="0" fill="hold" nodeType="withEffect">
-                                  <p:stCondLst>
-                                    <p:cond delay="1000"/>
-                                  </p:stCondLst>
-                                  <p:childTnLst>
-                                    <p:animEffect transition="out" filter="fade">
-                                      <p:cBhvr>
-                                        <p:cTn id="16" dur="500"/>
-                                        <p:tgtEl>
-                                          <p:spTgt spid="2"/>
-                                        </p:tgtEl>
-                                      </p:cBhvr>
-                                    </p:animEffect>
-                                    <p:set>
-                                      <p:cBhvr>
-                                        <p:cTn id="17" dur="1" fill="hold">
-                                          <p:stCondLst>
-                                            <p:cond delay="499"/>
-                                          </p:stCondLst>
-                                        </p:cTn>
-                                        <p:tgtEl>
-                                          <p:spTgt spid="2"/>
-                                        </p:tgtEl>
-                                        <p:attrNameLst>
-                                          <p:attrName>style.visibility</p:attrName>
-                                        </p:attrNameLst>
-                                      </p:cBhvr>
-                                      <p:to>
-                                        <p:strVal val="hidden"/>
-                                      </p:to>
-                                    </p:set>
                                   </p:childTnLst>
                                 </p:cTn>
                               </p:par>
@@ -6121,10 +7757,6 @@
         </p:cTn>
       </p:par>
     </p:tnLst>
-    <p:bldLst>
-      <p:bldP spid="7" grpId="0"/>
-      <p:bldP spid="7" grpId="1"/>
-    </p:bldLst>
   </p:timing>
 </p:sld>
 </file>
@@ -6148,387 +7780,54 @@
       </p:grpSpPr>
       <p:sp>
         <p:nvSpPr>
-          <p:cNvPr id="6" name="Retângulo 5"/>
-          <p:cNvSpPr/>
-          <p:nvPr/>
-        </p:nvSpPr>
-        <p:spPr>
-          <a:xfrm>
-            <a:off x="600892" y="287383"/>
-            <a:ext cx="4885508" cy="2560320"/>
+          <p:cNvPr id="4" name="CaixaDeTexto 3"/>
+          <p:cNvSpPr txBox="1"/>
+          <p:nvPr/>
+        </p:nvSpPr>
+        <p:spPr>
+          <a:xfrm>
+            <a:off x="6807416" y="2181655"/>
+            <a:ext cx="3516806" cy="584775"/>
           </a:xfrm>
           <a:prstGeom prst="rect">
             <a:avLst/>
           </a:prstGeom>
-          <a:solidFill>
-            <a:schemeClr val="bg1"/>
-          </a:solidFill>
-          <a:ln>
-            <a:solidFill>
-              <a:schemeClr val="tx1">
-                <a:lumMod val="50000"/>
-                <a:lumOff val="50000"/>
-              </a:schemeClr>
-            </a:solidFill>
-          </a:ln>
-        </p:spPr>
-        <p:style>
-          <a:lnRef idx="2">
-            <a:schemeClr val="accent1">
-              <a:shade val="50000"/>
-            </a:schemeClr>
-          </a:lnRef>
-          <a:fillRef idx="1">
-            <a:schemeClr val="accent1"/>
-          </a:fillRef>
-          <a:effectRef idx="0">
-            <a:schemeClr val="accent1"/>
-          </a:effectRef>
-          <a:fontRef idx="minor">
-            <a:schemeClr val="lt1"/>
-          </a:fontRef>
-        </p:style>
-        <p:txBody>
-          <a:bodyPr rtlCol="0" anchor="ctr"/>
+          <a:noFill/>
+        </p:spPr>
+        <p:txBody>
+          <a:bodyPr wrap="square" rtlCol="0">
+            <a:spAutoFit/>
+          </a:bodyPr>
           <a:lstStyle/>
           <a:p>
             <a:pPr algn="ctr"/>
-            <a:endParaRPr lang="pt-BR"/>
-          </a:p>
-        </p:txBody>
-      </p:sp>
-      <p:pic>
-        <p:nvPicPr>
-          <p:cNvPr id="8" name="Picture 6" descr="A close up of a logo&#10;&#10;Description generated with very high confidence">
-            <a:extLst>
-              <a:ext uri="{FF2B5EF4-FFF2-40B4-BE49-F238E27FC236}">
-                <a16:creationId xmlns:a16="http://schemas.microsoft.com/office/drawing/2014/main" id="{02FAD4E8-4127-4FD5-A86F-7066B5200CF9}"/>
-              </a:ext>
-            </a:extLst>
-          </p:cNvPr>
-          <p:cNvPicPr>
-            <a:picLocks noChangeAspect="1"/>
-          </p:cNvPicPr>
-          <p:nvPr/>
-        </p:nvPicPr>
-        <p:blipFill>
-          <a:blip r:embed="rId2"/>
-          <a:stretch>
-            <a:fillRect/>
-          </a:stretch>
-        </p:blipFill>
-        <p:spPr>
-          <a:xfrm>
-            <a:off x="1217536" y="1516516"/>
-            <a:ext cx="599531" cy="756598"/>
-          </a:xfrm>
-          <a:prstGeom prst="rect">
-            <a:avLst/>
-          </a:prstGeom>
-        </p:spPr>
-      </p:pic>
-      <p:pic>
-        <p:nvPicPr>
-          <p:cNvPr id="9" name="Picture 2" descr="A close up of a logo&#10;&#10;Description generated with very high confidence">
-            <a:extLst>
-              <a:ext uri="{FF2B5EF4-FFF2-40B4-BE49-F238E27FC236}">
-                <a16:creationId xmlns:a16="http://schemas.microsoft.com/office/drawing/2014/main" id="{CF17E598-BC0F-433A-AACD-E985418FFF8F}"/>
-              </a:ext>
-            </a:extLst>
-          </p:cNvPr>
-          <p:cNvPicPr>
-            <a:picLocks noChangeAspect="1"/>
-          </p:cNvPicPr>
-          <p:nvPr/>
-        </p:nvPicPr>
-        <p:blipFill>
-          <a:blip r:embed="rId3"/>
-          <a:stretch>
-            <a:fillRect/>
-          </a:stretch>
-        </p:blipFill>
-        <p:spPr>
-          <a:xfrm rot="7500000">
-            <a:off x="2039211" y="1520952"/>
-            <a:ext cx="737731" cy="747726"/>
-          </a:xfrm>
-          <a:prstGeom prst="rect">
-            <a:avLst/>
-          </a:prstGeom>
-        </p:spPr>
-      </p:pic>
-      <p:pic>
-        <p:nvPicPr>
-          <p:cNvPr id="10" name="Picture 8" descr="A circuit board&#10;&#10;Description generated with very high confidence">
-            <a:extLst>
-              <a:ext uri="{FF2B5EF4-FFF2-40B4-BE49-F238E27FC236}">
-                <a16:creationId xmlns:a16="http://schemas.microsoft.com/office/drawing/2014/main" id="{8631CDC9-C9ED-40D8-9718-9030D394E95F}"/>
-              </a:ext>
-            </a:extLst>
-          </p:cNvPr>
-          <p:cNvPicPr>
-            <a:picLocks noChangeAspect="1"/>
-          </p:cNvPicPr>
-          <p:nvPr/>
-        </p:nvPicPr>
-        <p:blipFill>
-          <a:blip r:embed="rId4"/>
-          <a:stretch>
-            <a:fillRect/>
-          </a:stretch>
-        </p:blipFill>
-        <p:spPr>
-          <a:xfrm>
-            <a:off x="1523100" y="2104557"/>
-            <a:ext cx="687748" cy="707741"/>
-          </a:xfrm>
-          <a:prstGeom prst="rect">
-            <a:avLst/>
-          </a:prstGeom>
-        </p:spPr>
-      </p:pic>
-      <p:pic>
-        <p:nvPicPr>
-          <p:cNvPr id="11" name="Graphic 48" descr="Chevron arrows">
-            <a:extLst>
-              <a:ext uri="{FF2B5EF4-FFF2-40B4-BE49-F238E27FC236}">
-                <a16:creationId xmlns:a16="http://schemas.microsoft.com/office/drawing/2014/main" id="{9C83C282-EC67-4BF5-988C-C6151F03EAC8}"/>
-              </a:ext>
-            </a:extLst>
-          </p:cNvPr>
-          <p:cNvPicPr>
-            <a:picLocks noChangeAspect="1"/>
-          </p:cNvPicPr>
-          <p:nvPr/>
-        </p:nvPicPr>
-        <p:blipFill>
-          <a:blip r:embed="rId5">
-            <a:extLst>
-              <a:ext uri="{96DAC541-7B7A-43D3-8B79-37D633B846F1}">
-                <asvg:svgBlip xmlns="" xmlns:asvg="http://schemas.microsoft.com/office/drawing/2016/SVG/main" r:embed="rId9"/>
-              </a:ext>
-            </a:extLst>
-          </a:blip>
-          <a:stretch>
-            <a:fillRect/>
-          </a:stretch>
-        </p:blipFill>
-        <p:spPr>
-          <a:xfrm>
-            <a:off x="3175957" y="1589400"/>
-            <a:ext cx="515811" cy="505815"/>
-          </a:xfrm>
-          <a:prstGeom prst="rect">
-            <a:avLst/>
-          </a:prstGeom>
-        </p:spPr>
-      </p:pic>
-      <p:pic>
-        <p:nvPicPr>
-          <p:cNvPr id="12" name="Graphic 50" descr="Chevron arrows">
-            <a:extLst>
-              <a:ext uri="{FF2B5EF4-FFF2-40B4-BE49-F238E27FC236}">
-                <a16:creationId xmlns:a16="http://schemas.microsoft.com/office/drawing/2014/main" id="{F8ADD165-FA14-4184-A53E-48188D71E5FF}"/>
-              </a:ext>
-            </a:extLst>
-          </p:cNvPr>
-          <p:cNvPicPr>
-            <a:picLocks noChangeAspect="1"/>
-          </p:cNvPicPr>
-          <p:nvPr/>
-        </p:nvPicPr>
-        <p:blipFill>
-          <a:blip r:embed="rId5">
-            <a:extLst>
-              <a:ext uri="{96DAC541-7B7A-43D3-8B79-37D633B846F1}">
-                <asvg:svgBlip xmlns="" xmlns:asvg="http://schemas.microsoft.com/office/drawing/2016/SVG/main" r:embed="rId9"/>
-              </a:ext>
-            </a:extLst>
-          </a:blip>
-          <a:stretch>
-            <a:fillRect/>
-          </a:stretch>
-        </p:blipFill>
-        <p:spPr>
-          <a:xfrm rot="10800000">
-            <a:off x="3145969" y="2095215"/>
-            <a:ext cx="545799" cy="515810"/>
-          </a:xfrm>
-          <a:prstGeom prst="rect">
-            <a:avLst/>
-          </a:prstGeom>
-        </p:spPr>
-      </p:pic>
-      <p:pic>
-        <p:nvPicPr>
-          <p:cNvPr id="13" name="Picture 52" descr="A close up of a logo&#10;&#10;Description generated with high confidence">
-            <a:extLst>
-              <a:ext uri="{FF2B5EF4-FFF2-40B4-BE49-F238E27FC236}">
-                <a16:creationId xmlns:a16="http://schemas.microsoft.com/office/drawing/2014/main" id="{09477861-B8F4-44DE-814A-58410BB781B9}"/>
-              </a:ext>
-            </a:extLst>
-          </p:cNvPr>
-          <p:cNvPicPr>
-            <a:picLocks noChangeAspect="1"/>
-          </p:cNvPicPr>
-          <p:nvPr/>
-        </p:nvPicPr>
-        <p:blipFill>
-          <a:blip r:embed="rId10"/>
-          <a:stretch>
-            <a:fillRect/>
-          </a:stretch>
-        </p:blipFill>
-        <p:spPr>
-          <a:xfrm>
-            <a:off x="4032044" y="1263001"/>
-            <a:ext cx="907666" cy="877677"/>
-          </a:xfrm>
-          <a:prstGeom prst="rect">
-            <a:avLst/>
-          </a:prstGeom>
-        </p:spPr>
-      </p:pic>
-      <p:pic>
-        <p:nvPicPr>
-          <p:cNvPr id="14" name="Picture 55" descr="A close up of a clock&#10;&#10;Description generated with high confidence">
-            <a:extLst>
-              <a:ext uri="{FF2B5EF4-FFF2-40B4-BE49-F238E27FC236}">
-                <a16:creationId xmlns:a16="http://schemas.microsoft.com/office/drawing/2014/main" id="{5C726E55-A6D4-4B74-8915-31B0312BC132}"/>
-              </a:ext>
-            </a:extLst>
-          </p:cNvPr>
-          <p:cNvPicPr>
-            <a:picLocks noChangeAspect="1"/>
-          </p:cNvPicPr>
-          <p:nvPr/>
-        </p:nvPicPr>
-        <p:blipFill>
-          <a:blip r:embed="rId11"/>
-          <a:stretch>
-            <a:fillRect/>
-          </a:stretch>
-        </p:blipFill>
-        <p:spPr>
-          <a:xfrm>
-            <a:off x="4182451" y="2081491"/>
-            <a:ext cx="687748" cy="647762"/>
-          </a:xfrm>
-          <a:prstGeom prst="rect">
-            <a:avLst/>
-          </a:prstGeom>
-        </p:spPr>
-      </p:pic>
-      <p:sp>
-        <p:nvSpPr>
-          <p:cNvPr id="15" name="Retângulo 14"/>
-          <p:cNvSpPr/>
-          <p:nvPr/>
-        </p:nvSpPr>
-        <p:spPr>
-          <a:xfrm>
-            <a:off x="8180067" y="287383"/>
-            <a:ext cx="3472002" cy="2560320"/>
-          </a:xfrm>
-          <a:prstGeom prst="rect">
-            <a:avLst/>
-          </a:prstGeom>
-          <a:solidFill>
-            <a:schemeClr val="bg1"/>
-          </a:solidFill>
-          <a:ln>
-            <a:solidFill>
-              <a:schemeClr val="tx1">
-                <a:lumMod val="50000"/>
-                <a:lumOff val="50000"/>
-              </a:schemeClr>
-            </a:solidFill>
-          </a:ln>
-        </p:spPr>
-        <p:style>
-          <a:lnRef idx="2">
-            <a:schemeClr val="accent1">
-              <a:shade val="50000"/>
-            </a:schemeClr>
-          </a:lnRef>
-          <a:fillRef idx="1">
-            <a:schemeClr val="accent1"/>
-          </a:fillRef>
-          <a:effectRef idx="0">
-            <a:schemeClr val="accent1"/>
-          </a:effectRef>
-          <a:fontRef idx="minor">
-            <a:schemeClr val="lt1"/>
-          </a:fontRef>
-        </p:style>
-        <p:txBody>
-          <a:bodyPr rtlCol="0" anchor="ctr"/>
-          <a:lstStyle/>
-          <a:p>
-            <a:pPr algn="ctr"/>
-            <a:endParaRPr lang="pt-BR"/>
+            <a:r>
+              <a:rPr lang="pt-BR" sz="1600" dirty="0">
+                <a:latin typeface="Bariol Bold" panose="02000506040000020003"/>
+                <a:cs typeface="Arial" panose="020B0604020202020204" pitchFamily="34" charset="0"/>
+              </a:rPr>
+              <a:t>O sistema determina com esses dados o nível de temperatura do local.</a:t>
+            </a:r>
           </a:p>
         </p:txBody>
       </p:sp>
       <p:cxnSp>
         <p:nvCxnSpPr>
-          <p:cNvPr id="16" name="Conector de Seta Reta 15"/>
+          <p:cNvPr id="10" name="Conector de Seta Reta 9"/>
           <p:cNvCxnSpPr/>
           <p:nvPr/>
         </p:nvCxnSpPr>
         <p:spPr>
-          <a:xfrm rot="16200000" flipV="1">
-            <a:off x="6795668" y="1470877"/>
-            <a:ext cx="0" cy="1447312"/>
+          <a:xfrm>
+            <a:off x="5813550" y="1268518"/>
+            <a:ext cx="801702" cy="3725"/>
           </a:xfrm>
           <a:prstGeom prst="straightConnector1">
             <a:avLst/>
           </a:prstGeom>
           <a:ln w="38100">
             <a:solidFill>
-              <a:schemeClr val="tx1">
-                <a:lumMod val="75000"/>
-                <a:lumOff val="25000"/>
-              </a:schemeClr>
-            </a:solidFill>
-            <a:tailEnd type="triangle"/>
-          </a:ln>
-        </p:spPr>
-        <p:style>
-          <a:lnRef idx="1">
-            <a:schemeClr val="accent1"/>
-          </a:lnRef>
-          <a:fillRef idx="0">
-            <a:schemeClr val="accent1"/>
-          </a:fillRef>
-          <a:effectRef idx="0">
-            <a:schemeClr val="accent1"/>
-          </a:effectRef>
-          <a:fontRef idx="minor">
-            <a:schemeClr val="tx1"/>
-          </a:fontRef>
-        </p:style>
-      </p:cxnSp>
-      <p:cxnSp>
-        <p:nvCxnSpPr>
-          <p:cNvPr id="17" name="Conector de Seta Reta 16"/>
-          <p:cNvCxnSpPr/>
-          <p:nvPr/>
-        </p:nvCxnSpPr>
-        <p:spPr>
-          <a:xfrm rot="16200000">
-            <a:off x="6846526" y="1745403"/>
-            <a:ext cx="0" cy="1447312"/>
-          </a:xfrm>
-          <a:prstGeom prst="straightConnector1">
-            <a:avLst/>
-          </a:prstGeom>
-          <a:ln w="38100">
-            <a:solidFill>
-              <a:schemeClr val="tx1">
-                <a:lumMod val="75000"/>
-                <a:lumOff val="25000"/>
-              </a:schemeClr>
+              <a:srgbClr val="35B794"/>
             </a:solidFill>
             <a:tailEnd type="triangle"/>
           </a:ln>
@@ -6550,10 +7849,10 @@
       </p:cxnSp>
       <p:pic>
         <p:nvPicPr>
-          <p:cNvPr id="18" name="Picture 37" descr="A picture containing computer, table&#10;&#10;Description generated with very high confidence">
+          <p:cNvPr id="6" name="Imagem 5" descr="Uma imagem contendo relógio&#10;&#10;Descrição gerada automaticamente">
             <a:extLst>
               <a:ext uri="{FF2B5EF4-FFF2-40B4-BE49-F238E27FC236}">
-                <a16:creationId xmlns:a16="http://schemas.microsoft.com/office/drawing/2014/main" id="{62574C71-6DE6-4BEE-A15F-55F806CE58A0}"/>
+                <a16:creationId xmlns:a16="http://schemas.microsoft.com/office/drawing/2014/main" id="{CB59938E-1EC6-4FDA-9A22-DB6A7DC30350}"/>
               </a:ext>
             </a:extLst>
           </p:cNvPr>
@@ -6563,15 +7862,21 @@
           <p:nvPr/>
         </p:nvPicPr>
         <p:blipFill>
-          <a:blip r:embed="rId12"/>
+          <a:blip r:embed="rId2" cstate="print">
+            <a:extLst>
+              <a:ext uri="{28A0092B-C50C-407E-A947-70E740481C1C}">
+                <a14:useLocalDpi xmlns:a14="http://schemas.microsoft.com/office/drawing/2010/main" val="0"/>
+              </a:ext>
+            </a:extLst>
+          </a:blip>
           <a:stretch>
             <a:fillRect/>
           </a:stretch>
         </p:blipFill>
         <p:spPr>
           <a:xfrm>
-            <a:off x="9079941" y="1238521"/>
-            <a:ext cx="1672254" cy="1711204"/>
+            <a:off x="7118662" y="203253"/>
+            <a:ext cx="2894315" cy="2017898"/>
           </a:xfrm>
           <a:prstGeom prst="rect">
             <a:avLst/>
@@ -6580,522 +7885,43 @@
       </p:pic>
       <p:sp>
         <p:nvSpPr>
-          <p:cNvPr id="19" name="Retângulo 18"/>
-          <p:cNvSpPr/>
-          <p:nvPr/>
-        </p:nvSpPr>
-        <p:spPr>
-          <a:xfrm>
-            <a:off x="653143" y="424784"/>
-            <a:ext cx="4781006" cy="830997"/>
+          <p:cNvPr id="21" name="CaixaDeTexto 20"/>
+          <p:cNvSpPr txBox="1"/>
+          <p:nvPr/>
+        </p:nvSpPr>
+        <p:spPr>
+          <a:xfrm>
+            <a:off x="1930404" y="5868762"/>
+            <a:ext cx="3743438" cy="830997"/>
           </a:xfrm>
           <a:prstGeom prst="rect">
             <a:avLst/>
           </a:prstGeom>
-        </p:spPr>
-        <p:txBody>
-          <a:bodyPr wrap="square">
+          <a:noFill/>
+        </p:spPr>
+        <p:txBody>
+          <a:bodyPr wrap="square" rtlCol="0">
             <a:spAutoFit/>
           </a:bodyPr>
           <a:lstStyle/>
           <a:p>
             <a:pPr algn="ctr"/>
             <a:r>
-              <a:rPr lang="en-US" sz="1600" dirty="0" err="1">
-                <a:solidFill>
-                  <a:schemeClr val="tx1">
-                    <a:lumMod val="85000"/>
-                    <a:lumOff val="15000"/>
-                  </a:schemeClr>
-                </a:solidFill>
-                <a:latin typeface="Arial"/>
-                <a:cs typeface="Arial"/>
+              <a:rPr lang="pt-BR" sz="1600" dirty="0">
+                <a:latin typeface="Bariol Bold" panose="02000506040000020003"/>
+                <a:cs typeface="Arial" panose="020B0604020202020204" pitchFamily="34" charset="0"/>
               </a:rPr>
-              <a:t>Os</a:t>
-            </a:r>
-            <a:r>
-              <a:rPr lang="en-US" sz="1600" dirty="0">
-                <a:solidFill>
-                  <a:schemeClr val="tx1">
-                    <a:lumMod val="85000"/>
-                    <a:lumOff val="15000"/>
-                  </a:schemeClr>
-                </a:solidFill>
-                <a:latin typeface="Arial"/>
-                <a:cs typeface="Arial"/>
-              </a:rPr>
-              <a:t> </a:t>
-            </a:r>
-            <a:r>
-              <a:rPr lang="en-US" sz="1600" dirty="0" err="1">
-                <a:solidFill>
-                  <a:schemeClr val="tx1">
-                    <a:lumMod val="85000"/>
-                    <a:lumOff val="15000"/>
-                  </a:schemeClr>
-                </a:solidFill>
-                <a:latin typeface="Arial"/>
-                <a:cs typeface="Arial"/>
-              </a:rPr>
-              <a:t>sensores</a:t>
-            </a:r>
-            <a:r>
-              <a:rPr lang="en-US" sz="1600" dirty="0">
-                <a:solidFill>
-                  <a:schemeClr val="tx1">
-                    <a:lumMod val="85000"/>
-                    <a:lumOff val="15000"/>
-                  </a:schemeClr>
-                </a:solidFill>
-                <a:latin typeface="Arial"/>
-                <a:cs typeface="Arial"/>
-              </a:rPr>
-              <a:t> </a:t>
-            </a:r>
-            <a:r>
-              <a:rPr lang="en-US" sz="1600" dirty="0" err="1">
-                <a:solidFill>
-                  <a:schemeClr val="tx1">
-                    <a:lumMod val="85000"/>
-                    <a:lumOff val="15000"/>
-                  </a:schemeClr>
-                </a:solidFill>
-                <a:latin typeface="Arial"/>
-                <a:cs typeface="Arial"/>
-              </a:rPr>
-              <a:t>irão</a:t>
-            </a:r>
-            <a:r>
-              <a:rPr lang="en-US" sz="1600" dirty="0">
-                <a:solidFill>
-                  <a:schemeClr val="tx1">
-                    <a:lumMod val="85000"/>
-                    <a:lumOff val="15000"/>
-                  </a:schemeClr>
-                </a:solidFill>
-                <a:latin typeface="Arial"/>
-                <a:cs typeface="Arial"/>
-              </a:rPr>
-              <a:t> </a:t>
-            </a:r>
-            <a:r>
-              <a:rPr lang="en-US" sz="1600" dirty="0" err="1">
-                <a:solidFill>
-                  <a:schemeClr val="tx1">
-                    <a:lumMod val="85000"/>
-                    <a:lumOff val="15000"/>
-                  </a:schemeClr>
-                </a:solidFill>
-                <a:latin typeface="Arial"/>
-                <a:cs typeface="Arial"/>
-              </a:rPr>
-              <a:t>monitorar</a:t>
-            </a:r>
-            <a:r>
-              <a:rPr lang="en-US" sz="1600" dirty="0">
-                <a:solidFill>
-                  <a:schemeClr val="tx1">
-                    <a:lumMod val="85000"/>
-                    <a:lumOff val="15000"/>
-                  </a:schemeClr>
-                </a:solidFill>
-                <a:latin typeface="Arial"/>
-                <a:cs typeface="Arial"/>
-              </a:rPr>
-              <a:t>  o </a:t>
-            </a:r>
-            <a:r>
-              <a:rPr lang="en-US" sz="1600" dirty="0" err="1">
-                <a:solidFill>
-                  <a:schemeClr val="tx1">
-                    <a:lumMod val="85000"/>
-                    <a:lumOff val="15000"/>
-                  </a:schemeClr>
-                </a:solidFill>
-                <a:latin typeface="Arial"/>
-                <a:cs typeface="Arial"/>
-              </a:rPr>
-              <a:t>ambiente</a:t>
-            </a:r>
-            <a:r>
-              <a:rPr lang="en-US" sz="1600" dirty="0">
-                <a:solidFill>
-                  <a:schemeClr val="tx1">
-                    <a:lumMod val="85000"/>
-                    <a:lumOff val="15000"/>
-                  </a:schemeClr>
-                </a:solidFill>
-                <a:latin typeface="Arial"/>
-                <a:cs typeface="Arial"/>
-              </a:rPr>
-              <a:t>  e </a:t>
-            </a:r>
-            <a:r>
-              <a:rPr lang="en-US" sz="1600" dirty="0" err="1">
-                <a:solidFill>
-                  <a:schemeClr val="tx1">
-                    <a:lumMod val="85000"/>
-                    <a:lumOff val="15000"/>
-                  </a:schemeClr>
-                </a:solidFill>
-                <a:latin typeface="Arial"/>
-                <a:cs typeface="Arial"/>
-              </a:rPr>
-              <a:t>detectar</a:t>
-            </a:r>
-            <a:r>
-              <a:rPr lang="en-US" sz="1600" dirty="0">
-                <a:solidFill>
-                  <a:schemeClr val="tx1">
-                    <a:lumMod val="85000"/>
-                    <a:lumOff val="15000"/>
-                  </a:schemeClr>
-                </a:solidFill>
-                <a:latin typeface="Arial"/>
-                <a:cs typeface="Arial"/>
-              </a:rPr>
-              <a:t> se o </a:t>
-            </a:r>
-            <a:r>
-              <a:rPr lang="en-US" sz="1600" dirty="0" err="1">
-                <a:solidFill>
-                  <a:schemeClr val="tx1">
-                    <a:lumMod val="85000"/>
-                    <a:lumOff val="15000"/>
-                  </a:schemeClr>
-                </a:solidFill>
-                <a:latin typeface="Arial"/>
-                <a:cs typeface="Arial"/>
-              </a:rPr>
-              <a:t>próprio</a:t>
-            </a:r>
-            <a:r>
-              <a:rPr lang="en-US" sz="1600" dirty="0">
-                <a:solidFill>
-                  <a:schemeClr val="tx1">
-                    <a:lumMod val="85000"/>
-                    <a:lumOff val="15000"/>
-                  </a:schemeClr>
-                </a:solidFill>
-                <a:latin typeface="Arial"/>
-                <a:cs typeface="Arial"/>
-              </a:rPr>
-              <a:t> é </a:t>
-            </a:r>
-            <a:r>
-              <a:rPr lang="en-US" sz="1600" dirty="0" err="1">
-                <a:solidFill>
-                  <a:schemeClr val="tx1">
-                    <a:lumMod val="85000"/>
-                    <a:lumOff val="15000"/>
-                  </a:schemeClr>
-                </a:solidFill>
-                <a:latin typeface="Arial"/>
-                <a:cs typeface="Arial"/>
-              </a:rPr>
-              <a:t>propício</a:t>
-            </a:r>
-            <a:r>
-              <a:rPr lang="en-US" sz="1600" dirty="0">
-                <a:solidFill>
-                  <a:schemeClr val="tx1">
-                    <a:lumMod val="85000"/>
-                    <a:lumOff val="15000"/>
-                  </a:schemeClr>
-                </a:solidFill>
-                <a:latin typeface="Arial"/>
-                <a:cs typeface="Arial"/>
-              </a:rPr>
-              <a:t> para o </a:t>
-            </a:r>
-            <a:r>
-              <a:rPr lang="en-US" sz="1600" dirty="0" err="1">
-                <a:solidFill>
-                  <a:schemeClr val="tx1">
-                    <a:lumMod val="85000"/>
-                    <a:lumOff val="15000"/>
-                  </a:schemeClr>
-                </a:solidFill>
-                <a:latin typeface="Arial"/>
-                <a:cs typeface="Arial"/>
-              </a:rPr>
-              <a:t>armazenamento</a:t>
-            </a:r>
-            <a:r>
-              <a:rPr lang="en-US" sz="1600" dirty="0">
-                <a:solidFill>
-                  <a:schemeClr val="tx1">
-                    <a:lumMod val="85000"/>
-                    <a:lumOff val="15000"/>
-                  </a:schemeClr>
-                </a:solidFill>
-                <a:latin typeface="Arial"/>
-                <a:cs typeface="Arial"/>
-              </a:rPr>
-              <a:t> </a:t>
-            </a:r>
-            <a:r>
-              <a:rPr lang="en-US" sz="1600" dirty="0" err="1">
-                <a:solidFill>
-                  <a:schemeClr val="tx1">
-                    <a:lumMod val="85000"/>
-                    <a:lumOff val="15000"/>
-                  </a:schemeClr>
-                </a:solidFill>
-                <a:latin typeface="Arial"/>
-                <a:cs typeface="Arial"/>
-              </a:rPr>
-              <a:t>adequado</a:t>
-            </a:r>
-            <a:r>
-              <a:rPr lang="en-US" sz="1600" dirty="0">
-                <a:solidFill>
-                  <a:schemeClr val="tx1">
-                    <a:lumMod val="85000"/>
-                    <a:lumOff val="15000"/>
-                  </a:schemeClr>
-                </a:solidFill>
-                <a:latin typeface="Arial"/>
-                <a:cs typeface="Arial"/>
-              </a:rPr>
-              <a:t> dos </a:t>
-            </a:r>
-            <a:r>
-              <a:rPr lang="en-US" sz="1600" dirty="0" err="1">
-                <a:solidFill>
-                  <a:schemeClr val="tx1">
-                    <a:lumMod val="85000"/>
-                    <a:lumOff val="15000"/>
-                  </a:schemeClr>
-                </a:solidFill>
-                <a:latin typeface="Arial"/>
-                <a:cs typeface="Arial"/>
-              </a:rPr>
-              <a:t>livros</a:t>
-            </a:r>
-            <a:endParaRPr lang="en-US" sz="1600" dirty="0">
-              <a:solidFill>
-                <a:schemeClr val="tx1">
-                  <a:lumMod val="85000"/>
-                  <a:lumOff val="15000"/>
-                </a:schemeClr>
-              </a:solidFill>
-              <a:latin typeface="Arial"/>
-              <a:cs typeface="Arial"/>
-            </a:endParaRPr>
-          </a:p>
-        </p:txBody>
-      </p:sp>
-      <p:sp>
-        <p:nvSpPr>
-          <p:cNvPr id="20" name="Retângulo 19"/>
-          <p:cNvSpPr/>
-          <p:nvPr/>
-        </p:nvSpPr>
-        <p:spPr>
-          <a:xfrm>
-            <a:off x="8183313" y="457202"/>
-            <a:ext cx="3472003" cy="830997"/>
-          </a:xfrm>
-          <a:prstGeom prst="rect">
-            <a:avLst/>
-          </a:prstGeom>
-        </p:spPr>
-        <p:txBody>
-          <a:bodyPr wrap="square">
-            <a:spAutoFit/>
-          </a:bodyPr>
-          <a:lstStyle/>
-          <a:p>
-            <a:pPr algn="ctr"/>
-            <a:r>
-              <a:rPr lang="en-US" sz="1600" dirty="0" err="1">
-                <a:solidFill>
-                  <a:schemeClr val="tx1">
-                    <a:lumMod val="85000"/>
-                    <a:lumOff val="15000"/>
-                  </a:schemeClr>
-                </a:solidFill>
-                <a:latin typeface="Arial"/>
-                <a:cs typeface="Arial"/>
-              </a:rPr>
-              <a:t>Os</a:t>
-            </a:r>
-            <a:r>
-              <a:rPr lang="en-US" sz="1600" dirty="0">
-                <a:solidFill>
-                  <a:schemeClr val="tx1">
-                    <a:lumMod val="85000"/>
-                    <a:lumOff val="15000"/>
-                  </a:schemeClr>
-                </a:solidFill>
-                <a:latin typeface="Arial"/>
-                <a:cs typeface="Arial"/>
-              </a:rPr>
-              <a:t> dados </a:t>
-            </a:r>
-            <a:r>
-              <a:rPr lang="en-US" sz="1600" dirty="0" err="1">
-                <a:solidFill>
-                  <a:schemeClr val="tx1">
-                    <a:lumMod val="85000"/>
-                    <a:lumOff val="15000"/>
-                  </a:schemeClr>
-                </a:solidFill>
-                <a:latin typeface="Arial"/>
-                <a:cs typeface="Arial"/>
-              </a:rPr>
-              <a:t>serão</a:t>
-            </a:r>
-            <a:r>
-              <a:rPr lang="en-US" sz="1600" dirty="0">
-                <a:solidFill>
-                  <a:schemeClr val="tx1">
-                    <a:lumMod val="85000"/>
-                    <a:lumOff val="15000"/>
-                  </a:schemeClr>
-                </a:solidFill>
-                <a:latin typeface="Arial"/>
-                <a:cs typeface="Arial"/>
-              </a:rPr>
-              <a:t> </a:t>
-            </a:r>
-            <a:r>
-              <a:rPr lang="en-US" sz="1600" dirty="0" err="1">
-                <a:solidFill>
-                  <a:schemeClr val="tx1">
-                    <a:lumMod val="85000"/>
-                    <a:lumOff val="15000"/>
-                  </a:schemeClr>
-                </a:solidFill>
-                <a:latin typeface="Arial"/>
-                <a:cs typeface="Arial"/>
-              </a:rPr>
-              <a:t>enviados</a:t>
-            </a:r>
-            <a:r>
-              <a:rPr lang="en-US" sz="1600" dirty="0">
-                <a:solidFill>
-                  <a:schemeClr val="tx1">
-                    <a:lumMod val="85000"/>
-                    <a:lumOff val="15000"/>
-                  </a:schemeClr>
-                </a:solidFill>
-                <a:latin typeface="Arial"/>
-                <a:cs typeface="Arial"/>
-              </a:rPr>
-              <a:t> para o </a:t>
-            </a:r>
-            <a:r>
-              <a:rPr lang="en-US" sz="1600" dirty="0" err="1">
-                <a:solidFill>
-                  <a:schemeClr val="tx1">
-                    <a:lumMod val="85000"/>
-                    <a:lumOff val="15000"/>
-                  </a:schemeClr>
-                </a:solidFill>
-                <a:latin typeface="Arial"/>
-                <a:cs typeface="Arial"/>
-              </a:rPr>
-              <a:t>sistema</a:t>
-            </a:r>
-            <a:r>
-              <a:rPr lang="en-US" sz="1600" dirty="0">
-                <a:solidFill>
-                  <a:schemeClr val="tx1">
-                    <a:lumMod val="85000"/>
-                    <a:lumOff val="15000"/>
-                  </a:schemeClr>
-                </a:solidFill>
-                <a:latin typeface="Arial"/>
-                <a:cs typeface="Arial"/>
-              </a:rPr>
-              <a:t> da </a:t>
-            </a:r>
-            <a:r>
-              <a:rPr lang="en-US" sz="1600" dirty="0" err="1">
-                <a:solidFill>
-                  <a:schemeClr val="tx1">
-                    <a:lumMod val="85000"/>
-                    <a:lumOff val="15000"/>
-                  </a:schemeClr>
-                </a:solidFill>
-                <a:latin typeface="Arial"/>
-                <a:cs typeface="Arial"/>
-              </a:rPr>
-              <a:t>empresa</a:t>
-            </a:r>
-            <a:r>
-              <a:rPr lang="en-US" sz="1600" dirty="0">
-                <a:solidFill>
-                  <a:schemeClr val="tx1">
-                    <a:lumMod val="85000"/>
-                    <a:lumOff val="15000"/>
-                  </a:schemeClr>
-                </a:solidFill>
-                <a:latin typeface="Arial"/>
-                <a:cs typeface="Arial"/>
-              </a:rPr>
-              <a:t> para o </a:t>
-            </a:r>
-            <a:r>
-              <a:rPr lang="en-US" sz="1600" dirty="0" err="1">
-                <a:solidFill>
-                  <a:schemeClr val="tx1">
-                    <a:lumMod val="85000"/>
-                    <a:lumOff val="15000"/>
-                  </a:schemeClr>
-                </a:solidFill>
-                <a:latin typeface="Arial"/>
-                <a:cs typeface="Arial"/>
-              </a:rPr>
-              <a:t>monitoramento</a:t>
-            </a:r>
-            <a:r>
-              <a:rPr lang="en-US" sz="1600" dirty="0">
-                <a:solidFill>
-                  <a:schemeClr val="tx1">
-                    <a:lumMod val="85000"/>
-                    <a:lumOff val="15000"/>
-                  </a:schemeClr>
-                </a:solidFill>
-                <a:latin typeface="Arial"/>
-                <a:cs typeface="Arial"/>
-              </a:rPr>
-              <a:t> e </a:t>
-            </a:r>
-            <a:r>
-              <a:rPr lang="en-US" sz="1600" dirty="0" err="1">
-                <a:solidFill>
-                  <a:schemeClr val="tx1">
-                    <a:lumMod val="85000"/>
-                    <a:lumOff val="15000"/>
-                  </a:schemeClr>
-                </a:solidFill>
-                <a:latin typeface="Arial"/>
-                <a:cs typeface="Arial"/>
-              </a:rPr>
-              <a:t>gerencimento</a:t>
-            </a:r>
-            <a:endParaRPr lang="en-US" sz="1600" dirty="0">
-              <a:solidFill>
-                <a:schemeClr val="tx1">
-                  <a:lumMod val="85000"/>
-                  <a:lumOff val="15000"/>
-                </a:schemeClr>
-              </a:solidFill>
-              <a:latin typeface="Arial"/>
-              <a:cs typeface="Arial"/>
-            </a:endParaRPr>
+              <a:t>O responsável pelo ambiente pode controlar a temperatura ambiente de acordo com os dados fornecidos pelo sistema.</a:t>
+            </a:r>
           </a:p>
         </p:txBody>
       </p:sp>
       <p:pic>
         <p:nvPicPr>
-          <p:cNvPr id="21" name="Picture 30" descr="A close up of a device&#10;&#10;Description generated with very high confidence">
+          <p:cNvPr id="11" name="Imagem 10" descr="Uma imagem contendo lego&#10;&#10;Descrição gerada automaticamente">
             <a:extLst>
               <a:ext uri="{FF2B5EF4-FFF2-40B4-BE49-F238E27FC236}">
-                <a16:creationId xmlns:a16="http://schemas.microsoft.com/office/drawing/2014/main" id="{64311C35-AE07-45F0-9E8D-286483932DBC}"/>
+                <a16:creationId xmlns:a16="http://schemas.microsoft.com/office/drawing/2014/main" id="{75CCF98C-9716-4BFB-817E-3CAB031EC69E}"/>
               </a:ext>
             </a:extLst>
           </p:cNvPr>
@@ -7105,15 +7931,21 @@
           <p:nvPr/>
         </p:nvPicPr>
         <p:blipFill>
-          <a:blip r:embed="rId13"/>
+          <a:blip r:embed="rId3" cstate="print">
+            <a:extLst>
+              <a:ext uri="{28A0092B-C50C-407E-A947-70E740481C1C}">
+                <a14:useLocalDpi xmlns:a14="http://schemas.microsoft.com/office/drawing/2010/main" val="0"/>
+              </a:ext>
+            </a:extLst>
+          </a:blip>
           <a:stretch>
             <a:fillRect/>
           </a:stretch>
         </p:blipFill>
         <p:spPr>
           <a:xfrm>
-            <a:off x="6316001" y="819390"/>
-            <a:ext cx="1061049" cy="1075425"/>
+            <a:off x="2707913" y="3889515"/>
+            <a:ext cx="2477136" cy="1908356"/>
           </a:xfrm>
           <a:prstGeom prst="rect">
             <a:avLst/>
@@ -7122,20 +7954,14 @@
       </p:pic>
       <p:sp>
         <p:nvSpPr>
-          <p:cNvPr id="22" name="TextBox 33">
-            <a:extLst>
-              <a:ext uri="{FF2B5EF4-FFF2-40B4-BE49-F238E27FC236}">
-                <a16:creationId xmlns:a16="http://schemas.microsoft.com/office/drawing/2014/main" id="{46EBE350-3D70-431B-BFCA-8FAC071B45DB}"/>
-              </a:ext>
-            </a:extLst>
-          </p:cNvPr>
+          <p:cNvPr id="23" name="CaixaDeTexto 22"/>
           <p:cNvSpPr txBox="1"/>
           <p:nvPr/>
         </p:nvSpPr>
         <p:spPr>
           <a:xfrm>
-            <a:off x="5904131" y="472028"/>
-            <a:ext cx="1916776" cy="338554"/>
+            <a:off x="6580784" y="5881825"/>
+            <a:ext cx="3743438" cy="584775"/>
           </a:xfrm>
           <a:prstGeom prst="rect">
             <a:avLst/>
@@ -7143,114 +7969,42 @@
           <a:noFill/>
         </p:spPr>
         <p:txBody>
-          <a:bodyPr rot="0" spcFirstLastPara="0" vertOverflow="overflow" horzOverflow="overflow" vert="horz" wrap="square" lIns="91440" tIns="45720" rIns="91440" bIns="45720" numCol="1" spcCol="0" rtlCol="0" fromWordArt="0" anchor="t" anchorCtr="0" forceAA="0" compatLnSpc="1">
-            <a:prstTxWarp prst="textNoShape">
-              <a:avLst/>
-            </a:prstTxWarp>
+          <a:bodyPr wrap="square" rtlCol="0">
             <a:spAutoFit/>
           </a:bodyPr>
           <a:lstStyle/>
           <a:p>
             <a:pPr algn="ctr"/>
             <a:r>
-              <a:rPr lang="en-US" sz="1600" dirty="0" err="1">
-                <a:solidFill>
-                  <a:schemeClr val="tx1">
-                    <a:lumMod val="85000"/>
-                    <a:lumOff val="15000"/>
-                  </a:schemeClr>
-                </a:solidFill>
-                <a:latin typeface="Arial"/>
-                <a:cs typeface="Arial"/>
+              <a:rPr lang="pt-BR" sz="1600" dirty="0">
+                <a:latin typeface="Bariol Bold" panose="02000506040000020003"/>
+                <a:cs typeface="Arial" panose="020B0604020202020204" pitchFamily="34" charset="0"/>
               </a:rPr>
-              <a:t>Roteador</a:t>
-            </a:r>
-            <a:r>
-              <a:rPr lang="en-US" sz="1600" dirty="0">
-                <a:solidFill>
-                  <a:schemeClr val="tx1">
-                    <a:lumMod val="85000"/>
-                    <a:lumOff val="15000"/>
-                  </a:schemeClr>
-                </a:solidFill>
-                <a:latin typeface="Arial"/>
-                <a:cs typeface="Arial"/>
+              <a:t>Essas informações serão disponibilizadas em um </a:t>
+            </a:r>
+            <a:r>
+              <a:rPr lang="pt-BR" sz="1600" dirty="0" err="1">
+                <a:latin typeface="Bariol Bold" panose="02000506040000020003"/>
+                <a:cs typeface="Arial" panose="020B0604020202020204" pitchFamily="34" charset="0"/>
               </a:rPr>
-              <a:t> </a:t>
-            </a:r>
-            <a:r>
-              <a:rPr lang="en-US" sz="1600" dirty="0" err="1">
-                <a:solidFill>
-                  <a:schemeClr val="tx1">
-                    <a:lumMod val="85000"/>
-                    <a:lumOff val="15000"/>
-                  </a:schemeClr>
-                </a:solidFill>
-                <a:latin typeface="Arial"/>
-                <a:cs typeface="Arial"/>
+              <a:t>dashboard</a:t>
+            </a:r>
+            <a:r>
+              <a:rPr lang="pt-BR" sz="1600" dirty="0">
+                <a:latin typeface="Bariol Bold" panose="02000506040000020003"/>
+                <a:cs typeface="Arial" panose="020B0604020202020204" pitchFamily="34" charset="0"/>
               </a:rPr>
-              <a:t>Wirelles</a:t>
-            </a:r>
-          </a:p>
-        </p:txBody>
-      </p:sp>
-      <p:sp>
-        <p:nvSpPr>
-          <p:cNvPr id="23" name="Retângulo 22"/>
-          <p:cNvSpPr/>
-          <p:nvPr/>
-        </p:nvSpPr>
-        <p:spPr>
-          <a:xfrm>
-            <a:off x="4769849" y="3937760"/>
-            <a:ext cx="2834640" cy="2560320"/>
-          </a:xfrm>
-          <a:prstGeom prst="rect">
-            <a:avLst/>
-          </a:prstGeom>
-          <a:solidFill>
-            <a:schemeClr val="bg1"/>
-          </a:solidFill>
-          <a:ln>
-            <a:solidFill>
-              <a:schemeClr val="tx1">
-                <a:lumMod val="50000"/>
-                <a:lumOff val="50000"/>
-              </a:schemeClr>
-            </a:solidFill>
-          </a:ln>
-        </p:spPr>
-        <p:style>
-          <a:lnRef idx="2">
-            <a:schemeClr val="accent1">
-              <a:shade val="50000"/>
-            </a:schemeClr>
-          </a:lnRef>
-          <a:fillRef idx="1">
-            <a:schemeClr val="accent1"/>
-          </a:fillRef>
-          <a:effectRef idx="0">
-            <a:schemeClr val="accent1"/>
-          </a:effectRef>
-          <a:fontRef idx="minor">
-            <a:schemeClr val="lt1"/>
-          </a:fontRef>
-        </p:style>
-        <p:txBody>
-          <a:bodyPr rtlCol="0" anchor="ctr"/>
-          <a:lstStyle/>
-          <a:p>
-            <a:pPr algn="ctr"/>
-            <a:endParaRPr lang="pt-BR"/>
+              <a:t> através de um website.</a:t>
+            </a:r>
           </a:p>
         </p:txBody>
       </p:sp>
       <p:pic>
         <p:nvPicPr>
-          <p:cNvPr id="24" name="Picture 13" descr="A picture containing comb&#10;&#10;Description generated with very high confidence">
+          <p:cNvPr id="8" name="Imagem 7" descr="Uma imagem contendo relógio, mesa, computador, tela&#10;&#10;Descrição gerada automaticamente">
             <a:extLst>
               <a:ext uri="{FF2B5EF4-FFF2-40B4-BE49-F238E27FC236}">
-                <a16:creationId xmlns:a16="http://schemas.microsoft.com/office/drawing/2014/main" id="{96E322C2-909A-46BB-B588-211766AB85E0}"/>
+                <a16:creationId xmlns:a16="http://schemas.microsoft.com/office/drawing/2014/main" id="{CA5FBE93-39D7-43EB-BC2F-F7757B0AEB93}"/>
               </a:ext>
             </a:extLst>
           </p:cNvPr>
@@ -7260,491 +8014,44 @@
           <p:nvPr/>
         </p:nvPicPr>
         <p:blipFill>
-          <a:blip r:embed="rId14"/>
+          <a:blip r:embed="rId4" cstate="print">
+            <a:extLst>
+              <a:ext uri="{28A0092B-C50C-407E-A947-70E740481C1C}">
+                <a14:useLocalDpi xmlns:a14="http://schemas.microsoft.com/office/drawing/2010/main" val="0"/>
+              </a:ext>
+            </a:extLst>
+          </a:blip>
           <a:stretch>
             <a:fillRect/>
           </a:stretch>
         </p:blipFill>
         <p:spPr>
           <a:xfrm>
-            <a:off x="5343964" y="4650330"/>
-            <a:ext cx="1707612" cy="1648627"/>
+            <a:off x="7141203" y="3640906"/>
+            <a:ext cx="3034762" cy="2242989"/>
           </a:xfrm>
           <a:prstGeom prst="rect">
             <a:avLst/>
           </a:prstGeom>
         </p:spPr>
       </p:pic>
-      <p:sp>
-        <p:nvSpPr>
-          <p:cNvPr id="25" name="TextBox 61">
-            <a:extLst>
-              <a:ext uri="{FF2B5EF4-FFF2-40B4-BE49-F238E27FC236}">
-                <a16:creationId xmlns:a16="http://schemas.microsoft.com/office/drawing/2014/main" id="{2B0D8CBA-CC14-4E5F-B4F1-1633DDE93E6E}"/>
-              </a:ext>
-            </a:extLst>
-          </p:cNvPr>
-          <p:cNvSpPr txBox="1"/>
-          <p:nvPr/>
-        </p:nvSpPr>
-        <p:spPr>
-          <a:xfrm>
-            <a:off x="5356588" y="4091911"/>
-            <a:ext cx="1647006" cy="338554"/>
-          </a:xfrm>
-          <a:prstGeom prst="rect">
-            <a:avLst/>
-          </a:prstGeom>
-          <a:noFill/>
-        </p:spPr>
-        <p:txBody>
-          <a:bodyPr rot="0" spcFirstLastPara="0" vertOverflow="overflow" horzOverflow="overflow" vert="horz" wrap="square" lIns="91440" tIns="45720" rIns="91440" bIns="45720" numCol="1" spcCol="0" rtlCol="0" fromWordArt="0" anchor="t" anchorCtr="0" forceAA="0" compatLnSpc="1">
-            <a:prstTxWarp prst="textNoShape">
-              <a:avLst/>
-            </a:prstTxWarp>
-            <a:spAutoFit/>
-          </a:bodyPr>
-          <a:lstStyle/>
-          <a:p>
-            <a:pPr algn="ctr"/>
-            <a:r>
-              <a:rPr lang="en-US" sz="1600" dirty="0" smtClean="0">
-                <a:solidFill>
-                  <a:schemeClr val="tx1">
-                    <a:lumMod val="85000"/>
-                    <a:lumOff val="15000"/>
-                  </a:schemeClr>
-                </a:solidFill>
-                <a:latin typeface="Arial"/>
-                <a:cs typeface="Arial"/>
-              </a:rPr>
-              <a:t>Internet</a:t>
-            </a:r>
-            <a:endParaRPr lang="en-US" sz="1600" dirty="0">
-              <a:solidFill>
-                <a:schemeClr val="tx1">
-                  <a:lumMod val="85000"/>
-                  <a:lumOff val="15000"/>
-                </a:schemeClr>
-              </a:solidFill>
-              <a:latin typeface="Arial"/>
-              <a:cs typeface="Arial"/>
-            </a:endParaRPr>
-          </a:p>
-        </p:txBody>
-      </p:sp>
-      <p:sp>
-        <p:nvSpPr>
-          <p:cNvPr id="26" name="Retângulo 25"/>
-          <p:cNvSpPr/>
-          <p:nvPr/>
-        </p:nvSpPr>
-        <p:spPr>
-          <a:xfrm>
-            <a:off x="600892" y="3902803"/>
-            <a:ext cx="2811093" cy="2560320"/>
-          </a:xfrm>
-          <a:prstGeom prst="rect">
-            <a:avLst/>
-          </a:prstGeom>
-          <a:solidFill>
-            <a:schemeClr val="bg1"/>
-          </a:solidFill>
-          <a:ln>
-            <a:solidFill>
-              <a:schemeClr val="tx1">
-                <a:lumMod val="50000"/>
-                <a:lumOff val="50000"/>
-              </a:schemeClr>
-            </a:solidFill>
-          </a:ln>
-        </p:spPr>
-        <p:style>
-          <a:lnRef idx="2">
-            <a:schemeClr val="accent1">
-              <a:shade val="50000"/>
-            </a:schemeClr>
-          </a:lnRef>
-          <a:fillRef idx="1">
-            <a:schemeClr val="accent1"/>
-          </a:fillRef>
-          <a:effectRef idx="0">
-            <a:schemeClr val="accent1"/>
-          </a:effectRef>
-          <a:fontRef idx="minor">
-            <a:schemeClr val="lt1"/>
-          </a:fontRef>
-        </p:style>
-        <p:txBody>
-          <a:bodyPr rtlCol="0" anchor="ctr"/>
-          <a:lstStyle/>
-          <a:p>
-            <a:pPr algn="ctr"/>
-            <a:endParaRPr lang="pt-BR"/>
-          </a:p>
-        </p:txBody>
-      </p:sp>
-      <p:pic>
-        <p:nvPicPr>
-          <p:cNvPr id="27" name="Picture 68" descr="A close up of a sign&#10;&#10;Description generated with high confidence">
-            <a:extLst>
-              <a:ext uri="{FF2B5EF4-FFF2-40B4-BE49-F238E27FC236}">
-                <a16:creationId xmlns:a16="http://schemas.microsoft.com/office/drawing/2014/main" id="{C7BC0718-3AEC-417A-BD8F-3A387BBF0481}"/>
-              </a:ext>
-            </a:extLst>
-          </p:cNvPr>
-          <p:cNvPicPr>
-            <a:picLocks noChangeAspect="1"/>
-          </p:cNvPicPr>
-          <p:nvPr/>
-        </p:nvPicPr>
-        <p:blipFill>
-          <a:blip r:embed="rId15"/>
-          <a:stretch>
-            <a:fillRect/>
-          </a:stretch>
-        </p:blipFill>
-        <p:spPr>
-          <a:xfrm>
-            <a:off x="2052968" y="3940352"/>
-            <a:ext cx="1132042" cy="1110439"/>
-          </a:xfrm>
-          <a:prstGeom prst="rect">
-            <a:avLst/>
-          </a:prstGeom>
-        </p:spPr>
-      </p:pic>
-      <p:pic>
-        <p:nvPicPr>
-          <p:cNvPr id="28" name="Picture 70" descr="A screen shot of a computer&#10;&#10;Description generated with very high confidence">
-            <a:extLst>
-              <a:ext uri="{FF2B5EF4-FFF2-40B4-BE49-F238E27FC236}">
-                <a16:creationId xmlns:a16="http://schemas.microsoft.com/office/drawing/2014/main" id="{0CAA2E08-371C-4778-B698-82EA38A03D11}"/>
-              </a:ext>
-            </a:extLst>
-          </p:cNvPr>
-          <p:cNvPicPr>
-            <a:picLocks noChangeAspect="1"/>
-          </p:cNvPicPr>
-          <p:nvPr/>
-        </p:nvPicPr>
-        <p:blipFill>
-          <a:blip r:embed="rId16"/>
-          <a:stretch>
-            <a:fillRect/>
-          </a:stretch>
-        </p:blipFill>
-        <p:spPr>
-          <a:xfrm>
-            <a:off x="1200499" y="5279305"/>
-            <a:ext cx="1590450" cy="1050409"/>
-          </a:xfrm>
-          <a:prstGeom prst="rect">
-            <a:avLst/>
-          </a:prstGeom>
-        </p:spPr>
-      </p:pic>
-      <p:pic>
-        <p:nvPicPr>
-          <p:cNvPr id="29" name="Picture 73" descr="A close up of a logo&#10;&#10;Description generated with high confidence">
-            <a:extLst>
-              <a:ext uri="{FF2B5EF4-FFF2-40B4-BE49-F238E27FC236}">
-                <a16:creationId xmlns:a16="http://schemas.microsoft.com/office/drawing/2014/main" id="{385A0B54-3BDE-4902-8311-81E6A8A2E57E}"/>
-              </a:ext>
-            </a:extLst>
-          </p:cNvPr>
-          <p:cNvPicPr>
-            <a:picLocks noChangeAspect="1"/>
-          </p:cNvPicPr>
-          <p:nvPr/>
-        </p:nvPicPr>
-        <p:blipFill>
-          <a:blip r:embed="rId17"/>
-          <a:stretch>
-            <a:fillRect/>
-          </a:stretch>
-        </p:blipFill>
-        <p:spPr>
-          <a:xfrm>
-            <a:off x="853784" y="4047958"/>
-            <a:ext cx="872795" cy="883597"/>
-          </a:xfrm>
-          <a:prstGeom prst="rect">
-            <a:avLst/>
-          </a:prstGeom>
-        </p:spPr>
-      </p:pic>
-      <p:sp>
-        <p:nvSpPr>
-          <p:cNvPr id="30" name="Retângulo 29"/>
-          <p:cNvSpPr/>
-          <p:nvPr/>
-        </p:nvSpPr>
-        <p:spPr>
-          <a:xfrm>
-            <a:off x="8813101" y="3896533"/>
-            <a:ext cx="2834640" cy="2560320"/>
-          </a:xfrm>
-          <a:prstGeom prst="rect">
-            <a:avLst/>
-          </a:prstGeom>
-          <a:solidFill>
-            <a:schemeClr val="bg1"/>
-          </a:solidFill>
-          <a:ln>
-            <a:solidFill>
-              <a:schemeClr val="tx1">
-                <a:lumMod val="50000"/>
-                <a:lumOff val="50000"/>
-              </a:schemeClr>
-            </a:solidFill>
-          </a:ln>
-        </p:spPr>
-        <p:style>
-          <a:lnRef idx="2">
-            <a:schemeClr val="accent1">
-              <a:shade val="50000"/>
-            </a:schemeClr>
-          </a:lnRef>
-          <a:fillRef idx="1">
-            <a:schemeClr val="accent1"/>
-          </a:fillRef>
-          <a:effectRef idx="0">
-            <a:schemeClr val="accent1"/>
-          </a:effectRef>
-          <a:fontRef idx="minor">
-            <a:schemeClr val="lt1"/>
-          </a:fontRef>
-        </p:style>
-        <p:txBody>
-          <a:bodyPr rtlCol="0" anchor="ctr"/>
-          <a:lstStyle/>
-          <a:p>
-            <a:pPr algn="ctr"/>
-            <a:endParaRPr lang="pt-BR"/>
-          </a:p>
-        </p:txBody>
-      </p:sp>
-      <p:pic>
-        <p:nvPicPr>
-          <p:cNvPr id="31" name="Picture 79" descr="A close up of a logo&#10;&#10;Description generated with very high confidence">
-            <a:extLst>
-              <a:ext uri="{FF2B5EF4-FFF2-40B4-BE49-F238E27FC236}">
-                <a16:creationId xmlns:a16="http://schemas.microsoft.com/office/drawing/2014/main" id="{7EA4B790-3FF9-4E6B-891E-C4B0A8AC7E5E}"/>
-              </a:ext>
-            </a:extLst>
-          </p:cNvPr>
-          <p:cNvPicPr>
-            <a:picLocks noChangeAspect="1"/>
-          </p:cNvPicPr>
-          <p:nvPr/>
-        </p:nvPicPr>
-        <p:blipFill>
-          <a:blip r:embed="rId18"/>
-          <a:stretch>
-            <a:fillRect/>
-          </a:stretch>
-        </p:blipFill>
-        <p:spPr>
-          <a:xfrm>
-            <a:off x="9564613" y="4047958"/>
-            <a:ext cx="1338116" cy="936724"/>
-          </a:xfrm>
-          <a:prstGeom prst="rect">
-            <a:avLst/>
-          </a:prstGeom>
-          <a:ln>
-            <a:noFill/>
-          </a:ln>
-        </p:spPr>
-      </p:pic>
-      <p:sp>
-        <p:nvSpPr>
-          <p:cNvPr id="32" name="TextBox 88">
-            <a:extLst>
-              <a:ext uri="{FF2B5EF4-FFF2-40B4-BE49-F238E27FC236}">
-                <a16:creationId xmlns:a16="http://schemas.microsoft.com/office/drawing/2014/main" id="{194A1E76-091F-4A2D-A3A3-64B09C6107D4}"/>
-              </a:ext>
-            </a:extLst>
-          </p:cNvPr>
-          <p:cNvSpPr txBox="1"/>
-          <p:nvPr/>
-        </p:nvSpPr>
-        <p:spPr>
-          <a:xfrm>
-            <a:off x="9357336" y="5224777"/>
-            <a:ext cx="1746169" cy="1323439"/>
-          </a:xfrm>
-          <a:prstGeom prst="rect">
-            <a:avLst/>
-          </a:prstGeom>
-          <a:noFill/>
-          <a:ln>
-            <a:noFill/>
-          </a:ln>
-        </p:spPr>
-        <p:txBody>
-          <a:bodyPr rot="0" spcFirstLastPara="0" vertOverflow="overflow" horzOverflow="overflow" vert="horz" wrap="square" lIns="91440" tIns="45720" rIns="91440" bIns="45720" numCol="1" spcCol="0" rtlCol="0" fromWordArt="0" anchor="t" anchorCtr="0" forceAA="0" compatLnSpc="1">
-            <a:prstTxWarp prst="textNoShape">
-              <a:avLst/>
-            </a:prstTxWarp>
-            <a:spAutoFit/>
-          </a:bodyPr>
-          <a:lstStyle/>
-          <a:p>
-            <a:pPr marL="285750" indent="-285750" algn="l">
-              <a:buFont typeface="Arial" panose="020B0604020202020204" pitchFamily="34" charset="0"/>
-              <a:buChar char="•"/>
-            </a:pPr>
-            <a:r>
-              <a:rPr lang="en-US" sz="1600" dirty="0" err="1" smtClean="0">
-                <a:solidFill>
-                  <a:schemeClr val="tx1">
-                    <a:lumMod val="85000"/>
-                    <a:lumOff val="15000"/>
-                  </a:schemeClr>
-                </a:solidFill>
-                <a:latin typeface="Arial"/>
-                <a:cs typeface="Arial"/>
-              </a:rPr>
-              <a:t>Servidores</a:t>
-            </a:r>
-            <a:endParaRPr lang="en-US" sz="1600" dirty="0" smtClean="0">
-              <a:solidFill>
-                <a:schemeClr val="tx1">
-                  <a:lumMod val="85000"/>
-                  <a:lumOff val="15000"/>
-                </a:schemeClr>
-              </a:solidFill>
-              <a:latin typeface="Arial"/>
-              <a:cs typeface="Arial"/>
-            </a:endParaRPr>
-          </a:p>
-          <a:p>
-            <a:pPr marL="285750" indent="-285750">
-              <a:buFont typeface="Arial" panose="020B0604020202020204" pitchFamily="34" charset="0"/>
-              <a:buChar char="•"/>
-            </a:pPr>
-            <a:r>
-              <a:rPr lang="en-US" sz="1600" dirty="0" err="1" smtClean="0">
-                <a:solidFill>
-                  <a:schemeClr val="tx1">
-                    <a:lumMod val="85000"/>
-                    <a:lumOff val="15000"/>
-                  </a:schemeClr>
-                </a:solidFill>
-                <a:latin typeface="Arial"/>
-                <a:cs typeface="Arial"/>
-              </a:rPr>
-              <a:t>Plataforma</a:t>
-            </a:r>
-            <a:endParaRPr lang="en-US" sz="1600" dirty="0" smtClean="0">
-              <a:solidFill>
-                <a:schemeClr val="tx1">
-                  <a:lumMod val="85000"/>
-                  <a:lumOff val="15000"/>
-                </a:schemeClr>
-              </a:solidFill>
-              <a:latin typeface="Arial"/>
-              <a:cs typeface="Arial"/>
-            </a:endParaRPr>
-          </a:p>
-          <a:p>
-            <a:pPr marL="285750" indent="-285750">
-              <a:buFont typeface="Arial" panose="020B0604020202020204" pitchFamily="34" charset="0"/>
-              <a:buChar char="•"/>
-            </a:pPr>
-            <a:r>
-              <a:rPr lang="en-US" sz="1600" dirty="0" err="1">
-                <a:solidFill>
-                  <a:schemeClr val="tx1">
-                    <a:lumMod val="85000"/>
-                    <a:lumOff val="15000"/>
-                  </a:schemeClr>
-                </a:solidFill>
-                <a:latin typeface="Arial"/>
-                <a:cs typeface="Arial"/>
-              </a:rPr>
-              <a:t>Sistemas</a:t>
-            </a:r>
-            <a:endParaRPr lang="en-US" sz="1600" dirty="0">
-              <a:solidFill>
-                <a:schemeClr val="tx1">
-                  <a:lumMod val="85000"/>
-                  <a:lumOff val="15000"/>
-                </a:schemeClr>
-              </a:solidFill>
-              <a:latin typeface="Arial"/>
-              <a:cs typeface="Arial"/>
-            </a:endParaRPr>
-          </a:p>
-          <a:p>
-            <a:pPr marL="285750" indent="-285750">
-              <a:buFont typeface="Arial" panose="020B0604020202020204" pitchFamily="34" charset="0"/>
-              <a:buChar char="•"/>
-            </a:pPr>
-            <a:r>
-              <a:rPr lang="en-US" sz="1600" dirty="0" err="1">
-                <a:solidFill>
-                  <a:schemeClr val="tx1">
-                    <a:lumMod val="85000"/>
-                    <a:lumOff val="15000"/>
-                  </a:schemeClr>
-                </a:solidFill>
-                <a:latin typeface="Arial"/>
-                <a:cs typeface="Arial"/>
-              </a:rPr>
-              <a:t>Comunicação</a:t>
-            </a:r>
-            <a:endParaRPr lang="en-US" sz="1600" dirty="0">
-              <a:solidFill>
-                <a:schemeClr val="tx1">
-                  <a:lumMod val="85000"/>
-                  <a:lumOff val="15000"/>
-                </a:schemeClr>
-              </a:solidFill>
-              <a:latin typeface="Arial"/>
-              <a:cs typeface="Arial"/>
-            </a:endParaRPr>
-          </a:p>
-          <a:p>
-            <a:pPr marL="285750" indent="-285750">
-              <a:buFont typeface="Arial" panose="020B0604020202020204" pitchFamily="34" charset="0"/>
-              <a:buChar char="•"/>
-            </a:pPr>
-            <a:endParaRPr lang="en-US" sz="1600" dirty="0">
-              <a:solidFill>
-                <a:schemeClr val="tx1">
-                  <a:lumMod val="85000"/>
-                  <a:lumOff val="15000"/>
-                </a:schemeClr>
-              </a:solidFill>
-              <a:latin typeface="Arial"/>
-              <a:cs typeface="Arial"/>
-            </a:endParaRPr>
-          </a:p>
-        </p:txBody>
-      </p:sp>
       <p:cxnSp>
         <p:nvCxnSpPr>
-          <p:cNvPr id="33" name="Conector de Seta Reta 32"/>
+          <p:cNvPr id="32" name="Conector de Seta Reta 31"/>
           <p:cNvCxnSpPr/>
           <p:nvPr/>
         </p:nvCxnSpPr>
         <p:spPr>
-          <a:xfrm rot="16200000" flipV="1">
-            <a:off x="8192122" y="4862527"/>
-            <a:ext cx="0" cy="675181"/>
+          <a:xfrm flipH="1">
+            <a:off x="5813550" y="4843693"/>
+            <a:ext cx="801702" cy="3725"/>
           </a:xfrm>
           <a:prstGeom prst="straightConnector1">
             <a:avLst/>
           </a:prstGeom>
           <a:ln w="38100">
             <a:solidFill>
-              <a:schemeClr val="tx1">
-                <a:lumMod val="75000"/>
-                <a:lumOff val="25000"/>
-              </a:schemeClr>
+              <a:srgbClr val="35B794"/>
             </a:solidFill>
             <a:tailEnd type="triangle"/>
           </a:ln>
@@ -7764,123 +8071,80 @@
           </a:fontRef>
         </p:style>
       </p:cxnSp>
-      <p:cxnSp>
-        <p:nvCxnSpPr>
-          <p:cNvPr id="34" name="Conector de Seta Reta 33"/>
-          <p:cNvCxnSpPr/>
-          <p:nvPr/>
-        </p:nvCxnSpPr>
-        <p:spPr>
-          <a:xfrm rot="16200000">
-            <a:off x="8242980" y="5137053"/>
-            <a:ext cx="0" cy="675181"/>
-          </a:xfrm>
-          <a:prstGeom prst="straightConnector1">
-            <a:avLst/>
-          </a:prstGeom>
-          <a:ln w="38100">
-            <a:solidFill>
-              <a:schemeClr val="tx1">
-                <a:lumMod val="75000"/>
-                <a:lumOff val="25000"/>
-              </a:schemeClr>
-            </a:solidFill>
-            <a:tailEnd type="triangle"/>
-          </a:ln>
-        </p:spPr>
-        <p:style>
-          <a:lnRef idx="1">
-            <a:schemeClr val="accent1"/>
-          </a:lnRef>
-          <a:fillRef idx="0">
-            <a:schemeClr val="accent1"/>
-          </a:fillRef>
-          <a:effectRef idx="0">
-            <a:schemeClr val="accent1"/>
-          </a:effectRef>
-          <a:fontRef idx="minor">
-            <a:schemeClr val="tx1"/>
-          </a:fontRef>
-        </p:style>
-      </p:cxnSp>
-      <p:cxnSp>
-        <p:nvCxnSpPr>
-          <p:cNvPr id="35" name="Conector de Seta Reta 34"/>
-          <p:cNvCxnSpPr/>
-          <p:nvPr/>
-        </p:nvCxnSpPr>
-        <p:spPr>
-          <a:xfrm rot="16200000" flipV="1">
-            <a:off x="4077311" y="4859479"/>
-            <a:ext cx="0" cy="675181"/>
-          </a:xfrm>
-          <a:prstGeom prst="straightConnector1">
-            <a:avLst/>
-          </a:prstGeom>
-          <a:ln w="38100">
-            <a:solidFill>
-              <a:schemeClr val="tx1">
-                <a:lumMod val="75000"/>
-                <a:lumOff val="25000"/>
-              </a:schemeClr>
-            </a:solidFill>
-            <a:tailEnd type="triangle"/>
-          </a:ln>
-        </p:spPr>
-        <p:style>
-          <a:lnRef idx="1">
-            <a:schemeClr val="accent1"/>
-          </a:lnRef>
-          <a:fillRef idx="0">
-            <a:schemeClr val="accent1"/>
-          </a:fillRef>
-          <a:effectRef idx="0">
-            <a:schemeClr val="accent1"/>
-          </a:effectRef>
-          <a:fontRef idx="minor">
-            <a:schemeClr val="tx1"/>
-          </a:fontRef>
-        </p:style>
-      </p:cxnSp>
-      <p:cxnSp>
-        <p:nvCxnSpPr>
-          <p:cNvPr id="36" name="Conector de Seta Reta 35"/>
-          <p:cNvCxnSpPr/>
-          <p:nvPr/>
-        </p:nvCxnSpPr>
-        <p:spPr>
-          <a:xfrm rot="16200000">
-            <a:off x="4128169" y="5134005"/>
-            <a:ext cx="0" cy="675181"/>
-          </a:xfrm>
-          <a:prstGeom prst="straightConnector1">
-            <a:avLst/>
-          </a:prstGeom>
-          <a:ln w="38100">
-            <a:solidFill>
-              <a:schemeClr val="tx1">
-                <a:lumMod val="75000"/>
-                <a:lumOff val="25000"/>
-              </a:schemeClr>
-            </a:solidFill>
-            <a:tailEnd type="triangle"/>
-          </a:ln>
-        </p:spPr>
-        <p:style>
-          <a:lnRef idx="1">
-            <a:schemeClr val="accent1"/>
-          </a:lnRef>
-          <a:fillRef idx="0">
-            <a:schemeClr val="accent1"/>
-          </a:fillRef>
-          <a:effectRef idx="0">
-            <a:schemeClr val="accent1"/>
-          </a:effectRef>
-          <a:fontRef idx="minor">
-            <a:schemeClr val="tx1"/>
-          </a:fontRef>
-        </p:style>
-      </p:cxnSp>
+      <p:pic>
+        <p:nvPicPr>
+          <p:cNvPr id="3" name="Imagem 2" descr="Texto preto sobre fundo branco&#10;&#10;Descrição gerada automaticamente">
+            <a:extLst>
+              <a:ext uri="{FF2B5EF4-FFF2-40B4-BE49-F238E27FC236}">
+                <a16:creationId xmlns:a16="http://schemas.microsoft.com/office/drawing/2014/main" id="{97EDB81F-85CF-4096-BBCE-16F66B59122E}"/>
+              </a:ext>
+            </a:extLst>
+          </p:cNvPr>
+          <p:cNvPicPr>
+            <a:picLocks noChangeAspect="1"/>
+          </p:cNvPicPr>
+          <p:nvPr/>
+        </p:nvPicPr>
+        <p:blipFill>
+          <a:blip r:embed="rId5" cstate="print">
+            <a:extLst>
+              <a:ext uri="{28A0092B-C50C-407E-A947-70E740481C1C}">
+                <a14:useLocalDpi xmlns:a14="http://schemas.microsoft.com/office/drawing/2010/main" val="0"/>
+              </a:ext>
+            </a:extLst>
+          </a:blip>
+          <a:stretch>
+            <a:fillRect/>
+          </a:stretch>
+        </p:blipFill>
+        <p:spPr>
+          <a:xfrm>
+            <a:off x="2320988" y="190003"/>
+            <a:ext cx="3271119" cy="2122747"/>
+          </a:xfrm>
+          <a:prstGeom prst="rect">
+            <a:avLst/>
+          </a:prstGeom>
+        </p:spPr>
+      </p:pic>
+      <p:sp>
+        <p:nvSpPr>
+          <p:cNvPr id="35" name="CaixaDeTexto 34"/>
+          <p:cNvSpPr txBox="1"/>
+          <p:nvPr/>
+        </p:nvSpPr>
+        <p:spPr>
+          <a:xfrm>
+            <a:off x="2373480" y="2181655"/>
+            <a:ext cx="3139434" cy="830997"/>
+          </a:xfrm>
+          <a:prstGeom prst="rect">
+            <a:avLst/>
+          </a:prstGeom>
+          <a:noFill/>
+        </p:spPr>
+        <p:txBody>
+          <a:bodyPr wrap="square" rtlCol="0">
+            <a:spAutoFit/>
+          </a:bodyPr>
+          <a:lstStyle/>
+          <a:p>
+            <a:pPr algn="ctr"/>
+            <a:r>
+              <a:rPr lang="pt-BR" sz="1600" dirty="0">
+                <a:latin typeface="Bariol Bold" panose="02000506040000020003"/>
+                <a:cs typeface="Arial" panose="020B0604020202020204" pitchFamily="34" charset="0"/>
+              </a:rPr>
+              <a:t>Coleta de dados através do sensor de temperatura e umidade.</a:t>
+            </a:r>
+          </a:p>
+          <a:p>
+            <a:endParaRPr lang="pt-BR" sz="1600" dirty="0">
+              <a:latin typeface="Bariol Bold" panose="02000506040000020003"/>
+            </a:endParaRPr>
+          </a:p>
+        </p:txBody>
+      </p:sp>
       <p:cxnSp>
         <p:nvCxnSpPr>
           <p:cNvPr id="37" name="Conector de Seta Reta 36"/>
@@ -7888,58 +8152,16 @@
           <p:nvPr/>
         </p:nvCxnSpPr>
         <p:spPr>
-          <a:xfrm flipV="1">
-            <a:off x="7612342" y="3005628"/>
-            <a:ext cx="516009" cy="445123"/>
+          <a:xfrm>
+            <a:off x="8660042" y="2941407"/>
+            <a:ext cx="3573" cy="635627"/>
           </a:xfrm>
           <a:prstGeom prst="straightConnector1">
             <a:avLst/>
           </a:prstGeom>
           <a:ln w="38100">
             <a:solidFill>
-              <a:schemeClr val="tx1">
-                <a:lumMod val="75000"/>
-                <a:lumOff val="25000"/>
-              </a:schemeClr>
-            </a:solidFill>
-            <a:tailEnd type="triangle"/>
-          </a:ln>
-        </p:spPr>
-        <p:style>
-          <a:lnRef idx="1">
-            <a:schemeClr val="accent1"/>
-          </a:lnRef>
-          <a:fillRef idx="0">
-            <a:schemeClr val="accent1"/>
-          </a:fillRef>
-          <a:effectRef idx="0">
-            <a:schemeClr val="accent1"/>
-          </a:effectRef>
-          <a:fontRef idx="minor">
-            <a:schemeClr val="tx1"/>
-          </a:fontRef>
-        </p:style>
-      </p:cxnSp>
-      <p:cxnSp>
-        <p:nvCxnSpPr>
-          <p:cNvPr id="38" name="Conector de Seta Reta 37"/>
-          <p:cNvCxnSpPr/>
-          <p:nvPr/>
-        </p:nvCxnSpPr>
-        <p:spPr>
-          <a:xfrm flipH="1">
-            <a:off x="7609150" y="3367078"/>
-            <a:ext cx="490762" cy="408913"/>
-          </a:xfrm>
-          <a:prstGeom prst="straightConnector1">
-            <a:avLst/>
-          </a:prstGeom>
-          <a:ln w="38100">
-            <a:solidFill>
-              <a:schemeClr val="tx1">
-                <a:lumMod val="75000"/>
-                <a:lumOff val="25000"/>
-              </a:schemeClr>
+              <a:srgbClr val="35B794"/>
             </a:solidFill>
             <a:tailEnd type="triangle"/>
           </a:ln>
@@ -7962,29 +8184,175 @@
     </p:spTree>
     <p:extLst>
       <p:ext uri="{BB962C8B-B14F-4D97-AF65-F5344CB8AC3E}">
-        <p14:creationId xmlns:p14="http://schemas.microsoft.com/office/powerpoint/2010/main" val="3401515717"/>
+        <p14:creationId xmlns:p14="http://schemas.microsoft.com/office/powerpoint/2010/main" val="852423023"/>
       </p:ext>
     </p:extLst>
   </p:cSld>
   <p:clrMapOvr>
     <a:masterClrMapping/>
   </p:clrMapOvr>
-  <mc:AlternateContent xmlns:mc="http://schemas.openxmlformats.org/markup-compatibility/2006" xmlns:p14="http://schemas.microsoft.com/office/powerpoint/2010/main">
-    <mc:Choice Requires="p14">
-      <p:transition spd="med" p14:dur="700">
-        <p:fade/>
-      </p:transition>
-    </mc:Choice>
-    <mc:Fallback xmlns="">
-      <p:transition spd="med">
-        <p:fade/>
-      </p:transition>
-    </mc:Fallback>
-  </mc:AlternateContent>
   <p:timing>
     <p:tnLst>
       <p:par>
-        <p:cTn id="1" dur="indefinite" restart="never" nodeType="tmRoot"/>
+        <p:cTn id="1" dur="indefinite" restart="never" nodeType="tmRoot">
+          <p:childTnLst>
+            <p:seq concurrent="1" nextAc="seek">
+              <p:cTn id="2" dur="indefinite" nodeType="mainSeq">
+                <p:childTnLst>
+                  <p:par>
+                    <p:cTn id="3" fill="hold">
+                      <p:stCondLst>
+                        <p:cond delay="indefinite"/>
+                        <p:cond evt="onBegin" delay="0">
+                          <p:tn val="2"/>
+                        </p:cond>
+                      </p:stCondLst>
+                      <p:childTnLst>
+                        <p:par>
+                          <p:cTn id="4" fill="hold">
+                            <p:stCondLst>
+                              <p:cond delay="0"/>
+                            </p:stCondLst>
+                            <p:childTnLst>
+                              <p:par>
+                                <p:cTn id="5" presetID="16" presetClass="entr" presetSubtype="21" fill="hold" nodeType="afterEffect">
+                                  <p:stCondLst>
+                                    <p:cond delay="0"/>
+                                  </p:stCondLst>
+                                  <p:childTnLst>
+                                    <p:set>
+                                      <p:cBhvr>
+                                        <p:cTn id="6" dur="1" fill="hold">
+                                          <p:stCondLst>
+                                            <p:cond delay="0"/>
+                                          </p:stCondLst>
+                                        </p:cTn>
+                                        <p:tgtEl>
+                                          <p:spTgt spid="10"/>
+                                        </p:tgtEl>
+                                        <p:attrNameLst>
+                                          <p:attrName>style.visibility</p:attrName>
+                                        </p:attrNameLst>
+                                      </p:cBhvr>
+                                      <p:to>
+                                        <p:strVal val="visible"/>
+                                      </p:to>
+                                    </p:set>
+                                    <p:animEffect transition="in" filter="barn(inVertical)">
+                                      <p:cBhvr>
+                                        <p:cTn id="7" dur="500"/>
+                                        <p:tgtEl>
+                                          <p:spTgt spid="10"/>
+                                        </p:tgtEl>
+                                      </p:cBhvr>
+                                    </p:animEffect>
+                                  </p:childTnLst>
+                                </p:cTn>
+                              </p:par>
+                            </p:childTnLst>
+                          </p:cTn>
+                        </p:par>
+                        <p:par>
+                          <p:cTn id="8" fill="hold">
+                            <p:stCondLst>
+                              <p:cond delay="500"/>
+                            </p:stCondLst>
+                            <p:childTnLst>
+                              <p:par>
+                                <p:cTn id="9" presetID="16" presetClass="entr" presetSubtype="21" fill="hold" nodeType="afterEffect">
+                                  <p:stCondLst>
+                                    <p:cond delay="0"/>
+                                  </p:stCondLst>
+                                  <p:childTnLst>
+                                    <p:set>
+                                      <p:cBhvr>
+                                        <p:cTn id="10" dur="1" fill="hold">
+                                          <p:stCondLst>
+                                            <p:cond delay="0"/>
+                                          </p:stCondLst>
+                                        </p:cTn>
+                                        <p:tgtEl>
+                                          <p:spTgt spid="32"/>
+                                        </p:tgtEl>
+                                        <p:attrNameLst>
+                                          <p:attrName>style.visibility</p:attrName>
+                                        </p:attrNameLst>
+                                      </p:cBhvr>
+                                      <p:to>
+                                        <p:strVal val="visible"/>
+                                      </p:to>
+                                    </p:set>
+                                    <p:animEffect transition="in" filter="barn(inVertical)">
+                                      <p:cBhvr>
+                                        <p:cTn id="11" dur="500"/>
+                                        <p:tgtEl>
+                                          <p:spTgt spid="32"/>
+                                        </p:tgtEl>
+                                      </p:cBhvr>
+                                    </p:animEffect>
+                                  </p:childTnLst>
+                                </p:cTn>
+                              </p:par>
+                              <p:par>
+                                <p:cTn id="12" presetID="16" presetClass="entr" presetSubtype="21" fill="hold" nodeType="withEffect">
+                                  <p:stCondLst>
+                                    <p:cond delay="0"/>
+                                  </p:stCondLst>
+                                  <p:childTnLst>
+                                    <p:set>
+                                      <p:cBhvr>
+                                        <p:cTn id="13" dur="1" fill="hold">
+                                          <p:stCondLst>
+                                            <p:cond delay="0"/>
+                                          </p:stCondLst>
+                                        </p:cTn>
+                                        <p:tgtEl>
+                                          <p:spTgt spid="37"/>
+                                        </p:tgtEl>
+                                        <p:attrNameLst>
+                                          <p:attrName>style.visibility</p:attrName>
+                                        </p:attrNameLst>
+                                      </p:cBhvr>
+                                      <p:to>
+                                        <p:strVal val="visible"/>
+                                      </p:to>
+                                    </p:set>
+                                    <p:animEffect transition="in" filter="barn(inVertical)">
+                                      <p:cBhvr>
+                                        <p:cTn id="14" dur="500"/>
+                                        <p:tgtEl>
+                                          <p:spTgt spid="37"/>
+                                        </p:tgtEl>
+                                      </p:cBhvr>
+                                    </p:animEffect>
+                                  </p:childTnLst>
+                                </p:cTn>
+                              </p:par>
+                            </p:childTnLst>
+                          </p:cTn>
+                        </p:par>
+                      </p:childTnLst>
+                    </p:cTn>
+                  </p:par>
+                </p:childTnLst>
+              </p:cTn>
+              <p:prevCondLst>
+                <p:cond evt="onPrev" delay="0">
+                  <p:tgtEl>
+                    <p:sldTgt/>
+                  </p:tgtEl>
+                </p:cond>
+              </p:prevCondLst>
+              <p:nextCondLst>
+                <p:cond evt="onNext" delay="0">
+                  <p:tgtEl>
+                    <p:sldTgt/>
+                  </p:tgtEl>
+                </p:cond>
+              </p:nextCondLst>
+            </p:seq>
+          </p:childTnLst>
+        </p:cTn>
       </p:par>
     </p:tnLst>
   </p:timing>
@@ -8057,7 +8425,7 @@
           <a:p>
             <a:pPr algn="ctr"/>
             <a:r>
-              <a:rPr lang="pt-BR" dirty="0" smtClean="0">
+              <a:rPr lang="pt-BR" dirty="0">
                 <a:solidFill>
                   <a:schemeClr val="tx1">
                     <a:lumMod val="75000"/>
@@ -8066,17 +8434,8 @@
                 </a:solidFill>
                 <a:latin typeface="Bariol Bold" panose="02000506040000020003" pitchFamily="2" charset="0"/>
               </a:rPr>
-              <a:t>LLD</a:t>
-            </a:r>
-            <a:endParaRPr lang="pt-BR" dirty="0">
-              <a:solidFill>
-                <a:schemeClr val="tx1">
-                  <a:lumMod val="75000"/>
-                  <a:lumOff val="25000"/>
-                </a:schemeClr>
-              </a:solidFill>
-              <a:latin typeface="Bariol Bold" panose="02000506040000020003" pitchFamily="2" charset="0"/>
-            </a:endParaRPr>
+              <a:t>HLD</a:t>
+            </a:r>
           </a:p>
         </p:txBody>
       </p:sp>
@@ -8132,8 +8491,8 @@
         </p:blipFill>
         <p:spPr>
           <a:xfrm>
-            <a:off x="3478054" y="2563369"/>
-            <a:ext cx="5235889" cy="4137877"/>
+            <a:off x="3250285" y="2759370"/>
+            <a:ext cx="5691427" cy="3840332"/>
           </a:xfrm>
           <a:prstGeom prst="rect">
             <a:avLst/>
@@ -8143,7 +8502,7 @@
     </p:spTree>
     <p:extLst>
       <p:ext uri="{BB962C8B-B14F-4D97-AF65-F5344CB8AC3E}">
-        <p14:creationId xmlns:p14="http://schemas.microsoft.com/office/powerpoint/2010/main" val="2217421586"/>
+        <p14:creationId xmlns:p14="http://schemas.microsoft.com/office/powerpoint/2010/main" val="3319278386"/>
       </p:ext>
     </p:extLst>
   </p:cSld>
@@ -8394,8 +8753,8 @@
         </p:nvSpPr>
         <p:spPr>
           <a:xfrm>
-            <a:off x="2525488" y="567403"/>
-            <a:ext cx="7045102" cy="1799772"/>
+            <a:off x="600892" y="287383"/>
+            <a:ext cx="4885508" cy="2560320"/>
           </a:xfrm>
           <a:prstGeom prst="rect">
             <a:avLst/>
@@ -8406,8 +8765,8 @@
           <a:ln>
             <a:solidFill>
               <a:schemeClr val="tx1">
-                <a:lumMod val="65000"/>
-                <a:lumOff val="35000"/>
+                <a:lumMod val="50000"/>
+                <a:lumOff val="50000"/>
               </a:schemeClr>
             </a:solidFill>
           </a:ln>
@@ -8439,17 +8798,113 @@
       </p:sp>
       <p:pic>
         <p:nvPicPr>
-          <p:cNvPr id="8" name="Imagem 7"/>
+          <p:cNvPr id="8" name="Picture 6" descr="A close up of a logo&#10;&#10;Description generated with very high confidence">
+            <a:extLst>
+              <a:ext uri="{FF2B5EF4-FFF2-40B4-BE49-F238E27FC236}">
+                <a16:creationId xmlns:a16="http://schemas.microsoft.com/office/drawing/2014/main" id="{02FAD4E8-4127-4FD5-A86F-7066B5200CF9}"/>
+              </a:ext>
+            </a:extLst>
+          </p:cNvPr>
           <p:cNvPicPr>
             <a:picLocks noChangeAspect="1"/>
           </p:cNvPicPr>
           <p:nvPr/>
         </p:nvPicPr>
         <p:blipFill>
-          <a:blip r:embed="rId2" cstate="print">
+          <a:blip r:embed="rId2"/>
+          <a:stretch>
+            <a:fillRect/>
+          </a:stretch>
+        </p:blipFill>
+        <p:spPr>
+          <a:xfrm>
+            <a:off x="1217536" y="1516516"/>
+            <a:ext cx="599531" cy="756598"/>
+          </a:xfrm>
+          <a:prstGeom prst="rect">
+            <a:avLst/>
+          </a:prstGeom>
+        </p:spPr>
+      </p:pic>
+      <p:pic>
+        <p:nvPicPr>
+          <p:cNvPr id="9" name="Picture 2" descr="A close up of a logo&#10;&#10;Description generated with very high confidence">
             <a:extLst>
-              <a:ext uri="{28A0092B-C50C-407E-A947-70E740481C1C}">
-                <a14:useLocalDpi xmlns:a14="http://schemas.microsoft.com/office/drawing/2010/main" val="0"/>
+              <a:ext uri="{FF2B5EF4-FFF2-40B4-BE49-F238E27FC236}">
+                <a16:creationId xmlns:a16="http://schemas.microsoft.com/office/drawing/2014/main" id="{CF17E598-BC0F-433A-AACD-E985418FFF8F}"/>
+              </a:ext>
+            </a:extLst>
+          </p:cNvPr>
+          <p:cNvPicPr>
+            <a:picLocks noChangeAspect="1"/>
+          </p:cNvPicPr>
+          <p:nvPr/>
+        </p:nvPicPr>
+        <p:blipFill>
+          <a:blip r:embed="rId3"/>
+          <a:stretch>
+            <a:fillRect/>
+          </a:stretch>
+        </p:blipFill>
+        <p:spPr>
+          <a:xfrm rot="7500000">
+            <a:off x="2039211" y="1520952"/>
+            <a:ext cx="737731" cy="747726"/>
+          </a:xfrm>
+          <a:prstGeom prst="rect">
+            <a:avLst/>
+          </a:prstGeom>
+        </p:spPr>
+      </p:pic>
+      <p:pic>
+        <p:nvPicPr>
+          <p:cNvPr id="10" name="Picture 8" descr="A circuit board&#10;&#10;Description generated with very high confidence">
+            <a:extLst>
+              <a:ext uri="{FF2B5EF4-FFF2-40B4-BE49-F238E27FC236}">
+                <a16:creationId xmlns:a16="http://schemas.microsoft.com/office/drawing/2014/main" id="{8631CDC9-C9ED-40D8-9718-9030D394E95F}"/>
+              </a:ext>
+            </a:extLst>
+          </p:cNvPr>
+          <p:cNvPicPr>
+            <a:picLocks noChangeAspect="1"/>
+          </p:cNvPicPr>
+          <p:nvPr/>
+        </p:nvPicPr>
+        <p:blipFill>
+          <a:blip r:embed="rId4"/>
+          <a:stretch>
+            <a:fillRect/>
+          </a:stretch>
+        </p:blipFill>
+        <p:spPr>
+          <a:xfrm>
+            <a:off x="1523100" y="2104557"/>
+            <a:ext cx="687748" cy="707741"/>
+          </a:xfrm>
+          <a:prstGeom prst="rect">
+            <a:avLst/>
+          </a:prstGeom>
+        </p:spPr>
+      </p:pic>
+      <p:pic>
+        <p:nvPicPr>
+          <p:cNvPr id="11" name="Graphic 48" descr="Chevron arrows">
+            <a:extLst>
+              <a:ext uri="{FF2B5EF4-FFF2-40B4-BE49-F238E27FC236}">
+                <a16:creationId xmlns:a16="http://schemas.microsoft.com/office/drawing/2014/main" id="{9C83C282-EC67-4BF5-988C-C6151F03EAC8}"/>
+              </a:ext>
+            </a:extLst>
+          </p:cNvPr>
+          <p:cNvPicPr>
+            <a:picLocks noChangeAspect="1"/>
+          </p:cNvPicPr>
+          <p:nvPr/>
+        </p:nvPicPr>
+        <p:blipFill>
+          <a:blip r:embed="rId5">
+            <a:extLst>
+              <a:ext uri="{96DAC541-7B7A-43D3-8B79-37D633B846F1}">
+                <asvg:svgBlip xmlns:asvg="http://schemas.microsoft.com/office/drawing/2016/SVG/main" r:embed="rId6"/>
               </a:ext>
             </a:extLst>
           </a:blip>
@@ -8459,8 +8914,8 @@
         </p:blipFill>
         <p:spPr>
           <a:xfrm>
-            <a:off x="4511230" y="928753"/>
-            <a:ext cx="1077075" cy="1077075"/>
+            <a:off x="3175957" y="1589400"/>
+            <a:ext cx="515811" cy="505815"/>
           </a:xfrm>
           <a:prstGeom prst="rect">
             <a:avLst/>
@@ -8469,17 +8924,23 @@
       </p:pic>
       <p:pic>
         <p:nvPicPr>
-          <p:cNvPr id="9" name="Imagem 8"/>
+          <p:cNvPr id="12" name="Graphic 50" descr="Chevron arrows">
+            <a:extLst>
+              <a:ext uri="{FF2B5EF4-FFF2-40B4-BE49-F238E27FC236}">
+                <a16:creationId xmlns:a16="http://schemas.microsoft.com/office/drawing/2014/main" id="{F8ADD165-FA14-4184-A53E-48188D71E5FF}"/>
+              </a:ext>
+            </a:extLst>
+          </p:cNvPr>
           <p:cNvPicPr>
             <a:picLocks noChangeAspect="1"/>
           </p:cNvPicPr>
           <p:nvPr/>
         </p:nvPicPr>
         <p:blipFill>
-          <a:blip r:embed="rId3" cstate="print">
+          <a:blip r:embed="rId5">
             <a:extLst>
-              <a:ext uri="{28A0092B-C50C-407E-A947-70E740481C1C}">
-                <a14:useLocalDpi xmlns:a14="http://schemas.microsoft.com/office/drawing/2010/main" val="0"/>
+              <a:ext uri="{96DAC541-7B7A-43D3-8B79-37D633B846F1}">
+                <asvg:svgBlip xmlns:asvg="http://schemas.microsoft.com/office/drawing/2016/SVG/main" r:embed="rId6"/>
               </a:ext>
             </a:extLst>
           </a:blip>
@@ -8488,170 +8949,85 @@
           </a:stretch>
         </p:blipFill>
         <p:spPr>
-          <a:xfrm>
-            <a:off x="5805721" y="986658"/>
-            <a:ext cx="990295" cy="990295"/>
+          <a:xfrm rot="10800000">
+            <a:off x="3145969" y="2095215"/>
+            <a:ext cx="545799" cy="515810"/>
           </a:xfrm>
           <a:prstGeom prst="rect">
             <a:avLst/>
           </a:prstGeom>
         </p:spPr>
       </p:pic>
-      <p:sp>
-        <p:nvSpPr>
-          <p:cNvPr id="10" name="CaixaDeTexto 9"/>
-          <p:cNvSpPr txBox="1"/>
-          <p:nvPr/>
-        </p:nvSpPr>
-        <p:spPr>
-          <a:xfrm>
-            <a:off x="2827726" y="1312528"/>
-            <a:ext cx="1901371" cy="338554"/>
+      <p:pic>
+        <p:nvPicPr>
+          <p:cNvPr id="13" name="Picture 52" descr="A close up of a logo&#10;&#10;Description generated with high confidence">
+            <a:extLst>
+              <a:ext uri="{FF2B5EF4-FFF2-40B4-BE49-F238E27FC236}">
+                <a16:creationId xmlns:a16="http://schemas.microsoft.com/office/drawing/2014/main" id="{09477861-B8F4-44DE-814A-58410BB781B9}"/>
+              </a:ext>
+            </a:extLst>
+          </p:cNvPr>
+          <p:cNvPicPr>
+            <a:picLocks noChangeAspect="1"/>
+          </p:cNvPicPr>
+          <p:nvPr/>
+        </p:nvPicPr>
+        <p:blipFill>
+          <a:blip r:embed="rId7"/>
+          <a:stretch>
+            <a:fillRect/>
+          </a:stretch>
+        </p:blipFill>
+        <p:spPr>
+          <a:xfrm>
+            <a:off x="4032044" y="1263001"/>
+            <a:ext cx="907666" cy="877677"/>
           </a:xfrm>
           <a:prstGeom prst="rect">
             <a:avLst/>
           </a:prstGeom>
-          <a:noFill/>
-        </p:spPr>
-        <p:txBody>
-          <a:bodyPr wrap="square" rtlCol="0">
-            <a:spAutoFit/>
-          </a:bodyPr>
-          <a:lstStyle/>
-          <a:p>
-            <a:pPr algn="ctr"/>
-            <a:r>
-              <a:rPr lang="pt-BR" sz="1600" dirty="0" smtClean="0">
-                <a:latin typeface="Arial" panose="020B0604020202020204" pitchFamily="34" charset="0"/>
-                <a:cs typeface="Arial" panose="020B0604020202020204" pitchFamily="34" charset="0"/>
-              </a:rPr>
-              <a:t>BD SQL Server</a:t>
-            </a:r>
-            <a:endParaRPr lang="pt-BR" sz="1600" dirty="0">
-              <a:latin typeface="Arial" panose="020B0604020202020204" pitchFamily="34" charset="0"/>
-              <a:cs typeface="Arial" panose="020B0604020202020204" pitchFamily="34" charset="0"/>
-            </a:endParaRPr>
-          </a:p>
-        </p:txBody>
-      </p:sp>
-      <p:sp>
-        <p:nvSpPr>
-          <p:cNvPr id="11" name="CaixaDeTexto 10"/>
-          <p:cNvSpPr txBox="1"/>
-          <p:nvPr/>
-        </p:nvSpPr>
-        <p:spPr>
-          <a:xfrm>
-            <a:off x="6650575" y="1051791"/>
-            <a:ext cx="2597909" cy="830997"/>
+        </p:spPr>
+      </p:pic>
+      <p:pic>
+        <p:nvPicPr>
+          <p:cNvPr id="14" name="Picture 55" descr="A close up of a clock&#10;&#10;Description generated with high confidence">
+            <a:extLst>
+              <a:ext uri="{FF2B5EF4-FFF2-40B4-BE49-F238E27FC236}">
+                <a16:creationId xmlns:a16="http://schemas.microsoft.com/office/drawing/2014/main" id="{5C726E55-A6D4-4B74-8915-31B0312BC132}"/>
+              </a:ext>
+            </a:extLst>
+          </p:cNvPr>
+          <p:cNvPicPr>
+            <a:picLocks noChangeAspect="1"/>
+          </p:cNvPicPr>
+          <p:nvPr/>
+        </p:nvPicPr>
+        <p:blipFill>
+          <a:blip r:embed="rId8"/>
+          <a:stretch>
+            <a:fillRect/>
+          </a:stretch>
+        </p:blipFill>
+        <p:spPr>
+          <a:xfrm>
+            <a:off x="4182451" y="2081491"/>
+            <a:ext cx="687748" cy="647762"/>
           </a:xfrm>
           <a:prstGeom prst="rect">
             <a:avLst/>
           </a:prstGeom>
-          <a:noFill/>
-        </p:spPr>
-        <p:txBody>
-          <a:bodyPr wrap="square" rtlCol="0">
-            <a:spAutoFit/>
-          </a:bodyPr>
-          <a:lstStyle/>
-          <a:p>
-            <a:pPr algn="ctr"/>
-            <a:r>
-              <a:rPr lang="pt-BR" sz="1600" dirty="0" smtClean="0">
-                <a:latin typeface="Arial" panose="020B0604020202020204" pitchFamily="34" charset="0"/>
-                <a:cs typeface="Arial" panose="020B0604020202020204" pitchFamily="34" charset="0"/>
-              </a:rPr>
-              <a:t>Servidor da Aplicação</a:t>
-            </a:r>
-          </a:p>
-          <a:p>
-            <a:pPr algn="ctr"/>
-            <a:r>
-              <a:rPr lang="pt-BR" sz="1600" dirty="0" smtClean="0">
-                <a:latin typeface="Arial" panose="020B0604020202020204" pitchFamily="34" charset="0"/>
-                <a:cs typeface="Arial" panose="020B0604020202020204" pitchFamily="34" charset="0"/>
-              </a:rPr>
-              <a:t>HTML / CSS</a:t>
-            </a:r>
-          </a:p>
-          <a:p>
-            <a:pPr algn="ctr"/>
-            <a:r>
-              <a:rPr lang="pt-BR" sz="1600" dirty="0" smtClean="0">
-                <a:latin typeface="Arial" panose="020B0604020202020204" pitchFamily="34" charset="0"/>
-                <a:cs typeface="Arial" panose="020B0604020202020204" pitchFamily="34" charset="0"/>
-              </a:rPr>
-              <a:t>Node JS / </a:t>
-            </a:r>
-            <a:r>
-              <a:rPr lang="pt-BR" sz="1600" dirty="0" err="1" smtClean="0">
-                <a:latin typeface="Arial" panose="020B0604020202020204" pitchFamily="34" charset="0"/>
-                <a:cs typeface="Arial" panose="020B0604020202020204" pitchFamily="34" charset="0"/>
-              </a:rPr>
-              <a:t>JavaScript</a:t>
-            </a:r>
-            <a:endParaRPr lang="pt-BR" sz="1600" dirty="0" smtClean="0">
-              <a:latin typeface="Arial" panose="020B0604020202020204" pitchFamily="34" charset="0"/>
-              <a:cs typeface="Arial" panose="020B0604020202020204" pitchFamily="34" charset="0"/>
-            </a:endParaRPr>
-          </a:p>
-        </p:txBody>
-      </p:sp>
-      <p:sp>
-        <p:nvSpPr>
-          <p:cNvPr id="12" name="CaixaDeTexto 11"/>
-          <p:cNvSpPr txBox="1"/>
-          <p:nvPr/>
-        </p:nvSpPr>
-        <p:spPr>
-          <a:xfrm>
-            <a:off x="4888177" y="142395"/>
-            <a:ext cx="2319721" cy="369332"/>
-          </a:xfrm>
-          <a:prstGeom prst="rect">
-            <a:avLst/>
-          </a:prstGeom>
-          <a:noFill/>
-        </p:spPr>
-        <p:txBody>
-          <a:bodyPr wrap="square" rtlCol="0">
-            <a:spAutoFit/>
-          </a:bodyPr>
-          <a:lstStyle/>
-          <a:p>
-            <a:pPr algn="ctr"/>
-            <a:r>
-              <a:rPr lang="pt-BR" b="1" dirty="0" smtClean="0">
-                <a:latin typeface="Arial" panose="020B0604020202020204" pitchFamily="34" charset="0"/>
-                <a:cs typeface="Arial" panose="020B0604020202020204" pitchFamily="34" charset="0"/>
-              </a:rPr>
-              <a:t>Microsoft </a:t>
-            </a:r>
-            <a:r>
-              <a:rPr lang="pt-BR" b="1" dirty="0" err="1" smtClean="0">
-                <a:latin typeface="Arial" panose="020B0604020202020204" pitchFamily="34" charset="0"/>
-                <a:cs typeface="Arial" panose="020B0604020202020204" pitchFamily="34" charset="0"/>
-              </a:rPr>
-              <a:t>Azure</a:t>
-            </a:r>
-            <a:endParaRPr lang="pt-BR" b="1" dirty="0">
-              <a:latin typeface="Arial" panose="020B0604020202020204" pitchFamily="34" charset="0"/>
-              <a:cs typeface="Arial" panose="020B0604020202020204" pitchFamily="34" charset="0"/>
-            </a:endParaRPr>
-          </a:p>
-        </p:txBody>
-      </p:sp>
-      <p:sp>
-        <p:nvSpPr>
-          <p:cNvPr id="13" name="Retângulo 12"/>
+        </p:spPr>
+      </p:pic>
+      <p:sp>
+        <p:nvSpPr>
+          <p:cNvPr id="15" name="Retângulo 14"/>
           <p:cNvSpPr/>
           <p:nvPr/>
         </p:nvSpPr>
         <p:spPr>
           <a:xfrm>
-            <a:off x="5458251" y="2367175"/>
-            <a:ext cx="1183059" cy="592725"/>
+            <a:off x="8180067" y="287383"/>
+            <a:ext cx="3472002" cy="2560320"/>
           </a:xfrm>
           <a:prstGeom prst="rect">
             <a:avLst/>
@@ -8661,7 +9037,10 @@
           </a:solidFill>
           <a:ln>
             <a:solidFill>
-              <a:schemeClr val="bg1"/>
+              <a:schemeClr val="tx1">
+                <a:lumMod val="50000"/>
+                <a:lumOff val="50000"/>
+              </a:schemeClr>
             </a:solidFill>
           </a:ln>
         </p:spPr>
@@ -8690,198 +9069,27 @@
           </a:p>
         </p:txBody>
       </p:sp>
-      <p:pic>
-        <p:nvPicPr>
-          <p:cNvPr id="14" name="Imagem 13"/>
-          <p:cNvPicPr>
-            <a:picLocks noChangeAspect="1"/>
-          </p:cNvPicPr>
-          <p:nvPr/>
-        </p:nvPicPr>
-        <p:blipFill>
-          <a:blip r:embed="rId4" cstate="print">
-            <a:extLst>
-              <a:ext uri="{28A0092B-C50C-407E-A947-70E740481C1C}">
-                <a14:useLocalDpi xmlns:a14="http://schemas.microsoft.com/office/drawing/2010/main" val="0"/>
-              </a:ext>
-            </a:extLst>
-          </a:blip>
-          <a:stretch>
-            <a:fillRect/>
-          </a:stretch>
-        </p:blipFill>
-        <p:spPr>
-          <a:xfrm>
-            <a:off x="5479374" y="1976953"/>
-            <a:ext cx="1186543" cy="1186543"/>
-          </a:xfrm>
-          <a:prstGeom prst="rect">
-            <a:avLst/>
-          </a:prstGeom>
-        </p:spPr>
-      </p:pic>
-      <p:sp>
-        <p:nvSpPr>
-          <p:cNvPr id="15" name="CaixaDeTexto 14"/>
-          <p:cNvSpPr txBox="1"/>
-          <p:nvPr/>
-        </p:nvSpPr>
-        <p:spPr>
-          <a:xfrm>
-            <a:off x="5121959" y="2930988"/>
-            <a:ext cx="1901371" cy="338554"/>
-          </a:xfrm>
-          <a:prstGeom prst="rect">
-            <a:avLst/>
-          </a:prstGeom>
-          <a:noFill/>
-        </p:spPr>
-        <p:txBody>
-          <a:bodyPr wrap="square" rtlCol="0">
-            <a:spAutoFit/>
-          </a:bodyPr>
-          <a:lstStyle/>
-          <a:p>
-            <a:pPr algn="ctr"/>
-            <a:r>
-              <a:rPr lang="pt-BR" sz="1600" dirty="0" smtClean="0">
-                <a:latin typeface="Arial" panose="020B0604020202020204" pitchFamily="34" charset="0"/>
-                <a:cs typeface="Arial" panose="020B0604020202020204" pitchFamily="34" charset="0"/>
-              </a:rPr>
-              <a:t>Internet</a:t>
-            </a:r>
-            <a:endParaRPr lang="pt-BR" sz="1600" dirty="0">
-              <a:latin typeface="Arial" panose="020B0604020202020204" pitchFamily="34" charset="0"/>
-              <a:cs typeface="Arial" panose="020B0604020202020204" pitchFamily="34" charset="0"/>
-            </a:endParaRPr>
-          </a:p>
-        </p:txBody>
-      </p:sp>
-      <p:sp>
-        <p:nvSpPr>
-          <p:cNvPr id="16" name="Retângulo 15"/>
-          <p:cNvSpPr/>
-          <p:nvPr/>
-        </p:nvSpPr>
-        <p:spPr>
-          <a:xfrm>
-            <a:off x="467293" y="3611194"/>
-            <a:ext cx="5421090" cy="2876691"/>
-          </a:xfrm>
-          <a:prstGeom prst="rect">
-            <a:avLst/>
-          </a:prstGeom>
-          <a:solidFill>
-            <a:schemeClr val="bg1"/>
-          </a:solidFill>
-          <a:ln>
+      <p:cxnSp>
+        <p:nvCxnSpPr>
+          <p:cNvPr id="16" name="Conector de Seta Reta 15"/>
+          <p:cNvCxnSpPr/>
+          <p:nvPr/>
+        </p:nvCxnSpPr>
+        <p:spPr>
+          <a:xfrm rot="16200000" flipV="1">
+            <a:off x="6795668" y="1470877"/>
+            <a:ext cx="0" cy="1447312"/>
+          </a:xfrm>
+          <a:prstGeom prst="straightConnector1">
+            <a:avLst/>
+          </a:prstGeom>
+          <a:ln w="38100">
             <a:solidFill>
               <a:schemeClr val="tx1">
-                <a:lumMod val="65000"/>
-                <a:lumOff val="35000"/>
+                <a:lumMod val="75000"/>
+                <a:lumOff val="25000"/>
               </a:schemeClr>
             </a:solidFill>
-          </a:ln>
-        </p:spPr>
-        <p:style>
-          <a:lnRef idx="2">
-            <a:schemeClr val="accent1">
-              <a:shade val="50000"/>
-            </a:schemeClr>
-          </a:lnRef>
-          <a:fillRef idx="1">
-            <a:schemeClr val="accent1"/>
-          </a:fillRef>
-          <a:effectRef idx="0">
-            <a:schemeClr val="accent1"/>
-          </a:effectRef>
-          <a:fontRef idx="minor">
-            <a:schemeClr val="lt1"/>
-          </a:fontRef>
-        </p:style>
-        <p:txBody>
-          <a:bodyPr rtlCol="0" anchor="ctr"/>
-          <a:lstStyle/>
-          <a:p>
-            <a:pPr algn="ctr"/>
-            <a:endParaRPr lang="pt-BR" dirty="0"/>
-          </a:p>
-        </p:txBody>
-      </p:sp>
-      <p:sp>
-        <p:nvSpPr>
-          <p:cNvPr id="17" name="Retângulo 16"/>
-          <p:cNvSpPr/>
-          <p:nvPr/>
-        </p:nvSpPr>
-        <p:spPr>
-          <a:xfrm>
-            <a:off x="6265747" y="3611194"/>
-            <a:ext cx="5421090" cy="2876691"/>
-          </a:xfrm>
-          <a:prstGeom prst="rect">
-            <a:avLst/>
-          </a:prstGeom>
-          <a:solidFill>
-            <a:schemeClr val="bg1"/>
-          </a:solidFill>
-          <a:ln>
-            <a:solidFill>
-              <a:schemeClr val="tx1">
-                <a:lumMod val="65000"/>
-                <a:lumOff val="35000"/>
-              </a:schemeClr>
-            </a:solidFill>
-          </a:ln>
-        </p:spPr>
-        <p:style>
-          <a:lnRef idx="2">
-            <a:schemeClr val="accent1">
-              <a:shade val="50000"/>
-            </a:schemeClr>
-          </a:lnRef>
-          <a:fillRef idx="1">
-            <a:schemeClr val="accent1"/>
-          </a:fillRef>
-          <a:effectRef idx="0">
-            <a:schemeClr val="accent1"/>
-          </a:effectRef>
-          <a:fontRef idx="minor">
-            <a:schemeClr val="lt1"/>
-          </a:fontRef>
-        </p:style>
-        <p:txBody>
-          <a:bodyPr rtlCol="0" anchor="ctr"/>
-          <a:lstStyle/>
-          <a:p>
-            <a:pPr algn="ctr"/>
-            <a:endParaRPr lang="pt-BR"/>
-          </a:p>
-        </p:txBody>
-      </p:sp>
-      <p:cxnSp>
-        <p:nvCxnSpPr>
-          <p:cNvPr id="18" name="Conector de Seta Reta 17"/>
-          <p:cNvCxnSpPr/>
-          <p:nvPr/>
-        </p:nvCxnSpPr>
-        <p:spPr>
-          <a:xfrm flipH="1">
-            <a:off x="3441233" y="2775495"/>
-            <a:ext cx="1967445" cy="649539"/>
-          </a:xfrm>
-          <a:prstGeom prst="straightConnector1">
-            <a:avLst/>
-          </a:prstGeom>
-          <a:ln>
-            <a:solidFill>
-              <a:schemeClr val="tx1">
-                <a:lumMod val="65000"/>
-                <a:lumOff val="35000"/>
-              </a:schemeClr>
-            </a:solidFill>
-            <a:prstDash val="lgDashDot"/>
-            <a:headEnd type="triangle"/>
             <a:tailEnd type="triangle"/>
           </a:ln>
         </p:spPr>
@@ -8902,27 +9110,25 @@
       </p:cxnSp>
       <p:cxnSp>
         <p:nvCxnSpPr>
-          <p:cNvPr id="19" name="Conector de Seta Reta 18"/>
+          <p:cNvPr id="17" name="Conector de Seta Reta 16"/>
           <p:cNvCxnSpPr/>
           <p:nvPr/>
         </p:nvCxnSpPr>
         <p:spPr>
-          <a:xfrm flipH="1" flipV="1">
-            <a:off x="6701728" y="2751605"/>
-            <a:ext cx="1989628" cy="673429"/>
+          <a:xfrm rot="16200000">
+            <a:off x="6846526" y="1745403"/>
+            <a:ext cx="0" cy="1447312"/>
           </a:xfrm>
           <a:prstGeom prst="straightConnector1">
             <a:avLst/>
           </a:prstGeom>
-          <a:ln>
+          <a:ln w="38100">
             <a:solidFill>
               <a:schemeClr val="tx1">
-                <a:lumMod val="65000"/>
-                <a:lumOff val="35000"/>
+                <a:lumMod val="75000"/>
+                <a:lumOff val="25000"/>
               </a:schemeClr>
             </a:solidFill>
-            <a:prstDash val="lgDashDot"/>
-            <a:headEnd type="triangle"/>
             <a:tailEnd type="triangle"/>
           </a:ln>
         </p:spPr>
@@ -8941,421 +9147,1192 @@
           </a:fontRef>
         </p:style>
       </p:cxnSp>
-      <p:sp>
-        <p:nvSpPr>
-          <p:cNvPr id="20" name="CaixaDeTexto 19"/>
-          <p:cNvSpPr txBox="1"/>
-          <p:nvPr/>
-        </p:nvSpPr>
-        <p:spPr>
-          <a:xfrm>
-            <a:off x="467293" y="3163687"/>
-            <a:ext cx="2596576" cy="369332"/>
-          </a:xfrm>
-          <a:prstGeom prst="rect">
-            <a:avLst/>
-          </a:prstGeom>
-          <a:noFill/>
-        </p:spPr>
-        <p:txBody>
-          <a:bodyPr wrap="square" rtlCol="0">
-            <a:spAutoFit/>
-          </a:bodyPr>
-          <a:lstStyle/>
-          <a:p>
-            <a:r>
-              <a:rPr lang="pt-BR" b="1" dirty="0" smtClean="0">
-                <a:latin typeface="Arial" panose="020B0604020202020204" pitchFamily="34" charset="0"/>
-                <a:cs typeface="Arial" panose="020B0604020202020204" pitchFamily="34" charset="0"/>
-              </a:rPr>
-              <a:t>Capitação de dados</a:t>
-            </a:r>
-            <a:endParaRPr lang="pt-BR" b="1" dirty="0">
-              <a:latin typeface="Arial" panose="020B0604020202020204" pitchFamily="34" charset="0"/>
-              <a:cs typeface="Arial" panose="020B0604020202020204" pitchFamily="34" charset="0"/>
-            </a:endParaRPr>
-          </a:p>
-        </p:txBody>
-      </p:sp>
-      <p:sp>
-        <p:nvSpPr>
-          <p:cNvPr id="21" name="CaixaDeTexto 20"/>
-          <p:cNvSpPr txBox="1"/>
-          <p:nvPr/>
-        </p:nvSpPr>
-        <p:spPr>
-          <a:xfrm>
-            <a:off x="8171544" y="3216477"/>
-            <a:ext cx="3515294" cy="369332"/>
-          </a:xfrm>
-          <a:prstGeom prst="rect">
-            <a:avLst/>
-          </a:prstGeom>
-          <a:noFill/>
-        </p:spPr>
-        <p:txBody>
-          <a:bodyPr wrap="square" rtlCol="0">
-            <a:spAutoFit/>
-          </a:bodyPr>
-          <a:lstStyle/>
-          <a:p>
-            <a:pPr algn="r"/>
-            <a:r>
-              <a:rPr lang="pt-BR" b="1" dirty="0" smtClean="0">
-                <a:latin typeface="Arial" panose="020B0604020202020204" pitchFamily="34" charset="0"/>
-                <a:cs typeface="Arial" panose="020B0604020202020204" pitchFamily="34" charset="0"/>
-              </a:rPr>
-              <a:t>Uso das informações</a:t>
-            </a:r>
-            <a:endParaRPr lang="pt-BR" b="1" dirty="0">
-              <a:latin typeface="Arial" panose="020B0604020202020204" pitchFamily="34" charset="0"/>
-              <a:cs typeface="Arial" panose="020B0604020202020204" pitchFamily="34" charset="0"/>
-            </a:endParaRPr>
-          </a:p>
-        </p:txBody>
-      </p:sp>
       <p:pic>
         <p:nvPicPr>
-          <p:cNvPr id="22" name="Imagem 21"/>
+          <p:cNvPr id="18" name="Picture 37" descr="A picture containing computer, table&#10;&#10;Description generated with very high confidence">
+            <a:extLst>
+              <a:ext uri="{FF2B5EF4-FFF2-40B4-BE49-F238E27FC236}">
+                <a16:creationId xmlns:a16="http://schemas.microsoft.com/office/drawing/2014/main" id="{62574C71-6DE6-4BEE-A15F-55F806CE58A0}"/>
+              </a:ext>
+            </a:extLst>
+          </p:cNvPr>
           <p:cNvPicPr>
             <a:picLocks noChangeAspect="1"/>
           </p:cNvPicPr>
           <p:nvPr/>
         </p:nvPicPr>
         <p:blipFill>
-          <a:blip r:embed="rId5" cstate="print">
-            <a:extLst>
-              <a:ext uri="{28A0092B-C50C-407E-A947-70E740481C1C}">
-                <a14:useLocalDpi xmlns:a14="http://schemas.microsoft.com/office/drawing/2010/main" val="0"/>
-              </a:ext>
-            </a:extLst>
-          </a:blip>
+          <a:blip r:embed="rId9"/>
           <a:stretch>
             <a:fillRect/>
           </a:stretch>
         </p:blipFill>
         <p:spPr>
           <a:xfrm>
-            <a:off x="3345137" y="3025592"/>
-            <a:ext cx="308124" cy="308124"/>
+            <a:off x="9079941" y="1238521"/>
+            <a:ext cx="1672254" cy="1711204"/>
           </a:xfrm>
           <a:prstGeom prst="rect">
             <a:avLst/>
           </a:prstGeom>
         </p:spPr>
       </p:pic>
+      <p:sp>
+        <p:nvSpPr>
+          <p:cNvPr id="19" name="Retângulo 18"/>
+          <p:cNvSpPr/>
+          <p:nvPr/>
+        </p:nvSpPr>
+        <p:spPr>
+          <a:xfrm>
+            <a:off x="653143" y="424784"/>
+            <a:ext cx="4781006" cy="830997"/>
+          </a:xfrm>
+          <a:prstGeom prst="rect">
+            <a:avLst/>
+          </a:prstGeom>
+        </p:spPr>
+        <p:txBody>
+          <a:bodyPr wrap="square">
+            <a:spAutoFit/>
+          </a:bodyPr>
+          <a:lstStyle/>
+          <a:p>
+            <a:pPr algn="ctr"/>
+            <a:r>
+              <a:rPr lang="en-US" sz="1600" dirty="0" err="1">
+                <a:solidFill>
+                  <a:schemeClr val="tx1">
+                    <a:lumMod val="85000"/>
+                    <a:lumOff val="15000"/>
+                  </a:schemeClr>
+                </a:solidFill>
+                <a:latin typeface="Arial"/>
+                <a:cs typeface="Arial"/>
+              </a:rPr>
+              <a:t>Os</a:t>
+            </a:r>
+            <a:r>
+              <a:rPr lang="en-US" sz="1600" dirty="0">
+                <a:solidFill>
+                  <a:schemeClr val="tx1">
+                    <a:lumMod val="85000"/>
+                    <a:lumOff val="15000"/>
+                  </a:schemeClr>
+                </a:solidFill>
+                <a:latin typeface="Arial"/>
+                <a:cs typeface="Arial"/>
+              </a:rPr>
+              <a:t> </a:t>
+            </a:r>
+            <a:r>
+              <a:rPr lang="en-US" sz="1600" dirty="0" err="1">
+                <a:solidFill>
+                  <a:schemeClr val="tx1">
+                    <a:lumMod val="85000"/>
+                    <a:lumOff val="15000"/>
+                  </a:schemeClr>
+                </a:solidFill>
+                <a:latin typeface="Arial"/>
+                <a:cs typeface="Arial"/>
+              </a:rPr>
+              <a:t>sensores</a:t>
+            </a:r>
+            <a:r>
+              <a:rPr lang="en-US" sz="1600" dirty="0">
+                <a:solidFill>
+                  <a:schemeClr val="tx1">
+                    <a:lumMod val="85000"/>
+                    <a:lumOff val="15000"/>
+                  </a:schemeClr>
+                </a:solidFill>
+                <a:latin typeface="Arial"/>
+                <a:cs typeface="Arial"/>
+              </a:rPr>
+              <a:t> </a:t>
+            </a:r>
+            <a:r>
+              <a:rPr lang="en-US" sz="1600" dirty="0" err="1">
+                <a:solidFill>
+                  <a:schemeClr val="tx1">
+                    <a:lumMod val="85000"/>
+                    <a:lumOff val="15000"/>
+                  </a:schemeClr>
+                </a:solidFill>
+                <a:latin typeface="Arial"/>
+                <a:cs typeface="Arial"/>
+              </a:rPr>
+              <a:t>irão</a:t>
+            </a:r>
+            <a:r>
+              <a:rPr lang="en-US" sz="1600" dirty="0">
+                <a:solidFill>
+                  <a:schemeClr val="tx1">
+                    <a:lumMod val="85000"/>
+                    <a:lumOff val="15000"/>
+                  </a:schemeClr>
+                </a:solidFill>
+                <a:latin typeface="Arial"/>
+                <a:cs typeface="Arial"/>
+              </a:rPr>
+              <a:t> </a:t>
+            </a:r>
+            <a:r>
+              <a:rPr lang="en-US" sz="1600" dirty="0" err="1">
+                <a:solidFill>
+                  <a:schemeClr val="tx1">
+                    <a:lumMod val="85000"/>
+                    <a:lumOff val="15000"/>
+                  </a:schemeClr>
+                </a:solidFill>
+                <a:latin typeface="Arial"/>
+                <a:cs typeface="Arial"/>
+              </a:rPr>
+              <a:t>monitorar</a:t>
+            </a:r>
+            <a:r>
+              <a:rPr lang="en-US" sz="1600" dirty="0">
+                <a:solidFill>
+                  <a:schemeClr val="tx1">
+                    <a:lumMod val="85000"/>
+                    <a:lumOff val="15000"/>
+                  </a:schemeClr>
+                </a:solidFill>
+                <a:latin typeface="Arial"/>
+                <a:cs typeface="Arial"/>
+              </a:rPr>
+              <a:t>  o </a:t>
+            </a:r>
+            <a:r>
+              <a:rPr lang="en-US" sz="1600" dirty="0" err="1">
+                <a:solidFill>
+                  <a:schemeClr val="tx1">
+                    <a:lumMod val="85000"/>
+                    <a:lumOff val="15000"/>
+                  </a:schemeClr>
+                </a:solidFill>
+                <a:latin typeface="Arial"/>
+                <a:cs typeface="Arial"/>
+              </a:rPr>
+              <a:t>ambiente</a:t>
+            </a:r>
+            <a:r>
+              <a:rPr lang="en-US" sz="1600" dirty="0">
+                <a:solidFill>
+                  <a:schemeClr val="tx1">
+                    <a:lumMod val="85000"/>
+                    <a:lumOff val="15000"/>
+                  </a:schemeClr>
+                </a:solidFill>
+                <a:latin typeface="Arial"/>
+                <a:cs typeface="Arial"/>
+              </a:rPr>
+              <a:t>  e </a:t>
+            </a:r>
+            <a:r>
+              <a:rPr lang="en-US" sz="1600" dirty="0" err="1">
+                <a:solidFill>
+                  <a:schemeClr val="tx1">
+                    <a:lumMod val="85000"/>
+                    <a:lumOff val="15000"/>
+                  </a:schemeClr>
+                </a:solidFill>
+                <a:latin typeface="Arial"/>
+                <a:cs typeface="Arial"/>
+              </a:rPr>
+              <a:t>detectar</a:t>
+            </a:r>
+            <a:r>
+              <a:rPr lang="en-US" sz="1600" dirty="0">
+                <a:solidFill>
+                  <a:schemeClr val="tx1">
+                    <a:lumMod val="85000"/>
+                    <a:lumOff val="15000"/>
+                  </a:schemeClr>
+                </a:solidFill>
+                <a:latin typeface="Arial"/>
+                <a:cs typeface="Arial"/>
+              </a:rPr>
+              <a:t> se o </a:t>
+            </a:r>
+            <a:r>
+              <a:rPr lang="en-US" sz="1600" dirty="0" err="1">
+                <a:solidFill>
+                  <a:schemeClr val="tx1">
+                    <a:lumMod val="85000"/>
+                    <a:lumOff val="15000"/>
+                  </a:schemeClr>
+                </a:solidFill>
+                <a:latin typeface="Arial"/>
+                <a:cs typeface="Arial"/>
+              </a:rPr>
+              <a:t>próprio</a:t>
+            </a:r>
+            <a:r>
+              <a:rPr lang="en-US" sz="1600" dirty="0">
+                <a:solidFill>
+                  <a:schemeClr val="tx1">
+                    <a:lumMod val="85000"/>
+                    <a:lumOff val="15000"/>
+                  </a:schemeClr>
+                </a:solidFill>
+                <a:latin typeface="Arial"/>
+                <a:cs typeface="Arial"/>
+              </a:rPr>
+              <a:t> é </a:t>
+            </a:r>
+            <a:r>
+              <a:rPr lang="en-US" sz="1600" dirty="0" err="1">
+                <a:solidFill>
+                  <a:schemeClr val="tx1">
+                    <a:lumMod val="85000"/>
+                    <a:lumOff val="15000"/>
+                  </a:schemeClr>
+                </a:solidFill>
+                <a:latin typeface="Arial"/>
+                <a:cs typeface="Arial"/>
+              </a:rPr>
+              <a:t>propício</a:t>
+            </a:r>
+            <a:r>
+              <a:rPr lang="en-US" sz="1600" dirty="0">
+                <a:solidFill>
+                  <a:schemeClr val="tx1">
+                    <a:lumMod val="85000"/>
+                    <a:lumOff val="15000"/>
+                  </a:schemeClr>
+                </a:solidFill>
+                <a:latin typeface="Arial"/>
+                <a:cs typeface="Arial"/>
+              </a:rPr>
+              <a:t> para o </a:t>
+            </a:r>
+            <a:r>
+              <a:rPr lang="en-US" sz="1600" dirty="0" err="1">
+                <a:solidFill>
+                  <a:schemeClr val="tx1">
+                    <a:lumMod val="85000"/>
+                    <a:lumOff val="15000"/>
+                  </a:schemeClr>
+                </a:solidFill>
+                <a:latin typeface="Arial"/>
+                <a:cs typeface="Arial"/>
+              </a:rPr>
+              <a:t>armazenamento</a:t>
+            </a:r>
+            <a:r>
+              <a:rPr lang="en-US" sz="1600" dirty="0">
+                <a:solidFill>
+                  <a:schemeClr val="tx1">
+                    <a:lumMod val="85000"/>
+                    <a:lumOff val="15000"/>
+                  </a:schemeClr>
+                </a:solidFill>
+                <a:latin typeface="Arial"/>
+                <a:cs typeface="Arial"/>
+              </a:rPr>
+              <a:t> </a:t>
+            </a:r>
+            <a:r>
+              <a:rPr lang="en-US" sz="1600" dirty="0" err="1">
+                <a:solidFill>
+                  <a:schemeClr val="tx1">
+                    <a:lumMod val="85000"/>
+                    <a:lumOff val="15000"/>
+                  </a:schemeClr>
+                </a:solidFill>
+                <a:latin typeface="Arial"/>
+                <a:cs typeface="Arial"/>
+              </a:rPr>
+              <a:t>adequado</a:t>
+            </a:r>
+            <a:r>
+              <a:rPr lang="en-US" sz="1600" dirty="0">
+                <a:solidFill>
+                  <a:schemeClr val="tx1">
+                    <a:lumMod val="85000"/>
+                    <a:lumOff val="15000"/>
+                  </a:schemeClr>
+                </a:solidFill>
+                <a:latin typeface="Arial"/>
+                <a:cs typeface="Arial"/>
+              </a:rPr>
+              <a:t> dos </a:t>
+            </a:r>
+            <a:r>
+              <a:rPr lang="en-US" sz="1600" dirty="0" err="1">
+                <a:solidFill>
+                  <a:schemeClr val="tx1">
+                    <a:lumMod val="85000"/>
+                    <a:lumOff val="15000"/>
+                  </a:schemeClr>
+                </a:solidFill>
+                <a:latin typeface="Arial"/>
+                <a:cs typeface="Arial"/>
+              </a:rPr>
+              <a:t>livros</a:t>
+            </a:r>
+            <a:endParaRPr lang="en-US" sz="1600" dirty="0">
+              <a:solidFill>
+                <a:schemeClr val="tx1">
+                  <a:lumMod val="85000"/>
+                  <a:lumOff val="15000"/>
+                </a:schemeClr>
+              </a:solidFill>
+              <a:latin typeface="Arial"/>
+              <a:cs typeface="Arial"/>
+            </a:endParaRPr>
+          </a:p>
+        </p:txBody>
+      </p:sp>
+      <p:sp>
+        <p:nvSpPr>
+          <p:cNvPr id="20" name="Retângulo 19"/>
+          <p:cNvSpPr/>
+          <p:nvPr/>
+        </p:nvSpPr>
+        <p:spPr>
+          <a:xfrm>
+            <a:off x="8183313" y="457202"/>
+            <a:ext cx="3472003" cy="830997"/>
+          </a:xfrm>
+          <a:prstGeom prst="rect">
+            <a:avLst/>
+          </a:prstGeom>
+        </p:spPr>
+        <p:txBody>
+          <a:bodyPr wrap="square">
+            <a:spAutoFit/>
+          </a:bodyPr>
+          <a:lstStyle/>
+          <a:p>
+            <a:pPr algn="ctr"/>
+            <a:r>
+              <a:rPr lang="en-US" sz="1600" dirty="0" err="1">
+                <a:solidFill>
+                  <a:schemeClr val="tx1">
+                    <a:lumMod val="85000"/>
+                    <a:lumOff val="15000"/>
+                  </a:schemeClr>
+                </a:solidFill>
+                <a:latin typeface="Arial"/>
+                <a:cs typeface="Arial"/>
+              </a:rPr>
+              <a:t>Os</a:t>
+            </a:r>
+            <a:r>
+              <a:rPr lang="en-US" sz="1600" dirty="0">
+                <a:solidFill>
+                  <a:schemeClr val="tx1">
+                    <a:lumMod val="85000"/>
+                    <a:lumOff val="15000"/>
+                  </a:schemeClr>
+                </a:solidFill>
+                <a:latin typeface="Arial"/>
+                <a:cs typeface="Arial"/>
+              </a:rPr>
+              <a:t> dados </a:t>
+            </a:r>
+            <a:r>
+              <a:rPr lang="en-US" sz="1600" dirty="0" err="1">
+                <a:solidFill>
+                  <a:schemeClr val="tx1">
+                    <a:lumMod val="85000"/>
+                    <a:lumOff val="15000"/>
+                  </a:schemeClr>
+                </a:solidFill>
+                <a:latin typeface="Arial"/>
+                <a:cs typeface="Arial"/>
+              </a:rPr>
+              <a:t>serão</a:t>
+            </a:r>
+            <a:r>
+              <a:rPr lang="en-US" sz="1600" dirty="0">
+                <a:solidFill>
+                  <a:schemeClr val="tx1">
+                    <a:lumMod val="85000"/>
+                    <a:lumOff val="15000"/>
+                  </a:schemeClr>
+                </a:solidFill>
+                <a:latin typeface="Arial"/>
+                <a:cs typeface="Arial"/>
+              </a:rPr>
+              <a:t> </a:t>
+            </a:r>
+            <a:r>
+              <a:rPr lang="en-US" sz="1600" dirty="0" err="1">
+                <a:solidFill>
+                  <a:schemeClr val="tx1">
+                    <a:lumMod val="85000"/>
+                    <a:lumOff val="15000"/>
+                  </a:schemeClr>
+                </a:solidFill>
+                <a:latin typeface="Arial"/>
+                <a:cs typeface="Arial"/>
+              </a:rPr>
+              <a:t>enviados</a:t>
+            </a:r>
+            <a:r>
+              <a:rPr lang="en-US" sz="1600" dirty="0">
+                <a:solidFill>
+                  <a:schemeClr val="tx1">
+                    <a:lumMod val="85000"/>
+                    <a:lumOff val="15000"/>
+                  </a:schemeClr>
+                </a:solidFill>
+                <a:latin typeface="Arial"/>
+                <a:cs typeface="Arial"/>
+              </a:rPr>
+              <a:t> para o </a:t>
+            </a:r>
+            <a:r>
+              <a:rPr lang="en-US" sz="1600" dirty="0" err="1">
+                <a:solidFill>
+                  <a:schemeClr val="tx1">
+                    <a:lumMod val="85000"/>
+                    <a:lumOff val="15000"/>
+                  </a:schemeClr>
+                </a:solidFill>
+                <a:latin typeface="Arial"/>
+                <a:cs typeface="Arial"/>
+              </a:rPr>
+              <a:t>sistema</a:t>
+            </a:r>
+            <a:r>
+              <a:rPr lang="en-US" sz="1600" dirty="0">
+                <a:solidFill>
+                  <a:schemeClr val="tx1">
+                    <a:lumMod val="85000"/>
+                    <a:lumOff val="15000"/>
+                  </a:schemeClr>
+                </a:solidFill>
+                <a:latin typeface="Arial"/>
+                <a:cs typeface="Arial"/>
+              </a:rPr>
+              <a:t> da </a:t>
+            </a:r>
+            <a:r>
+              <a:rPr lang="en-US" sz="1600" dirty="0" err="1">
+                <a:solidFill>
+                  <a:schemeClr val="tx1">
+                    <a:lumMod val="85000"/>
+                    <a:lumOff val="15000"/>
+                  </a:schemeClr>
+                </a:solidFill>
+                <a:latin typeface="Arial"/>
+                <a:cs typeface="Arial"/>
+              </a:rPr>
+              <a:t>empresa</a:t>
+            </a:r>
+            <a:r>
+              <a:rPr lang="en-US" sz="1600" dirty="0">
+                <a:solidFill>
+                  <a:schemeClr val="tx1">
+                    <a:lumMod val="85000"/>
+                    <a:lumOff val="15000"/>
+                  </a:schemeClr>
+                </a:solidFill>
+                <a:latin typeface="Arial"/>
+                <a:cs typeface="Arial"/>
+              </a:rPr>
+              <a:t> para o </a:t>
+            </a:r>
+            <a:r>
+              <a:rPr lang="en-US" sz="1600" dirty="0" err="1">
+                <a:solidFill>
+                  <a:schemeClr val="tx1">
+                    <a:lumMod val="85000"/>
+                    <a:lumOff val="15000"/>
+                  </a:schemeClr>
+                </a:solidFill>
+                <a:latin typeface="Arial"/>
+                <a:cs typeface="Arial"/>
+              </a:rPr>
+              <a:t>monitoramento</a:t>
+            </a:r>
+            <a:r>
+              <a:rPr lang="en-US" sz="1600" dirty="0">
+                <a:solidFill>
+                  <a:schemeClr val="tx1">
+                    <a:lumMod val="85000"/>
+                    <a:lumOff val="15000"/>
+                  </a:schemeClr>
+                </a:solidFill>
+                <a:latin typeface="Arial"/>
+                <a:cs typeface="Arial"/>
+              </a:rPr>
+              <a:t> e </a:t>
+            </a:r>
+            <a:r>
+              <a:rPr lang="en-US" sz="1600" dirty="0" err="1">
+                <a:solidFill>
+                  <a:schemeClr val="tx1">
+                    <a:lumMod val="85000"/>
+                    <a:lumOff val="15000"/>
+                  </a:schemeClr>
+                </a:solidFill>
+                <a:latin typeface="Arial"/>
+                <a:cs typeface="Arial"/>
+              </a:rPr>
+              <a:t>gerencimento</a:t>
+            </a:r>
+            <a:endParaRPr lang="en-US" sz="1600" dirty="0">
+              <a:solidFill>
+                <a:schemeClr val="tx1">
+                  <a:lumMod val="85000"/>
+                  <a:lumOff val="15000"/>
+                </a:schemeClr>
+              </a:solidFill>
+              <a:latin typeface="Arial"/>
+              <a:cs typeface="Arial"/>
+            </a:endParaRPr>
+          </a:p>
+        </p:txBody>
+      </p:sp>
       <p:pic>
         <p:nvPicPr>
-          <p:cNvPr id="23" name="Imagem 22"/>
+          <p:cNvPr id="21" name="Picture 30" descr="A close up of a device&#10;&#10;Description generated with very high confidence">
+            <a:extLst>
+              <a:ext uri="{FF2B5EF4-FFF2-40B4-BE49-F238E27FC236}">
+                <a16:creationId xmlns:a16="http://schemas.microsoft.com/office/drawing/2014/main" id="{64311C35-AE07-45F0-9E8D-286483932DBC}"/>
+              </a:ext>
+            </a:extLst>
+          </p:cNvPr>
           <p:cNvPicPr>
             <a:picLocks noChangeAspect="1"/>
           </p:cNvPicPr>
           <p:nvPr/>
         </p:nvPicPr>
         <p:blipFill>
-          <a:blip r:embed="rId5" cstate="print">
-            <a:extLst>
-              <a:ext uri="{28A0092B-C50C-407E-A947-70E740481C1C}">
-                <a14:useLocalDpi xmlns:a14="http://schemas.microsoft.com/office/drawing/2010/main" val="0"/>
-              </a:ext>
-            </a:extLst>
-          </a:blip>
+          <a:blip r:embed="rId10"/>
           <a:stretch>
             <a:fillRect/>
           </a:stretch>
         </p:blipFill>
         <p:spPr>
           <a:xfrm>
-            <a:off x="8479328" y="3025592"/>
-            <a:ext cx="308124" cy="308124"/>
+            <a:off x="6316001" y="819390"/>
+            <a:ext cx="1061049" cy="1075425"/>
           </a:xfrm>
           <a:prstGeom prst="rect">
             <a:avLst/>
           </a:prstGeom>
         </p:spPr>
       </p:pic>
-      <p:pic>
-        <p:nvPicPr>
-          <p:cNvPr id="24" name="Imagem 23"/>
-          <p:cNvPicPr>
-            <a:picLocks noChangeAspect="1"/>
-          </p:cNvPicPr>
-          <p:nvPr/>
-        </p:nvPicPr>
-        <p:blipFill>
-          <a:blip r:embed="rId6" cstate="print">
+      <p:sp>
+        <p:nvSpPr>
+          <p:cNvPr id="22" name="TextBox 33">
             <a:extLst>
-              <a:ext uri="{28A0092B-C50C-407E-A947-70E740481C1C}">
-                <a14:useLocalDpi xmlns:a14="http://schemas.microsoft.com/office/drawing/2010/main" val="0"/>
+              <a:ext uri="{FF2B5EF4-FFF2-40B4-BE49-F238E27FC236}">
+                <a16:creationId xmlns:a16="http://schemas.microsoft.com/office/drawing/2014/main" id="{46EBE350-3D70-431B-BFCA-8FAC071B45DB}"/>
               </a:ext>
             </a:extLst>
-          </a:blip>
-          <a:stretch>
-            <a:fillRect/>
-          </a:stretch>
-        </p:blipFill>
-        <p:spPr>
-          <a:xfrm rot="5400000">
-            <a:off x="211924" y="4536174"/>
-            <a:ext cx="2088399" cy="1026729"/>
+          </p:cNvPr>
+          <p:cNvSpPr txBox="1"/>
+          <p:nvPr/>
+        </p:nvSpPr>
+        <p:spPr>
+          <a:xfrm>
+            <a:off x="5904131" y="472028"/>
+            <a:ext cx="1916776" cy="338554"/>
           </a:xfrm>
           <a:prstGeom prst="rect">
             <a:avLst/>
           </a:prstGeom>
-        </p:spPr>
-      </p:pic>
-      <p:sp>
-        <p:nvSpPr>
-          <p:cNvPr id="25" name="CaixaDeTexto 24"/>
-          <p:cNvSpPr txBox="1"/>
-          <p:nvPr/>
-        </p:nvSpPr>
-        <p:spPr>
-          <a:xfrm>
-            <a:off x="376780" y="5950587"/>
-            <a:ext cx="1901371" cy="307777"/>
-          </a:xfrm>
-          <a:prstGeom prst="rect">
-            <a:avLst/>
-          </a:prstGeom>
           <a:noFill/>
         </p:spPr>
         <p:txBody>
-          <a:bodyPr wrap="square" rtlCol="0">
+          <a:bodyPr rot="0" spcFirstLastPara="0" vertOverflow="overflow" horzOverflow="overflow" vert="horz" wrap="square" lIns="91440" tIns="45720" rIns="91440" bIns="45720" numCol="1" spcCol="0" rtlCol="0" fromWordArt="0" anchor="t" anchorCtr="0" forceAA="0" compatLnSpc="1">
+            <a:prstTxWarp prst="textNoShape">
+              <a:avLst/>
+            </a:prstTxWarp>
             <a:spAutoFit/>
           </a:bodyPr>
           <a:lstStyle/>
           <a:p>
             <a:pPr algn="ctr"/>
             <a:r>
-              <a:rPr lang="pt-BR" sz="1400" dirty="0" err="1" smtClean="0">
-                <a:latin typeface="Arial" panose="020B0604020202020204" pitchFamily="34" charset="0"/>
-                <a:cs typeface="Arial" panose="020B0604020202020204" pitchFamily="34" charset="0"/>
+              <a:rPr lang="en-US" sz="1600" dirty="0" err="1">
+                <a:solidFill>
+                  <a:schemeClr val="tx1">
+                    <a:lumMod val="85000"/>
+                    <a:lumOff val="15000"/>
+                  </a:schemeClr>
+                </a:solidFill>
+                <a:latin typeface="Arial"/>
+                <a:cs typeface="Arial"/>
               </a:rPr>
-              <a:t>Protoboard</a:t>
-            </a:r>
-            <a:endParaRPr lang="pt-BR" sz="1400" dirty="0">
-              <a:latin typeface="Arial" panose="020B0604020202020204" pitchFamily="34" charset="0"/>
-              <a:cs typeface="Arial" panose="020B0604020202020204" pitchFamily="34" charset="0"/>
-            </a:endParaRPr>
-          </a:p>
-        </p:txBody>
-      </p:sp>
-      <p:sp>
-        <p:nvSpPr>
-          <p:cNvPr id="26" name="CaixaDeTexto 25"/>
-          <p:cNvSpPr txBox="1"/>
-          <p:nvPr/>
-        </p:nvSpPr>
-        <p:spPr>
-          <a:xfrm>
-            <a:off x="376779" y="3858949"/>
-            <a:ext cx="1901371" cy="307777"/>
+              <a:t>Roteador</a:t>
+            </a:r>
+            <a:r>
+              <a:rPr lang="en-US" sz="1600" dirty="0">
+                <a:solidFill>
+                  <a:schemeClr val="tx1">
+                    <a:lumMod val="85000"/>
+                    <a:lumOff val="15000"/>
+                  </a:schemeClr>
+                </a:solidFill>
+                <a:latin typeface="Arial"/>
+                <a:cs typeface="Arial"/>
+              </a:rPr>
+              <a:t> </a:t>
+            </a:r>
+            <a:r>
+              <a:rPr lang="en-US" sz="1600" dirty="0" err="1">
+                <a:solidFill>
+                  <a:schemeClr val="tx1">
+                    <a:lumMod val="85000"/>
+                    <a:lumOff val="15000"/>
+                  </a:schemeClr>
+                </a:solidFill>
+                <a:latin typeface="Arial"/>
+                <a:cs typeface="Arial"/>
+              </a:rPr>
+              <a:t>Wirelles</a:t>
+            </a:r>
+          </a:p>
+        </p:txBody>
+      </p:sp>
+      <p:sp>
+        <p:nvSpPr>
+          <p:cNvPr id="23" name="Retângulo 22"/>
+          <p:cNvSpPr/>
+          <p:nvPr/>
+        </p:nvSpPr>
+        <p:spPr>
+          <a:xfrm>
+            <a:off x="4769849" y="3937760"/>
+            <a:ext cx="2834640" cy="2560320"/>
           </a:xfrm>
           <a:prstGeom prst="rect">
             <a:avLst/>
           </a:prstGeom>
-          <a:noFill/>
-        </p:spPr>
-        <p:txBody>
-          <a:bodyPr wrap="square" rtlCol="0">
-            <a:spAutoFit/>
-          </a:bodyPr>
-          <a:lstStyle/>
-          <a:p>
-            <a:pPr algn="ctr"/>
-            <a:r>
-              <a:rPr lang="pt-BR" sz="1400" dirty="0" err="1" smtClean="0">
-                <a:latin typeface="Arial" panose="020B0604020202020204" pitchFamily="34" charset="0"/>
-                <a:cs typeface="Arial" panose="020B0604020202020204" pitchFamily="34" charset="0"/>
-              </a:rPr>
-              <a:t>Arduino</a:t>
-            </a:r>
-            <a:endParaRPr lang="pt-BR" sz="1400" dirty="0">
-              <a:latin typeface="Arial" panose="020B0604020202020204" pitchFamily="34" charset="0"/>
-              <a:cs typeface="Arial" panose="020B0604020202020204" pitchFamily="34" charset="0"/>
-            </a:endParaRPr>
-          </a:p>
-        </p:txBody>
-      </p:sp>
-      <p:cxnSp>
-        <p:nvCxnSpPr>
-          <p:cNvPr id="27" name="Conector de Seta Reta 26"/>
-          <p:cNvCxnSpPr/>
-          <p:nvPr/>
-        </p:nvCxnSpPr>
-        <p:spPr>
-          <a:xfrm>
-            <a:off x="1436909" y="5656217"/>
-            <a:ext cx="1060008" cy="218381"/>
-          </a:xfrm>
-          <a:prstGeom prst="straightConnector1">
-            <a:avLst/>
-          </a:prstGeom>
+          <a:solidFill>
+            <a:schemeClr val="bg1"/>
+          </a:solidFill>
           <a:ln>
             <a:solidFill>
               <a:schemeClr val="tx1">
-                <a:lumMod val="65000"/>
-                <a:lumOff val="35000"/>
+                <a:lumMod val="50000"/>
+                <a:lumOff val="50000"/>
               </a:schemeClr>
             </a:solidFill>
-            <a:tailEnd type="triangle"/>
           </a:ln>
         </p:spPr>
         <p:style>
-          <a:lnRef idx="1">
-            <a:schemeClr val="accent1"/>
+          <a:lnRef idx="2">
+            <a:schemeClr val="accent1">
+              <a:shade val="50000"/>
+            </a:schemeClr>
           </a:lnRef>
-          <a:fillRef idx="0">
+          <a:fillRef idx="1">
             <a:schemeClr val="accent1"/>
           </a:fillRef>
           <a:effectRef idx="0">
             <a:schemeClr val="accent1"/>
           </a:effectRef>
           <a:fontRef idx="minor">
-            <a:schemeClr val="tx1"/>
+            <a:schemeClr val="lt1"/>
           </a:fontRef>
         </p:style>
-      </p:cxnSp>
-      <p:sp>
-        <p:nvSpPr>
-          <p:cNvPr id="28" name="CaixaDeTexto 27"/>
-          <p:cNvSpPr txBox="1"/>
-          <p:nvPr/>
-        </p:nvSpPr>
-        <p:spPr>
-          <a:xfrm>
-            <a:off x="2031680" y="5701719"/>
-            <a:ext cx="2165641" cy="738664"/>
-          </a:xfrm>
-          <a:prstGeom prst="rect">
-            <a:avLst/>
-          </a:prstGeom>
-          <a:noFill/>
-        </p:spPr>
-        <p:txBody>
-          <a:bodyPr wrap="square" rtlCol="0">
-            <a:spAutoFit/>
-          </a:bodyPr>
+        <p:txBody>
+          <a:bodyPr rtlCol="0" anchor="ctr"/>
           <a:lstStyle/>
           <a:p>
             <a:pPr algn="ctr"/>
-            <a:r>
-              <a:rPr lang="pt-BR" sz="1400" dirty="0" smtClean="0">
-                <a:latin typeface="Arial" panose="020B0604020202020204" pitchFamily="34" charset="0"/>
-                <a:cs typeface="Arial" panose="020B0604020202020204" pitchFamily="34" charset="0"/>
-              </a:rPr>
-              <a:t>Sensor de </a:t>
-            </a:r>
-          </a:p>
-          <a:p>
-            <a:pPr algn="ctr"/>
-            <a:r>
-              <a:rPr lang="pt-BR" sz="1400" dirty="0" smtClean="0">
-                <a:latin typeface="Arial" panose="020B0604020202020204" pitchFamily="34" charset="0"/>
-                <a:cs typeface="Arial" panose="020B0604020202020204" pitchFamily="34" charset="0"/>
-              </a:rPr>
-              <a:t>Temperatura e umidade</a:t>
-            </a:r>
-          </a:p>
-          <a:p>
-            <a:pPr algn="ctr"/>
-            <a:r>
-              <a:rPr lang="pt-BR" sz="1400" dirty="0" smtClean="0">
-                <a:latin typeface="Arial" panose="020B0604020202020204" pitchFamily="34" charset="0"/>
-                <a:cs typeface="Arial" panose="020B0604020202020204" pitchFamily="34" charset="0"/>
-              </a:rPr>
-              <a:t>DHTT11</a:t>
-            </a:r>
-            <a:endParaRPr lang="pt-BR" sz="1400" dirty="0">
-              <a:latin typeface="Arial" panose="020B0604020202020204" pitchFamily="34" charset="0"/>
-              <a:cs typeface="Arial" panose="020B0604020202020204" pitchFamily="34" charset="0"/>
-            </a:endParaRPr>
+            <a:endParaRPr lang="pt-BR"/>
           </a:p>
         </p:txBody>
       </p:sp>
       <p:pic>
         <p:nvPicPr>
-          <p:cNvPr id="29" name="Imagem 28"/>
+          <p:cNvPr id="24" name="Picture 13" descr="A picture containing comb&#10;&#10;Description generated with very high confidence">
+            <a:extLst>
+              <a:ext uri="{FF2B5EF4-FFF2-40B4-BE49-F238E27FC236}">
+                <a16:creationId xmlns:a16="http://schemas.microsoft.com/office/drawing/2014/main" id="{96E322C2-909A-46BB-B588-211766AB85E0}"/>
+              </a:ext>
+            </a:extLst>
+          </p:cNvPr>
           <p:cNvPicPr>
             <a:picLocks noChangeAspect="1"/>
           </p:cNvPicPr>
           <p:nvPr/>
         </p:nvPicPr>
         <p:blipFill>
-          <a:blip r:embed="rId7" cstate="print">
-            <a:extLst>
-              <a:ext uri="{28A0092B-C50C-407E-A947-70E740481C1C}">
-                <a14:useLocalDpi xmlns:a14="http://schemas.microsoft.com/office/drawing/2010/main" val="0"/>
-              </a:ext>
-            </a:extLst>
-          </a:blip>
+          <a:blip r:embed="rId11"/>
           <a:stretch>
             <a:fillRect/>
           </a:stretch>
         </p:blipFill>
         <p:spPr>
           <a:xfrm>
-            <a:off x="2694854" y="4326932"/>
-            <a:ext cx="1300566" cy="1300566"/>
+            <a:off x="5343964" y="4650330"/>
+            <a:ext cx="1707612" cy="1648627"/>
           </a:xfrm>
           <a:prstGeom prst="rect">
             <a:avLst/>
           </a:prstGeom>
         </p:spPr>
       </p:pic>
+      <p:sp>
+        <p:nvSpPr>
+          <p:cNvPr id="25" name="TextBox 61">
+            <a:extLst>
+              <a:ext uri="{FF2B5EF4-FFF2-40B4-BE49-F238E27FC236}">
+                <a16:creationId xmlns:a16="http://schemas.microsoft.com/office/drawing/2014/main" id="{2B0D8CBA-CC14-4E5F-B4F1-1633DDE93E6E}"/>
+              </a:ext>
+            </a:extLst>
+          </p:cNvPr>
+          <p:cNvSpPr txBox="1"/>
+          <p:nvPr/>
+        </p:nvSpPr>
+        <p:spPr>
+          <a:xfrm>
+            <a:off x="5356588" y="4091911"/>
+            <a:ext cx="1647006" cy="338554"/>
+          </a:xfrm>
+          <a:prstGeom prst="rect">
+            <a:avLst/>
+          </a:prstGeom>
+          <a:noFill/>
+        </p:spPr>
+        <p:txBody>
+          <a:bodyPr rot="0" spcFirstLastPara="0" vertOverflow="overflow" horzOverflow="overflow" vert="horz" wrap="square" lIns="91440" tIns="45720" rIns="91440" bIns="45720" numCol="1" spcCol="0" rtlCol="0" fromWordArt="0" anchor="t" anchorCtr="0" forceAA="0" compatLnSpc="1">
+            <a:prstTxWarp prst="textNoShape">
+              <a:avLst/>
+            </a:prstTxWarp>
+            <a:spAutoFit/>
+          </a:bodyPr>
+          <a:lstStyle/>
+          <a:p>
+            <a:pPr algn="ctr"/>
+            <a:r>
+              <a:rPr lang="en-US" sz="1600" dirty="0">
+                <a:solidFill>
+                  <a:schemeClr val="tx1">
+                    <a:lumMod val="85000"/>
+                    <a:lumOff val="15000"/>
+                  </a:schemeClr>
+                </a:solidFill>
+                <a:latin typeface="Arial"/>
+                <a:cs typeface="Arial"/>
+              </a:rPr>
+              <a:t>Internet</a:t>
+            </a:r>
+          </a:p>
+        </p:txBody>
+      </p:sp>
+      <p:sp>
+        <p:nvSpPr>
+          <p:cNvPr id="26" name="Retângulo 25"/>
+          <p:cNvSpPr/>
+          <p:nvPr/>
+        </p:nvSpPr>
+        <p:spPr>
+          <a:xfrm>
+            <a:off x="600892" y="3902803"/>
+            <a:ext cx="2811093" cy="2560320"/>
+          </a:xfrm>
+          <a:prstGeom prst="rect">
+            <a:avLst/>
+          </a:prstGeom>
+          <a:solidFill>
+            <a:schemeClr val="bg1"/>
+          </a:solidFill>
+          <a:ln>
+            <a:solidFill>
+              <a:schemeClr val="tx1">
+                <a:lumMod val="50000"/>
+                <a:lumOff val="50000"/>
+              </a:schemeClr>
+            </a:solidFill>
+          </a:ln>
+        </p:spPr>
+        <p:style>
+          <a:lnRef idx="2">
+            <a:schemeClr val="accent1">
+              <a:shade val="50000"/>
+            </a:schemeClr>
+          </a:lnRef>
+          <a:fillRef idx="1">
+            <a:schemeClr val="accent1"/>
+          </a:fillRef>
+          <a:effectRef idx="0">
+            <a:schemeClr val="accent1"/>
+          </a:effectRef>
+          <a:fontRef idx="minor">
+            <a:schemeClr val="lt1"/>
+          </a:fontRef>
+        </p:style>
+        <p:txBody>
+          <a:bodyPr rtlCol="0" anchor="ctr"/>
+          <a:lstStyle/>
+          <a:p>
+            <a:pPr algn="ctr"/>
+            <a:endParaRPr lang="pt-BR"/>
+          </a:p>
+        </p:txBody>
+      </p:sp>
       <p:pic>
         <p:nvPicPr>
-          <p:cNvPr id="30" name="Imagem 29"/>
+          <p:cNvPr id="27" name="Picture 68" descr="A close up of a sign&#10;&#10;Description generated with high confidence">
+            <a:extLst>
+              <a:ext uri="{FF2B5EF4-FFF2-40B4-BE49-F238E27FC236}">
+                <a16:creationId xmlns:a16="http://schemas.microsoft.com/office/drawing/2014/main" id="{C7BC0718-3AEC-417A-BD8F-3A387BBF0481}"/>
+              </a:ext>
+            </a:extLst>
+          </p:cNvPr>
           <p:cNvPicPr>
             <a:picLocks noChangeAspect="1"/>
           </p:cNvPicPr>
           <p:nvPr/>
         </p:nvPicPr>
         <p:blipFill>
-          <a:blip r:embed="rId8" cstate="print">
-            <a:extLst>
-              <a:ext uri="{28A0092B-C50C-407E-A947-70E740481C1C}">
-                <a14:useLocalDpi xmlns:a14="http://schemas.microsoft.com/office/drawing/2010/main" val="0"/>
-              </a:ext>
-            </a:extLst>
-          </a:blip>
+          <a:blip r:embed="rId12"/>
           <a:stretch>
             <a:fillRect/>
           </a:stretch>
         </p:blipFill>
         <p:spPr>
           <a:xfrm>
-            <a:off x="1980124" y="4714104"/>
-            <a:ext cx="516793" cy="516793"/>
+            <a:off x="2052968" y="3940352"/>
+            <a:ext cx="1132042" cy="1110439"/>
           </a:xfrm>
           <a:prstGeom prst="rect">
             <a:avLst/>
           </a:prstGeom>
         </p:spPr>
       </p:pic>
-      <p:cxnSp>
-        <p:nvCxnSpPr>
-          <p:cNvPr id="31" name="Conector de Seta Reta 30"/>
-          <p:cNvCxnSpPr>
-            <a:stCxn id="30" idx="3"/>
-            <a:endCxn id="29" idx="1"/>
-          </p:cNvCxnSpPr>
-          <p:nvPr/>
-        </p:nvCxnSpPr>
-        <p:spPr>
-          <a:xfrm>
-            <a:off x="2496917" y="4972501"/>
-            <a:ext cx="197937" cy="4714"/>
-          </a:xfrm>
-          <a:prstGeom prst="straightConnector1">
-            <a:avLst/>
-          </a:prstGeom>
+      <p:pic>
+        <p:nvPicPr>
+          <p:cNvPr id="28" name="Picture 70" descr="A screen shot of a computer&#10;&#10;Description generated with very high confidence">
+            <a:extLst>
+              <a:ext uri="{FF2B5EF4-FFF2-40B4-BE49-F238E27FC236}">
+                <a16:creationId xmlns:a16="http://schemas.microsoft.com/office/drawing/2014/main" id="{0CAA2E08-371C-4778-B698-82EA38A03D11}"/>
+              </a:ext>
+            </a:extLst>
+          </p:cNvPr>
+          <p:cNvPicPr>
+            <a:picLocks noChangeAspect="1"/>
+          </p:cNvPicPr>
+          <p:nvPr/>
+        </p:nvPicPr>
+        <p:blipFill>
+          <a:blip r:embed="rId13"/>
+          <a:stretch>
+            <a:fillRect/>
+          </a:stretch>
+        </p:blipFill>
+        <p:spPr>
+          <a:xfrm>
+            <a:off x="1200499" y="5279305"/>
+            <a:ext cx="1590450" cy="1050409"/>
+          </a:xfrm>
+          <a:prstGeom prst="rect">
+            <a:avLst/>
+          </a:prstGeom>
+        </p:spPr>
+      </p:pic>
+      <p:pic>
+        <p:nvPicPr>
+          <p:cNvPr id="29" name="Picture 73" descr="A close up of a logo&#10;&#10;Description generated with high confidence">
+            <a:extLst>
+              <a:ext uri="{FF2B5EF4-FFF2-40B4-BE49-F238E27FC236}">
+                <a16:creationId xmlns:a16="http://schemas.microsoft.com/office/drawing/2014/main" id="{385A0B54-3BDE-4902-8311-81E6A8A2E57E}"/>
+              </a:ext>
+            </a:extLst>
+          </p:cNvPr>
+          <p:cNvPicPr>
+            <a:picLocks noChangeAspect="1"/>
+          </p:cNvPicPr>
+          <p:nvPr/>
+        </p:nvPicPr>
+        <p:blipFill>
+          <a:blip r:embed="rId14"/>
+          <a:stretch>
+            <a:fillRect/>
+          </a:stretch>
+        </p:blipFill>
+        <p:spPr>
+          <a:xfrm>
+            <a:off x="853784" y="4047958"/>
+            <a:ext cx="872795" cy="883597"/>
+          </a:xfrm>
+          <a:prstGeom prst="rect">
+            <a:avLst/>
+          </a:prstGeom>
+        </p:spPr>
+      </p:pic>
+      <p:sp>
+        <p:nvSpPr>
+          <p:cNvPr id="30" name="Retângulo 29"/>
+          <p:cNvSpPr/>
+          <p:nvPr/>
+        </p:nvSpPr>
+        <p:spPr>
+          <a:xfrm>
+            <a:off x="8813101" y="3896533"/>
+            <a:ext cx="2834640" cy="2560320"/>
+          </a:xfrm>
+          <a:prstGeom prst="rect">
+            <a:avLst/>
+          </a:prstGeom>
+          <a:solidFill>
+            <a:schemeClr val="bg1"/>
+          </a:solidFill>
           <a:ln>
             <a:solidFill>
               <a:schemeClr val="tx1">
-                <a:lumMod val="65000"/>
-                <a:lumOff val="35000"/>
+                <a:lumMod val="50000"/>
+                <a:lumOff val="50000"/>
+              </a:schemeClr>
+            </a:solidFill>
+          </a:ln>
+        </p:spPr>
+        <p:style>
+          <a:lnRef idx="2">
+            <a:schemeClr val="accent1">
+              <a:shade val="50000"/>
+            </a:schemeClr>
+          </a:lnRef>
+          <a:fillRef idx="1">
+            <a:schemeClr val="accent1"/>
+          </a:fillRef>
+          <a:effectRef idx="0">
+            <a:schemeClr val="accent1"/>
+          </a:effectRef>
+          <a:fontRef idx="minor">
+            <a:schemeClr val="lt1"/>
+          </a:fontRef>
+        </p:style>
+        <p:txBody>
+          <a:bodyPr rtlCol="0" anchor="ctr"/>
+          <a:lstStyle/>
+          <a:p>
+            <a:pPr algn="ctr"/>
+            <a:endParaRPr lang="pt-BR"/>
+          </a:p>
+        </p:txBody>
+      </p:sp>
+      <p:pic>
+        <p:nvPicPr>
+          <p:cNvPr id="31" name="Picture 79" descr="A close up of a logo&#10;&#10;Description generated with very high confidence">
+            <a:extLst>
+              <a:ext uri="{FF2B5EF4-FFF2-40B4-BE49-F238E27FC236}">
+                <a16:creationId xmlns:a16="http://schemas.microsoft.com/office/drawing/2014/main" id="{7EA4B790-3FF9-4E6B-891E-C4B0A8AC7E5E}"/>
+              </a:ext>
+            </a:extLst>
+          </p:cNvPr>
+          <p:cNvPicPr>
+            <a:picLocks noChangeAspect="1"/>
+          </p:cNvPicPr>
+          <p:nvPr/>
+        </p:nvPicPr>
+        <p:blipFill>
+          <a:blip r:embed="rId15"/>
+          <a:stretch>
+            <a:fillRect/>
+          </a:stretch>
+        </p:blipFill>
+        <p:spPr>
+          <a:xfrm>
+            <a:off x="9564613" y="4047958"/>
+            <a:ext cx="1338116" cy="936724"/>
+          </a:xfrm>
+          <a:prstGeom prst="rect">
+            <a:avLst/>
+          </a:prstGeom>
+          <a:ln>
+            <a:noFill/>
+          </a:ln>
+        </p:spPr>
+      </p:pic>
+      <p:sp>
+        <p:nvSpPr>
+          <p:cNvPr id="32" name="TextBox 88">
+            <a:extLst>
+              <a:ext uri="{FF2B5EF4-FFF2-40B4-BE49-F238E27FC236}">
+                <a16:creationId xmlns:a16="http://schemas.microsoft.com/office/drawing/2014/main" id="{194A1E76-091F-4A2D-A3A3-64B09C6107D4}"/>
+              </a:ext>
+            </a:extLst>
+          </p:cNvPr>
+          <p:cNvSpPr txBox="1"/>
+          <p:nvPr/>
+        </p:nvSpPr>
+        <p:spPr>
+          <a:xfrm>
+            <a:off x="9357336" y="5224777"/>
+            <a:ext cx="1746169" cy="1323439"/>
+          </a:xfrm>
+          <a:prstGeom prst="rect">
+            <a:avLst/>
+          </a:prstGeom>
+          <a:noFill/>
+          <a:ln>
+            <a:noFill/>
+          </a:ln>
+        </p:spPr>
+        <p:txBody>
+          <a:bodyPr rot="0" spcFirstLastPara="0" vertOverflow="overflow" horzOverflow="overflow" vert="horz" wrap="square" lIns="91440" tIns="45720" rIns="91440" bIns="45720" numCol="1" spcCol="0" rtlCol="0" fromWordArt="0" anchor="t" anchorCtr="0" forceAA="0" compatLnSpc="1">
+            <a:prstTxWarp prst="textNoShape">
+              <a:avLst/>
+            </a:prstTxWarp>
+            <a:spAutoFit/>
+          </a:bodyPr>
+          <a:lstStyle/>
+          <a:p>
+            <a:pPr marL="285750" indent="-285750" algn="l">
+              <a:buFont typeface="Arial" panose="020B0604020202020204" pitchFamily="34" charset="0"/>
+              <a:buChar char="•"/>
+            </a:pPr>
+            <a:r>
+              <a:rPr lang="en-US" sz="1600" dirty="0" err="1">
+                <a:solidFill>
+                  <a:schemeClr val="tx1">
+                    <a:lumMod val="85000"/>
+                    <a:lumOff val="15000"/>
+                  </a:schemeClr>
+                </a:solidFill>
+                <a:latin typeface="Arial"/>
+                <a:cs typeface="Arial"/>
+              </a:rPr>
+              <a:t>Servidores</a:t>
+            </a:r>
+            <a:endParaRPr lang="en-US" sz="1600" dirty="0">
+              <a:solidFill>
+                <a:schemeClr val="tx1">
+                  <a:lumMod val="85000"/>
+                  <a:lumOff val="15000"/>
+                </a:schemeClr>
+              </a:solidFill>
+              <a:latin typeface="Arial"/>
+              <a:cs typeface="Arial"/>
+            </a:endParaRPr>
+          </a:p>
+          <a:p>
+            <a:pPr marL="285750" indent="-285750">
+              <a:buFont typeface="Arial" panose="020B0604020202020204" pitchFamily="34" charset="0"/>
+              <a:buChar char="•"/>
+            </a:pPr>
+            <a:r>
+              <a:rPr lang="en-US" sz="1600" dirty="0" err="1">
+                <a:solidFill>
+                  <a:schemeClr val="tx1">
+                    <a:lumMod val="85000"/>
+                    <a:lumOff val="15000"/>
+                  </a:schemeClr>
+                </a:solidFill>
+                <a:latin typeface="Arial"/>
+                <a:cs typeface="Arial"/>
+              </a:rPr>
+              <a:t>Plataforma</a:t>
+            </a:r>
+            <a:endParaRPr lang="en-US" sz="1600" dirty="0">
+              <a:solidFill>
+                <a:schemeClr val="tx1">
+                  <a:lumMod val="85000"/>
+                  <a:lumOff val="15000"/>
+                </a:schemeClr>
+              </a:solidFill>
+              <a:latin typeface="Arial"/>
+              <a:cs typeface="Arial"/>
+            </a:endParaRPr>
+          </a:p>
+          <a:p>
+            <a:pPr marL="285750" indent="-285750">
+              <a:buFont typeface="Arial" panose="020B0604020202020204" pitchFamily="34" charset="0"/>
+              <a:buChar char="•"/>
+            </a:pPr>
+            <a:r>
+              <a:rPr lang="en-US" sz="1600" dirty="0" err="1">
+                <a:solidFill>
+                  <a:schemeClr val="tx1">
+                    <a:lumMod val="85000"/>
+                    <a:lumOff val="15000"/>
+                  </a:schemeClr>
+                </a:solidFill>
+                <a:latin typeface="Arial"/>
+                <a:cs typeface="Arial"/>
+              </a:rPr>
+              <a:t>Sistemas</a:t>
+            </a:r>
+            <a:endParaRPr lang="en-US" sz="1600" dirty="0">
+              <a:solidFill>
+                <a:schemeClr val="tx1">
+                  <a:lumMod val="85000"/>
+                  <a:lumOff val="15000"/>
+                </a:schemeClr>
+              </a:solidFill>
+              <a:latin typeface="Arial"/>
+              <a:cs typeface="Arial"/>
+            </a:endParaRPr>
+          </a:p>
+          <a:p>
+            <a:pPr marL="285750" indent="-285750">
+              <a:buFont typeface="Arial" panose="020B0604020202020204" pitchFamily="34" charset="0"/>
+              <a:buChar char="•"/>
+            </a:pPr>
+            <a:r>
+              <a:rPr lang="en-US" sz="1600" dirty="0" err="1">
+                <a:solidFill>
+                  <a:schemeClr val="tx1">
+                    <a:lumMod val="85000"/>
+                    <a:lumOff val="15000"/>
+                  </a:schemeClr>
+                </a:solidFill>
+                <a:latin typeface="Arial"/>
+                <a:cs typeface="Arial"/>
+              </a:rPr>
+              <a:t>Comunicação</a:t>
+            </a:r>
+            <a:endParaRPr lang="en-US" sz="1600" dirty="0">
+              <a:solidFill>
+                <a:schemeClr val="tx1">
+                  <a:lumMod val="85000"/>
+                  <a:lumOff val="15000"/>
+                </a:schemeClr>
+              </a:solidFill>
+              <a:latin typeface="Arial"/>
+              <a:cs typeface="Arial"/>
+            </a:endParaRPr>
+          </a:p>
+          <a:p>
+            <a:pPr marL="285750" indent="-285750">
+              <a:buFont typeface="Arial" panose="020B0604020202020204" pitchFamily="34" charset="0"/>
+              <a:buChar char="•"/>
+            </a:pPr>
+            <a:endParaRPr lang="en-US" sz="1600" dirty="0">
+              <a:solidFill>
+                <a:schemeClr val="tx1">
+                  <a:lumMod val="85000"/>
+                  <a:lumOff val="15000"/>
+                </a:schemeClr>
+              </a:solidFill>
+              <a:latin typeface="Arial"/>
+              <a:cs typeface="Arial"/>
+            </a:endParaRPr>
+          </a:p>
+        </p:txBody>
+      </p:sp>
+      <p:cxnSp>
+        <p:nvCxnSpPr>
+          <p:cNvPr id="33" name="Conector de Seta Reta 32"/>
+          <p:cNvCxnSpPr/>
+          <p:nvPr/>
+        </p:nvCxnSpPr>
+        <p:spPr>
+          <a:xfrm rot="16200000" flipV="1">
+            <a:off x="8192122" y="4862527"/>
+            <a:ext cx="0" cy="675181"/>
+          </a:xfrm>
+          <a:prstGeom prst="straightConnector1">
+            <a:avLst/>
+          </a:prstGeom>
+          <a:ln w="38100">
+            <a:solidFill>
+              <a:schemeClr val="tx1">
+                <a:lumMod val="75000"/>
+                <a:lumOff val="25000"/>
               </a:schemeClr>
             </a:solidFill>
             <a:tailEnd type="triangle"/>
@@ -9378,23 +10355,23 @@
       </p:cxnSp>
       <p:cxnSp>
         <p:nvCxnSpPr>
-          <p:cNvPr id="32" name="Conector de Seta Reta 31"/>
+          <p:cNvPr id="34" name="Conector de Seta Reta 33"/>
           <p:cNvCxnSpPr/>
           <p:nvPr/>
         </p:nvCxnSpPr>
         <p:spPr>
-          <a:xfrm flipH="1">
-            <a:off x="1766667" y="4972501"/>
-            <a:ext cx="204287" cy="4714"/>
+          <a:xfrm rot="16200000">
+            <a:off x="8242980" y="5137053"/>
+            <a:ext cx="0" cy="675181"/>
           </a:xfrm>
           <a:prstGeom prst="straightConnector1">
             <a:avLst/>
           </a:prstGeom>
-          <a:ln>
+          <a:ln w="38100">
             <a:solidFill>
               <a:schemeClr val="tx1">
-                <a:lumMod val="65000"/>
-                <a:lumOff val="35000"/>
+                <a:lumMod val="75000"/>
+                <a:lumOff val="25000"/>
               </a:schemeClr>
             </a:solidFill>
             <a:tailEnd type="triangle"/>
@@ -9415,547 +10392,166 @@
           </a:fontRef>
         </p:style>
       </p:cxnSp>
-      <p:sp>
-        <p:nvSpPr>
-          <p:cNvPr id="33" name="CaixaDeTexto 32"/>
-          <p:cNvSpPr txBox="1"/>
-          <p:nvPr/>
-        </p:nvSpPr>
-        <p:spPr>
-          <a:xfrm>
-            <a:off x="1926552" y="4170611"/>
-            <a:ext cx="627064" cy="523220"/>
-          </a:xfrm>
-          <a:prstGeom prst="rect">
-            <a:avLst/>
-          </a:prstGeom>
-          <a:noFill/>
-        </p:spPr>
-        <p:txBody>
-          <a:bodyPr wrap="square" rtlCol="0">
-            <a:spAutoFit/>
-          </a:bodyPr>
-          <a:lstStyle/>
-          <a:p>
-            <a:pPr algn="ctr"/>
-            <a:r>
-              <a:rPr lang="pt-BR" sz="1400" dirty="0" smtClean="0">
-                <a:latin typeface="Arial" panose="020B0604020202020204" pitchFamily="34" charset="0"/>
-                <a:cs typeface="Arial" panose="020B0604020202020204" pitchFamily="34" charset="0"/>
-              </a:rPr>
-              <a:t>Cabo </a:t>
-            </a:r>
-          </a:p>
-          <a:p>
-            <a:pPr algn="ctr"/>
-            <a:r>
-              <a:rPr lang="pt-BR" sz="1400" dirty="0" smtClean="0">
-                <a:latin typeface="Arial" panose="020B0604020202020204" pitchFamily="34" charset="0"/>
-                <a:cs typeface="Arial" panose="020B0604020202020204" pitchFamily="34" charset="0"/>
-              </a:rPr>
-              <a:t>USB</a:t>
-            </a:r>
-            <a:endParaRPr lang="pt-BR" sz="1400" dirty="0">
-              <a:latin typeface="Arial" panose="020B0604020202020204" pitchFamily="34" charset="0"/>
-              <a:cs typeface="Arial" panose="020B0604020202020204" pitchFamily="34" charset="0"/>
-            </a:endParaRPr>
-          </a:p>
-        </p:txBody>
-      </p:sp>
-      <p:pic>
-        <p:nvPicPr>
-          <p:cNvPr id="34" name="Imagem 33"/>
-          <p:cNvPicPr>
-            <a:picLocks noChangeAspect="1"/>
-          </p:cNvPicPr>
-          <p:nvPr/>
-        </p:nvPicPr>
-        <p:blipFill>
-          <a:blip r:embed="rId9"/>
-          <a:stretch>
-            <a:fillRect/>
-          </a:stretch>
-        </p:blipFill>
+      <p:cxnSp>
+        <p:nvCxnSpPr>
+          <p:cNvPr id="35" name="Conector de Seta Reta 34"/>
+          <p:cNvCxnSpPr/>
+          <p:nvPr/>
+        </p:nvCxnSpPr>
+        <p:spPr>
+          <a:xfrm rot="16200000" flipV="1">
+            <a:off x="4077311" y="4859479"/>
+            <a:ext cx="0" cy="675181"/>
+          </a:xfrm>
+          <a:prstGeom prst="straightConnector1">
+            <a:avLst/>
+          </a:prstGeom>
+          <a:ln w="38100">
+            <a:solidFill>
+              <a:schemeClr val="tx1">
+                <a:lumMod val="75000"/>
+                <a:lumOff val="25000"/>
+              </a:schemeClr>
+            </a:solidFill>
+            <a:tailEnd type="triangle"/>
+          </a:ln>
+        </p:spPr>
+        <p:style>
+          <a:lnRef idx="1">
+            <a:schemeClr val="accent1"/>
+          </a:lnRef>
+          <a:fillRef idx="0">
+            <a:schemeClr val="accent1"/>
+          </a:fillRef>
+          <a:effectRef idx="0">
+            <a:schemeClr val="accent1"/>
+          </a:effectRef>
+          <a:fontRef idx="minor">
+            <a:schemeClr val="tx1"/>
+          </a:fontRef>
+        </p:style>
+      </p:cxnSp>
+      <p:cxnSp>
+        <p:nvCxnSpPr>
+          <p:cNvPr id="36" name="Conector de Seta Reta 35"/>
+          <p:cNvCxnSpPr/>
+          <p:nvPr/>
+        </p:nvCxnSpPr>
+        <p:spPr>
+          <a:xfrm rot="16200000">
+            <a:off x="4128169" y="5134005"/>
+            <a:ext cx="0" cy="675181"/>
+          </a:xfrm>
+          <a:prstGeom prst="straightConnector1">
+            <a:avLst/>
+          </a:prstGeom>
+          <a:ln w="38100">
+            <a:solidFill>
+              <a:schemeClr val="tx1">
+                <a:lumMod val="75000"/>
+                <a:lumOff val="25000"/>
+              </a:schemeClr>
+            </a:solidFill>
+            <a:tailEnd type="triangle"/>
+          </a:ln>
+        </p:spPr>
+        <p:style>
+          <a:lnRef idx="1">
+            <a:schemeClr val="accent1"/>
+          </a:lnRef>
+          <a:fillRef idx="0">
+            <a:schemeClr val="accent1"/>
+          </a:fillRef>
+          <a:effectRef idx="0">
+            <a:schemeClr val="accent1"/>
+          </a:effectRef>
+          <a:fontRef idx="minor">
+            <a:schemeClr val="tx1"/>
+          </a:fontRef>
+        </p:style>
+      </p:cxnSp>
+      <p:cxnSp>
+        <p:nvCxnSpPr>
+          <p:cNvPr id="37" name="Conector de Seta Reta 36"/>
+          <p:cNvCxnSpPr/>
+          <p:nvPr/>
+        </p:nvCxnSpPr>
+        <p:spPr>
+          <a:xfrm flipV="1">
+            <a:off x="7612342" y="3005628"/>
+            <a:ext cx="516009" cy="445123"/>
+          </a:xfrm>
+          <a:prstGeom prst="straightConnector1">
+            <a:avLst/>
+          </a:prstGeom>
+          <a:ln w="38100">
+            <a:solidFill>
+              <a:schemeClr val="tx1">
+                <a:lumMod val="75000"/>
+                <a:lumOff val="25000"/>
+              </a:schemeClr>
+            </a:solidFill>
+            <a:tailEnd type="triangle"/>
+          </a:ln>
+        </p:spPr>
+        <p:style>
+          <a:lnRef idx="1">
+            <a:schemeClr val="accent1"/>
+          </a:lnRef>
+          <a:fillRef idx="0">
+            <a:schemeClr val="accent1"/>
+          </a:fillRef>
+          <a:effectRef idx="0">
+            <a:schemeClr val="accent1"/>
+          </a:effectRef>
+          <a:fontRef idx="minor">
+            <a:schemeClr val="tx1"/>
+          </a:fontRef>
+        </p:style>
+      </p:cxnSp>
+      <p:cxnSp>
+        <p:nvCxnSpPr>
+          <p:cNvPr id="38" name="Conector de Seta Reta 37"/>
+          <p:cNvCxnSpPr/>
+          <p:nvPr/>
+        </p:nvCxnSpPr>
         <p:spPr>
           <a:xfrm flipH="1">
-            <a:off x="6358454" y="3679794"/>
-            <a:ext cx="614584" cy="533097"/>
-          </a:xfrm>
-          <a:prstGeom prst="rect">
-            <a:avLst/>
-          </a:prstGeom>
-        </p:spPr>
-      </p:pic>
-      <p:pic>
-        <p:nvPicPr>
-          <p:cNvPr id="35" name="Imagem 34"/>
-          <p:cNvPicPr>
-            <a:picLocks noChangeAspect="1"/>
-          </p:cNvPicPr>
-          <p:nvPr/>
-        </p:nvPicPr>
-        <p:blipFill>
-          <a:blip r:embed="rId9"/>
-          <a:stretch>
-            <a:fillRect/>
-          </a:stretch>
-        </p:blipFill>
-        <p:spPr>
-          <a:xfrm>
-            <a:off x="5162181" y="3683885"/>
-            <a:ext cx="634385" cy="533097"/>
-          </a:xfrm>
-          <a:prstGeom prst="rect">
-            <a:avLst/>
-          </a:prstGeom>
-        </p:spPr>
-      </p:pic>
-      <p:sp>
-        <p:nvSpPr>
-          <p:cNvPr id="36" name="CaixaDeTexto 35"/>
-          <p:cNvSpPr txBox="1"/>
-          <p:nvPr/>
-        </p:nvSpPr>
-        <p:spPr>
-          <a:xfrm>
-            <a:off x="3550474" y="3677178"/>
-            <a:ext cx="1987474" cy="307777"/>
-          </a:xfrm>
-          <a:prstGeom prst="rect">
-            <a:avLst/>
-          </a:prstGeom>
-          <a:noFill/>
-        </p:spPr>
-        <p:txBody>
-          <a:bodyPr wrap="square" rtlCol="0">
-            <a:spAutoFit/>
-          </a:bodyPr>
-          <a:lstStyle/>
-          <a:p>
-            <a:pPr algn="ctr"/>
-            <a:r>
-              <a:rPr lang="pt-BR" sz="1400" dirty="0" smtClean="0">
-                <a:latin typeface="Arial" panose="020B0604020202020204" pitchFamily="34" charset="0"/>
-                <a:cs typeface="Arial" panose="020B0604020202020204" pitchFamily="34" charset="0"/>
-              </a:rPr>
-              <a:t>Internet LAN / </a:t>
-            </a:r>
-            <a:r>
-              <a:rPr lang="pt-BR" sz="1400" dirty="0" err="1" smtClean="0">
-                <a:latin typeface="Arial" panose="020B0604020202020204" pitchFamily="34" charset="0"/>
-                <a:cs typeface="Arial" panose="020B0604020202020204" pitchFamily="34" charset="0"/>
-              </a:rPr>
-              <a:t>Wi</a:t>
-            </a:r>
-            <a:r>
-              <a:rPr lang="pt-BR" sz="1400" dirty="0">
-                <a:latin typeface="Arial" panose="020B0604020202020204" pitchFamily="34" charset="0"/>
-                <a:cs typeface="Arial" panose="020B0604020202020204" pitchFamily="34" charset="0"/>
-              </a:rPr>
-              <a:t> </a:t>
-            </a:r>
-            <a:r>
-              <a:rPr lang="pt-BR" sz="1400" dirty="0" err="1" smtClean="0">
-                <a:latin typeface="Arial" panose="020B0604020202020204" pitchFamily="34" charset="0"/>
-                <a:cs typeface="Arial" panose="020B0604020202020204" pitchFamily="34" charset="0"/>
-              </a:rPr>
-              <a:t>fi</a:t>
-            </a:r>
-            <a:endParaRPr lang="pt-BR" sz="1400" dirty="0">
-              <a:latin typeface="Arial" panose="020B0604020202020204" pitchFamily="34" charset="0"/>
-              <a:cs typeface="Arial" panose="020B0604020202020204" pitchFamily="34" charset="0"/>
-            </a:endParaRPr>
-          </a:p>
-        </p:txBody>
-      </p:sp>
-      <p:sp>
-        <p:nvSpPr>
-          <p:cNvPr id="37" name="CaixaDeTexto 36"/>
-          <p:cNvSpPr txBox="1"/>
-          <p:nvPr/>
-        </p:nvSpPr>
-        <p:spPr>
-          <a:xfrm>
-            <a:off x="6553617" y="3674122"/>
-            <a:ext cx="1987474" cy="307777"/>
-          </a:xfrm>
-          <a:prstGeom prst="rect">
-            <a:avLst/>
-          </a:prstGeom>
-          <a:noFill/>
-        </p:spPr>
-        <p:txBody>
-          <a:bodyPr wrap="square" rtlCol="0">
-            <a:spAutoFit/>
-          </a:bodyPr>
-          <a:lstStyle/>
-          <a:p>
-            <a:pPr algn="ctr"/>
-            <a:r>
-              <a:rPr lang="pt-BR" sz="1400" dirty="0" smtClean="0">
-                <a:latin typeface="Arial" panose="020B0604020202020204" pitchFamily="34" charset="0"/>
-                <a:cs typeface="Arial" panose="020B0604020202020204" pitchFamily="34" charset="0"/>
-              </a:rPr>
-              <a:t>Internet LAN / </a:t>
-            </a:r>
-            <a:r>
-              <a:rPr lang="pt-BR" sz="1400" dirty="0" err="1" smtClean="0">
-                <a:latin typeface="Arial" panose="020B0604020202020204" pitchFamily="34" charset="0"/>
-                <a:cs typeface="Arial" panose="020B0604020202020204" pitchFamily="34" charset="0"/>
-              </a:rPr>
-              <a:t>Wi</a:t>
-            </a:r>
-            <a:r>
-              <a:rPr lang="pt-BR" sz="1400" dirty="0">
-                <a:latin typeface="Arial" panose="020B0604020202020204" pitchFamily="34" charset="0"/>
-                <a:cs typeface="Arial" panose="020B0604020202020204" pitchFamily="34" charset="0"/>
-              </a:rPr>
-              <a:t> </a:t>
-            </a:r>
-            <a:r>
-              <a:rPr lang="pt-BR" sz="1400" dirty="0" err="1" smtClean="0">
-                <a:latin typeface="Arial" panose="020B0604020202020204" pitchFamily="34" charset="0"/>
-                <a:cs typeface="Arial" panose="020B0604020202020204" pitchFamily="34" charset="0"/>
-              </a:rPr>
-              <a:t>fi</a:t>
-            </a:r>
-            <a:endParaRPr lang="pt-BR" sz="1400" dirty="0">
-              <a:latin typeface="Arial" panose="020B0604020202020204" pitchFamily="34" charset="0"/>
-              <a:cs typeface="Arial" panose="020B0604020202020204" pitchFamily="34" charset="0"/>
-            </a:endParaRPr>
-          </a:p>
-        </p:txBody>
-      </p:sp>
-      <p:sp>
-        <p:nvSpPr>
-          <p:cNvPr id="38" name="CaixaDeTexto 37"/>
-          <p:cNvSpPr txBox="1"/>
-          <p:nvPr/>
-        </p:nvSpPr>
-        <p:spPr>
-          <a:xfrm>
-            <a:off x="3692987" y="4432221"/>
-            <a:ext cx="2165641" cy="1169551"/>
-          </a:xfrm>
-          <a:prstGeom prst="rect">
-            <a:avLst/>
-          </a:prstGeom>
-          <a:noFill/>
-        </p:spPr>
-        <p:txBody>
-          <a:bodyPr wrap="square" rtlCol="0">
-            <a:spAutoFit/>
-          </a:bodyPr>
-          <a:lstStyle/>
-          <a:p>
-            <a:pPr algn="ctr"/>
-            <a:r>
-              <a:rPr lang="pt-BR" sz="1400" dirty="0" err="1" smtClean="0">
-                <a:latin typeface="Arial" panose="020B0604020202020204" pitchFamily="34" charset="0"/>
-                <a:cs typeface="Arial" panose="020B0604020202020204" pitchFamily="34" charset="0"/>
-              </a:rPr>
-              <a:t>Notbook</a:t>
-            </a:r>
-            <a:r>
-              <a:rPr lang="pt-BR" sz="1400" dirty="0" smtClean="0">
-                <a:latin typeface="Arial" panose="020B0604020202020204" pitchFamily="34" charset="0"/>
-                <a:cs typeface="Arial" panose="020B0604020202020204" pitchFamily="34" charset="0"/>
-              </a:rPr>
-              <a:t> HP</a:t>
-            </a:r>
-          </a:p>
-          <a:p>
-            <a:pPr algn="ctr"/>
-            <a:r>
-              <a:rPr lang="pt-BR" sz="1400" dirty="0" smtClean="0">
-                <a:latin typeface="Arial" panose="020B0604020202020204" pitchFamily="34" charset="0"/>
-                <a:cs typeface="Arial" panose="020B0604020202020204" pitchFamily="34" charset="0"/>
-              </a:rPr>
-              <a:t>Core i3 8GB RAM</a:t>
-            </a:r>
-          </a:p>
-          <a:p>
-            <a:pPr algn="ctr"/>
-            <a:r>
-              <a:rPr lang="pt-BR" sz="1400" dirty="0" smtClean="0">
-                <a:latin typeface="Arial" panose="020B0604020202020204" pitchFamily="34" charset="0"/>
-                <a:cs typeface="Arial" panose="020B0604020202020204" pitchFamily="34" charset="0"/>
-              </a:rPr>
-              <a:t>Com Node JS e IDE </a:t>
-            </a:r>
-            <a:r>
-              <a:rPr lang="pt-BR" sz="1400" dirty="0" err="1" smtClean="0">
-                <a:latin typeface="Arial" panose="020B0604020202020204" pitchFamily="34" charset="0"/>
-                <a:cs typeface="Arial" panose="020B0604020202020204" pitchFamily="34" charset="0"/>
-              </a:rPr>
-              <a:t>arduino</a:t>
-            </a:r>
-            <a:endParaRPr lang="pt-BR" sz="1400" dirty="0" smtClean="0">
-              <a:latin typeface="Arial" panose="020B0604020202020204" pitchFamily="34" charset="0"/>
-              <a:cs typeface="Arial" panose="020B0604020202020204" pitchFamily="34" charset="0"/>
-            </a:endParaRPr>
-          </a:p>
-          <a:p>
-            <a:pPr algn="ctr"/>
-            <a:endParaRPr lang="pt-BR" sz="1400" dirty="0">
-              <a:latin typeface="Arial" panose="020B0604020202020204" pitchFamily="34" charset="0"/>
-              <a:cs typeface="Arial" panose="020B0604020202020204" pitchFamily="34" charset="0"/>
-            </a:endParaRPr>
-          </a:p>
-        </p:txBody>
-      </p:sp>
-      <p:pic>
-        <p:nvPicPr>
-          <p:cNvPr id="39" name="Imagem 38"/>
-          <p:cNvPicPr>
-            <a:picLocks noChangeAspect="1"/>
-          </p:cNvPicPr>
-          <p:nvPr/>
-        </p:nvPicPr>
-        <p:blipFill>
-          <a:blip r:embed="rId10" cstate="print">
-            <a:extLst>
-              <a:ext uri="{28A0092B-C50C-407E-A947-70E740481C1C}">
-                <a14:useLocalDpi xmlns:a14="http://schemas.microsoft.com/office/drawing/2010/main" val="0"/>
-              </a:ext>
-            </a:extLst>
-          </a:blip>
-          <a:stretch>
-            <a:fillRect/>
-          </a:stretch>
-        </p:blipFill>
-        <p:spPr>
-          <a:xfrm>
-            <a:off x="5121959" y="6025584"/>
-            <a:ext cx="695366" cy="425332"/>
-          </a:xfrm>
-          <a:prstGeom prst="rect">
-            <a:avLst/>
-          </a:prstGeom>
-        </p:spPr>
-      </p:pic>
-      <p:pic>
-        <p:nvPicPr>
-          <p:cNvPr id="40" name="Imagem 39"/>
-          <p:cNvPicPr>
-            <a:picLocks noChangeAspect="1"/>
-          </p:cNvPicPr>
-          <p:nvPr/>
-        </p:nvPicPr>
-        <p:blipFill>
-          <a:blip r:embed="rId11" cstate="print">
-            <a:extLst>
-              <a:ext uri="{28A0092B-C50C-407E-A947-70E740481C1C}">
-                <a14:useLocalDpi xmlns:a14="http://schemas.microsoft.com/office/drawing/2010/main" val="0"/>
-              </a:ext>
-            </a:extLst>
-          </a:blip>
-          <a:stretch>
-            <a:fillRect/>
-          </a:stretch>
-        </p:blipFill>
-        <p:spPr>
-          <a:xfrm>
-            <a:off x="4511231" y="6040020"/>
-            <a:ext cx="575968" cy="420817"/>
-          </a:xfrm>
-          <a:prstGeom prst="rect">
-            <a:avLst/>
-          </a:prstGeom>
-        </p:spPr>
-      </p:pic>
-      <p:pic>
-        <p:nvPicPr>
-          <p:cNvPr id="41" name="Imagem 40"/>
-          <p:cNvPicPr>
-            <a:picLocks noChangeAspect="1"/>
-          </p:cNvPicPr>
-          <p:nvPr/>
-        </p:nvPicPr>
-        <p:blipFill>
-          <a:blip r:embed="rId12"/>
-          <a:stretch>
-            <a:fillRect/>
-          </a:stretch>
-        </p:blipFill>
-        <p:spPr>
-          <a:xfrm>
-            <a:off x="6477746" y="4432156"/>
-            <a:ext cx="1858405" cy="1530324"/>
-          </a:xfrm>
-          <a:prstGeom prst="rect">
-            <a:avLst/>
-          </a:prstGeom>
-        </p:spPr>
-      </p:pic>
-      <p:pic>
-        <p:nvPicPr>
-          <p:cNvPr id="42" name="Imagem 41"/>
-          <p:cNvPicPr>
-            <a:picLocks noChangeAspect="1"/>
-          </p:cNvPicPr>
-          <p:nvPr/>
-        </p:nvPicPr>
-        <p:blipFill>
-          <a:blip r:embed="rId7" cstate="print">
-            <a:extLst>
-              <a:ext uri="{28A0092B-C50C-407E-A947-70E740481C1C}">
-                <a14:useLocalDpi xmlns:a14="http://schemas.microsoft.com/office/drawing/2010/main" val="0"/>
-              </a:ext>
-            </a:extLst>
-          </a:blip>
-          <a:stretch>
-            <a:fillRect/>
-          </a:stretch>
-        </p:blipFill>
-        <p:spPr>
-          <a:xfrm>
-            <a:off x="8572996" y="4547035"/>
-            <a:ext cx="1300566" cy="1300566"/>
-          </a:xfrm>
-          <a:prstGeom prst="rect">
-            <a:avLst/>
-          </a:prstGeom>
-        </p:spPr>
-      </p:pic>
-      <p:sp>
-        <p:nvSpPr>
-          <p:cNvPr id="43" name="CaixaDeTexto 42"/>
-          <p:cNvSpPr txBox="1"/>
-          <p:nvPr/>
-        </p:nvSpPr>
-        <p:spPr>
-          <a:xfrm>
-            <a:off x="9571320" y="4703435"/>
-            <a:ext cx="2165641" cy="954107"/>
-          </a:xfrm>
-          <a:prstGeom prst="rect">
-            <a:avLst/>
-          </a:prstGeom>
-          <a:noFill/>
-        </p:spPr>
-        <p:txBody>
-          <a:bodyPr wrap="square" rtlCol="0">
-            <a:spAutoFit/>
-          </a:bodyPr>
-          <a:lstStyle/>
-          <a:p>
-            <a:pPr algn="ctr"/>
-            <a:r>
-              <a:rPr lang="pt-BR" sz="1400" dirty="0" err="1" smtClean="0">
-                <a:latin typeface="Arial" panose="020B0604020202020204" pitchFamily="34" charset="0"/>
-                <a:cs typeface="Arial" panose="020B0604020202020204" pitchFamily="34" charset="0"/>
-              </a:rPr>
-              <a:t>Notbook</a:t>
-            </a:r>
-            <a:r>
-              <a:rPr lang="pt-BR" sz="1400" dirty="0" smtClean="0">
-                <a:latin typeface="Arial" panose="020B0604020202020204" pitchFamily="34" charset="0"/>
-                <a:cs typeface="Arial" panose="020B0604020202020204" pitchFamily="34" charset="0"/>
-              </a:rPr>
-              <a:t> HP</a:t>
-            </a:r>
-          </a:p>
-          <a:p>
-            <a:pPr algn="ctr"/>
-            <a:r>
-              <a:rPr lang="pt-BR" sz="1400" dirty="0" smtClean="0">
-                <a:latin typeface="Arial" panose="020B0604020202020204" pitchFamily="34" charset="0"/>
-                <a:cs typeface="Arial" panose="020B0604020202020204" pitchFamily="34" charset="0"/>
-              </a:rPr>
-              <a:t>Core i3 8GB RAM</a:t>
-            </a:r>
-          </a:p>
-          <a:p>
-            <a:pPr algn="ctr"/>
-            <a:r>
-              <a:rPr lang="pt-BR" sz="1400" dirty="0" smtClean="0">
-                <a:latin typeface="Arial" panose="020B0604020202020204" pitchFamily="34" charset="0"/>
-                <a:cs typeface="Arial" panose="020B0604020202020204" pitchFamily="34" charset="0"/>
-              </a:rPr>
-              <a:t>Com Chrome </a:t>
-            </a:r>
-          </a:p>
-          <a:p>
-            <a:pPr algn="ctr"/>
-            <a:r>
-              <a:rPr lang="pt-BR" sz="1400" dirty="0" smtClean="0">
-                <a:latin typeface="Arial" panose="020B0604020202020204" pitchFamily="34" charset="0"/>
-                <a:cs typeface="Arial" panose="020B0604020202020204" pitchFamily="34" charset="0"/>
-              </a:rPr>
-              <a:t>ou Firefox</a:t>
-            </a:r>
-            <a:endParaRPr lang="pt-BR" sz="1400" dirty="0">
-              <a:latin typeface="Arial" panose="020B0604020202020204" pitchFamily="34" charset="0"/>
-              <a:cs typeface="Arial" panose="020B0604020202020204" pitchFamily="34" charset="0"/>
-            </a:endParaRPr>
-          </a:p>
-        </p:txBody>
-      </p:sp>
-      <p:pic>
-        <p:nvPicPr>
-          <p:cNvPr id="44" name="Imagem 43"/>
-          <p:cNvPicPr>
-            <a:picLocks noChangeAspect="1"/>
-          </p:cNvPicPr>
-          <p:nvPr/>
-        </p:nvPicPr>
-        <p:blipFill>
-          <a:blip r:embed="rId13" cstate="print">
-            <a:extLst>
-              <a:ext uri="{28A0092B-C50C-407E-A947-70E740481C1C}">
-                <a14:useLocalDpi xmlns:a14="http://schemas.microsoft.com/office/drawing/2010/main" val="0"/>
-              </a:ext>
-            </a:extLst>
-          </a:blip>
-          <a:stretch>
-            <a:fillRect/>
-          </a:stretch>
-        </p:blipFill>
-        <p:spPr>
-          <a:xfrm>
-            <a:off x="8833981" y="5858470"/>
-            <a:ext cx="384241" cy="384241"/>
-          </a:xfrm>
-          <a:prstGeom prst="rect">
-            <a:avLst/>
-          </a:prstGeom>
-        </p:spPr>
-      </p:pic>
-      <p:pic>
-        <p:nvPicPr>
-          <p:cNvPr id="45" name="Imagem 44"/>
-          <p:cNvPicPr>
-            <a:picLocks noChangeAspect="1"/>
-          </p:cNvPicPr>
-          <p:nvPr/>
-        </p:nvPicPr>
-        <p:blipFill>
-          <a:blip r:embed="rId14" cstate="print">
-            <a:extLst>
-              <a:ext uri="{28A0092B-C50C-407E-A947-70E740481C1C}">
-                <a14:useLocalDpi xmlns:a14="http://schemas.microsoft.com/office/drawing/2010/main" val="0"/>
-              </a:ext>
-            </a:extLst>
-          </a:blip>
-          <a:stretch>
-            <a:fillRect/>
-          </a:stretch>
-        </p:blipFill>
-        <p:spPr>
-          <a:xfrm>
-            <a:off x="9295717" y="5874598"/>
-            <a:ext cx="367512" cy="346610"/>
-          </a:xfrm>
-          <a:prstGeom prst="rect">
-            <a:avLst/>
-          </a:prstGeom>
-        </p:spPr>
-      </p:pic>
+            <a:off x="7609150" y="3367078"/>
+            <a:ext cx="490762" cy="408913"/>
+          </a:xfrm>
+          <a:prstGeom prst="straightConnector1">
+            <a:avLst/>
+          </a:prstGeom>
+          <a:ln w="38100">
+            <a:solidFill>
+              <a:schemeClr val="tx1">
+                <a:lumMod val="75000"/>
+                <a:lumOff val="25000"/>
+              </a:schemeClr>
+            </a:solidFill>
+            <a:tailEnd type="triangle"/>
+          </a:ln>
+        </p:spPr>
+        <p:style>
+          <a:lnRef idx="1">
+            <a:schemeClr val="accent1"/>
+          </a:lnRef>
+          <a:fillRef idx="0">
+            <a:schemeClr val="accent1"/>
+          </a:fillRef>
+          <a:effectRef idx="0">
+            <a:schemeClr val="accent1"/>
+          </a:effectRef>
+          <a:fontRef idx="minor">
+            <a:schemeClr val="tx1"/>
+          </a:fontRef>
+        </p:style>
+      </p:cxnSp>
     </p:spTree>
     <p:extLst>
       <p:ext uri="{BB962C8B-B14F-4D97-AF65-F5344CB8AC3E}">
-        <p14:creationId xmlns:p14="http://schemas.microsoft.com/office/powerpoint/2010/main" val="3145368698"/>
+        <p14:creationId xmlns:p14="http://schemas.microsoft.com/office/powerpoint/2010/main" val="3401515717"/>
       </p:ext>
     </p:extLst>
   </p:cSld>
@@ -9974,13 +10570,6 @@
       </p:transition>
     </mc:Fallback>
   </mc:AlternateContent>
-  <p:timing>
-    <p:tnLst>
-      <p:par>
-        <p:cTn id="1" dur="indefinite" restart="never" nodeType="tmRoot"/>
-      </p:par>
-    </p:tnLst>
-  </p:timing>
 </p:sld>
 </file>
 
@@ -10003,25 +10592,52 @@
       </p:grpSpPr>
       <p:sp>
         <p:nvSpPr>
-          <p:cNvPr id="2" name="Título 1">
+          <p:cNvPr id="7" name="Título 1">
             <a:extLst>
               <a:ext uri="{FF2B5EF4-FFF2-40B4-BE49-F238E27FC236}">
                 <a16:creationId xmlns:a16="http://schemas.microsoft.com/office/drawing/2014/main" id="{99F76FBE-1BC2-4EE6-B90A-22263BF7BDCD}"/>
               </a:ext>
             </a:extLst>
           </p:cNvPr>
-          <p:cNvSpPr>
-            <a:spLocks noGrp="1"/>
+          <p:cNvSpPr txBox="1">
+            <a:spLocks/>
           </p:cNvSpPr>
-          <p:nvPr>
-            <p:ph type="title"/>
-          </p:nvPr>
-        </p:nvSpPr>
-        <p:spPr/>
-        <p:txBody>
-          <a:bodyPr/>
-          <a:lstStyle/>
-          <a:p>
+          <p:nvPr/>
+        </p:nvSpPr>
+        <p:spPr>
+          <a:xfrm>
+            <a:off x="838199" y="1433807"/>
+            <a:ext cx="10515600" cy="1325563"/>
+          </a:xfrm>
+          <a:prstGeom prst="rect">
+            <a:avLst/>
+          </a:prstGeom>
+        </p:spPr>
+        <p:txBody>
+          <a:bodyPr vert="horz" lIns="91440" tIns="45720" rIns="91440" bIns="45720" rtlCol="0" anchor="ctr">
+            <a:normAutofit/>
+          </a:bodyPr>
+          <a:lstStyle>
+            <a:lvl1pPr algn="l" defTabSz="914400" rtl="0" eaLnBrk="1" latinLnBrk="0" hangingPunct="1">
+              <a:lnSpc>
+                <a:spcPct val="90000"/>
+              </a:lnSpc>
+              <a:spcBef>
+                <a:spcPct val="0"/>
+              </a:spcBef>
+              <a:buNone/>
+              <a:defRPr sz="4400" kern="1200">
+                <a:solidFill>
+                  <a:schemeClr val="tx1"/>
+                </a:solidFill>
+                <a:latin typeface="+mj-lt"/>
+                <a:ea typeface="+mj-ea"/>
+                <a:cs typeface="+mj-cs"/>
+              </a:defRPr>
+            </a:lvl1pPr>
+          </a:lstStyle>
+          <a:p>
+            <a:pPr algn="ctr"/>
             <a:r>
               <a:rPr lang="pt-BR" dirty="0">
                 <a:solidFill>
@@ -10032,14 +10648,14 @@
                 </a:solidFill>
                 <a:latin typeface="Bariol Bold" panose="02000506040000020003" pitchFamily="2" charset="0"/>
               </a:rPr>
-              <a:t>Solução Proposta</a:t>
+              <a:t>LLD</a:t>
             </a:r>
           </a:p>
         </p:txBody>
       </p:sp>
       <p:pic>
         <p:nvPicPr>
-          <p:cNvPr id="8" name="Imagem 7"/>
+          <p:cNvPr id="5" name="Imagem 4"/>
           <p:cNvPicPr>
             <a:picLocks noChangeAspect="1"/>
           </p:cNvPicPr>
@@ -10069,14 +10685,14 @@
       </p:pic>
       <p:pic>
         <p:nvPicPr>
-          <p:cNvPr id="9" name="Imagem 8"/>
+          <p:cNvPr id="2" name="Imagem 1"/>
           <p:cNvPicPr>
             <a:picLocks noChangeAspect="1"/>
           </p:cNvPicPr>
           <p:nvPr/>
         </p:nvPicPr>
         <p:blipFill>
-          <a:blip r:embed="rId3" cstate="print">
+          <a:blip r:embed="rId3">
             <a:extLst>
               <a:ext uri="{28A0092B-C50C-407E-A947-70E740481C1C}">
                 <a14:useLocalDpi xmlns:a14="http://schemas.microsoft.com/office/drawing/2010/main" val="0"/>
@@ -10089,8 +10705,8 @@
         </p:blipFill>
         <p:spPr>
           <a:xfrm>
-            <a:off x="7591728" y="3802671"/>
-            <a:ext cx="4493830" cy="3055329"/>
+            <a:off x="3478054" y="2563369"/>
+            <a:ext cx="5235889" cy="4137877"/>
           </a:xfrm>
           <a:prstGeom prst="rect">
             <a:avLst/>
@@ -10100,7 +10716,7 @@
     </p:spTree>
     <p:extLst>
       <p:ext uri="{BB962C8B-B14F-4D97-AF65-F5344CB8AC3E}">
-        <p14:creationId xmlns:p14="http://schemas.microsoft.com/office/powerpoint/2010/main" val="3511221999"/>
+        <p14:creationId xmlns:p14="http://schemas.microsoft.com/office/powerpoint/2010/main" val="2217421586"/>
       </p:ext>
     </p:extLst>
   </p:cSld>
@@ -10143,7 +10759,7 @@
                             </p:stCondLst>
                             <p:childTnLst>
                               <p:par>
-                                <p:cTn id="5" presetID="10" presetClass="entr" presetSubtype="0" fill="hold" nodeType="afterEffect">
+                                <p:cTn id="5" presetID="10" presetClass="entr" presetSubtype="0" fill="hold" grpId="0" nodeType="afterEffect">
                                   <p:stCondLst>
                                     <p:cond delay="0"/>
                                   </p:stCondLst>
@@ -10156,7 +10772,7 @@
                                           </p:stCondLst>
                                         </p:cTn>
                                         <p:tgtEl>
-                                          <p:spTgt spid="9"/>
+                                          <p:spTgt spid="7"/>
                                         </p:tgtEl>
                                         <p:attrNameLst>
                                           <p:attrName>style.visibility</p:attrName>
@@ -10170,10 +10786,124 @@
                                       <p:cBhvr>
                                         <p:cTn id="7" dur="500"/>
                                         <p:tgtEl>
-                                          <p:spTgt spid="9"/>
+                                          <p:spTgt spid="7"/>
                                         </p:tgtEl>
                                       </p:cBhvr>
                                     </p:animEffect>
+                                  </p:childTnLst>
+                                </p:cTn>
+                              </p:par>
+                              <p:par>
+                                <p:cTn id="8" presetID="10" presetClass="entr" presetSubtype="0" fill="hold" nodeType="withEffect">
+                                  <p:stCondLst>
+                                    <p:cond delay="0"/>
+                                  </p:stCondLst>
+                                  <p:childTnLst>
+                                    <p:set>
+                                      <p:cBhvr>
+                                        <p:cTn id="9" dur="1" fill="hold">
+                                          <p:stCondLst>
+                                            <p:cond delay="0"/>
+                                          </p:stCondLst>
+                                        </p:cTn>
+                                        <p:tgtEl>
+                                          <p:spTgt spid="2"/>
+                                        </p:tgtEl>
+                                        <p:attrNameLst>
+                                          <p:attrName>style.visibility</p:attrName>
+                                        </p:attrNameLst>
+                                      </p:cBhvr>
+                                      <p:to>
+                                        <p:strVal val="visible"/>
+                                      </p:to>
+                                    </p:set>
+                                    <p:animEffect transition="in" filter="fade">
+                                      <p:cBhvr>
+                                        <p:cTn id="10" dur="500"/>
+                                        <p:tgtEl>
+                                          <p:spTgt spid="2"/>
+                                        </p:tgtEl>
+                                      </p:cBhvr>
+                                    </p:animEffect>
+                                  </p:childTnLst>
+                                </p:cTn>
+                              </p:par>
+                            </p:childTnLst>
+                          </p:cTn>
+                        </p:par>
+                        <p:par>
+                          <p:cTn id="11" fill="hold">
+                            <p:stCondLst>
+                              <p:cond delay="500"/>
+                            </p:stCondLst>
+                            <p:childTnLst>
+                              <p:par>
+                                <p:cTn id="12" presetID="10" presetClass="exit" presetSubtype="0" fill="hold" grpId="1" nodeType="afterEffect">
+                                  <p:stCondLst>
+                                    <p:cond delay="1000"/>
+                                  </p:stCondLst>
+                                  <p:childTnLst>
+                                    <p:animEffect transition="out" filter="fade">
+                                      <p:cBhvr>
+                                        <p:cTn id="13" dur="500"/>
+                                        <p:tgtEl>
+                                          <p:spTgt spid="7"/>
+                                        </p:tgtEl>
+                                      </p:cBhvr>
+                                    </p:animEffect>
+                                    <p:set>
+                                      <p:cBhvr>
+                                        <p:cTn id="14" dur="1" fill="hold">
+                                          <p:stCondLst>
+                                            <p:cond delay="499"/>
+                                          </p:stCondLst>
+                                        </p:cTn>
+                                        <p:tgtEl>
+                                          <p:spTgt spid="7"/>
+                                        </p:tgtEl>
+                                        <p:attrNameLst>
+                                          <p:attrName>style.visibility</p:attrName>
+                                        </p:attrNameLst>
+                                      </p:cBhvr>
+                                      <p:to>
+                                        <p:strVal val="hidden"/>
+                                      </p:to>
+                                    </p:set>
+                                  </p:childTnLst>
+                                </p:cTn>
+                              </p:par>
+                              <p:par>
+                                <p:cTn id="15" presetID="10" presetClass="exit" presetSubtype="0" fill="hold" nodeType="withEffect">
+                                  <p:stCondLst>
+                                    <p:cond delay="1000"/>
+                                  </p:stCondLst>
+                                  <p:childTnLst>
+                                    <p:animEffect transition="out" filter="fade">
+                                      <p:cBhvr>
+                                        <p:cTn id="16" dur="500"/>
+                                        <p:tgtEl>
+                                          <p:spTgt spid="2"/>
+                                        </p:tgtEl>
+                                      </p:cBhvr>
+                                    </p:animEffect>
+                                    <p:set>
+                                      <p:cBhvr>
+                                        <p:cTn id="17" dur="1" fill="hold">
+                                          <p:stCondLst>
+                                            <p:cond delay="499"/>
+                                          </p:stCondLst>
+                                        </p:cTn>
+                                        <p:tgtEl>
+                                          <p:spTgt spid="2"/>
+                                        </p:tgtEl>
+                                        <p:attrNameLst>
+                                          <p:attrName>style.visibility</p:attrName>
+                                        </p:attrNameLst>
+                                      </p:cBhvr>
+                                      <p:to>
+                                        <p:strVal val="hidden"/>
+                                      </p:to>
+                                    </p:set>
                                   </p:childTnLst>
                                 </p:cTn>
                               </p:par>
@@ -10204,6 +10934,10 @@
         </p:cTn>
       </p:par>
     </p:tnLst>
+    <p:bldLst>
+      <p:bldP spid="7" grpId="0"/>
+      <p:bldP spid="7" grpId="1"/>
+    </p:bldLst>
   </p:timing>
 </p:sld>
 </file>

--- a/Documentação/chameleon.pptx
+++ b/Documentação/chameleon.pptx
@@ -3502,8 +3502,8 @@
         </p:blipFill>
         <p:spPr>
           <a:xfrm>
-            <a:off x="642607" y="2437251"/>
-            <a:ext cx="1590471" cy="1564920"/>
+            <a:off x="732784" y="2467343"/>
+            <a:ext cx="1519200" cy="1494794"/>
           </a:xfrm>
           <a:prstGeom prst="flowChartConnector">
             <a:avLst/>
@@ -3528,6 +3528,13 @@
       <p:transition spd="slow" advClick="0"/>
     </mc:Fallback>
   </mc:AlternateContent>
+  <p:timing>
+    <p:tnLst>
+      <p:par>
+        <p:cTn id="1" dur="indefinite" restart="never" nodeType="tmRoot"/>
+      </p:par>
+    </p:tnLst>
+  </p:timing>
 </p:sld>
 </file>
 
@@ -5108,6 +5115,13 @@
       </p:transition>
     </mc:Fallback>
   </mc:AlternateContent>
+  <p:timing>
+    <p:tnLst>
+      <p:par>
+        <p:cTn id="1" dur="indefinite" restart="never" nodeType="tmRoot"/>
+      </p:par>
+    </p:tnLst>
+  </p:timing>
 </p:sld>
 </file>
 
@@ -6271,6 +6285,13 @@
       </p:transition>
     </mc:Fallback>
   </mc:AlternateContent>
+  <p:timing>
+    <p:tnLst>
+      <p:par>
+        <p:cTn id="1" dur="indefinite" restart="never" nodeType="tmRoot"/>
+      </p:par>
+    </p:tnLst>
+  </p:timing>
 </p:sld>
 </file>
 
@@ -6373,6 +6394,13 @@
       </p:transition>
     </mc:Fallback>
   </mc:AlternateContent>
+  <p:timing>
+    <p:tnLst>
+      <p:par>
+        <p:cTn id="1" dur="indefinite" restart="never" nodeType="tmRoot"/>
+      </p:par>
+    </p:tnLst>
+  </p:timing>
 </p:sld>
 </file>
 
@@ -7352,6 +7380,184 @@
           </a:prstGeom>
         </p:spPr>
       </p:pic>
+      <p:sp>
+        <p:nvSpPr>
+          <p:cNvPr id="5" name="CaixaDeTexto 4">
+            <a:extLst>
+              <a:ext uri="{FF2B5EF4-FFF2-40B4-BE49-F238E27FC236}">
+                <a16:creationId xmlns:a16="http://schemas.microsoft.com/office/drawing/2014/main" id="{869545E3-DC46-4CDB-A839-CA8AA4E80E78}"/>
+              </a:ext>
+            </a:extLst>
+          </p:cNvPr>
+          <p:cNvSpPr txBox="1"/>
+          <p:nvPr/>
+        </p:nvSpPr>
+        <p:spPr>
+          <a:xfrm>
+            <a:off x="838200" y="2274838"/>
+            <a:ext cx="5995851" cy="2677656"/>
+          </a:xfrm>
+          <a:prstGeom prst="rect">
+            <a:avLst/>
+          </a:prstGeom>
+          <a:noFill/>
+        </p:spPr>
+        <p:txBody>
+          <a:bodyPr wrap="square" rtlCol="0">
+            <a:spAutoFit/>
+          </a:bodyPr>
+          <a:lstStyle/>
+          <a:p>
+            <a:pPr marL="342900" indent="-342900">
+              <a:buClr>
+                <a:srgbClr val="35B794"/>
+              </a:buClr>
+              <a:buSzPct val="80000"/>
+              <a:buFont typeface="Wingdings" panose="05000000000000000000" pitchFamily="2" charset="2"/>
+              <a:buChar char="ü"/>
+            </a:pPr>
+            <a:r>
+              <a:rPr lang="pt-BR" sz="2400" dirty="0" smtClean="0">
+                <a:latin typeface="Bariol Bold" panose="02000506040000020003" pitchFamily="2" charset="0"/>
+              </a:rPr>
+              <a:t>Oscilação </a:t>
+            </a:r>
+            <a:r>
+              <a:rPr lang="pt-BR" sz="2400" dirty="0">
+                <a:latin typeface="Bariol Bold" panose="02000506040000020003" pitchFamily="2" charset="0"/>
+              </a:rPr>
+              <a:t>da temperatura e umidade relativa do </a:t>
+            </a:r>
+            <a:r>
+              <a:rPr lang="pt-BR" sz="2400" dirty="0" smtClean="0">
+                <a:latin typeface="Bariol Bold" panose="02000506040000020003" pitchFamily="2" charset="0"/>
+              </a:rPr>
+              <a:t>ar.</a:t>
+            </a:r>
+            <a:endParaRPr lang="pt-BR" sz="2400" dirty="0">
+              <a:latin typeface="Bariol Bold" panose="02000506040000020003" pitchFamily="2" charset="0"/>
+            </a:endParaRPr>
+          </a:p>
+          <a:p>
+            <a:pPr marL="342900" indent="-342900">
+              <a:buClr>
+                <a:srgbClr val="35B794"/>
+              </a:buClr>
+              <a:buSzPct val="80000"/>
+              <a:buFont typeface="Wingdings" panose="05000000000000000000" pitchFamily="2" charset="2"/>
+              <a:buChar char="ü"/>
+            </a:pPr>
+            <a:endParaRPr lang="pt-BR" sz="2400" dirty="0" smtClean="0">
+              <a:latin typeface="Bariol Bold" panose="02000506040000020003" pitchFamily="2" charset="0"/>
+            </a:endParaRPr>
+          </a:p>
+          <a:p>
+            <a:pPr marL="342900" indent="-342900">
+              <a:buClr>
+                <a:srgbClr val="35B794"/>
+              </a:buClr>
+              <a:buSzPct val="80000"/>
+              <a:buFont typeface="Wingdings" panose="05000000000000000000" pitchFamily="2" charset="2"/>
+              <a:buChar char="ü"/>
+            </a:pPr>
+            <a:r>
+              <a:rPr lang="pt-BR" sz="2400" dirty="0">
+                <a:latin typeface="Bariol Bold" panose="02000506040000020003" pitchFamily="2" charset="0"/>
+              </a:rPr>
+              <a:t> </a:t>
+            </a:r>
+            <a:r>
+              <a:rPr lang="pt-BR" sz="2400" dirty="0" smtClean="0">
+                <a:latin typeface="Bariol Bold" panose="02000506040000020003" pitchFamily="2" charset="0"/>
+              </a:rPr>
+              <a:t>Fungos </a:t>
+            </a:r>
+            <a:r>
+              <a:rPr lang="pt-BR" sz="2400" dirty="0">
+                <a:latin typeface="Bariol Bold" panose="02000506040000020003" pitchFamily="2" charset="0"/>
+              </a:rPr>
+              <a:t>e </a:t>
+            </a:r>
+            <a:r>
+              <a:rPr lang="pt-BR" sz="2400" dirty="0" smtClean="0">
+                <a:latin typeface="Bariol Bold" panose="02000506040000020003" pitchFamily="2" charset="0"/>
+              </a:rPr>
+              <a:t>bactérias </a:t>
+            </a:r>
+            <a:r>
+              <a:rPr lang="pt-BR" sz="2400" dirty="0">
+                <a:latin typeface="Bariol Bold" panose="02000506040000020003" pitchFamily="2" charset="0"/>
+              </a:rPr>
+              <a:t>causam </a:t>
+            </a:r>
+            <a:r>
+              <a:rPr lang="pt-BR" sz="2400" dirty="0" smtClean="0">
+                <a:latin typeface="Bariol Bold" panose="02000506040000020003" pitchFamily="2" charset="0"/>
+              </a:rPr>
+              <a:t>variáveis </a:t>
+            </a:r>
+            <a:r>
+              <a:rPr lang="pt-BR" sz="2400" dirty="0">
+                <a:latin typeface="Bariol Bold" panose="02000506040000020003" pitchFamily="2" charset="0"/>
+              </a:rPr>
+              <a:t>doenças</a:t>
+            </a:r>
+            <a:r>
+              <a:rPr lang="pt-BR" sz="2400" dirty="0" smtClean="0">
+                <a:latin typeface="Bariol Bold" panose="02000506040000020003" pitchFamily="2" charset="0"/>
+              </a:rPr>
+              <a:t>.</a:t>
+            </a:r>
+          </a:p>
+          <a:p>
+            <a:pPr marL="342900" indent="-342900">
+              <a:buClr>
+                <a:srgbClr val="35B794"/>
+              </a:buClr>
+              <a:buSzPct val="80000"/>
+              <a:buFont typeface="Wingdings" panose="05000000000000000000" pitchFamily="2" charset="2"/>
+              <a:buChar char="ü"/>
+            </a:pPr>
+            <a:endParaRPr lang="pt-BR" sz="2400" dirty="0">
+              <a:latin typeface="Bariol Bold" panose="02000506040000020003" pitchFamily="2" charset="0"/>
+            </a:endParaRPr>
+          </a:p>
+          <a:p>
+            <a:pPr marL="342900" indent="-342900">
+              <a:buClr>
+                <a:srgbClr val="35B794"/>
+              </a:buClr>
+              <a:buSzPct val="80000"/>
+              <a:buFont typeface="Wingdings" panose="05000000000000000000" pitchFamily="2" charset="2"/>
+              <a:buChar char="ü"/>
+            </a:pPr>
+            <a:r>
+              <a:rPr lang="pt-BR" sz="2400" dirty="0" smtClean="0">
+                <a:latin typeface="Bariol Bold" panose="02000506040000020003" pitchFamily="2" charset="0"/>
+              </a:rPr>
+              <a:t>Mofo pode </a:t>
+            </a:r>
+            <a:r>
+              <a:rPr lang="pt-BR" sz="2400" dirty="0">
+                <a:latin typeface="Bariol Bold" panose="02000506040000020003" pitchFamily="2" charset="0"/>
+              </a:rPr>
+              <a:t>causar uma variedade de doenças respiratórias nos seres </a:t>
+            </a:r>
+            <a:r>
+              <a:rPr lang="pt-BR" sz="2400" dirty="0">
+                <a:latin typeface="Bariol Bold" panose="02000506040000020003" pitchFamily="2" charset="0"/>
+              </a:rPr>
+              <a:t>humanos</a:t>
+            </a:r>
+            <a:r>
+              <a:rPr lang="pt-BR" sz="2400" dirty="0">
+                <a:latin typeface="Bariol Bold" panose="02000506040000020003" pitchFamily="2" charset="0"/>
+              </a:rPr>
+              <a:t>.</a:t>
+            </a:r>
+          </a:p>
+        </p:txBody>
+      </p:sp>
     </p:spTree>
     <p:extLst>
       <p:ext uri="{BB962C8B-B14F-4D97-AF65-F5344CB8AC3E}">
@@ -8191,6 +8397,18 @@
   <p:clrMapOvr>
     <a:masterClrMapping/>
   </p:clrMapOvr>
+  <mc:AlternateContent xmlns:mc="http://schemas.openxmlformats.org/markup-compatibility/2006">
+    <mc:Choice xmlns:p14="http://schemas.microsoft.com/office/powerpoint/2010/main" Requires="p14">
+      <p:transition spd="med" p14:dur="700">
+        <p:fade/>
+      </p:transition>
+    </mc:Choice>
+    <mc:Fallback>
+      <p:transition spd="med">
+        <p:fade/>
+      </p:transition>
+    </mc:Fallback>
+  </mc:AlternateContent>
   <p:timing>
     <p:tnLst>
       <p:par>
@@ -8904,7 +9122,7 @@
           <a:blip r:embed="rId5">
             <a:extLst>
               <a:ext uri="{96DAC541-7B7A-43D3-8B79-37D633B846F1}">
-                <asvg:svgBlip xmlns:asvg="http://schemas.microsoft.com/office/drawing/2016/SVG/main" r:embed="rId6"/>
+                <asvg:svgBlip xmlns:asvg="http://schemas.microsoft.com/office/drawing/2016/SVG/main" xmlns="" r:embed="rId6"/>
               </a:ext>
             </a:extLst>
           </a:blip>
@@ -8940,7 +9158,7 @@
           <a:blip r:embed="rId5">
             <a:extLst>
               <a:ext uri="{96DAC541-7B7A-43D3-8B79-37D633B846F1}">
-                <asvg:svgBlip xmlns:asvg="http://schemas.microsoft.com/office/drawing/2016/SVG/main" r:embed="rId6"/>
+                <asvg:svgBlip xmlns:asvg="http://schemas.microsoft.com/office/drawing/2016/SVG/main" xmlns="" r:embed="rId6"/>
               </a:ext>
             </a:extLst>
           </a:blip>
@@ -10570,6 +10788,13 @@
       </p:transition>
     </mc:Fallback>
   </mc:AlternateContent>
+  <p:timing>
+    <p:tnLst>
+      <p:par>
+        <p:cTn id="1" dur="indefinite" restart="never" nodeType="tmRoot"/>
+      </p:par>
+    </p:tnLst>
+  </p:timing>
 </p:sld>
 </file>
 

--- a/Documentação/chameleon.pptx
+++ b/Documentação/chameleon.pptx
@@ -267,7 +267,7 @@
           <a:p>
             <a:fld id="{F50B35C2-D55D-43EC-A9F9-87B33DB15AB7}" type="datetimeFigureOut">
               <a:rPr lang="pt-BR" smtClean="0"/>
-              <a:t>23/04/2020</a:t>
+              <a:t>27/04/2020</a:t>
             </a:fld>
             <a:endParaRPr lang="pt-BR"/>
           </a:p>
@@ -435,7 +435,7 @@
           <a:p>
             <a:fld id="{F50B35C2-D55D-43EC-A9F9-87B33DB15AB7}" type="datetimeFigureOut">
               <a:rPr lang="pt-BR" smtClean="0"/>
-              <a:t>23/04/2020</a:t>
+              <a:t>27/04/2020</a:t>
             </a:fld>
             <a:endParaRPr lang="pt-BR"/>
           </a:p>
@@ -613,7 +613,7 @@
           <a:p>
             <a:fld id="{F50B35C2-D55D-43EC-A9F9-87B33DB15AB7}" type="datetimeFigureOut">
               <a:rPr lang="pt-BR" smtClean="0"/>
-              <a:t>23/04/2020</a:t>
+              <a:t>27/04/2020</a:t>
             </a:fld>
             <a:endParaRPr lang="pt-BR"/>
           </a:p>
@@ -781,7 +781,7 @@
           <a:p>
             <a:fld id="{F50B35C2-D55D-43EC-A9F9-87B33DB15AB7}" type="datetimeFigureOut">
               <a:rPr lang="pt-BR" smtClean="0"/>
-              <a:t>23/04/2020</a:t>
+              <a:t>27/04/2020</a:t>
             </a:fld>
             <a:endParaRPr lang="pt-BR"/>
           </a:p>
@@ -1026,7 +1026,7 @@
           <a:p>
             <a:fld id="{F50B35C2-D55D-43EC-A9F9-87B33DB15AB7}" type="datetimeFigureOut">
               <a:rPr lang="pt-BR" smtClean="0"/>
-              <a:t>23/04/2020</a:t>
+              <a:t>27/04/2020</a:t>
             </a:fld>
             <a:endParaRPr lang="pt-BR"/>
           </a:p>
@@ -1255,7 +1255,7 @@
           <a:p>
             <a:fld id="{F50B35C2-D55D-43EC-A9F9-87B33DB15AB7}" type="datetimeFigureOut">
               <a:rPr lang="pt-BR" smtClean="0"/>
-              <a:t>23/04/2020</a:t>
+              <a:t>27/04/2020</a:t>
             </a:fld>
             <a:endParaRPr lang="pt-BR"/>
           </a:p>
@@ -1619,7 +1619,7 @@
           <a:p>
             <a:fld id="{F50B35C2-D55D-43EC-A9F9-87B33DB15AB7}" type="datetimeFigureOut">
               <a:rPr lang="pt-BR" smtClean="0"/>
-              <a:t>23/04/2020</a:t>
+              <a:t>27/04/2020</a:t>
             </a:fld>
             <a:endParaRPr lang="pt-BR"/>
           </a:p>
@@ -1736,7 +1736,7 @@
           <a:p>
             <a:fld id="{F50B35C2-D55D-43EC-A9F9-87B33DB15AB7}" type="datetimeFigureOut">
               <a:rPr lang="pt-BR" smtClean="0"/>
-              <a:t>23/04/2020</a:t>
+              <a:t>27/04/2020</a:t>
             </a:fld>
             <a:endParaRPr lang="pt-BR"/>
           </a:p>
@@ -1831,7 +1831,7 @@
           <a:p>
             <a:fld id="{F50B35C2-D55D-43EC-A9F9-87B33DB15AB7}" type="datetimeFigureOut">
               <a:rPr lang="pt-BR" smtClean="0"/>
-              <a:t>23/04/2020</a:t>
+              <a:t>27/04/2020</a:t>
             </a:fld>
             <a:endParaRPr lang="pt-BR"/>
           </a:p>
@@ -2106,7 +2106,7 @@
           <a:p>
             <a:fld id="{F50B35C2-D55D-43EC-A9F9-87B33DB15AB7}" type="datetimeFigureOut">
               <a:rPr lang="pt-BR" smtClean="0"/>
-              <a:t>23/04/2020</a:t>
+              <a:t>27/04/2020</a:t>
             </a:fld>
             <a:endParaRPr lang="pt-BR"/>
           </a:p>
@@ -2358,7 +2358,7 @@
           <a:p>
             <a:fld id="{F50B35C2-D55D-43EC-A9F9-87B33DB15AB7}" type="datetimeFigureOut">
               <a:rPr lang="pt-BR" smtClean="0"/>
-              <a:t>23/04/2020</a:t>
+              <a:t>27/04/2020</a:t>
             </a:fld>
             <a:endParaRPr lang="pt-BR"/>
           </a:p>
@@ -2569,7 +2569,7 @@
           <a:p>
             <a:fld id="{F50B35C2-D55D-43EC-A9F9-87B33DB15AB7}" type="datetimeFigureOut">
               <a:rPr lang="pt-BR" smtClean="0"/>
-              <a:t>23/04/2020</a:t>
+              <a:t>27/04/2020</a:t>
             </a:fld>
             <a:endParaRPr lang="pt-BR"/>
           </a:p>
@@ -3190,11 +3190,14 @@
           <a:p>
             <a:pPr algn="ctr"/>
             <a:r>
-              <a:rPr lang="pt-BR" sz="2800" dirty="0">
+              <a:rPr lang="pt-BR" sz="2800" dirty="0" smtClean="0">
                 <a:latin typeface="Bariol Bold" panose="02000506040000020003" pitchFamily="2" charset="0"/>
               </a:rPr>
-              <a:t>Santos</a:t>
-            </a:r>
+              <a:t>Silva</a:t>
+            </a:r>
+            <a:endParaRPr lang="pt-BR" sz="2800" dirty="0">
+              <a:latin typeface="Bariol Bold" panose="02000506040000020003" pitchFamily="2" charset="0"/>
+            </a:endParaRPr>
           </a:p>
         </p:txBody>
       </p:sp>
@@ -7151,8 +7154,17 @@
               <a:rPr lang="pt-BR" sz="2400" dirty="0">
                 <a:latin typeface="Bariol Bold" panose="02000506040000020003" pitchFamily="2" charset="0"/>
               </a:rPr>
-              <a:t>Atualmente estão cadastradas 7,7 mil bibliotecas públicas no sistema do Ministério da Cultura</a:t>
-            </a:r>
+              <a:t>Atualmente estão cadastradas 7,7 mil bibliotecas públicas no sistema do Ministério da </a:t>
+            </a:r>
+            <a:r>
+              <a:rPr lang="pt-BR" sz="2400" dirty="0" smtClean="0">
+                <a:latin typeface="Bariol Bold" panose="02000506040000020003" pitchFamily="2" charset="0"/>
+              </a:rPr>
+              <a:t>Cultura.</a:t>
+            </a:r>
+            <a:endParaRPr lang="pt-BR" sz="2400" dirty="0">
+              <a:latin typeface="Bariol Bold" panose="02000506040000020003" pitchFamily="2" charset="0"/>
+            </a:endParaRPr>
           </a:p>
         </p:txBody>
       </p:sp>
@@ -7541,23 +7553,41 @@
               <a:rPr lang="pt-BR" sz="2400" dirty="0">
                 <a:latin typeface="Bariol Bold" panose="02000506040000020003" pitchFamily="2" charset="0"/>
               </a:rPr>
-              <a:t>causar uma variedade de doenças respiratórias nos seres </a:t>
-            </a:r>
-            <a:r>
-              <a:rPr lang="pt-BR" sz="2400" dirty="0">
-                <a:latin typeface="Bariol Bold" panose="02000506040000020003" pitchFamily="2" charset="0"/>
-              </a:rPr>
-              <a:t>humanos</a:t>
-            </a:r>
-            <a:r>
-              <a:rPr lang="pt-BR" sz="2400" dirty="0">
-                <a:latin typeface="Bariol Bold" panose="02000506040000020003" pitchFamily="2" charset="0"/>
-              </a:rPr>
-              <a:t>.</a:t>
+              <a:t>causar uma variedade de doenças respiratórias nos seres humanos.</a:t>
             </a:r>
           </a:p>
         </p:txBody>
       </p:sp>
+      <p:pic>
+        <p:nvPicPr>
+          <p:cNvPr id="3" name="Imagem 2"/>
+          <p:cNvPicPr>
+            <a:picLocks noChangeAspect="1"/>
+          </p:cNvPicPr>
+          <p:nvPr/>
+        </p:nvPicPr>
+        <p:blipFill>
+          <a:blip r:embed="rId4">
+            <a:extLst>
+              <a:ext uri="{28A0092B-C50C-407E-A947-70E740481C1C}">
+                <a14:useLocalDpi xmlns:a14="http://schemas.microsoft.com/office/drawing/2010/main" val="0"/>
+              </a:ext>
+            </a:extLst>
+          </a:blip>
+          <a:stretch>
+            <a:fillRect/>
+          </a:stretch>
+        </p:blipFill>
+        <p:spPr>
+          <a:xfrm rot="16200000">
+            <a:off x="8996544" y="1326975"/>
+            <a:ext cx="1684198" cy="2054720"/>
+          </a:xfrm>
+          <a:prstGeom prst="rect">
+            <a:avLst/>
+          </a:prstGeom>
+        </p:spPr>
+      </p:pic>
     </p:spTree>
     <p:extLst>
       <p:ext uri="{BB962C8B-B14F-4D97-AF65-F5344CB8AC3E}">
@@ -8397,13 +8427,13 @@
   <p:clrMapOvr>
     <a:masterClrMapping/>
   </p:clrMapOvr>
-  <mc:AlternateContent xmlns:mc="http://schemas.openxmlformats.org/markup-compatibility/2006">
-    <mc:Choice xmlns:p14="http://schemas.microsoft.com/office/powerpoint/2010/main" Requires="p14">
+  <mc:AlternateContent xmlns:mc="http://schemas.openxmlformats.org/markup-compatibility/2006" xmlns:p14="http://schemas.microsoft.com/office/powerpoint/2010/main">
+    <mc:Choice Requires="p14">
       <p:transition spd="med" p14:dur="700">
         <p:fade/>
       </p:transition>
     </mc:Choice>
-    <mc:Fallback>
+    <mc:Fallback xmlns="">
       <p:transition spd="med">
         <p:fade/>
       </p:transition>
@@ -8643,7 +8673,7 @@
           <a:p>
             <a:pPr algn="ctr"/>
             <a:r>
-              <a:rPr lang="pt-BR" dirty="0">
+              <a:rPr lang="pt-BR" dirty="0" smtClean="0">
                 <a:solidFill>
                   <a:schemeClr val="tx1">
                     <a:lumMod val="75000"/>
@@ -8652,8 +8682,17 @@
                 </a:solidFill>
                 <a:latin typeface="Bariol Bold" panose="02000506040000020003" pitchFamily="2" charset="0"/>
               </a:rPr>
-              <a:t>HLD</a:t>
-            </a:r>
+              <a:t>HLD </a:t>
+            </a:r>
+            <a:endParaRPr lang="pt-BR" dirty="0">
+              <a:solidFill>
+                <a:schemeClr val="tx1">
+                  <a:lumMod val="75000"/>
+                  <a:lumOff val="25000"/>
+                </a:schemeClr>
+              </a:solidFill>
+              <a:latin typeface="Bariol Bold" panose="02000506040000020003" pitchFamily="2" charset="0"/>
+            </a:endParaRPr>
           </a:p>
         </p:txBody>
       </p:sp>

--- a/Documentação/chameleon.pptx
+++ b/Documentação/chameleon.pptx
@@ -309,7 +309,7 @@
           <a:p>
             <a:fld id="{BD136F2D-A4D6-49ED-BC18-D450E2FF51EC}" type="slidenum">
               <a:rPr lang="pt-BR" smtClean="0"/>
-              <a:t>‹nº›</a:t>
+              <a:t>‹n.º›</a:t>
             </a:fld>
             <a:endParaRPr lang="pt-BR"/>
           </a:p>
@@ -477,7 +477,7 @@
           <a:p>
             <a:fld id="{BD136F2D-A4D6-49ED-BC18-D450E2FF51EC}" type="slidenum">
               <a:rPr lang="pt-BR" smtClean="0"/>
-              <a:t>‹nº›</a:t>
+              <a:t>‹n.º›</a:t>
             </a:fld>
             <a:endParaRPr lang="pt-BR"/>
           </a:p>
@@ -655,7 +655,7 @@
           <a:p>
             <a:fld id="{BD136F2D-A4D6-49ED-BC18-D450E2FF51EC}" type="slidenum">
               <a:rPr lang="pt-BR" smtClean="0"/>
-              <a:t>‹nº›</a:t>
+              <a:t>‹n.º›</a:t>
             </a:fld>
             <a:endParaRPr lang="pt-BR"/>
           </a:p>
@@ -823,7 +823,7 @@
           <a:p>
             <a:fld id="{BD136F2D-A4D6-49ED-BC18-D450E2FF51EC}" type="slidenum">
               <a:rPr lang="pt-BR" smtClean="0"/>
-              <a:t>‹nº›</a:t>
+              <a:t>‹n.º›</a:t>
             </a:fld>
             <a:endParaRPr lang="pt-BR"/>
           </a:p>
@@ -1068,7 +1068,7 @@
           <a:p>
             <a:fld id="{BD136F2D-A4D6-49ED-BC18-D450E2FF51EC}" type="slidenum">
               <a:rPr lang="pt-BR" smtClean="0"/>
-              <a:t>‹nº›</a:t>
+              <a:t>‹n.º›</a:t>
             </a:fld>
             <a:endParaRPr lang="pt-BR"/>
           </a:p>
@@ -1297,7 +1297,7 @@
           <a:p>
             <a:fld id="{BD136F2D-A4D6-49ED-BC18-D450E2FF51EC}" type="slidenum">
               <a:rPr lang="pt-BR" smtClean="0"/>
-              <a:t>‹nº›</a:t>
+              <a:t>‹n.º›</a:t>
             </a:fld>
             <a:endParaRPr lang="pt-BR"/>
           </a:p>
@@ -1661,7 +1661,7 @@
           <a:p>
             <a:fld id="{BD136F2D-A4D6-49ED-BC18-D450E2FF51EC}" type="slidenum">
               <a:rPr lang="pt-BR" smtClean="0"/>
-              <a:t>‹nº›</a:t>
+              <a:t>‹n.º›</a:t>
             </a:fld>
             <a:endParaRPr lang="pt-BR"/>
           </a:p>
@@ -1778,7 +1778,7 @@
           <a:p>
             <a:fld id="{BD136F2D-A4D6-49ED-BC18-D450E2FF51EC}" type="slidenum">
               <a:rPr lang="pt-BR" smtClean="0"/>
-              <a:t>‹nº›</a:t>
+              <a:t>‹n.º›</a:t>
             </a:fld>
             <a:endParaRPr lang="pt-BR"/>
           </a:p>
@@ -1873,7 +1873,7 @@
           <a:p>
             <a:fld id="{BD136F2D-A4D6-49ED-BC18-D450E2FF51EC}" type="slidenum">
               <a:rPr lang="pt-BR" smtClean="0"/>
-              <a:t>‹nº›</a:t>
+              <a:t>‹n.º›</a:t>
             </a:fld>
             <a:endParaRPr lang="pt-BR"/>
           </a:p>
@@ -2148,7 +2148,7 @@
           <a:p>
             <a:fld id="{BD136F2D-A4D6-49ED-BC18-D450E2FF51EC}" type="slidenum">
               <a:rPr lang="pt-BR" smtClean="0"/>
-              <a:t>‹nº›</a:t>
+              <a:t>‹n.º›</a:t>
             </a:fld>
             <a:endParaRPr lang="pt-BR"/>
           </a:p>
@@ -2400,7 +2400,7 @@
           <a:p>
             <a:fld id="{BD136F2D-A4D6-49ED-BC18-D450E2FF51EC}" type="slidenum">
               <a:rPr lang="pt-BR" smtClean="0"/>
-              <a:t>‹nº›</a:t>
+              <a:t>‹n.º›</a:t>
             </a:fld>
             <a:endParaRPr lang="pt-BR"/>
           </a:p>
@@ -2647,7 +2647,7 @@
           <a:p>
             <a:fld id="{BD136F2D-A4D6-49ED-BC18-D450E2FF51EC}" type="slidenum">
               <a:rPr lang="pt-BR" smtClean="0"/>
-              <a:t>‹nº›</a:t>
+              <a:t>‹n.º›</a:t>
             </a:fld>
             <a:endParaRPr lang="pt-BR"/>
           </a:p>
@@ -2979,7 +2979,7 @@
           <p:cNvPr id="2" name="Título 1">
             <a:extLst>
               <a:ext uri="{FF2B5EF4-FFF2-40B4-BE49-F238E27FC236}">
-                <a16:creationId xmlns:a16="http://schemas.microsoft.com/office/drawing/2014/main" id="{99F76FBE-1BC2-4EE6-B90A-22263BF7BDCD}"/>
+                <a16:creationId xmlns:a16="http://schemas.microsoft.com/office/drawing/2014/main" xmlns="" id="{99F76FBE-1BC2-4EE6-B90A-22263BF7BDCD}"/>
               </a:ext>
             </a:extLst>
           </p:cNvPr>
@@ -3015,7 +3015,7 @@
           <p:cNvPr id="8" name="CaixaDeTexto 7">
             <a:extLst>
               <a:ext uri="{FF2B5EF4-FFF2-40B4-BE49-F238E27FC236}">
-                <a16:creationId xmlns:a16="http://schemas.microsoft.com/office/drawing/2014/main" id="{B8325861-1F2F-4268-ABB8-C47708A22645}"/>
+                <a16:creationId xmlns:a16="http://schemas.microsoft.com/office/drawing/2014/main" xmlns="" id="{B8325861-1F2F-4268-ABB8-C47708A22645}"/>
               </a:ext>
             </a:extLst>
           </p:cNvPr>
@@ -3062,7 +3062,7 @@
           <p:cNvPr id="9" name="CaixaDeTexto 8">
             <a:extLst>
               <a:ext uri="{FF2B5EF4-FFF2-40B4-BE49-F238E27FC236}">
-                <a16:creationId xmlns:a16="http://schemas.microsoft.com/office/drawing/2014/main" id="{C1CD548A-80ED-4522-9EDB-054404B21EE9}"/>
+                <a16:creationId xmlns:a16="http://schemas.microsoft.com/office/drawing/2014/main" xmlns="" id="{C1CD548A-80ED-4522-9EDB-054404B21EE9}"/>
               </a:ext>
             </a:extLst>
           </p:cNvPr>
@@ -3109,7 +3109,7 @@
           <p:cNvPr id="10" name="CaixaDeTexto 9">
             <a:extLst>
               <a:ext uri="{FF2B5EF4-FFF2-40B4-BE49-F238E27FC236}">
-                <a16:creationId xmlns:a16="http://schemas.microsoft.com/office/drawing/2014/main" id="{A943B0FE-F317-47B4-AF95-1BF63C89F003}"/>
+                <a16:creationId xmlns:a16="http://schemas.microsoft.com/office/drawing/2014/main" xmlns="" id="{A943B0FE-F317-47B4-AF95-1BF63C89F003}"/>
               </a:ext>
             </a:extLst>
           </p:cNvPr>
@@ -3134,11 +3134,14 @@
           <a:p>
             <a:pPr algn="ctr"/>
             <a:r>
-              <a:rPr lang="pt-BR" sz="2800" dirty="0">
+              <a:rPr lang="pt-BR" sz="2800" dirty="0" smtClean="0">
                 <a:latin typeface="Bariol Bold" panose="02000506040000020003" pitchFamily="2" charset="0"/>
               </a:rPr>
-              <a:t>Giselle</a:t>
-            </a:r>
+              <a:t>Gisele</a:t>
+            </a:r>
+            <a:endParaRPr lang="pt-BR" sz="2800" dirty="0">
+              <a:latin typeface="Bariol Bold" panose="02000506040000020003" pitchFamily="2" charset="0"/>
+            </a:endParaRPr>
           </a:p>
           <a:p>
             <a:pPr algn="ctr"/>
@@ -3156,7 +3159,7 @@
           <p:cNvPr id="11" name="CaixaDeTexto 10">
             <a:extLst>
               <a:ext uri="{FF2B5EF4-FFF2-40B4-BE49-F238E27FC236}">
-                <a16:creationId xmlns:a16="http://schemas.microsoft.com/office/drawing/2014/main" id="{79D4990C-EB5C-46BD-906D-1D4B714A6937}"/>
+                <a16:creationId xmlns:a16="http://schemas.microsoft.com/office/drawing/2014/main" xmlns="" id="{79D4990C-EB5C-46BD-906D-1D4B714A6937}"/>
               </a:ext>
             </a:extLst>
           </p:cNvPr>
@@ -3206,7 +3209,7 @@
           <p:cNvPr id="12" name="CaixaDeTexto 11">
             <a:extLst>
               <a:ext uri="{FF2B5EF4-FFF2-40B4-BE49-F238E27FC236}">
-                <a16:creationId xmlns:a16="http://schemas.microsoft.com/office/drawing/2014/main" id="{3EEDA333-49AA-47A1-9E18-27FCA69C6ADA}"/>
+                <a16:creationId xmlns:a16="http://schemas.microsoft.com/office/drawing/2014/main" xmlns="" id="{3EEDA333-49AA-47A1-9E18-27FCA69C6ADA}"/>
               </a:ext>
             </a:extLst>
           </p:cNvPr>
@@ -3286,7 +3289,7 @@
           <p:cNvPr id="16" name="CaixaDeTexto 15">
             <a:extLst>
               <a:ext uri="{FF2B5EF4-FFF2-40B4-BE49-F238E27FC236}">
-                <a16:creationId xmlns:a16="http://schemas.microsoft.com/office/drawing/2014/main" id="{3EEDA333-49AA-47A1-9E18-27FCA69C6ADA}"/>
+                <a16:creationId xmlns:a16="http://schemas.microsoft.com/office/drawing/2014/main" xmlns="" id="{3EEDA333-49AA-47A1-9E18-27FCA69C6ADA}"/>
               </a:ext>
             </a:extLst>
           </p:cNvPr>
@@ -3483,7 +3486,7 @@
           <p:cNvPr id="5" name="Imagem 4" descr="Homem com óculos de grau e camisa preta&#10;&#10;Descrição gerada automaticamente">
             <a:extLst>
               <a:ext uri="{FF2B5EF4-FFF2-40B4-BE49-F238E27FC236}">
-                <a16:creationId xmlns:a16="http://schemas.microsoft.com/office/drawing/2014/main" id="{D815F394-F527-4EF6-8095-041600C68E39}"/>
+                <a16:creationId xmlns:a16="http://schemas.microsoft.com/office/drawing/2014/main" xmlns="" id="{D815F394-F527-4EF6-8095-041600C68E39}"/>
               </a:ext>
             </a:extLst>
           </p:cNvPr>
@@ -5150,7 +5153,7 @@
           <p:cNvPr id="2" name="Título 1">
             <a:extLst>
               <a:ext uri="{FF2B5EF4-FFF2-40B4-BE49-F238E27FC236}">
-                <a16:creationId xmlns:a16="http://schemas.microsoft.com/office/drawing/2014/main" id="{99F76FBE-1BC2-4EE6-B90A-22263BF7BDCD}"/>
+                <a16:creationId xmlns:a16="http://schemas.microsoft.com/office/drawing/2014/main" xmlns="" id="{99F76FBE-1BC2-4EE6-B90A-22263BF7BDCD}"/>
               </a:ext>
             </a:extLst>
           </p:cNvPr>
@@ -5246,7 +5249,7 @@
           <p:cNvPr id="5" name="CaixaDeTexto 4">
             <a:extLst>
               <a:ext uri="{FF2B5EF4-FFF2-40B4-BE49-F238E27FC236}">
-                <a16:creationId xmlns:a16="http://schemas.microsoft.com/office/drawing/2014/main" id="{869545E3-DC46-4CDB-A839-CA8AA4E80E78}"/>
+                <a16:creationId xmlns:a16="http://schemas.microsoft.com/office/drawing/2014/main" xmlns="" id="{869545E3-DC46-4CDB-A839-CA8AA4E80E78}"/>
               </a:ext>
             </a:extLst>
           </p:cNvPr>
@@ -5636,7 +5639,7 @@
           <p:cNvPr id="2" name="Título 1">
             <a:extLst>
               <a:ext uri="{FF2B5EF4-FFF2-40B4-BE49-F238E27FC236}">
-                <a16:creationId xmlns:a16="http://schemas.microsoft.com/office/drawing/2014/main" id="{99F76FBE-1BC2-4EE6-B90A-22263BF7BDCD}"/>
+                <a16:creationId xmlns:a16="http://schemas.microsoft.com/office/drawing/2014/main" xmlns="" id="{99F76FBE-1BC2-4EE6-B90A-22263BF7BDCD}"/>
               </a:ext>
             </a:extLst>
           </p:cNvPr>
@@ -5913,7 +5916,7 @@
           <p:cNvPr id="6" name="Título 1">
             <a:extLst>
               <a:ext uri="{FF2B5EF4-FFF2-40B4-BE49-F238E27FC236}">
-                <a16:creationId xmlns:a16="http://schemas.microsoft.com/office/drawing/2014/main" id="{99F76FBE-1BC2-4EE6-B90A-22263BF7BDCD}"/>
+                <a16:creationId xmlns:a16="http://schemas.microsoft.com/office/drawing/2014/main" xmlns="" id="{99F76FBE-1BC2-4EE6-B90A-22263BF7BDCD}"/>
               </a:ext>
             </a:extLst>
           </p:cNvPr>
@@ -6429,7 +6432,7 @@
           <p:cNvPr id="7" name="Título 1">
             <a:extLst>
               <a:ext uri="{FF2B5EF4-FFF2-40B4-BE49-F238E27FC236}">
-                <a16:creationId xmlns:a16="http://schemas.microsoft.com/office/drawing/2014/main" id="{99F76FBE-1BC2-4EE6-B90A-22263BF7BDCD}"/>
+                <a16:creationId xmlns:a16="http://schemas.microsoft.com/office/drawing/2014/main" xmlns="" id="{99F76FBE-1BC2-4EE6-B90A-22263BF7BDCD}"/>
               </a:ext>
             </a:extLst>
           </p:cNvPr>
@@ -6960,7 +6963,7 @@
           <p:cNvPr id="2" name="Título 1">
             <a:extLst>
               <a:ext uri="{FF2B5EF4-FFF2-40B4-BE49-F238E27FC236}">
-                <a16:creationId xmlns:a16="http://schemas.microsoft.com/office/drawing/2014/main" id="{99F76FBE-1BC2-4EE6-B90A-22263BF7BDCD}"/>
+                <a16:creationId xmlns:a16="http://schemas.microsoft.com/office/drawing/2014/main" xmlns="" id="{99F76FBE-1BC2-4EE6-B90A-22263BF7BDCD}"/>
               </a:ext>
             </a:extLst>
           </p:cNvPr>
@@ -7061,7 +7064,7 @@
           <p:cNvPr id="11" name="CaixaDeTexto 10">
             <a:extLst>
               <a:ext uri="{FF2B5EF4-FFF2-40B4-BE49-F238E27FC236}">
-                <a16:creationId xmlns:a16="http://schemas.microsoft.com/office/drawing/2014/main" id="{869545E3-DC46-4CDB-A839-CA8AA4E80E78}"/>
+                <a16:creationId xmlns:a16="http://schemas.microsoft.com/office/drawing/2014/main" xmlns="" id="{869545E3-DC46-4CDB-A839-CA8AA4E80E78}"/>
               </a:ext>
             </a:extLst>
           </p:cNvPr>
@@ -7301,7 +7304,7 @@
           <p:cNvPr id="2" name="Título 1">
             <a:extLst>
               <a:ext uri="{FF2B5EF4-FFF2-40B4-BE49-F238E27FC236}">
-                <a16:creationId xmlns:a16="http://schemas.microsoft.com/office/drawing/2014/main" id="{99F76FBE-1BC2-4EE6-B90A-22263BF7BDCD}"/>
+                <a16:creationId xmlns:a16="http://schemas.microsoft.com/office/drawing/2014/main" xmlns="" id="{99F76FBE-1BC2-4EE6-B90A-22263BF7BDCD}"/>
               </a:ext>
             </a:extLst>
           </p:cNvPr>
@@ -7312,7 +7315,12 @@
             <p:ph type="title"/>
           </p:nvPr>
         </p:nvSpPr>
-        <p:spPr/>
+        <p:spPr>
+          <a:xfrm>
+            <a:off x="838200" y="186999"/>
+            <a:ext cx="10515600" cy="1325563"/>
+          </a:xfrm>
+        </p:spPr>
         <p:txBody>
           <a:bodyPr/>
           <a:lstStyle/>
@@ -7384,7 +7392,7 @@
         </p:blipFill>
         <p:spPr>
           <a:xfrm>
-            <a:off x="7716172" y="3846172"/>
+            <a:off x="8001177" y="3846172"/>
             <a:ext cx="4244942" cy="3011828"/>
           </a:xfrm>
           <a:prstGeom prst="rect">
@@ -7397,7 +7405,7 @@
           <p:cNvPr id="5" name="CaixaDeTexto 4">
             <a:extLst>
               <a:ext uri="{FF2B5EF4-FFF2-40B4-BE49-F238E27FC236}">
-                <a16:creationId xmlns:a16="http://schemas.microsoft.com/office/drawing/2014/main" id="{869545E3-DC46-4CDB-A839-CA8AA4E80E78}"/>
+                <a16:creationId xmlns:a16="http://schemas.microsoft.com/office/drawing/2014/main" xmlns="" id="{869545E3-DC46-4CDB-A839-CA8AA4E80E78}"/>
               </a:ext>
             </a:extLst>
           </p:cNvPr>
@@ -7406,8 +7414,8 @@
         </p:nvSpPr>
         <p:spPr>
           <a:xfrm>
-            <a:off x="838200" y="2274838"/>
-            <a:ext cx="5995851" cy="2677656"/>
+            <a:off x="719446" y="1614268"/>
+            <a:ext cx="5995851" cy="1938992"/>
           </a:xfrm>
           <a:prstGeom prst="rect">
             <a:avLst/>
@@ -7444,7 +7452,7 @@
               <a:rPr lang="pt-BR" sz="2400" dirty="0" smtClean="0">
                 <a:latin typeface="Bariol Bold" panose="02000506040000020003" pitchFamily="2" charset="0"/>
               </a:rPr>
-              <a:t>ar.</a:t>
+              <a:t>ar;</a:t>
             </a:r>
             <a:endParaRPr lang="pt-BR" sz="2400" dirty="0">
               <a:latin typeface="Bariol Bold" panose="02000506040000020003" pitchFamily="2" charset="0"/>
@@ -7482,79 +7490,35 @@
               <a:rPr lang="pt-BR" sz="2400" dirty="0" smtClean="0">
                 <a:latin typeface="Bariol Bold" panose="02000506040000020003" pitchFamily="2" charset="0"/>
               </a:rPr>
-              <a:t>Fungos </a:t>
+              <a:t>Favorecimento da proliferação de </a:t>
             </a:r>
             <a:r>
               <a:rPr lang="pt-BR" sz="2400" dirty="0">
                 <a:latin typeface="Bariol Bold" panose="02000506040000020003" pitchFamily="2" charset="0"/>
               </a:rPr>
-              <a:t>e </a:t>
+              <a:t>f</a:t>
             </a:r>
             <a:r>
               <a:rPr lang="pt-BR" sz="2400" dirty="0" smtClean="0">
                 <a:latin typeface="Bariol Bold" panose="02000506040000020003" pitchFamily="2" charset="0"/>
               </a:rPr>
-              <a:t>bactérias </a:t>
+              <a:t>ungos </a:t>
             </a:r>
             <a:r>
               <a:rPr lang="pt-BR" sz="2400" dirty="0">
                 <a:latin typeface="Bariol Bold" panose="02000506040000020003" pitchFamily="2" charset="0"/>
               </a:rPr>
-              <a:t>causam </a:t>
+              <a:t>e </a:t>
             </a:r>
             <a:r>
               <a:rPr lang="pt-BR" sz="2400" dirty="0" smtClean="0">
                 <a:latin typeface="Bariol Bold" panose="02000506040000020003" pitchFamily="2" charset="0"/>
               </a:rPr>
-              <a:t>variáveis </a:t>
-            </a:r>
-            <a:r>
-              <a:rPr lang="pt-BR" sz="2400" dirty="0">
-                <a:latin typeface="Bariol Bold" panose="02000506040000020003" pitchFamily="2" charset="0"/>
-              </a:rPr>
-              <a:t>doenças</a:t>
-            </a:r>
-            <a:r>
-              <a:rPr lang="pt-BR" sz="2400" dirty="0" smtClean="0">
-                <a:latin typeface="Bariol Bold" panose="02000506040000020003" pitchFamily="2" charset="0"/>
-              </a:rPr>
-              <a:t>.</a:t>
-            </a:r>
-          </a:p>
-          <a:p>
-            <a:pPr marL="342900" indent="-342900">
-              <a:buClr>
-                <a:srgbClr val="35B794"/>
-              </a:buClr>
-              <a:buSzPct val="80000"/>
-              <a:buFont typeface="Wingdings" panose="05000000000000000000" pitchFamily="2" charset="2"/>
-              <a:buChar char="ü"/>
-            </a:pPr>
+              <a:t>bactérias nocivos a saúde humana;</a:t>
+            </a:r>
             <a:endParaRPr lang="pt-BR" sz="2400" dirty="0">
               <a:latin typeface="Bariol Bold" panose="02000506040000020003" pitchFamily="2" charset="0"/>
             </a:endParaRPr>
-          </a:p>
-          <a:p>
-            <a:pPr marL="342900" indent="-342900">
-              <a:buClr>
-                <a:srgbClr val="35B794"/>
-              </a:buClr>
-              <a:buSzPct val="80000"/>
-              <a:buFont typeface="Wingdings" panose="05000000000000000000" pitchFamily="2" charset="2"/>
-              <a:buChar char="ü"/>
-            </a:pPr>
-            <a:r>
-              <a:rPr lang="pt-BR" sz="2400" dirty="0" smtClean="0">
-                <a:latin typeface="Bariol Bold" panose="02000506040000020003" pitchFamily="2" charset="0"/>
-              </a:rPr>
-              <a:t>Mofo pode </a:t>
-            </a:r>
-            <a:r>
-              <a:rPr lang="pt-BR" sz="2400" dirty="0">
-                <a:latin typeface="Bariol Bold" panose="02000506040000020003" pitchFamily="2" charset="0"/>
-              </a:rPr>
-              <a:t>causar uma variedade de doenças respiratórias nos seres humanos.</a:t>
-            </a:r>
           </a:p>
         </p:txBody>
       </p:sp>
@@ -7580,7 +7544,7 @@
         </p:blipFill>
         <p:spPr>
           <a:xfrm rot="16200000">
-            <a:off x="8996544" y="1326975"/>
+            <a:off x="8830293" y="1326975"/>
             <a:ext cx="1684198" cy="2054720"/>
           </a:xfrm>
           <a:prstGeom prst="rect">
@@ -7588,6 +7552,157 @@
           </a:prstGeom>
         </p:spPr>
       </p:pic>
+      <p:pic>
+        <p:nvPicPr>
+          <p:cNvPr id="1026" name="Picture 2" descr="| Josué Teixeira/Gazeta do Povo"/>
+          <p:cNvPicPr>
+            <a:picLocks noChangeAspect="1" noChangeArrowheads="1"/>
+          </p:cNvPicPr>
+          <p:nvPr/>
+        </p:nvPicPr>
+        <p:blipFill>
+          <a:blip r:embed="rId5">
+            <a:extLst>
+              <a:ext uri="{28A0092B-C50C-407E-A947-70E740481C1C}">
+                <a14:useLocalDpi xmlns:a14="http://schemas.microsoft.com/office/drawing/2010/main" val="0"/>
+              </a:ext>
+            </a:extLst>
+          </a:blip>
+          <a:srcRect/>
+          <a:stretch>
+            <a:fillRect/>
+          </a:stretch>
+        </p:blipFill>
+        <p:spPr bwMode="auto">
+          <a:xfrm>
+            <a:off x="778818" y="3846172"/>
+            <a:ext cx="4125686" cy="2750457"/>
+          </a:xfrm>
+          <a:prstGeom prst="rect">
+            <a:avLst/>
+          </a:prstGeom>
+          <a:noFill/>
+          <a:extLst>
+            <a:ext uri="{909E8E84-426E-40DD-AFC4-6F175D3DCCD1}">
+              <a14:hiddenFill xmlns:a14="http://schemas.microsoft.com/office/drawing/2010/main">
+                <a:solidFill>
+                  <a:srgbClr val="FFFFFF"/>
+                </a:solidFill>
+              </a14:hiddenFill>
+            </a:ext>
+          </a:extLst>
+        </p:spPr>
+      </p:pic>
+      <p:sp>
+        <p:nvSpPr>
+          <p:cNvPr id="4" name="CaixaDeTexto 3"/>
+          <p:cNvSpPr txBox="1"/>
+          <p:nvPr/>
+        </p:nvSpPr>
+        <p:spPr>
+          <a:xfrm>
+            <a:off x="4975759" y="5229590"/>
+            <a:ext cx="2899063" cy="1384995"/>
+          </a:xfrm>
+          <a:prstGeom prst="rect">
+            <a:avLst/>
+          </a:prstGeom>
+          <a:noFill/>
+        </p:spPr>
+        <p:txBody>
+          <a:bodyPr wrap="none" rtlCol="0">
+            <a:spAutoFit/>
+          </a:bodyPr>
+          <a:lstStyle/>
+          <a:p>
+            <a:r>
+              <a:rPr lang="pt-BR" sz="1200" b="1" dirty="0"/>
+              <a:t>Biblioteca municipal de </a:t>
+            </a:r>
+          </a:p>
+          <a:p>
+            <a:r>
+              <a:rPr lang="pt-BR" sz="1200" b="1" dirty="0"/>
+              <a:t>Ponta Grossa </a:t>
+            </a:r>
+            <a:r>
+              <a:rPr lang="mr-IN" sz="1200" b="1" dirty="0"/>
+              <a:t>–</a:t>
+            </a:r>
+            <a:r>
+              <a:rPr lang="pt-BR" sz="1200" b="1" dirty="0"/>
+              <a:t> </a:t>
+            </a:r>
+            <a:r>
+              <a:rPr lang="pt-BR" sz="1200" b="1" dirty="0" smtClean="0"/>
+              <a:t>Paraná</a:t>
+            </a:r>
+          </a:p>
+          <a:p>
+            <a:r>
+              <a:rPr lang="pt-BR" sz="1200" dirty="0" smtClean="0"/>
+              <a:t>- De 35 mil obras, 20 mil foram incineradas </a:t>
+            </a:r>
+          </a:p>
+          <a:p>
+            <a:r>
+              <a:rPr lang="pt-BR" sz="1200" dirty="0" smtClean="0"/>
+              <a:t>por estarem contaminadas por fungos.</a:t>
+            </a:r>
+          </a:p>
+          <a:p>
+            <a:endParaRPr lang="pt-BR" sz="1200" dirty="0" smtClean="0"/>
+          </a:p>
+          <a:p>
+            <a:r>
+              <a:rPr lang="pt-BR" sz="1200" dirty="0" smtClean="0"/>
+              <a:t>Fonte: </a:t>
+            </a:r>
+            <a:r>
+              <a:rPr lang="pt-BR" sz="1200" dirty="0">
+                <a:solidFill>
+                  <a:schemeClr val="accent6">
+                    <a:lumMod val="75000"/>
+                  </a:schemeClr>
+                </a:solidFill>
+                <a:hlinkClick r:id="rId6"/>
+              </a:rPr>
+              <a:t>http://g1.globo.com/pr</a:t>
+            </a:r>
+            <a:r>
+              <a:rPr lang="pt-BR" sz="1200" dirty="0" smtClean="0">
+                <a:solidFill>
+                  <a:schemeClr val="accent6">
+                    <a:lumMod val="75000"/>
+                  </a:schemeClr>
+                </a:solidFill>
+                <a:hlinkClick r:id="rId6"/>
+              </a:rPr>
+              <a:t>/</a:t>
+            </a:r>
+          </a:p>
+          <a:p>
+            <a:r>
+              <a:rPr lang="pt-BR" sz="1200" dirty="0" smtClean="0">
+                <a:solidFill>
+                  <a:schemeClr val="accent6">
+                    <a:lumMod val="75000"/>
+                  </a:schemeClr>
+                </a:solidFill>
+                <a:hlinkClick r:id="rId6"/>
+              </a:rPr>
+              <a:t>campos-gerais-sul</a:t>
+            </a:r>
+            <a:endParaRPr lang="pt-BR" sz="1200" dirty="0" smtClean="0">
+              <a:solidFill>
+                <a:schemeClr val="accent6">
+                  <a:lumMod val="75000"/>
+                </a:schemeClr>
+              </a:solidFill>
+            </a:endParaRPr>
+          </a:p>
+        </p:txBody>
+      </p:sp>
     </p:spTree>
     <p:extLst>
       <p:ext uri="{BB962C8B-B14F-4D97-AF65-F5344CB8AC3E}">
@@ -7721,7 +7836,7 @@
           <p:cNvPr id="2" name="Título 1">
             <a:extLst>
               <a:ext uri="{FF2B5EF4-FFF2-40B4-BE49-F238E27FC236}">
-                <a16:creationId xmlns:a16="http://schemas.microsoft.com/office/drawing/2014/main" id="{99F76FBE-1BC2-4EE6-B90A-22263BF7BDCD}"/>
+                <a16:creationId xmlns:a16="http://schemas.microsoft.com/office/drawing/2014/main" xmlns="" id="{99F76FBE-1BC2-4EE6-B90A-22263BF7BDCD}"/>
               </a:ext>
             </a:extLst>
           </p:cNvPr>
@@ -7817,7 +7932,7 @@
           <p:cNvPr id="5" name="CaixaDeTexto 4">
             <a:extLst>
               <a:ext uri="{FF2B5EF4-FFF2-40B4-BE49-F238E27FC236}">
-                <a16:creationId xmlns:a16="http://schemas.microsoft.com/office/drawing/2014/main" id="{B1A9BA09-BC8C-4B52-AE69-EBE2FD7DC39C}"/>
+                <a16:creationId xmlns:a16="http://schemas.microsoft.com/office/drawing/2014/main" xmlns="" id="{B1A9BA09-BC8C-4B52-AE69-EBE2FD7DC39C}"/>
               </a:ext>
             </a:extLst>
           </p:cNvPr>
@@ -8088,7 +8203,7 @@
           <p:cNvPr id="6" name="Imagem 5" descr="Uma imagem contendo relógio&#10;&#10;Descrição gerada automaticamente">
             <a:extLst>
               <a:ext uri="{FF2B5EF4-FFF2-40B4-BE49-F238E27FC236}">
-                <a16:creationId xmlns:a16="http://schemas.microsoft.com/office/drawing/2014/main" id="{CB59938E-1EC6-4FDA-9A22-DB6A7DC30350}"/>
+                <a16:creationId xmlns:a16="http://schemas.microsoft.com/office/drawing/2014/main" xmlns="" id="{CB59938E-1EC6-4FDA-9A22-DB6A7DC30350}"/>
               </a:ext>
             </a:extLst>
           </p:cNvPr>
@@ -8157,7 +8272,7 @@
           <p:cNvPr id="11" name="Imagem 10" descr="Uma imagem contendo lego&#10;&#10;Descrição gerada automaticamente">
             <a:extLst>
               <a:ext uri="{FF2B5EF4-FFF2-40B4-BE49-F238E27FC236}">
-                <a16:creationId xmlns:a16="http://schemas.microsoft.com/office/drawing/2014/main" id="{75CCF98C-9716-4BFB-817E-3CAB031EC69E}"/>
+                <a16:creationId xmlns:a16="http://schemas.microsoft.com/office/drawing/2014/main" xmlns="" id="{75CCF98C-9716-4BFB-817E-3CAB031EC69E}"/>
               </a:ext>
             </a:extLst>
           </p:cNvPr>
@@ -8240,7 +8355,7 @@
           <p:cNvPr id="8" name="Imagem 7" descr="Uma imagem contendo relógio, mesa, computador, tela&#10;&#10;Descrição gerada automaticamente">
             <a:extLst>
               <a:ext uri="{FF2B5EF4-FFF2-40B4-BE49-F238E27FC236}">
-                <a16:creationId xmlns:a16="http://schemas.microsoft.com/office/drawing/2014/main" id="{CA5FBE93-39D7-43EB-BC2F-F7757B0AEB93}"/>
+                <a16:creationId xmlns:a16="http://schemas.microsoft.com/office/drawing/2014/main" xmlns="" id="{CA5FBE93-39D7-43EB-BC2F-F7757B0AEB93}"/>
               </a:ext>
             </a:extLst>
           </p:cNvPr>
@@ -8312,7 +8427,7 @@
           <p:cNvPr id="3" name="Imagem 2" descr="Texto preto sobre fundo branco&#10;&#10;Descrição gerada automaticamente">
             <a:extLst>
               <a:ext uri="{FF2B5EF4-FFF2-40B4-BE49-F238E27FC236}">
-                <a16:creationId xmlns:a16="http://schemas.microsoft.com/office/drawing/2014/main" id="{97EDB81F-85CF-4096-BBCE-16F66B59122E}"/>
+                <a16:creationId xmlns:a16="http://schemas.microsoft.com/office/drawing/2014/main" xmlns="" id="{97EDB81F-85CF-4096-BBCE-16F66B59122E}"/>
               </a:ext>
             </a:extLst>
           </p:cNvPr>
@@ -8629,7 +8744,7 @@
           <p:cNvPr id="7" name="Título 1">
             <a:extLst>
               <a:ext uri="{FF2B5EF4-FFF2-40B4-BE49-F238E27FC236}">
-                <a16:creationId xmlns:a16="http://schemas.microsoft.com/office/drawing/2014/main" id="{99F76FBE-1BC2-4EE6-B90A-22263BF7BDCD}"/>
+                <a16:creationId xmlns:a16="http://schemas.microsoft.com/office/drawing/2014/main" xmlns="" id="{99F76FBE-1BC2-4EE6-B90A-22263BF7BDCD}"/>
               </a:ext>
             </a:extLst>
           </p:cNvPr>
@@ -9058,7 +9173,7 @@
           <p:cNvPr id="8" name="Picture 6" descr="A close up of a logo&#10;&#10;Description generated with very high confidence">
             <a:extLst>
               <a:ext uri="{FF2B5EF4-FFF2-40B4-BE49-F238E27FC236}">
-                <a16:creationId xmlns:a16="http://schemas.microsoft.com/office/drawing/2014/main" id="{02FAD4E8-4127-4FD5-A86F-7066B5200CF9}"/>
+                <a16:creationId xmlns:a16="http://schemas.microsoft.com/office/drawing/2014/main" xmlns="" id="{02FAD4E8-4127-4FD5-A86F-7066B5200CF9}"/>
               </a:ext>
             </a:extLst>
           </p:cNvPr>
@@ -9088,7 +9203,7 @@
           <p:cNvPr id="9" name="Picture 2" descr="A close up of a logo&#10;&#10;Description generated with very high confidence">
             <a:extLst>
               <a:ext uri="{FF2B5EF4-FFF2-40B4-BE49-F238E27FC236}">
-                <a16:creationId xmlns:a16="http://schemas.microsoft.com/office/drawing/2014/main" id="{CF17E598-BC0F-433A-AACD-E985418FFF8F}"/>
+                <a16:creationId xmlns:a16="http://schemas.microsoft.com/office/drawing/2014/main" xmlns="" id="{CF17E598-BC0F-433A-AACD-E985418FFF8F}"/>
               </a:ext>
             </a:extLst>
           </p:cNvPr>
@@ -9118,7 +9233,7 @@
           <p:cNvPr id="10" name="Picture 8" descr="A circuit board&#10;&#10;Description generated with very high confidence">
             <a:extLst>
               <a:ext uri="{FF2B5EF4-FFF2-40B4-BE49-F238E27FC236}">
-                <a16:creationId xmlns:a16="http://schemas.microsoft.com/office/drawing/2014/main" id="{8631CDC9-C9ED-40D8-9718-9030D394E95F}"/>
+                <a16:creationId xmlns:a16="http://schemas.microsoft.com/office/drawing/2014/main" xmlns="" id="{8631CDC9-C9ED-40D8-9718-9030D394E95F}"/>
               </a:ext>
             </a:extLst>
           </p:cNvPr>
@@ -9148,7 +9263,7 @@
           <p:cNvPr id="11" name="Graphic 48" descr="Chevron arrows">
             <a:extLst>
               <a:ext uri="{FF2B5EF4-FFF2-40B4-BE49-F238E27FC236}">
-                <a16:creationId xmlns:a16="http://schemas.microsoft.com/office/drawing/2014/main" id="{9C83C282-EC67-4BF5-988C-C6151F03EAC8}"/>
+                <a16:creationId xmlns:a16="http://schemas.microsoft.com/office/drawing/2014/main" xmlns="" id="{9C83C282-EC67-4BF5-988C-C6151F03EAC8}"/>
               </a:ext>
             </a:extLst>
           </p:cNvPr>
@@ -9161,7 +9276,7 @@
           <a:blip r:embed="rId5">
             <a:extLst>
               <a:ext uri="{96DAC541-7B7A-43D3-8B79-37D633B846F1}">
-                <asvg:svgBlip xmlns:asvg="http://schemas.microsoft.com/office/drawing/2016/SVG/main" xmlns="" r:embed="rId6"/>
+                <asvg:svgBlip xmlns="" xmlns:asvg="http://schemas.microsoft.com/office/drawing/2016/SVG/main" r:embed="rId6"/>
               </a:ext>
             </a:extLst>
           </a:blip>
@@ -9184,7 +9299,7 @@
           <p:cNvPr id="12" name="Graphic 50" descr="Chevron arrows">
             <a:extLst>
               <a:ext uri="{FF2B5EF4-FFF2-40B4-BE49-F238E27FC236}">
-                <a16:creationId xmlns:a16="http://schemas.microsoft.com/office/drawing/2014/main" id="{F8ADD165-FA14-4184-A53E-48188D71E5FF}"/>
+                <a16:creationId xmlns:a16="http://schemas.microsoft.com/office/drawing/2014/main" xmlns="" id="{F8ADD165-FA14-4184-A53E-48188D71E5FF}"/>
               </a:ext>
             </a:extLst>
           </p:cNvPr>
@@ -9197,7 +9312,7 @@
           <a:blip r:embed="rId5">
             <a:extLst>
               <a:ext uri="{96DAC541-7B7A-43D3-8B79-37D633B846F1}">
-                <asvg:svgBlip xmlns:asvg="http://schemas.microsoft.com/office/drawing/2016/SVG/main" xmlns="" r:embed="rId6"/>
+                <asvg:svgBlip xmlns="" xmlns:asvg="http://schemas.microsoft.com/office/drawing/2016/SVG/main" r:embed="rId6"/>
               </a:ext>
             </a:extLst>
           </a:blip>
@@ -9220,7 +9335,7 @@
           <p:cNvPr id="13" name="Picture 52" descr="A close up of a logo&#10;&#10;Description generated with high confidence">
             <a:extLst>
               <a:ext uri="{FF2B5EF4-FFF2-40B4-BE49-F238E27FC236}">
-                <a16:creationId xmlns:a16="http://schemas.microsoft.com/office/drawing/2014/main" id="{09477861-B8F4-44DE-814A-58410BB781B9}"/>
+                <a16:creationId xmlns:a16="http://schemas.microsoft.com/office/drawing/2014/main" xmlns="" id="{09477861-B8F4-44DE-814A-58410BB781B9}"/>
               </a:ext>
             </a:extLst>
           </p:cNvPr>
@@ -9250,7 +9365,7 @@
           <p:cNvPr id="14" name="Picture 55" descr="A close up of a clock&#10;&#10;Description generated with high confidence">
             <a:extLst>
               <a:ext uri="{FF2B5EF4-FFF2-40B4-BE49-F238E27FC236}">
-                <a16:creationId xmlns:a16="http://schemas.microsoft.com/office/drawing/2014/main" id="{5C726E55-A6D4-4B74-8915-31B0312BC132}"/>
+                <a16:creationId xmlns:a16="http://schemas.microsoft.com/office/drawing/2014/main" xmlns="" id="{5C726E55-A6D4-4B74-8915-31B0312BC132}"/>
               </a:ext>
             </a:extLst>
           </p:cNvPr>
@@ -9409,7 +9524,7 @@
           <p:cNvPr id="18" name="Picture 37" descr="A picture containing computer, table&#10;&#10;Description generated with very high confidence">
             <a:extLst>
               <a:ext uri="{FF2B5EF4-FFF2-40B4-BE49-F238E27FC236}">
-                <a16:creationId xmlns:a16="http://schemas.microsoft.com/office/drawing/2014/main" id="{62574C71-6DE6-4BEE-A15F-55F806CE58A0}"/>
+                <a16:creationId xmlns:a16="http://schemas.microsoft.com/office/drawing/2014/main" xmlns="" id="{62574C71-6DE6-4BEE-A15F-55F806CE58A0}"/>
               </a:ext>
             </a:extLst>
           </p:cNvPr>
@@ -9951,7 +10066,7 @@
           <p:cNvPr id="21" name="Picture 30" descr="A close up of a device&#10;&#10;Description generated with very high confidence">
             <a:extLst>
               <a:ext uri="{FF2B5EF4-FFF2-40B4-BE49-F238E27FC236}">
-                <a16:creationId xmlns:a16="http://schemas.microsoft.com/office/drawing/2014/main" id="{64311C35-AE07-45F0-9E8D-286483932DBC}"/>
+                <a16:creationId xmlns:a16="http://schemas.microsoft.com/office/drawing/2014/main" xmlns="" id="{64311C35-AE07-45F0-9E8D-286483932DBC}"/>
               </a:ext>
             </a:extLst>
           </p:cNvPr>
@@ -9981,7 +10096,7 @@
           <p:cNvPr id="22" name="TextBox 33">
             <a:extLst>
               <a:ext uri="{FF2B5EF4-FFF2-40B4-BE49-F238E27FC236}">
-                <a16:creationId xmlns:a16="http://schemas.microsoft.com/office/drawing/2014/main" id="{46EBE350-3D70-431B-BFCA-8FAC071B45DB}"/>
+                <a16:creationId xmlns:a16="http://schemas.microsoft.com/office/drawing/2014/main" xmlns="" id="{46EBE350-3D70-431B-BFCA-8FAC071B45DB}"/>
               </a:ext>
             </a:extLst>
           </p:cNvPr>
@@ -10106,7 +10221,7 @@
           <p:cNvPr id="24" name="Picture 13" descr="A picture containing comb&#10;&#10;Description generated with very high confidence">
             <a:extLst>
               <a:ext uri="{FF2B5EF4-FFF2-40B4-BE49-F238E27FC236}">
-                <a16:creationId xmlns:a16="http://schemas.microsoft.com/office/drawing/2014/main" id="{96E322C2-909A-46BB-B588-211766AB85E0}"/>
+                <a16:creationId xmlns:a16="http://schemas.microsoft.com/office/drawing/2014/main" xmlns="" id="{96E322C2-909A-46BB-B588-211766AB85E0}"/>
               </a:ext>
             </a:extLst>
           </p:cNvPr>
@@ -10136,7 +10251,7 @@
           <p:cNvPr id="25" name="TextBox 61">
             <a:extLst>
               <a:ext uri="{FF2B5EF4-FFF2-40B4-BE49-F238E27FC236}">
-                <a16:creationId xmlns:a16="http://schemas.microsoft.com/office/drawing/2014/main" id="{2B0D8CBA-CC14-4E5F-B4F1-1633DDE93E6E}"/>
+                <a16:creationId xmlns:a16="http://schemas.microsoft.com/office/drawing/2014/main" xmlns="" id="{2B0D8CBA-CC14-4E5F-B4F1-1633DDE93E6E}"/>
               </a:ext>
             </a:extLst>
           </p:cNvPr>
@@ -10235,7 +10350,7 @@
           <p:cNvPr id="27" name="Picture 68" descr="A close up of a sign&#10;&#10;Description generated with high confidence">
             <a:extLst>
               <a:ext uri="{FF2B5EF4-FFF2-40B4-BE49-F238E27FC236}">
-                <a16:creationId xmlns:a16="http://schemas.microsoft.com/office/drawing/2014/main" id="{C7BC0718-3AEC-417A-BD8F-3A387BBF0481}"/>
+                <a16:creationId xmlns:a16="http://schemas.microsoft.com/office/drawing/2014/main" xmlns="" id="{C7BC0718-3AEC-417A-BD8F-3A387BBF0481}"/>
               </a:ext>
             </a:extLst>
           </p:cNvPr>
@@ -10265,7 +10380,7 @@
           <p:cNvPr id="28" name="Picture 70" descr="A screen shot of a computer&#10;&#10;Description generated with very high confidence">
             <a:extLst>
               <a:ext uri="{FF2B5EF4-FFF2-40B4-BE49-F238E27FC236}">
-                <a16:creationId xmlns:a16="http://schemas.microsoft.com/office/drawing/2014/main" id="{0CAA2E08-371C-4778-B698-82EA38A03D11}"/>
+                <a16:creationId xmlns:a16="http://schemas.microsoft.com/office/drawing/2014/main" xmlns="" id="{0CAA2E08-371C-4778-B698-82EA38A03D11}"/>
               </a:ext>
             </a:extLst>
           </p:cNvPr>
@@ -10295,7 +10410,7 @@
           <p:cNvPr id="29" name="Picture 73" descr="A close up of a logo&#10;&#10;Description generated with high confidence">
             <a:extLst>
               <a:ext uri="{FF2B5EF4-FFF2-40B4-BE49-F238E27FC236}">
-                <a16:creationId xmlns:a16="http://schemas.microsoft.com/office/drawing/2014/main" id="{385A0B54-3BDE-4902-8311-81E6A8A2E57E}"/>
+                <a16:creationId xmlns:a16="http://schemas.microsoft.com/office/drawing/2014/main" xmlns="" id="{385A0B54-3BDE-4902-8311-81E6A8A2E57E}"/>
               </a:ext>
             </a:extLst>
           </p:cNvPr>
@@ -10376,7 +10491,7 @@
           <p:cNvPr id="31" name="Picture 79" descr="A close up of a logo&#10;&#10;Description generated with very high confidence">
             <a:extLst>
               <a:ext uri="{FF2B5EF4-FFF2-40B4-BE49-F238E27FC236}">
-                <a16:creationId xmlns:a16="http://schemas.microsoft.com/office/drawing/2014/main" id="{7EA4B790-3FF9-4E6B-891E-C4B0A8AC7E5E}"/>
+                <a16:creationId xmlns:a16="http://schemas.microsoft.com/office/drawing/2014/main" xmlns="" id="{7EA4B790-3FF9-4E6B-891E-C4B0A8AC7E5E}"/>
               </a:ext>
             </a:extLst>
           </p:cNvPr>
@@ -10409,7 +10524,7 @@
           <p:cNvPr id="32" name="TextBox 88">
             <a:extLst>
               <a:ext uri="{FF2B5EF4-FFF2-40B4-BE49-F238E27FC236}">
-                <a16:creationId xmlns:a16="http://schemas.microsoft.com/office/drawing/2014/main" id="{194A1E76-091F-4A2D-A3A3-64B09C6107D4}"/>
+                <a16:creationId xmlns:a16="http://schemas.microsoft.com/office/drawing/2014/main" xmlns="" id="{194A1E76-091F-4A2D-A3A3-64B09C6107D4}"/>
               </a:ext>
             </a:extLst>
           </p:cNvPr>
@@ -10859,7 +10974,7 @@
           <p:cNvPr id="7" name="Título 1">
             <a:extLst>
               <a:ext uri="{FF2B5EF4-FFF2-40B4-BE49-F238E27FC236}">
-                <a16:creationId xmlns:a16="http://schemas.microsoft.com/office/drawing/2014/main" id="{99F76FBE-1BC2-4EE6-B90A-22263BF7BDCD}"/>
+                <a16:creationId xmlns:a16="http://schemas.microsoft.com/office/drawing/2014/main" xmlns="" id="{99F76FBE-1BC2-4EE6-B90A-22263BF7BDCD}"/>
               </a:ext>
             </a:extLst>
           </p:cNvPr>

--- a/Documentação/chameleon.pptx
+++ b/Documentação/chameleon.pptx
@@ -18,16 +18,17 @@
     <p:sldId id="278" r:id="rId12"/>
     <p:sldId id="277" r:id="rId13"/>
     <p:sldId id="279" r:id="rId14"/>
-    <p:sldId id="276" r:id="rId15"/>
-    <p:sldId id="264" r:id="rId16"/>
-    <p:sldId id="265" r:id="rId17"/>
-    <p:sldId id="273" r:id="rId18"/>
-    <p:sldId id="274" r:id="rId19"/>
-    <p:sldId id="281" r:id="rId20"/>
-    <p:sldId id="283" r:id="rId21"/>
-    <p:sldId id="282" r:id="rId22"/>
-    <p:sldId id="267" r:id="rId23"/>
-    <p:sldId id="280" r:id="rId24"/>
+    <p:sldId id="284" r:id="rId15"/>
+    <p:sldId id="276" r:id="rId16"/>
+    <p:sldId id="264" r:id="rId17"/>
+    <p:sldId id="265" r:id="rId18"/>
+    <p:sldId id="273" r:id="rId19"/>
+    <p:sldId id="274" r:id="rId20"/>
+    <p:sldId id="281" r:id="rId21"/>
+    <p:sldId id="283" r:id="rId22"/>
+    <p:sldId id="282" r:id="rId23"/>
+    <p:sldId id="267" r:id="rId24"/>
+    <p:sldId id="280" r:id="rId25"/>
   </p:sldIdLst>
   <p:sldSz cx="12192000" cy="6858000"/>
   <p:notesSz cx="6858000" cy="9144000"/>
@@ -274,7 +275,7 @@
           <a:p>
             <a:fld id="{F50B35C2-D55D-43EC-A9F9-87B33DB15AB7}" type="datetimeFigureOut">
               <a:rPr lang="pt-BR" smtClean="0"/>
-              <a:t>03/05/2020</a:t>
+              <a:t>04/05/2020</a:t>
             </a:fld>
             <a:endParaRPr lang="pt-BR"/>
           </a:p>
@@ -442,7 +443,7 @@
           <a:p>
             <a:fld id="{F50B35C2-D55D-43EC-A9F9-87B33DB15AB7}" type="datetimeFigureOut">
               <a:rPr lang="pt-BR" smtClean="0"/>
-              <a:t>03/05/2020</a:t>
+              <a:t>04/05/2020</a:t>
             </a:fld>
             <a:endParaRPr lang="pt-BR"/>
           </a:p>
@@ -620,7 +621,7 @@
           <a:p>
             <a:fld id="{F50B35C2-D55D-43EC-A9F9-87B33DB15AB7}" type="datetimeFigureOut">
               <a:rPr lang="pt-BR" smtClean="0"/>
-              <a:t>03/05/2020</a:t>
+              <a:t>04/05/2020</a:t>
             </a:fld>
             <a:endParaRPr lang="pt-BR"/>
           </a:p>
@@ -788,7 +789,7 @@
           <a:p>
             <a:fld id="{F50B35C2-D55D-43EC-A9F9-87B33DB15AB7}" type="datetimeFigureOut">
               <a:rPr lang="pt-BR" smtClean="0"/>
-              <a:t>03/05/2020</a:t>
+              <a:t>04/05/2020</a:t>
             </a:fld>
             <a:endParaRPr lang="pt-BR"/>
           </a:p>
@@ -1033,7 +1034,7 @@
           <a:p>
             <a:fld id="{F50B35C2-D55D-43EC-A9F9-87B33DB15AB7}" type="datetimeFigureOut">
               <a:rPr lang="pt-BR" smtClean="0"/>
-              <a:t>03/05/2020</a:t>
+              <a:t>04/05/2020</a:t>
             </a:fld>
             <a:endParaRPr lang="pt-BR"/>
           </a:p>
@@ -1262,7 +1263,7 @@
           <a:p>
             <a:fld id="{F50B35C2-D55D-43EC-A9F9-87B33DB15AB7}" type="datetimeFigureOut">
               <a:rPr lang="pt-BR" smtClean="0"/>
-              <a:t>03/05/2020</a:t>
+              <a:t>04/05/2020</a:t>
             </a:fld>
             <a:endParaRPr lang="pt-BR"/>
           </a:p>
@@ -1626,7 +1627,7 @@
           <a:p>
             <a:fld id="{F50B35C2-D55D-43EC-A9F9-87B33DB15AB7}" type="datetimeFigureOut">
               <a:rPr lang="pt-BR" smtClean="0"/>
-              <a:t>03/05/2020</a:t>
+              <a:t>04/05/2020</a:t>
             </a:fld>
             <a:endParaRPr lang="pt-BR"/>
           </a:p>
@@ -1743,7 +1744,7 @@
           <a:p>
             <a:fld id="{F50B35C2-D55D-43EC-A9F9-87B33DB15AB7}" type="datetimeFigureOut">
               <a:rPr lang="pt-BR" smtClean="0"/>
-              <a:t>03/05/2020</a:t>
+              <a:t>04/05/2020</a:t>
             </a:fld>
             <a:endParaRPr lang="pt-BR"/>
           </a:p>
@@ -1838,7 +1839,7 @@
           <a:p>
             <a:fld id="{F50B35C2-D55D-43EC-A9F9-87B33DB15AB7}" type="datetimeFigureOut">
               <a:rPr lang="pt-BR" smtClean="0"/>
-              <a:t>03/05/2020</a:t>
+              <a:t>04/05/2020</a:t>
             </a:fld>
             <a:endParaRPr lang="pt-BR"/>
           </a:p>
@@ -2113,7 +2114,7 @@
           <a:p>
             <a:fld id="{F50B35C2-D55D-43EC-A9F9-87B33DB15AB7}" type="datetimeFigureOut">
               <a:rPr lang="pt-BR" smtClean="0"/>
-              <a:t>03/05/2020</a:t>
+              <a:t>04/05/2020</a:t>
             </a:fld>
             <a:endParaRPr lang="pt-BR"/>
           </a:p>
@@ -2365,7 +2366,7 @@
           <a:p>
             <a:fld id="{F50B35C2-D55D-43EC-A9F9-87B33DB15AB7}" type="datetimeFigureOut">
               <a:rPr lang="pt-BR" smtClean="0"/>
-              <a:t>03/05/2020</a:t>
+              <a:t>04/05/2020</a:t>
             </a:fld>
             <a:endParaRPr lang="pt-BR"/>
           </a:p>
@@ -2576,7 +2577,7 @@
           <a:p>
             <a:fld id="{F50B35C2-D55D-43EC-A9F9-87B33DB15AB7}" type="datetimeFigureOut">
               <a:rPr lang="pt-BR" smtClean="0"/>
-              <a:t>03/05/2020</a:t>
+              <a:t>04/05/2020</a:t>
             </a:fld>
             <a:endParaRPr lang="pt-BR"/>
           </a:p>
@@ -3687,8 +3688,45 @@
         </p:nvSpPr>
         <p:spPr>
           <a:xfrm>
-            <a:off x="2827726" y="1312528"/>
+            <a:off x="2567674" y="697887"/>
             <a:ext cx="1901371" cy="338554"/>
+          </a:xfrm>
+          <a:prstGeom prst="rect">
+            <a:avLst/>
+          </a:prstGeom>
+          <a:noFill/>
+        </p:spPr>
+        <p:txBody>
+          <a:bodyPr wrap="square" rtlCol="0">
+            <a:spAutoFit/>
+          </a:bodyPr>
+          <a:lstStyle/>
+          <a:p>
+            <a:pPr algn="ctr"/>
+            <a:r>
+              <a:rPr lang="pt-BR" sz="1600" dirty="0" smtClean="0">
+                <a:latin typeface="Arial" panose="020B0604020202020204" pitchFamily="34" charset="0"/>
+                <a:cs typeface="Arial" panose="020B0604020202020204" pitchFamily="34" charset="0"/>
+              </a:rPr>
+              <a:t>Banco de dados</a:t>
+            </a:r>
+            <a:endParaRPr lang="pt-BR" sz="1600" dirty="0">
+              <a:latin typeface="Arial" panose="020B0604020202020204" pitchFamily="34" charset="0"/>
+              <a:cs typeface="Arial" panose="020B0604020202020204" pitchFamily="34" charset="0"/>
+            </a:endParaRPr>
+          </a:p>
+        </p:txBody>
+      </p:sp>
+      <p:sp>
+        <p:nvSpPr>
+          <p:cNvPr id="11" name="CaixaDeTexto 10"/>
+          <p:cNvSpPr txBox="1"/>
+          <p:nvPr/>
+        </p:nvSpPr>
+        <p:spPr>
+          <a:xfrm>
+            <a:off x="6872589" y="697887"/>
+            <a:ext cx="2597909" cy="338554"/>
           </a:xfrm>
           <a:prstGeom prst="rect">
             <a:avLst/>
@@ -3707,116 +3745,15 @@
                 <a:latin typeface="Arial" panose="020B0604020202020204" pitchFamily="34" charset="0"/>
                 <a:cs typeface="Arial" panose="020B0604020202020204" pitchFamily="34" charset="0"/>
               </a:rPr>
-              <a:t>BD SQL Server</a:t>
+              <a:t>Servidor da </a:t>
             </a:r>
-          </a:p>
-        </p:txBody>
-      </p:sp>
-      <p:sp>
-        <p:nvSpPr>
-          <p:cNvPr id="11" name="CaixaDeTexto 10"/>
-          <p:cNvSpPr txBox="1"/>
-          <p:nvPr/>
-        </p:nvSpPr>
-        <p:spPr>
-          <a:xfrm>
-            <a:off x="6650575" y="1051791"/>
-            <a:ext cx="2597909" cy="830997"/>
-          </a:xfrm>
-          <a:prstGeom prst="rect">
-            <a:avLst/>
-          </a:prstGeom>
-          <a:noFill/>
-        </p:spPr>
-        <p:txBody>
-          <a:bodyPr wrap="square" rtlCol="0">
-            <a:spAutoFit/>
-          </a:bodyPr>
-          <a:lstStyle/>
-          <a:p>
-            <a:pPr algn="ctr"/>
             <a:r>
-              <a:rPr lang="pt-BR" sz="1600" dirty="0">
+              <a:rPr lang="pt-BR" sz="1600" dirty="0" smtClean="0">
                 <a:latin typeface="Arial" panose="020B0604020202020204" pitchFamily="34" charset="0"/>
                 <a:cs typeface="Arial" panose="020B0604020202020204" pitchFamily="34" charset="0"/>
               </a:rPr>
-              <a:t>Servidor da Aplicação</a:t>
+              <a:t>Aplicação</a:t>
             </a:r>
-          </a:p>
-          <a:p>
-            <a:pPr algn="ctr"/>
-            <a:r>
-              <a:rPr lang="pt-BR" sz="1600" dirty="0">
-                <a:latin typeface="Arial" panose="020B0604020202020204" pitchFamily="34" charset="0"/>
-                <a:cs typeface="Arial" panose="020B0604020202020204" pitchFamily="34" charset="0"/>
-              </a:rPr>
-              <a:t>HTML / CSS</a:t>
-            </a:r>
-          </a:p>
-          <a:p>
-            <a:pPr algn="ctr"/>
-            <a:r>
-              <a:rPr lang="pt-BR" sz="1600" dirty="0">
-                <a:latin typeface="Arial" panose="020B0604020202020204" pitchFamily="34" charset="0"/>
-                <a:cs typeface="Arial" panose="020B0604020202020204" pitchFamily="34" charset="0"/>
-              </a:rPr>
-              <a:t>Node JS / </a:t>
-            </a:r>
-            <a:r>
-              <a:rPr lang="pt-BR" sz="1600" dirty="0" err="1">
-                <a:latin typeface="Arial" panose="020B0604020202020204" pitchFamily="34" charset="0"/>
-                <a:cs typeface="Arial" panose="020B0604020202020204" pitchFamily="34" charset="0"/>
-              </a:rPr>
-              <a:t>JavaScript</a:t>
-            </a:r>
-            <a:endParaRPr lang="pt-BR" sz="1600" dirty="0">
-              <a:latin typeface="Arial" panose="020B0604020202020204" pitchFamily="34" charset="0"/>
-              <a:cs typeface="Arial" panose="020B0604020202020204" pitchFamily="34" charset="0"/>
-            </a:endParaRPr>
-          </a:p>
-        </p:txBody>
-      </p:sp>
-      <p:sp>
-        <p:nvSpPr>
-          <p:cNvPr id="12" name="CaixaDeTexto 11"/>
-          <p:cNvSpPr txBox="1"/>
-          <p:nvPr/>
-        </p:nvSpPr>
-        <p:spPr>
-          <a:xfrm>
-            <a:off x="4888177" y="142395"/>
-            <a:ext cx="2319721" cy="369332"/>
-          </a:xfrm>
-          <a:prstGeom prst="rect">
-            <a:avLst/>
-          </a:prstGeom>
-          <a:noFill/>
-        </p:spPr>
-        <p:txBody>
-          <a:bodyPr wrap="square" rtlCol="0">
-            <a:spAutoFit/>
-          </a:bodyPr>
-          <a:lstStyle/>
-          <a:p>
-            <a:pPr algn="ctr"/>
-            <a:r>
-              <a:rPr lang="pt-BR" b="1" dirty="0">
-                <a:latin typeface="Bariol Bold"/>
-                <a:cs typeface="Arial" panose="020B0604020202020204" pitchFamily="34" charset="0"/>
-              </a:rPr>
-              <a:t>Microsoft </a:t>
-            </a:r>
-            <a:r>
-              <a:rPr lang="pt-BR" b="1" dirty="0" err="1">
-                <a:latin typeface="Bariol Bold"/>
-                <a:cs typeface="Arial" panose="020B0604020202020204" pitchFamily="34" charset="0"/>
-              </a:rPr>
-              <a:t>Azure</a:t>
-            </a:r>
-            <a:endParaRPr lang="pt-BR" b="1" dirty="0">
-              <a:latin typeface="Bariol Bold"/>
-              <a:cs typeface="Arial" panose="020B0604020202020204" pitchFamily="34" charset="0"/>
-            </a:endParaRPr>
           </a:p>
         </p:txBody>
       </p:sp>
@@ -4138,11 +4075,18 @@
           <a:lstStyle/>
           <a:p>
             <a:r>
+              <a:rPr lang="pt-BR" b="1" dirty="0" smtClean="0">
+                <a:latin typeface="Bariol Bold"/>
+                <a:cs typeface="Arial" panose="020B0604020202020204" pitchFamily="34" charset="0"/>
+              </a:rPr>
+              <a:t>Captação </a:t>
+            </a:r>
+            <a:r>
               <a:rPr lang="pt-BR" b="1" dirty="0">
                 <a:latin typeface="Bariol Bold"/>
                 <a:cs typeface="Arial" panose="020B0604020202020204" pitchFamily="34" charset="0"/>
               </a:rPr>
-              <a:t>Capitação de dados</a:t>
+              <a:t>de dados</a:t>
             </a:r>
           </a:p>
         </p:txBody>
@@ -4171,12 +4115,16 @@
           <a:p>
             <a:pPr algn="r"/>
             <a:r>
-              <a:rPr lang="pt-BR" b="1" dirty="0">
+              <a:rPr lang="pt-BR" b="1" dirty="0" smtClean="0">
                 <a:latin typeface="Bariol Bold"/>
                 <a:cs typeface="Arial" panose="020B0604020202020204" pitchFamily="34" charset="0"/>
               </a:rPr>
-              <a:t>Uso das informações</a:t>
+              <a:t>Usuário</a:t>
             </a:r>
+            <a:endParaRPr lang="pt-BR" b="1" dirty="0">
+              <a:latin typeface="Bariol Bold"/>
+              <a:cs typeface="Arial" panose="020B0604020202020204" pitchFamily="34" charset="0"/>
+            </a:endParaRPr>
           </a:p>
         </p:txBody>
       </p:sp>
@@ -4427,12 +4375,16 @@
           <a:p>
             <a:pPr algn="ctr"/>
             <a:r>
-              <a:rPr lang="pt-BR" sz="1400" dirty="0">
+              <a:rPr lang="pt-BR" sz="1400" dirty="0" smtClean="0">
                 <a:latin typeface="Arial" panose="020B0604020202020204" pitchFamily="34" charset="0"/>
                 <a:cs typeface="Arial" panose="020B0604020202020204" pitchFamily="34" charset="0"/>
               </a:rPr>
-              <a:t>DHTT11</a:t>
+              <a:t>DHT11</a:t>
             </a:r>
+            <a:endParaRPr lang="pt-BR" sz="1400" dirty="0">
+              <a:latin typeface="Arial" panose="020B0604020202020204" pitchFamily="34" charset="0"/>
+              <a:cs typeface="Arial" panose="020B0604020202020204" pitchFamily="34" charset="0"/>
+            </a:endParaRPr>
           </a:p>
         </p:txBody>
       </p:sp>
@@ -4884,7 +4836,7 @@
         </p:blipFill>
         <p:spPr>
           <a:xfrm>
-            <a:off x="5121959" y="6025584"/>
+            <a:off x="3001302" y="4636311"/>
             <a:ext cx="695366" cy="425332"/>
           </a:xfrm>
           <a:prstGeom prst="rect">
@@ -4914,7 +4866,7 @@
         </p:blipFill>
         <p:spPr>
           <a:xfrm>
-            <a:off x="4511231" y="6040020"/>
+            <a:off x="1873407" y="5258151"/>
             <a:ext cx="575968" cy="420817"/>
           </a:xfrm>
           <a:prstGeom prst="rect">
@@ -5106,6 +5058,163 @@
           </a:prstGeom>
         </p:spPr>
       </p:pic>
+      <p:sp>
+        <p:nvSpPr>
+          <p:cNvPr id="46" name="CaixaDeTexto 45"/>
+          <p:cNvSpPr txBox="1"/>
+          <p:nvPr/>
+        </p:nvSpPr>
+        <p:spPr>
+          <a:xfrm>
+            <a:off x="4135227" y="6178108"/>
+            <a:ext cx="2165641" cy="307777"/>
+          </a:xfrm>
+          <a:prstGeom prst="rect">
+            <a:avLst/>
+          </a:prstGeom>
+          <a:noFill/>
+        </p:spPr>
+        <p:txBody>
+          <a:bodyPr wrap="square" rtlCol="0">
+            <a:spAutoFit/>
+          </a:bodyPr>
+          <a:lstStyle/>
+          <a:p>
+            <a:pPr algn="ctr"/>
+            <a:r>
+              <a:rPr lang="pt-BR" sz="1400" dirty="0" smtClean="0">
+                <a:latin typeface="Arial" panose="020B0604020202020204" pitchFamily="34" charset="0"/>
+                <a:cs typeface="Arial" panose="020B0604020202020204" pitchFamily="34" charset="0"/>
+              </a:rPr>
+              <a:t>Servidor Local</a:t>
+            </a:r>
+            <a:endParaRPr lang="pt-BR" sz="1400" dirty="0">
+              <a:latin typeface="Arial" panose="020B0604020202020204" pitchFamily="34" charset="0"/>
+              <a:cs typeface="Arial" panose="020B0604020202020204" pitchFamily="34" charset="0"/>
+            </a:endParaRPr>
+          </a:p>
+        </p:txBody>
+      </p:sp>
+      <p:pic>
+        <p:nvPicPr>
+          <p:cNvPr id="3" name="Imagem 2"/>
+          <p:cNvPicPr>
+            <a:picLocks noChangeAspect="1"/>
+          </p:cNvPicPr>
+          <p:nvPr/>
+        </p:nvPicPr>
+        <p:blipFill>
+          <a:blip r:embed="rId15" cstate="print">
+            <a:extLst>
+              <a:ext uri="{28A0092B-C50C-407E-A947-70E740481C1C}">
+                <a14:useLocalDpi xmlns:a14="http://schemas.microsoft.com/office/drawing/2010/main" val="0"/>
+              </a:ext>
+            </a:extLst>
+          </a:blip>
+          <a:stretch>
+            <a:fillRect/>
+          </a:stretch>
+        </p:blipFill>
+        <p:spPr>
+          <a:xfrm>
+            <a:off x="7132617" y="1208817"/>
+            <a:ext cx="1440379" cy="843972"/>
+          </a:xfrm>
+          <a:prstGeom prst="rect">
+            <a:avLst/>
+          </a:prstGeom>
+        </p:spPr>
+      </p:pic>
+      <p:pic>
+        <p:nvPicPr>
+          <p:cNvPr id="49" name="Imagem 48"/>
+          <p:cNvPicPr>
+            <a:picLocks noChangeAspect="1"/>
+          </p:cNvPicPr>
+          <p:nvPr/>
+        </p:nvPicPr>
+        <p:blipFill>
+          <a:blip r:embed="rId10" cstate="print">
+            <a:extLst>
+              <a:ext uri="{28A0092B-C50C-407E-A947-70E740481C1C}">
+                <a14:useLocalDpi xmlns:a14="http://schemas.microsoft.com/office/drawing/2010/main" val="0"/>
+              </a:ext>
+            </a:extLst>
+          </a:blip>
+          <a:stretch>
+            <a:fillRect/>
+          </a:stretch>
+        </p:blipFill>
+        <p:spPr>
+          <a:xfrm>
+            <a:off x="8672497" y="1501313"/>
+            <a:ext cx="695366" cy="425332"/>
+          </a:xfrm>
+          <a:prstGeom prst="rect">
+            <a:avLst/>
+          </a:prstGeom>
+        </p:spPr>
+      </p:pic>
+      <p:pic>
+        <p:nvPicPr>
+          <p:cNvPr id="4" name="Imagem 3"/>
+          <p:cNvPicPr>
+            <a:picLocks noChangeAspect="1"/>
+          </p:cNvPicPr>
+          <p:nvPr/>
+        </p:nvPicPr>
+        <p:blipFill>
+          <a:blip r:embed="rId16" cstate="print">
+            <a:extLst>
+              <a:ext uri="{28A0092B-C50C-407E-A947-70E740481C1C}">
+                <a14:useLocalDpi xmlns:a14="http://schemas.microsoft.com/office/drawing/2010/main" val="0"/>
+              </a:ext>
+            </a:extLst>
+          </a:blip>
+          <a:stretch>
+            <a:fillRect/>
+          </a:stretch>
+        </p:blipFill>
+        <p:spPr>
+          <a:xfrm>
+            <a:off x="5334049" y="101983"/>
+            <a:ext cx="1427979" cy="412775"/>
+          </a:xfrm>
+          <a:prstGeom prst="rect">
+            <a:avLst/>
+          </a:prstGeom>
+        </p:spPr>
+      </p:pic>
+      <p:pic>
+        <p:nvPicPr>
+          <p:cNvPr id="5" name="Imagem 4"/>
+          <p:cNvPicPr>
+            <a:picLocks noChangeAspect="1"/>
+          </p:cNvPicPr>
+          <p:nvPr/>
+        </p:nvPicPr>
+        <p:blipFill>
+          <a:blip r:embed="rId17">
+            <a:extLst>
+              <a:ext uri="{28A0092B-C50C-407E-A947-70E740481C1C}">
+                <a14:useLocalDpi xmlns:a14="http://schemas.microsoft.com/office/drawing/2010/main" val="0"/>
+              </a:ext>
+            </a:extLst>
+          </a:blip>
+          <a:stretch>
+            <a:fillRect/>
+          </a:stretch>
+        </p:blipFill>
+        <p:spPr>
+          <a:xfrm>
+            <a:off x="2930723" y="1201456"/>
+            <a:ext cx="1175273" cy="953434"/>
+          </a:xfrm>
+          <a:prstGeom prst="rect">
+            <a:avLst/>
+          </a:prstGeom>
+        </p:spPr>
+      </p:pic>
     </p:spTree>
     <p:extLst>
       <p:ext uri="{BB962C8B-B14F-4D97-AF65-F5344CB8AC3E}">
@@ -5224,15 +5333,6 @@
               </a:rPr>
               <a:t>) </a:t>
             </a:r>
-            <a:endParaRPr lang="pt-BR" dirty="0">
-              <a:solidFill>
-                <a:schemeClr val="tx1">
-                  <a:lumMod val="75000"/>
-                  <a:lumOff val="25000"/>
-                </a:schemeClr>
-              </a:solidFill>
-              <a:latin typeface="Bariol Bold" panose="02000506040000020003" pitchFamily="2" charset="0"/>
-            </a:endParaRPr>
           </a:p>
         </p:txBody>
       </p:sp>
@@ -8414,7 +8514,7 @@
           <p:nvPr>
             <p:extLst>
               <p:ext uri="{D42A27DB-BD31-4B8C-83A1-F6EECF244321}">
-                <p14:modId xmlns:p14="http://schemas.microsoft.com/office/powerpoint/2010/main" val="1596371721"/>
+                <p14:modId xmlns:p14="http://schemas.microsoft.com/office/powerpoint/2010/main" val="113757102"/>
               </p:ext>
             </p:extLst>
           </p:nvPr>
@@ -9077,14 +9177,14 @@
                     <a:p>
                       <a:pPr algn="ctr" fontAlgn="b"/>
                       <a:r>
-                        <a:rPr lang="pt-BR" sz="1100" b="0" u="none" strike="noStrike">
+                        <a:rPr lang="pt-BR" sz="1100" b="0" u="none" strike="noStrike" dirty="0" smtClean="0">
                           <a:effectLst/>
                           <a:latin typeface="Arial" panose="020B0604020202020204" pitchFamily="34" charset="0"/>
                           <a:cs typeface="Arial" panose="020B0604020202020204" pitchFamily="34" charset="0"/>
                         </a:rPr>
                         <a:t>GUILHERME DE SÁ</a:t>
                       </a:r>
-                      <a:endParaRPr lang="pt-BR" sz="1100" b="0" i="0" u="none" strike="noStrike">
+                      <a:endParaRPr lang="pt-BR" sz="1100" b="0" i="0" u="none" strike="noStrike" dirty="0">
                         <a:solidFill>
                           <a:srgbClr val="000000"/>
                         </a:solidFill>
@@ -11859,6 +11959,2012 @@
 </file>
 
 <file path=ppt/slides/slide14.xml><?xml version="1.0" encoding="utf-8"?>
+<p:sld xmlns:a="http://schemas.openxmlformats.org/drawingml/2006/main" xmlns:r="http://schemas.openxmlformats.org/officeDocument/2006/relationships" xmlns:p="http://schemas.openxmlformats.org/presentationml/2006/main">
+  <p:cSld>
+    <p:spTree>
+      <p:nvGrpSpPr>
+        <p:cNvPr id="1" name=""/>
+        <p:cNvGrpSpPr/>
+        <p:nvPr/>
+      </p:nvGrpSpPr>
+      <p:grpSpPr>
+        <a:xfrm>
+          <a:off x="0" y="0"/>
+          <a:ext cx="0" cy="0"/>
+          <a:chOff x="0" y="0"/>
+          <a:chExt cx="0" cy="0"/>
+        </a:xfrm>
+      </p:grpSpPr>
+      <p:sp>
+        <p:nvSpPr>
+          <p:cNvPr id="2" name="Título 1">
+            <a:extLst>
+              <a:ext uri="{FF2B5EF4-FFF2-40B4-BE49-F238E27FC236}">
+                <a16:creationId xmlns:a16="http://schemas.microsoft.com/office/drawing/2014/main" id="{99F76FBE-1BC2-4EE6-B90A-22263BF7BDCD}"/>
+              </a:ext>
+            </a:extLst>
+          </p:cNvPr>
+          <p:cNvSpPr>
+            <a:spLocks noGrp="1"/>
+          </p:cNvSpPr>
+          <p:nvPr>
+            <p:ph type="title"/>
+          </p:nvPr>
+        </p:nvSpPr>
+        <p:spPr/>
+        <p:txBody>
+          <a:bodyPr/>
+          <a:lstStyle/>
+          <a:p>
+            <a:r>
+              <a:rPr lang="pt-BR" dirty="0" smtClean="0">
+                <a:solidFill>
+                  <a:schemeClr val="tx1">
+                    <a:lumMod val="75000"/>
+                    <a:lumOff val="25000"/>
+                  </a:schemeClr>
+                </a:solidFill>
+                <a:latin typeface="Bariol Bold" panose="02000506040000020003" pitchFamily="2" charset="0"/>
+              </a:rPr>
+              <a:t>Planilha de Riscos</a:t>
+            </a:r>
+            <a:endParaRPr lang="pt-BR" dirty="0">
+              <a:solidFill>
+                <a:schemeClr val="tx1">
+                  <a:lumMod val="75000"/>
+                  <a:lumOff val="25000"/>
+                </a:schemeClr>
+              </a:solidFill>
+              <a:latin typeface="Bariol Bold" panose="02000506040000020003" pitchFamily="2" charset="0"/>
+            </a:endParaRPr>
+          </a:p>
+        </p:txBody>
+      </p:sp>
+      <p:pic>
+        <p:nvPicPr>
+          <p:cNvPr id="8" name="Imagem 7"/>
+          <p:cNvPicPr>
+            <a:picLocks noChangeAspect="1"/>
+          </p:cNvPicPr>
+          <p:nvPr/>
+        </p:nvPicPr>
+        <p:blipFill>
+          <a:blip r:embed="rId2" cstate="print">
+            <a:extLst>
+              <a:ext uri="{28A0092B-C50C-407E-A947-70E740481C1C}">
+                <a14:useLocalDpi xmlns:a14="http://schemas.microsoft.com/office/drawing/2010/main" val="0"/>
+              </a:ext>
+            </a:extLst>
+          </a:blip>
+          <a:stretch>
+            <a:fillRect/>
+          </a:stretch>
+        </p:blipFill>
+        <p:spPr>
+          <a:xfrm>
+            <a:off x="11313459" y="286497"/>
+            <a:ext cx="576000" cy="576000"/>
+          </a:xfrm>
+          <a:prstGeom prst="rect">
+            <a:avLst/>
+          </a:prstGeom>
+        </p:spPr>
+      </p:pic>
+      <p:graphicFrame>
+        <p:nvGraphicFramePr>
+          <p:cNvPr id="3" name="Tabela 2"/>
+          <p:cNvGraphicFramePr>
+            <a:graphicFrameLocks noGrp="1"/>
+          </p:cNvGraphicFramePr>
+          <p:nvPr>
+            <p:extLst>
+              <p:ext uri="{D42A27DB-BD31-4B8C-83A1-F6EECF244321}">
+                <p14:modId xmlns:p14="http://schemas.microsoft.com/office/powerpoint/2010/main" val="3243394386"/>
+              </p:ext>
+            </p:extLst>
+          </p:nvPr>
+        </p:nvGraphicFramePr>
+        <p:xfrm>
+          <a:off x="444137" y="2004195"/>
+          <a:ext cx="11338561" cy="4305167"/>
+        </p:xfrm>
+        <a:graphic>
+          <a:graphicData uri="http://schemas.openxmlformats.org/drawingml/2006/table">
+            <a:tbl>
+              <a:tblPr>
+                <a:tableStyleId>{5C22544A-7EE6-4342-B048-85BDC9FD1C3A}</a:tableStyleId>
+              </a:tblPr>
+              <a:tblGrid>
+                <a:gridCol w="274320">
+                  <a:extLst>
+                    <a:ext uri="{9D8B030D-6E8A-4147-A177-3AD203B41FA5}">
+                      <a16:colId xmlns:a16="http://schemas.microsoft.com/office/drawing/2014/main" val="3466485378"/>
+                    </a:ext>
+                  </a:extLst>
+                </a:gridCol>
+                <a:gridCol w="1917930">
+                  <a:extLst>
+                    <a:ext uri="{9D8B030D-6E8A-4147-A177-3AD203B41FA5}">
+                      <a16:colId xmlns:a16="http://schemas.microsoft.com/office/drawing/2014/main" val="4243844639"/>
+                    </a:ext>
+                  </a:extLst>
+                </a:gridCol>
+                <a:gridCol w="1256345">
+                  <a:extLst>
+                    <a:ext uri="{9D8B030D-6E8A-4147-A177-3AD203B41FA5}">
+                      <a16:colId xmlns:a16="http://schemas.microsoft.com/office/drawing/2014/main" val="2376549313"/>
+                    </a:ext>
+                  </a:extLst>
+                </a:gridCol>
+                <a:gridCol w="849085">
+                  <a:extLst>
+                    <a:ext uri="{9D8B030D-6E8A-4147-A177-3AD203B41FA5}">
+                      <a16:colId xmlns:a16="http://schemas.microsoft.com/office/drawing/2014/main" val="3256337394"/>
+                    </a:ext>
+                  </a:extLst>
+                </a:gridCol>
+                <a:gridCol w="1018903">
+                  <a:extLst>
+                    <a:ext uri="{9D8B030D-6E8A-4147-A177-3AD203B41FA5}">
+                      <a16:colId xmlns:a16="http://schemas.microsoft.com/office/drawing/2014/main" val="1849482543"/>
+                    </a:ext>
+                  </a:extLst>
+                </a:gridCol>
+                <a:gridCol w="640080">
+                  <a:extLst>
+                    <a:ext uri="{9D8B030D-6E8A-4147-A177-3AD203B41FA5}">
+                      <a16:colId xmlns:a16="http://schemas.microsoft.com/office/drawing/2014/main" val="2353809088"/>
+                    </a:ext>
+                  </a:extLst>
+                </a:gridCol>
+                <a:gridCol w="5381898">
+                  <a:extLst>
+                    <a:ext uri="{9D8B030D-6E8A-4147-A177-3AD203B41FA5}">
+                      <a16:colId xmlns:a16="http://schemas.microsoft.com/office/drawing/2014/main" val="4106031628"/>
+                    </a:ext>
+                  </a:extLst>
+                </a:gridCol>
+              </a:tblGrid>
+              <a:tr h="561539">
+                <a:tc>
+                  <a:txBody>
+                    <a:bodyPr/>
+                    <a:lstStyle/>
+                    <a:p>
+                      <a:pPr algn="ctr" fontAlgn="b"/>
+                      <a:r>
+                        <a:rPr lang="pt-BR" sz="1200" b="1" u="none" strike="noStrike" dirty="0" smtClean="0">
+                          <a:solidFill>
+                            <a:schemeClr val="bg1"/>
+                          </a:solidFill>
+                          <a:effectLst/>
+                          <a:latin typeface="Arial" panose="020B0604020202020204" pitchFamily="34" charset="0"/>
+                          <a:cs typeface="Arial" panose="020B0604020202020204" pitchFamily="34" charset="0"/>
+                        </a:rPr>
+                        <a:t>ID</a:t>
+                      </a:r>
+                      <a:endParaRPr lang="pt-BR" sz="1200" b="1" i="1" u="none" strike="noStrike" dirty="0">
+                        <a:solidFill>
+                          <a:schemeClr val="bg1"/>
+                        </a:solidFill>
+                        <a:effectLst/>
+                        <a:latin typeface="Arial" panose="020B0604020202020204" pitchFamily="34" charset="0"/>
+                        <a:cs typeface="Arial" panose="020B0604020202020204" pitchFamily="34" charset="0"/>
+                      </a:endParaRPr>
+                    </a:p>
+                  </a:txBody>
+                  <a:tcPr marL="6650" marR="6650" marT="6650" marB="0" anchor="ctr">
+                    <a:solidFill>
+                      <a:schemeClr val="accent1">
+                        <a:lumMod val="75000"/>
+                      </a:schemeClr>
+                    </a:solidFill>
+                  </a:tcPr>
+                </a:tc>
+                <a:tc>
+                  <a:txBody>
+                    <a:bodyPr/>
+                    <a:lstStyle/>
+                    <a:p>
+                      <a:pPr algn="ctr" fontAlgn="b"/>
+                      <a:r>
+                        <a:rPr lang="pt-BR" sz="1200" b="1" u="none" strike="noStrike">
+                          <a:solidFill>
+                            <a:schemeClr val="bg1"/>
+                          </a:solidFill>
+                          <a:effectLst/>
+                          <a:latin typeface="Arial" panose="020B0604020202020204" pitchFamily="34" charset="0"/>
+                          <a:cs typeface="Arial" panose="020B0604020202020204" pitchFamily="34" charset="0"/>
+                        </a:rPr>
+                        <a:t>Descrição do Risco</a:t>
+                      </a:r>
+                      <a:endParaRPr lang="pt-BR" sz="1200" b="1" i="1" u="none" strike="noStrike">
+                        <a:solidFill>
+                          <a:schemeClr val="bg1"/>
+                        </a:solidFill>
+                        <a:effectLst/>
+                        <a:latin typeface="Arial" panose="020B0604020202020204" pitchFamily="34" charset="0"/>
+                        <a:cs typeface="Arial" panose="020B0604020202020204" pitchFamily="34" charset="0"/>
+                      </a:endParaRPr>
+                    </a:p>
+                  </a:txBody>
+                  <a:tcPr marL="6650" marR="6650" marT="6650" marB="0" anchor="ctr">
+                    <a:solidFill>
+                      <a:schemeClr val="accent1">
+                        <a:lumMod val="75000"/>
+                      </a:schemeClr>
+                    </a:solidFill>
+                  </a:tcPr>
+                </a:tc>
+                <a:tc>
+                  <a:txBody>
+                    <a:bodyPr/>
+                    <a:lstStyle/>
+                    <a:p>
+                      <a:pPr algn="ctr" fontAlgn="b"/>
+                      <a:r>
+                        <a:rPr lang="pt-BR" sz="1200" b="1" u="none" strike="noStrike" dirty="0">
+                          <a:solidFill>
+                            <a:schemeClr val="bg1"/>
+                          </a:solidFill>
+                          <a:effectLst/>
+                          <a:latin typeface="Arial" panose="020B0604020202020204" pitchFamily="34" charset="0"/>
+                          <a:cs typeface="Arial" panose="020B0604020202020204" pitchFamily="34" charset="0"/>
+                        </a:rPr>
+                        <a:t>Probabilidade (p) </a:t>
+                      </a:r>
+                      <a:endParaRPr lang="pt-BR" sz="1200" b="1" i="1" u="none" strike="noStrike" dirty="0">
+                        <a:solidFill>
+                          <a:schemeClr val="bg1"/>
+                        </a:solidFill>
+                        <a:effectLst/>
+                        <a:latin typeface="Arial" panose="020B0604020202020204" pitchFamily="34" charset="0"/>
+                        <a:cs typeface="Arial" panose="020B0604020202020204" pitchFamily="34" charset="0"/>
+                      </a:endParaRPr>
+                    </a:p>
+                  </a:txBody>
+                  <a:tcPr marL="6650" marR="6650" marT="6650" marB="0" anchor="ctr">
+                    <a:solidFill>
+                      <a:schemeClr val="accent1">
+                        <a:lumMod val="75000"/>
+                      </a:schemeClr>
+                    </a:solidFill>
+                  </a:tcPr>
+                </a:tc>
+                <a:tc>
+                  <a:txBody>
+                    <a:bodyPr/>
+                    <a:lstStyle/>
+                    <a:p>
+                      <a:pPr algn="ctr" fontAlgn="b"/>
+                      <a:r>
+                        <a:rPr lang="pt-BR" sz="1200" b="1" u="none" strike="noStrike">
+                          <a:solidFill>
+                            <a:schemeClr val="bg1"/>
+                          </a:solidFill>
+                          <a:effectLst/>
+                          <a:latin typeface="Arial" panose="020B0604020202020204" pitchFamily="34" charset="0"/>
+                          <a:cs typeface="Arial" panose="020B0604020202020204" pitchFamily="34" charset="0"/>
+                        </a:rPr>
+                        <a:t>Impacto (I)</a:t>
+                      </a:r>
+                      <a:endParaRPr lang="pt-BR" sz="1200" b="1" i="1" u="none" strike="noStrike">
+                        <a:solidFill>
+                          <a:schemeClr val="bg1"/>
+                        </a:solidFill>
+                        <a:effectLst/>
+                        <a:latin typeface="Arial" panose="020B0604020202020204" pitchFamily="34" charset="0"/>
+                        <a:cs typeface="Arial" panose="020B0604020202020204" pitchFamily="34" charset="0"/>
+                      </a:endParaRPr>
+                    </a:p>
+                  </a:txBody>
+                  <a:tcPr marL="6650" marR="6650" marT="6650" marB="0" anchor="ctr">
+                    <a:solidFill>
+                      <a:schemeClr val="accent1">
+                        <a:lumMod val="75000"/>
+                      </a:schemeClr>
+                    </a:solidFill>
+                  </a:tcPr>
+                </a:tc>
+                <a:tc>
+                  <a:txBody>
+                    <a:bodyPr/>
+                    <a:lstStyle/>
+                    <a:p>
+                      <a:pPr algn="ctr" fontAlgn="b"/>
+                      <a:r>
+                        <a:rPr lang="pt-BR" sz="1200" b="1" u="none" strike="noStrike">
+                          <a:solidFill>
+                            <a:schemeClr val="bg1"/>
+                          </a:solidFill>
+                          <a:effectLst/>
+                          <a:latin typeface="Arial" panose="020B0604020202020204" pitchFamily="34" charset="0"/>
+                          <a:cs typeface="Arial" panose="020B0604020202020204" pitchFamily="34" charset="0"/>
+                        </a:rPr>
+                        <a:t>Fator de Risco</a:t>
+                      </a:r>
+                      <a:endParaRPr lang="pt-BR" sz="1200" b="1" i="1" u="none" strike="noStrike">
+                        <a:solidFill>
+                          <a:schemeClr val="bg1"/>
+                        </a:solidFill>
+                        <a:effectLst/>
+                        <a:latin typeface="Arial" panose="020B0604020202020204" pitchFamily="34" charset="0"/>
+                        <a:cs typeface="Arial" panose="020B0604020202020204" pitchFamily="34" charset="0"/>
+                      </a:endParaRPr>
+                    </a:p>
+                  </a:txBody>
+                  <a:tcPr marL="6650" marR="6650" marT="6650" marB="0" anchor="ctr">
+                    <a:solidFill>
+                      <a:schemeClr val="accent1">
+                        <a:lumMod val="75000"/>
+                      </a:schemeClr>
+                    </a:solidFill>
+                  </a:tcPr>
+                </a:tc>
+                <a:tc>
+                  <a:txBody>
+                    <a:bodyPr/>
+                    <a:lstStyle/>
+                    <a:p>
+                      <a:pPr algn="ctr" fontAlgn="b"/>
+                      <a:r>
+                        <a:rPr lang="pt-BR" sz="1200" b="1" u="none" strike="noStrike" dirty="0">
+                          <a:solidFill>
+                            <a:schemeClr val="bg1"/>
+                          </a:solidFill>
+                          <a:effectLst/>
+                          <a:latin typeface="Arial" panose="020B0604020202020204" pitchFamily="34" charset="0"/>
+                          <a:cs typeface="Arial" panose="020B0604020202020204" pitchFamily="34" charset="0"/>
+                        </a:rPr>
+                        <a:t>Ação</a:t>
+                      </a:r>
+                      <a:endParaRPr lang="pt-BR" sz="1200" b="1" i="1" u="none" strike="noStrike" dirty="0">
+                        <a:solidFill>
+                          <a:schemeClr val="bg1"/>
+                        </a:solidFill>
+                        <a:effectLst/>
+                        <a:latin typeface="Arial" panose="020B0604020202020204" pitchFamily="34" charset="0"/>
+                        <a:cs typeface="Arial" panose="020B0604020202020204" pitchFamily="34" charset="0"/>
+                      </a:endParaRPr>
+                    </a:p>
+                  </a:txBody>
+                  <a:tcPr marL="6650" marR="6650" marT="6650" marB="0" anchor="ctr">
+                    <a:solidFill>
+                      <a:schemeClr val="accent1">
+                        <a:lumMod val="75000"/>
+                      </a:schemeClr>
+                    </a:solidFill>
+                  </a:tcPr>
+                </a:tc>
+                <a:tc>
+                  <a:txBody>
+                    <a:bodyPr/>
+                    <a:lstStyle/>
+                    <a:p>
+                      <a:pPr algn="ctr" fontAlgn="b"/>
+                      <a:r>
+                        <a:rPr lang="pt-BR" sz="1200" b="1" u="none" strike="noStrike" dirty="0">
+                          <a:solidFill>
+                            <a:schemeClr val="bg1"/>
+                          </a:solidFill>
+                          <a:effectLst/>
+                          <a:latin typeface="Arial" panose="020B0604020202020204" pitchFamily="34" charset="0"/>
+                          <a:cs typeface="Arial" panose="020B0604020202020204" pitchFamily="34" charset="0"/>
+                        </a:rPr>
+                        <a:t>Como?</a:t>
+                      </a:r>
+                      <a:endParaRPr lang="pt-BR" sz="1200" b="1" i="1" u="none" strike="noStrike" dirty="0">
+                        <a:solidFill>
+                          <a:schemeClr val="bg1"/>
+                        </a:solidFill>
+                        <a:effectLst/>
+                        <a:latin typeface="Arial" panose="020B0604020202020204" pitchFamily="34" charset="0"/>
+                        <a:cs typeface="Arial" panose="020B0604020202020204" pitchFamily="34" charset="0"/>
+                      </a:endParaRPr>
+                    </a:p>
+                  </a:txBody>
+                  <a:tcPr marL="6650" marR="6650" marT="6650" marB="0" anchor="ctr">
+                    <a:solidFill>
+                      <a:schemeClr val="accent1">
+                        <a:lumMod val="75000"/>
+                      </a:schemeClr>
+                    </a:solidFill>
+                  </a:tcPr>
+                </a:tc>
+                <a:extLst>
+                  <a:ext uri="{0D108BD9-81ED-4DB2-BD59-A6C34878D82A}">
+                    <a16:rowId xmlns:a16="http://schemas.microsoft.com/office/drawing/2014/main" val="249822350"/>
+                  </a:ext>
+                </a:extLst>
+              </a:tr>
+              <a:tr h="534804">
+                <a:tc>
+                  <a:txBody>
+                    <a:bodyPr/>
+                    <a:lstStyle/>
+                    <a:p>
+                      <a:pPr algn="ctr" fontAlgn="b"/>
+                      <a:r>
+                        <a:rPr lang="pt-BR" sz="1100" b="1" u="none" strike="noStrike" dirty="0">
+                          <a:effectLst/>
+                          <a:latin typeface="Arial" panose="020B0604020202020204" pitchFamily="34" charset="0"/>
+                          <a:cs typeface="Arial" panose="020B0604020202020204" pitchFamily="34" charset="0"/>
+                        </a:rPr>
+                        <a:t>1</a:t>
+                      </a:r>
+                      <a:endParaRPr lang="pt-BR" sz="1100" b="1" i="0" u="none" strike="noStrike" dirty="0">
+                        <a:solidFill>
+                          <a:srgbClr val="000000"/>
+                        </a:solidFill>
+                        <a:effectLst/>
+                        <a:latin typeface="Arial" panose="020B0604020202020204" pitchFamily="34" charset="0"/>
+                        <a:cs typeface="Arial" panose="020B0604020202020204" pitchFamily="34" charset="0"/>
+                      </a:endParaRPr>
+                    </a:p>
+                  </a:txBody>
+                  <a:tcPr marL="6650" marR="6650" marT="6650" marB="0" anchor="ctr"/>
+                </a:tc>
+                <a:tc>
+                  <a:txBody>
+                    <a:bodyPr/>
+                    <a:lstStyle/>
+                    <a:p>
+                      <a:pPr algn="ctr" fontAlgn="b"/>
+                      <a:r>
+                        <a:rPr lang="pt-BR" sz="1100" u="none" strike="noStrike">
+                          <a:effectLst/>
+                          <a:latin typeface="Arial" panose="020B0604020202020204" pitchFamily="34" charset="0"/>
+                          <a:cs typeface="Arial" panose="020B0604020202020204" pitchFamily="34" charset="0"/>
+                        </a:rPr>
+                        <a:t>Membro do Grupo sair do Projeto</a:t>
+                      </a:r>
+                      <a:endParaRPr lang="pt-BR" sz="1100" b="0" i="0" u="none" strike="noStrike">
+                        <a:solidFill>
+                          <a:srgbClr val="000000"/>
+                        </a:solidFill>
+                        <a:effectLst/>
+                        <a:latin typeface="Arial" panose="020B0604020202020204" pitchFamily="34" charset="0"/>
+                        <a:cs typeface="Arial" panose="020B0604020202020204" pitchFamily="34" charset="0"/>
+                      </a:endParaRPr>
+                    </a:p>
+                  </a:txBody>
+                  <a:tcPr marL="6650" marR="6650" marT="6650" marB="0" anchor="ctr"/>
+                </a:tc>
+                <a:tc>
+                  <a:txBody>
+                    <a:bodyPr/>
+                    <a:lstStyle/>
+                    <a:p>
+                      <a:pPr algn="ctr" fontAlgn="b"/>
+                      <a:r>
+                        <a:rPr lang="pt-BR" sz="1100" u="none" strike="noStrike">
+                          <a:effectLst/>
+                          <a:latin typeface="Arial" panose="020B0604020202020204" pitchFamily="34" charset="0"/>
+                          <a:cs typeface="Arial" panose="020B0604020202020204" pitchFamily="34" charset="0"/>
+                        </a:rPr>
+                        <a:t>1</a:t>
+                      </a:r>
+                      <a:endParaRPr lang="pt-BR" sz="1100" b="0" i="0" u="none" strike="noStrike">
+                        <a:solidFill>
+                          <a:srgbClr val="000000"/>
+                        </a:solidFill>
+                        <a:effectLst/>
+                        <a:latin typeface="Arial" panose="020B0604020202020204" pitchFamily="34" charset="0"/>
+                        <a:cs typeface="Arial" panose="020B0604020202020204" pitchFamily="34" charset="0"/>
+                      </a:endParaRPr>
+                    </a:p>
+                  </a:txBody>
+                  <a:tcPr marL="6650" marR="6650" marT="6650" marB="0" anchor="ctr"/>
+                </a:tc>
+                <a:tc>
+                  <a:txBody>
+                    <a:bodyPr/>
+                    <a:lstStyle/>
+                    <a:p>
+                      <a:pPr algn="ctr" fontAlgn="b"/>
+                      <a:r>
+                        <a:rPr lang="pt-BR" sz="1100" u="none" strike="noStrike">
+                          <a:effectLst/>
+                          <a:latin typeface="Arial" panose="020B0604020202020204" pitchFamily="34" charset="0"/>
+                          <a:cs typeface="Arial" panose="020B0604020202020204" pitchFamily="34" charset="0"/>
+                        </a:rPr>
+                        <a:t>3</a:t>
+                      </a:r>
+                      <a:endParaRPr lang="pt-BR" sz="1100" b="0" i="0" u="none" strike="noStrike">
+                        <a:solidFill>
+                          <a:srgbClr val="000000"/>
+                        </a:solidFill>
+                        <a:effectLst/>
+                        <a:latin typeface="Arial" panose="020B0604020202020204" pitchFamily="34" charset="0"/>
+                        <a:cs typeface="Arial" panose="020B0604020202020204" pitchFamily="34" charset="0"/>
+                      </a:endParaRPr>
+                    </a:p>
+                  </a:txBody>
+                  <a:tcPr marL="6650" marR="6650" marT="6650" marB="0" anchor="ctr"/>
+                </a:tc>
+                <a:tc>
+                  <a:txBody>
+                    <a:bodyPr/>
+                    <a:lstStyle/>
+                    <a:p>
+                      <a:pPr algn="ctr" fontAlgn="b"/>
+                      <a:r>
+                        <a:rPr lang="pt-BR" sz="1100" u="none" strike="noStrike">
+                          <a:effectLst/>
+                          <a:latin typeface="Arial" panose="020B0604020202020204" pitchFamily="34" charset="0"/>
+                          <a:cs typeface="Arial" panose="020B0604020202020204" pitchFamily="34" charset="0"/>
+                        </a:rPr>
+                        <a:t>3</a:t>
+                      </a:r>
+                      <a:endParaRPr lang="pt-BR" sz="1100" b="0" i="0" u="none" strike="noStrike">
+                        <a:solidFill>
+                          <a:srgbClr val="000000"/>
+                        </a:solidFill>
+                        <a:effectLst/>
+                        <a:latin typeface="Arial" panose="020B0604020202020204" pitchFamily="34" charset="0"/>
+                        <a:cs typeface="Arial" panose="020B0604020202020204" pitchFamily="34" charset="0"/>
+                      </a:endParaRPr>
+                    </a:p>
+                  </a:txBody>
+                  <a:tcPr marL="6650" marR="6650" marT="6650" marB="0" anchor="ctr"/>
+                </a:tc>
+                <a:tc>
+                  <a:txBody>
+                    <a:bodyPr/>
+                    <a:lstStyle/>
+                    <a:p>
+                      <a:pPr algn="ctr" fontAlgn="b"/>
+                      <a:r>
+                        <a:rPr lang="pt-BR" sz="1100" u="none" strike="noStrike" dirty="0">
+                          <a:effectLst/>
+                          <a:latin typeface="Arial" panose="020B0604020202020204" pitchFamily="34" charset="0"/>
+                          <a:cs typeface="Arial" panose="020B0604020202020204" pitchFamily="34" charset="0"/>
+                        </a:rPr>
+                        <a:t>mitigar</a:t>
+                      </a:r>
+                      <a:endParaRPr lang="pt-BR" sz="1100" b="0" i="0" u="none" strike="noStrike" dirty="0">
+                        <a:solidFill>
+                          <a:srgbClr val="000000"/>
+                        </a:solidFill>
+                        <a:effectLst/>
+                        <a:latin typeface="Arial" panose="020B0604020202020204" pitchFamily="34" charset="0"/>
+                        <a:cs typeface="Arial" panose="020B0604020202020204" pitchFamily="34" charset="0"/>
+                      </a:endParaRPr>
+                    </a:p>
+                  </a:txBody>
+                  <a:tcPr marL="6650" marR="6650" marT="6650" marB="0" anchor="ctr"/>
+                </a:tc>
+                <a:tc>
+                  <a:txBody>
+                    <a:bodyPr/>
+                    <a:lstStyle/>
+                    <a:p>
+                      <a:pPr algn="ctr" fontAlgn="b"/>
+                      <a:r>
+                        <a:rPr lang="pt-BR" sz="1100" u="none" strike="noStrike" dirty="0">
+                          <a:effectLst/>
+                          <a:latin typeface="Arial" panose="020B0604020202020204" pitchFamily="34" charset="0"/>
+                          <a:cs typeface="Arial" panose="020B0604020202020204" pitchFamily="34" charset="0"/>
+                        </a:rPr>
+                        <a:t>Uma vez que todos do grupo estão cientes de todas partes do projeto, uma eventual </a:t>
+                      </a:r>
+                      <a:r>
+                        <a:rPr lang="pt-BR" sz="1100" u="none" strike="noStrike" dirty="0" err="1">
+                          <a:effectLst/>
+                          <a:latin typeface="Arial" panose="020B0604020202020204" pitchFamily="34" charset="0"/>
+                          <a:cs typeface="Arial" panose="020B0604020202020204" pitchFamily="34" charset="0"/>
+                        </a:rPr>
+                        <a:t>saida</a:t>
+                      </a:r>
+                      <a:r>
+                        <a:rPr lang="pt-BR" sz="1100" u="none" strike="noStrike" dirty="0">
+                          <a:effectLst/>
+                          <a:latin typeface="Arial" panose="020B0604020202020204" pitchFamily="34" charset="0"/>
+                          <a:cs typeface="Arial" panose="020B0604020202020204" pitchFamily="34" charset="0"/>
+                        </a:rPr>
+                        <a:t> fará com que seja dividida a parte com os demais.</a:t>
+                      </a:r>
+                      <a:endParaRPr lang="pt-BR" sz="1100" b="0" i="0" u="none" strike="noStrike" dirty="0">
+                        <a:solidFill>
+                          <a:srgbClr val="000000"/>
+                        </a:solidFill>
+                        <a:effectLst/>
+                        <a:latin typeface="Arial" panose="020B0604020202020204" pitchFamily="34" charset="0"/>
+                        <a:cs typeface="Arial" panose="020B0604020202020204" pitchFamily="34" charset="0"/>
+                      </a:endParaRPr>
+                    </a:p>
+                  </a:txBody>
+                  <a:tcPr marL="6650" marR="6650" marT="6650" marB="0" anchor="ctr"/>
+                </a:tc>
+                <a:extLst>
+                  <a:ext uri="{0D108BD9-81ED-4DB2-BD59-A6C34878D82A}">
+                    <a16:rowId xmlns:a16="http://schemas.microsoft.com/office/drawing/2014/main" val="2283914164"/>
+                  </a:ext>
+                </a:extLst>
+              </a:tr>
+              <a:tr h="534804">
+                <a:tc>
+                  <a:txBody>
+                    <a:bodyPr/>
+                    <a:lstStyle/>
+                    <a:p>
+                      <a:pPr algn="ctr" fontAlgn="b"/>
+                      <a:r>
+                        <a:rPr lang="pt-BR" sz="1100" b="1" u="none" strike="noStrike" dirty="0">
+                          <a:effectLst/>
+                          <a:latin typeface="Arial" panose="020B0604020202020204" pitchFamily="34" charset="0"/>
+                          <a:cs typeface="Arial" panose="020B0604020202020204" pitchFamily="34" charset="0"/>
+                        </a:rPr>
+                        <a:t>2</a:t>
+                      </a:r>
+                      <a:endParaRPr lang="pt-BR" sz="1100" b="1" i="0" u="none" strike="noStrike" dirty="0">
+                        <a:solidFill>
+                          <a:srgbClr val="000000"/>
+                        </a:solidFill>
+                        <a:effectLst/>
+                        <a:latin typeface="Arial" panose="020B0604020202020204" pitchFamily="34" charset="0"/>
+                        <a:cs typeface="Arial" panose="020B0604020202020204" pitchFamily="34" charset="0"/>
+                      </a:endParaRPr>
+                    </a:p>
+                  </a:txBody>
+                  <a:tcPr marL="6650" marR="6650" marT="6650" marB="0" anchor="ctr">
+                    <a:solidFill>
+                      <a:srgbClr val="D2DEEF"/>
+                    </a:solidFill>
+                  </a:tcPr>
+                </a:tc>
+                <a:tc>
+                  <a:txBody>
+                    <a:bodyPr/>
+                    <a:lstStyle/>
+                    <a:p>
+                      <a:pPr algn="ctr" fontAlgn="b"/>
+                      <a:r>
+                        <a:rPr lang="pt-BR" sz="1100" u="none" strike="noStrike" dirty="0">
+                          <a:effectLst/>
+                          <a:latin typeface="Arial" panose="020B0604020202020204" pitchFamily="34" charset="0"/>
+                          <a:cs typeface="Arial" panose="020B0604020202020204" pitchFamily="34" charset="0"/>
+                        </a:rPr>
+                        <a:t>Falta de </a:t>
+                      </a:r>
+                      <a:r>
+                        <a:rPr lang="pt-BR" sz="1100" u="none" strike="noStrike" dirty="0" smtClean="0">
+                          <a:effectLst/>
+                          <a:latin typeface="Arial" panose="020B0604020202020204" pitchFamily="34" charset="0"/>
+                          <a:cs typeface="Arial" panose="020B0604020202020204" pitchFamily="34" charset="0"/>
+                        </a:rPr>
+                        <a:t>infraestrutura </a:t>
+                      </a:r>
+                      <a:r>
+                        <a:rPr lang="pt-BR" sz="1100" u="none" strike="noStrike" dirty="0">
+                          <a:effectLst/>
+                          <a:latin typeface="Arial" panose="020B0604020202020204" pitchFamily="34" charset="0"/>
+                          <a:cs typeface="Arial" panose="020B0604020202020204" pitchFamily="34" charset="0"/>
+                        </a:rPr>
+                        <a:t>local</a:t>
+                      </a:r>
+                      <a:endParaRPr lang="pt-BR" sz="1100" b="0" i="0" u="none" strike="noStrike" dirty="0">
+                        <a:solidFill>
+                          <a:srgbClr val="000000"/>
+                        </a:solidFill>
+                        <a:effectLst/>
+                        <a:latin typeface="Arial" panose="020B0604020202020204" pitchFamily="34" charset="0"/>
+                        <a:cs typeface="Arial" panose="020B0604020202020204" pitchFamily="34" charset="0"/>
+                      </a:endParaRPr>
+                    </a:p>
+                  </a:txBody>
+                  <a:tcPr marL="6650" marR="6650" marT="6650" marB="0" anchor="ctr">
+                    <a:solidFill>
+                      <a:srgbClr val="D2DEEF"/>
+                    </a:solidFill>
+                  </a:tcPr>
+                </a:tc>
+                <a:tc>
+                  <a:txBody>
+                    <a:bodyPr/>
+                    <a:lstStyle/>
+                    <a:p>
+                      <a:pPr algn="ctr" fontAlgn="b"/>
+                      <a:r>
+                        <a:rPr lang="pt-BR" sz="1100" u="none" strike="noStrike" dirty="0">
+                          <a:effectLst/>
+                          <a:latin typeface="Arial" panose="020B0604020202020204" pitchFamily="34" charset="0"/>
+                          <a:cs typeface="Arial" panose="020B0604020202020204" pitchFamily="34" charset="0"/>
+                        </a:rPr>
+                        <a:t>2</a:t>
+                      </a:r>
+                      <a:endParaRPr lang="pt-BR" sz="1100" b="0" i="0" u="none" strike="noStrike" dirty="0">
+                        <a:solidFill>
+                          <a:srgbClr val="000000"/>
+                        </a:solidFill>
+                        <a:effectLst/>
+                        <a:latin typeface="Arial" panose="020B0604020202020204" pitchFamily="34" charset="0"/>
+                        <a:cs typeface="Arial" panose="020B0604020202020204" pitchFamily="34" charset="0"/>
+                      </a:endParaRPr>
+                    </a:p>
+                  </a:txBody>
+                  <a:tcPr marL="6650" marR="6650" marT="6650" marB="0" anchor="ctr">
+                    <a:solidFill>
+                      <a:srgbClr val="D2DEEF"/>
+                    </a:solidFill>
+                  </a:tcPr>
+                </a:tc>
+                <a:tc>
+                  <a:txBody>
+                    <a:bodyPr/>
+                    <a:lstStyle/>
+                    <a:p>
+                      <a:pPr algn="ctr" fontAlgn="b"/>
+                      <a:r>
+                        <a:rPr lang="pt-BR" sz="1100" u="none" strike="noStrike" dirty="0">
+                          <a:effectLst/>
+                          <a:latin typeface="Arial" panose="020B0604020202020204" pitchFamily="34" charset="0"/>
+                          <a:cs typeface="Arial" panose="020B0604020202020204" pitchFamily="34" charset="0"/>
+                        </a:rPr>
+                        <a:t>2</a:t>
+                      </a:r>
+                      <a:endParaRPr lang="pt-BR" sz="1100" b="0" i="0" u="none" strike="noStrike" dirty="0">
+                        <a:solidFill>
+                          <a:srgbClr val="000000"/>
+                        </a:solidFill>
+                        <a:effectLst/>
+                        <a:latin typeface="Arial" panose="020B0604020202020204" pitchFamily="34" charset="0"/>
+                        <a:cs typeface="Arial" panose="020B0604020202020204" pitchFamily="34" charset="0"/>
+                      </a:endParaRPr>
+                    </a:p>
+                  </a:txBody>
+                  <a:tcPr marL="6650" marR="6650" marT="6650" marB="0" anchor="ctr">
+                    <a:solidFill>
+                      <a:srgbClr val="D2DEEF"/>
+                    </a:solidFill>
+                  </a:tcPr>
+                </a:tc>
+                <a:tc>
+                  <a:txBody>
+                    <a:bodyPr/>
+                    <a:lstStyle/>
+                    <a:p>
+                      <a:pPr algn="ctr" fontAlgn="b"/>
+                      <a:r>
+                        <a:rPr lang="pt-BR" sz="1100" u="none" strike="noStrike" dirty="0">
+                          <a:effectLst/>
+                          <a:latin typeface="Arial" panose="020B0604020202020204" pitchFamily="34" charset="0"/>
+                          <a:cs typeface="Arial" panose="020B0604020202020204" pitchFamily="34" charset="0"/>
+                        </a:rPr>
+                        <a:t>4</a:t>
+                      </a:r>
+                      <a:endParaRPr lang="pt-BR" sz="1100" b="0" i="0" u="none" strike="noStrike" dirty="0">
+                        <a:solidFill>
+                          <a:srgbClr val="000000"/>
+                        </a:solidFill>
+                        <a:effectLst/>
+                        <a:latin typeface="Arial" panose="020B0604020202020204" pitchFamily="34" charset="0"/>
+                        <a:cs typeface="Arial" panose="020B0604020202020204" pitchFamily="34" charset="0"/>
+                      </a:endParaRPr>
+                    </a:p>
+                  </a:txBody>
+                  <a:tcPr marL="6650" marR="6650" marT="6650" marB="0" anchor="ctr">
+                    <a:solidFill>
+                      <a:srgbClr val="D2DEEF"/>
+                    </a:solidFill>
+                  </a:tcPr>
+                </a:tc>
+                <a:tc>
+                  <a:txBody>
+                    <a:bodyPr/>
+                    <a:lstStyle/>
+                    <a:p>
+                      <a:pPr algn="ctr" fontAlgn="b"/>
+                      <a:r>
+                        <a:rPr lang="pt-BR" sz="1100" u="none" strike="noStrike" dirty="0">
+                          <a:effectLst/>
+                          <a:latin typeface="Arial" panose="020B0604020202020204" pitchFamily="34" charset="0"/>
+                          <a:cs typeface="Arial" panose="020B0604020202020204" pitchFamily="34" charset="0"/>
+                        </a:rPr>
+                        <a:t>mitigar</a:t>
+                      </a:r>
+                      <a:endParaRPr lang="pt-BR" sz="1100" b="0" i="0" u="none" strike="noStrike" dirty="0">
+                        <a:solidFill>
+                          <a:srgbClr val="000000"/>
+                        </a:solidFill>
+                        <a:effectLst/>
+                        <a:latin typeface="Arial" panose="020B0604020202020204" pitchFamily="34" charset="0"/>
+                        <a:cs typeface="Arial" panose="020B0604020202020204" pitchFamily="34" charset="0"/>
+                      </a:endParaRPr>
+                    </a:p>
+                  </a:txBody>
+                  <a:tcPr marL="6650" marR="6650" marT="6650" marB="0" anchor="ctr">
+                    <a:solidFill>
+                      <a:srgbClr val="D2DEEF"/>
+                    </a:solidFill>
+                  </a:tcPr>
+                </a:tc>
+                <a:tc>
+                  <a:txBody>
+                    <a:bodyPr/>
+                    <a:lstStyle/>
+                    <a:p>
+                      <a:pPr algn="ctr" fontAlgn="b"/>
+                      <a:r>
+                        <a:rPr lang="pt-BR" sz="1100" u="none" strike="noStrike" dirty="0">
+                          <a:effectLst/>
+                          <a:latin typeface="Arial" panose="020B0604020202020204" pitchFamily="34" charset="0"/>
+                          <a:cs typeface="Arial" panose="020B0604020202020204" pitchFamily="34" charset="0"/>
+                        </a:rPr>
+                        <a:t>Buscar </a:t>
+                      </a:r>
+                      <a:r>
+                        <a:rPr lang="pt-BR" sz="1100" u="none" strike="noStrike" dirty="0" err="1">
+                          <a:effectLst/>
+                          <a:latin typeface="Arial" panose="020B0604020202020204" pitchFamily="34" charset="0"/>
+                          <a:cs typeface="Arial" panose="020B0604020202020204" pitchFamily="34" charset="0"/>
+                        </a:rPr>
+                        <a:t>materias</a:t>
+                      </a:r>
+                      <a:r>
+                        <a:rPr lang="pt-BR" sz="1100" u="none" strike="noStrike" dirty="0">
+                          <a:effectLst/>
+                          <a:latin typeface="Arial" panose="020B0604020202020204" pitchFamily="34" charset="0"/>
+                          <a:cs typeface="Arial" panose="020B0604020202020204" pitchFamily="34" charset="0"/>
+                        </a:rPr>
+                        <a:t> ou Locais apropriados temporariamente para o desenvolvimento do projeto</a:t>
+                      </a:r>
+                      <a:endParaRPr lang="pt-BR" sz="1100" b="0" i="0" u="none" strike="noStrike" dirty="0">
+                        <a:solidFill>
+                          <a:srgbClr val="000000"/>
+                        </a:solidFill>
+                        <a:effectLst/>
+                        <a:latin typeface="Arial" panose="020B0604020202020204" pitchFamily="34" charset="0"/>
+                        <a:cs typeface="Arial" panose="020B0604020202020204" pitchFamily="34" charset="0"/>
+                      </a:endParaRPr>
+                    </a:p>
+                  </a:txBody>
+                  <a:tcPr marL="6650" marR="6650" marT="6650" marB="0" anchor="ctr">
+                    <a:solidFill>
+                      <a:srgbClr val="D2DEEF"/>
+                    </a:solidFill>
+                  </a:tcPr>
+                </a:tc>
+                <a:extLst>
+                  <a:ext uri="{0D108BD9-81ED-4DB2-BD59-A6C34878D82A}">
+                    <a16:rowId xmlns:a16="http://schemas.microsoft.com/office/drawing/2014/main" val="3390523295"/>
+                  </a:ext>
+                </a:extLst>
+              </a:tr>
+              <a:tr h="534804">
+                <a:tc>
+                  <a:txBody>
+                    <a:bodyPr/>
+                    <a:lstStyle/>
+                    <a:p>
+                      <a:pPr algn="ctr" fontAlgn="b"/>
+                      <a:r>
+                        <a:rPr lang="pt-BR" sz="1100" b="1" u="none" strike="noStrike" dirty="0">
+                          <a:effectLst/>
+                          <a:latin typeface="Arial" panose="020B0604020202020204" pitchFamily="34" charset="0"/>
+                          <a:cs typeface="Arial" panose="020B0604020202020204" pitchFamily="34" charset="0"/>
+                        </a:rPr>
+                        <a:t>3</a:t>
+                      </a:r>
+                      <a:endParaRPr lang="pt-BR" sz="1100" b="1" i="0" u="none" strike="noStrike" dirty="0">
+                        <a:solidFill>
+                          <a:srgbClr val="000000"/>
+                        </a:solidFill>
+                        <a:effectLst/>
+                        <a:latin typeface="Arial" panose="020B0604020202020204" pitchFamily="34" charset="0"/>
+                        <a:cs typeface="Arial" panose="020B0604020202020204" pitchFamily="34" charset="0"/>
+                      </a:endParaRPr>
+                    </a:p>
+                  </a:txBody>
+                  <a:tcPr marL="6650" marR="6650" marT="6650" marB="0" anchor="ctr"/>
+                </a:tc>
+                <a:tc>
+                  <a:txBody>
+                    <a:bodyPr/>
+                    <a:lstStyle/>
+                    <a:p>
+                      <a:pPr algn="ctr" fontAlgn="b"/>
+                      <a:r>
+                        <a:rPr lang="pt-BR" sz="1100" u="none" strike="noStrike" dirty="0">
+                          <a:effectLst/>
+                          <a:latin typeface="Arial" panose="020B0604020202020204" pitchFamily="34" charset="0"/>
+                          <a:cs typeface="Arial" panose="020B0604020202020204" pitchFamily="34" charset="0"/>
+                        </a:rPr>
+                        <a:t>Falta de comunicação entre o grupo</a:t>
+                      </a:r>
+                      <a:endParaRPr lang="pt-BR" sz="1100" b="0" i="0" u="none" strike="noStrike" dirty="0">
+                        <a:solidFill>
+                          <a:srgbClr val="000000"/>
+                        </a:solidFill>
+                        <a:effectLst/>
+                        <a:latin typeface="Arial" panose="020B0604020202020204" pitchFamily="34" charset="0"/>
+                        <a:cs typeface="Arial" panose="020B0604020202020204" pitchFamily="34" charset="0"/>
+                      </a:endParaRPr>
+                    </a:p>
+                  </a:txBody>
+                  <a:tcPr marL="6650" marR="6650" marT="6650" marB="0" anchor="ctr"/>
+                </a:tc>
+                <a:tc>
+                  <a:txBody>
+                    <a:bodyPr/>
+                    <a:lstStyle/>
+                    <a:p>
+                      <a:pPr algn="ctr" fontAlgn="b"/>
+                      <a:r>
+                        <a:rPr lang="pt-BR" sz="1100" u="none" strike="noStrike">
+                          <a:effectLst/>
+                          <a:latin typeface="Arial" panose="020B0604020202020204" pitchFamily="34" charset="0"/>
+                          <a:cs typeface="Arial" panose="020B0604020202020204" pitchFamily="34" charset="0"/>
+                        </a:rPr>
+                        <a:t>2</a:t>
+                      </a:r>
+                      <a:endParaRPr lang="pt-BR" sz="1100" b="0" i="0" u="none" strike="noStrike">
+                        <a:solidFill>
+                          <a:srgbClr val="000000"/>
+                        </a:solidFill>
+                        <a:effectLst/>
+                        <a:latin typeface="Arial" panose="020B0604020202020204" pitchFamily="34" charset="0"/>
+                        <a:cs typeface="Arial" panose="020B0604020202020204" pitchFamily="34" charset="0"/>
+                      </a:endParaRPr>
+                    </a:p>
+                  </a:txBody>
+                  <a:tcPr marL="6650" marR="6650" marT="6650" marB="0" anchor="ctr"/>
+                </a:tc>
+                <a:tc>
+                  <a:txBody>
+                    <a:bodyPr/>
+                    <a:lstStyle/>
+                    <a:p>
+                      <a:pPr algn="ctr" fontAlgn="b"/>
+                      <a:r>
+                        <a:rPr lang="pt-BR" sz="1100" u="none" strike="noStrike">
+                          <a:effectLst/>
+                          <a:latin typeface="Arial" panose="020B0604020202020204" pitchFamily="34" charset="0"/>
+                          <a:cs typeface="Arial" panose="020B0604020202020204" pitchFamily="34" charset="0"/>
+                        </a:rPr>
+                        <a:t>3</a:t>
+                      </a:r>
+                      <a:endParaRPr lang="pt-BR" sz="1100" b="0" i="0" u="none" strike="noStrike">
+                        <a:solidFill>
+                          <a:srgbClr val="000000"/>
+                        </a:solidFill>
+                        <a:effectLst/>
+                        <a:latin typeface="Arial" panose="020B0604020202020204" pitchFamily="34" charset="0"/>
+                        <a:cs typeface="Arial" panose="020B0604020202020204" pitchFamily="34" charset="0"/>
+                      </a:endParaRPr>
+                    </a:p>
+                  </a:txBody>
+                  <a:tcPr marL="6650" marR="6650" marT="6650" marB="0" anchor="ctr"/>
+                </a:tc>
+                <a:tc>
+                  <a:txBody>
+                    <a:bodyPr/>
+                    <a:lstStyle/>
+                    <a:p>
+                      <a:pPr algn="ctr" fontAlgn="b"/>
+                      <a:r>
+                        <a:rPr lang="pt-BR" sz="1100" u="none" strike="noStrike">
+                          <a:effectLst/>
+                          <a:latin typeface="Arial" panose="020B0604020202020204" pitchFamily="34" charset="0"/>
+                          <a:cs typeface="Arial" panose="020B0604020202020204" pitchFamily="34" charset="0"/>
+                        </a:rPr>
+                        <a:t>6</a:t>
+                      </a:r>
+                      <a:endParaRPr lang="pt-BR" sz="1100" b="0" i="0" u="none" strike="noStrike">
+                        <a:solidFill>
+                          <a:srgbClr val="000000"/>
+                        </a:solidFill>
+                        <a:effectLst/>
+                        <a:latin typeface="Arial" panose="020B0604020202020204" pitchFamily="34" charset="0"/>
+                        <a:cs typeface="Arial" panose="020B0604020202020204" pitchFamily="34" charset="0"/>
+                      </a:endParaRPr>
+                    </a:p>
+                  </a:txBody>
+                  <a:tcPr marL="6650" marR="6650" marT="6650" marB="0" anchor="ctr"/>
+                </a:tc>
+                <a:tc>
+                  <a:txBody>
+                    <a:bodyPr/>
+                    <a:lstStyle/>
+                    <a:p>
+                      <a:pPr algn="ctr" fontAlgn="b"/>
+                      <a:r>
+                        <a:rPr lang="pt-BR" sz="1100" u="none" strike="noStrike" dirty="0">
+                          <a:effectLst/>
+                          <a:latin typeface="Arial" panose="020B0604020202020204" pitchFamily="34" charset="0"/>
+                          <a:cs typeface="Arial" panose="020B0604020202020204" pitchFamily="34" charset="0"/>
+                        </a:rPr>
+                        <a:t>evitar</a:t>
+                      </a:r>
+                      <a:endParaRPr lang="pt-BR" sz="1100" b="0" i="0" u="none" strike="noStrike" dirty="0">
+                        <a:solidFill>
+                          <a:srgbClr val="000000"/>
+                        </a:solidFill>
+                        <a:effectLst/>
+                        <a:latin typeface="Arial" panose="020B0604020202020204" pitchFamily="34" charset="0"/>
+                        <a:cs typeface="Arial" panose="020B0604020202020204" pitchFamily="34" charset="0"/>
+                      </a:endParaRPr>
+                    </a:p>
+                  </a:txBody>
+                  <a:tcPr marL="6650" marR="6650" marT="6650" marB="0" anchor="ctr"/>
+                </a:tc>
+                <a:tc>
+                  <a:txBody>
+                    <a:bodyPr/>
+                    <a:lstStyle/>
+                    <a:p>
+                      <a:pPr algn="ctr" fontAlgn="b"/>
+                      <a:r>
+                        <a:rPr lang="pt-BR" sz="1100" u="none" strike="noStrike" dirty="0">
+                          <a:effectLst/>
+                          <a:latin typeface="Arial" panose="020B0604020202020204" pitchFamily="34" charset="0"/>
+                          <a:cs typeface="Arial" panose="020B0604020202020204" pitchFamily="34" charset="0"/>
+                        </a:rPr>
+                        <a:t>Buscar manter uma comunicação </a:t>
+                      </a:r>
+                      <a:r>
+                        <a:rPr lang="pt-BR" sz="1100" u="none" strike="noStrike" dirty="0" err="1">
+                          <a:effectLst/>
+                          <a:latin typeface="Arial" panose="020B0604020202020204" pitchFamily="34" charset="0"/>
+                          <a:cs typeface="Arial" panose="020B0604020202020204" pitchFamily="34" charset="0"/>
+                        </a:rPr>
+                        <a:t>diaria</a:t>
+                      </a:r>
+                      <a:r>
+                        <a:rPr lang="pt-BR" sz="1100" u="none" strike="noStrike" dirty="0">
+                          <a:effectLst/>
+                          <a:latin typeface="Arial" panose="020B0604020202020204" pitchFamily="34" charset="0"/>
+                          <a:cs typeface="Arial" panose="020B0604020202020204" pitchFamily="34" charset="0"/>
+                        </a:rPr>
+                        <a:t> por meio de pequenas reuniões </a:t>
+                      </a:r>
+                      <a:endParaRPr lang="pt-BR" sz="1100" b="0" i="0" u="none" strike="noStrike" dirty="0">
+                        <a:solidFill>
+                          <a:srgbClr val="000000"/>
+                        </a:solidFill>
+                        <a:effectLst/>
+                        <a:latin typeface="Arial" panose="020B0604020202020204" pitchFamily="34" charset="0"/>
+                        <a:cs typeface="Arial" panose="020B0604020202020204" pitchFamily="34" charset="0"/>
+                      </a:endParaRPr>
+                    </a:p>
+                  </a:txBody>
+                  <a:tcPr marL="6650" marR="6650" marT="6650" marB="0" anchor="ctr"/>
+                </a:tc>
+                <a:extLst>
+                  <a:ext uri="{0D108BD9-81ED-4DB2-BD59-A6C34878D82A}">
+                    <a16:rowId xmlns:a16="http://schemas.microsoft.com/office/drawing/2014/main" val="93156557"/>
+                  </a:ext>
+                </a:extLst>
+              </a:tr>
+              <a:tr h="534804">
+                <a:tc>
+                  <a:txBody>
+                    <a:bodyPr/>
+                    <a:lstStyle/>
+                    <a:p>
+                      <a:pPr algn="ctr" fontAlgn="b"/>
+                      <a:r>
+                        <a:rPr lang="pt-BR" sz="1100" b="1" u="none" strike="noStrike" dirty="0">
+                          <a:effectLst/>
+                          <a:latin typeface="Arial" panose="020B0604020202020204" pitchFamily="34" charset="0"/>
+                          <a:cs typeface="Arial" panose="020B0604020202020204" pitchFamily="34" charset="0"/>
+                        </a:rPr>
+                        <a:t>4</a:t>
+                      </a:r>
+                      <a:endParaRPr lang="pt-BR" sz="1100" b="1" i="0" u="none" strike="noStrike" dirty="0">
+                        <a:solidFill>
+                          <a:srgbClr val="000000"/>
+                        </a:solidFill>
+                        <a:effectLst/>
+                        <a:latin typeface="Arial" panose="020B0604020202020204" pitchFamily="34" charset="0"/>
+                        <a:cs typeface="Arial" panose="020B0604020202020204" pitchFamily="34" charset="0"/>
+                      </a:endParaRPr>
+                    </a:p>
+                  </a:txBody>
+                  <a:tcPr marL="6650" marR="6650" marT="6650" marB="0" anchor="ctr">
+                    <a:solidFill>
+                      <a:srgbClr val="D2DEEF"/>
+                    </a:solidFill>
+                  </a:tcPr>
+                </a:tc>
+                <a:tc>
+                  <a:txBody>
+                    <a:bodyPr/>
+                    <a:lstStyle/>
+                    <a:p>
+                      <a:pPr algn="ctr" fontAlgn="b"/>
+                      <a:r>
+                        <a:rPr lang="pt-BR" sz="1100" u="none" strike="noStrike" dirty="0" smtClean="0">
+                          <a:effectLst/>
+                          <a:latin typeface="Arial" panose="020B0604020202020204" pitchFamily="34" charset="0"/>
+                          <a:cs typeface="Arial" panose="020B0604020202020204" pitchFamily="34" charset="0"/>
+                        </a:rPr>
+                        <a:t>Desrespeito </a:t>
+                      </a:r>
+                      <a:r>
+                        <a:rPr lang="pt-BR" sz="1100" u="none" strike="noStrike" dirty="0">
+                          <a:effectLst/>
+                          <a:latin typeface="Arial" panose="020B0604020202020204" pitchFamily="34" charset="0"/>
+                          <a:cs typeface="Arial" panose="020B0604020202020204" pitchFamily="34" charset="0"/>
+                        </a:rPr>
+                        <a:t>e discussões  no grupo</a:t>
+                      </a:r>
+                      <a:endParaRPr lang="pt-BR" sz="1100" b="0" i="0" u="none" strike="noStrike" dirty="0">
+                        <a:solidFill>
+                          <a:srgbClr val="000000"/>
+                        </a:solidFill>
+                        <a:effectLst/>
+                        <a:latin typeface="Arial" panose="020B0604020202020204" pitchFamily="34" charset="0"/>
+                        <a:cs typeface="Arial" panose="020B0604020202020204" pitchFamily="34" charset="0"/>
+                      </a:endParaRPr>
+                    </a:p>
+                  </a:txBody>
+                  <a:tcPr marL="6650" marR="6650" marT="6650" marB="0" anchor="ctr">
+                    <a:solidFill>
+                      <a:srgbClr val="D2DEEF"/>
+                    </a:solidFill>
+                  </a:tcPr>
+                </a:tc>
+                <a:tc>
+                  <a:txBody>
+                    <a:bodyPr/>
+                    <a:lstStyle/>
+                    <a:p>
+                      <a:pPr algn="ctr" fontAlgn="b"/>
+                      <a:r>
+                        <a:rPr lang="pt-BR" sz="1100" u="none" strike="noStrike" dirty="0">
+                          <a:effectLst/>
+                          <a:latin typeface="Arial" panose="020B0604020202020204" pitchFamily="34" charset="0"/>
+                          <a:cs typeface="Arial" panose="020B0604020202020204" pitchFamily="34" charset="0"/>
+                        </a:rPr>
+                        <a:t>1</a:t>
+                      </a:r>
+                      <a:endParaRPr lang="pt-BR" sz="1100" b="0" i="0" u="none" strike="noStrike" dirty="0">
+                        <a:solidFill>
+                          <a:srgbClr val="000000"/>
+                        </a:solidFill>
+                        <a:effectLst/>
+                        <a:latin typeface="Arial" panose="020B0604020202020204" pitchFamily="34" charset="0"/>
+                        <a:cs typeface="Arial" panose="020B0604020202020204" pitchFamily="34" charset="0"/>
+                      </a:endParaRPr>
+                    </a:p>
+                  </a:txBody>
+                  <a:tcPr marL="6650" marR="6650" marT="6650" marB="0" anchor="ctr">
+                    <a:solidFill>
+                      <a:srgbClr val="D2DEEF"/>
+                    </a:solidFill>
+                  </a:tcPr>
+                </a:tc>
+                <a:tc>
+                  <a:txBody>
+                    <a:bodyPr/>
+                    <a:lstStyle/>
+                    <a:p>
+                      <a:pPr algn="ctr" fontAlgn="b"/>
+                      <a:r>
+                        <a:rPr lang="pt-BR" sz="1100" u="none" strike="noStrike" dirty="0">
+                          <a:effectLst/>
+                          <a:latin typeface="Arial" panose="020B0604020202020204" pitchFamily="34" charset="0"/>
+                          <a:cs typeface="Arial" panose="020B0604020202020204" pitchFamily="34" charset="0"/>
+                        </a:rPr>
+                        <a:t>3</a:t>
+                      </a:r>
+                      <a:endParaRPr lang="pt-BR" sz="1100" b="0" i="0" u="none" strike="noStrike" dirty="0">
+                        <a:solidFill>
+                          <a:srgbClr val="000000"/>
+                        </a:solidFill>
+                        <a:effectLst/>
+                        <a:latin typeface="Arial" panose="020B0604020202020204" pitchFamily="34" charset="0"/>
+                        <a:cs typeface="Arial" panose="020B0604020202020204" pitchFamily="34" charset="0"/>
+                      </a:endParaRPr>
+                    </a:p>
+                  </a:txBody>
+                  <a:tcPr marL="6650" marR="6650" marT="6650" marB="0" anchor="ctr">
+                    <a:solidFill>
+                      <a:srgbClr val="D2DEEF"/>
+                    </a:solidFill>
+                  </a:tcPr>
+                </a:tc>
+                <a:tc>
+                  <a:txBody>
+                    <a:bodyPr/>
+                    <a:lstStyle/>
+                    <a:p>
+                      <a:pPr algn="ctr" fontAlgn="b"/>
+                      <a:r>
+                        <a:rPr lang="pt-BR" sz="1100" u="none" strike="noStrike" dirty="0">
+                          <a:effectLst/>
+                          <a:latin typeface="Arial" panose="020B0604020202020204" pitchFamily="34" charset="0"/>
+                          <a:cs typeface="Arial" panose="020B0604020202020204" pitchFamily="34" charset="0"/>
+                        </a:rPr>
+                        <a:t>3</a:t>
+                      </a:r>
+                      <a:endParaRPr lang="pt-BR" sz="1100" b="0" i="0" u="none" strike="noStrike" dirty="0">
+                        <a:solidFill>
+                          <a:srgbClr val="000000"/>
+                        </a:solidFill>
+                        <a:effectLst/>
+                        <a:latin typeface="Arial" panose="020B0604020202020204" pitchFamily="34" charset="0"/>
+                        <a:cs typeface="Arial" panose="020B0604020202020204" pitchFamily="34" charset="0"/>
+                      </a:endParaRPr>
+                    </a:p>
+                  </a:txBody>
+                  <a:tcPr marL="6650" marR="6650" marT="6650" marB="0" anchor="ctr">
+                    <a:solidFill>
+                      <a:srgbClr val="D2DEEF"/>
+                    </a:solidFill>
+                  </a:tcPr>
+                </a:tc>
+                <a:tc>
+                  <a:txBody>
+                    <a:bodyPr/>
+                    <a:lstStyle/>
+                    <a:p>
+                      <a:pPr algn="ctr" fontAlgn="b"/>
+                      <a:r>
+                        <a:rPr lang="pt-BR" sz="1100" u="none" strike="noStrike" dirty="0">
+                          <a:effectLst/>
+                          <a:latin typeface="Arial" panose="020B0604020202020204" pitchFamily="34" charset="0"/>
+                          <a:cs typeface="Arial" panose="020B0604020202020204" pitchFamily="34" charset="0"/>
+                        </a:rPr>
+                        <a:t>evitar</a:t>
+                      </a:r>
+                      <a:endParaRPr lang="pt-BR" sz="1100" b="0" i="0" u="none" strike="noStrike" dirty="0">
+                        <a:solidFill>
+                          <a:srgbClr val="000000"/>
+                        </a:solidFill>
+                        <a:effectLst/>
+                        <a:latin typeface="Arial" panose="020B0604020202020204" pitchFamily="34" charset="0"/>
+                        <a:cs typeface="Arial" panose="020B0604020202020204" pitchFamily="34" charset="0"/>
+                      </a:endParaRPr>
+                    </a:p>
+                  </a:txBody>
+                  <a:tcPr marL="6650" marR="6650" marT="6650" marB="0" anchor="ctr">
+                    <a:solidFill>
+                      <a:srgbClr val="D2DEEF"/>
+                    </a:solidFill>
+                  </a:tcPr>
+                </a:tc>
+                <a:tc>
+                  <a:txBody>
+                    <a:bodyPr/>
+                    <a:lstStyle/>
+                    <a:p>
+                      <a:pPr algn="ctr" fontAlgn="b"/>
+                      <a:r>
+                        <a:rPr lang="pt-BR" sz="1100" u="none" strike="noStrike" dirty="0">
+                          <a:effectLst/>
+                          <a:latin typeface="Arial" panose="020B0604020202020204" pitchFamily="34" charset="0"/>
+                          <a:cs typeface="Arial" panose="020B0604020202020204" pitchFamily="34" charset="0"/>
+                        </a:rPr>
+                        <a:t>Um mediador, um </a:t>
+                      </a:r>
+                      <a:r>
+                        <a:rPr lang="pt-BR" sz="1100" u="none" strike="noStrike" dirty="0" err="1">
+                          <a:effectLst/>
+                          <a:latin typeface="Arial" panose="020B0604020202020204" pitchFamily="34" charset="0"/>
+                          <a:cs typeface="Arial" panose="020B0604020202020204" pitchFamily="34" charset="0"/>
+                        </a:rPr>
+                        <a:t>lider</a:t>
+                      </a:r>
+                      <a:r>
+                        <a:rPr lang="pt-BR" sz="1100" u="none" strike="noStrike" dirty="0">
+                          <a:effectLst/>
+                          <a:latin typeface="Arial" panose="020B0604020202020204" pitchFamily="34" charset="0"/>
+                          <a:cs typeface="Arial" panose="020B0604020202020204" pitchFamily="34" charset="0"/>
+                        </a:rPr>
+                        <a:t> o qual possa </a:t>
+                      </a:r>
+                      <a:r>
+                        <a:rPr lang="pt-BR" sz="1100" u="none" strike="noStrike" dirty="0" err="1">
+                          <a:effectLst/>
+                          <a:latin typeface="Arial" panose="020B0604020202020204" pitchFamily="34" charset="0"/>
+                          <a:cs typeface="Arial" panose="020B0604020202020204" pitchFamily="34" charset="0"/>
+                        </a:rPr>
+                        <a:t>apasiguar</a:t>
+                      </a:r>
+                      <a:r>
+                        <a:rPr lang="pt-BR" sz="1100" u="none" strike="noStrike" dirty="0">
+                          <a:effectLst/>
+                          <a:latin typeface="Arial" panose="020B0604020202020204" pitchFamily="34" charset="0"/>
+                          <a:cs typeface="Arial" panose="020B0604020202020204" pitchFamily="34" charset="0"/>
+                        </a:rPr>
+                        <a:t> a situações mais complicadas para que todos cheguem num consenso comum</a:t>
+                      </a:r>
+                      <a:endParaRPr lang="pt-BR" sz="1100" b="0" i="0" u="none" strike="noStrike" dirty="0">
+                        <a:solidFill>
+                          <a:srgbClr val="000000"/>
+                        </a:solidFill>
+                        <a:effectLst/>
+                        <a:latin typeface="Arial" panose="020B0604020202020204" pitchFamily="34" charset="0"/>
+                        <a:cs typeface="Arial" panose="020B0604020202020204" pitchFamily="34" charset="0"/>
+                      </a:endParaRPr>
+                    </a:p>
+                  </a:txBody>
+                  <a:tcPr marL="6650" marR="6650" marT="6650" marB="0" anchor="ctr">
+                    <a:solidFill>
+                      <a:srgbClr val="D2DEEF"/>
+                    </a:solidFill>
+                  </a:tcPr>
+                </a:tc>
+                <a:extLst>
+                  <a:ext uri="{0D108BD9-81ED-4DB2-BD59-A6C34878D82A}">
+                    <a16:rowId xmlns:a16="http://schemas.microsoft.com/office/drawing/2014/main" val="2730572991"/>
+                  </a:ext>
+                </a:extLst>
+              </a:tr>
+              <a:tr h="534804">
+                <a:tc>
+                  <a:txBody>
+                    <a:bodyPr/>
+                    <a:lstStyle/>
+                    <a:p>
+                      <a:pPr algn="ctr" fontAlgn="b"/>
+                      <a:r>
+                        <a:rPr lang="pt-BR" sz="1100" b="1" u="none" strike="noStrike" dirty="0">
+                          <a:effectLst/>
+                          <a:latin typeface="Arial" panose="020B0604020202020204" pitchFamily="34" charset="0"/>
+                          <a:cs typeface="Arial" panose="020B0604020202020204" pitchFamily="34" charset="0"/>
+                        </a:rPr>
+                        <a:t>5</a:t>
+                      </a:r>
+                      <a:endParaRPr lang="pt-BR" sz="1100" b="1" i="0" u="none" strike="noStrike" dirty="0">
+                        <a:solidFill>
+                          <a:srgbClr val="000000"/>
+                        </a:solidFill>
+                        <a:effectLst/>
+                        <a:latin typeface="Arial" panose="020B0604020202020204" pitchFamily="34" charset="0"/>
+                        <a:cs typeface="Arial" panose="020B0604020202020204" pitchFamily="34" charset="0"/>
+                      </a:endParaRPr>
+                    </a:p>
+                  </a:txBody>
+                  <a:tcPr marL="6650" marR="6650" marT="6650" marB="0" anchor="ctr"/>
+                </a:tc>
+                <a:tc>
+                  <a:txBody>
+                    <a:bodyPr/>
+                    <a:lstStyle/>
+                    <a:p>
+                      <a:pPr algn="ctr" fontAlgn="b"/>
+                      <a:r>
+                        <a:rPr lang="pt-BR" sz="1100" u="none" strike="noStrike" dirty="0">
+                          <a:effectLst/>
+                          <a:latin typeface="Arial" panose="020B0604020202020204" pitchFamily="34" charset="0"/>
+                          <a:cs typeface="Arial" panose="020B0604020202020204" pitchFamily="34" charset="0"/>
+                        </a:rPr>
+                        <a:t>Falta de responsabilidade com as entregas</a:t>
+                      </a:r>
+                      <a:endParaRPr lang="pt-BR" sz="1100" b="0" i="0" u="none" strike="noStrike" dirty="0">
+                        <a:solidFill>
+                          <a:srgbClr val="000000"/>
+                        </a:solidFill>
+                        <a:effectLst/>
+                        <a:latin typeface="Arial" panose="020B0604020202020204" pitchFamily="34" charset="0"/>
+                        <a:cs typeface="Arial" panose="020B0604020202020204" pitchFamily="34" charset="0"/>
+                      </a:endParaRPr>
+                    </a:p>
+                  </a:txBody>
+                  <a:tcPr marL="6650" marR="6650" marT="6650" marB="0" anchor="ctr"/>
+                </a:tc>
+                <a:tc>
+                  <a:txBody>
+                    <a:bodyPr/>
+                    <a:lstStyle/>
+                    <a:p>
+                      <a:pPr algn="ctr" fontAlgn="b"/>
+                      <a:r>
+                        <a:rPr lang="pt-BR" sz="1100" u="none" strike="noStrike">
+                          <a:effectLst/>
+                          <a:latin typeface="Arial" panose="020B0604020202020204" pitchFamily="34" charset="0"/>
+                          <a:cs typeface="Arial" panose="020B0604020202020204" pitchFamily="34" charset="0"/>
+                        </a:rPr>
+                        <a:t>3</a:t>
+                      </a:r>
+                      <a:endParaRPr lang="pt-BR" sz="1100" b="0" i="0" u="none" strike="noStrike">
+                        <a:solidFill>
+                          <a:srgbClr val="000000"/>
+                        </a:solidFill>
+                        <a:effectLst/>
+                        <a:latin typeface="Arial" panose="020B0604020202020204" pitchFamily="34" charset="0"/>
+                        <a:cs typeface="Arial" panose="020B0604020202020204" pitchFamily="34" charset="0"/>
+                      </a:endParaRPr>
+                    </a:p>
+                  </a:txBody>
+                  <a:tcPr marL="6650" marR="6650" marT="6650" marB="0" anchor="ctr"/>
+                </a:tc>
+                <a:tc>
+                  <a:txBody>
+                    <a:bodyPr/>
+                    <a:lstStyle/>
+                    <a:p>
+                      <a:pPr algn="ctr" fontAlgn="b"/>
+                      <a:r>
+                        <a:rPr lang="pt-BR" sz="1100" u="none" strike="noStrike">
+                          <a:effectLst/>
+                          <a:latin typeface="Arial" panose="020B0604020202020204" pitchFamily="34" charset="0"/>
+                          <a:cs typeface="Arial" panose="020B0604020202020204" pitchFamily="34" charset="0"/>
+                        </a:rPr>
+                        <a:t>3</a:t>
+                      </a:r>
+                      <a:endParaRPr lang="pt-BR" sz="1100" b="0" i="0" u="none" strike="noStrike">
+                        <a:solidFill>
+                          <a:srgbClr val="000000"/>
+                        </a:solidFill>
+                        <a:effectLst/>
+                        <a:latin typeface="Arial" panose="020B0604020202020204" pitchFamily="34" charset="0"/>
+                        <a:cs typeface="Arial" panose="020B0604020202020204" pitchFamily="34" charset="0"/>
+                      </a:endParaRPr>
+                    </a:p>
+                  </a:txBody>
+                  <a:tcPr marL="6650" marR="6650" marT="6650" marB="0" anchor="ctr"/>
+                </a:tc>
+                <a:tc>
+                  <a:txBody>
+                    <a:bodyPr/>
+                    <a:lstStyle/>
+                    <a:p>
+                      <a:pPr algn="ctr" fontAlgn="b"/>
+                      <a:r>
+                        <a:rPr lang="pt-BR" sz="1100" u="none" strike="noStrike">
+                          <a:effectLst/>
+                          <a:latin typeface="Arial" panose="020B0604020202020204" pitchFamily="34" charset="0"/>
+                          <a:cs typeface="Arial" panose="020B0604020202020204" pitchFamily="34" charset="0"/>
+                        </a:rPr>
+                        <a:t>9</a:t>
+                      </a:r>
+                      <a:endParaRPr lang="pt-BR" sz="1100" b="0" i="0" u="none" strike="noStrike">
+                        <a:solidFill>
+                          <a:srgbClr val="000000"/>
+                        </a:solidFill>
+                        <a:effectLst/>
+                        <a:latin typeface="Arial" panose="020B0604020202020204" pitchFamily="34" charset="0"/>
+                        <a:cs typeface="Arial" panose="020B0604020202020204" pitchFamily="34" charset="0"/>
+                      </a:endParaRPr>
+                    </a:p>
+                  </a:txBody>
+                  <a:tcPr marL="6650" marR="6650" marT="6650" marB="0" anchor="ctr"/>
+                </a:tc>
+                <a:tc>
+                  <a:txBody>
+                    <a:bodyPr/>
+                    <a:lstStyle/>
+                    <a:p>
+                      <a:pPr algn="ctr" fontAlgn="b"/>
+                      <a:r>
+                        <a:rPr lang="pt-BR" sz="1100" u="none" strike="noStrike" dirty="0">
+                          <a:effectLst/>
+                          <a:latin typeface="Arial" panose="020B0604020202020204" pitchFamily="34" charset="0"/>
+                          <a:cs typeface="Arial" panose="020B0604020202020204" pitchFamily="34" charset="0"/>
+                        </a:rPr>
+                        <a:t>mitigar</a:t>
+                      </a:r>
+                      <a:endParaRPr lang="pt-BR" sz="1100" b="0" i="0" u="none" strike="noStrike" dirty="0">
+                        <a:solidFill>
+                          <a:srgbClr val="000000"/>
+                        </a:solidFill>
+                        <a:effectLst/>
+                        <a:latin typeface="Arial" panose="020B0604020202020204" pitchFamily="34" charset="0"/>
+                        <a:cs typeface="Arial" panose="020B0604020202020204" pitchFamily="34" charset="0"/>
+                      </a:endParaRPr>
+                    </a:p>
+                  </a:txBody>
+                  <a:tcPr marL="6650" marR="6650" marT="6650" marB="0" anchor="ctr"/>
+                </a:tc>
+                <a:tc>
+                  <a:txBody>
+                    <a:bodyPr/>
+                    <a:lstStyle/>
+                    <a:p>
+                      <a:pPr algn="ctr" fontAlgn="b"/>
+                      <a:r>
+                        <a:rPr lang="pt-BR" sz="1100" u="none" strike="noStrike" dirty="0">
+                          <a:effectLst/>
+                          <a:latin typeface="Arial" panose="020B0604020202020204" pitchFamily="34" charset="0"/>
+                          <a:cs typeface="Arial" panose="020B0604020202020204" pitchFamily="34" charset="0"/>
+                        </a:rPr>
+                        <a:t>Cobrar aqueles que estão atrasando nas entregas, e cogitar a ideia se um segundo plano caso não haja uma evidente melhora.</a:t>
+                      </a:r>
+                      <a:endParaRPr lang="pt-BR" sz="1100" b="0" i="0" u="none" strike="noStrike" dirty="0">
+                        <a:solidFill>
+                          <a:srgbClr val="000000"/>
+                        </a:solidFill>
+                        <a:effectLst/>
+                        <a:latin typeface="Arial" panose="020B0604020202020204" pitchFamily="34" charset="0"/>
+                        <a:cs typeface="Arial" panose="020B0604020202020204" pitchFamily="34" charset="0"/>
+                      </a:endParaRPr>
+                    </a:p>
+                  </a:txBody>
+                  <a:tcPr marL="6650" marR="6650" marT="6650" marB="0" anchor="ctr"/>
+                </a:tc>
+                <a:extLst>
+                  <a:ext uri="{0D108BD9-81ED-4DB2-BD59-A6C34878D82A}">
+                    <a16:rowId xmlns:a16="http://schemas.microsoft.com/office/drawing/2014/main" val="2945678963"/>
+                  </a:ext>
+                </a:extLst>
+              </a:tr>
+              <a:tr h="534804">
+                <a:tc>
+                  <a:txBody>
+                    <a:bodyPr/>
+                    <a:lstStyle/>
+                    <a:p>
+                      <a:pPr algn="ctr" fontAlgn="b"/>
+                      <a:r>
+                        <a:rPr lang="pt-BR" sz="1100" b="1" u="none" strike="noStrike" dirty="0">
+                          <a:effectLst/>
+                          <a:latin typeface="Arial" panose="020B0604020202020204" pitchFamily="34" charset="0"/>
+                          <a:cs typeface="Arial" panose="020B0604020202020204" pitchFamily="34" charset="0"/>
+                        </a:rPr>
+                        <a:t>6</a:t>
+                      </a:r>
+                      <a:endParaRPr lang="pt-BR" sz="1100" b="1" i="0" u="none" strike="noStrike" dirty="0">
+                        <a:solidFill>
+                          <a:srgbClr val="000000"/>
+                        </a:solidFill>
+                        <a:effectLst/>
+                        <a:latin typeface="Arial" panose="020B0604020202020204" pitchFamily="34" charset="0"/>
+                        <a:cs typeface="Arial" panose="020B0604020202020204" pitchFamily="34" charset="0"/>
+                      </a:endParaRPr>
+                    </a:p>
+                  </a:txBody>
+                  <a:tcPr marL="6650" marR="6650" marT="6650" marB="0" anchor="ctr">
+                    <a:solidFill>
+                      <a:srgbClr val="D2DEEF"/>
+                    </a:solidFill>
+                  </a:tcPr>
+                </a:tc>
+                <a:tc>
+                  <a:txBody>
+                    <a:bodyPr/>
+                    <a:lstStyle/>
+                    <a:p>
+                      <a:pPr algn="ctr" fontAlgn="b"/>
+                      <a:r>
+                        <a:rPr lang="pt-BR" sz="1100" u="none" strike="noStrike" dirty="0">
+                          <a:effectLst/>
+                          <a:latin typeface="Arial" panose="020B0604020202020204" pitchFamily="34" charset="0"/>
+                          <a:cs typeface="Arial" panose="020B0604020202020204" pitchFamily="34" charset="0"/>
+                        </a:rPr>
+                        <a:t>Um Integrante contrair uma Doença</a:t>
+                      </a:r>
+                      <a:endParaRPr lang="pt-BR" sz="1100" b="0" i="0" u="none" strike="noStrike" dirty="0">
+                        <a:solidFill>
+                          <a:srgbClr val="000000"/>
+                        </a:solidFill>
+                        <a:effectLst/>
+                        <a:latin typeface="Arial" panose="020B0604020202020204" pitchFamily="34" charset="0"/>
+                        <a:cs typeface="Arial" panose="020B0604020202020204" pitchFamily="34" charset="0"/>
+                      </a:endParaRPr>
+                    </a:p>
+                  </a:txBody>
+                  <a:tcPr marL="6650" marR="6650" marT="6650" marB="0" anchor="ctr">
+                    <a:solidFill>
+                      <a:srgbClr val="D2DEEF"/>
+                    </a:solidFill>
+                  </a:tcPr>
+                </a:tc>
+                <a:tc>
+                  <a:txBody>
+                    <a:bodyPr/>
+                    <a:lstStyle/>
+                    <a:p>
+                      <a:pPr algn="ctr" fontAlgn="b"/>
+                      <a:r>
+                        <a:rPr lang="pt-BR" sz="1100" u="none" strike="noStrike" dirty="0">
+                          <a:effectLst/>
+                          <a:latin typeface="Arial" panose="020B0604020202020204" pitchFamily="34" charset="0"/>
+                          <a:cs typeface="Arial" panose="020B0604020202020204" pitchFamily="34" charset="0"/>
+                        </a:rPr>
+                        <a:t>3</a:t>
+                      </a:r>
+                      <a:endParaRPr lang="pt-BR" sz="1100" b="0" i="0" u="none" strike="noStrike" dirty="0">
+                        <a:solidFill>
+                          <a:srgbClr val="000000"/>
+                        </a:solidFill>
+                        <a:effectLst/>
+                        <a:latin typeface="Arial" panose="020B0604020202020204" pitchFamily="34" charset="0"/>
+                        <a:cs typeface="Arial" panose="020B0604020202020204" pitchFamily="34" charset="0"/>
+                      </a:endParaRPr>
+                    </a:p>
+                  </a:txBody>
+                  <a:tcPr marL="6650" marR="6650" marT="6650" marB="0" anchor="ctr">
+                    <a:solidFill>
+                      <a:srgbClr val="D2DEEF"/>
+                    </a:solidFill>
+                  </a:tcPr>
+                </a:tc>
+                <a:tc>
+                  <a:txBody>
+                    <a:bodyPr/>
+                    <a:lstStyle/>
+                    <a:p>
+                      <a:pPr algn="ctr" fontAlgn="b"/>
+                      <a:r>
+                        <a:rPr lang="pt-BR" sz="1100" u="none" strike="noStrike" dirty="0">
+                          <a:effectLst/>
+                          <a:latin typeface="Arial" panose="020B0604020202020204" pitchFamily="34" charset="0"/>
+                          <a:cs typeface="Arial" panose="020B0604020202020204" pitchFamily="34" charset="0"/>
+                        </a:rPr>
+                        <a:t>2</a:t>
+                      </a:r>
+                      <a:endParaRPr lang="pt-BR" sz="1100" b="0" i="0" u="none" strike="noStrike" dirty="0">
+                        <a:solidFill>
+                          <a:srgbClr val="000000"/>
+                        </a:solidFill>
+                        <a:effectLst/>
+                        <a:latin typeface="Arial" panose="020B0604020202020204" pitchFamily="34" charset="0"/>
+                        <a:cs typeface="Arial" panose="020B0604020202020204" pitchFamily="34" charset="0"/>
+                      </a:endParaRPr>
+                    </a:p>
+                  </a:txBody>
+                  <a:tcPr marL="6650" marR="6650" marT="6650" marB="0" anchor="ctr">
+                    <a:solidFill>
+                      <a:srgbClr val="D2DEEF"/>
+                    </a:solidFill>
+                  </a:tcPr>
+                </a:tc>
+                <a:tc>
+                  <a:txBody>
+                    <a:bodyPr/>
+                    <a:lstStyle/>
+                    <a:p>
+                      <a:pPr algn="ctr" fontAlgn="b"/>
+                      <a:r>
+                        <a:rPr lang="pt-BR" sz="1100" u="none" strike="noStrike" dirty="0">
+                          <a:effectLst/>
+                          <a:latin typeface="Arial" panose="020B0604020202020204" pitchFamily="34" charset="0"/>
+                          <a:cs typeface="Arial" panose="020B0604020202020204" pitchFamily="34" charset="0"/>
+                        </a:rPr>
+                        <a:t>6</a:t>
+                      </a:r>
+                      <a:endParaRPr lang="pt-BR" sz="1100" b="0" i="0" u="none" strike="noStrike" dirty="0">
+                        <a:solidFill>
+                          <a:srgbClr val="000000"/>
+                        </a:solidFill>
+                        <a:effectLst/>
+                        <a:latin typeface="Arial" panose="020B0604020202020204" pitchFamily="34" charset="0"/>
+                        <a:cs typeface="Arial" panose="020B0604020202020204" pitchFamily="34" charset="0"/>
+                      </a:endParaRPr>
+                    </a:p>
+                  </a:txBody>
+                  <a:tcPr marL="6650" marR="6650" marT="6650" marB="0" anchor="ctr">
+                    <a:solidFill>
+                      <a:srgbClr val="D2DEEF"/>
+                    </a:solidFill>
+                  </a:tcPr>
+                </a:tc>
+                <a:tc>
+                  <a:txBody>
+                    <a:bodyPr/>
+                    <a:lstStyle/>
+                    <a:p>
+                      <a:pPr algn="ctr" fontAlgn="b"/>
+                      <a:r>
+                        <a:rPr lang="pt-BR" sz="1100" u="none" strike="noStrike" dirty="0">
+                          <a:effectLst/>
+                          <a:latin typeface="Arial" panose="020B0604020202020204" pitchFamily="34" charset="0"/>
+                          <a:cs typeface="Arial" panose="020B0604020202020204" pitchFamily="34" charset="0"/>
+                        </a:rPr>
+                        <a:t>mitigar</a:t>
+                      </a:r>
+                      <a:endParaRPr lang="pt-BR" sz="1100" b="0" i="0" u="none" strike="noStrike" dirty="0">
+                        <a:solidFill>
+                          <a:srgbClr val="000000"/>
+                        </a:solidFill>
+                        <a:effectLst/>
+                        <a:latin typeface="Arial" panose="020B0604020202020204" pitchFamily="34" charset="0"/>
+                        <a:cs typeface="Arial" panose="020B0604020202020204" pitchFamily="34" charset="0"/>
+                      </a:endParaRPr>
+                    </a:p>
+                  </a:txBody>
+                  <a:tcPr marL="6650" marR="6650" marT="6650" marB="0" anchor="ctr">
+                    <a:solidFill>
+                      <a:srgbClr val="D2DEEF"/>
+                    </a:solidFill>
+                  </a:tcPr>
+                </a:tc>
+                <a:tc>
+                  <a:txBody>
+                    <a:bodyPr/>
+                    <a:lstStyle/>
+                    <a:p>
+                      <a:pPr algn="ctr" fontAlgn="b"/>
+                      <a:r>
+                        <a:rPr lang="pt-BR" sz="1100" u="none" strike="noStrike" dirty="0">
+                          <a:effectLst/>
+                          <a:latin typeface="Arial" panose="020B0604020202020204" pitchFamily="34" charset="0"/>
+                          <a:cs typeface="Arial" panose="020B0604020202020204" pitchFamily="34" charset="0"/>
+                        </a:rPr>
+                        <a:t>Uma vez que todos do grupo estão cientes de todas partes do projeto, um ou mais integrantes assumiriam a parte daquele que não está habilitado</a:t>
+                      </a:r>
+                      <a:endParaRPr lang="pt-BR" sz="1100" b="0" i="0" u="none" strike="noStrike" dirty="0">
+                        <a:solidFill>
+                          <a:srgbClr val="000000"/>
+                        </a:solidFill>
+                        <a:effectLst/>
+                        <a:latin typeface="Arial" panose="020B0604020202020204" pitchFamily="34" charset="0"/>
+                        <a:cs typeface="Arial" panose="020B0604020202020204" pitchFamily="34" charset="0"/>
+                      </a:endParaRPr>
+                    </a:p>
+                  </a:txBody>
+                  <a:tcPr marL="6650" marR="6650" marT="6650" marB="0" anchor="ctr">
+                    <a:solidFill>
+                      <a:srgbClr val="D2DEEF"/>
+                    </a:solidFill>
+                  </a:tcPr>
+                </a:tc>
+                <a:extLst>
+                  <a:ext uri="{0D108BD9-81ED-4DB2-BD59-A6C34878D82A}">
+                    <a16:rowId xmlns:a16="http://schemas.microsoft.com/office/drawing/2014/main" val="3025306337"/>
+                  </a:ext>
+                </a:extLst>
+              </a:tr>
+              <a:tr h="534804">
+                <a:tc>
+                  <a:txBody>
+                    <a:bodyPr/>
+                    <a:lstStyle/>
+                    <a:p>
+                      <a:pPr algn="ctr" fontAlgn="b"/>
+                      <a:r>
+                        <a:rPr lang="pt-BR" sz="1100" b="1" u="none" strike="noStrike" dirty="0">
+                          <a:effectLst/>
+                          <a:latin typeface="Arial" panose="020B0604020202020204" pitchFamily="34" charset="0"/>
+                          <a:cs typeface="Arial" panose="020B0604020202020204" pitchFamily="34" charset="0"/>
+                        </a:rPr>
+                        <a:t>7</a:t>
+                      </a:r>
+                      <a:endParaRPr lang="pt-BR" sz="1100" b="1" i="0" u="none" strike="noStrike" dirty="0">
+                        <a:solidFill>
+                          <a:srgbClr val="000000"/>
+                        </a:solidFill>
+                        <a:effectLst/>
+                        <a:latin typeface="Arial" panose="020B0604020202020204" pitchFamily="34" charset="0"/>
+                        <a:cs typeface="Arial" panose="020B0604020202020204" pitchFamily="34" charset="0"/>
+                      </a:endParaRPr>
+                    </a:p>
+                  </a:txBody>
+                  <a:tcPr marL="6650" marR="6650" marT="6650" marB="0" anchor="ctr"/>
+                </a:tc>
+                <a:tc>
+                  <a:txBody>
+                    <a:bodyPr/>
+                    <a:lstStyle/>
+                    <a:p>
+                      <a:pPr algn="ctr" fontAlgn="b"/>
+                      <a:r>
+                        <a:rPr lang="pt-BR" sz="1100" u="none" strike="noStrike">
+                          <a:effectLst/>
+                          <a:latin typeface="Arial" panose="020B0604020202020204" pitchFamily="34" charset="0"/>
+                          <a:cs typeface="Arial" panose="020B0604020202020204" pitchFamily="34" charset="0"/>
+                        </a:rPr>
+                        <a:t>Falta de conhecimento pra desenvolver algo</a:t>
+                      </a:r>
+                      <a:endParaRPr lang="pt-BR" sz="1100" b="0" i="0" u="none" strike="noStrike">
+                        <a:solidFill>
+                          <a:srgbClr val="000000"/>
+                        </a:solidFill>
+                        <a:effectLst/>
+                        <a:latin typeface="Arial" panose="020B0604020202020204" pitchFamily="34" charset="0"/>
+                        <a:cs typeface="Arial" panose="020B0604020202020204" pitchFamily="34" charset="0"/>
+                      </a:endParaRPr>
+                    </a:p>
+                  </a:txBody>
+                  <a:tcPr marL="6650" marR="6650" marT="6650" marB="0" anchor="ctr"/>
+                </a:tc>
+                <a:tc>
+                  <a:txBody>
+                    <a:bodyPr/>
+                    <a:lstStyle/>
+                    <a:p>
+                      <a:pPr algn="ctr" fontAlgn="b"/>
+                      <a:r>
+                        <a:rPr lang="pt-BR" sz="1100" u="none" strike="noStrike" dirty="0">
+                          <a:effectLst/>
+                          <a:latin typeface="Arial" panose="020B0604020202020204" pitchFamily="34" charset="0"/>
+                          <a:cs typeface="Arial" panose="020B0604020202020204" pitchFamily="34" charset="0"/>
+                        </a:rPr>
+                        <a:t>3</a:t>
+                      </a:r>
+                      <a:endParaRPr lang="pt-BR" sz="1100" b="0" i="0" u="none" strike="noStrike" dirty="0">
+                        <a:solidFill>
+                          <a:srgbClr val="000000"/>
+                        </a:solidFill>
+                        <a:effectLst/>
+                        <a:latin typeface="Arial" panose="020B0604020202020204" pitchFamily="34" charset="0"/>
+                        <a:cs typeface="Arial" panose="020B0604020202020204" pitchFamily="34" charset="0"/>
+                      </a:endParaRPr>
+                    </a:p>
+                  </a:txBody>
+                  <a:tcPr marL="6650" marR="6650" marT="6650" marB="0" anchor="ctr"/>
+                </a:tc>
+                <a:tc>
+                  <a:txBody>
+                    <a:bodyPr/>
+                    <a:lstStyle/>
+                    <a:p>
+                      <a:pPr algn="ctr" fontAlgn="b"/>
+                      <a:r>
+                        <a:rPr lang="pt-BR" sz="1100" u="none" strike="noStrike">
+                          <a:effectLst/>
+                          <a:latin typeface="Arial" panose="020B0604020202020204" pitchFamily="34" charset="0"/>
+                          <a:cs typeface="Arial" panose="020B0604020202020204" pitchFamily="34" charset="0"/>
+                        </a:rPr>
+                        <a:t>2</a:t>
+                      </a:r>
+                      <a:endParaRPr lang="pt-BR" sz="1100" b="0" i="0" u="none" strike="noStrike">
+                        <a:solidFill>
+                          <a:srgbClr val="000000"/>
+                        </a:solidFill>
+                        <a:effectLst/>
+                        <a:latin typeface="Arial" panose="020B0604020202020204" pitchFamily="34" charset="0"/>
+                        <a:cs typeface="Arial" panose="020B0604020202020204" pitchFamily="34" charset="0"/>
+                      </a:endParaRPr>
+                    </a:p>
+                  </a:txBody>
+                  <a:tcPr marL="6650" marR="6650" marT="6650" marB="0" anchor="ctr"/>
+                </a:tc>
+                <a:tc>
+                  <a:txBody>
+                    <a:bodyPr/>
+                    <a:lstStyle/>
+                    <a:p>
+                      <a:pPr algn="ctr" fontAlgn="b"/>
+                      <a:r>
+                        <a:rPr lang="pt-BR" sz="1100" u="none" strike="noStrike">
+                          <a:effectLst/>
+                          <a:latin typeface="Arial" panose="020B0604020202020204" pitchFamily="34" charset="0"/>
+                          <a:cs typeface="Arial" panose="020B0604020202020204" pitchFamily="34" charset="0"/>
+                        </a:rPr>
+                        <a:t>6</a:t>
+                      </a:r>
+                      <a:endParaRPr lang="pt-BR" sz="1100" b="0" i="0" u="none" strike="noStrike">
+                        <a:solidFill>
+                          <a:srgbClr val="000000"/>
+                        </a:solidFill>
+                        <a:effectLst/>
+                        <a:latin typeface="Arial" panose="020B0604020202020204" pitchFamily="34" charset="0"/>
+                        <a:cs typeface="Arial" panose="020B0604020202020204" pitchFamily="34" charset="0"/>
+                      </a:endParaRPr>
+                    </a:p>
+                  </a:txBody>
+                  <a:tcPr marL="6650" marR="6650" marT="6650" marB="0" anchor="ctr"/>
+                </a:tc>
+                <a:tc>
+                  <a:txBody>
+                    <a:bodyPr/>
+                    <a:lstStyle/>
+                    <a:p>
+                      <a:pPr algn="ctr" fontAlgn="b"/>
+                      <a:r>
+                        <a:rPr lang="pt-BR" sz="1100" u="none" strike="noStrike" dirty="0">
+                          <a:effectLst/>
+                          <a:latin typeface="Arial" panose="020B0604020202020204" pitchFamily="34" charset="0"/>
+                          <a:cs typeface="Arial" panose="020B0604020202020204" pitchFamily="34" charset="0"/>
+                        </a:rPr>
+                        <a:t>mitigar</a:t>
+                      </a:r>
+                      <a:endParaRPr lang="pt-BR" sz="1100" b="0" i="0" u="none" strike="noStrike" dirty="0">
+                        <a:solidFill>
+                          <a:srgbClr val="000000"/>
+                        </a:solidFill>
+                        <a:effectLst/>
+                        <a:latin typeface="Arial" panose="020B0604020202020204" pitchFamily="34" charset="0"/>
+                        <a:cs typeface="Arial" panose="020B0604020202020204" pitchFamily="34" charset="0"/>
+                      </a:endParaRPr>
+                    </a:p>
+                  </a:txBody>
+                  <a:tcPr marL="6650" marR="6650" marT="6650" marB="0" anchor="ctr"/>
+                </a:tc>
+                <a:tc>
+                  <a:txBody>
+                    <a:bodyPr/>
+                    <a:lstStyle/>
+                    <a:p>
+                      <a:pPr algn="ctr" fontAlgn="b"/>
+                      <a:r>
+                        <a:rPr lang="pt-BR" sz="1100" u="none" strike="noStrike" dirty="0">
+                          <a:effectLst/>
+                          <a:latin typeface="Arial" panose="020B0604020202020204" pitchFamily="34" charset="0"/>
+                          <a:cs typeface="Arial" panose="020B0604020202020204" pitchFamily="34" charset="0"/>
+                        </a:rPr>
+                        <a:t>Troca de conhecimento e o "apadrinhamento" por aqueles que possuem mais conhecimento, para desenvolver a </a:t>
+                      </a:r>
+                      <a:r>
+                        <a:rPr lang="pt-BR" sz="1100" u="none" strike="noStrike" dirty="0" err="1">
+                          <a:effectLst/>
+                          <a:latin typeface="Arial" panose="020B0604020202020204" pitchFamily="34" charset="0"/>
+                          <a:cs typeface="Arial" panose="020B0604020202020204" pitchFamily="34" charset="0"/>
+                        </a:rPr>
+                        <a:t>area</a:t>
+                      </a:r>
+                      <a:r>
+                        <a:rPr lang="pt-BR" sz="1100" u="none" strike="noStrike" dirty="0">
+                          <a:effectLst/>
+                          <a:latin typeface="Arial" panose="020B0604020202020204" pitchFamily="34" charset="0"/>
+                          <a:cs typeface="Arial" panose="020B0604020202020204" pitchFamily="34" charset="0"/>
+                        </a:rPr>
+                        <a:t> com algum déficit.</a:t>
+                      </a:r>
+                      <a:endParaRPr lang="pt-BR" sz="1100" b="0" i="0" u="none" strike="noStrike" dirty="0">
+                        <a:solidFill>
+                          <a:srgbClr val="000000"/>
+                        </a:solidFill>
+                        <a:effectLst/>
+                        <a:latin typeface="Arial" panose="020B0604020202020204" pitchFamily="34" charset="0"/>
+                        <a:cs typeface="Arial" panose="020B0604020202020204" pitchFamily="34" charset="0"/>
+                      </a:endParaRPr>
+                    </a:p>
+                  </a:txBody>
+                  <a:tcPr marL="6650" marR="6650" marT="6650" marB="0" anchor="ctr"/>
+                </a:tc>
+                <a:extLst>
+                  <a:ext uri="{0D108BD9-81ED-4DB2-BD59-A6C34878D82A}">
+                    <a16:rowId xmlns:a16="http://schemas.microsoft.com/office/drawing/2014/main" val="961345376"/>
+                  </a:ext>
+                </a:extLst>
+              </a:tr>
+            </a:tbl>
+          </a:graphicData>
+        </a:graphic>
+      </p:graphicFrame>
+      <p:pic>
+        <p:nvPicPr>
+          <p:cNvPr id="7" name="Imagem 6"/>
+          <p:cNvPicPr>
+            <a:picLocks noChangeAspect="1"/>
+          </p:cNvPicPr>
+          <p:nvPr/>
+        </p:nvPicPr>
+        <p:blipFill>
+          <a:blip r:embed="rId3"/>
+          <a:stretch>
+            <a:fillRect/>
+          </a:stretch>
+        </p:blipFill>
+        <p:spPr>
+          <a:xfrm>
+            <a:off x="7409281" y="365125"/>
+            <a:ext cx="3077551" cy="1216328"/>
+          </a:xfrm>
+          <a:prstGeom prst="rect">
+            <a:avLst/>
+          </a:prstGeom>
+        </p:spPr>
+      </p:pic>
+    </p:spTree>
+    <p:extLst>
+      <p:ext uri="{BB962C8B-B14F-4D97-AF65-F5344CB8AC3E}">
+        <p14:creationId xmlns:p14="http://schemas.microsoft.com/office/powerpoint/2010/main" val="3088838147"/>
+      </p:ext>
+    </p:extLst>
+  </p:cSld>
+  <p:clrMapOvr>
+    <a:masterClrMapping/>
+  </p:clrMapOvr>
+  <mc:AlternateContent xmlns:mc="http://schemas.openxmlformats.org/markup-compatibility/2006" xmlns:p14="http://schemas.microsoft.com/office/powerpoint/2010/main">
+    <mc:Choice Requires="p14">
+      <p:transition spd="med" p14:dur="700">
+        <p:fade/>
+      </p:transition>
+    </mc:Choice>
+    <mc:Fallback xmlns="">
+      <p:transition spd="med">
+        <p:fade/>
+      </p:transition>
+    </mc:Fallback>
+  </mc:AlternateContent>
+  <p:timing>
+    <p:tnLst>
+      <p:par>
+        <p:cTn id="1" dur="indefinite" restart="never" nodeType="tmRoot"/>
+      </p:par>
+    </p:tnLst>
+  </p:timing>
+</p:sld>
+</file>
+
+<file path=ppt/slides/slide15.xml><?xml version="1.0" encoding="utf-8"?>
 <p:sld xmlns:a="http://schemas.openxmlformats.org/drawingml/2006/main" xmlns:r="http://schemas.openxmlformats.org/officeDocument/2006/relationships" xmlns:p="http://schemas.openxmlformats.org/presentationml/2006/main">
   <p:cSld>
     <p:spTree>
@@ -15259,13 +17365,13 @@
   <p:clrMapOvr>
     <a:masterClrMapping/>
   </p:clrMapOvr>
-  <mc:AlternateContent xmlns:mc="http://schemas.openxmlformats.org/markup-compatibility/2006">
-    <mc:Choice xmlns:p14="http://schemas.microsoft.com/office/powerpoint/2010/main" Requires="p14">
+  <mc:AlternateContent xmlns:mc="http://schemas.openxmlformats.org/markup-compatibility/2006" xmlns:p14="http://schemas.microsoft.com/office/powerpoint/2010/main">
+    <mc:Choice Requires="p14">
       <p:transition spd="med" p14:dur="700">
         <p:fade/>
       </p:transition>
     </mc:Choice>
-    <mc:Fallback>
+    <mc:Fallback xmlns="">
       <p:transition spd="med">
         <p:fade/>
       </p:transition>
@@ -15281,7 +17387,7 @@
 </p:sld>
 </file>
 
-<file path=ppt/slides/slide15.xml><?xml version="1.0" encoding="utf-8"?>
+<file path=ppt/slides/slide16.xml><?xml version="1.0" encoding="utf-8"?>
 <p:sld xmlns:a="http://schemas.openxmlformats.org/drawingml/2006/main" xmlns:r="http://schemas.openxmlformats.org/officeDocument/2006/relationships" xmlns:p="http://schemas.openxmlformats.org/presentationml/2006/main">
   <p:cSld>
     <p:spTree>
@@ -15558,7 +17664,7 @@
 </p:sld>
 </file>
 
-<file path=ppt/slides/slide16.xml><?xml version="1.0" encoding="utf-8"?>
+<file path=ppt/slides/slide17.xml><?xml version="1.0" encoding="utf-8"?>
 <p:sld xmlns:a="http://schemas.openxmlformats.org/drawingml/2006/main" xmlns:r="http://schemas.openxmlformats.org/officeDocument/2006/relationships" xmlns:p="http://schemas.openxmlformats.org/presentationml/2006/main">
   <p:cSld>
     <p:spTree>
@@ -15856,7 +17962,7 @@
 </p:sld>
 </file>
 
-<file path=ppt/slides/slide17.xml><?xml version="1.0" encoding="utf-8"?>
+<file path=ppt/slides/slide18.xml><?xml version="1.0" encoding="utf-8"?>
 <p:sld xmlns:a="http://schemas.openxmlformats.org/drawingml/2006/main" xmlns:r="http://schemas.openxmlformats.org/officeDocument/2006/relationships" xmlns:p="http://schemas.openxmlformats.org/presentationml/2006/main">
   <p:cSld>
     <p:spTree>
@@ -15895,8 +18001,8 @@
         </p:blipFill>
         <p:spPr>
           <a:xfrm>
-            <a:off x="0" y="1128849"/>
-            <a:ext cx="12192000" cy="5410200"/>
+            <a:off x="193848" y="1545064"/>
+            <a:ext cx="11695611" cy="5189927"/>
           </a:xfrm>
           <a:prstGeom prst="rect">
             <a:avLst/>
@@ -15933,6 +18039,77 @@
           </a:prstGeom>
         </p:spPr>
       </p:pic>
+      <p:sp>
+        <p:nvSpPr>
+          <p:cNvPr id="6" name="Título 1">
+            <a:extLst>
+              <a:ext uri="{FF2B5EF4-FFF2-40B4-BE49-F238E27FC236}">
+                <a16:creationId xmlns:a16="http://schemas.microsoft.com/office/drawing/2014/main" id="{99F76FBE-1BC2-4EE6-B90A-22263BF7BDCD}"/>
+              </a:ext>
+            </a:extLst>
+          </p:cNvPr>
+          <p:cNvSpPr txBox="1">
+            <a:spLocks/>
+          </p:cNvSpPr>
+          <p:nvPr/>
+        </p:nvSpPr>
+        <p:spPr>
+          <a:xfrm>
+            <a:off x="838200" y="365125"/>
+            <a:ext cx="10515600" cy="1325563"/>
+          </a:xfrm>
+          <a:prstGeom prst="rect">
+            <a:avLst/>
+          </a:prstGeom>
+        </p:spPr>
+        <p:txBody>
+          <a:bodyPr vert="horz" lIns="91440" tIns="45720" rIns="91440" bIns="45720" rtlCol="0" anchor="ctr">
+            <a:normAutofit/>
+          </a:bodyPr>
+          <a:lstStyle>
+            <a:lvl1pPr algn="l" defTabSz="914400" rtl="0" eaLnBrk="1" latinLnBrk="0" hangingPunct="1">
+              <a:lnSpc>
+                <a:spcPct val="90000"/>
+              </a:lnSpc>
+              <a:spcBef>
+                <a:spcPct val="0"/>
+              </a:spcBef>
+              <a:buNone/>
+              <a:defRPr sz="4400" kern="1200">
+                <a:solidFill>
+                  <a:schemeClr val="tx1"/>
+                </a:solidFill>
+                <a:latin typeface="+mj-lt"/>
+                <a:ea typeface="+mj-ea"/>
+                <a:cs typeface="+mj-cs"/>
+              </a:defRPr>
+            </a:lvl1pPr>
+          </a:lstStyle>
+          <a:p>
+            <a:r>
+              <a:rPr lang="pt-BR" dirty="0" smtClean="0">
+                <a:solidFill>
+                  <a:schemeClr val="tx1">
+                    <a:lumMod val="75000"/>
+                    <a:lumOff val="25000"/>
+                  </a:schemeClr>
+                </a:solidFill>
+                <a:latin typeface="Bariol Bold" panose="02000506040000020003" pitchFamily="2" charset="0"/>
+              </a:rPr>
+              <a:t>Modelo Conceitual</a:t>
+            </a:r>
+            <a:endParaRPr lang="pt-BR" dirty="0">
+              <a:solidFill>
+                <a:schemeClr val="tx1">
+                  <a:lumMod val="75000"/>
+                  <a:lumOff val="25000"/>
+                </a:schemeClr>
+              </a:solidFill>
+              <a:latin typeface="Bariol Bold" panose="02000506040000020003" pitchFamily="2" charset="0"/>
+            </a:endParaRPr>
+          </a:p>
+        </p:txBody>
+      </p:sp>
     </p:spTree>
     <p:extLst>
       <p:ext uri="{BB962C8B-B14F-4D97-AF65-F5344CB8AC3E}">
@@ -15965,7 +18142,7 @@
 </p:sld>
 </file>
 
-<file path=ppt/slides/slide18.xml><?xml version="1.0" encoding="utf-8"?>
+<file path=ppt/slides/slide19.xml><?xml version="1.0" encoding="utf-8"?>
 <p:sld xmlns:a="http://schemas.openxmlformats.org/drawingml/2006/main" xmlns:r="http://schemas.openxmlformats.org/officeDocument/2006/relationships" xmlns:p="http://schemas.openxmlformats.org/presentationml/2006/main">
   <p:cSld>
     <p:spTree>
@@ -16042,6 +18219,77 @@
           </a:prstGeom>
         </p:spPr>
       </p:pic>
+      <p:sp>
+        <p:nvSpPr>
+          <p:cNvPr id="4" name="Título 1">
+            <a:extLst>
+              <a:ext uri="{FF2B5EF4-FFF2-40B4-BE49-F238E27FC236}">
+                <a16:creationId xmlns:a16="http://schemas.microsoft.com/office/drawing/2014/main" id="{99F76FBE-1BC2-4EE6-B90A-22263BF7BDCD}"/>
+              </a:ext>
+            </a:extLst>
+          </p:cNvPr>
+          <p:cNvSpPr txBox="1">
+            <a:spLocks/>
+          </p:cNvSpPr>
+          <p:nvPr/>
+        </p:nvSpPr>
+        <p:spPr>
+          <a:xfrm>
+            <a:off x="838200" y="365125"/>
+            <a:ext cx="10515600" cy="1325563"/>
+          </a:xfrm>
+          <a:prstGeom prst="rect">
+            <a:avLst/>
+          </a:prstGeom>
+        </p:spPr>
+        <p:txBody>
+          <a:bodyPr vert="horz" lIns="91440" tIns="45720" rIns="91440" bIns="45720" rtlCol="0" anchor="ctr">
+            <a:normAutofit/>
+          </a:bodyPr>
+          <a:lstStyle>
+            <a:lvl1pPr algn="l" defTabSz="914400" rtl="0" eaLnBrk="1" latinLnBrk="0" hangingPunct="1">
+              <a:lnSpc>
+                <a:spcPct val="90000"/>
+              </a:lnSpc>
+              <a:spcBef>
+                <a:spcPct val="0"/>
+              </a:spcBef>
+              <a:buNone/>
+              <a:defRPr sz="4400" kern="1200">
+                <a:solidFill>
+                  <a:schemeClr val="tx1"/>
+                </a:solidFill>
+                <a:latin typeface="+mj-lt"/>
+                <a:ea typeface="+mj-ea"/>
+                <a:cs typeface="+mj-cs"/>
+              </a:defRPr>
+            </a:lvl1pPr>
+          </a:lstStyle>
+          <a:p>
+            <a:r>
+              <a:rPr lang="pt-BR" dirty="0" smtClean="0">
+                <a:solidFill>
+                  <a:schemeClr val="tx1">
+                    <a:lumMod val="75000"/>
+                    <a:lumOff val="25000"/>
+                  </a:schemeClr>
+                </a:solidFill>
+                <a:latin typeface="Bariol Bold" panose="02000506040000020003" pitchFamily="2" charset="0"/>
+              </a:rPr>
+              <a:t>Modelo Lógico</a:t>
+            </a:r>
+            <a:endParaRPr lang="pt-BR" dirty="0">
+              <a:solidFill>
+                <a:schemeClr val="tx1">
+                  <a:lumMod val="75000"/>
+                  <a:lumOff val="25000"/>
+                </a:schemeClr>
+              </a:solidFill>
+              <a:latin typeface="Bariol Bold" panose="02000506040000020003" pitchFamily="2" charset="0"/>
+            </a:endParaRPr>
+          </a:p>
+        </p:txBody>
+      </p:sp>
     </p:spTree>
     <p:extLst>
       <p:ext uri="{BB962C8B-B14F-4D97-AF65-F5344CB8AC3E}">
@@ -16074,7 +18322,240 @@
 </p:sld>
 </file>
 
-<file path=ppt/slides/slide19.xml><?xml version="1.0" encoding="utf-8"?>
+<file path=ppt/slides/slide2.xml><?xml version="1.0" encoding="utf-8"?>
+<p:sld xmlns:a="http://schemas.openxmlformats.org/drawingml/2006/main" xmlns:r="http://schemas.openxmlformats.org/officeDocument/2006/relationships" xmlns:p="http://schemas.openxmlformats.org/presentationml/2006/main">
+  <p:cSld>
+    <p:spTree>
+      <p:nvGrpSpPr>
+        <p:cNvPr id="1" name=""/>
+        <p:cNvGrpSpPr/>
+        <p:nvPr/>
+      </p:nvGrpSpPr>
+      <p:grpSpPr>
+        <a:xfrm>
+          <a:off x="0" y="0"/>
+          <a:ext cx="0" cy="0"/>
+          <a:chOff x="0" y="0"/>
+          <a:chExt cx="0" cy="0"/>
+        </a:xfrm>
+      </p:grpSpPr>
+      <p:pic>
+        <p:nvPicPr>
+          <p:cNvPr id="6" name="Imagem 5"/>
+          <p:cNvPicPr>
+            <a:picLocks noChangeAspect="1"/>
+          </p:cNvPicPr>
+          <p:nvPr/>
+        </p:nvPicPr>
+        <p:blipFill rotWithShape="1">
+          <a:blip r:embed="rId2">
+            <a:extLst>
+              <a:ext uri="{28A0092B-C50C-407E-A947-70E740481C1C}">
+                <a14:useLocalDpi xmlns:a14="http://schemas.microsoft.com/office/drawing/2010/main" val="0"/>
+              </a:ext>
+            </a:extLst>
+          </a:blip>
+          <a:srcRect t="70857"/>
+          <a:stretch/>
+        </p:blipFill>
+        <p:spPr>
+          <a:xfrm>
+            <a:off x="-1" y="4061188"/>
+            <a:ext cx="12192000" cy="1998617"/>
+          </a:xfrm>
+          <a:prstGeom prst="rect">
+            <a:avLst/>
+          </a:prstGeom>
+        </p:spPr>
+      </p:pic>
+      <p:pic>
+        <p:nvPicPr>
+          <p:cNvPr id="7" name="Imagem 6"/>
+          <p:cNvPicPr>
+            <a:picLocks noChangeAspect="1"/>
+          </p:cNvPicPr>
+          <p:nvPr/>
+        </p:nvPicPr>
+        <p:blipFill>
+          <a:blip r:embed="rId3">
+            <a:extLst>
+              <a:ext uri="{28A0092B-C50C-407E-A947-70E740481C1C}">
+                <a14:useLocalDpi xmlns:a14="http://schemas.microsoft.com/office/drawing/2010/main" val="0"/>
+              </a:ext>
+            </a:extLst>
+          </a:blip>
+          <a:stretch>
+            <a:fillRect/>
+          </a:stretch>
+        </p:blipFill>
+        <p:spPr>
+          <a:xfrm>
+            <a:off x="4660446" y="1079048"/>
+            <a:ext cx="2871107" cy="2871107"/>
+          </a:xfrm>
+          <a:prstGeom prst="rect">
+            <a:avLst/>
+          </a:prstGeom>
+        </p:spPr>
+      </p:pic>
+    </p:spTree>
+    <p:extLst>
+      <p:ext uri="{BB962C8B-B14F-4D97-AF65-F5344CB8AC3E}">
+        <p14:creationId xmlns:p14="http://schemas.microsoft.com/office/powerpoint/2010/main" val="4156819891"/>
+      </p:ext>
+    </p:extLst>
+  </p:cSld>
+  <p:clrMapOvr>
+    <a:masterClrMapping/>
+  </p:clrMapOvr>
+  <mc:AlternateContent xmlns:mc="http://schemas.openxmlformats.org/markup-compatibility/2006" xmlns:p14="http://schemas.microsoft.com/office/powerpoint/2010/main">
+    <mc:Choice Requires="p14">
+      <p:transition spd="med" p14:dur="700">
+        <p:fade/>
+      </p:transition>
+    </mc:Choice>
+    <mc:Fallback xmlns="">
+      <p:transition spd="med">
+        <p:fade/>
+      </p:transition>
+    </mc:Fallback>
+  </mc:AlternateContent>
+  <p:timing>
+    <p:tnLst>
+      <p:par>
+        <p:cTn id="1" dur="indefinite" restart="never" nodeType="tmRoot">
+          <p:childTnLst>
+            <p:seq concurrent="1" nextAc="seek">
+              <p:cTn id="2" dur="indefinite" nodeType="mainSeq">
+                <p:childTnLst>
+                  <p:par>
+                    <p:cTn id="3" fill="hold">
+                      <p:stCondLst>
+                        <p:cond delay="indefinite"/>
+                      </p:stCondLst>
+                      <p:childTnLst>
+                        <p:par>
+                          <p:cTn id="4" fill="hold">
+                            <p:stCondLst>
+                              <p:cond delay="0"/>
+                            </p:stCondLst>
+                            <p:childTnLst>
+                              <p:par>
+                                <p:cTn id="5" presetID="10" presetClass="exit" presetSubtype="0" fill="hold" nodeType="clickEffect">
+                                  <p:stCondLst>
+                                    <p:cond delay="0"/>
+                                  </p:stCondLst>
+                                  <p:childTnLst>
+                                    <p:animEffect transition="out" filter="fade">
+                                      <p:cBhvr>
+                                        <p:cTn id="6" dur="500"/>
+                                        <p:tgtEl>
+                                          <p:spTgt spid="6"/>
+                                        </p:tgtEl>
+                                      </p:cBhvr>
+                                    </p:animEffect>
+                                    <p:set>
+                                      <p:cBhvr>
+                                        <p:cTn id="7" dur="1" fill="hold">
+                                          <p:stCondLst>
+                                            <p:cond delay="499"/>
+                                          </p:stCondLst>
+                                        </p:cTn>
+                                        <p:tgtEl>
+                                          <p:spTgt spid="6"/>
+                                        </p:tgtEl>
+                                        <p:attrNameLst>
+                                          <p:attrName>style.visibility</p:attrName>
+                                        </p:attrNameLst>
+                                      </p:cBhvr>
+                                      <p:to>
+                                        <p:strVal val="hidden"/>
+                                      </p:to>
+                                    </p:set>
+                                  </p:childTnLst>
+                                </p:cTn>
+                              </p:par>
+                            </p:childTnLst>
+                          </p:cTn>
+                        </p:par>
+                        <p:par>
+                          <p:cTn id="8" fill="hold">
+                            <p:stCondLst>
+                              <p:cond delay="500"/>
+                            </p:stCondLst>
+                            <p:childTnLst>
+                              <p:par>
+                                <p:cTn id="9" presetID="6" presetClass="emph" presetSubtype="0" fill="hold" nodeType="afterEffect">
+                                  <p:stCondLst>
+                                    <p:cond delay="0"/>
+                                  </p:stCondLst>
+                                  <p:childTnLst>
+                                    <p:animScale>
+                                      <p:cBhvr>
+                                        <p:cTn id="10" dur="1000" fill="hold"/>
+                                        <p:tgtEl>
+                                          <p:spTgt spid="7"/>
+                                        </p:tgtEl>
+                                      </p:cBhvr>
+                                      <p:by x="20000" y="20000"/>
+                                    </p:animScale>
+                                  </p:childTnLst>
+                                </p:cTn>
+                              </p:par>
+                              <p:par>
+                                <p:cTn id="11" presetID="56" presetClass="path" presetSubtype="0" accel="50000" decel="50000" fill="hold" nodeType="withEffect">
+                                  <p:stCondLst>
+                                    <p:cond delay="0"/>
+                                  </p:stCondLst>
+                                  <p:childTnLst>
+                                    <p:animMotion origin="layout" path="M 0 3.33333E-6 L 0.45078 -0.28426 " pathEditMode="relative" rAng="0" ptsTypes="AA">
+                                      <p:cBhvr>
+                                        <p:cTn id="12" dur="1000" fill="hold"/>
+                                        <p:tgtEl>
+                                          <p:spTgt spid="7"/>
+                                        </p:tgtEl>
+                                        <p:attrNameLst>
+                                          <p:attrName>ppt_x</p:attrName>
+                                          <p:attrName>ppt_y</p:attrName>
+                                        </p:attrNameLst>
+                                      </p:cBhvr>
+                                      <p:rCtr x="22539" y="-14213"/>
+                                    </p:animMotion>
+                                  </p:childTnLst>
+                                </p:cTn>
+                              </p:par>
+                            </p:childTnLst>
+                          </p:cTn>
+                        </p:par>
+                      </p:childTnLst>
+                    </p:cTn>
+                  </p:par>
+                </p:childTnLst>
+              </p:cTn>
+              <p:prevCondLst>
+                <p:cond evt="onPrev" delay="0">
+                  <p:tgtEl>
+                    <p:sldTgt/>
+                  </p:tgtEl>
+                </p:cond>
+              </p:prevCondLst>
+              <p:nextCondLst>
+                <p:cond evt="onNext" delay="0">
+                  <p:tgtEl>
+                    <p:sldTgt/>
+                  </p:tgtEl>
+                </p:cond>
+              </p:nextCondLst>
+            </p:seq>
+          </p:childTnLst>
+        </p:cTn>
+      </p:par>
+    </p:tnLst>
+  </p:timing>
+</p:sld>
+</file>
+
+<file path=ppt/slides/slide20.xml><?xml version="1.0" encoding="utf-8"?>
 <p:sld xmlns:a="http://schemas.openxmlformats.org/drawingml/2006/main" xmlns:r="http://schemas.openxmlformats.org/officeDocument/2006/relationships" xmlns:p="http://schemas.openxmlformats.org/presentationml/2006/main">
   <p:cSld>
     <p:spTree>
@@ -16337,240 +18818,7 @@
 </p:sld>
 </file>
 
-<file path=ppt/slides/slide2.xml><?xml version="1.0" encoding="utf-8"?>
-<p:sld xmlns:a="http://schemas.openxmlformats.org/drawingml/2006/main" xmlns:r="http://schemas.openxmlformats.org/officeDocument/2006/relationships" xmlns:p="http://schemas.openxmlformats.org/presentationml/2006/main">
-  <p:cSld>
-    <p:spTree>
-      <p:nvGrpSpPr>
-        <p:cNvPr id="1" name=""/>
-        <p:cNvGrpSpPr/>
-        <p:nvPr/>
-      </p:nvGrpSpPr>
-      <p:grpSpPr>
-        <a:xfrm>
-          <a:off x="0" y="0"/>
-          <a:ext cx="0" cy="0"/>
-          <a:chOff x="0" y="0"/>
-          <a:chExt cx="0" cy="0"/>
-        </a:xfrm>
-      </p:grpSpPr>
-      <p:pic>
-        <p:nvPicPr>
-          <p:cNvPr id="6" name="Imagem 5"/>
-          <p:cNvPicPr>
-            <a:picLocks noChangeAspect="1"/>
-          </p:cNvPicPr>
-          <p:nvPr/>
-        </p:nvPicPr>
-        <p:blipFill rotWithShape="1">
-          <a:blip r:embed="rId2">
-            <a:extLst>
-              <a:ext uri="{28A0092B-C50C-407E-A947-70E740481C1C}">
-                <a14:useLocalDpi xmlns:a14="http://schemas.microsoft.com/office/drawing/2010/main" val="0"/>
-              </a:ext>
-            </a:extLst>
-          </a:blip>
-          <a:srcRect t="70857"/>
-          <a:stretch/>
-        </p:blipFill>
-        <p:spPr>
-          <a:xfrm>
-            <a:off x="-1" y="4061188"/>
-            <a:ext cx="12192000" cy="1998617"/>
-          </a:xfrm>
-          <a:prstGeom prst="rect">
-            <a:avLst/>
-          </a:prstGeom>
-        </p:spPr>
-      </p:pic>
-      <p:pic>
-        <p:nvPicPr>
-          <p:cNvPr id="7" name="Imagem 6"/>
-          <p:cNvPicPr>
-            <a:picLocks noChangeAspect="1"/>
-          </p:cNvPicPr>
-          <p:nvPr/>
-        </p:nvPicPr>
-        <p:blipFill>
-          <a:blip r:embed="rId3">
-            <a:extLst>
-              <a:ext uri="{28A0092B-C50C-407E-A947-70E740481C1C}">
-                <a14:useLocalDpi xmlns:a14="http://schemas.microsoft.com/office/drawing/2010/main" val="0"/>
-              </a:ext>
-            </a:extLst>
-          </a:blip>
-          <a:stretch>
-            <a:fillRect/>
-          </a:stretch>
-        </p:blipFill>
-        <p:spPr>
-          <a:xfrm>
-            <a:off x="4660446" y="1079048"/>
-            <a:ext cx="2871107" cy="2871107"/>
-          </a:xfrm>
-          <a:prstGeom prst="rect">
-            <a:avLst/>
-          </a:prstGeom>
-        </p:spPr>
-      </p:pic>
-    </p:spTree>
-    <p:extLst>
-      <p:ext uri="{BB962C8B-B14F-4D97-AF65-F5344CB8AC3E}">
-        <p14:creationId xmlns:p14="http://schemas.microsoft.com/office/powerpoint/2010/main" val="4156819891"/>
-      </p:ext>
-    </p:extLst>
-  </p:cSld>
-  <p:clrMapOvr>
-    <a:masterClrMapping/>
-  </p:clrMapOvr>
-  <mc:AlternateContent xmlns:mc="http://schemas.openxmlformats.org/markup-compatibility/2006" xmlns:p14="http://schemas.microsoft.com/office/powerpoint/2010/main">
-    <mc:Choice Requires="p14">
-      <p:transition spd="med" p14:dur="700">
-        <p:fade/>
-      </p:transition>
-    </mc:Choice>
-    <mc:Fallback xmlns="">
-      <p:transition spd="med">
-        <p:fade/>
-      </p:transition>
-    </mc:Fallback>
-  </mc:AlternateContent>
-  <p:timing>
-    <p:tnLst>
-      <p:par>
-        <p:cTn id="1" dur="indefinite" restart="never" nodeType="tmRoot">
-          <p:childTnLst>
-            <p:seq concurrent="1" nextAc="seek">
-              <p:cTn id="2" dur="indefinite" nodeType="mainSeq">
-                <p:childTnLst>
-                  <p:par>
-                    <p:cTn id="3" fill="hold">
-                      <p:stCondLst>
-                        <p:cond delay="indefinite"/>
-                      </p:stCondLst>
-                      <p:childTnLst>
-                        <p:par>
-                          <p:cTn id="4" fill="hold">
-                            <p:stCondLst>
-                              <p:cond delay="0"/>
-                            </p:stCondLst>
-                            <p:childTnLst>
-                              <p:par>
-                                <p:cTn id="5" presetID="10" presetClass="exit" presetSubtype="0" fill="hold" nodeType="clickEffect">
-                                  <p:stCondLst>
-                                    <p:cond delay="0"/>
-                                  </p:stCondLst>
-                                  <p:childTnLst>
-                                    <p:animEffect transition="out" filter="fade">
-                                      <p:cBhvr>
-                                        <p:cTn id="6" dur="500"/>
-                                        <p:tgtEl>
-                                          <p:spTgt spid="6"/>
-                                        </p:tgtEl>
-                                      </p:cBhvr>
-                                    </p:animEffect>
-                                    <p:set>
-                                      <p:cBhvr>
-                                        <p:cTn id="7" dur="1" fill="hold">
-                                          <p:stCondLst>
-                                            <p:cond delay="499"/>
-                                          </p:stCondLst>
-                                        </p:cTn>
-                                        <p:tgtEl>
-                                          <p:spTgt spid="6"/>
-                                        </p:tgtEl>
-                                        <p:attrNameLst>
-                                          <p:attrName>style.visibility</p:attrName>
-                                        </p:attrNameLst>
-                                      </p:cBhvr>
-                                      <p:to>
-                                        <p:strVal val="hidden"/>
-                                      </p:to>
-                                    </p:set>
-                                  </p:childTnLst>
-                                </p:cTn>
-                              </p:par>
-                            </p:childTnLst>
-                          </p:cTn>
-                        </p:par>
-                        <p:par>
-                          <p:cTn id="8" fill="hold">
-                            <p:stCondLst>
-                              <p:cond delay="500"/>
-                            </p:stCondLst>
-                            <p:childTnLst>
-                              <p:par>
-                                <p:cTn id="9" presetID="6" presetClass="emph" presetSubtype="0" fill="hold" nodeType="afterEffect">
-                                  <p:stCondLst>
-                                    <p:cond delay="0"/>
-                                  </p:stCondLst>
-                                  <p:childTnLst>
-                                    <p:animScale>
-                                      <p:cBhvr>
-                                        <p:cTn id="10" dur="1000" fill="hold"/>
-                                        <p:tgtEl>
-                                          <p:spTgt spid="7"/>
-                                        </p:tgtEl>
-                                      </p:cBhvr>
-                                      <p:by x="20000" y="20000"/>
-                                    </p:animScale>
-                                  </p:childTnLst>
-                                </p:cTn>
-                              </p:par>
-                              <p:par>
-                                <p:cTn id="11" presetID="56" presetClass="path" presetSubtype="0" accel="50000" decel="50000" fill="hold" nodeType="withEffect">
-                                  <p:stCondLst>
-                                    <p:cond delay="0"/>
-                                  </p:stCondLst>
-                                  <p:childTnLst>
-                                    <p:animMotion origin="layout" path="M 0 3.33333E-6 L 0.45078 -0.28426 " pathEditMode="relative" rAng="0" ptsTypes="AA">
-                                      <p:cBhvr>
-                                        <p:cTn id="12" dur="1000" fill="hold"/>
-                                        <p:tgtEl>
-                                          <p:spTgt spid="7"/>
-                                        </p:tgtEl>
-                                        <p:attrNameLst>
-                                          <p:attrName>ppt_x</p:attrName>
-                                          <p:attrName>ppt_y</p:attrName>
-                                        </p:attrNameLst>
-                                      </p:cBhvr>
-                                      <p:rCtr x="22539" y="-14213"/>
-                                    </p:animMotion>
-                                  </p:childTnLst>
-                                </p:cTn>
-                              </p:par>
-                            </p:childTnLst>
-                          </p:cTn>
-                        </p:par>
-                      </p:childTnLst>
-                    </p:cTn>
-                  </p:par>
-                </p:childTnLst>
-              </p:cTn>
-              <p:prevCondLst>
-                <p:cond evt="onPrev" delay="0">
-                  <p:tgtEl>
-                    <p:sldTgt/>
-                  </p:tgtEl>
-                </p:cond>
-              </p:prevCondLst>
-              <p:nextCondLst>
-                <p:cond evt="onNext" delay="0">
-                  <p:tgtEl>
-                    <p:sldTgt/>
-                  </p:tgtEl>
-                </p:cond>
-              </p:nextCondLst>
-            </p:seq>
-          </p:childTnLst>
-        </p:cTn>
-      </p:par>
-    </p:tnLst>
-  </p:timing>
-</p:sld>
-</file>
-
-<file path=ppt/slides/slide20.xml><?xml version="1.0" encoding="utf-8"?>
+<file path=ppt/slides/slide21.xml><?xml version="1.0" encoding="utf-8"?>
 <p:sld xmlns:a="http://schemas.openxmlformats.org/drawingml/2006/main" xmlns:r="http://schemas.openxmlformats.org/officeDocument/2006/relationships" xmlns:p="http://schemas.openxmlformats.org/presentationml/2006/main">
   <p:cSld>
     <p:spTree>
@@ -16679,7 +18927,7 @@
 </p:sld>
 </file>
 
-<file path=ppt/slides/slide21.xml><?xml version="1.0" encoding="utf-8"?>
+<file path=ppt/slides/slide22.xml><?xml version="1.0" encoding="utf-8"?>
 <p:sld xmlns:a="http://schemas.openxmlformats.org/drawingml/2006/main" xmlns:r="http://schemas.openxmlformats.org/officeDocument/2006/relationships" xmlns:p="http://schemas.openxmlformats.org/presentationml/2006/main">
   <p:cSld>
     <p:spTree>
@@ -16788,7 +19036,7 @@
 </p:sld>
 </file>
 
-<file path=ppt/slides/slide22.xml><?xml version="1.0" encoding="utf-8"?>
+<file path=ppt/slides/slide23.xml><?xml version="1.0" encoding="utf-8"?>
 <p:sld xmlns:a="http://schemas.openxmlformats.org/drawingml/2006/main" xmlns:r="http://schemas.openxmlformats.org/officeDocument/2006/relationships" xmlns:p="http://schemas.openxmlformats.org/presentationml/2006/main">
   <p:cSld>
     <p:spTree>
@@ -17209,7 +19457,7 @@
 </p:sld>
 </file>
 
-<file path=ppt/slides/slide23.xml><?xml version="1.0" encoding="utf-8"?>
+<file path=ppt/slides/slide24.xml><?xml version="1.0" encoding="utf-8"?>
 <p:sld xmlns:a="http://schemas.openxmlformats.org/drawingml/2006/main" xmlns:r="http://schemas.openxmlformats.org/officeDocument/2006/relationships" xmlns:p="http://schemas.openxmlformats.org/presentationml/2006/main">
   <p:cSld>
     <p:spTree>
@@ -19017,8 +21265,19 @@
                 <a:latin typeface="Bariol Bold" panose="02000506040000020003"/>
                 <a:cs typeface="Arial" panose="020B0604020202020204" pitchFamily="34" charset="0"/>
               </a:rPr>
-              <a:t>Coleta de dados através do sensor de temperatura e umidade.</a:t>
+              <a:t>Coleta de dados através do sensor de temperatura e </a:t>
             </a:r>
+            <a:r>
+              <a:rPr lang="pt-BR" sz="1600" dirty="0" smtClean="0">
+                <a:latin typeface="Bariol Bold" panose="02000506040000020003"/>
+                <a:cs typeface="Arial" panose="020B0604020202020204" pitchFamily="34" charset="0"/>
+              </a:rPr>
+              <a:t>umidade.</a:t>
+            </a:r>
+            <a:endParaRPr lang="pt-BR" sz="1600" dirty="0">
+              <a:latin typeface="Bariol Bold" panose="02000506040000020003"/>
+              <a:cs typeface="Arial" panose="020B0604020202020204" pitchFamily="34" charset="0"/>
+            </a:endParaRPr>
           </a:p>
           <a:p>
             <a:endParaRPr lang="pt-BR" sz="1600" dirty="0">
@@ -19972,84 +22231,6 @@
           </a:p>
         </p:txBody>
       </p:sp>
-      <p:cxnSp>
-        <p:nvCxnSpPr>
-          <p:cNvPr id="16" name="Conector de Seta Reta 15"/>
-          <p:cNvCxnSpPr/>
-          <p:nvPr/>
-        </p:nvCxnSpPr>
-        <p:spPr>
-          <a:xfrm rot="16200000" flipV="1">
-            <a:off x="6795668" y="1470877"/>
-            <a:ext cx="0" cy="1447312"/>
-          </a:xfrm>
-          <a:prstGeom prst="straightConnector1">
-            <a:avLst/>
-          </a:prstGeom>
-          <a:ln w="38100">
-            <a:solidFill>
-              <a:schemeClr val="tx1">
-                <a:lumMod val="75000"/>
-                <a:lumOff val="25000"/>
-              </a:schemeClr>
-            </a:solidFill>
-            <a:tailEnd type="triangle"/>
-          </a:ln>
-        </p:spPr>
-        <p:style>
-          <a:lnRef idx="1">
-            <a:schemeClr val="accent1"/>
-          </a:lnRef>
-          <a:fillRef idx="0">
-            <a:schemeClr val="accent1"/>
-          </a:fillRef>
-          <a:effectRef idx="0">
-            <a:schemeClr val="accent1"/>
-          </a:effectRef>
-          <a:fontRef idx="minor">
-            <a:schemeClr val="tx1"/>
-          </a:fontRef>
-        </p:style>
-      </p:cxnSp>
-      <p:cxnSp>
-        <p:nvCxnSpPr>
-          <p:cNvPr id="17" name="Conector de Seta Reta 16"/>
-          <p:cNvCxnSpPr/>
-          <p:nvPr/>
-        </p:nvCxnSpPr>
-        <p:spPr>
-          <a:xfrm rot="16200000">
-            <a:off x="6846526" y="1745403"/>
-            <a:ext cx="0" cy="1447312"/>
-          </a:xfrm>
-          <a:prstGeom prst="straightConnector1">
-            <a:avLst/>
-          </a:prstGeom>
-          <a:ln w="38100">
-            <a:solidFill>
-              <a:schemeClr val="tx1">
-                <a:lumMod val="75000"/>
-                <a:lumOff val="25000"/>
-              </a:schemeClr>
-            </a:solidFill>
-            <a:tailEnd type="triangle"/>
-          </a:ln>
-        </p:spPr>
-        <p:style>
-          <a:lnRef idx="1">
-            <a:schemeClr val="accent1"/>
-          </a:lnRef>
-          <a:fillRef idx="0">
-            <a:schemeClr val="accent1"/>
-          </a:fillRef>
-          <a:effectRef idx="0">
-            <a:schemeClr val="accent1"/>
-          </a:effectRef>
-          <a:fontRef idx="minor">
-            <a:schemeClr val="tx1"/>
-          </a:fontRef>
-        </p:style>
-      </p:cxnSp>
       <p:pic>
         <p:nvPicPr>
           <p:cNvPr id="18" name="Picture 37" descr="A picture containing computer, table&#10;&#10;Description generated with very high confidence">
@@ -20592,110 +22773,6 @@
           </a:p>
         </p:txBody>
       </p:sp>
-      <p:pic>
-        <p:nvPicPr>
-          <p:cNvPr id="21" name="Picture 30" descr="A close up of a device&#10;&#10;Description generated with very high confidence">
-            <a:extLst>
-              <a:ext uri="{FF2B5EF4-FFF2-40B4-BE49-F238E27FC236}">
-                <a16:creationId xmlns:a16="http://schemas.microsoft.com/office/drawing/2014/main" id="{64311C35-AE07-45F0-9E8D-286483932DBC}"/>
-              </a:ext>
-            </a:extLst>
-          </p:cNvPr>
-          <p:cNvPicPr>
-            <a:picLocks noChangeAspect="1"/>
-          </p:cNvPicPr>
-          <p:nvPr/>
-        </p:nvPicPr>
-        <p:blipFill>
-          <a:blip r:embed="rId10"/>
-          <a:stretch>
-            <a:fillRect/>
-          </a:stretch>
-        </p:blipFill>
-        <p:spPr>
-          <a:xfrm>
-            <a:off x="6316001" y="819390"/>
-            <a:ext cx="1061049" cy="1075425"/>
-          </a:xfrm>
-          <a:prstGeom prst="rect">
-            <a:avLst/>
-          </a:prstGeom>
-        </p:spPr>
-      </p:pic>
-      <p:sp>
-        <p:nvSpPr>
-          <p:cNvPr id="22" name="TextBox 33">
-            <a:extLst>
-              <a:ext uri="{FF2B5EF4-FFF2-40B4-BE49-F238E27FC236}">
-                <a16:creationId xmlns:a16="http://schemas.microsoft.com/office/drawing/2014/main" id="{46EBE350-3D70-431B-BFCA-8FAC071B45DB}"/>
-              </a:ext>
-            </a:extLst>
-          </p:cNvPr>
-          <p:cNvSpPr txBox="1"/>
-          <p:nvPr/>
-        </p:nvSpPr>
-        <p:spPr>
-          <a:xfrm>
-            <a:off x="5904131" y="472028"/>
-            <a:ext cx="1916776" cy="338554"/>
-          </a:xfrm>
-          <a:prstGeom prst="rect">
-            <a:avLst/>
-          </a:prstGeom>
-          <a:noFill/>
-        </p:spPr>
-        <p:txBody>
-          <a:bodyPr rot="0" spcFirstLastPara="0" vertOverflow="overflow" horzOverflow="overflow" vert="horz" wrap="square" lIns="91440" tIns="45720" rIns="91440" bIns="45720" numCol="1" spcCol="0" rtlCol="0" fromWordArt="0" anchor="t" anchorCtr="0" forceAA="0" compatLnSpc="1">
-            <a:prstTxWarp prst="textNoShape">
-              <a:avLst/>
-            </a:prstTxWarp>
-            <a:spAutoFit/>
-          </a:bodyPr>
-          <a:lstStyle/>
-          <a:p>
-            <a:pPr algn="ctr"/>
-            <a:r>
-              <a:rPr lang="en-US" sz="1600" dirty="0" err="1">
-                <a:solidFill>
-                  <a:schemeClr val="tx1">
-                    <a:lumMod val="85000"/>
-                    <a:lumOff val="15000"/>
-                  </a:schemeClr>
-                </a:solidFill>
-                <a:latin typeface="Arial"/>
-                <a:cs typeface="Arial"/>
-              </a:rPr>
-              <a:t>Roteador</a:t>
-            </a:r>
-            <a:r>
-              <a:rPr lang="en-US" sz="1600" dirty="0">
-                <a:solidFill>
-                  <a:schemeClr val="tx1">
-                    <a:lumMod val="85000"/>
-                    <a:lumOff val="15000"/>
-                  </a:schemeClr>
-                </a:solidFill>
-                <a:latin typeface="Arial"/>
-                <a:cs typeface="Arial"/>
-              </a:rPr>
-              <a:t> </a:t>
-            </a:r>
-            <a:r>
-              <a:rPr lang="en-US" sz="1600" dirty="0" err="1">
-                <a:solidFill>
-                  <a:schemeClr val="tx1">
-                    <a:lumMod val="85000"/>
-                    <a:lumOff val="15000"/>
-                  </a:schemeClr>
-                </a:solidFill>
-                <a:latin typeface="Arial"/>
-                <a:cs typeface="Arial"/>
-              </a:rPr>
-              <a:t>Wirelles</a:t>
-            </a:r>
-          </a:p>
-        </p:txBody>
-      </p:sp>
       <p:sp>
         <p:nvSpPr>
           <p:cNvPr id="23" name="Retângulo 22"/>
@@ -20762,7 +22839,7 @@
           <p:nvPr/>
         </p:nvPicPr>
         <p:blipFill>
-          <a:blip r:embed="rId11"/>
+          <a:blip r:embed="rId10"/>
           <a:stretch>
             <a:fillRect/>
           </a:stretch>
@@ -20891,7 +22968,7 @@
           <p:nvPr/>
         </p:nvPicPr>
         <p:blipFill>
-          <a:blip r:embed="rId12"/>
+          <a:blip r:embed="rId11"/>
           <a:stretch>
             <a:fillRect/>
           </a:stretch>
@@ -20921,7 +22998,7 @@
           <p:nvPr/>
         </p:nvPicPr>
         <p:blipFill>
-          <a:blip r:embed="rId13"/>
+          <a:blip r:embed="rId12"/>
           <a:stretch>
             <a:fillRect/>
           </a:stretch>
@@ -20951,7 +23028,7 @@
           <p:nvPr/>
         </p:nvPicPr>
         <p:blipFill>
-          <a:blip r:embed="rId14"/>
+          <a:blip r:embed="rId13"/>
           <a:stretch>
             <a:fillRect/>
           </a:stretch>
@@ -21032,7 +23109,7 @@
           <p:nvPr/>
         </p:nvPicPr>
         <p:blipFill>
-          <a:blip r:embed="rId15"/>
+          <a:blip r:embed="rId14"/>
           <a:stretch>
             <a:fillRect/>
           </a:stretch>
@@ -21381,7 +23458,7 @@
         </p:nvCxnSpPr>
         <p:spPr>
           <a:xfrm flipV="1">
-            <a:off x="7612342" y="3005628"/>
+            <a:off x="7819781" y="3119271"/>
             <a:ext cx="516009" cy="445123"/>
           </a:xfrm>
           <a:prstGeom prst="straightConnector1">
@@ -21420,7 +23497,85 @@
         </p:nvCxnSpPr>
         <p:spPr>
           <a:xfrm flipH="1">
-            <a:off x="7609150" y="3367078"/>
+            <a:off x="7816589" y="3480721"/>
+            <a:ext cx="490762" cy="408913"/>
+          </a:xfrm>
+          <a:prstGeom prst="straightConnector1">
+            <a:avLst/>
+          </a:prstGeom>
+          <a:ln w="38100">
+            <a:solidFill>
+              <a:schemeClr val="tx1">
+                <a:lumMod val="75000"/>
+                <a:lumOff val="25000"/>
+              </a:schemeClr>
+            </a:solidFill>
+            <a:tailEnd type="triangle"/>
+          </a:ln>
+        </p:spPr>
+        <p:style>
+          <a:lnRef idx="1">
+            <a:schemeClr val="accent1"/>
+          </a:lnRef>
+          <a:fillRef idx="0">
+            <a:schemeClr val="accent1"/>
+          </a:fillRef>
+          <a:effectRef idx="0">
+            <a:schemeClr val="accent1"/>
+          </a:effectRef>
+          <a:fontRef idx="minor">
+            <a:schemeClr val="tx1"/>
+          </a:fontRef>
+        </p:style>
+      </p:cxnSp>
+      <p:cxnSp>
+        <p:nvCxnSpPr>
+          <p:cNvPr id="41" name="Conector de Seta Reta 40"/>
+          <p:cNvCxnSpPr/>
+          <p:nvPr/>
+        </p:nvCxnSpPr>
+        <p:spPr>
+          <a:xfrm rot="16200000" flipV="1">
+            <a:off x="4140031" y="3118453"/>
+            <a:ext cx="516009" cy="445123"/>
+          </a:xfrm>
+          <a:prstGeom prst="straightConnector1">
+            <a:avLst/>
+          </a:prstGeom>
+          <a:ln w="38100">
+            <a:solidFill>
+              <a:schemeClr val="tx1">
+                <a:lumMod val="75000"/>
+                <a:lumOff val="25000"/>
+              </a:schemeClr>
+            </a:solidFill>
+            <a:tailEnd type="triangle"/>
+          </a:ln>
+        </p:spPr>
+        <p:style>
+          <a:lnRef idx="1">
+            <a:schemeClr val="accent1"/>
+          </a:lnRef>
+          <a:fillRef idx="0">
+            <a:schemeClr val="accent1"/>
+          </a:fillRef>
+          <a:effectRef idx="0">
+            <a:schemeClr val="accent1"/>
+          </a:effectRef>
+          <a:fontRef idx="minor">
+            <a:schemeClr val="tx1"/>
+          </a:fontRef>
+        </p:style>
+      </p:cxnSp>
+      <p:cxnSp>
+        <p:nvCxnSpPr>
+          <p:cNvPr id="42" name="Conector de Seta Reta 41"/>
+          <p:cNvCxnSpPr/>
+          <p:nvPr/>
+        </p:nvCxnSpPr>
+        <p:spPr>
+          <a:xfrm rot="16200000" flipH="1">
+            <a:off x="4136839" y="3479903"/>
             <a:ext cx="490762" cy="408913"/>
           </a:xfrm>
           <a:prstGeom prst="straightConnector1">

--- a/Documentação/chameleon.pptx
+++ b/Documentação/chameleon.pptx
@@ -26,8 +26,8 @@
     <p:sldId id="274" r:id="rId20"/>
     <p:sldId id="281" r:id="rId21"/>
     <p:sldId id="283" r:id="rId22"/>
-    <p:sldId id="282" r:id="rId23"/>
-    <p:sldId id="267" r:id="rId24"/>
+    <p:sldId id="267" r:id="rId23"/>
+    <p:sldId id="285" r:id="rId24"/>
     <p:sldId id="280" r:id="rId25"/>
   </p:sldIdLst>
   <p:sldSz cx="12192000" cy="6858000"/>
@@ -275,7 +275,7 @@
           <a:p>
             <a:fld id="{F50B35C2-D55D-43EC-A9F9-87B33DB15AB7}" type="datetimeFigureOut">
               <a:rPr lang="pt-BR" smtClean="0"/>
-              <a:t>04/05/2020</a:t>
+              <a:t>05/05/2020</a:t>
             </a:fld>
             <a:endParaRPr lang="pt-BR"/>
           </a:p>
@@ -317,7 +317,7 @@
           <a:p>
             <a:fld id="{BD136F2D-A4D6-49ED-BC18-D450E2FF51EC}" type="slidenum">
               <a:rPr lang="pt-BR" smtClean="0"/>
-              <a:t>‹nº›</a:t>
+              <a:t>‹n.º›</a:t>
             </a:fld>
             <a:endParaRPr lang="pt-BR"/>
           </a:p>
@@ -443,7 +443,7 @@
           <a:p>
             <a:fld id="{F50B35C2-D55D-43EC-A9F9-87B33DB15AB7}" type="datetimeFigureOut">
               <a:rPr lang="pt-BR" smtClean="0"/>
-              <a:t>04/05/2020</a:t>
+              <a:t>05/05/2020</a:t>
             </a:fld>
             <a:endParaRPr lang="pt-BR"/>
           </a:p>
@@ -485,7 +485,7 @@
           <a:p>
             <a:fld id="{BD136F2D-A4D6-49ED-BC18-D450E2FF51EC}" type="slidenum">
               <a:rPr lang="pt-BR" smtClean="0"/>
-              <a:t>‹nº›</a:t>
+              <a:t>‹n.º›</a:t>
             </a:fld>
             <a:endParaRPr lang="pt-BR"/>
           </a:p>
@@ -621,7 +621,7 @@
           <a:p>
             <a:fld id="{F50B35C2-D55D-43EC-A9F9-87B33DB15AB7}" type="datetimeFigureOut">
               <a:rPr lang="pt-BR" smtClean="0"/>
-              <a:t>04/05/2020</a:t>
+              <a:t>05/05/2020</a:t>
             </a:fld>
             <a:endParaRPr lang="pt-BR"/>
           </a:p>
@@ -663,7 +663,7 @@
           <a:p>
             <a:fld id="{BD136F2D-A4D6-49ED-BC18-D450E2FF51EC}" type="slidenum">
               <a:rPr lang="pt-BR" smtClean="0"/>
-              <a:t>‹nº›</a:t>
+              <a:t>‹n.º›</a:t>
             </a:fld>
             <a:endParaRPr lang="pt-BR"/>
           </a:p>
@@ -789,7 +789,7 @@
           <a:p>
             <a:fld id="{F50B35C2-D55D-43EC-A9F9-87B33DB15AB7}" type="datetimeFigureOut">
               <a:rPr lang="pt-BR" smtClean="0"/>
-              <a:t>04/05/2020</a:t>
+              <a:t>05/05/2020</a:t>
             </a:fld>
             <a:endParaRPr lang="pt-BR"/>
           </a:p>
@@ -831,7 +831,7 @@
           <a:p>
             <a:fld id="{BD136F2D-A4D6-49ED-BC18-D450E2FF51EC}" type="slidenum">
               <a:rPr lang="pt-BR" smtClean="0"/>
-              <a:t>‹nº›</a:t>
+              <a:t>‹n.º›</a:t>
             </a:fld>
             <a:endParaRPr lang="pt-BR"/>
           </a:p>
@@ -1034,7 +1034,7 @@
           <a:p>
             <a:fld id="{F50B35C2-D55D-43EC-A9F9-87B33DB15AB7}" type="datetimeFigureOut">
               <a:rPr lang="pt-BR" smtClean="0"/>
-              <a:t>04/05/2020</a:t>
+              <a:t>05/05/2020</a:t>
             </a:fld>
             <a:endParaRPr lang="pt-BR"/>
           </a:p>
@@ -1076,7 +1076,7 @@
           <a:p>
             <a:fld id="{BD136F2D-A4D6-49ED-BC18-D450E2FF51EC}" type="slidenum">
               <a:rPr lang="pt-BR" smtClean="0"/>
-              <a:t>‹nº›</a:t>
+              <a:t>‹n.º›</a:t>
             </a:fld>
             <a:endParaRPr lang="pt-BR"/>
           </a:p>
@@ -1263,7 +1263,7 @@
           <a:p>
             <a:fld id="{F50B35C2-D55D-43EC-A9F9-87B33DB15AB7}" type="datetimeFigureOut">
               <a:rPr lang="pt-BR" smtClean="0"/>
-              <a:t>04/05/2020</a:t>
+              <a:t>05/05/2020</a:t>
             </a:fld>
             <a:endParaRPr lang="pt-BR"/>
           </a:p>
@@ -1305,7 +1305,7 @@
           <a:p>
             <a:fld id="{BD136F2D-A4D6-49ED-BC18-D450E2FF51EC}" type="slidenum">
               <a:rPr lang="pt-BR" smtClean="0"/>
-              <a:t>‹nº›</a:t>
+              <a:t>‹n.º›</a:t>
             </a:fld>
             <a:endParaRPr lang="pt-BR"/>
           </a:p>
@@ -1627,7 +1627,7 @@
           <a:p>
             <a:fld id="{F50B35C2-D55D-43EC-A9F9-87B33DB15AB7}" type="datetimeFigureOut">
               <a:rPr lang="pt-BR" smtClean="0"/>
-              <a:t>04/05/2020</a:t>
+              <a:t>05/05/2020</a:t>
             </a:fld>
             <a:endParaRPr lang="pt-BR"/>
           </a:p>
@@ -1669,7 +1669,7 @@
           <a:p>
             <a:fld id="{BD136F2D-A4D6-49ED-BC18-D450E2FF51EC}" type="slidenum">
               <a:rPr lang="pt-BR" smtClean="0"/>
-              <a:t>‹nº›</a:t>
+              <a:t>‹n.º›</a:t>
             </a:fld>
             <a:endParaRPr lang="pt-BR"/>
           </a:p>
@@ -1744,7 +1744,7 @@
           <a:p>
             <a:fld id="{F50B35C2-D55D-43EC-A9F9-87B33DB15AB7}" type="datetimeFigureOut">
               <a:rPr lang="pt-BR" smtClean="0"/>
-              <a:t>04/05/2020</a:t>
+              <a:t>05/05/2020</a:t>
             </a:fld>
             <a:endParaRPr lang="pt-BR"/>
           </a:p>
@@ -1786,7 +1786,7 @@
           <a:p>
             <a:fld id="{BD136F2D-A4D6-49ED-BC18-D450E2FF51EC}" type="slidenum">
               <a:rPr lang="pt-BR" smtClean="0"/>
-              <a:t>‹nº›</a:t>
+              <a:t>‹n.º›</a:t>
             </a:fld>
             <a:endParaRPr lang="pt-BR"/>
           </a:p>
@@ -1839,7 +1839,7 @@
           <a:p>
             <a:fld id="{F50B35C2-D55D-43EC-A9F9-87B33DB15AB7}" type="datetimeFigureOut">
               <a:rPr lang="pt-BR" smtClean="0"/>
-              <a:t>04/05/2020</a:t>
+              <a:t>05/05/2020</a:t>
             </a:fld>
             <a:endParaRPr lang="pt-BR"/>
           </a:p>
@@ -1881,7 +1881,7 @@
           <a:p>
             <a:fld id="{BD136F2D-A4D6-49ED-BC18-D450E2FF51EC}" type="slidenum">
               <a:rPr lang="pt-BR" smtClean="0"/>
-              <a:t>‹nº›</a:t>
+              <a:t>‹n.º›</a:t>
             </a:fld>
             <a:endParaRPr lang="pt-BR"/>
           </a:p>
@@ -2114,7 +2114,7 @@
           <a:p>
             <a:fld id="{F50B35C2-D55D-43EC-A9F9-87B33DB15AB7}" type="datetimeFigureOut">
               <a:rPr lang="pt-BR" smtClean="0"/>
-              <a:t>04/05/2020</a:t>
+              <a:t>05/05/2020</a:t>
             </a:fld>
             <a:endParaRPr lang="pt-BR"/>
           </a:p>
@@ -2156,7 +2156,7 @@
           <a:p>
             <a:fld id="{BD136F2D-A4D6-49ED-BC18-D450E2FF51EC}" type="slidenum">
               <a:rPr lang="pt-BR" smtClean="0"/>
-              <a:t>‹nº›</a:t>
+              <a:t>‹n.º›</a:t>
             </a:fld>
             <a:endParaRPr lang="pt-BR"/>
           </a:p>
@@ -2366,7 +2366,7 @@
           <a:p>
             <a:fld id="{F50B35C2-D55D-43EC-A9F9-87B33DB15AB7}" type="datetimeFigureOut">
               <a:rPr lang="pt-BR" smtClean="0"/>
-              <a:t>04/05/2020</a:t>
+              <a:t>05/05/2020</a:t>
             </a:fld>
             <a:endParaRPr lang="pt-BR"/>
           </a:p>
@@ -2408,7 +2408,7 @@
           <a:p>
             <a:fld id="{BD136F2D-A4D6-49ED-BC18-D450E2FF51EC}" type="slidenum">
               <a:rPr lang="pt-BR" smtClean="0"/>
-              <a:t>‹nº›</a:t>
+              <a:t>‹n.º›</a:t>
             </a:fld>
             <a:endParaRPr lang="pt-BR"/>
           </a:p>
@@ -2577,7 +2577,7 @@
           <a:p>
             <a:fld id="{F50B35C2-D55D-43EC-A9F9-87B33DB15AB7}" type="datetimeFigureOut">
               <a:rPr lang="pt-BR" smtClean="0"/>
-              <a:t>04/05/2020</a:t>
+              <a:t>05/05/2020</a:t>
             </a:fld>
             <a:endParaRPr lang="pt-BR"/>
           </a:p>
@@ -2655,7 +2655,7 @@
           <a:p>
             <a:fld id="{BD136F2D-A4D6-49ED-BC18-D450E2FF51EC}" type="slidenum">
               <a:rPr lang="pt-BR" smtClean="0"/>
-              <a:t>‹nº›</a:t>
+              <a:t>‹n.º›</a:t>
             </a:fld>
             <a:endParaRPr lang="pt-BR"/>
           </a:p>
@@ -2987,7 +2987,7 @@
           <p:cNvPr id="2" name="Título 1">
             <a:extLst>
               <a:ext uri="{FF2B5EF4-FFF2-40B4-BE49-F238E27FC236}">
-                <a16:creationId xmlns:a16="http://schemas.microsoft.com/office/drawing/2014/main" id="{99F76FBE-1BC2-4EE6-B90A-22263BF7BDCD}"/>
+                <a16:creationId xmlns:a16="http://schemas.microsoft.com/office/drawing/2014/main" xmlns="" id="{99F76FBE-1BC2-4EE6-B90A-22263BF7BDCD}"/>
               </a:ext>
             </a:extLst>
           </p:cNvPr>
@@ -3023,7 +3023,7 @@
           <p:cNvPr id="8" name="CaixaDeTexto 7">
             <a:extLst>
               <a:ext uri="{FF2B5EF4-FFF2-40B4-BE49-F238E27FC236}">
-                <a16:creationId xmlns:a16="http://schemas.microsoft.com/office/drawing/2014/main" id="{B8325861-1F2F-4268-ABB8-C47708A22645}"/>
+                <a16:creationId xmlns:a16="http://schemas.microsoft.com/office/drawing/2014/main" xmlns="" id="{B8325861-1F2F-4268-ABB8-C47708A22645}"/>
               </a:ext>
             </a:extLst>
           </p:cNvPr>
@@ -3070,7 +3070,7 @@
           <p:cNvPr id="9" name="CaixaDeTexto 8">
             <a:extLst>
               <a:ext uri="{FF2B5EF4-FFF2-40B4-BE49-F238E27FC236}">
-                <a16:creationId xmlns:a16="http://schemas.microsoft.com/office/drawing/2014/main" id="{C1CD548A-80ED-4522-9EDB-054404B21EE9}"/>
+                <a16:creationId xmlns:a16="http://schemas.microsoft.com/office/drawing/2014/main" xmlns="" id="{C1CD548A-80ED-4522-9EDB-054404B21EE9}"/>
               </a:ext>
             </a:extLst>
           </p:cNvPr>
@@ -3117,7 +3117,7 @@
           <p:cNvPr id="10" name="CaixaDeTexto 9">
             <a:extLst>
               <a:ext uri="{FF2B5EF4-FFF2-40B4-BE49-F238E27FC236}">
-                <a16:creationId xmlns:a16="http://schemas.microsoft.com/office/drawing/2014/main" id="{A943B0FE-F317-47B4-AF95-1BF63C89F003}"/>
+                <a16:creationId xmlns:a16="http://schemas.microsoft.com/office/drawing/2014/main" xmlns="" id="{A943B0FE-F317-47B4-AF95-1BF63C89F003}"/>
               </a:ext>
             </a:extLst>
           </p:cNvPr>
@@ -3167,7 +3167,7 @@
           <p:cNvPr id="11" name="CaixaDeTexto 10">
             <a:extLst>
               <a:ext uri="{FF2B5EF4-FFF2-40B4-BE49-F238E27FC236}">
-                <a16:creationId xmlns:a16="http://schemas.microsoft.com/office/drawing/2014/main" id="{79D4990C-EB5C-46BD-906D-1D4B714A6937}"/>
+                <a16:creationId xmlns:a16="http://schemas.microsoft.com/office/drawing/2014/main" xmlns="" id="{79D4990C-EB5C-46BD-906D-1D4B714A6937}"/>
               </a:ext>
             </a:extLst>
           </p:cNvPr>
@@ -3217,7 +3217,7 @@
           <p:cNvPr id="12" name="CaixaDeTexto 11">
             <a:extLst>
               <a:ext uri="{FF2B5EF4-FFF2-40B4-BE49-F238E27FC236}">
-                <a16:creationId xmlns:a16="http://schemas.microsoft.com/office/drawing/2014/main" id="{3EEDA333-49AA-47A1-9E18-27FCA69C6ADA}"/>
+                <a16:creationId xmlns:a16="http://schemas.microsoft.com/office/drawing/2014/main" xmlns="" id="{3EEDA333-49AA-47A1-9E18-27FCA69C6ADA}"/>
               </a:ext>
             </a:extLst>
           </p:cNvPr>
@@ -3297,7 +3297,7 @@
           <p:cNvPr id="16" name="CaixaDeTexto 15">
             <a:extLst>
               <a:ext uri="{FF2B5EF4-FFF2-40B4-BE49-F238E27FC236}">
-                <a16:creationId xmlns:a16="http://schemas.microsoft.com/office/drawing/2014/main" id="{3EEDA333-49AA-47A1-9E18-27FCA69C6ADA}"/>
+                <a16:creationId xmlns:a16="http://schemas.microsoft.com/office/drawing/2014/main" xmlns="" id="{3EEDA333-49AA-47A1-9E18-27FCA69C6ADA}"/>
               </a:ext>
             </a:extLst>
           </p:cNvPr>
@@ -3494,7 +3494,7 @@
           <p:cNvPr id="5" name="Imagem 4" descr="Homem com óculos de grau e camisa preta&#10;&#10;Descrição gerada automaticamente">
             <a:extLst>
               <a:ext uri="{FF2B5EF4-FFF2-40B4-BE49-F238E27FC236}">
-                <a16:creationId xmlns:a16="http://schemas.microsoft.com/office/drawing/2014/main" id="{D815F394-F527-4EF6-8095-041600C68E39}"/>
+                <a16:creationId xmlns:a16="http://schemas.microsoft.com/office/drawing/2014/main" xmlns="" id="{D815F394-F527-4EF6-8095-041600C68E39}"/>
               </a:ext>
             </a:extLst>
           </p:cNvPr>
@@ -5269,7 +5269,7 @@
           <p:cNvPr id="2" name="Título 1">
             <a:extLst>
               <a:ext uri="{FF2B5EF4-FFF2-40B4-BE49-F238E27FC236}">
-                <a16:creationId xmlns:a16="http://schemas.microsoft.com/office/drawing/2014/main" id="{99F76FBE-1BC2-4EE6-B90A-22263BF7BDCD}"/>
+                <a16:creationId xmlns:a16="http://schemas.microsoft.com/office/drawing/2014/main" xmlns="" id="{99F76FBE-1BC2-4EE6-B90A-22263BF7BDCD}"/>
               </a:ext>
             </a:extLst>
           </p:cNvPr>
@@ -5394,42 +5394,42 @@
                 <a:gridCol w="891843">
                   <a:extLst>
                     <a:ext uri="{9D8B030D-6E8A-4147-A177-3AD203B41FA5}">
-                      <a16:colId xmlns:a16="http://schemas.microsoft.com/office/drawing/2014/main" val="4095648610"/>
+                      <a16:colId xmlns:a16="http://schemas.microsoft.com/office/drawing/2014/main" xmlns="" val="4095648610"/>
                     </a:ext>
                   </a:extLst>
                 </a:gridCol>
                 <a:gridCol w="5635957">
                   <a:extLst>
                     <a:ext uri="{9D8B030D-6E8A-4147-A177-3AD203B41FA5}">
-                      <a16:colId xmlns:a16="http://schemas.microsoft.com/office/drawing/2014/main" val="2974682867"/>
+                      <a16:colId xmlns:a16="http://schemas.microsoft.com/office/drawing/2014/main" xmlns="" val="2974682867"/>
                     </a:ext>
                   </a:extLst>
                 </a:gridCol>
                 <a:gridCol w="1320800">
                   <a:extLst>
                     <a:ext uri="{9D8B030D-6E8A-4147-A177-3AD203B41FA5}">
-                      <a16:colId xmlns:a16="http://schemas.microsoft.com/office/drawing/2014/main" val="3918061873"/>
+                      <a16:colId xmlns:a16="http://schemas.microsoft.com/office/drawing/2014/main" xmlns="" val="3918061873"/>
                     </a:ext>
                   </a:extLst>
                 </a:gridCol>
                 <a:gridCol w="1152563">
                   <a:extLst>
                     <a:ext uri="{9D8B030D-6E8A-4147-A177-3AD203B41FA5}">
-                      <a16:colId xmlns:a16="http://schemas.microsoft.com/office/drawing/2014/main" val="2975207203"/>
+                      <a16:colId xmlns:a16="http://schemas.microsoft.com/office/drawing/2014/main" xmlns="" val="2975207203"/>
                     </a:ext>
                   </a:extLst>
                 </a:gridCol>
                 <a:gridCol w="955637">
                   <a:extLst>
                     <a:ext uri="{9D8B030D-6E8A-4147-A177-3AD203B41FA5}">
-                      <a16:colId xmlns:a16="http://schemas.microsoft.com/office/drawing/2014/main" val="781221177"/>
+                      <a16:colId xmlns:a16="http://schemas.microsoft.com/office/drawing/2014/main" xmlns="" val="781221177"/>
                     </a:ext>
                   </a:extLst>
                 </a:gridCol>
                 <a:gridCol w="1534859">
                   <a:extLst>
                     <a:ext uri="{9D8B030D-6E8A-4147-A177-3AD203B41FA5}">
-                      <a16:colId xmlns:a16="http://schemas.microsoft.com/office/drawing/2014/main" val="2310143784"/>
+                      <a16:colId xmlns:a16="http://schemas.microsoft.com/office/drawing/2014/main" xmlns="" val="2310143784"/>
                     </a:ext>
                   </a:extLst>
                 </a:gridCol>
@@ -5647,7 +5647,7 @@
                 </a:tc>
                 <a:extLst>
                   <a:ext uri="{0D108BD9-81ED-4DB2-BD59-A6C34878D82A}">
-                    <a16:rowId xmlns:a16="http://schemas.microsoft.com/office/drawing/2014/main" val="2516046829"/>
+                    <a16:rowId xmlns:a16="http://schemas.microsoft.com/office/drawing/2014/main" xmlns="" val="2516046829"/>
                   </a:ext>
                 </a:extLst>
               </a:tr>
@@ -5850,7 +5850,7 @@
                 </a:tc>
                 <a:extLst>
                   <a:ext uri="{0D108BD9-81ED-4DB2-BD59-A6C34878D82A}">
-                    <a16:rowId xmlns:a16="http://schemas.microsoft.com/office/drawing/2014/main" val="1369040785"/>
+                    <a16:rowId xmlns:a16="http://schemas.microsoft.com/office/drawing/2014/main" xmlns="" val="1369040785"/>
                   </a:ext>
                 </a:extLst>
               </a:tr>
@@ -6053,7 +6053,7 @@
                 </a:tc>
                 <a:extLst>
                   <a:ext uri="{0D108BD9-81ED-4DB2-BD59-A6C34878D82A}">
-                    <a16:rowId xmlns:a16="http://schemas.microsoft.com/office/drawing/2014/main" val="2012698152"/>
+                    <a16:rowId xmlns:a16="http://schemas.microsoft.com/office/drawing/2014/main" xmlns="" val="2012698152"/>
                   </a:ext>
                 </a:extLst>
               </a:tr>
@@ -6240,7 +6240,7 @@
                 </a:tc>
                 <a:extLst>
                   <a:ext uri="{0D108BD9-81ED-4DB2-BD59-A6C34878D82A}">
-                    <a16:rowId xmlns:a16="http://schemas.microsoft.com/office/drawing/2014/main" val="4062401152"/>
+                    <a16:rowId xmlns:a16="http://schemas.microsoft.com/office/drawing/2014/main" xmlns="" val="4062401152"/>
                   </a:ext>
                 </a:extLst>
               </a:tr>
@@ -6427,7 +6427,7 @@
                 </a:tc>
                 <a:extLst>
                   <a:ext uri="{0D108BD9-81ED-4DB2-BD59-A6C34878D82A}">
-                    <a16:rowId xmlns:a16="http://schemas.microsoft.com/office/drawing/2014/main" val="460576415"/>
+                    <a16:rowId xmlns:a16="http://schemas.microsoft.com/office/drawing/2014/main" xmlns="" val="460576415"/>
                   </a:ext>
                 </a:extLst>
               </a:tr>
@@ -6614,7 +6614,7 @@
                 </a:tc>
                 <a:extLst>
                   <a:ext uri="{0D108BD9-81ED-4DB2-BD59-A6C34878D82A}">
-                    <a16:rowId xmlns:a16="http://schemas.microsoft.com/office/drawing/2014/main" val="3506567139"/>
+                    <a16:rowId xmlns:a16="http://schemas.microsoft.com/office/drawing/2014/main" xmlns="" val="3506567139"/>
                   </a:ext>
                 </a:extLst>
               </a:tr>
@@ -6801,7 +6801,7 @@
                 </a:tc>
                 <a:extLst>
                   <a:ext uri="{0D108BD9-81ED-4DB2-BD59-A6C34878D82A}">
-                    <a16:rowId xmlns:a16="http://schemas.microsoft.com/office/drawing/2014/main" val="2899004788"/>
+                    <a16:rowId xmlns:a16="http://schemas.microsoft.com/office/drawing/2014/main" xmlns="" val="2899004788"/>
                   </a:ext>
                 </a:extLst>
               </a:tr>
@@ -7004,7 +7004,7 @@
                 </a:tc>
                 <a:extLst>
                   <a:ext uri="{0D108BD9-81ED-4DB2-BD59-A6C34878D82A}">
-                    <a16:rowId xmlns:a16="http://schemas.microsoft.com/office/drawing/2014/main" val="2468428521"/>
+                    <a16:rowId xmlns:a16="http://schemas.microsoft.com/office/drawing/2014/main" xmlns="" val="2468428521"/>
                   </a:ext>
                 </a:extLst>
               </a:tr>
@@ -7191,7 +7191,7 @@
                 </a:tc>
                 <a:extLst>
                   <a:ext uri="{0D108BD9-81ED-4DB2-BD59-A6C34878D82A}">
-                    <a16:rowId xmlns:a16="http://schemas.microsoft.com/office/drawing/2014/main" val="1632711459"/>
+                    <a16:rowId xmlns:a16="http://schemas.microsoft.com/office/drawing/2014/main" xmlns="" val="1632711459"/>
                   </a:ext>
                 </a:extLst>
               </a:tr>
@@ -7394,7 +7394,7 @@
                 </a:tc>
                 <a:extLst>
                   <a:ext uri="{0D108BD9-81ED-4DB2-BD59-A6C34878D82A}">
-                    <a16:rowId xmlns:a16="http://schemas.microsoft.com/office/drawing/2014/main" val="1627787285"/>
+                    <a16:rowId xmlns:a16="http://schemas.microsoft.com/office/drawing/2014/main" xmlns="" val="1627787285"/>
                   </a:ext>
                 </a:extLst>
               </a:tr>
@@ -7581,7 +7581,7 @@
                 </a:tc>
                 <a:extLst>
                   <a:ext uri="{0D108BD9-81ED-4DB2-BD59-A6C34878D82A}">
-                    <a16:rowId xmlns:a16="http://schemas.microsoft.com/office/drawing/2014/main" val="3623775453"/>
+                    <a16:rowId xmlns:a16="http://schemas.microsoft.com/office/drawing/2014/main" xmlns="" val="3623775453"/>
                   </a:ext>
                 </a:extLst>
               </a:tr>
@@ -7768,7 +7768,7 @@
                 </a:tc>
                 <a:extLst>
                   <a:ext uri="{0D108BD9-81ED-4DB2-BD59-A6C34878D82A}">
-                    <a16:rowId xmlns:a16="http://schemas.microsoft.com/office/drawing/2014/main" val="2904443424"/>
+                    <a16:rowId xmlns:a16="http://schemas.microsoft.com/office/drawing/2014/main" xmlns="" val="2904443424"/>
                   </a:ext>
                 </a:extLst>
               </a:tr>
@@ -7955,7 +7955,7 @@
                 </a:tc>
                 <a:extLst>
                   <a:ext uri="{0D108BD9-81ED-4DB2-BD59-A6C34878D82A}">
-                    <a16:rowId xmlns:a16="http://schemas.microsoft.com/office/drawing/2014/main" val="623313274"/>
+                    <a16:rowId xmlns:a16="http://schemas.microsoft.com/office/drawing/2014/main" xmlns="" val="623313274"/>
                   </a:ext>
                 </a:extLst>
               </a:tr>
@@ -8166,7 +8166,7 @@
                 </a:tc>
                 <a:extLst>
                   <a:ext uri="{0D108BD9-81ED-4DB2-BD59-A6C34878D82A}">
-                    <a16:rowId xmlns:a16="http://schemas.microsoft.com/office/drawing/2014/main" val="3002492540"/>
+                    <a16:rowId xmlns:a16="http://schemas.microsoft.com/office/drawing/2014/main" xmlns="" val="3002492540"/>
                   </a:ext>
                 </a:extLst>
               </a:tr>
@@ -8361,7 +8361,7 @@
                 </a:tc>
                 <a:extLst>
                   <a:ext uri="{0D108BD9-81ED-4DB2-BD59-A6C34878D82A}">
-                    <a16:rowId xmlns:a16="http://schemas.microsoft.com/office/drawing/2014/main" val="323792072"/>
+                    <a16:rowId xmlns:a16="http://schemas.microsoft.com/office/drawing/2014/main" xmlns="" val="323792072"/>
                   </a:ext>
                 </a:extLst>
               </a:tr>
@@ -8423,7 +8423,7 @@
           <p:cNvPr id="2" name="Título 1">
             <a:extLst>
               <a:ext uri="{FF2B5EF4-FFF2-40B4-BE49-F238E27FC236}">
-                <a16:creationId xmlns:a16="http://schemas.microsoft.com/office/drawing/2014/main" id="{99F76FBE-1BC2-4EE6-B90A-22263BF7BDCD}"/>
+                <a16:creationId xmlns:a16="http://schemas.microsoft.com/office/drawing/2014/main" xmlns="" id="{99F76FBE-1BC2-4EE6-B90A-22263BF7BDCD}"/>
               </a:ext>
             </a:extLst>
           </p:cNvPr>
@@ -8533,49 +8533,49 @@
                 <a:gridCol w="1810843">
                   <a:extLst>
                     <a:ext uri="{9D8B030D-6E8A-4147-A177-3AD203B41FA5}">
-                      <a16:colId xmlns:a16="http://schemas.microsoft.com/office/drawing/2014/main" val="1841085390"/>
+                      <a16:colId xmlns:a16="http://schemas.microsoft.com/office/drawing/2014/main" xmlns="" val="1841085390"/>
                     </a:ext>
                   </a:extLst>
                 </a:gridCol>
                 <a:gridCol w="1369605">
                   <a:extLst>
                     <a:ext uri="{9D8B030D-6E8A-4147-A177-3AD203B41FA5}">
-                      <a16:colId xmlns:a16="http://schemas.microsoft.com/office/drawing/2014/main" val="3590433378"/>
+                      <a16:colId xmlns:a16="http://schemas.microsoft.com/office/drawing/2014/main" xmlns="" val="3590433378"/>
                     </a:ext>
                   </a:extLst>
                 </a:gridCol>
                 <a:gridCol w="1344895">
                   <a:extLst>
                     <a:ext uri="{9D8B030D-6E8A-4147-A177-3AD203B41FA5}">
-                      <a16:colId xmlns:a16="http://schemas.microsoft.com/office/drawing/2014/main" val="2928512312"/>
+                      <a16:colId xmlns:a16="http://schemas.microsoft.com/office/drawing/2014/main" xmlns="" val="2928512312"/>
                     </a:ext>
                   </a:extLst>
                 </a:gridCol>
                 <a:gridCol w="1369605">
                   <a:extLst>
                     <a:ext uri="{9D8B030D-6E8A-4147-A177-3AD203B41FA5}">
-                      <a16:colId xmlns:a16="http://schemas.microsoft.com/office/drawing/2014/main" val="1093464508"/>
+                      <a16:colId xmlns:a16="http://schemas.microsoft.com/office/drawing/2014/main" xmlns="" val="1093464508"/>
                     </a:ext>
                   </a:extLst>
                 </a:gridCol>
                 <a:gridCol w="1920271">
                   <a:extLst>
                     <a:ext uri="{9D8B030D-6E8A-4147-A177-3AD203B41FA5}">
-                      <a16:colId xmlns:a16="http://schemas.microsoft.com/office/drawing/2014/main" val="1436575289"/>
+                      <a16:colId xmlns:a16="http://schemas.microsoft.com/office/drawing/2014/main" xmlns="" val="1436575289"/>
                     </a:ext>
                   </a:extLst>
                 </a:gridCol>
                 <a:gridCol w="1355484">
                   <a:extLst>
                     <a:ext uri="{9D8B030D-6E8A-4147-A177-3AD203B41FA5}">
-                      <a16:colId xmlns:a16="http://schemas.microsoft.com/office/drawing/2014/main" val="2628677040"/>
+                      <a16:colId xmlns:a16="http://schemas.microsoft.com/office/drawing/2014/main" xmlns="" val="2628677040"/>
                     </a:ext>
                   </a:extLst>
                 </a:gridCol>
                 <a:gridCol w="1344895">
                   <a:extLst>
                     <a:ext uri="{9D8B030D-6E8A-4147-A177-3AD203B41FA5}">
-                      <a16:colId xmlns:a16="http://schemas.microsoft.com/office/drawing/2014/main" val="2914382457"/>
+                      <a16:colId xmlns:a16="http://schemas.microsoft.com/office/drawing/2014/main" xmlns="" val="2914382457"/>
                     </a:ext>
                   </a:extLst>
                 </a:gridCol>
@@ -8828,7 +8828,7 @@
                 </a:tc>
                 <a:extLst>
                   <a:ext uri="{0D108BD9-81ED-4DB2-BD59-A6C34878D82A}">
-                    <a16:rowId xmlns:a16="http://schemas.microsoft.com/office/drawing/2014/main" val="2731041340"/>
+                    <a16:rowId xmlns:a16="http://schemas.microsoft.com/office/drawing/2014/main" xmlns="" val="2731041340"/>
                   </a:ext>
                 </a:extLst>
               </a:tr>
@@ -9045,7 +9045,7 @@
                 </a:tc>
                 <a:extLst>
                   <a:ext uri="{0D108BD9-81ED-4DB2-BD59-A6C34878D82A}">
-                    <a16:rowId xmlns:a16="http://schemas.microsoft.com/office/drawing/2014/main" val="3525265445"/>
+                    <a16:rowId xmlns:a16="http://schemas.microsoft.com/office/drawing/2014/main" xmlns="" val="3525265445"/>
                   </a:ext>
                 </a:extLst>
               </a:tr>
@@ -9262,7 +9262,7 @@
                 </a:tc>
                 <a:extLst>
                   <a:ext uri="{0D108BD9-81ED-4DB2-BD59-A6C34878D82A}">
-                    <a16:rowId xmlns:a16="http://schemas.microsoft.com/office/drawing/2014/main" val="2870111689"/>
+                    <a16:rowId xmlns:a16="http://schemas.microsoft.com/office/drawing/2014/main" xmlns="" val="2870111689"/>
                   </a:ext>
                 </a:extLst>
               </a:tr>
@@ -9479,7 +9479,7 @@
                 </a:tc>
                 <a:extLst>
                   <a:ext uri="{0D108BD9-81ED-4DB2-BD59-A6C34878D82A}">
-                    <a16:rowId xmlns:a16="http://schemas.microsoft.com/office/drawing/2014/main" val="2443262029"/>
+                    <a16:rowId xmlns:a16="http://schemas.microsoft.com/office/drawing/2014/main" xmlns="" val="2443262029"/>
                   </a:ext>
                 </a:extLst>
               </a:tr>
@@ -9696,7 +9696,7 @@
                 </a:tc>
                 <a:extLst>
                   <a:ext uri="{0D108BD9-81ED-4DB2-BD59-A6C34878D82A}">
-                    <a16:rowId xmlns:a16="http://schemas.microsoft.com/office/drawing/2014/main" val="1655155131"/>
+                    <a16:rowId xmlns:a16="http://schemas.microsoft.com/office/drawing/2014/main" xmlns="" val="1655155131"/>
                   </a:ext>
                 </a:extLst>
               </a:tr>
@@ -9913,7 +9913,7 @@
                 </a:tc>
                 <a:extLst>
                   <a:ext uri="{0D108BD9-81ED-4DB2-BD59-A6C34878D82A}">
-                    <a16:rowId xmlns:a16="http://schemas.microsoft.com/office/drawing/2014/main" val="1617325977"/>
+                    <a16:rowId xmlns:a16="http://schemas.microsoft.com/office/drawing/2014/main" xmlns="" val="1617325977"/>
                   </a:ext>
                 </a:extLst>
               </a:tr>
@@ -10130,7 +10130,7 @@
                 </a:tc>
                 <a:extLst>
                   <a:ext uri="{0D108BD9-81ED-4DB2-BD59-A6C34878D82A}">
-                    <a16:rowId xmlns:a16="http://schemas.microsoft.com/office/drawing/2014/main" val="3671892014"/>
+                    <a16:rowId xmlns:a16="http://schemas.microsoft.com/office/drawing/2014/main" xmlns="" val="3671892014"/>
                   </a:ext>
                 </a:extLst>
               </a:tr>
@@ -10347,7 +10347,7 @@
                 </a:tc>
                 <a:extLst>
                   <a:ext uri="{0D108BD9-81ED-4DB2-BD59-A6C34878D82A}">
-                    <a16:rowId xmlns:a16="http://schemas.microsoft.com/office/drawing/2014/main" val="3817021508"/>
+                    <a16:rowId xmlns:a16="http://schemas.microsoft.com/office/drawing/2014/main" xmlns="" val="3817021508"/>
                   </a:ext>
                 </a:extLst>
               </a:tr>
@@ -10564,7 +10564,7 @@
                 </a:tc>
                 <a:extLst>
                   <a:ext uri="{0D108BD9-81ED-4DB2-BD59-A6C34878D82A}">
-                    <a16:rowId xmlns:a16="http://schemas.microsoft.com/office/drawing/2014/main" val="3278091123"/>
+                    <a16:rowId xmlns:a16="http://schemas.microsoft.com/office/drawing/2014/main" xmlns="" val="3278091123"/>
                   </a:ext>
                 </a:extLst>
               </a:tr>
@@ -10781,7 +10781,7 @@
                 </a:tc>
                 <a:extLst>
                   <a:ext uri="{0D108BD9-81ED-4DB2-BD59-A6C34878D82A}">
-                    <a16:rowId xmlns:a16="http://schemas.microsoft.com/office/drawing/2014/main" val="3839837434"/>
+                    <a16:rowId xmlns:a16="http://schemas.microsoft.com/office/drawing/2014/main" xmlns="" val="3839837434"/>
                   </a:ext>
                 </a:extLst>
               </a:tr>
@@ -10998,7 +10998,7 @@
                 </a:tc>
                 <a:extLst>
                   <a:ext uri="{0D108BD9-81ED-4DB2-BD59-A6C34878D82A}">
-                    <a16:rowId xmlns:a16="http://schemas.microsoft.com/office/drawing/2014/main" val="2473121087"/>
+                    <a16:rowId xmlns:a16="http://schemas.microsoft.com/office/drawing/2014/main" xmlns="" val="2473121087"/>
                   </a:ext>
                 </a:extLst>
               </a:tr>
@@ -11215,7 +11215,7 @@
                 </a:tc>
                 <a:extLst>
                   <a:ext uri="{0D108BD9-81ED-4DB2-BD59-A6C34878D82A}">
-                    <a16:rowId xmlns:a16="http://schemas.microsoft.com/office/drawing/2014/main" val="2556189026"/>
+                    <a16:rowId xmlns:a16="http://schemas.microsoft.com/office/drawing/2014/main" xmlns="" val="2556189026"/>
                   </a:ext>
                 </a:extLst>
               </a:tr>
@@ -11432,7 +11432,7 @@
                 </a:tc>
                 <a:extLst>
                   <a:ext uri="{0D108BD9-81ED-4DB2-BD59-A6C34878D82A}">
-                    <a16:rowId xmlns:a16="http://schemas.microsoft.com/office/drawing/2014/main" val="813613994"/>
+                    <a16:rowId xmlns:a16="http://schemas.microsoft.com/office/drawing/2014/main" xmlns="" val="813613994"/>
                   </a:ext>
                 </a:extLst>
               </a:tr>
@@ -11494,7 +11494,7 @@
           <p:cNvPr id="2" name="Título 1">
             <a:extLst>
               <a:ext uri="{FF2B5EF4-FFF2-40B4-BE49-F238E27FC236}">
-                <a16:creationId xmlns:a16="http://schemas.microsoft.com/office/drawing/2014/main" id="{99F76FBE-1BC2-4EE6-B90A-22263BF7BDCD}"/>
+                <a16:creationId xmlns:a16="http://schemas.microsoft.com/office/drawing/2014/main" xmlns="" id="{99F76FBE-1BC2-4EE6-B90A-22263BF7BDCD}"/>
               </a:ext>
             </a:extLst>
           </p:cNvPr>
@@ -11590,7 +11590,7 @@
           <p:cNvPr id="5" name="CaixaDeTexto 4">
             <a:extLst>
               <a:ext uri="{FF2B5EF4-FFF2-40B4-BE49-F238E27FC236}">
-                <a16:creationId xmlns:a16="http://schemas.microsoft.com/office/drawing/2014/main" id="{869545E3-DC46-4CDB-A839-CA8AA4E80E78}"/>
+                <a16:creationId xmlns:a16="http://schemas.microsoft.com/office/drawing/2014/main" xmlns="" id="{869545E3-DC46-4CDB-A839-CA8AA4E80E78}"/>
               </a:ext>
             </a:extLst>
           </p:cNvPr>
@@ -11980,7 +11980,7 @@
           <p:cNvPr id="2" name="Título 1">
             <a:extLst>
               <a:ext uri="{FF2B5EF4-FFF2-40B4-BE49-F238E27FC236}">
-                <a16:creationId xmlns:a16="http://schemas.microsoft.com/office/drawing/2014/main" id="{99F76FBE-1BC2-4EE6-B90A-22263BF7BDCD}"/>
+                <a16:creationId xmlns:a16="http://schemas.microsoft.com/office/drawing/2014/main" xmlns="" id="{99F76FBE-1BC2-4EE6-B90A-22263BF7BDCD}"/>
               </a:ext>
             </a:extLst>
           </p:cNvPr>
@@ -12078,49 +12078,49 @@
                 <a:gridCol w="274320">
                   <a:extLst>
                     <a:ext uri="{9D8B030D-6E8A-4147-A177-3AD203B41FA5}">
-                      <a16:colId xmlns:a16="http://schemas.microsoft.com/office/drawing/2014/main" val="3466485378"/>
+                      <a16:colId xmlns:a16="http://schemas.microsoft.com/office/drawing/2014/main" xmlns="" val="3466485378"/>
                     </a:ext>
                   </a:extLst>
                 </a:gridCol>
                 <a:gridCol w="1917930">
                   <a:extLst>
                     <a:ext uri="{9D8B030D-6E8A-4147-A177-3AD203B41FA5}">
-                      <a16:colId xmlns:a16="http://schemas.microsoft.com/office/drawing/2014/main" val="4243844639"/>
+                      <a16:colId xmlns:a16="http://schemas.microsoft.com/office/drawing/2014/main" xmlns="" val="4243844639"/>
                     </a:ext>
                   </a:extLst>
                 </a:gridCol>
                 <a:gridCol w="1256345">
                   <a:extLst>
                     <a:ext uri="{9D8B030D-6E8A-4147-A177-3AD203B41FA5}">
-                      <a16:colId xmlns:a16="http://schemas.microsoft.com/office/drawing/2014/main" val="2376549313"/>
+                      <a16:colId xmlns:a16="http://schemas.microsoft.com/office/drawing/2014/main" xmlns="" val="2376549313"/>
                     </a:ext>
                   </a:extLst>
                 </a:gridCol>
                 <a:gridCol w="849085">
                   <a:extLst>
                     <a:ext uri="{9D8B030D-6E8A-4147-A177-3AD203B41FA5}">
-                      <a16:colId xmlns:a16="http://schemas.microsoft.com/office/drawing/2014/main" val="3256337394"/>
+                      <a16:colId xmlns:a16="http://schemas.microsoft.com/office/drawing/2014/main" xmlns="" val="3256337394"/>
                     </a:ext>
                   </a:extLst>
                 </a:gridCol>
                 <a:gridCol w="1018903">
                   <a:extLst>
                     <a:ext uri="{9D8B030D-6E8A-4147-A177-3AD203B41FA5}">
-                      <a16:colId xmlns:a16="http://schemas.microsoft.com/office/drawing/2014/main" val="1849482543"/>
+                      <a16:colId xmlns:a16="http://schemas.microsoft.com/office/drawing/2014/main" xmlns="" val="1849482543"/>
                     </a:ext>
                   </a:extLst>
                 </a:gridCol>
                 <a:gridCol w="640080">
                   <a:extLst>
                     <a:ext uri="{9D8B030D-6E8A-4147-A177-3AD203B41FA5}">
-                      <a16:colId xmlns:a16="http://schemas.microsoft.com/office/drawing/2014/main" val="2353809088"/>
+                      <a16:colId xmlns:a16="http://schemas.microsoft.com/office/drawing/2014/main" xmlns="" val="2353809088"/>
                     </a:ext>
                   </a:extLst>
                 </a:gridCol>
                 <a:gridCol w="5381898">
                   <a:extLst>
                     <a:ext uri="{9D8B030D-6E8A-4147-A177-3AD203B41FA5}">
-                      <a16:colId xmlns:a16="http://schemas.microsoft.com/office/drawing/2014/main" val="4106031628"/>
+                      <a16:colId xmlns:a16="http://schemas.microsoft.com/office/drawing/2014/main" xmlns="" val="4106031628"/>
                     </a:ext>
                   </a:extLst>
                 </a:gridCol>
@@ -12373,7 +12373,7 @@
                 </a:tc>
                 <a:extLst>
                   <a:ext uri="{0D108BD9-81ED-4DB2-BD59-A6C34878D82A}">
-                    <a16:rowId xmlns:a16="http://schemas.microsoft.com/office/drawing/2014/main" val="249822350"/>
+                    <a16:rowId xmlns:a16="http://schemas.microsoft.com/office/drawing/2014/main" xmlns="" val="249822350"/>
                   </a:ext>
                 </a:extLst>
               </a:tr>
@@ -12578,7 +12578,7 @@
                 </a:tc>
                 <a:extLst>
                   <a:ext uri="{0D108BD9-81ED-4DB2-BD59-A6C34878D82A}">
-                    <a16:rowId xmlns:a16="http://schemas.microsoft.com/office/drawing/2014/main" val="2283914164"/>
+                    <a16:rowId xmlns:a16="http://schemas.microsoft.com/office/drawing/2014/main" xmlns="" val="2283914164"/>
                   </a:ext>
                 </a:extLst>
               </a:tr>
@@ -12827,7 +12827,7 @@
                 </a:tc>
                 <a:extLst>
                   <a:ext uri="{0D108BD9-81ED-4DB2-BD59-A6C34878D82A}">
-                    <a16:rowId xmlns:a16="http://schemas.microsoft.com/office/drawing/2014/main" val="3390523295"/>
+                    <a16:rowId xmlns:a16="http://schemas.microsoft.com/office/drawing/2014/main" xmlns="" val="3390523295"/>
                   </a:ext>
                 </a:extLst>
               </a:tr>
@@ -13032,7 +13032,7 @@
                 </a:tc>
                 <a:extLst>
                   <a:ext uri="{0D108BD9-81ED-4DB2-BD59-A6C34878D82A}">
-                    <a16:rowId xmlns:a16="http://schemas.microsoft.com/office/drawing/2014/main" val="93156557"/>
+                    <a16:rowId xmlns:a16="http://schemas.microsoft.com/office/drawing/2014/main" xmlns="" val="93156557"/>
                   </a:ext>
                 </a:extLst>
               </a:tr>
@@ -13289,7 +13289,7 @@
                 </a:tc>
                 <a:extLst>
                   <a:ext uri="{0D108BD9-81ED-4DB2-BD59-A6C34878D82A}">
-                    <a16:rowId xmlns:a16="http://schemas.microsoft.com/office/drawing/2014/main" val="2730572991"/>
+                    <a16:rowId xmlns:a16="http://schemas.microsoft.com/office/drawing/2014/main" xmlns="" val="2730572991"/>
                   </a:ext>
                 </a:extLst>
               </a:tr>
@@ -13478,7 +13478,7 @@
                 </a:tc>
                 <a:extLst>
                   <a:ext uri="{0D108BD9-81ED-4DB2-BD59-A6C34878D82A}">
-                    <a16:rowId xmlns:a16="http://schemas.microsoft.com/office/drawing/2014/main" val="2945678963"/>
+                    <a16:rowId xmlns:a16="http://schemas.microsoft.com/office/drawing/2014/main" xmlns="" val="2945678963"/>
                   </a:ext>
                 </a:extLst>
               </a:tr>
@@ -13695,7 +13695,7 @@
                 </a:tc>
                 <a:extLst>
                   <a:ext uri="{0D108BD9-81ED-4DB2-BD59-A6C34878D82A}">
-                    <a16:rowId xmlns:a16="http://schemas.microsoft.com/office/drawing/2014/main" val="3025306337"/>
+                    <a16:rowId xmlns:a16="http://schemas.microsoft.com/office/drawing/2014/main" xmlns="" val="3025306337"/>
                   </a:ext>
                 </a:extLst>
               </a:tr>
@@ -13900,7 +13900,7 @@
                 </a:tc>
                 <a:extLst>
                   <a:ext uri="{0D108BD9-81ED-4DB2-BD59-A6C34878D82A}">
-                    <a16:rowId xmlns:a16="http://schemas.microsoft.com/office/drawing/2014/main" val="961345376"/>
+                    <a16:rowId xmlns:a16="http://schemas.microsoft.com/office/drawing/2014/main" xmlns="" val="961345376"/>
                   </a:ext>
                 </a:extLst>
               </a:tr>
@@ -13986,7 +13986,7 @@
           <p:cNvPr id="3" name="Tabela 3">
             <a:extLst>
               <a:ext uri="{FF2B5EF4-FFF2-40B4-BE49-F238E27FC236}">
-                <a16:creationId xmlns:a16="http://schemas.microsoft.com/office/drawing/2014/main" id="{5EA93383-7AF2-47E2-A897-C6658B5FA1E2}"/>
+                <a16:creationId xmlns:a16="http://schemas.microsoft.com/office/drawing/2014/main" xmlns="" id="{5EA93383-7AF2-47E2-A897-C6658B5FA1E2}"/>
               </a:ext>
             </a:extLst>
           </p:cNvPr>
@@ -14003,7 +14003,7 @@
         </p:nvGraphicFramePr>
         <p:xfrm>
           <a:off x="628772" y="1410561"/>
-          <a:ext cx="10906505" cy="1137932"/>
+          <a:ext cx="10906505" cy="1351292"/>
         </p:xfrm>
         <a:graphic>
           <a:graphicData uri="http://schemas.openxmlformats.org/drawingml/2006/table">
@@ -14015,35 +14015,35 @@
                 <a:gridCol w="2190451">
                   <a:extLst>
                     <a:ext uri="{9D8B030D-6E8A-4147-A177-3AD203B41FA5}">
-                      <a16:colId xmlns:a16="http://schemas.microsoft.com/office/drawing/2014/main" val="2720601070"/>
+                      <a16:colId xmlns:a16="http://schemas.microsoft.com/office/drawing/2014/main" xmlns="" val="2720601070"/>
                     </a:ext>
                   </a:extLst>
                 </a:gridCol>
                 <a:gridCol w="2182390">
                   <a:extLst>
                     <a:ext uri="{9D8B030D-6E8A-4147-A177-3AD203B41FA5}">
-                      <a16:colId xmlns:a16="http://schemas.microsoft.com/office/drawing/2014/main" val="1694644209"/>
+                      <a16:colId xmlns:a16="http://schemas.microsoft.com/office/drawing/2014/main" xmlns="" val="1694644209"/>
                     </a:ext>
                   </a:extLst>
                 </a:gridCol>
                 <a:gridCol w="2182390">
                   <a:extLst>
                     <a:ext uri="{9D8B030D-6E8A-4147-A177-3AD203B41FA5}">
-                      <a16:colId xmlns:a16="http://schemas.microsoft.com/office/drawing/2014/main" val="2463113800"/>
+                      <a16:colId xmlns:a16="http://schemas.microsoft.com/office/drawing/2014/main" xmlns="" val="2463113800"/>
                     </a:ext>
                   </a:extLst>
                 </a:gridCol>
                 <a:gridCol w="2182390">
                   <a:extLst>
                     <a:ext uri="{9D8B030D-6E8A-4147-A177-3AD203B41FA5}">
-                      <a16:colId xmlns:a16="http://schemas.microsoft.com/office/drawing/2014/main" val="3430614864"/>
+                      <a16:colId xmlns:a16="http://schemas.microsoft.com/office/drawing/2014/main" xmlns="" val="3430614864"/>
                     </a:ext>
                   </a:extLst>
                 </a:gridCol>
                 <a:gridCol w="2168884">
                   <a:extLst>
                     <a:ext uri="{9D8B030D-6E8A-4147-A177-3AD203B41FA5}">
-                      <a16:colId xmlns:a16="http://schemas.microsoft.com/office/drawing/2014/main" val="2486547585"/>
+                      <a16:colId xmlns:a16="http://schemas.microsoft.com/office/drawing/2014/main" xmlns="" val="2486547585"/>
                     </a:ext>
                   </a:extLst>
                 </a:gridCol>
@@ -14158,7 +14158,7 @@
                 </a:tc>
                 <a:extLst>
                   <a:ext uri="{0D108BD9-81ED-4DB2-BD59-A6C34878D82A}">
-                    <a16:rowId xmlns:a16="http://schemas.microsoft.com/office/drawing/2014/main" val="3861647702"/>
+                    <a16:rowId xmlns:a16="http://schemas.microsoft.com/office/drawing/2014/main" xmlns="" val="3861647702"/>
                   </a:ext>
                 </a:extLst>
               </a:tr>
@@ -14297,7 +14297,7 @@
                 </a:tc>
                 <a:extLst>
                   <a:ext uri="{0D108BD9-81ED-4DB2-BD59-A6C34878D82A}">
-                    <a16:rowId xmlns:a16="http://schemas.microsoft.com/office/drawing/2014/main" val="1029224351"/>
+                    <a16:rowId xmlns:a16="http://schemas.microsoft.com/office/drawing/2014/main" xmlns="" val="1029224351"/>
                   </a:ext>
                 </a:extLst>
               </a:tr>
@@ -14561,7 +14561,7 @@
                 </a:tc>
                 <a:extLst>
                   <a:ext uri="{0D108BD9-81ED-4DB2-BD59-A6C34878D82A}">
-                    <a16:rowId xmlns:a16="http://schemas.microsoft.com/office/drawing/2014/main" val="3804796598"/>
+                    <a16:rowId xmlns:a16="http://schemas.microsoft.com/office/drawing/2014/main" xmlns="" val="3804796598"/>
                   </a:ext>
                 </a:extLst>
               </a:tr>
@@ -14574,7 +14574,7 @@
           <p:cNvPr id="22" name="Agrupar 21">
             <a:extLst>
               <a:ext uri="{FF2B5EF4-FFF2-40B4-BE49-F238E27FC236}">
-                <a16:creationId xmlns:a16="http://schemas.microsoft.com/office/drawing/2014/main" id="{8ACAC3D5-805D-4E9D-AD74-AC9FA36F7401}"/>
+                <a16:creationId xmlns:a16="http://schemas.microsoft.com/office/drawing/2014/main" xmlns="" id="{8ACAC3D5-805D-4E9D-AD74-AC9FA36F7401}"/>
               </a:ext>
             </a:extLst>
           </p:cNvPr>
@@ -14594,7 +14594,7 @@
             <p:cNvPr id="6" name="Retângulo 5">
               <a:extLst>
                 <a:ext uri="{FF2B5EF4-FFF2-40B4-BE49-F238E27FC236}">
-                  <a16:creationId xmlns:a16="http://schemas.microsoft.com/office/drawing/2014/main" id="{FCFB19FB-1A76-4B65-84E7-DDA33666BFE3}"/>
+                  <a16:creationId xmlns:a16="http://schemas.microsoft.com/office/drawing/2014/main" xmlns="" id="{FCFB19FB-1A76-4B65-84E7-DDA33666BFE3}"/>
                 </a:ext>
               </a:extLst>
             </p:cNvPr>
@@ -14646,7 +14646,7 @@
             <p:cNvPr id="11" name="Retângulo 10">
               <a:extLst>
                 <a:ext uri="{FF2B5EF4-FFF2-40B4-BE49-F238E27FC236}">
-                  <a16:creationId xmlns:a16="http://schemas.microsoft.com/office/drawing/2014/main" id="{1DD14323-4FC2-43F7-9393-636091501067}"/>
+                  <a16:creationId xmlns:a16="http://schemas.microsoft.com/office/drawing/2014/main" xmlns="" id="{1DD14323-4FC2-43F7-9393-636091501067}"/>
                 </a:ext>
               </a:extLst>
             </p:cNvPr>
@@ -14698,7 +14698,7 @@
             <p:cNvPr id="12" name="Retângulo 11">
               <a:extLst>
                 <a:ext uri="{FF2B5EF4-FFF2-40B4-BE49-F238E27FC236}">
-                  <a16:creationId xmlns:a16="http://schemas.microsoft.com/office/drawing/2014/main" id="{DEBCE501-AF48-4531-BF0A-8C3DC4DBD560}"/>
+                  <a16:creationId xmlns:a16="http://schemas.microsoft.com/office/drawing/2014/main" xmlns="" id="{DEBCE501-AF48-4531-BF0A-8C3DC4DBD560}"/>
                 </a:ext>
               </a:extLst>
             </p:cNvPr>
@@ -14750,7 +14750,7 @@
             <p:cNvPr id="13" name="Retângulo 12">
               <a:extLst>
                 <a:ext uri="{FF2B5EF4-FFF2-40B4-BE49-F238E27FC236}">
-                  <a16:creationId xmlns:a16="http://schemas.microsoft.com/office/drawing/2014/main" id="{FC5D1ACA-F478-4CB6-9CC4-85EA8EF9458C}"/>
+                  <a16:creationId xmlns:a16="http://schemas.microsoft.com/office/drawing/2014/main" xmlns="" id="{FC5D1ACA-F478-4CB6-9CC4-85EA8EF9458C}"/>
                 </a:ext>
               </a:extLst>
             </p:cNvPr>
@@ -14802,7 +14802,7 @@
             <p:cNvPr id="14" name="Retângulo 13">
               <a:extLst>
                 <a:ext uri="{FF2B5EF4-FFF2-40B4-BE49-F238E27FC236}">
-                  <a16:creationId xmlns:a16="http://schemas.microsoft.com/office/drawing/2014/main" id="{106D795F-81E0-4387-BF38-0F3C2FC4639F}"/>
+                  <a16:creationId xmlns:a16="http://schemas.microsoft.com/office/drawing/2014/main" xmlns="" id="{106D795F-81E0-4387-BF38-0F3C2FC4639F}"/>
                 </a:ext>
               </a:extLst>
             </p:cNvPr>
@@ -14854,7 +14854,7 @@
             <p:cNvPr id="15" name="CaixaDeTexto 14">
               <a:extLst>
                 <a:ext uri="{FF2B5EF4-FFF2-40B4-BE49-F238E27FC236}">
-                  <a16:creationId xmlns:a16="http://schemas.microsoft.com/office/drawing/2014/main" id="{418DD17E-F319-4281-95C1-CF39832731B8}"/>
+                  <a16:creationId xmlns:a16="http://schemas.microsoft.com/office/drawing/2014/main" xmlns="" id="{418DD17E-F319-4281-95C1-CF39832731B8}"/>
                 </a:ext>
               </a:extLst>
             </p:cNvPr>
@@ -14906,7 +14906,7 @@
             <p:cNvPr id="16" name="CaixaDeTexto 15">
               <a:extLst>
                 <a:ext uri="{FF2B5EF4-FFF2-40B4-BE49-F238E27FC236}">
-                  <a16:creationId xmlns:a16="http://schemas.microsoft.com/office/drawing/2014/main" id="{0B2D301B-0CF6-477E-95A4-19F33E785B23}"/>
+                  <a16:creationId xmlns:a16="http://schemas.microsoft.com/office/drawing/2014/main" xmlns="" id="{0B2D301B-0CF6-477E-95A4-19F33E785B23}"/>
                 </a:ext>
               </a:extLst>
             </p:cNvPr>
@@ -14950,7 +14950,7 @@
             <p:cNvPr id="17" name="CaixaDeTexto 16">
               <a:extLst>
                 <a:ext uri="{FF2B5EF4-FFF2-40B4-BE49-F238E27FC236}">
-                  <a16:creationId xmlns:a16="http://schemas.microsoft.com/office/drawing/2014/main" id="{1B22E2E9-7197-4F38-ACCC-5ABF70BE5F4E}"/>
+                  <a16:creationId xmlns:a16="http://schemas.microsoft.com/office/drawing/2014/main" xmlns="" id="{1B22E2E9-7197-4F38-ACCC-5ABF70BE5F4E}"/>
                 </a:ext>
               </a:extLst>
             </p:cNvPr>
@@ -15015,7 +15015,7 @@
             <p:cNvPr id="18" name="CaixaDeTexto 17">
               <a:extLst>
                 <a:ext uri="{FF2B5EF4-FFF2-40B4-BE49-F238E27FC236}">
-                  <a16:creationId xmlns:a16="http://schemas.microsoft.com/office/drawing/2014/main" id="{2E5C081D-07DE-465C-B293-4EB5B383F009}"/>
+                  <a16:creationId xmlns:a16="http://schemas.microsoft.com/office/drawing/2014/main" xmlns="" id="{2E5C081D-07DE-465C-B293-4EB5B383F009}"/>
                 </a:ext>
               </a:extLst>
             </p:cNvPr>
@@ -15067,7 +15067,7 @@
             <p:cNvPr id="19" name="CaixaDeTexto 18">
               <a:extLst>
                 <a:ext uri="{FF2B5EF4-FFF2-40B4-BE49-F238E27FC236}">
-                  <a16:creationId xmlns:a16="http://schemas.microsoft.com/office/drawing/2014/main" id="{B28C9708-5CC6-4FE9-AEE4-C4DA06DC14B3}"/>
+                  <a16:creationId xmlns:a16="http://schemas.microsoft.com/office/drawing/2014/main" xmlns="" id="{B28C9708-5CC6-4FE9-AEE4-C4DA06DC14B3}"/>
                 </a:ext>
               </a:extLst>
             </p:cNvPr>
@@ -15122,7 +15122,7 @@
           <p:cNvPr id="20" name="Tabela 20">
             <a:extLst>
               <a:ext uri="{FF2B5EF4-FFF2-40B4-BE49-F238E27FC236}">
-                <a16:creationId xmlns:a16="http://schemas.microsoft.com/office/drawing/2014/main" id="{053AB241-6713-4349-874C-3B60B903F427}"/>
+                <a16:creationId xmlns:a16="http://schemas.microsoft.com/office/drawing/2014/main" xmlns="" id="{053AB241-6713-4349-874C-3B60B903F427}"/>
               </a:ext>
             </a:extLst>
           </p:cNvPr>
@@ -15151,35 +15151,35 @@
                 <a:gridCol w="915438">
                   <a:extLst>
                     <a:ext uri="{9D8B030D-6E8A-4147-A177-3AD203B41FA5}">
-                      <a16:colId xmlns:a16="http://schemas.microsoft.com/office/drawing/2014/main" val="1931333004"/>
+                      <a16:colId xmlns:a16="http://schemas.microsoft.com/office/drawing/2014/main" xmlns="" val="1931333004"/>
                     </a:ext>
                   </a:extLst>
                 </a:gridCol>
                 <a:gridCol w="877077">
                   <a:extLst>
                     <a:ext uri="{9D8B030D-6E8A-4147-A177-3AD203B41FA5}">
-                      <a16:colId xmlns:a16="http://schemas.microsoft.com/office/drawing/2014/main" val="2549598735"/>
+                      <a16:colId xmlns:a16="http://schemas.microsoft.com/office/drawing/2014/main" xmlns="" val="2549598735"/>
                     </a:ext>
                   </a:extLst>
                 </a:gridCol>
                 <a:gridCol w="933061">
                   <a:extLst>
                     <a:ext uri="{9D8B030D-6E8A-4147-A177-3AD203B41FA5}">
-                      <a16:colId xmlns:a16="http://schemas.microsoft.com/office/drawing/2014/main" val="666232204"/>
+                      <a16:colId xmlns:a16="http://schemas.microsoft.com/office/drawing/2014/main" xmlns="" val="666232204"/>
                     </a:ext>
                   </a:extLst>
                 </a:gridCol>
                 <a:gridCol w="867747">
                   <a:extLst>
                     <a:ext uri="{9D8B030D-6E8A-4147-A177-3AD203B41FA5}">
-                      <a16:colId xmlns:a16="http://schemas.microsoft.com/office/drawing/2014/main" val="954527318"/>
+                      <a16:colId xmlns:a16="http://schemas.microsoft.com/office/drawing/2014/main" xmlns="" val="954527318"/>
                     </a:ext>
                   </a:extLst>
                 </a:gridCol>
                 <a:gridCol w="1417618">
                   <a:extLst>
                     <a:ext uri="{9D8B030D-6E8A-4147-A177-3AD203B41FA5}">
-                      <a16:colId xmlns:a16="http://schemas.microsoft.com/office/drawing/2014/main" val="1522748676"/>
+                      <a16:colId xmlns:a16="http://schemas.microsoft.com/office/drawing/2014/main" xmlns="" val="1522748676"/>
                     </a:ext>
                   </a:extLst>
                 </a:gridCol>
@@ -15373,7 +15373,7 @@
                 </a:tc>
                 <a:extLst>
                   <a:ext uri="{0D108BD9-81ED-4DB2-BD59-A6C34878D82A}">
-                    <a16:rowId xmlns:a16="http://schemas.microsoft.com/office/drawing/2014/main" val="1291372520"/>
+                    <a16:rowId xmlns:a16="http://schemas.microsoft.com/office/drawing/2014/main" xmlns="" val="1291372520"/>
                   </a:ext>
                 </a:extLst>
               </a:tr>
@@ -15601,7 +15601,7 @@
                 </a:tc>
                 <a:extLst>
                   <a:ext uri="{0D108BD9-81ED-4DB2-BD59-A6C34878D82A}">
-                    <a16:rowId xmlns:a16="http://schemas.microsoft.com/office/drawing/2014/main" val="1477436502"/>
+                    <a16:rowId xmlns:a16="http://schemas.microsoft.com/office/drawing/2014/main" xmlns="" val="1477436502"/>
                   </a:ext>
                 </a:extLst>
               </a:tr>
@@ -15805,7 +15805,7 @@
                 </a:tc>
                 <a:extLst>
                   <a:ext uri="{0D108BD9-81ED-4DB2-BD59-A6C34878D82A}">
-                    <a16:rowId xmlns:a16="http://schemas.microsoft.com/office/drawing/2014/main" val="468502876"/>
+                    <a16:rowId xmlns:a16="http://schemas.microsoft.com/office/drawing/2014/main" xmlns="" val="468502876"/>
                   </a:ext>
                 </a:extLst>
               </a:tr>
@@ -16009,7 +16009,7 @@
                 </a:tc>
                 <a:extLst>
                   <a:ext uri="{0D108BD9-81ED-4DB2-BD59-A6C34878D82A}">
-                    <a16:rowId xmlns:a16="http://schemas.microsoft.com/office/drawing/2014/main" val="877003540"/>
+                    <a16:rowId xmlns:a16="http://schemas.microsoft.com/office/drawing/2014/main" xmlns="" val="877003540"/>
                   </a:ext>
                 </a:extLst>
               </a:tr>
@@ -16213,7 +16213,7 @@
                 </a:tc>
                 <a:extLst>
                   <a:ext uri="{0D108BD9-81ED-4DB2-BD59-A6C34878D82A}">
-                    <a16:rowId xmlns:a16="http://schemas.microsoft.com/office/drawing/2014/main" val="3948626081"/>
+                    <a16:rowId xmlns:a16="http://schemas.microsoft.com/office/drawing/2014/main" xmlns="" val="3948626081"/>
                   </a:ext>
                 </a:extLst>
               </a:tr>
@@ -16417,7 +16417,7 @@
                 </a:tc>
                 <a:extLst>
                   <a:ext uri="{0D108BD9-81ED-4DB2-BD59-A6C34878D82A}">
-                    <a16:rowId xmlns:a16="http://schemas.microsoft.com/office/drawing/2014/main" val="1025752665"/>
+                    <a16:rowId xmlns:a16="http://schemas.microsoft.com/office/drawing/2014/main" xmlns="" val="1025752665"/>
                   </a:ext>
                 </a:extLst>
               </a:tr>
@@ -16633,7 +16633,7 @@
                 </a:tc>
                 <a:extLst>
                   <a:ext uri="{0D108BD9-81ED-4DB2-BD59-A6C34878D82A}">
-                    <a16:rowId xmlns:a16="http://schemas.microsoft.com/office/drawing/2014/main" val="3404637667"/>
+                    <a16:rowId xmlns:a16="http://schemas.microsoft.com/office/drawing/2014/main" xmlns="" val="3404637667"/>
                   </a:ext>
                 </a:extLst>
               </a:tr>
@@ -16837,7 +16837,7 @@
                 </a:tc>
                 <a:extLst>
                   <a:ext uri="{0D108BD9-81ED-4DB2-BD59-A6C34878D82A}">
-                    <a16:rowId xmlns:a16="http://schemas.microsoft.com/office/drawing/2014/main" val="3333431357"/>
+                    <a16:rowId xmlns:a16="http://schemas.microsoft.com/office/drawing/2014/main" xmlns="" val="3333431357"/>
                   </a:ext>
                 </a:extLst>
               </a:tr>
@@ -16850,7 +16850,7 @@
           <p:cNvPr id="24" name="Tabela 24">
             <a:extLst>
               <a:ext uri="{FF2B5EF4-FFF2-40B4-BE49-F238E27FC236}">
-                <a16:creationId xmlns:a16="http://schemas.microsoft.com/office/drawing/2014/main" id="{30614754-A82C-4062-8A48-110C4F0EB1AC}"/>
+                <a16:creationId xmlns:a16="http://schemas.microsoft.com/office/drawing/2014/main" xmlns="" id="{30614754-A82C-4062-8A48-110C4F0EB1AC}"/>
               </a:ext>
             </a:extLst>
           </p:cNvPr>
@@ -16879,28 +16879,28 @@
                 <a:gridCol w="1360195">
                   <a:extLst>
                     <a:ext uri="{9D8B030D-6E8A-4147-A177-3AD203B41FA5}">
-                      <a16:colId xmlns:a16="http://schemas.microsoft.com/office/drawing/2014/main" val="2955855276"/>
+                      <a16:colId xmlns:a16="http://schemas.microsoft.com/office/drawing/2014/main" xmlns="" val="2955855276"/>
                     </a:ext>
                   </a:extLst>
                 </a:gridCol>
                 <a:gridCol w="1360195">
                   <a:extLst>
                     <a:ext uri="{9D8B030D-6E8A-4147-A177-3AD203B41FA5}">
-                      <a16:colId xmlns:a16="http://schemas.microsoft.com/office/drawing/2014/main" val="3640410759"/>
+                      <a16:colId xmlns:a16="http://schemas.microsoft.com/office/drawing/2014/main" xmlns="" val="3640410759"/>
                     </a:ext>
                   </a:extLst>
                 </a:gridCol>
                 <a:gridCol w="1360195">
                   <a:extLst>
                     <a:ext uri="{9D8B030D-6E8A-4147-A177-3AD203B41FA5}">
-                      <a16:colId xmlns:a16="http://schemas.microsoft.com/office/drawing/2014/main" val="2158507627"/>
+                      <a16:colId xmlns:a16="http://schemas.microsoft.com/office/drawing/2014/main" xmlns="" val="2158507627"/>
                     </a:ext>
                   </a:extLst>
                 </a:gridCol>
                 <a:gridCol w="1360195">
                   <a:extLst>
                     <a:ext uri="{9D8B030D-6E8A-4147-A177-3AD203B41FA5}">
-                      <a16:colId xmlns:a16="http://schemas.microsoft.com/office/drawing/2014/main" val="1607804873"/>
+                      <a16:colId xmlns:a16="http://schemas.microsoft.com/office/drawing/2014/main" xmlns="" val="1607804873"/>
                     </a:ext>
                   </a:extLst>
                 </a:gridCol>
@@ -17024,7 +17024,7 @@
                 </a:tc>
                 <a:extLst>
                   <a:ext uri="{0D108BD9-81ED-4DB2-BD59-A6C34878D82A}">
-                    <a16:rowId xmlns:a16="http://schemas.microsoft.com/office/drawing/2014/main" val="1836341308"/>
+                    <a16:rowId xmlns:a16="http://schemas.microsoft.com/office/drawing/2014/main" xmlns="" val="1836341308"/>
                   </a:ext>
                 </a:extLst>
               </a:tr>
@@ -17179,7 +17179,7 @@
                 </a:tc>
                 <a:extLst>
                   <a:ext uri="{0D108BD9-81ED-4DB2-BD59-A6C34878D82A}">
-                    <a16:rowId xmlns:a16="http://schemas.microsoft.com/office/drawing/2014/main" val="2565940972"/>
+                    <a16:rowId xmlns:a16="http://schemas.microsoft.com/office/drawing/2014/main" xmlns="" val="2565940972"/>
                   </a:ext>
                 </a:extLst>
               </a:tr>
@@ -17192,7 +17192,7 @@
           <p:cNvPr id="26" name="CaixaDeTexto 25">
             <a:extLst>
               <a:ext uri="{FF2B5EF4-FFF2-40B4-BE49-F238E27FC236}">
-                <a16:creationId xmlns:a16="http://schemas.microsoft.com/office/drawing/2014/main" id="{9EDF4D89-8D96-4B4A-9C6E-4039E2791EEA}"/>
+                <a16:creationId xmlns:a16="http://schemas.microsoft.com/office/drawing/2014/main" xmlns="" id="{9EDF4D89-8D96-4B4A-9C6E-4039E2791EEA}"/>
               </a:ext>
             </a:extLst>
           </p:cNvPr>
@@ -17247,7 +17247,7 @@
           <p:cNvPr id="23" name="Título 1">
             <a:extLst>
               <a:ext uri="{FF2B5EF4-FFF2-40B4-BE49-F238E27FC236}">
-                <a16:creationId xmlns:a16="http://schemas.microsoft.com/office/drawing/2014/main" id="{99F76FBE-1BC2-4EE6-B90A-22263BF7BDCD}"/>
+                <a16:creationId xmlns:a16="http://schemas.microsoft.com/office/drawing/2014/main" xmlns="" id="{99F76FBE-1BC2-4EE6-B90A-22263BF7BDCD}"/>
               </a:ext>
             </a:extLst>
           </p:cNvPr>
@@ -17409,7 +17409,7 @@
           <p:cNvPr id="2" name="Título 1">
             <a:extLst>
               <a:ext uri="{FF2B5EF4-FFF2-40B4-BE49-F238E27FC236}">
-                <a16:creationId xmlns:a16="http://schemas.microsoft.com/office/drawing/2014/main" id="{99F76FBE-1BC2-4EE6-B90A-22263BF7BDCD}"/>
+                <a16:creationId xmlns:a16="http://schemas.microsoft.com/office/drawing/2014/main" xmlns="" id="{99F76FBE-1BC2-4EE6-B90A-22263BF7BDCD}"/>
               </a:ext>
             </a:extLst>
           </p:cNvPr>
@@ -17686,7 +17686,7 @@
           <p:cNvPr id="6" name="Título 1">
             <a:extLst>
               <a:ext uri="{FF2B5EF4-FFF2-40B4-BE49-F238E27FC236}">
-                <a16:creationId xmlns:a16="http://schemas.microsoft.com/office/drawing/2014/main" id="{99F76FBE-1BC2-4EE6-B90A-22263BF7BDCD}"/>
+                <a16:creationId xmlns:a16="http://schemas.microsoft.com/office/drawing/2014/main" xmlns="" id="{99F76FBE-1BC2-4EE6-B90A-22263BF7BDCD}"/>
               </a:ext>
             </a:extLst>
           </p:cNvPr>
@@ -18044,7 +18044,7 @@
           <p:cNvPr id="6" name="Título 1">
             <a:extLst>
               <a:ext uri="{FF2B5EF4-FFF2-40B4-BE49-F238E27FC236}">
-                <a16:creationId xmlns:a16="http://schemas.microsoft.com/office/drawing/2014/main" id="{99F76FBE-1BC2-4EE6-B90A-22263BF7BDCD}"/>
+                <a16:creationId xmlns:a16="http://schemas.microsoft.com/office/drawing/2014/main" xmlns="" id="{99F76FBE-1BC2-4EE6-B90A-22263BF7BDCD}"/>
               </a:ext>
             </a:extLst>
           </p:cNvPr>
@@ -18224,7 +18224,7 @@
           <p:cNvPr id="4" name="Título 1">
             <a:extLst>
               <a:ext uri="{FF2B5EF4-FFF2-40B4-BE49-F238E27FC236}">
-                <a16:creationId xmlns:a16="http://schemas.microsoft.com/office/drawing/2014/main" id="{99F76FBE-1BC2-4EE6-B90A-22263BF7BDCD}"/>
+                <a16:creationId xmlns:a16="http://schemas.microsoft.com/office/drawing/2014/main" xmlns="" id="{99F76FBE-1BC2-4EE6-B90A-22263BF7BDCD}"/>
               </a:ext>
             </a:extLst>
           </p:cNvPr>
@@ -18577,7 +18577,7 @@
           <p:cNvPr id="7" name="Título 1">
             <a:extLst>
               <a:ext uri="{FF2B5EF4-FFF2-40B4-BE49-F238E27FC236}">
-                <a16:creationId xmlns:a16="http://schemas.microsoft.com/office/drawing/2014/main" id="{99F76FBE-1BC2-4EE6-B90A-22263BF7BDCD}"/>
+                <a16:creationId xmlns:a16="http://schemas.microsoft.com/office/drawing/2014/main" xmlns="" id="{99F76FBE-1BC2-4EE6-B90A-22263BF7BDCD}"/>
               </a:ext>
             </a:extLst>
           </p:cNvPr>
@@ -18887,8 +18887,8 @@
         </p:blipFill>
         <p:spPr>
           <a:xfrm>
-            <a:off x="992187" y="862497"/>
-            <a:ext cx="9953625" cy="5610225"/>
+            <a:off x="903978" y="641268"/>
+            <a:ext cx="10384044" cy="5788411"/>
           </a:xfrm>
           <a:prstGeom prst="rect">
             <a:avLst/>
@@ -18944,121 +18944,12 @@
           <a:chExt cx="0" cy="0"/>
         </a:xfrm>
       </p:grpSpPr>
-      <p:pic>
-        <p:nvPicPr>
-          <p:cNvPr id="5" name="Imagem 4"/>
-          <p:cNvPicPr>
-            <a:picLocks noChangeAspect="1"/>
-          </p:cNvPicPr>
-          <p:nvPr/>
-        </p:nvPicPr>
-        <p:blipFill>
-          <a:blip r:embed="rId2" cstate="print">
-            <a:extLst>
-              <a:ext uri="{28A0092B-C50C-407E-A947-70E740481C1C}">
-                <a14:useLocalDpi xmlns:a14="http://schemas.microsoft.com/office/drawing/2010/main" val="0"/>
-              </a:ext>
-            </a:extLst>
-          </a:blip>
-          <a:stretch>
-            <a:fillRect/>
-          </a:stretch>
-        </p:blipFill>
-        <p:spPr>
-          <a:xfrm>
-            <a:off x="11313459" y="286497"/>
-            <a:ext cx="576000" cy="576000"/>
-          </a:xfrm>
-          <a:prstGeom prst="rect">
-            <a:avLst/>
-          </a:prstGeom>
-        </p:spPr>
-      </p:pic>
-      <p:pic>
-        <p:nvPicPr>
-          <p:cNvPr id="10" name="Imagem 9"/>
-          <p:cNvPicPr>
-            <a:picLocks noChangeAspect="1"/>
-          </p:cNvPicPr>
-          <p:nvPr/>
-        </p:nvPicPr>
-        <p:blipFill>
-          <a:blip r:embed="rId3">
-            <a:extLst>
-              <a:ext uri="{28A0092B-C50C-407E-A947-70E740481C1C}">
-                <a14:useLocalDpi xmlns:a14="http://schemas.microsoft.com/office/drawing/2010/main" val="0"/>
-              </a:ext>
-            </a:extLst>
-          </a:blip>
-          <a:stretch>
-            <a:fillRect/>
-          </a:stretch>
-        </p:blipFill>
-        <p:spPr>
-          <a:xfrm>
-            <a:off x="992187" y="862496"/>
-            <a:ext cx="9953625" cy="5610225"/>
-          </a:xfrm>
-          <a:prstGeom prst="rect">
-            <a:avLst/>
-          </a:prstGeom>
-        </p:spPr>
-      </p:pic>
-    </p:spTree>
-    <p:extLst>
-      <p:ext uri="{BB962C8B-B14F-4D97-AF65-F5344CB8AC3E}">
-        <p14:creationId xmlns:p14="http://schemas.microsoft.com/office/powerpoint/2010/main" val="3517903189"/>
-      </p:ext>
-    </p:extLst>
-  </p:cSld>
-  <p:clrMapOvr>
-    <a:masterClrMapping/>
-  </p:clrMapOvr>
-  <mc:AlternateContent xmlns:mc="http://schemas.openxmlformats.org/markup-compatibility/2006" xmlns:p14="http://schemas.microsoft.com/office/powerpoint/2010/main">
-    <mc:Choice Requires="p14">
-      <p:transition spd="med" p14:dur="700">
-        <p:fade/>
-      </p:transition>
-    </mc:Choice>
-    <mc:Fallback xmlns="">
-      <p:transition spd="med">
-        <p:fade/>
-      </p:transition>
-    </mc:Fallback>
-  </mc:AlternateContent>
-  <p:timing>
-    <p:tnLst>
-      <p:par>
-        <p:cTn id="1" dur="indefinite" restart="never" nodeType="tmRoot"/>
-      </p:par>
-    </p:tnLst>
-  </p:timing>
-</p:sld>
-</file>
-
-<file path=ppt/slides/slide23.xml><?xml version="1.0" encoding="utf-8"?>
-<p:sld xmlns:a="http://schemas.openxmlformats.org/drawingml/2006/main" xmlns:r="http://schemas.openxmlformats.org/officeDocument/2006/relationships" xmlns:p="http://schemas.openxmlformats.org/presentationml/2006/main">
-  <p:cSld>
-    <p:spTree>
-      <p:nvGrpSpPr>
-        <p:cNvPr id="1" name=""/>
-        <p:cNvGrpSpPr/>
-        <p:nvPr/>
-      </p:nvGrpSpPr>
-      <p:grpSpPr>
-        <a:xfrm>
-          <a:off x="0" y="0"/>
-          <a:ext cx="0" cy="0"/>
-          <a:chOff x="0" y="0"/>
-          <a:chExt cx="0" cy="0"/>
-        </a:xfrm>
-      </p:grpSpPr>
       <p:sp>
         <p:nvSpPr>
           <p:cNvPr id="7" name="Título 1">
             <a:extLst>
               <a:ext uri="{FF2B5EF4-FFF2-40B4-BE49-F238E27FC236}">
-                <a16:creationId xmlns:a16="http://schemas.microsoft.com/office/drawing/2014/main" id="{99F76FBE-1BC2-4EE6-B90A-22263BF7BDCD}"/>
+                <a16:creationId xmlns:a16="http://schemas.microsoft.com/office/drawing/2014/main" xmlns="" id="{99F76FBE-1BC2-4EE6-B90A-22263BF7BDCD}"/>
               </a:ext>
             </a:extLst>
           </p:cNvPr>
@@ -19170,30 +19061,6 @@
           <a:xfrm>
             <a:off x="2568389" y="2488578"/>
             <a:ext cx="7048498" cy="3957141"/>
-          </a:xfrm>
-          <a:prstGeom prst="rect">
-            <a:avLst/>
-          </a:prstGeom>
-        </p:spPr>
-      </p:pic>
-      <p:pic>
-        <p:nvPicPr>
-          <p:cNvPr id="6" name="Imagem 5"/>
-          <p:cNvPicPr>
-            <a:picLocks noChangeAspect="1"/>
-          </p:cNvPicPr>
-          <p:nvPr/>
-        </p:nvPicPr>
-        <p:blipFill>
-          <a:blip r:embed="rId4"/>
-          <a:stretch>
-            <a:fillRect/>
-          </a:stretch>
-        </p:blipFill>
-        <p:spPr>
-          <a:xfrm>
-            <a:off x="694933" y="976797"/>
-            <a:ext cx="10658866" cy="5238560"/>
           </a:xfrm>
           <a:prstGeom prst="rect">
             <a:avLst/>
@@ -19330,105 +19197,6 @@
                       </p:childTnLst>
                     </p:cTn>
                   </p:par>
-                  <p:par>
-                    <p:cTn id="12" fill="hold">
-                      <p:stCondLst>
-                        <p:cond delay="indefinite"/>
-                      </p:stCondLst>
-                      <p:childTnLst>
-                        <p:par>
-                          <p:cTn id="13" fill="hold">
-                            <p:stCondLst>
-                              <p:cond delay="0"/>
-                            </p:stCondLst>
-                            <p:childTnLst>
-                              <p:par>
-                                <p:cTn id="14" presetID="53" presetClass="entr" presetSubtype="16" fill="hold" nodeType="clickEffect">
-                                  <p:stCondLst>
-                                    <p:cond delay="0"/>
-                                  </p:stCondLst>
-                                  <p:childTnLst>
-                                    <p:set>
-                                      <p:cBhvr>
-                                        <p:cTn id="15" dur="1" fill="hold">
-                                          <p:stCondLst>
-                                            <p:cond delay="0"/>
-                                          </p:stCondLst>
-                                        </p:cTn>
-                                        <p:tgtEl>
-                                          <p:spTgt spid="6"/>
-                                        </p:tgtEl>
-                                        <p:attrNameLst>
-                                          <p:attrName>style.visibility</p:attrName>
-                                        </p:attrNameLst>
-                                      </p:cBhvr>
-                                      <p:to>
-                                        <p:strVal val="visible"/>
-                                      </p:to>
-                                    </p:set>
-                                    <p:anim calcmode="lin" valueType="num">
-                                      <p:cBhvr>
-                                        <p:cTn id="16" dur="500" fill="hold"/>
-                                        <p:tgtEl>
-                                          <p:spTgt spid="6"/>
-                                        </p:tgtEl>
-                                        <p:attrNameLst>
-                                          <p:attrName>ppt_w</p:attrName>
-                                        </p:attrNameLst>
-                                      </p:cBhvr>
-                                      <p:tavLst>
-                                        <p:tav tm="0">
-                                          <p:val>
-                                            <p:fltVal val="0"/>
-                                          </p:val>
-                                        </p:tav>
-                                        <p:tav tm="100000">
-                                          <p:val>
-                                            <p:strVal val="#ppt_w"/>
-                                          </p:val>
-                                        </p:tav>
-                                      </p:tavLst>
-                                    </p:anim>
-                                    <p:anim calcmode="lin" valueType="num">
-                                      <p:cBhvr>
-                                        <p:cTn id="17" dur="500" fill="hold"/>
-                                        <p:tgtEl>
-                                          <p:spTgt spid="6"/>
-                                        </p:tgtEl>
-                                        <p:attrNameLst>
-                                          <p:attrName>ppt_h</p:attrName>
-                                        </p:attrNameLst>
-                                      </p:cBhvr>
-                                      <p:tavLst>
-                                        <p:tav tm="0">
-                                          <p:val>
-                                            <p:fltVal val="0"/>
-                                          </p:val>
-                                        </p:tav>
-                                        <p:tav tm="100000">
-                                          <p:val>
-                                            <p:strVal val="#ppt_h"/>
-                                          </p:val>
-                                        </p:tav>
-                                      </p:tavLst>
-                                    </p:anim>
-                                    <p:animEffect transition="in" filter="fade">
-                                      <p:cBhvr>
-                                        <p:cTn id="18" dur="500"/>
-                                        <p:tgtEl>
-                                          <p:spTgt spid="6"/>
-                                        </p:tgtEl>
-                                      </p:cBhvr>
-                                    </p:animEffect>
-                                  </p:childTnLst>
-                                </p:cTn>
-                              </p:par>
-                            </p:childTnLst>
-                          </p:cTn>
-                        </p:par>
-                      </p:childTnLst>
-                    </p:cTn>
-                  </p:par>
                 </p:childTnLst>
               </p:cTn>
               <p:prevCondLst>
@@ -19457,6 +19225,90 @@
 </p:sld>
 </file>
 
+<file path=ppt/slides/slide23.xml><?xml version="1.0" encoding="utf-8"?>
+<p:sld xmlns:a="http://schemas.openxmlformats.org/drawingml/2006/main" xmlns:r="http://schemas.openxmlformats.org/officeDocument/2006/relationships" xmlns:p="http://schemas.openxmlformats.org/presentationml/2006/main">
+  <p:cSld>
+    <p:spTree>
+      <p:nvGrpSpPr>
+        <p:cNvPr id="1" name=""/>
+        <p:cNvGrpSpPr/>
+        <p:nvPr/>
+      </p:nvGrpSpPr>
+      <p:grpSpPr>
+        <a:xfrm>
+          <a:off x="0" y="0"/>
+          <a:ext cx="0" cy="0"/>
+          <a:chOff x="0" y="0"/>
+          <a:chExt cx="0" cy="0"/>
+        </a:xfrm>
+      </p:grpSpPr>
+      <p:pic>
+        <p:nvPicPr>
+          <p:cNvPr id="4" name="Imagem 3"/>
+          <p:cNvPicPr>
+            <a:picLocks noChangeAspect="1"/>
+          </p:cNvPicPr>
+          <p:nvPr/>
+        </p:nvPicPr>
+        <p:blipFill>
+          <a:blip r:embed="rId2"/>
+          <a:stretch>
+            <a:fillRect/>
+          </a:stretch>
+        </p:blipFill>
+        <p:spPr>
+          <a:xfrm>
+            <a:off x="423704" y="862497"/>
+            <a:ext cx="11344593" cy="5280718"/>
+          </a:xfrm>
+          <a:prstGeom prst="rect">
+            <a:avLst/>
+          </a:prstGeom>
+        </p:spPr>
+      </p:pic>
+      <p:pic>
+        <p:nvPicPr>
+          <p:cNvPr id="5" name="Imagem 4"/>
+          <p:cNvPicPr>
+            <a:picLocks noChangeAspect="1"/>
+          </p:cNvPicPr>
+          <p:nvPr/>
+        </p:nvPicPr>
+        <p:blipFill>
+          <a:blip r:embed="rId3" cstate="print">
+            <a:extLst>
+              <a:ext uri="{28A0092B-C50C-407E-A947-70E740481C1C}">
+                <a14:useLocalDpi xmlns:a14="http://schemas.microsoft.com/office/drawing/2010/main" val="0"/>
+              </a:ext>
+            </a:extLst>
+          </a:blip>
+          <a:stretch>
+            <a:fillRect/>
+          </a:stretch>
+        </p:blipFill>
+        <p:spPr>
+          <a:xfrm>
+            <a:off x="11313459" y="286497"/>
+            <a:ext cx="576000" cy="576000"/>
+          </a:xfrm>
+          <a:prstGeom prst="rect">
+            <a:avLst/>
+          </a:prstGeom>
+        </p:spPr>
+      </p:pic>
+    </p:spTree>
+    <p:extLst>
+      <p:ext uri="{BB962C8B-B14F-4D97-AF65-F5344CB8AC3E}">
+        <p14:creationId xmlns:p14="http://schemas.microsoft.com/office/powerpoint/2010/main" val="373576588"/>
+      </p:ext>
+    </p:extLst>
+  </p:cSld>
+  <p:clrMapOvr>
+    <a:masterClrMapping/>
+  </p:clrMapOvr>
+</p:sld>
+</file>
+
 <file path=ppt/slides/slide24.xml><?xml version="1.0" encoding="utf-8"?>
 <p:sld xmlns:a="http://schemas.openxmlformats.org/drawingml/2006/main" xmlns:r="http://schemas.openxmlformats.org/officeDocument/2006/relationships" xmlns:p="http://schemas.openxmlformats.org/presentationml/2006/main">
   <p:cSld>
@@ -19479,7 +19331,7 @@
           <p:cNvPr id="7" name="Título 1">
             <a:extLst>
               <a:ext uri="{FF2B5EF4-FFF2-40B4-BE49-F238E27FC236}">
-                <a16:creationId xmlns:a16="http://schemas.microsoft.com/office/drawing/2014/main" id="{99F76FBE-1BC2-4EE6-B90A-22263BF7BDCD}"/>
+                <a16:creationId xmlns:a16="http://schemas.microsoft.com/office/drawing/2014/main" xmlns="" id="{99F76FBE-1BC2-4EE6-B90A-22263BF7BDCD}"/>
               </a:ext>
             </a:extLst>
           </p:cNvPr>
@@ -19742,7 +19594,7 @@
           <p:cNvPr id="2" name="Título 1">
             <a:extLst>
               <a:ext uri="{FF2B5EF4-FFF2-40B4-BE49-F238E27FC236}">
-                <a16:creationId xmlns:a16="http://schemas.microsoft.com/office/drawing/2014/main" id="{99F76FBE-1BC2-4EE6-B90A-22263BF7BDCD}"/>
+                <a16:creationId xmlns:a16="http://schemas.microsoft.com/office/drawing/2014/main" xmlns="" id="{99F76FBE-1BC2-4EE6-B90A-22263BF7BDCD}"/>
               </a:ext>
             </a:extLst>
           </p:cNvPr>
@@ -19843,7 +19695,7 @@
           <p:cNvPr id="11" name="CaixaDeTexto 10">
             <a:extLst>
               <a:ext uri="{FF2B5EF4-FFF2-40B4-BE49-F238E27FC236}">
-                <a16:creationId xmlns:a16="http://schemas.microsoft.com/office/drawing/2014/main" id="{869545E3-DC46-4CDB-A839-CA8AA4E80E78}"/>
+                <a16:creationId xmlns:a16="http://schemas.microsoft.com/office/drawing/2014/main" xmlns="" id="{869545E3-DC46-4CDB-A839-CA8AA4E80E78}"/>
               </a:ext>
             </a:extLst>
           </p:cNvPr>
@@ -20083,7 +19935,7 @@
           <p:cNvPr id="2" name="Título 1">
             <a:extLst>
               <a:ext uri="{FF2B5EF4-FFF2-40B4-BE49-F238E27FC236}">
-                <a16:creationId xmlns:a16="http://schemas.microsoft.com/office/drawing/2014/main" id="{99F76FBE-1BC2-4EE6-B90A-22263BF7BDCD}"/>
+                <a16:creationId xmlns:a16="http://schemas.microsoft.com/office/drawing/2014/main" xmlns="" id="{99F76FBE-1BC2-4EE6-B90A-22263BF7BDCD}"/>
               </a:ext>
             </a:extLst>
           </p:cNvPr>
@@ -20184,7 +20036,7 @@
           <p:cNvPr id="5" name="CaixaDeTexto 4">
             <a:extLst>
               <a:ext uri="{FF2B5EF4-FFF2-40B4-BE49-F238E27FC236}">
-                <a16:creationId xmlns:a16="http://schemas.microsoft.com/office/drawing/2014/main" id="{869545E3-DC46-4CDB-A839-CA8AA4E80E78}"/>
+                <a16:creationId xmlns:a16="http://schemas.microsoft.com/office/drawing/2014/main" xmlns="" id="{869545E3-DC46-4CDB-A839-CA8AA4E80E78}"/>
               </a:ext>
             </a:extLst>
           </p:cNvPr>
@@ -20615,7 +20467,7 @@
           <p:cNvPr id="2" name="Título 1">
             <a:extLst>
               <a:ext uri="{FF2B5EF4-FFF2-40B4-BE49-F238E27FC236}">
-                <a16:creationId xmlns:a16="http://schemas.microsoft.com/office/drawing/2014/main" id="{99F76FBE-1BC2-4EE6-B90A-22263BF7BDCD}"/>
+                <a16:creationId xmlns:a16="http://schemas.microsoft.com/office/drawing/2014/main" xmlns="" id="{99F76FBE-1BC2-4EE6-B90A-22263BF7BDCD}"/>
               </a:ext>
             </a:extLst>
           </p:cNvPr>
@@ -20711,7 +20563,7 @@
           <p:cNvPr id="5" name="CaixaDeTexto 4">
             <a:extLst>
               <a:ext uri="{FF2B5EF4-FFF2-40B4-BE49-F238E27FC236}">
-                <a16:creationId xmlns:a16="http://schemas.microsoft.com/office/drawing/2014/main" id="{B1A9BA09-BC8C-4B52-AE69-EBE2FD7DC39C}"/>
+                <a16:creationId xmlns:a16="http://schemas.microsoft.com/office/drawing/2014/main" xmlns="" id="{B1A9BA09-BC8C-4B52-AE69-EBE2FD7DC39C}"/>
               </a:ext>
             </a:extLst>
           </p:cNvPr>
@@ -20982,7 +20834,7 @@
           <p:cNvPr id="6" name="Imagem 5" descr="Uma imagem contendo relógio&#10;&#10;Descrição gerada automaticamente">
             <a:extLst>
               <a:ext uri="{FF2B5EF4-FFF2-40B4-BE49-F238E27FC236}">
-                <a16:creationId xmlns:a16="http://schemas.microsoft.com/office/drawing/2014/main" id="{CB59938E-1EC6-4FDA-9A22-DB6A7DC30350}"/>
+                <a16:creationId xmlns:a16="http://schemas.microsoft.com/office/drawing/2014/main" xmlns="" id="{CB59938E-1EC6-4FDA-9A22-DB6A7DC30350}"/>
               </a:ext>
             </a:extLst>
           </p:cNvPr>
@@ -21051,7 +20903,7 @@
           <p:cNvPr id="11" name="Imagem 10" descr="Uma imagem contendo lego&#10;&#10;Descrição gerada automaticamente">
             <a:extLst>
               <a:ext uri="{FF2B5EF4-FFF2-40B4-BE49-F238E27FC236}">
-                <a16:creationId xmlns:a16="http://schemas.microsoft.com/office/drawing/2014/main" id="{75CCF98C-9716-4BFB-817E-3CAB031EC69E}"/>
+                <a16:creationId xmlns:a16="http://schemas.microsoft.com/office/drawing/2014/main" xmlns="" id="{75CCF98C-9716-4BFB-817E-3CAB031EC69E}"/>
               </a:ext>
             </a:extLst>
           </p:cNvPr>
@@ -21134,7 +20986,7 @@
           <p:cNvPr id="8" name="Imagem 7" descr="Uma imagem contendo relógio, mesa, computador, tela&#10;&#10;Descrição gerada automaticamente">
             <a:extLst>
               <a:ext uri="{FF2B5EF4-FFF2-40B4-BE49-F238E27FC236}">
-                <a16:creationId xmlns:a16="http://schemas.microsoft.com/office/drawing/2014/main" id="{CA5FBE93-39D7-43EB-BC2F-F7757B0AEB93}"/>
+                <a16:creationId xmlns:a16="http://schemas.microsoft.com/office/drawing/2014/main" xmlns="" id="{CA5FBE93-39D7-43EB-BC2F-F7757B0AEB93}"/>
               </a:ext>
             </a:extLst>
           </p:cNvPr>
@@ -21206,7 +21058,7 @@
           <p:cNvPr id="3" name="Imagem 2" descr="Texto preto sobre fundo branco&#10;&#10;Descrição gerada automaticamente">
             <a:extLst>
               <a:ext uri="{FF2B5EF4-FFF2-40B4-BE49-F238E27FC236}">
-                <a16:creationId xmlns:a16="http://schemas.microsoft.com/office/drawing/2014/main" id="{97EDB81F-85CF-4096-BBCE-16F66B59122E}"/>
+                <a16:creationId xmlns:a16="http://schemas.microsoft.com/office/drawing/2014/main" xmlns="" id="{97EDB81F-85CF-4096-BBCE-16F66B59122E}"/>
               </a:ext>
             </a:extLst>
           </p:cNvPr>
@@ -21534,7 +21386,7 @@
           <p:cNvPr id="7" name="Título 1">
             <a:extLst>
               <a:ext uri="{FF2B5EF4-FFF2-40B4-BE49-F238E27FC236}">
-                <a16:creationId xmlns:a16="http://schemas.microsoft.com/office/drawing/2014/main" id="{99F76FBE-1BC2-4EE6-B90A-22263BF7BDCD}"/>
+                <a16:creationId xmlns:a16="http://schemas.microsoft.com/office/drawing/2014/main" xmlns="" id="{99F76FBE-1BC2-4EE6-B90A-22263BF7BDCD}"/>
               </a:ext>
             </a:extLst>
           </p:cNvPr>
@@ -21963,7 +21815,7 @@
           <p:cNvPr id="8" name="Picture 6" descr="A close up of a logo&#10;&#10;Description generated with very high confidence">
             <a:extLst>
               <a:ext uri="{FF2B5EF4-FFF2-40B4-BE49-F238E27FC236}">
-                <a16:creationId xmlns:a16="http://schemas.microsoft.com/office/drawing/2014/main" id="{02FAD4E8-4127-4FD5-A86F-7066B5200CF9}"/>
+                <a16:creationId xmlns:a16="http://schemas.microsoft.com/office/drawing/2014/main" xmlns="" id="{02FAD4E8-4127-4FD5-A86F-7066B5200CF9}"/>
               </a:ext>
             </a:extLst>
           </p:cNvPr>
@@ -21993,7 +21845,7 @@
           <p:cNvPr id="9" name="Picture 2" descr="A close up of a logo&#10;&#10;Description generated with very high confidence">
             <a:extLst>
               <a:ext uri="{FF2B5EF4-FFF2-40B4-BE49-F238E27FC236}">
-                <a16:creationId xmlns:a16="http://schemas.microsoft.com/office/drawing/2014/main" id="{CF17E598-BC0F-433A-AACD-E985418FFF8F}"/>
+                <a16:creationId xmlns:a16="http://schemas.microsoft.com/office/drawing/2014/main" xmlns="" id="{CF17E598-BC0F-433A-AACD-E985418FFF8F}"/>
               </a:ext>
             </a:extLst>
           </p:cNvPr>
@@ -22023,7 +21875,7 @@
           <p:cNvPr id="10" name="Picture 8" descr="A circuit board&#10;&#10;Description generated with very high confidence">
             <a:extLst>
               <a:ext uri="{FF2B5EF4-FFF2-40B4-BE49-F238E27FC236}">
-                <a16:creationId xmlns:a16="http://schemas.microsoft.com/office/drawing/2014/main" id="{8631CDC9-C9ED-40D8-9718-9030D394E95F}"/>
+                <a16:creationId xmlns:a16="http://schemas.microsoft.com/office/drawing/2014/main" xmlns="" id="{8631CDC9-C9ED-40D8-9718-9030D394E95F}"/>
               </a:ext>
             </a:extLst>
           </p:cNvPr>
@@ -22053,7 +21905,7 @@
           <p:cNvPr id="11" name="Graphic 48" descr="Chevron arrows">
             <a:extLst>
               <a:ext uri="{FF2B5EF4-FFF2-40B4-BE49-F238E27FC236}">
-                <a16:creationId xmlns:a16="http://schemas.microsoft.com/office/drawing/2014/main" id="{9C83C282-EC67-4BF5-988C-C6151F03EAC8}"/>
+                <a16:creationId xmlns:a16="http://schemas.microsoft.com/office/drawing/2014/main" xmlns="" id="{9C83C282-EC67-4BF5-988C-C6151F03EAC8}"/>
               </a:ext>
             </a:extLst>
           </p:cNvPr>
@@ -22066,7 +21918,7 @@
           <a:blip r:embed="rId5">
             <a:extLst>
               <a:ext uri="{96DAC541-7B7A-43D3-8B79-37D633B846F1}">
-                <asvg:svgBlip xmlns="" xmlns:asvg="http://schemas.microsoft.com/office/drawing/2016/SVG/main" r:embed="rId6"/>
+                <asvg:svgBlip xmlns:asvg="http://schemas.microsoft.com/office/drawing/2016/SVG/main" xmlns="" r:embed="rId6"/>
               </a:ext>
             </a:extLst>
           </a:blip>
@@ -22089,7 +21941,7 @@
           <p:cNvPr id="12" name="Graphic 50" descr="Chevron arrows">
             <a:extLst>
               <a:ext uri="{FF2B5EF4-FFF2-40B4-BE49-F238E27FC236}">
-                <a16:creationId xmlns:a16="http://schemas.microsoft.com/office/drawing/2014/main" id="{F8ADD165-FA14-4184-A53E-48188D71E5FF}"/>
+                <a16:creationId xmlns:a16="http://schemas.microsoft.com/office/drawing/2014/main" xmlns="" id="{F8ADD165-FA14-4184-A53E-48188D71E5FF}"/>
               </a:ext>
             </a:extLst>
           </p:cNvPr>
@@ -22102,7 +21954,7 @@
           <a:blip r:embed="rId5">
             <a:extLst>
               <a:ext uri="{96DAC541-7B7A-43D3-8B79-37D633B846F1}">
-                <asvg:svgBlip xmlns="" xmlns:asvg="http://schemas.microsoft.com/office/drawing/2016/SVG/main" r:embed="rId6"/>
+                <asvg:svgBlip xmlns:asvg="http://schemas.microsoft.com/office/drawing/2016/SVG/main" xmlns="" r:embed="rId6"/>
               </a:ext>
             </a:extLst>
           </a:blip>
@@ -22125,7 +21977,7 @@
           <p:cNvPr id="13" name="Picture 52" descr="A close up of a logo&#10;&#10;Description generated with high confidence">
             <a:extLst>
               <a:ext uri="{FF2B5EF4-FFF2-40B4-BE49-F238E27FC236}">
-                <a16:creationId xmlns:a16="http://schemas.microsoft.com/office/drawing/2014/main" id="{09477861-B8F4-44DE-814A-58410BB781B9}"/>
+                <a16:creationId xmlns:a16="http://schemas.microsoft.com/office/drawing/2014/main" xmlns="" id="{09477861-B8F4-44DE-814A-58410BB781B9}"/>
               </a:ext>
             </a:extLst>
           </p:cNvPr>
@@ -22155,7 +22007,7 @@
           <p:cNvPr id="14" name="Picture 55" descr="A close up of a clock&#10;&#10;Description generated with high confidence">
             <a:extLst>
               <a:ext uri="{FF2B5EF4-FFF2-40B4-BE49-F238E27FC236}">
-                <a16:creationId xmlns:a16="http://schemas.microsoft.com/office/drawing/2014/main" id="{5C726E55-A6D4-4B74-8915-31B0312BC132}"/>
+                <a16:creationId xmlns:a16="http://schemas.microsoft.com/office/drawing/2014/main" xmlns="" id="{5C726E55-A6D4-4B74-8915-31B0312BC132}"/>
               </a:ext>
             </a:extLst>
           </p:cNvPr>
@@ -22236,7 +22088,7 @@
           <p:cNvPr id="18" name="Picture 37" descr="A picture containing computer, table&#10;&#10;Description generated with very high confidence">
             <a:extLst>
               <a:ext uri="{FF2B5EF4-FFF2-40B4-BE49-F238E27FC236}">
-                <a16:creationId xmlns:a16="http://schemas.microsoft.com/office/drawing/2014/main" id="{62574C71-6DE6-4BEE-A15F-55F806CE58A0}"/>
+                <a16:creationId xmlns:a16="http://schemas.microsoft.com/office/drawing/2014/main" xmlns="" id="{62574C71-6DE6-4BEE-A15F-55F806CE58A0}"/>
               </a:ext>
             </a:extLst>
           </p:cNvPr>
@@ -22829,7 +22681,7 @@
           <p:cNvPr id="24" name="Picture 13" descr="A picture containing comb&#10;&#10;Description generated with very high confidence">
             <a:extLst>
               <a:ext uri="{FF2B5EF4-FFF2-40B4-BE49-F238E27FC236}">
-                <a16:creationId xmlns:a16="http://schemas.microsoft.com/office/drawing/2014/main" id="{96E322C2-909A-46BB-B588-211766AB85E0}"/>
+                <a16:creationId xmlns:a16="http://schemas.microsoft.com/office/drawing/2014/main" xmlns="" id="{96E322C2-909A-46BB-B588-211766AB85E0}"/>
               </a:ext>
             </a:extLst>
           </p:cNvPr>
@@ -22859,7 +22711,7 @@
           <p:cNvPr id="25" name="TextBox 61">
             <a:extLst>
               <a:ext uri="{FF2B5EF4-FFF2-40B4-BE49-F238E27FC236}">
-                <a16:creationId xmlns:a16="http://schemas.microsoft.com/office/drawing/2014/main" id="{2B0D8CBA-CC14-4E5F-B4F1-1633DDE93E6E}"/>
+                <a16:creationId xmlns:a16="http://schemas.microsoft.com/office/drawing/2014/main" xmlns="" id="{2B0D8CBA-CC14-4E5F-B4F1-1633DDE93E6E}"/>
               </a:ext>
             </a:extLst>
           </p:cNvPr>
@@ -22958,7 +22810,7 @@
           <p:cNvPr id="27" name="Picture 68" descr="A close up of a sign&#10;&#10;Description generated with high confidence">
             <a:extLst>
               <a:ext uri="{FF2B5EF4-FFF2-40B4-BE49-F238E27FC236}">
-                <a16:creationId xmlns:a16="http://schemas.microsoft.com/office/drawing/2014/main" id="{C7BC0718-3AEC-417A-BD8F-3A387BBF0481}"/>
+                <a16:creationId xmlns:a16="http://schemas.microsoft.com/office/drawing/2014/main" xmlns="" id="{C7BC0718-3AEC-417A-BD8F-3A387BBF0481}"/>
               </a:ext>
             </a:extLst>
           </p:cNvPr>
@@ -22988,7 +22840,7 @@
           <p:cNvPr id="28" name="Picture 70" descr="A screen shot of a computer&#10;&#10;Description generated with very high confidence">
             <a:extLst>
               <a:ext uri="{FF2B5EF4-FFF2-40B4-BE49-F238E27FC236}">
-                <a16:creationId xmlns:a16="http://schemas.microsoft.com/office/drawing/2014/main" id="{0CAA2E08-371C-4778-B698-82EA38A03D11}"/>
+                <a16:creationId xmlns:a16="http://schemas.microsoft.com/office/drawing/2014/main" xmlns="" id="{0CAA2E08-371C-4778-B698-82EA38A03D11}"/>
               </a:ext>
             </a:extLst>
           </p:cNvPr>
@@ -23018,7 +22870,7 @@
           <p:cNvPr id="29" name="Picture 73" descr="A close up of a logo&#10;&#10;Description generated with high confidence">
             <a:extLst>
               <a:ext uri="{FF2B5EF4-FFF2-40B4-BE49-F238E27FC236}">
-                <a16:creationId xmlns:a16="http://schemas.microsoft.com/office/drawing/2014/main" id="{385A0B54-3BDE-4902-8311-81E6A8A2E57E}"/>
+                <a16:creationId xmlns:a16="http://schemas.microsoft.com/office/drawing/2014/main" xmlns="" id="{385A0B54-3BDE-4902-8311-81E6A8A2E57E}"/>
               </a:ext>
             </a:extLst>
           </p:cNvPr>
@@ -23099,7 +22951,7 @@
           <p:cNvPr id="31" name="Picture 79" descr="A close up of a logo&#10;&#10;Description generated with very high confidence">
             <a:extLst>
               <a:ext uri="{FF2B5EF4-FFF2-40B4-BE49-F238E27FC236}">
-                <a16:creationId xmlns:a16="http://schemas.microsoft.com/office/drawing/2014/main" id="{7EA4B790-3FF9-4E6B-891E-C4B0A8AC7E5E}"/>
+                <a16:creationId xmlns:a16="http://schemas.microsoft.com/office/drawing/2014/main" xmlns="" id="{7EA4B790-3FF9-4E6B-891E-C4B0A8AC7E5E}"/>
               </a:ext>
             </a:extLst>
           </p:cNvPr>
@@ -23132,7 +22984,7 @@
           <p:cNvPr id="32" name="TextBox 88">
             <a:extLst>
               <a:ext uri="{FF2B5EF4-FFF2-40B4-BE49-F238E27FC236}">
-                <a16:creationId xmlns:a16="http://schemas.microsoft.com/office/drawing/2014/main" id="{194A1E76-091F-4A2D-A3A3-64B09C6107D4}"/>
+                <a16:creationId xmlns:a16="http://schemas.microsoft.com/office/drawing/2014/main" xmlns="" id="{194A1E76-091F-4A2D-A3A3-64B09C6107D4}"/>
               </a:ext>
             </a:extLst>
           </p:cNvPr>
@@ -23660,7 +23512,7 @@
           <p:cNvPr id="7" name="Título 1">
             <a:extLst>
               <a:ext uri="{FF2B5EF4-FFF2-40B4-BE49-F238E27FC236}">
-                <a16:creationId xmlns:a16="http://schemas.microsoft.com/office/drawing/2014/main" id="{99F76FBE-1BC2-4EE6-B90A-22263BF7BDCD}"/>
+                <a16:creationId xmlns:a16="http://schemas.microsoft.com/office/drawing/2014/main" xmlns="" id="{99F76FBE-1BC2-4EE6-B90A-22263BF7BDCD}"/>
               </a:ext>
             </a:extLst>
           </p:cNvPr>

--- a/Documentação/chameleon.pptx
+++ b/Documentação/chameleon.pptx
@@ -275,7 +275,7 @@
           <a:p>
             <a:fld id="{F50B35C2-D55D-43EC-A9F9-87B33DB15AB7}" type="datetimeFigureOut">
               <a:rPr lang="pt-BR" smtClean="0"/>
-              <a:t>05/05/2020</a:t>
+              <a:t>06/05/2020</a:t>
             </a:fld>
             <a:endParaRPr lang="pt-BR"/>
           </a:p>
@@ -317,7 +317,7 @@
           <a:p>
             <a:fld id="{BD136F2D-A4D6-49ED-BC18-D450E2FF51EC}" type="slidenum">
               <a:rPr lang="pt-BR" smtClean="0"/>
-              <a:t>‹n.º›</a:t>
+              <a:t>‹nº›</a:t>
             </a:fld>
             <a:endParaRPr lang="pt-BR"/>
           </a:p>
@@ -443,7 +443,7 @@
           <a:p>
             <a:fld id="{F50B35C2-D55D-43EC-A9F9-87B33DB15AB7}" type="datetimeFigureOut">
               <a:rPr lang="pt-BR" smtClean="0"/>
-              <a:t>05/05/2020</a:t>
+              <a:t>06/05/2020</a:t>
             </a:fld>
             <a:endParaRPr lang="pt-BR"/>
           </a:p>
@@ -485,7 +485,7 @@
           <a:p>
             <a:fld id="{BD136F2D-A4D6-49ED-BC18-D450E2FF51EC}" type="slidenum">
               <a:rPr lang="pt-BR" smtClean="0"/>
-              <a:t>‹n.º›</a:t>
+              <a:t>‹nº›</a:t>
             </a:fld>
             <a:endParaRPr lang="pt-BR"/>
           </a:p>
@@ -621,7 +621,7 @@
           <a:p>
             <a:fld id="{F50B35C2-D55D-43EC-A9F9-87B33DB15AB7}" type="datetimeFigureOut">
               <a:rPr lang="pt-BR" smtClean="0"/>
-              <a:t>05/05/2020</a:t>
+              <a:t>06/05/2020</a:t>
             </a:fld>
             <a:endParaRPr lang="pt-BR"/>
           </a:p>
@@ -663,7 +663,7 @@
           <a:p>
             <a:fld id="{BD136F2D-A4D6-49ED-BC18-D450E2FF51EC}" type="slidenum">
               <a:rPr lang="pt-BR" smtClean="0"/>
-              <a:t>‹n.º›</a:t>
+              <a:t>‹nº›</a:t>
             </a:fld>
             <a:endParaRPr lang="pt-BR"/>
           </a:p>
@@ -789,7 +789,7 @@
           <a:p>
             <a:fld id="{F50B35C2-D55D-43EC-A9F9-87B33DB15AB7}" type="datetimeFigureOut">
               <a:rPr lang="pt-BR" smtClean="0"/>
-              <a:t>05/05/2020</a:t>
+              <a:t>06/05/2020</a:t>
             </a:fld>
             <a:endParaRPr lang="pt-BR"/>
           </a:p>
@@ -831,7 +831,7 @@
           <a:p>
             <a:fld id="{BD136F2D-A4D6-49ED-BC18-D450E2FF51EC}" type="slidenum">
               <a:rPr lang="pt-BR" smtClean="0"/>
-              <a:t>‹n.º›</a:t>
+              <a:t>‹nº›</a:t>
             </a:fld>
             <a:endParaRPr lang="pt-BR"/>
           </a:p>
@@ -1034,7 +1034,7 @@
           <a:p>
             <a:fld id="{F50B35C2-D55D-43EC-A9F9-87B33DB15AB7}" type="datetimeFigureOut">
               <a:rPr lang="pt-BR" smtClean="0"/>
-              <a:t>05/05/2020</a:t>
+              <a:t>06/05/2020</a:t>
             </a:fld>
             <a:endParaRPr lang="pt-BR"/>
           </a:p>
@@ -1076,7 +1076,7 @@
           <a:p>
             <a:fld id="{BD136F2D-A4D6-49ED-BC18-D450E2FF51EC}" type="slidenum">
               <a:rPr lang="pt-BR" smtClean="0"/>
-              <a:t>‹n.º›</a:t>
+              <a:t>‹nº›</a:t>
             </a:fld>
             <a:endParaRPr lang="pt-BR"/>
           </a:p>
@@ -1263,7 +1263,7 @@
           <a:p>
             <a:fld id="{F50B35C2-D55D-43EC-A9F9-87B33DB15AB7}" type="datetimeFigureOut">
               <a:rPr lang="pt-BR" smtClean="0"/>
-              <a:t>05/05/2020</a:t>
+              <a:t>06/05/2020</a:t>
             </a:fld>
             <a:endParaRPr lang="pt-BR"/>
           </a:p>
@@ -1305,7 +1305,7 @@
           <a:p>
             <a:fld id="{BD136F2D-A4D6-49ED-BC18-D450E2FF51EC}" type="slidenum">
               <a:rPr lang="pt-BR" smtClean="0"/>
-              <a:t>‹n.º›</a:t>
+              <a:t>‹nº›</a:t>
             </a:fld>
             <a:endParaRPr lang="pt-BR"/>
           </a:p>
@@ -1627,7 +1627,7 @@
           <a:p>
             <a:fld id="{F50B35C2-D55D-43EC-A9F9-87B33DB15AB7}" type="datetimeFigureOut">
               <a:rPr lang="pt-BR" smtClean="0"/>
-              <a:t>05/05/2020</a:t>
+              <a:t>06/05/2020</a:t>
             </a:fld>
             <a:endParaRPr lang="pt-BR"/>
           </a:p>
@@ -1669,7 +1669,7 @@
           <a:p>
             <a:fld id="{BD136F2D-A4D6-49ED-BC18-D450E2FF51EC}" type="slidenum">
               <a:rPr lang="pt-BR" smtClean="0"/>
-              <a:t>‹n.º›</a:t>
+              <a:t>‹nº›</a:t>
             </a:fld>
             <a:endParaRPr lang="pt-BR"/>
           </a:p>
@@ -1744,7 +1744,7 @@
           <a:p>
             <a:fld id="{F50B35C2-D55D-43EC-A9F9-87B33DB15AB7}" type="datetimeFigureOut">
               <a:rPr lang="pt-BR" smtClean="0"/>
-              <a:t>05/05/2020</a:t>
+              <a:t>06/05/2020</a:t>
             </a:fld>
             <a:endParaRPr lang="pt-BR"/>
           </a:p>
@@ -1786,7 +1786,7 @@
           <a:p>
             <a:fld id="{BD136F2D-A4D6-49ED-BC18-D450E2FF51EC}" type="slidenum">
               <a:rPr lang="pt-BR" smtClean="0"/>
-              <a:t>‹n.º›</a:t>
+              <a:t>‹nº›</a:t>
             </a:fld>
             <a:endParaRPr lang="pt-BR"/>
           </a:p>
@@ -1839,7 +1839,7 @@
           <a:p>
             <a:fld id="{F50B35C2-D55D-43EC-A9F9-87B33DB15AB7}" type="datetimeFigureOut">
               <a:rPr lang="pt-BR" smtClean="0"/>
-              <a:t>05/05/2020</a:t>
+              <a:t>06/05/2020</a:t>
             </a:fld>
             <a:endParaRPr lang="pt-BR"/>
           </a:p>
@@ -1881,7 +1881,7 @@
           <a:p>
             <a:fld id="{BD136F2D-A4D6-49ED-BC18-D450E2FF51EC}" type="slidenum">
               <a:rPr lang="pt-BR" smtClean="0"/>
-              <a:t>‹n.º›</a:t>
+              <a:t>‹nº›</a:t>
             </a:fld>
             <a:endParaRPr lang="pt-BR"/>
           </a:p>
@@ -2114,7 +2114,7 @@
           <a:p>
             <a:fld id="{F50B35C2-D55D-43EC-A9F9-87B33DB15AB7}" type="datetimeFigureOut">
               <a:rPr lang="pt-BR" smtClean="0"/>
-              <a:t>05/05/2020</a:t>
+              <a:t>06/05/2020</a:t>
             </a:fld>
             <a:endParaRPr lang="pt-BR"/>
           </a:p>
@@ -2156,7 +2156,7 @@
           <a:p>
             <a:fld id="{BD136F2D-A4D6-49ED-BC18-D450E2FF51EC}" type="slidenum">
               <a:rPr lang="pt-BR" smtClean="0"/>
-              <a:t>‹n.º›</a:t>
+              <a:t>‹nº›</a:t>
             </a:fld>
             <a:endParaRPr lang="pt-BR"/>
           </a:p>
@@ -2366,7 +2366,7 @@
           <a:p>
             <a:fld id="{F50B35C2-D55D-43EC-A9F9-87B33DB15AB7}" type="datetimeFigureOut">
               <a:rPr lang="pt-BR" smtClean="0"/>
-              <a:t>05/05/2020</a:t>
+              <a:t>06/05/2020</a:t>
             </a:fld>
             <a:endParaRPr lang="pt-BR"/>
           </a:p>
@@ -2408,7 +2408,7 @@
           <a:p>
             <a:fld id="{BD136F2D-A4D6-49ED-BC18-D450E2FF51EC}" type="slidenum">
               <a:rPr lang="pt-BR" smtClean="0"/>
-              <a:t>‹n.º›</a:t>
+              <a:t>‹nº›</a:t>
             </a:fld>
             <a:endParaRPr lang="pt-BR"/>
           </a:p>
@@ -2577,7 +2577,7 @@
           <a:p>
             <a:fld id="{F50B35C2-D55D-43EC-A9F9-87B33DB15AB7}" type="datetimeFigureOut">
               <a:rPr lang="pt-BR" smtClean="0"/>
-              <a:t>05/05/2020</a:t>
+              <a:t>06/05/2020</a:t>
             </a:fld>
             <a:endParaRPr lang="pt-BR"/>
           </a:p>
@@ -2655,7 +2655,7 @@
           <a:p>
             <a:fld id="{BD136F2D-A4D6-49ED-BC18-D450E2FF51EC}" type="slidenum">
               <a:rPr lang="pt-BR" smtClean="0"/>
-              <a:t>‹n.º›</a:t>
+              <a:t>‹nº›</a:t>
             </a:fld>
             <a:endParaRPr lang="pt-BR"/>
           </a:p>
@@ -2987,7 +2987,7 @@
           <p:cNvPr id="2" name="Título 1">
             <a:extLst>
               <a:ext uri="{FF2B5EF4-FFF2-40B4-BE49-F238E27FC236}">
-                <a16:creationId xmlns:a16="http://schemas.microsoft.com/office/drawing/2014/main" xmlns="" id="{99F76FBE-1BC2-4EE6-B90A-22263BF7BDCD}"/>
+                <a16:creationId xmlns:a16="http://schemas.microsoft.com/office/drawing/2014/main" id="{99F76FBE-1BC2-4EE6-B90A-22263BF7BDCD}"/>
               </a:ext>
             </a:extLst>
           </p:cNvPr>
@@ -3023,7 +3023,7 @@
           <p:cNvPr id="8" name="CaixaDeTexto 7">
             <a:extLst>
               <a:ext uri="{FF2B5EF4-FFF2-40B4-BE49-F238E27FC236}">
-                <a16:creationId xmlns:a16="http://schemas.microsoft.com/office/drawing/2014/main" xmlns="" id="{B8325861-1F2F-4268-ABB8-C47708A22645}"/>
+                <a16:creationId xmlns:a16="http://schemas.microsoft.com/office/drawing/2014/main" id="{B8325861-1F2F-4268-ABB8-C47708A22645}"/>
               </a:ext>
             </a:extLst>
           </p:cNvPr>
@@ -3070,7 +3070,7 @@
           <p:cNvPr id="9" name="CaixaDeTexto 8">
             <a:extLst>
               <a:ext uri="{FF2B5EF4-FFF2-40B4-BE49-F238E27FC236}">
-                <a16:creationId xmlns:a16="http://schemas.microsoft.com/office/drawing/2014/main" xmlns="" id="{C1CD548A-80ED-4522-9EDB-054404B21EE9}"/>
+                <a16:creationId xmlns:a16="http://schemas.microsoft.com/office/drawing/2014/main" id="{C1CD548A-80ED-4522-9EDB-054404B21EE9}"/>
               </a:ext>
             </a:extLst>
           </p:cNvPr>
@@ -3117,7 +3117,7 @@
           <p:cNvPr id="10" name="CaixaDeTexto 9">
             <a:extLst>
               <a:ext uri="{FF2B5EF4-FFF2-40B4-BE49-F238E27FC236}">
-                <a16:creationId xmlns:a16="http://schemas.microsoft.com/office/drawing/2014/main" xmlns="" id="{A943B0FE-F317-47B4-AF95-1BF63C89F003}"/>
+                <a16:creationId xmlns:a16="http://schemas.microsoft.com/office/drawing/2014/main" id="{A943B0FE-F317-47B4-AF95-1BF63C89F003}"/>
               </a:ext>
             </a:extLst>
           </p:cNvPr>
@@ -3167,7 +3167,7 @@
           <p:cNvPr id="11" name="CaixaDeTexto 10">
             <a:extLst>
               <a:ext uri="{FF2B5EF4-FFF2-40B4-BE49-F238E27FC236}">
-                <a16:creationId xmlns:a16="http://schemas.microsoft.com/office/drawing/2014/main" xmlns="" id="{79D4990C-EB5C-46BD-906D-1D4B714A6937}"/>
+                <a16:creationId xmlns:a16="http://schemas.microsoft.com/office/drawing/2014/main" id="{79D4990C-EB5C-46BD-906D-1D4B714A6937}"/>
               </a:ext>
             </a:extLst>
           </p:cNvPr>
@@ -3217,7 +3217,7 @@
           <p:cNvPr id="12" name="CaixaDeTexto 11">
             <a:extLst>
               <a:ext uri="{FF2B5EF4-FFF2-40B4-BE49-F238E27FC236}">
-                <a16:creationId xmlns:a16="http://schemas.microsoft.com/office/drawing/2014/main" xmlns="" id="{3EEDA333-49AA-47A1-9E18-27FCA69C6ADA}"/>
+                <a16:creationId xmlns:a16="http://schemas.microsoft.com/office/drawing/2014/main" id="{3EEDA333-49AA-47A1-9E18-27FCA69C6ADA}"/>
               </a:ext>
             </a:extLst>
           </p:cNvPr>
@@ -3297,7 +3297,7 @@
           <p:cNvPr id="16" name="CaixaDeTexto 15">
             <a:extLst>
               <a:ext uri="{FF2B5EF4-FFF2-40B4-BE49-F238E27FC236}">
-                <a16:creationId xmlns:a16="http://schemas.microsoft.com/office/drawing/2014/main" xmlns="" id="{3EEDA333-49AA-47A1-9E18-27FCA69C6ADA}"/>
+                <a16:creationId xmlns:a16="http://schemas.microsoft.com/office/drawing/2014/main" id="{3EEDA333-49AA-47A1-9E18-27FCA69C6ADA}"/>
               </a:ext>
             </a:extLst>
           </p:cNvPr>
@@ -3494,7 +3494,7 @@
           <p:cNvPr id="5" name="Imagem 4" descr="Homem com óculos de grau e camisa preta&#10;&#10;Descrição gerada automaticamente">
             <a:extLst>
               <a:ext uri="{FF2B5EF4-FFF2-40B4-BE49-F238E27FC236}">
-                <a16:creationId xmlns:a16="http://schemas.microsoft.com/office/drawing/2014/main" xmlns="" id="{D815F394-F527-4EF6-8095-041600C68E39}"/>
+                <a16:creationId xmlns:a16="http://schemas.microsoft.com/office/drawing/2014/main" id="{D815F394-F527-4EF6-8095-041600C68E39}"/>
               </a:ext>
             </a:extLst>
           </p:cNvPr>
@@ -5269,7 +5269,7 @@
           <p:cNvPr id="2" name="Título 1">
             <a:extLst>
               <a:ext uri="{FF2B5EF4-FFF2-40B4-BE49-F238E27FC236}">
-                <a16:creationId xmlns:a16="http://schemas.microsoft.com/office/drawing/2014/main" xmlns="" id="{99F76FBE-1BC2-4EE6-B90A-22263BF7BDCD}"/>
+                <a16:creationId xmlns:a16="http://schemas.microsoft.com/office/drawing/2014/main" id="{99F76FBE-1BC2-4EE6-B90A-22263BF7BDCD}"/>
               </a:ext>
             </a:extLst>
           </p:cNvPr>
@@ -5394,42 +5394,42 @@
                 <a:gridCol w="891843">
                   <a:extLst>
                     <a:ext uri="{9D8B030D-6E8A-4147-A177-3AD203B41FA5}">
-                      <a16:colId xmlns:a16="http://schemas.microsoft.com/office/drawing/2014/main" xmlns="" val="4095648610"/>
+                      <a16:colId xmlns:a16="http://schemas.microsoft.com/office/drawing/2014/main" val="4095648610"/>
                     </a:ext>
                   </a:extLst>
                 </a:gridCol>
                 <a:gridCol w="5635957">
                   <a:extLst>
                     <a:ext uri="{9D8B030D-6E8A-4147-A177-3AD203B41FA5}">
-                      <a16:colId xmlns:a16="http://schemas.microsoft.com/office/drawing/2014/main" xmlns="" val="2974682867"/>
+                      <a16:colId xmlns:a16="http://schemas.microsoft.com/office/drawing/2014/main" val="2974682867"/>
                     </a:ext>
                   </a:extLst>
                 </a:gridCol>
                 <a:gridCol w="1320800">
                   <a:extLst>
                     <a:ext uri="{9D8B030D-6E8A-4147-A177-3AD203B41FA5}">
-                      <a16:colId xmlns:a16="http://schemas.microsoft.com/office/drawing/2014/main" xmlns="" val="3918061873"/>
+                      <a16:colId xmlns:a16="http://schemas.microsoft.com/office/drawing/2014/main" val="3918061873"/>
                     </a:ext>
                   </a:extLst>
                 </a:gridCol>
                 <a:gridCol w="1152563">
                   <a:extLst>
                     <a:ext uri="{9D8B030D-6E8A-4147-A177-3AD203B41FA5}">
-                      <a16:colId xmlns:a16="http://schemas.microsoft.com/office/drawing/2014/main" xmlns="" val="2975207203"/>
+                      <a16:colId xmlns:a16="http://schemas.microsoft.com/office/drawing/2014/main" val="2975207203"/>
                     </a:ext>
                   </a:extLst>
                 </a:gridCol>
                 <a:gridCol w="955637">
                   <a:extLst>
                     <a:ext uri="{9D8B030D-6E8A-4147-A177-3AD203B41FA5}">
-                      <a16:colId xmlns:a16="http://schemas.microsoft.com/office/drawing/2014/main" xmlns="" val="781221177"/>
+                      <a16:colId xmlns:a16="http://schemas.microsoft.com/office/drawing/2014/main" val="781221177"/>
                     </a:ext>
                   </a:extLst>
                 </a:gridCol>
                 <a:gridCol w="1534859">
                   <a:extLst>
                     <a:ext uri="{9D8B030D-6E8A-4147-A177-3AD203B41FA5}">
-                      <a16:colId xmlns:a16="http://schemas.microsoft.com/office/drawing/2014/main" xmlns="" val="2310143784"/>
+                      <a16:colId xmlns:a16="http://schemas.microsoft.com/office/drawing/2014/main" val="2310143784"/>
                     </a:ext>
                   </a:extLst>
                 </a:gridCol>
@@ -5647,7 +5647,7 @@
                 </a:tc>
                 <a:extLst>
                   <a:ext uri="{0D108BD9-81ED-4DB2-BD59-A6C34878D82A}">
-                    <a16:rowId xmlns:a16="http://schemas.microsoft.com/office/drawing/2014/main" xmlns="" val="2516046829"/>
+                    <a16:rowId xmlns:a16="http://schemas.microsoft.com/office/drawing/2014/main" val="2516046829"/>
                   </a:ext>
                 </a:extLst>
               </a:tr>
@@ -5850,7 +5850,7 @@
                 </a:tc>
                 <a:extLst>
                   <a:ext uri="{0D108BD9-81ED-4DB2-BD59-A6C34878D82A}">
-                    <a16:rowId xmlns:a16="http://schemas.microsoft.com/office/drawing/2014/main" xmlns="" val="1369040785"/>
+                    <a16:rowId xmlns:a16="http://schemas.microsoft.com/office/drawing/2014/main" val="1369040785"/>
                   </a:ext>
                 </a:extLst>
               </a:tr>
@@ -6053,7 +6053,7 @@
                 </a:tc>
                 <a:extLst>
                   <a:ext uri="{0D108BD9-81ED-4DB2-BD59-A6C34878D82A}">
-                    <a16:rowId xmlns:a16="http://schemas.microsoft.com/office/drawing/2014/main" xmlns="" val="2012698152"/>
+                    <a16:rowId xmlns:a16="http://schemas.microsoft.com/office/drawing/2014/main" val="2012698152"/>
                   </a:ext>
                 </a:extLst>
               </a:tr>
@@ -6240,7 +6240,7 @@
                 </a:tc>
                 <a:extLst>
                   <a:ext uri="{0D108BD9-81ED-4DB2-BD59-A6C34878D82A}">
-                    <a16:rowId xmlns:a16="http://schemas.microsoft.com/office/drawing/2014/main" xmlns="" val="4062401152"/>
+                    <a16:rowId xmlns:a16="http://schemas.microsoft.com/office/drawing/2014/main" val="4062401152"/>
                   </a:ext>
                 </a:extLst>
               </a:tr>
@@ -6427,7 +6427,7 @@
                 </a:tc>
                 <a:extLst>
                   <a:ext uri="{0D108BD9-81ED-4DB2-BD59-A6C34878D82A}">
-                    <a16:rowId xmlns:a16="http://schemas.microsoft.com/office/drawing/2014/main" xmlns="" val="460576415"/>
+                    <a16:rowId xmlns:a16="http://schemas.microsoft.com/office/drawing/2014/main" val="460576415"/>
                   </a:ext>
                 </a:extLst>
               </a:tr>
@@ -6614,7 +6614,7 @@
                 </a:tc>
                 <a:extLst>
                   <a:ext uri="{0D108BD9-81ED-4DB2-BD59-A6C34878D82A}">
-                    <a16:rowId xmlns:a16="http://schemas.microsoft.com/office/drawing/2014/main" xmlns="" val="3506567139"/>
+                    <a16:rowId xmlns:a16="http://schemas.microsoft.com/office/drawing/2014/main" val="3506567139"/>
                   </a:ext>
                 </a:extLst>
               </a:tr>
@@ -6801,7 +6801,7 @@
                 </a:tc>
                 <a:extLst>
                   <a:ext uri="{0D108BD9-81ED-4DB2-BD59-A6C34878D82A}">
-                    <a16:rowId xmlns:a16="http://schemas.microsoft.com/office/drawing/2014/main" xmlns="" val="2899004788"/>
+                    <a16:rowId xmlns:a16="http://schemas.microsoft.com/office/drawing/2014/main" val="2899004788"/>
                   </a:ext>
                 </a:extLst>
               </a:tr>
@@ -7004,7 +7004,7 @@
                 </a:tc>
                 <a:extLst>
                   <a:ext uri="{0D108BD9-81ED-4DB2-BD59-A6C34878D82A}">
-                    <a16:rowId xmlns:a16="http://schemas.microsoft.com/office/drawing/2014/main" xmlns="" val="2468428521"/>
+                    <a16:rowId xmlns:a16="http://schemas.microsoft.com/office/drawing/2014/main" val="2468428521"/>
                   </a:ext>
                 </a:extLst>
               </a:tr>
@@ -7191,7 +7191,7 @@
                 </a:tc>
                 <a:extLst>
                   <a:ext uri="{0D108BD9-81ED-4DB2-BD59-A6C34878D82A}">
-                    <a16:rowId xmlns:a16="http://schemas.microsoft.com/office/drawing/2014/main" xmlns="" val="1632711459"/>
+                    <a16:rowId xmlns:a16="http://schemas.microsoft.com/office/drawing/2014/main" val="1632711459"/>
                   </a:ext>
                 </a:extLst>
               </a:tr>
@@ -7394,7 +7394,7 @@
                 </a:tc>
                 <a:extLst>
                   <a:ext uri="{0D108BD9-81ED-4DB2-BD59-A6C34878D82A}">
-                    <a16:rowId xmlns:a16="http://schemas.microsoft.com/office/drawing/2014/main" xmlns="" val="1627787285"/>
+                    <a16:rowId xmlns:a16="http://schemas.microsoft.com/office/drawing/2014/main" val="1627787285"/>
                   </a:ext>
                 </a:extLst>
               </a:tr>
@@ -7581,7 +7581,7 @@
                 </a:tc>
                 <a:extLst>
                   <a:ext uri="{0D108BD9-81ED-4DB2-BD59-A6C34878D82A}">
-                    <a16:rowId xmlns:a16="http://schemas.microsoft.com/office/drawing/2014/main" xmlns="" val="3623775453"/>
+                    <a16:rowId xmlns:a16="http://schemas.microsoft.com/office/drawing/2014/main" val="3623775453"/>
                   </a:ext>
                 </a:extLst>
               </a:tr>
@@ -7768,7 +7768,7 @@
                 </a:tc>
                 <a:extLst>
                   <a:ext uri="{0D108BD9-81ED-4DB2-BD59-A6C34878D82A}">
-                    <a16:rowId xmlns:a16="http://schemas.microsoft.com/office/drawing/2014/main" xmlns="" val="2904443424"/>
+                    <a16:rowId xmlns:a16="http://schemas.microsoft.com/office/drawing/2014/main" val="2904443424"/>
                   </a:ext>
                 </a:extLst>
               </a:tr>
@@ -7955,7 +7955,7 @@
                 </a:tc>
                 <a:extLst>
                   <a:ext uri="{0D108BD9-81ED-4DB2-BD59-A6C34878D82A}">
-                    <a16:rowId xmlns:a16="http://schemas.microsoft.com/office/drawing/2014/main" xmlns="" val="623313274"/>
+                    <a16:rowId xmlns:a16="http://schemas.microsoft.com/office/drawing/2014/main" val="623313274"/>
                   </a:ext>
                 </a:extLst>
               </a:tr>
@@ -8166,7 +8166,7 @@
                 </a:tc>
                 <a:extLst>
                   <a:ext uri="{0D108BD9-81ED-4DB2-BD59-A6C34878D82A}">
-                    <a16:rowId xmlns:a16="http://schemas.microsoft.com/office/drawing/2014/main" xmlns="" val="3002492540"/>
+                    <a16:rowId xmlns:a16="http://schemas.microsoft.com/office/drawing/2014/main" val="3002492540"/>
                   </a:ext>
                 </a:extLst>
               </a:tr>
@@ -8361,7 +8361,7 @@
                 </a:tc>
                 <a:extLst>
                   <a:ext uri="{0D108BD9-81ED-4DB2-BD59-A6C34878D82A}">
-                    <a16:rowId xmlns:a16="http://schemas.microsoft.com/office/drawing/2014/main" xmlns="" val="323792072"/>
+                    <a16:rowId xmlns:a16="http://schemas.microsoft.com/office/drawing/2014/main" val="323792072"/>
                   </a:ext>
                 </a:extLst>
               </a:tr>
@@ -8423,7 +8423,7 @@
           <p:cNvPr id="2" name="Título 1">
             <a:extLst>
               <a:ext uri="{FF2B5EF4-FFF2-40B4-BE49-F238E27FC236}">
-                <a16:creationId xmlns:a16="http://schemas.microsoft.com/office/drawing/2014/main" xmlns="" id="{99F76FBE-1BC2-4EE6-B90A-22263BF7BDCD}"/>
+                <a16:creationId xmlns:a16="http://schemas.microsoft.com/office/drawing/2014/main" id="{99F76FBE-1BC2-4EE6-B90A-22263BF7BDCD}"/>
               </a:ext>
             </a:extLst>
           </p:cNvPr>
@@ -8533,49 +8533,49 @@
                 <a:gridCol w="1810843">
                   <a:extLst>
                     <a:ext uri="{9D8B030D-6E8A-4147-A177-3AD203B41FA5}">
-                      <a16:colId xmlns:a16="http://schemas.microsoft.com/office/drawing/2014/main" xmlns="" val="1841085390"/>
+                      <a16:colId xmlns:a16="http://schemas.microsoft.com/office/drawing/2014/main" val="1841085390"/>
                     </a:ext>
                   </a:extLst>
                 </a:gridCol>
                 <a:gridCol w="1369605">
                   <a:extLst>
                     <a:ext uri="{9D8B030D-6E8A-4147-A177-3AD203B41FA5}">
-                      <a16:colId xmlns:a16="http://schemas.microsoft.com/office/drawing/2014/main" xmlns="" val="3590433378"/>
+                      <a16:colId xmlns:a16="http://schemas.microsoft.com/office/drawing/2014/main" val="3590433378"/>
                     </a:ext>
                   </a:extLst>
                 </a:gridCol>
                 <a:gridCol w="1344895">
                   <a:extLst>
                     <a:ext uri="{9D8B030D-6E8A-4147-A177-3AD203B41FA5}">
-                      <a16:colId xmlns:a16="http://schemas.microsoft.com/office/drawing/2014/main" xmlns="" val="2928512312"/>
+                      <a16:colId xmlns:a16="http://schemas.microsoft.com/office/drawing/2014/main" val="2928512312"/>
                     </a:ext>
                   </a:extLst>
                 </a:gridCol>
                 <a:gridCol w="1369605">
                   <a:extLst>
                     <a:ext uri="{9D8B030D-6E8A-4147-A177-3AD203B41FA5}">
-                      <a16:colId xmlns:a16="http://schemas.microsoft.com/office/drawing/2014/main" xmlns="" val="1093464508"/>
+                      <a16:colId xmlns:a16="http://schemas.microsoft.com/office/drawing/2014/main" val="1093464508"/>
                     </a:ext>
                   </a:extLst>
                 </a:gridCol>
                 <a:gridCol w="1920271">
                   <a:extLst>
                     <a:ext uri="{9D8B030D-6E8A-4147-A177-3AD203B41FA5}">
-                      <a16:colId xmlns:a16="http://schemas.microsoft.com/office/drawing/2014/main" xmlns="" val="1436575289"/>
+                      <a16:colId xmlns:a16="http://schemas.microsoft.com/office/drawing/2014/main" val="1436575289"/>
                     </a:ext>
                   </a:extLst>
                 </a:gridCol>
                 <a:gridCol w="1355484">
                   <a:extLst>
                     <a:ext uri="{9D8B030D-6E8A-4147-A177-3AD203B41FA5}">
-                      <a16:colId xmlns:a16="http://schemas.microsoft.com/office/drawing/2014/main" xmlns="" val="2628677040"/>
+                      <a16:colId xmlns:a16="http://schemas.microsoft.com/office/drawing/2014/main" val="2628677040"/>
                     </a:ext>
                   </a:extLst>
                 </a:gridCol>
                 <a:gridCol w="1344895">
                   <a:extLst>
                     <a:ext uri="{9D8B030D-6E8A-4147-A177-3AD203B41FA5}">
-                      <a16:colId xmlns:a16="http://schemas.microsoft.com/office/drawing/2014/main" xmlns="" val="2914382457"/>
+                      <a16:colId xmlns:a16="http://schemas.microsoft.com/office/drawing/2014/main" val="2914382457"/>
                     </a:ext>
                   </a:extLst>
                 </a:gridCol>
@@ -8828,7 +8828,7 @@
                 </a:tc>
                 <a:extLst>
                   <a:ext uri="{0D108BD9-81ED-4DB2-BD59-A6C34878D82A}">
-                    <a16:rowId xmlns:a16="http://schemas.microsoft.com/office/drawing/2014/main" xmlns="" val="2731041340"/>
+                    <a16:rowId xmlns:a16="http://schemas.microsoft.com/office/drawing/2014/main" val="2731041340"/>
                   </a:ext>
                 </a:extLst>
               </a:tr>
@@ -9045,7 +9045,7 @@
                 </a:tc>
                 <a:extLst>
                   <a:ext uri="{0D108BD9-81ED-4DB2-BD59-A6C34878D82A}">
-                    <a16:rowId xmlns:a16="http://schemas.microsoft.com/office/drawing/2014/main" xmlns="" val="3525265445"/>
+                    <a16:rowId xmlns:a16="http://schemas.microsoft.com/office/drawing/2014/main" val="3525265445"/>
                   </a:ext>
                 </a:extLst>
               </a:tr>
@@ -9262,7 +9262,7 @@
                 </a:tc>
                 <a:extLst>
                   <a:ext uri="{0D108BD9-81ED-4DB2-BD59-A6C34878D82A}">
-                    <a16:rowId xmlns:a16="http://schemas.microsoft.com/office/drawing/2014/main" xmlns="" val="2870111689"/>
+                    <a16:rowId xmlns:a16="http://schemas.microsoft.com/office/drawing/2014/main" val="2870111689"/>
                   </a:ext>
                 </a:extLst>
               </a:tr>
@@ -9479,7 +9479,7 @@
                 </a:tc>
                 <a:extLst>
                   <a:ext uri="{0D108BD9-81ED-4DB2-BD59-A6C34878D82A}">
-                    <a16:rowId xmlns:a16="http://schemas.microsoft.com/office/drawing/2014/main" xmlns="" val="2443262029"/>
+                    <a16:rowId xmlns:a16="http://schemas.microsoft.com/office/drawing/2014/main" val="2443262029"/>
                   </a:ext>
                 </a:extLst>
               </a:tr>
@@ -9696,7 +9696,7 @@
                 </a:tc>
                 <a:extLst>
                   <a:ext uri="{0D108BD9-81ED-4DB2-BD59-A6C34878D82A}">
-                    <a16:rowId xmlns:a16="http://schemas.microsoft.com/office/drawing/2014/main" xmlns="" val="1655155131"/>
+                    <a16:rowId xmlns:a16="http://schemas.microsoft.com/office/drawing/2014/main" val="1655155131"/>
                   </a:ext>
                 </a:extLst>
               </a:tr>
@@ -9913,7 +9913,7 @@
                 </a:tc>
                 <a:extLst>
                   <a:ext uri="{0D108BD9-81ED-4DB2-BD59-A6C34878D82A}">
-                    <a16:rowId xmlns:a16="http://schemas.microsoft.com/office/drawing/2014/main" xmlns="" val="1617325977"/>
+                    <a16:rowId xmlns:a16="http://schemas.microsoft.com/office/drawing/2014/main" val="1617325977"/>
                   </a:ext>
                 </a:extLst>
               </a:tr>
@@ -10130,7 +10130,7 @@
                 </a:tc>
                 <a:extLst>
                   <a:ext uri="{0D108BD9-81ED-4DB2-BD59-A6C34878D82A}">
-                    <a16:rowId xmlns:a16="http://schemas.microsoft.com/office/drawing/2014/main" xmlns="" val="3671892014"/>
+                    <a16:rowId xmlns:a16="http://schemas.microsoft.com/office/drawing/2014/main" val="3671892014"/>
                   </a:ext>
                 </a:extLst>
               </a:tr>
@@ -10347,7 +10347,7 @@
                 </a:tc>
                 <a:extLst>
                   <a:ext uri="{0D108BD9-81ED-4DB2-BD59-A6C34878D82A}">
-                    <a16:rowId xmlns:a16="http://schemas.microsoft.com/office/drawing/2014/main" xmlns="" val="3817021508"/>
+                    <a16:rowId xmlns:a16="http://schemas.microsoft.com/office/drawing/2014/main" val="3817021508"/>
                   </a:ext>
                 </a:extLst>
               </a:tr>
@@ -10564,7 +10564,7 @@
                 </a:tc>
                 <a:extLst>
                   <a:ext uri="{0D108BD9-81ED-4DB2-BD59-A6C34878D82A}">
-                    <a16:rowId xmlns:a16="http://schemas.microsoft.com/office/drawing/2014/main" xmlns="" val="3278091123"/>
+                    <a16:rowId xmlns:a16="http://schemas.microsoft.com/office/drawing/2014/main" val="3278091123"/>
                   </a:ext>
                 </a:extLst>
               </a:tr>
@@ -10781,7 +10781,7 @@
                 </a:tc>
                 <a:extLst>
                   <a:ext uri="{0D108BD9-81ED-4DB2-BD59-A6C34878D82A}">
-                    <a16:rowId xmlns:a16="http://schemas.microsoft.com/office/drawing/2014/main" xmlns="" val="3839837434"/>
+                    <a16:rowId xmlns:a16="http://schemas.microsoft.com/office/drawing/2014/main" val="3839837434"/>
                   </a:ext>
                 </a:extLst>
               </a:tr>
@@ -10998,7 +10998,7 @@
                 </a:tc>
                 <a:extLst>
                   <a:ext uri="{0D108BD9-81ED-4DB2-BD59-A6C34878D82A}">
-                    <a16:rowId xmlns:a16="http://schemas.microsoft.com/office/drawing/2014/main" xmlns="" val="2473121087"/>
+                    <a16:rowId xmlns:a16="http://schemas.microsoft.com/office/drawing/2014/main" val="2473121087"/>
                   </a:ext>
                 </a:extLst>
               </a:tr>
@@ -11215,7 +11215,7 @@
                 </a:tc>
                 <a:extLst>
                   <a:ext uri="{0D108BD9-81ED-4DB2-BD59-A6C34878D82A}">
-                    <a16:rowId xmlns:a16="http://schemas.microsoft.com/office/drawing/2014/main" xmlns="" val="2556189026"/>
+                    <a16:rowId xmlns:a16="http://schemas.microsoft.com/office/drawing/2014/main" val="2556189026"/>
                   </a:ext>
                 </a:extLst>
               </a:tr>
@@ -11432,7 +11432,7 @@
                 </a:tc>
                 <a:extLst>
                   <a:ext uri="{0D108BD9-81ED-4DB2-BD59-A6C34878D82A}">
-                    <a16:rowId xmlns:a16="http://schemas.microsoft.com/office/drawing/2014/main" xmlns="" val="813613994"/>
+                    <a16:rowId xmlns:a16="http://schemas.microsoft.com/office/drawing/2014/main" val="813613994"/>
                   </a:ext>
                 </a:extLst>
               </a:tr>
@@ -11494,7 +11494,7 @@
           <p:cNvPr id="2" name="Título 1">
             <a:extLst>
               <a:ext uri="{FF2B5EF4-FFF2-40B4-BE49-F238E27FC236}">
-                <a16:creationId xmlns:a16="http://schemas.microsoft.com/office/drawing/2014/main" xmlns="" id="{99F76FBE-1BC2-4EE6-B90A-22263BF7BDCD}"/>
+                <a16:creationId xmlns:a16="http://schemas.microsoft.com/office/drawing/2014/main" id="{99F76FBE-1BC2-4EE6-B90A-22263BF7BDCD}"/>
               </a:ext>
             </a:extLst>
           </p:cNvPr>
@@ -11590,7 +11590,7 @@
           <p:cNvPr id="5" name="CaixaDeTexto 4">
             <a:extLst>
               <a:ext uri="{FF2B5EF4-FFF2-40B4-BE49-F238E27FC236}">
-                <a16:creationId xmlns:a16="http://schemas.microsoft.com/office/drawing/2014/main" xmlns="" id="{869545E3-DC46-4CDB-A839-CA8AA4E80E78}"/>
+                <a16:creationId xmlns:a16="http://schemas.microsoft.com/office/drawing/2014/main" id="{869545E3-DC46-4CDB-A839-CA8AA4E80E78}"/>
               </a:ext>
             </a:extLst>
           </p:cNvPr>
@@ -11980,7 +11980,7 @@
           <p:cNvPr id="2" name="Título 1">
             <a:extLst>
               <a:ext uri="{FF2B5EF4-FFF2-40B4-BE49-F238E27FC236}">
-                <a16:creationId xmlns:a16="http://schemas.microsoft.com/office/drawing/2014/main" xmlns="" id="{99F76FBE-1BC2-4EE6-B90A-22263BF7BDCD}"/>
+                <a16:creationId xmlns:a16="http://schemas.microsoft.com/office/drawing/2014/main" id="{99F76FBE-1BC2-4EE6-B90A-22263BF7BDCD}"/>
               </a:ext>
             </a:extLst>
           </p:cNvPr>
@@ -12078,49 +12078,49 @@
                 <a:gridCol w="274320">
                   <a:extLst>
                     <a:ext uri="{9D8B030D-6E8A-4147-A177-3AD203B41FA5}">
-                      <a16:colId xmlns:a16="http://schemas.microsoft.com/office/drawing/2014/main" xmlns="" val="3466485378"/>
+                      <a16:colId xmlns:a16="http://schemas.microsoft.com/office/drawing/2014/main" val="3466485378"/>
                     </a:ext>
                   </a:extLst>
                 </a:gridCol>
                 <a:gridCol w="1917930">
                   <a:extLst>
                     <a:ext uri="{9D8B030D-6E8A-4147-A177-3AD203B41FA5}">
-                      <a16:colId xmlns:a16="http://schemas.microsoft.com/office/drawing/2014/main" xmlns="" val="4243844639"/>
+                      <a16:colId xmlns:a16="http://schemas.microsoft.com/office/drawing/2014/main" val="4243844639"/>
                     </a:ext>
                   </a:extLst>
                 </a:gridCol>
                 <a:gridCol w="1256345">
                   <a:extLst>
                     <a:ext uri="{9D8B030D-6E8A-4147-A177-3AD203B41FA5}">
-                      <a16:colId xmlns:a16="http://schemas.microsoft.com/office/drawing/2014/main" xmlns="" val="2376549313"/>
+                      <a16:colId xmlns:a16="http://schemas.microsoft.com/office/drawing/2014/main" val="2376549313"/>
                     </a:ext>
                   </a:extLst>
                 </a:gridCol>
                 <a:gridCol w="849085">
                   <a:extLst>
                     <a:ext uri="{9D8B030D-6E8A-4147-A177-3AD203B41FA5}">
-                      <a16:colId xmlns:a16="http://schemas.microsoft.com/office/drawing/2014/main" xmlns="" val="3256337394"/>
+                      <a16:colId xmlns:a16="http://schemas.microsoft.com/office/drawing/2014/main" val="3256337394"/>
                     </a:ext>
                   </a:extLst>
                 </a:gridCol>
                 <a:gridCol w="1018903">
                   <a:extLst>
                     <a:ext uri="{9D8B030D-6E8A-4147-A177-3AD203B41FA5}">
-                      <a16:colId xmlns:a16="http://schemas.microsoft.com/office/drawing/2014/main" xmlns="" val="1849482543"/>
+                      <a16:colId xmlns:a16="http://schemas.microsoft.com/office/drawing/2014/main" val="1849482543"/>
                     </a:ext>
                   </a:extLst>
                 </a:gridCol>
                 <a:gridCol w="640080">
                   <a:extLst>
                     <a:ext uri="{9D8B030D-6E8A-4147-A177-3AD203B41FA5}">
-                      <a16:colId xmlns:a16="http://schemas.microsoft.com/office/drawing/2014/main" xmlns="" val="2353809088"/>
+                      <a16:colId xmlns:a16="http://schemas.microsoft.com/office/drawing/2014/main" val="2353809088"/>
                     </a:ext>
                   </a:extLst>
                 </a:gridCol>
                 <a:gridCol w="5381898">
                   <a:extLst>
                     <a:ext uri="{9D8B030D-6E8A-4147-A177-3AD203B41FA5}">
-                      <a16:colId xmlns:a16="http://schemas.microsoft.com/office/drawing/2014/main" xmlns="" val="4106031628"/>
+                      <a16:colId xmlns:a16="http://schemas.microsoft.com/office/drawing/2014/main" val="4106031628"/>
                     </a:ext>
                   </a:extLst>
                 </a:gridCol>
@@ -12373,7 +12373,7 @@
                 </a:tc>
                 <a:extLst>
                   <a:ext uri="{0D108BD9-81ED-4DB2-BD59-A6C34878D82A}">
-                    <a16:rowId xmlns:a16="http://schemas.microsoft.com/office/drawing/2014/main" xmlns="" val="249822350"/>
+                    <a16:rowId xmlns:a16="http://schemas.microsoft.com/office/drawing/2014/main" val="249822350"/>
                   </a:ext>
                 </a:extLst>
               </a:tr>
@@ -12578,7 +12578,7 @@
                 </a:tc>
                 <a:extLst>
                   <a:ext uri="{0D108BD9-81ED-4DB2-BD59-A6C34878D82A}">
-                    <a16:rowId xmlns:a16="http://schemas.microsoft.com/office/drawing/2014/main" xmlns="" val="2283914164"/>
+                    <a16:rowId xmlns:a16="http://schemas.microsoft.com/office/drawing/2014/main" val="2283914164"/>
                   </a:ext>
                 </a:extLst>
               </a:tr>
@@ -12827,7 +12827,7 @@
                 </a:tc>
                 <a:extLst>
                   <a:ext uri="{0D108BD9-81ED-4DB2-BD59-A6C34878D82A}">
-                    <a16:rowId xmlns:a16="http://schemas.microsoft.com/office/drawing/2014/main" xmlns="" val="3390523295"/>
+                    <a16:rowId xmlns:a16="http://schemas.microsoft.com/office/drawing/2014/main" val="3390523295"/>
                   </a:ext>
                 </a:extLst>
               </a:tr>
@@ -13032,7 +13032,7 @@
                 </a:tc>
                 <a:extLst>
                   <a:ext uri="{0D108BD9-81ED-4DB2-BD59-A6C34878D82A}">
-                    <a16:rowId xmlns:a16="http://schemas.microsoft.com/office/drawing/2014/main" xmlns="" val="93156557"/>
+                    <a16:rowId xmlns:a16="http://schemas.microsoft.com/office/drawing/2014/main" val="93156557"/>
                   </a:ext>
                 </a:extLst>
               </a:tr>
@@ -13289,7 +13289,7 @@
                 </a:tc>
                 <a:extLst>
                   <a:ext uri="{0D108BD9-81ED-4DB2-BD59-A6C34878D82A}">
-                    <a16:rowId xmlns:a16="http://schemas.microsoft.com/office/drawing/2014/main" xmlns="" val="2730572991"/>
+                    <a16:rowId xmlns:a16="http://schemas.microsoft.com/office/drawing/2014/main" val="2730572991"/>
                   </a:ext>
                 </a:extLst>
               </a:tr>
@@ -13478,7 +13478,7 @@
                 </a:tc>
                 <a:extLst>
                   <a:ext uri="{0D108BD9-81ED-4DB2-BD59-A6C34878D82A}">
-                    <a16:rowId xmlns:a16="http://schemas.microsoft.com/office/drawing/2014/main" xmlns="" val="2945678963"/>
+                    <a16:rowId xmlns:a16="http://schemas.microsoft.com/office/drawing/2014/main" val="2945678963"/>
                   </a:ext>
                 </a:extLst>
               </a:tr>
@@ -13695,7 +13695,7 @@
                 </a:tc>
                 <a:extLst>
                   <a:ext uri="{0D108BD9-81ED-4DB2-BD59-A6C34878D82A}">
-                    <a16:rowId xmlns:a16="http://schemas.microsoft.com/office/drawing/2014/main" xmlns="" val="3025306337"/>
+                    <a16:rowId xmlns:a16="http://schemas.microsoft.com/office/drawing/2014/main" val="3025306337"/>
                   </a:ext>
                 </a:extLst>
               </a:tr>
@@ -13900,7 +13900,7 @@
                 </a:tc>
                 <a:extLst>
                   <a:ext uri="{0D108BD9-81ED-4DB2-BD59-A6C34878D82A}">
-                    <a16:rowId xmlns:a16="http://schemas.microsoft.com/office/drawing/2014/main" xmlns="" val="961345376"/>
+                    <a16:rowId xmlns:a16="http://schemas.microsoft.com/office/drawing/2014/main" val="961345376"/>
                   </a:ext>
                 </a:extLst>
               </a:tr>
@@ -13986,7 +13986,7 @@
           <p:cNvPr id="3" name="Tabela 3">
             <a:extLst>
               <a:ext uri="{FF2B5EF4-FFF2-40B4-BE49-F238E27FC236}">
-                <a16:creationId xmlns:a16="http://schemas.microsoft.com/office/drawing/2014/main" xmlns="" id="{5EA93383-7AF2-47E2-A897-C6658B5FA1E2}"/>
+                <a16:creationId xmlns:a16="http://schemas.microsoft.com/office/drawing/2014/main" id="{5EA93383-7AF2-47E2-A897-C6658B5FA1E2}"/>
               </a:ext>
             </a:extLst>
           </p:cNvPr>
@@ -13996,14 +13996,14 @@
           <p:nvPr>
             <p:extLst>
               <p:ext uri="{D42A27DB-BD31-4B8C-83A1-F6EECF244321}">
-                <p14:modId xmlns:p14="http://schemas.microsoft.com/office/powerpoint/2010/main" val="588622575"/>
+                <p14:modId xmlns:p14="http://schemas.microsoft.com/office/powerpoint/2010/main" val="4015766265"/>
               </p:ext>
             </p:extLst>
           </p:nvPr>
         </p:nvGraphicFramePr>
         <p:xfrm>
           <a:off x="628772" y="1410561"/>
-          <a:ext cx="10906505" cy="1351292"/>
+          <a:ext cx="10906505" cy="1137932"/>
         </p:xfrm>
         <a:graphic>
           <a:graphicData uri="http://schemas.openxmlformats.org/drawingml/2006/table">
@@ -14015,35 +14015,35 @@
                 <a:gridCol w="2190451">
                   <a:extLst>
                     <a:ext uri="{9D8B030D-6E8A-4147-A177-3AD203B41FA5}">
-                      <a16:colId xmlns:a16="http://schemas.microsoft.com/office/drawing/2014/main" xmlns="" val="2720601070"/>
+                      <a16:colId xmlns:a16="http://schemas.microsoft.com/office/drawing/2014/main" val="2720601070"/>
                     </a:ext>
                   </a:extLst>
                 </a:gridCol>
                 <a:gridCol w="2182390">
                   <a:extLst>
                     <a:ext uri="{9D8B030D-6E8A-4147-A177-3AD203B41FA5}">
-                      <a16:colId xmlns:a16="http://schemas.microsoft.com/office/drawing/2014/main" xmlns="" val="1694644209"/>
+                      <a16:colId xmlns:a16="http://schemas.microsoft.com/office/drawing/2014/main" val="1694644209"/>
                     </a:ext>
                   </a:extLst>
                 </a:gridCol>
                 <a:gridCol w="2182390">
                   <a:extLst>
                     <a:ext uri="{9D8B030D-6E8A-4147-A177-3AD203B41FA5}">
-                      <a16:colId xmlns:a16="http://schemas.microsoft.com/office/drawing/2014/main" xmlns="" val="2463113800"/>
+                      <a16:colId xmlns:a16="http://schemas.microsoft.com/office/drawing/2014/main" val="2463113800"/>
                     </a:ext>
                   </a:extLst>
                 </a:gridCol>
                 <a:gridCol w="2182390">
                   <a:extLst>
                     <a:ext uri="{9D8B030D-6E8A-4147-A177-3AD203B41FA5}">
-                      <a16:colId xmlns:a16="http://schemas.microsoft.com/office/drawing/2014/main" xmlns="" val="3430614864"/>
+                      <a16:colId xmlns:a16="http://schemas.microsoft.com/office/drawing/2014/main" val="3430614864"/>
                     </a:ext>
                   </a:extLst>
                 </a:gridCol>
                 <a:gridCol w="2168884">
                   <a:extLst>
                     <a:ext uri="{9D8B030D-6E8A-4147-A177-3AD203B41FA5}">
-                      <a16:colId xmlns:a16="http://schemas.microsoft.com/office/drawing/2014/main" xmlns="" val="2486547585"/>
+                      <a16:colId xmlns:a16="http://schemas.microsoft.com/office/drawing/2014/main" val="2486547585"/>
                     </a:ext>
                   </a:extLst>
                 </a:gridCol>
@@ -14158,7 +14158,7 @@
                 </a:tc>
                 <a:extLst>
                   <a:ext uri="{0D108BD9-81ED-4DB2-BD59-A6C34878D82A}">
-                    <a16:rowId xmlns:a16="http://schemas.microsoft.com/office/drawing/2014/main" xmlns="" val="3861647702"/>
+                    <a16:rowId xmlns:a16="http://schemas.microsoft.com/office/drawing/2014/main" val="3861647702"/>
                   </a:ext>
                 </a:extLst>
               </a:tr>
@@ -14244,31 +14244,6 @@
                     <a:p>
                       <a:pPr algn="ctr"/>
                       <a:r>
-                        <a:rPr lang="pt-BR" sz="1400" b="1" dirty="0">
-                          <a:solidFill>
-                            <a:schemeClr val="bg1"/>
-                          </a:solidFill>
-                          <a:latin typeface="Arial" panose="020B0604020202020204" pitchFamily="34" charset="0"/>
-                          <a:ea typeface="DengXian Light" panose="02010600030101010101" pitchFamily="2" charset="-122"/>
-                          <a:cs typeface="Arial" panose="020B0604020202020204" pitchFamily="34" charset="0"/>
-                        </a:rPr>
-                        <a:t>Máximo</a:t>
-                      </a:r>
-                    </a:p>
-                  </a:txBody>
-                  <a:tcPr anchor="ctr">
-                    <a:solidFill>
-                      <a:srgbClr val="EBA524"/>
-                    </a:solidFill>
-                  </a:tcPr>
-                </a:tc>
-                <a:tc>
-                  <a:txBody>
-                    <a:bodyPr/>
-                    <a:lstStyle/>
-                    <a:p>
-                      <a:pPr algn="ctr"/>
-                      <a:r>
                         <a:rPr lang="pt-BR" sz="1400" b="1" dirty="0" smtClean="0">
                           <a:solidFill>
                             <a:schemeClr val="bg1"/>
@@ -14277,7 +14252,7 @@
                           <a:ea typeface="DengXian Light" panose="02010600030101010101" pitchFamily="2" charset="-122"/>
                           <a:cs typeface="Arial" panose="020B0604020202020204" pitchFamily="34" charset="0"/>
                         </a:rPr>
-                        <a:t>Alta</a:t>
+                        <a:t>Alto</a:t>
                       </a:r>
                       <a:endParaRPr lang="pt-BR" sz="1400" b="1" dirty="0">
                         <a:solidFill>
@@ -14291,13 +14266,46 @@
                   </a:txBody>
                   <a:tcPr anchor="ctr">
                     <a:solidFill>
+                      <a:srgbClr val="EBA524"/>
+                    </a:solidFill>
+                  </a:tcPr>
+                </a:tc>
+                <a:tc>
+                  <a:txBody>
+                    <a:bodyPr/>
+                    <a:lstStyle/>
+                    <a:p>
+                      <a:pPr algn="ctr"/>
+                      <a:r>
+                        <a:rPr lang="pt-BR" sz="1400" b="1" smtClean="0">
+                          <a:solidFill>
+                            <a:schemeClr val="bg1"/>
+                          </a:solidFill>
+                          <a:latin typeface="Arial" panose="020B0604020202020204" pitchFamily="34" charset="0"/>
+                          <a:ea typeface="DengXian Light" panose="02010600030101010101" pitchFamily="2" charset="-122"/>
+                          <a:cs typeface="Arial" panose="020B0604020202020204" pitchFamily="34" charset="0"/>
+                        </a:rPr>
+                        <a:t>Máximo</a:t>
+                      </a:r>
+                      <a:endParaRPr lang="pt-BR" sz="1400" b="1" dirty="0">
+                        <a:solidFill>
+                          <a:schemeClr val="bg1"/>
+                        </a:solidFill>
+                        <a:latin typeface="Arial" panose="020B0604020202020204" pitchFamily="34" charset="0"/>
+                        <a:ea typeface="DengXian Light" panose="02010600030101010101" pitchFamily="2" charset="-122"/>
+                        <a:cs typeface="Arial" panose="020B0604020202020204" pitchFamily="34" charset="0"/>
+                      </a:endParaRPr>
+                    </a:p>
+                  </a:txBody>
+                  <a:tcPr anchor="ctr">
+                    <a:solidFill>
                       <a:srgbClr val="C5232A"/>
                     </a:solidFill>
                   </a:tcPr>
                 </a:tc>
                 <a:extLst>
                   <a:ext uri="{0D108BD9-81ED-4DB2-BD59-A6C34878D82A}">
-                    <a16:rowId xmlns:a16="http://schemas.microsoft.com/office/drawing/2014/main" xmlns="" val="1029224351"/>
+                    <a16:rowId xmlns:a16="http://schemas.microsoft.com/office/drawing/2014/main" val="1029224351"/>
                   </a:ext>
                 </a:extLst>
               </a:tr>
@@ -14561,7 +14569,7 @@
                 </a:tc>
                 <a:extLst>
                   <a:ext uri="{0D108BD9-81ED-4DB2-BD59-A6C34878D82A}">
-                    <a16:rowId xmlns:a16="http://schemas.microsoft.com/office/drawing/2014/main" xmlns="" val="3804796598"/>
+                    <a16:rowId xmlns:a16="http://schemas.microsoft.com/office/drawing/2014/main" val="3804796598"/>
                   </a:ext>
                 </a:extLst>
               </a:tr>
@@ -14574,7 +14582,7 @@
           <p:cNvPr id="22" name="Agrupar 21">
             <a:extLst>
               <a:ext uri="{FF2B5EF4-FFF2-40B4-BE49-F238E27FC236}">
-                <a16:creationId xmlns:a16="http://schemas.microsoft.com/office/drawing/2014/main" xmlns="" id="{8ACAC3D5-805D-4E9D-AD74-AC9FA36F7401}"/>
+                <a16:creationId xmlns:a16="http://schemas.microsoft.com/office/drawing/2014/main" id="{8ACAC3D5-805D-4E9D-AD74-AC9FA36F7401}"/>
               </a:ext>
             </a:extLst>
           </p:cNvPr>
@@ -14594,7 +14602,7 @@
             <p:cNvPr id="6" name="Retângulo 5">
               <a:extLst>
                 <a:ext uri="{FF2B5EF4-FFF2-40B4-BE49-F238E27FC236}">
-                  <a16:creationId xmlns:a16="http://schemas.microsoft.com/office/drawing/2014/main" xmlns="" id="{FCFB19FB-1A76-4B65-84E7-DDA33666BFE3}"/>
+                  <a16:creationId xmlns:a16="http://schemas.microsoft.com/office/drawing/2014/main" id="{FCFB19FB-1A76-4B65-84E7-DDA33666BFE3}"/>
                 </a:ext>
               </a:extLst>
             </p:cNvPr>
@@ -14646,7 +14654,7 @@
             <p:cNvPr id="11" name="Retângulo 10">
               <a:extLst>
                 <a:ext uri="{FF2B5EF4-FFF2-40B4-BE49-F238E27FC236}">
-                  <a16:creationId xmlns:a16="http://schemas.microsoft.com/office/drawing/2014/main" xmlns="" id="{1DD14323-4FC2-43F7-9393-636091501067}"/>
+                  <a16:creationId xmlns:a16="http://schemas.microsoft.com/office/drawing/2014/main" id="{1DD14323-4FC2-43F7-9393-636091501067}"/>
                 </a:ext>
               </a:extLst>
             </p:cNvPr>
@@ -14698,7 +14706,7 @@
             <p:cNvPr id="12" name="Retângulo 11">
               <a:extLst>
                 <a:ext uri="{FF2B5EF4-FFF2-40B4-BE49-F238E27FC236}">
-                  <a16:creationId xmlns:a16="http://schemas.microsoft.com/office/drawing/2014/main" xmlns="" id="{DEBCE501-AF48-4531-BF0A-8C3DC4DBD560}"/>
+                  <a16:creationId xmlns:a16="http://schemas.microsoft.com/office/drawing/2014/main" id="{DEBCE501-AF48-4531-BF0A-8C3DC4DBD560}"/>
                 </a:ext>
               </a:extLst>
             </p:cNvPr>
@@ -14750,7 +14758,7 @@
             <p:cNvPr id="13" name="Retângulo 12">
               <a:extLst>
                 <a:ext uri="{FF2B5EF4-FFF2-40B4-BE49-F238E27FC236}">
-                  <a16:creationId xmlns:a16="http://schemas.microsoft.com/office/drawing/2014/main" xmlns="" id="{FC5D1ACA-F478-4CB6-9CC4-85EA8EF9458C}"/>
+                  <a16:creationId xmlns:a16="http://schemas.microsoft.com/office/drawing/2014/main" id="{FC5D1ACA-F478-4CB6-9CC4-85EA8EF9458C}"/>
                 </a:ext>
               </a:extLst>
             </p:cNvPr>
@@ -14802,7 +14810,7 @@
             <p:cNvPr id="14" name="Retângulo 13">
               <a:extLst>
                 <a:ext uri="{FF2B5EF4-FFF2-40B4-BE49-F238E27FC236}">
-                  <a16:creationId xmlns:a16="http://schemas.microsoft.com/office/drawing/2014/main" xmlns="" id="{106D795F-81E0-4387-BF38-0F3C2FC4639F}"/>
+                  <a16:creationId xmlns:a16="http://schemas.microsoft.com/office/drawing/2014/main" id="{106D795F-81E0-4387-BF38-0F3C2FC4639F}"/>
                 </a:ext>
               </a:extLst>
             </p:cNvPr>
@@ -14854,7 +14862,7 @@
             <p:cNvPr id="15" name="CaixaDeTexto 14">
               <a:extLst>
                 <a:ext uri="{FF2B5EF4-FFF2-40B4-BE49-F238E27FC236}">
-                  <a16:creationId xmlns:a16="http://schemas.microsoft.com/office/drawing/2014/main" xmlns="" id="{418DD17E-F319-4281-95C1-CF39832731B8}"/>
+                  <a16:creationId xmlns:a16="http://schemas.microsoft.com/office/drawing/2014/main" id="{418DD17E-F319-4281-95C1-CF39832731B8}"/>
                 </a:ext>
               </a:extLst>
             </p:cNvPr>
@@ -14906,7 +14914,7 @@
             <p:cNvPr id="16" name="CaixaDeTexto 15">
               <a:extLst>
                 <a:ext uri="{FF2B5EF4-FFF2-40B4-BE49-F238E27FC236}">
-                  <a16:creationId xmlns:a16="http://schemas.microsoft.com/office/drawing/2014/main" xmlns="" id="{0B2D301B-0CF6-477E-95A4-19F33E785B23}"/>
+                  <a16:creationId xmlns:a16="http://schemas.microsoft.com/office/drawing/2014/main" id="{0B2D301B-0CF6-477E-95A4-19F33E785B23}"/>
                 </a:ext>
               </a:extLst>
             </p:cNvPr>
@@ -14950,7 +14958,7 @@
             <p:cNvPr id="17" name="CaixaDeTexto 16">
               <a:extLst>
                 <a:ext uri="{FF2B5EF4-FFF2-40B4-BE49-F238E27FC236}">
-                  <a16:creationId xmlns:a16="http://schemas.microsoft.com/office/drawing/2014/main" xmlns="" id="{1B22E2E9-7197-4F38-ACCC-5ABF70BE5F4E}"/>
+                  <a16:creationId xmlns:a16="http://schemas.microsoft.com/office/drawing/2014/main" id="{1B22E2E9-7197-4F38-ACCC-5ABF70BE5F4E}"/>
                 </a:ext>
               </a:extLst>
             </p:cNvPr>
@@ -15015,7 +15023,7 @@
             <p:cNvPr id="18" name="CaixaDeTexto 17">
               <a:extLst>
                 <a:ext uri="{FF2B5EF4-FFF2-40B4-BE49-F238E27FC236}">
-                  <a16:creationId xmlns:a16="http://schemas.microsoft.com/office/drawing/2014/main" xmlns="" id="{2E5C081D-07DE-465C-B293-4EB5B383F009}"/>
+                  <a16:creationId xmlns:a16="http://schemas.microsoft.com/office/drawing/2014/main" id="{2E5C081D-07DE-465C-B293-4EB5B383F009}"/>
                 </a:ext>
               </a:extLst>
             </p:cNvPr>
@@ -15067,7 +15075,7 @@
             <p:cNvPr id="19" name="CaixaDeTexto 18">
               <a:extLst>
                 <a:ext uri="{FF2B5EF4-FFF2-40B4-BE49-F238E27FC236}">
-                  <a16:creationId xmlns:a16="http://schemas.microsoft.com/office/drawing/2014/main" xmlns="" id="{B28C9708-5CC6-4FE9-AEE4-C4DA06DC14B3}"/>
+                  <a16:creationId xmlns:a16="http://schemas.microsoft.com/office/drawing/2014/main" id="{B28C9708-5CC6-4FE9-AEE4-C4DA06DC14B3}"/>
                 </a:ext>
               </a:extLst>
             </p:cNvPr>
@@ -15122,7 +15130,7 @@
           <p:cNvPr id="20" name="Tabela 20">
             <a:extLst>
               <a:ext uri="{FF2B5EF4-FFF2-40B4-BE49-F238E27FC236}">
-                <a16:creationId xmlns:a16="http://schemas.microsoft.com/office/drawing/2014/main" xmlns="" id="{053AB241-6713-4349-874C-3B60B903F427}"/>
+                <a16:creationId xmlns:a16="http://schemas.microsoft.com/office/drawing/2014/main" id="{053AB241-6713-4349-874C-3B60B903F427}"/>
               </a:ext>
             </a:extLst>
           </p:cNvPr>
@@ -15151,35 +15159,35 @@
                 <a:gridCol w="915438">
                   <a:extLst>
                     <a:ext uri="{9D8B030D-6E8A-4147-A177-3AD203B41FA5}">
-                      <a16:colId xmlns:a16="http://schemas.microsoft.com/office/drawing/2014/main" xmlns="" val="1931333004"/>
+                      <a16:colId xmlns:a16="http://schemas.microsoft.com/office/drawing/2014/main" val="1931333004"/>
                     </a:ext>
                   </a:extLst>
                 </a:gridCol>
                 <a:gridCol w="877077">
                   <a:extLst>
                     <a:ext uri="{9D8B030D-6E8A-4147-A177-3AD203B41FA5}">
-                      <a16:colId xmlns:a16="http://schemas.microsoft.com/office/drawing/2014/main" xmlns="" val="2549598735"/>
+                      <a16:colId xmlns:a16="http://schemas.microsoft.com/office/drawing/2014/main" val="2549598735"/>
                     </a:ext>
                   </a:extLst>
                 </a:gridCol>
                 <a:gridCol w="933061">
                   <a:extLst>
                     <a:ext uri="{9D8B030D-6E8A-4147-A177-3AD203B41FA5}">
-                      <a16:colId xmlns:a16="http://schemas.microsoft.com/office/drawing/2014/main" xmlns="" val="666232204"/>
+                      <a16:colId xmlns:a16="http://schemas.microsoft.com/office/drawing/2014/main" val="666232204"/>
                     </a:ext>
                   </a:extLst>
                 </a:gridCol>
                 <a:gridCol w="867747">
                   <a:extLst>
                     <a:ext uri="{9D8B030D-6E8A-4147-A177-3AD203B41FA5}">
-                      <a16:colId xmlns:a16="http://schemas.microsoft.com/office/drawing/2014/main" xmlns="" val="954527318"/>
+                      <a16:colId xmlns:a16="http://schemas.microsoft.com/office/drawing/2014/main" val="954527318"/>
                     </a:ext>
                   </a:extLst>
                 </a:gridCol>
                 <a:gridCol w="1417618">
                   <a:extLst>
                     <a:ext uri="{9D8B030D-6E8A-4147-A177-3AD203B41FA5}">
-                      <a16:colId xmlns:a16="http://schemas.microsoft.com/office/drawing/2014/main" xmlns="" val="1522748676"/>
+                      <a16:colId xmlns:a16="http://schemas.microsoft.com/office/drawing/2014/main" val="1522748676"/>
                     </a:ext>
                   </a:extLst>
                 </a:gridCol>
@@ -15373,7 +15381,7 @@
                 </a:tc>
                 <a:extLst>
                   <a:ext uri="{0D108BD9-81ED-4DB2-BD59-A6C34878D82A}">
-                    <a16:rowId xmlns:a16="http://schemas.microsoft.com/office/drawing/2014/main" xmlns="" val="1291372520"/>
+                    <a16:rowId xmlns:a16="http://schemas.microsoft.com/office/drawing/2014/main" val="1291372520"/>
                   </a:ext>
                 </a:extLst>
               </a:tr>
@@ -15601,7 +15609,7 @@
                 </a:tc>
                 <a:extLst>
                   <a:ext uri="{0D108BD9-81ED-4DB2-BD59-A6C34878D82A}">
-                    <a16:rowId xmlns:a16="http://schemas.microsoft.com/office/drawing/2014/main" xmlns="" val="1477436502"/>
+                    <a16:rowId xmlns:a16="http://schemas.microsoft.com/office/drawing/2014/main" val="1477436502"/>
                   </a:ext>
                 </a:extLst>
               </a:tr>
@@ -15805,7 +15813,7 @@
                 </a:tc>
                 <a:extLst>
                   <a:ext uri="{0D108BD9-81ED-4DB2-BD59-A6C34878D82A}">
-                    <a16:rowId xmlns:a16="http://schemas.microsoft.com/office/drawing/2014/main" xmlns="" val="468502876"/>
+                    <a16:rowId xmlns:a16="http://schemas.microsoft.com/office/drawing/2014/main" val="468502876"/>
                   </a:ext>
                 </a:extLst>
               </a:tr>
@@ -16009,7 +16017,7 @@
                 </a:tc>
                 <a:extLst>
                   <a:ext uri="{0D108BD9-81ED-4DB2-BD59-A6C34878D82A}">
-                    <a16:rowId xmlns:a16="http://schemas.microsoft.com/office/drawing/2014/main" xmlns="" val="877003540"/>
+                    <a16:rowId xmlns:a16="http://schemas.microsoft.com/office/drawing/2014/main" val="877003540"/>
                   </a:ext>
                 </a:extLst>
               </a:tr>
@@ -16213,7 +16221,7 @@
                 </a:tc>
                 <a:extLst>
                   <a:ext uri="{0D108BD9-81ED-4DB2-BD59-A6C34878D82A}">
-                    <a16:rowId xmlns:a16="http://schemas.microsoft.com/office/drawing/2014/main" xmlns="" val="3948626081"/>
+                    <a16:rowId xmlns:a16="http://schemas.microsoft.com/office/drawing/2014/main" val="3948626081"/>
                   </a:ext>
                 </a:extLst>
               </a:tr>
@@ -16417,7 +16425,7 @@
                 </a:tc>
                 <a:extLst>
                   <a:ext uri="{0D108BD9-81ED-4DB2-BD59-A6C34878D82A}">
-                    <a16:rowId xmlns:a16="http://schemas.microsoft.com/office/drawing/2014/main" xmlns="" val="1025752665"/>
+                    <a16:rowId xmlns:a16="http://schemas.microsoft.com/office/drawing/2014/main" val="1025752665"/>
                   </a:ext>
                 </a:extLst>
               </a:tr>
@@ -16633,7 +16641,7 @@
                 </a:tc>
                 <a:extLst>
                   <a:ext uri="{0D108BD9-81ED-4DB2-BD59-A6C34878D82A}">
-                    <a16:rowId xmlns:a16="http://schemas.microsoft.com/office/drawing/2014/main" xmlns="" val="3404637667"/>
+                    <a16:rowId xmlns:a16="http://schemas.microsoft.com/office/drawing/2014/main" val="3404637667"/>
                   </a:ext>
                 </a:extLst>
               </a:tr>
@@ -16837,7 +16845,7 @@
                 </a:tc>
                 <a:extLst>
                   <a:ext uri="{0D108BD9-81ED-4DB2-BD59-A6C34878D82A}">
-                    <a16:rowId xmlns:a16="http://schemas.microsoft.com/office/drawing/2014/main" xmlns="" val="3333431357"/>
+                    <a16:rowId xmlns:a16="http://schemas.microsoft.com/office/drawing/2014/main" val="3333431357"/>
                   </a:ext>
                 </a:extLst>
               </a:tr>
@@ -16850,7 +16858,7 @@
           <p:cNvPr id="24" name="Tabela 24">
             <a:extLst>
               <a:ext uri="{FF2B5EF4-FFF2-40B4-BE49-F238E27FC236}">
-                <a16:creationId xmlns:a16="http://schemas.microsoft.com/office/drawing/2014/main" xmlns="" id="{30614754-A82C-4062-8A48-110C4F0EB1AC}"/>
+                <a16:creationId xmlns:a16="http://schemas.microsoft.com/office/drawing/2014/main" id="{30614754-A82C-4062-8A48-110C4F0EB1AC}"/>
               </a:ext>
             </a:extLst>
           </p:cNvPr>
@@ -16879,28 +16887,28 @@
                 <a:gridCol w="1360195">
                   <a:extLst>
                     <a:ext uri="{9D8B030D-6E8A-4147-A177-3AD203B41FA5}">
-                      <a16:colId xmlns:a16="http://schemas.microsoft.com/office/drawing/2014/main" xmlns="" val="2955855276"/>
+                      <a16:colId xmlns:a16="http://schemas.microsoft.com/office/drawing/2014/main" val="2955855276"/>
                     </a:ext>
                   </a:extLst>
                 </a:gridCol>
                 <a:gridCol w="1360195">
                   <a:extLst>
                     <a:ext uri="{9D8B030D-6E8A-4147-A177-3AD203B41FA5}">
-                      <a16:colId xmlns:a16="http://schemas.microsoft.com/office/drawing/2014/main" xmlns="" val="3640410759"/>
+                      <a16:colId xmlns:a16="http://schemas.microsoft.com/office/drawing/2014/main" val="3640410759"/>
                     </a:ext>
                   </a:extLst>
                 </a:gridCol>
                 <a:gridCol w="1360195">
                   <a:extLst>
                     <a:ext uri="{9D8B030D-6E8A-4147-A177-3AD203B41FA5}">
-                      <a16:colId xmlns:a16="http://schemas.microsoft.com/office/drawing/2014/main" xmlns="" val="2158507627"/>
+                      <a16:colId xmlns:a16="http://schemas.microsoft.com/office/drawing/2014/main" val="2158507627"/>
                     </a:ext>
                   </a:extLst>
                 </a:gridCol>
                 <a:gridCol w="1360195">
                   <a:extLst>
                     <a:ext uri="{9D8B030D-6E8A-4147-A177-3AD203B41FA5}">
-                      <a16:colId xmlns:a16="http://schemas.microsoft.com/office/drawing/2014/main" xmlns="" val="1607804873"/>
+                      <a16:colId xmlns:a16="http://schemas.microsoft.com/office/drawing/2014/main" val="1607804873"/>
                     </a:ext>
                   </a:extLst>
                 </a:gridCol>
@@ -17024,7 +17032,7 @@
                 </a:tc>
                 <a:extLst>
                   <a:ext uri="{0D108BD9-81ED-4DB2-BD59-A6C34878D82A}">
-                    <a16:rowId xmlns:a16="http://schemas.microsoft.com/office/drawing/2014/main" xmlns="" val="1836341308"/>
+                    <a16:rowId xmlns:a16="http://schemas.microsoft.com/office/drawing/2014/main" val="1836341308"/>
                   </a:ext>
                 </a:extLst>
               </a:tr>
@@ -17179,7 +17187,7 @@
                 </a:tc>
                 <a:extLst>
                   <a:ext uri="{0D108BD9-81ED-4DB2-BD59-A6C34878D82A}">
-                    <a16:rowId xmlns:a16="http://schemas.microsoft.com/office/drawing/2014/main" xmlns="" val="2565940972"/>
+                    <a16:rowId xmlns:a16="http://schemas.microsoft.com/office/drawing/2014/main" val="2565940972"/>
                   </a:ext>
                 </a:extLst>
               </a:tr>
@@ -17192,7 +17200,7 @@
           <p:cNvPr id="26" name="CaixaDeTexto 25">
             <a:extLst>
               <a:ext uri="{FF2B5EF4-FFF2-40B4-BE49-F238E27FC236}">
-                <a16:creationId xmlns:a16="http://schemas.microsoft.com/office/drawing/2014/main" xmlns="" id="{9EDF4D89-8D96-4B4A-9C6E-4039E2791EEA}"/>
+                <a16:creationId xmlns:a16="http://schemas.microsoft.com/office/drawing/2014/main" id="{9EDF4D89-8D96-4B4A-9C6E-4039E2791EEA}"/>
               </a:ext>
             </a:extLst>
           </p:cNvPr>
@@ -17247,7 +17255,7 @@
           <p:cNvPr id="23" name="Título 1">
             <a:extLst>
               <a:ext uri="{FF2B5EF4-FFF2-40B4-BE49-F238E27FC236}">
-                <a16:creationId xmlns:a16="http://schemas.microsoft.com/office/drawing/2014/main" xmlns="" id="{99F76FBE-1BC2-4EE6-B90A-22263BF7BDCD}"/>
+                <a16:creationId xmlns:a16="http://schemas.microsoft.com/office/drawing/2014/main" id="{99F76FBE-1BC2-4EE6-B90A-22263BF7BDCD}"/>
               </a:ext>
             </a:extLst>
           </p:cNvPr>
@@ -17409,7 +17417,7 @@
           <p:cNvPr id="2" name="Título 1">
             <a:extLst>
               <a:ext uri="{FF2B5EF4-FFF2-40B4-BE49-F238E27FC236}">
-                <a16:creationId xmlns:a16="http://schemas.microsoft.com/office/drawing/2014/main" xmlns="" id="{99F76FBE-1BC2-4EE6-B90A-22263BF7BDCD}"/>
+                <a16:creationId xmlns:a16="http://schemas.microsoft.com/office/drawing/2014/main" id="{99F76FBE-1BC2-4EE6-B90A-22263BF7BDCD}"/>
               </a:ext>
             </a:extLst>
           </p:cNvPr>
@@ -17686,7 +17694,7 @@
           <p:cNvPr id="6" name="Título 1">
             <a:extLst>
               <a:ext uri="{FF2B5EF4-FFF2-40B4-BE49-F238E27FC236}">
-                <a16:creationId xmlns:a16="http://schemas.microsoft.com/office/drawing/2014/main" xmlns="" id="{99F76FBE-1BC2-4EE6-B90A-22263BF7BDCD}"/>
+                <a16:creationId xmlns:a16="http://schemas.microsoft.com/office/drawing/2014/main" id="{99F76FBE-1BC2-4EE6-B90A-22263BF7BDCD}"/>
               </a:ext>
             </a:extLst>
           </p:cNvPr>
@@ -18044,7 +18052,7 @@
           <p:cNvPr id="6" name="Título 1">
             <a:extLst>
               <a:ext uri="{FF2B5EF4-FFF2-40B4-BE49-F238E27FC236}">
-                <a16:creationId xmlns:a16="http://schemas.microsoft.com/office/drawing/2014/main" xmlns="" id="{99F76FBE-1BC2-4EE6-B90A-22263BF7BDCD}"/>
+                <a16:creationId xmlns:a16="http://schemas.microsoft.com/office/drawing/2014/main" id="{99F76FBE-1BC2-4EE6-B90A-22263BF7BDCD}"/>
               </a:ext>
             </a:extLst>
           </p:cNvPr>
@@ -18224,7 +18232,7 @@
           <p:cNvPr id="4" name="Título 1">
             <a:extLst>
               <a:ext uri="{FF2B5EF4-FFF2-40B4-BE49-F238E27FC236}">
-                <a16:creationId xmlns:a16="http://schemas.microsoft.com/office/drawing/2014/main" xmlns="" id="{99F76FBE-1BC2-4EE6-B90A-22263BF7BDCD}"/>
+                <a16:creationId xmlns:a16="http://schemas.microsoft.com/office/drawing/2014/main" id="{99F76FBE-1BC2-4EE6-B90A-22263BF7BDCD}"/>
               </a:ext>
             </a:extLst>
           </p:cNvPr>
@@ -18577,7 +18585,7 @@
           <p:cNvPr id="7" name="Título 1">
             <a:extLst>
               <a:ext uri="{FF2B5EF4-FFF2-40B4-BE49-F238E27FC236}">
-                <a16:creationId xmlns:a16="http://schemas.microsoft.com/office/drawing/2014/main" xmlns="" id="{99F76FBE-1BC2-4EE6-B90A-22263BF7BDCD}"/>
+                <a16:creationId xmlns:a16="http://schemas.microsoft.com/office/drawing/2014/main" id="{99F76FBE-1BC2-4EE6-B90A-22263BF7BDCD}"/>
               </a:ext>
             </a:extLst>
           </p:cNvPr>
@@ -18949,7 +18957,7 @@
           <p:cNvPr id="7" name="Título 1">
             <a:extLst>
               <a:ext uri="{FF2B5EF4-FFF2-40B4-BE49-F238E27FC236}">
-                <a16:creationId xmlns:a16="http://schemas.microsoft.com/office/drawing/2014/main" xmlns="" id="{99F76FBE-1BC2-4EE6-B90A-22263BF7BDCD}"/>
+                <a16:creationId xmlns:a16="http://schemas.microsoft.com/office/drawing/2014/main" id="{99F76FBE-1BC2-4EE6-B90A-22263BF7BDCD}"/>
               </a:ext>
             </a:extLst>
           </p:cNvPr>
@@ -19331,7 +19339,7 @@
           <p:cNvPr id="7" name="Título 1">
             <a:extLst>
               <a:ext uri="{FF2B5EF4-FFF2-40B4-BE49-F238E27FC236}">
-                <a16:creationId xmlns:a16="http://schemas.microsoft.com/office/drawing/2014/main" xmlns="" id="{99F76FBE-1BC2-4EE6-B90A-22263BF7BDCD}"/>
+                <a16:creationId xmlns:a16="http://schemas.microsoft.com/office/drawing/2014/main" id="{99F76FBE-1BC2-4EE6-B90A-22263BF7BDCD}"/>
               </a:ext>
             </a:extLst>
           </p:cNvPr>
@@ -19594,7 +19602,7 @@
           <p:cNvPr id="2" name="Título 1">
             <a:extLst>
               <a:ext uri="{FF2B5EF4-FFF2-40B4-BE49-F238E27FC236}">
-                <a16:creationId xmlns:a16="http://schemas.microsoft.com/office/drawing/2014/main" xmlns="" id="{99F76FBE-1BC2-4EE6-B90A-22263BF7BDCD}"/>
+                <a16:creationId xmlns:a16="http://schemas.microsoft.com/office/drawing/2014/main" id="{99F76FBE-1BC2-4EE6-B90A-22263BF7BDCD}"/>
               </a:ext>
             </a:extLst>
           </p:cNvPr>
@@ -19695,7 +19703,7 @@
           <p:cNvPr id="11" name="CaixaDeTexto 10">
             <a:extLst>
               <a:ext uri="{FF2B5EF4-FFF2-40B4-BE49-F238E27FC236}">
-                <a16:creationId xmlns:a16="http://schemas.microsoft.com/office/drawing/2014/main" xmlns="" id="{869545E3-DC46-4CDB-A839-CA8AA4E80E78}"/>
+                <a16:creationId xmlns:a16="http://schemas.microsoft.com/office/drawing/2014/main" id="{869545E3-DC46-4CDB-A839-CA8AA4E80E78}"/>
               </a:ext>
             </a:extLst>
           </p:cNvPr>
@@ -19935,7 +19943,7 @@
           <p:cNvPr id="2" name="Título 1">
             <a:extLst>
               <a:ext uri="{FF2B5EF4-FFF2-40B4-BE49-F238E27FC236}">
-                <a16:creationId xmlns:a16="http://schemas.microsoft.com/office/drawing/2014/main" xmlns="" id="{99F76FBE-1BC2-4EE6-B90A-22263BF7BDCD}"/>
+                <a16:creationId xmlns:a16="http://schemas.microsoft.com/office/drawing/2014/main" id="{99F76FBE-1BC2-4EE6-B90A-22263BF7BDCD}"/>
               </a:ext>
             </a:extLst>
           </p:cNvPr>
@@ -20036,7 +20044,7 @@
           <p:cNvPr id="5" name="CaixaDeTexto 4">
             <a:extLst>
               <a:ext uri="{FF2B5EF4-FFF2-40B4-BE49-F238E27FC236}">
-                <a16:creationId xmlns:a16="http://schemas.microsoft.com/office/drawing/2014/main" xmlns="" id="{869545E3-DC46-4CDB-A839-CA8AA4E80E78}"/>
+                <a16:creationId xmlns:a16="http://schemas.microsoft.com/office/drawing/2014/main" id="{869545E3-DC46-4CDB-A839-CA8AA4E80E78}"/>
               </a:ext>
             </a:extLst>
           </p:cNvPr>
@@ -20467,7 +20475,7 @@
           <p:cNvPr id="2" name="Título 1">
             <a:extLst>
               <a:ext uri="{FF2B5EF4-FFF2-40B4-BE49-F238E27FC236}">
-                <a16:creationId xmlns:a16="http://schemas.microsoft.com/office/drawing/2014/main" xmlns="" id="{99F76FBE-1BC2-4EE6-B90A-22263BF7BDCD}"/>
+                <a16:creationId xmlns:a16="http://schemas.microsoft.com/office/drawing/2014/main" id="{99F76FBE-1BC2-4EE6-B90A-22263BF7BDCD}"/>
               </a:ext>
             </a:extLst>
           </p:cNvPr>
@@ -20563,7 +20571,7 @@
           <p:cNvPr id="5" name="CaixaDeTexto 4">
             <a:extLst>
               <a:ext uri="{FF2B5EF4-FFF2-40B4-BE49-F238E27FC236}">
-                <a16:creationId xmlns:a16="http://schemas.microsoft.com/office/drawing/2014/main" xmlns="" id="{B1A9BA09-BC8C-4B52-AE69-EBE2FD7DC39C}"/>
+                <a16:creationId xmlns:a16="http://schemas.microsoft.com/office/drawing/2014/main" id="{B1A9BA09-BC8C-4B52-AE69-EBE2FD7DC39C}"/>
               </a:ext>
             </a:extLst>
           </p:cNvPr>
@@ -20834,7 +20842,7 @@
           <p:cNvPr id="6" name="Imagem 5" descr="Uma imagem contendo relógio&#10;&#10;Descrição gerada automaticamente">
             <a:extLst>
               <a:ext uri="{FF2B5EF4-FFF2-40B4-BE49-F238E27FC236}">
-                <a16:creationId xmlns:a16="http://schemas.microsoft.com/office/drawing/2014/main" xmlns="" id="{CB59938E-1EC6-4FDA-9A22-DB6A7DC30350}"/>
+                <a16:creationId xmlns:a16="http://schemas.microsoft.com/office/drawing/2014/main" id="{CB59938E-1EC6-4FDA-9A22-DB6A7DC30350}"/>
               </a:ext>
             </a:extLst>
           </p:cNvPr>
@@ -20903,7 +20911,7 @@
           <p:cNvPr id="11" name="Imagem 10" descr="Uma imagem contendo lego&#10;&#10;Descrição gerada automaticamente">
             <a:extLst>
               <a:ext uri="{FF2B5EF4-FFF2-40B4-BE49-F238E27FC236}">
-                <a16:creationId xmlns:a16="http://schemas.microsoft.com/office/drawing/2014/main" xmlns="" id="{75CCF98C-9716-4BFB-817E-3CAB031EC69E}"/>
+                <a16:creationId xmlns:a16="http://schemas.microsoft.com/office/drawing/2014/main" id="{75CCF98C-9716-4BFB-817E-3CAB031EC69E}"/>
               </a:ext>
             </a:extLst>
           </p:cNvPr>
@@ -20986,7 +20994,7 @@
           <p:cNvPr id="8" name="Imagem 7" descr="Uma imagem contendo relógio, mesa, computador, tela&#10;&#10;Descrição gerada automaticamente">
             <a:extLst>
               <a:ext uri="{FF2B5EF4-FFF2-40B4-BE49-F238E27FC236}">
-                <a16:creationId xmlns:a16="http://schemas.microsoft.com/office/drawing/2014/main" xmlns="" id="{CA5FBE93-39D7-43EB-BC2F-F7757B0AEB93}"/>
+                <a16:creationId xmlns:a16="http://schemas.microsoft.com/office/drawing/2014/main" id="{CA5FBE93-39D7-43EB-BC2F-F7757B0AEB93}"/>
               </a:ext>
             </a:extLst>
           </p:cNvPr>
@@ -21058,7 +21066,7 @@
           <p:cNvPr id="3" name="Imagem 2" descr="Texto preto sobre fundo branco&#10;&#10;Descrição gerada automaticamente">
             <a:extLst>
               <a:ext uri="{FF2B5EF4-FFF2-40B4-BE49-F238E27FC236}">
-                <a16:creationId xmlns:a16="http://schemas.microsoft.com/office/drawing/2014/main" xmlns="" id="{97EDB81F-85CF-4096-BBCE-16F66B59122E}"/>
+                <a16:creationId xmlns:a16="http://schemas.microsoft.com/office/drawing/2014/main" id="{97EDB81F-85CF-4096-BBCE-16F66B59122E}"/>
               </a:ext>
             </a:extLst>
           </p:cNvPr>
@@ -21386,7 +21394,7 @@
           <p:cNvPr id="7" name="Título 1">
             <a:extLst>
               <a:ext uri="{FF2B5EF4-FFF2-40B4-BE49-F238E27FC236}">
-                <a16:creationId xmlns:a16="http://schemas.microsoft.com/office/drawing/2014/main" xmlns="" id="{99F76FBE-1BC2-4EE6-B90A-22263BF7BDCD}"/>
+                <a16:creationId xmlns:a16="http://schemas.microsoft.com/office/drawing/2014/main" id="{99F76FBE-1BC2-4EE6-B90A-22263BF7BDCD}"/>
               </a:ext>
             </a:extLst>
           </p:cNvPr>
@@ -21815,7 +21823,7 @@
           <p:cNvPr id="8" name="Picture 6" descr="A close up of a logo&#10;&#10;Description generated with very high confidence">
             <a:extLst>
               <a:ext uri="{FF2B5EF4-FFF2-40B4-BE49-F238E27FC236}">
-                <a16:creationId xmlns:a16="http://schemas.microsoft.com/office/drawing/2014/main" xmlns="" id="{02FAD4E8-4127-4FD5-A86F-7066B5200CF9}"/>
+                <a16:creationId xmlns:a16="http://schemas.microsoft.com/office/drawing/2014/main" id="{02FAD4E8-4127-4FD5-A86F-7066B5200CF9}"/>
               </a:ext>
             </a:extLst>
           </p:cNvPr>
@@ -21845,7 +21853,7 @@
           <p:cNvPr id="9" name="Picture 2" descr="A close up of a logo&#10;&#10;Description generated with very high confidence">
             <a:extLst>
               <a:ext uri="{FF2B5EF4-FFF2-40B4-BE49-F238E27FC236}">
-                <a16:creationId xmlns:a16="http://schemas.microsoft.com/office/drawing/2014/main" xmlns="" id="{CF17E598-BC0F-433A-AACD-E985418FFF8F}"/>
+                <a16:creationId xmlns:a16="http://schemas.microsoft.com/office/drawing/2014/main" id="{CF17E598-BC0F-433A-AACD-E985418FFF8F}"/>
               </a:ext>
             </a:extLst>
           </p:cNvPr>
@@ -21875,7 +21883,7 @@
           <p:cNvPr id="10" name="Picture 8" descr="A circuit board&#10;&#10;Description generated with very high confidence">
             <a:extLst>
               <a:ext uri="{FF2B5EF4-FFF2-40B4-BE49-F238E27FC236}">
-                <a16:creationId xmlns:a16="http://schemas.microsoft.com/office/drawing/2014/main" xmlns="" id="{8631CDC9-C9ED-40D8-9718-9030D394E95F}"/>
+                <a16:creationId xmlns:a16="http://schemas.microsoft.com/office/drawing/2014/main" id="{8631CDC9-C9ED-40D8-9718-9030D394E95F}"/>
               </a:ext>
             </a:extLst>
           </p:cNvPr>
@@ -21905,7 +21913,7 @@
           <p:cNvPr id="11" name="Graphic 48" descr="Chevron arrows">
             <a:extLst>
               <a:ext uri="{FF2B5EF4-FFF2-40B4-BE49-F238E27FC236}">
-                <a16:creationId xmlns:a16="http://schemas.microsoft.com/office/drawing/2014/main" xmlns="" id="{9C83C282-EC67-4BF5-988C-C6151F03EAC8}"/>
+                <a16:creationId xmlns:a16="http://schemas.microsoft.com/office/drawing/2014/main" id="{9C83C282-EC67-4BF5-988C-C6151F03EAC8}"/>
               </a:ext>
             </a:extLst>
           </p:cNvPr>
@@ -21918,7 +21926,7 @@
           <a:blip r:embed="rId5">
             <a:extLst>
               <a:ext uri="{96DAC541-7B7A-43D3-8B79-37D633B846F1}">
-                <asvg:svgBlip xmlns:asvg="http://schemas.microsoft.com/office/drawing/2016/SVG/main" xmlns="" r:embed="rId6"/>
+                <asvg:svgBlip xmlns="" xmlns:asvg="http://schemas.microsoft.com/office/drawing/2016/SVG/main" r:embed="rId6"/>
               </a:ext>
             </a:extLst>
           </a:blip>
@@ -21941,7 +21949,7 @@
           <p:cNvPr id="12" name="Graphic 50" descr="Chevron arrows">
             <a:extLst>
               <a:ext uri="{FF2B5EF4-FFF2-40B4-BE49-F238E27FC236}">
-                <a16:creationId xmlns:a16="http://schemas.microsoft.com/office/drawing/2014/main" xmlns="" id="{F8ADD165-FA14-4184-A53E-48188D71E5FF}"/>
+                <a16:creationId xmlns:a16="http://schemas.microsoft.com/office/drawing/2014/main" id="{F8ADD165-FA14-4184-A53E-48188D71E5FF}"/>
               </a:ext>
             </a:extLst>
           </p:cNvPr>
@@ -21954,7 +21962,7 @@
           <a:blip r:embed="rId5">
             <a:extLst>
               <a:ext uri="{96DAC541-7B7A-43D3-8B79-37D633B846F1}">
-                <asvg:svgBlip xmlns:asvg="http://schemas.microsoft.com/office/drawing/2016/SVG/main" xmlns="" r:embed="rId6"/>
+                <asvg:svgBlip xmlns="" xmlns:asvg="http://schemas.microsoft.com/office/drawing/2016/SVG/main" r:embed="rId6"/>
               </a:ext>
             </a:extLst>
           </a:blip>
@@ -21977,7 +21985,7 @@
           <p:cNvPr id="13" name="Picture 52" descr="A close up of a logo&#10;&#10;Description generated with high confidence">
             <a:extLst>
               <a:ext uri="{FF2B5EF4-FFF2-40B4-BE49-F238E27FC236}">
-                <a16:creationId xmlns:a16="http://schemas.microsoft.com/office/drawing/2014/main" xmlns="" id="{09477861-B8F4-44DE-814A-58410BB781B9}"/>
+                <a16:creationId xmlns:a16="http://schemas.microsoft.com/office/drawing/2014/main" id="{09477861-B8F4-44DE-814A-58410BB781B9}"/>
               </a:ext>
             </a:extLst>
           </p:cNvPr>
@@ -22007,7 +22015,7 @@
           <p:cNvPr id="14" name="Picture 55" descr="A close up of a clock&#10;&#10;Description generated with high confidence">
             <a:extLst>
               <a:ext uri="{FF2B5EF4-FFF2-40B4-BE49-F238E27FC236}">
-                <a16:creationId xmlns:a16="http://schemas.microsoft.com/office/drawing/2014/main" xmlns="" id="{5C726E55-A6D4-4B74-8915-31B0312BC132}"/>
+                <a16:creationId xmlns:a16="http://schemas.microsoft.com/office/drawing/2014/main" id="{5C726E55-A6D4-4B74-8915-31B0312BC132}"/>
               </a:ext>
             </a:extLst>
           </p:cNvPr>
@@ -22088,7 +22096,7 @@
           <p:cNvPr id="18" name="Picture 37" descr="A picture containing computer, table&#10;&#10;Description generated with very high confidence">
             <a:extLst>
               <a:ext uri="{FF2B5EF4-FFF2-40B4-BE49-F238E27FC236}">
-                <a16:creationId xmlns:a16="http://schemas.microsoft.com/office/drawing/2014/main" xmlns="" id="{62574C71-6DE6-4BEE-A15F-55F806CE58A0}"/>
+                <a16:creationId xmlns:a16="http://schemas.microsoft.com/office/drawing/2014/main" id="{62574C71-6DE6-4BEE-A15F-55F806CE58A0}"/>
               </a:ext>
             </a:extLst>
           </p:cNvPr>
@@ -22681,7 +22689,7 @@
           <p:cNvPr id="24" name="Picture 13" descr="A picture containing comb&#10;&#10;Description generated with very high confidence">
             <a:extLst>
               <a:ext uri="{FF2B5EF4-FFF2-40B4-BE49-F238E27FC236}">
-                <a16:creationId xmlns:a16="http://schemas.microsoft.com/office/drawing/2014/main" xmlns="" id="{96E322C2-909A-46BB-B588-211766AB85E0}"/>
+                <a16:creationId xmlns:a16="http://schemas.microsoft.com/office/drawing/2014/main" id="{96E322C2-909A-46BB-B588-211766AB85E0}"/>
               </a:ext>
             </a:extLst>
           </p:cNvPr>
@@ -22711,7 +22719,7 @@
           <p:cNvPr id="25" name="TextBox 61">
             <a:extLst>
               <a:ext uri="{FF2B5EF4-FFF2-40B4-BE49-F238E27FC236}">
-                <a16:creationId xmlns:a16="http://schemas.microsoft.com/office/drawing/2014/main" xmlns="" id="{2B0D8CBA-CC14-4E5F-B4F1-1633DDE93E6E}"/>
+                <a16:creationId xmlns:a16="http://schemas.microsoft.com/office/drawing/2014/main" id="{2B0D8CBA-CC14-4E5F-B4F1-1633DDE93E6E}"/>
               </a:ext>
             </a:extLst>
           </p:cNvPr>
@@ -22810,7 +22818,7 @@
           <p:cNvPr id="27" name="Picture 68" descr="A close up of a sign&#10;&#10;Description generated with high confidence">
             <a:extLst>
               <a:ext uri="{FF2B5EF4-FFF2-40B4-BE49-F238E27FC236}">
-                <a16:creationId xmlns:a16="http://schemas.microsoft.com/office/drawing/2014/main" xmlns="" id="{C7BC0718-3AEC-417A-BD8F-3A387BBF0481}"/>
+                <a16:creationId xmlns:a16="http://schemas.microsoft.com/office/drawing/2014/main" id="{C7BC0718-3AEC-417A-BD8F-3A387BBF0481}"/>
               </a:ext>
             </a:extLst>
           </p:cNvPr>
@@ -22840,7 +22848,7 @@
           <p:cNvPr id="28" name="Picture 70" descr="A screen shot of a computer&#10;&#10;Description generated with very high confidence">
             <a:extLst>
               <a:ext uri="{FF2B5EF4-FFF2-40B4-BE49-F238E27FC236}">
-                <a16:creationId xmlns:a16="http://schemas.microsoft.com/office/drawing/2014/main" xmlns="" id="{0CAA2E08-371C-4778-B698-82EA38A03D11}"/>
+                <a16:creationId xmlns:a16="http://schemas.microsoft.com/office/drawing/2014/main" id="{0CAA2E08-371C-4778-B698-82EA38A03D11}"/>
               </a:ext>
             </a:extLst>
           </p:cNvPr>
@@ -22870,7 +22878,7 @@
           <p:cNvPr id="29" name="Picture 73" descr="A close up of a logo&#10;&#10;Description generated with high confidence">
             <a:extLst>
               <a:ext uri="{FF2B5EF4-FFF2-40B4-BE49-F238E27FC236}">
-                <a16:creationId xmlns:a16="http://schemas.microsoft.com/office/drawing/2014/main" xmlns="" id="{385A0B54-3BDE-4902-8311-81E6A8A2E57E}"/>
+                <a16:creationId xmlns:a16="http://schemas.microsoft.com/office/drawing/2014/main" id="{385A0B54-3BDE-4902-8311-81E6A8A2E57E}"/>
               </a:ext>
             </a:extLst>
           </p:cNvPr>
@@ -22951,7 +22959,7 @@
           <p:cNvPr id="31" name="Picture 79" descr="A close up of a logo&#10;&#10;Description generated with very high confidence">
             <a:extLst>
               <a:ext uri="{FF2B5EF4-FFF2-40B4-BE49-F238E27FC236}">
-                <a16:creationId xmlns:a16="http://schemas.microsoft.com/office/drawing/2014/main" xmlns="" id="{7EA4B790-3FF9-4E6B-891E-C4B0A8AC7E5E}"/>
+                <a16:creationId xmlns:a16="http://schemas.microsoft.com/office/drawing/2014/main" id="{7EA4B790-3FF9-4E6B-891E-C4B0A8AC7E5E}"/>
               </a:ext>
             </a:extLst>
           </p:cNvPr>
@@ -22984,7 +22992,7 @@
           <p:cNvPr id="32" name="TextBox 88">
             <a:extLst>
               <a:ext uri="{FF2B5EF4-FFF2-40B4-BE49-F238E27FC236}">
-                <a16:creationId xmlns:a16="http://schemas.microsoft.com/office/drawing/2014/main" xmlns="" id="{194A1E76-091F-4A2D-A3A3-64B09C6107D4}"/>
+                <a16:creationId xmlns:a16="http://schemas.microsoft.com/office/drawing/2014/main" id="{194A1E76-091F-4A2D-A3A3-64B09C6107D4}"/>
               </a:ext>
             </a:extLst>
           </p:cNvPr>
@@ -23512,7 +23520,7 @@
           <p:cNvPr id="7" name="Título 1">
             <a:extLst>
               <a:ext uri="{FF2B5EF4-FFF2-40B4-BE49-F238E27FC236}">
-                <a16:creationId xmlns:a16="http://schemas.microsoft.com/office/drawing/2014/main" xmlns="" id="{99F76FBE-1BC2-4EE6-B90A-22263BF7BDCD}"/>
+                <a16:creationId xmlns:a16="http://schemas.microsoft.com/office/drawing/2014/main" id="{99F76FBE-1BC2-4EE6-B90A-22263BF7BDCD}"/>
               </a:ext>
             </a:extLst>
           </p:cNvPr>

--- a/Documentação/chameleon.pptx
+++ b/Documentação/chameleon.pptx
@@ -18,16 +18,16 @@
     <p:sldId id="278" r:id="rId12"/>
     <p:sldId id="277" r:id="rId13"/>
     <p:sldId id="279" r:id="rId14"/>
-    <p:sldId id="284" r:id="rId15"/>
-    <p:sldId id="276" r:id="rId16"/>
-    <p:sldId id="264" r:id="rId17"/>
-    <p:sldId id="265" r:id="rId18"/>
-    <p:sldId id="273" r:id="rId19"/>
-    <p:sldId id="274" r:id="rId20"/>
-    <p:sldId id="281" r:id="rId21"/>
-    <p:sldId id="283" r:id="rId22"/>
-    <p:sldId id="267" r:id="rId23"/>
-    <p:sldId id="285" r:id="rId24"/>
+    <p:sldId id="281" r:id="rId15"/>
+    <p:sldId id="283" r:id="rId16"/>
+    <p:sldId id="267" r:id="rId17"/>
+    <p:sldId id="285" r:id="rId18"/>
+    <p:sldId id="284" r:id="rId19"/>
+    <p:sldId id="276" r:id="rId20"/>
+    <p:sldId id="264" r:id="rId21"/>
+    <p:sldId id="265" r:id="rId22"/>
+    <p:sldId id="273" r:id="rId23"/>
+    <p:sldId id="274" r:id="rId24"/>
     <p:sldId id="280" r:id="rId25"/>
   </p:sldIdLst>
   <p:sldSz cx="12192000" cy="6858000"/>
@@ -11977,6 +11977,767 @@
       </p:grpSpPr>
       <p:sp>
         <p:nvSpPr>
+          <p:cNvPr id="7" name="Título 1">
+            <a:extLst>
+              <a:ext uri="{FF2B5EF4-FFF2-40B4-BE49-F238E27FC236}">
+                <a16:creationId xmlns:a16="http://schemas.microsoft.com/office/drawing/2014/main" id="{99F76FBE-1BC2-4EE6-B90A-22263BF7BDCD}"/>
+              </a:ext>
+            </a:extLst>
+          </p:cNvPr>
+          <p:cNvSpPr txBox="1">
+            <a:spLocks/>
+          </p:cNvSpPr>
+          <p:nvPr/>
+        </p:nvSpPr>
+        <p:spPr>
+          <a:xfrm>
+            <a:off x="838199" y="1433807"/>
+            <a:ext cx="10515600" cy="1325563"/>
+          </a:xfrm>
+          <a:prstGeom prst="rect">
+            <a:avLst/>
+          </a:prstGeom>
+        </p:spPr>
+        <p:txBody>
+          <a:bodyPr vert="horz" lIns="91440" tIns="45720" rIns="91440" bIns="45720" rtlCol="0" anchor="ctr">
+            <a:normAutofit/>
+          </a:bodyPr>
+          <a:lstStyle>
+            <a:lvl1pPr algn="l" defTabSz="914400" rtl="0" eaLnBrk="1" latinLnBrk="0" hangingPunct="1">
+              <a:lnSpc>
+                <a:spcPct val="90000"/>
+              </a:lnSpc>
+              <a:spcBef>
+                <a:spcPct val="0"/>
+              </a:spcBef>
+              <a:buNone/>
+              <a:defRPr sz="4400" kern="1200">
+                <a:solidFill>
+                  <a:schemeClr val="tx1"/>
+                </a:solidFill>
+                <a:latin typeface="+mj-lt"/>
+                <a:ea typeface="+mj-ea"/>
+                <a:cs typeface="+mj-cs"/>
+              </a:defRPr>
+            </a:lvl1pPr>
+          </a:lstStyle>
+          <a:p>
+            <a:pPr algn="ctr"/>
+            <a:r>
+              <a:rPr lang="pt-BR" dirty="0" smtClean="0">
+                <a:solidFill>
+                  <a:schemeClr val="tx1">
+                    <a:lumMod val="75000"/>
+                    <a:lumOff val="25000"/>
+                  </a:schemeClr>
+                </a:solidFill>
+                <a:latin typeface="Bariol Bold" panose="02000506040000020003" pitchFamily="2" charset="0"/>
+              </a:rPr>
+              <a:t>Ferramenta de Gestão</a:t>
+            </a:r>
+            <a:endParaRPr lang="pt-BR" dirty="0">
+              <a:solidFill>
+                <a:schemeClr val="tx1">
+                  <a:lumMod val="75000"/>
+                  <a:lumOff val="25000"/>
+                </a:schemeClr>
+              </a:solidFill>
+              <a:latin typeface="Bariol Bold" panose="02000506040000020003" pitchFamily="2" charset="0"/>
+            </a:endParaRPr>
+          </a:p>
+        </p:txBody>
+      </p:sp>
+      <p:pic>
+        <p:nvPicPr>
+          <p:cNvPr id="5" name="Imagem 4"/>
+          <p:cNvPicPr>
+            <a:picLocks noChangeAspect="1"/>
+          </p:cNvPicPr>
+          <p:nvPr/>
+        </p:nvPicPr>
+        <p:blipFill>
+          <a:blip r:embed="rId2" cstate="print">
+            <a:extLst>
+              <a:ext uri="{28A0092B-C50C-407E-A947-70E740481C1C}">
+                <a14:useLocalDpi xmlns:a14="http://schemas.microsoft.com/office/drawing/2010/main" val="0"/>
+              </a:ext>
+            </a:extLst>
+          </a:blip>
+          <a:stretch>
+            <a:fillRect/>
+          </a:stretch>
+        </p:blipFill>
+        <p:spPr>
+          <a:xfrm>
+            <a:off x="11313459" y="286497"/>
+            <a:ext cx="576000" cy="576000"/>
+          </a:xfrm>
+          <a:prstGeom prst="rect">
+            <a:avLst/>
+          </a:prstGeom>
+        </p:spPr>
+      </p:pic>
+      <p:pic>
+        <p:nvPicPr>
+          <p:cNvPr id="9" name="Imagem 8"/>
+          <p:cNvPicPr>
+            <a:picLocks noChangeAspect="1"/>
+          </p:cNvPicPr>
+          <p:nvPr/>
+        </p:nvPicPr>
+        <p:blipFill>
+          <a:blip r:embed="rId3">
+            <a:extLst>
+              <a:ext uri="{28A0092B-C50C-407E-A947-70E740481C1C}">
+                <a14:useLocalDpi xmlns:a14="http://schemas.microsoft.com/office/drawing/2010/main" val="0"/>
+              </a:ext>
+            </a:extLst>
+          </a:blip>
+          <a:stretch>
+            <a:fillRect/>
+          </a:stretch>
+        </p:blipFill>
+        <p:spPr>
+          <a:xfrm>
+            <a:off x="3149522" y="2435246"/>
+            <a:ext cx="5892953" cy="4143353"/>
+          </a:xfrm>
+          <a:prstGeom prst="rect">
+            <a:avLst/>
+          </a:prstGeom>
+        </p:spPr>
+      </p:pic>
+    </p:spTree>
+    <p:extLst>
+      <p:ext uri="{BB962C8B-B14F-4D97-AF65-F5344CB8AC3E}">
+        <p14:creationId xmlns:p14="http://schemas.microsoft.com/office/powerpoint/2010/main" val="1144334788"/>
+      </p:ext>
+    </p:extLst>
+  </p:cSld>
+  <p:clrMapOvr>
+    <a:masterClrMapping/>
+  </p:clrMapOvr>
+  <mc:AlternateContent xmlns:mc="http://schemas.openxmlformats.org/markup-compatibility/2006" xmlns:p14="http://schemas.microsoft.com/office/powerpoint/2010/main">
+    <mc:Choice Requires="p14">
+      <p:transition spd="med" p14:dur="700">
+        <p:fade/>
+      </p:transition>
+    </mc:Choice>
+    <mc:Fallback xmlns="">
+      <p:transition spd="med">
+        <p:fade/>
+      </p:transition>
+    </mc:Fallback>
+  </mc:AlternateContent>
+  <p:timing>
+    <p:tnLst>
+      <p:par>
+        <p:cTn id="1" dur="indefinite" restart="never" nodeType="tmRoot">
+          <p:childTnLst>
+            <p:seq concurrent="1" nextAc="seek">
+              <p:cTn id="2" dur="indefinite" nodeType="mainSeq">
+                <p:childTnLst>
+                  <p:par>
+                    <p:cTn id="3" fill="hold">
+                      <p:stCondLst>
+                        <p:cond delay="indefinite"/>
+                        <p:cond evt="onBegin" delay="0">
+                          <p:tn val="2"/>
+                        </p:cond>
+                      </p:stCondLst>
+                      <p:childTnLst>
+                        <p:par>
+                          <p:cTn id="4" fill="hold">
+                            <p:stCondLst>
+                              <p:cond delay="0"/>
+                            </p:stCondLst>
+                            <p:childTnLst>
+                              <p:par>
+                                <p:cTn id="5" presetID="10" presetClass="entr" presetSubtype="0" fill="hold" grpId="0" nodeType="afterEffect">
+                                  <p:stCondLst>
+                                    <p:cond delay="0"/>
+                                  </p:stCondLst>
+                                  <p:childTnLst>
+                                    <p:set>
+                                      <p:cBhvr>
+                                        <p:cTn id="6" dur="1" fill="hold">
+                                          <p:stCondLst>
+                                            <p:cond delay="0"/>
+                                          </p:stCondLst>
+                                        </p:cTn>
+                                        <p:tgtEl>
+                                          <p:spTgt spid="7"/>
+                                        </p:tgtEl>
+                                        <p:attrNameLst>
+                                          <p:attrName>style.visibility</p:attrName>
+                                        </p:attrNameLst>
+                                      </p:cBhvr>
+                                      <p:to>
+                                        <p:strVal val="visible"/>
+                                      </p:to>
+                                    </p:set>
+                                    <p:animEffect transition="in" filter="fade">
+                                      <p:cBhvr>
+                                        <p:cTn id="7" dur="500"/>
+                                        <p:tgtEl>
+                                          <p:spTgt spid="7"/>
+                                        </p:tgtEl>
+                                      </p:cBhvr>
+                                    </p:animEffect>
+                                  </p:childTnLst>
+                                </p:cTn>
+                              </p:par>
+                            </p:childTnLst>
+                          </p:cTn>
+                        </p:par>
+                      </p:childTnLst>
+                    </p:cTn>
+                  </p:par>
+                </p:childTnLst>
+              </p:cTn>
+              <p:prevCondLst>
+                <p:cond evt="onPrev" delay="0">
+                  <p:tgtEl>
+                    <p:sldTgt/>
+                  </p:tgtEl>
+                </p:cond>
+              </p:prevCondLst>
+              <p:nextCondLst>
+                <p:cond evt="onNext" delay="0">
+                  <p:tgtEl>
+                    <p:sldTgt/>
+                  </p:tgtEl>
+                </p:cond>
+              </p:nextCondLst>
+            </p:seq>
+          </p:childTnLst>
+        </p:cTn>
+      </p:par>
+    </p:tnLst>
+    <p:bldLst>
+      <p:bldP spid="7" grpId="0"/>
+    </p:bldLst>
+  </p:timing>
+</p:sld>
+</file>
+
+<file path=ppt/slides/slide15.xml><?xml version="1.0" encoding="utf-8"?>
+<p:sld xmlns:a="http://schemas.openxmlformats.org/drawingml/2006/main" xmlns:r="http://schemas.openxmlformats.org/officeDocument/2006/relationships" xmlns:p="http://schemas.openxmlformats.org/presentationml/2006/main">
+  <p:cSld>
+    <p:spTree>
+      <p:nvGrpSpPr>
+        <p:cNvPr id="1" name=""/>
+        <p:cNvGrpSpPr/>
+        <p:nvPr/>
+      </p:nvGrpSpPr>
+      <p:grpSpPr>
+        <a:xfrm>
+          <a:off x="0" y="0"/>
+          <a:ext cx="0" cy="0"/>
+          <a:chOff x="0" y="0"/>
+          <a:chExt cx="0" cy="0"/>
+        </a:xfrm>
+      </p:grpSpPr>
+      <p:pic>
+        <p:nvPicPr>
+          <p:cNvPr id="5" name="Imagem 4"/>
+          <p:cNvPicPr>
+            <a:picLocks noChangeAspect="1"/>
+          </p:cNvPicPr>
+          <p:nvPr/>
+        </p:nvPicPr>
+        <p:blipFill>
+          <a:blip r:embed="rId2" cstate="print">
+            <a:extLst>
+              <a:ext uri="{28A0092B-C50C-407E-A947-70E740481C1C}">
+                <a14:useLocalDpi xmlns:a14="http://schemas.microsoft.com/office/drawing/2010/main" val="0"/>
+              </a:ext>
+            </a:extLst>
+          </a:blip>
+          <a:stretch>
+            <a:fillRect/>
+          </a:stretch>
+        </p:blipFill>
+        <p:spPr>
+          <a:xfrm>
+            <a:off x="11313459" y="286497"/>
+            <a:ext cx="576000" cy="576000"/>
+          </a:xfrm>
+          <a:prstGeom prst="rect">
+            <a:avLst/>
+          </a:prstGeom>
+        </p:spPr>
+      </p:pic>
+      <p:pic>
+        <p:nvPicPr>
+          <p:cNvPr id="2" name="Imagem 1"/>
+          <p:cNvPicPr>
+            <a:picLocks noChangeAspect="1"/>
+          </p:cNvPicPr>
+          <p:nvPr/>
+        </p:nvPicPr>
+        <p:blipFill>
+          <a:blip r:embed="rId3">
+            <a:extLst>
+              <a:ext uri="{28A0092B-C50C-407E-A947-70E740481C1C}">
+                <a14:useLocalDpi xmlns:a14="http://schemas.microsoft.com/office/drawing/2010/main" val="0"/>
+              </a:ext>
+            </a:extLst>
+          </a:blip>
+          <a:stretch>
+            <a:fillRect/>
+          </a:stretch>
+        </p:blipFill>
+        <p:spPr>
+          <a:xfrm>
+            <a:off x="903978" y="641268"/>
+            <a:ext cx="10384044" cy="5788411"/>
+          </a:xfrm>
+          <a:prstGeom prst="rect">
+            <a:avLst/>
+          </a:prstGeom>
+        </p:spPr>
+      </p:pic>
+    </p:spTree>
+    <p:extLst>
+      <p:ext uri="{BB962C8B-B14F-4D97-AF65-F5344CB8AC3E}">
+        <p14:creationId xmlns:p14="http://schemas.microsoft.com/office/powerpoint/2010/main" val="342750258"/>
+      </p:ext>
+    </p:extLst>
+  </p:cSld>
+  <p:clrMapOvr>
+    <a:masterClrMapping/>
+  </p:clrMapOvr>
+  <mc:AlternateContent xmlns:mc="http://schemas.openxmlformats.org/markup-compatibility/2006" xmlns:p14="http://schemas.microsoft.com/office/powerpoint/2010/main">
+    <mc:Choice Requires="p14">
+      <p:transition spd="med" p14:dur="700">
+        <p:fade/>
+      </p:transition>
+    </mc:Choice>
+    <mc:Fallback xmlns="">
+      <p:transition spd="med">
+        <p:fade/>
+      </p:transition>
+    </mc:Fallback>
+  </mc:AlternateContent>
+  <p:timing>
+    <p:tnLst>
+      <p:par>
+        <p:cTn id="1" dur="indefinite" restart="never" nodeType="tmRoot"/>
+      </p:par>
+    </p:tnLst>
+  </p:timing>
+</p:sld>
+</file>
+
+<file path=ppt/slides/slide16.xml><?xml version="1.0" encoding="utf-8"?>
+<p:sld xmlns:a="http://schemas.openxmlformats.org/drawingml/2006/main" xmlns:r="http://schemas.openxmlformats.org/officeDocument/2006/relationships" xmlns:p="http://schemas.openxmlformats.org/presentationml/2006/main">
+  <p:cSld>
+    <p:spTree>
+      <p:nvGrpSpPr>
+        <p:cNvPr id="1" name=""/>
+        <p:cNvGrpSpPr/>
+        <p:nvPr/>
+      </p:nvGrpSpPr>
+      <p:grpSpPr>
+        <a:xfrm>
+          <a:off x="0" y="0"/>
+          <a:ext cx="0" cy="0"/>
+          <a:chOff x="0" y="0"/>
+          <a:chExt cx="0" cy="0"/>
+        </a:xfrm>
+      </p:grpSpPr>
+      <p:sp>
+        <p:nvSpPr>
+          <p:cNvPr id="7" name="Título 1">
+            <a:extLst>
+              <a:ext uri="{FF2B5EF4-FFF2-40B4-BE49-F238E27FC236}">
+                <a16:creationId xmlns:a16="http://schemas.microsoft.com/office/drawing/2014/main" id="{99F76FBE-1BC2-4EE6-B90A-22263BF7BDCD}"/>
+              </a:ext>
+            </a:extLst>
+          </p:cNvPr>
+          <p:cNvSpPr txBox="1">
+            <a:spLocks/>
+          </p:cNvSpPr>
+          <p:nvPr/>
+        </p:nvSpPr>
+        <p:spPr>
+          <a:xfrm>
+            <a:off x="838199" y="1433807"/>
+            <a:ext cx="10515600" cy="1325563"/>
+          </a:xfrm>
+          <a:prstGeom prst="rect">
+            <a:avLst/>
+          </a:prstGeom>
+        </p:spPr>
+        <p:txBody>
+          <a:bodyPr vert="horz" lIns="91440" tIns="45720" rIns="91440" bIns="45720" rtlCol="0" anchor="ctr">
+            <a:normAutofit/>
+          </a:bodyPr>
+          <a:lstStyle>
+            <a:lvl1pPr algn="l" defTabSz="914400" rtl="0" eaLnBrk="1" latinLnBrk="0" hangingPunct="1">
+              <a:lnSpc>
+                <a:spcPct val="90000"/>
+              </a:lnSpc>
+              <a:spcBef>
+                <a:spcPct val="0"/>
+              </a:spcBef>
+              <a:buNone/>
+              <a:defRPr sz="4400" kern="1200">
+                <a:solidFill>
+                  <a:schemeClr val="tx1"/>
+                </a:solidFill>
+                <a:latin typeface="+mj-lt"/>
+                <a:ea typeface="+mj-ea"/>
+                <a:cs typeface="+mj-cs"/>
+              </a:defRPr>
+            </a:lvl1pPr>
+          </a:lstStyle>
+          <a:p>
+            <a:pPr algn="ctr"/>
+            <a:r>
+              <a:rPr lang="pt-BR" dirty="0">
+                <a:solidFill>
+                  <a:schemeClr val="tx1">
+                    <a:lumMod val="75000"/>
+                    <a:lumOff val="25000"/>
+                  </a:schemeClr>
+                </a:solidFill>
+                <a:latin typeface="Bariol Bold" panose="02000506040000020003" pitchFamily="2" charset="0"/>
+              </a:rPr>
+              <a:t>Repositório no GitHub</a:t>
+            </a:r>
+          </a:p>
+        </p:txBody>
+      </p:sp>
+      <p:pic>
+        <p:nvPicPr>
+          <p:cNvPr id="5" name="Imagem 4"/>
+          <p:cNvPicPr>
+            <a:picLocks noChangeAspect="1"/>
+          </p:cNvPicPr>
+          <p:nvPr/>
+        </p:nvPicPr>
+        <p:blipFill>
+          <a:blip r:embed="rId2" cstate="print">
+            <a:extLst>
+              <a:ext uri="{28A0092B-C50C-407E-A947-70E740481C1C}">
+                <a14:useLocalDpi xmlns:a14="http://schemas.microsoft.com/office/drawing/2010/main" val="0"/>
+              </a:ext>
+            </a:extLst>
+          </a:blip>
+          <a:stretch>
+            <a:fillRect/>
+          </a:stretch>
+        </p:blipFill>
+        <p:spPr>
+          <a:xfrm>
+            <a:off x="11313459" y="286497"/>
+            <a:ext cx="576000" cy="576000"/>
+          </a:xfrm>
+          <a:prstGeom prst="rect">
+            <a:avLst/>
+          </a:prstGeom>
+        </p:spPr>
+      </p:pic>
+      <p:pic>
+        <p:nvPicPr>
+          <p:cNvPr id="8" name="Imagem 7"/>
+          <p:cNvPicPr>
+            <a:picLocks noChangeAspect="1"/>
+          </p:cNvPicPr>
+          <p:nvPr/>
+        </p:nvPicPr>
+        <p:blipFill>
+          <a:blip r:embed="rId3">
+            <a:extLst>
+              <a:ext uri="{28A0092B-C50C-407E-A947-70E740481C1C}">
+                <a14:useLocalDpi xmlns:a14="http://schemas.microsoft.com/office/drawing/2010/main" val="0"/>
+              </a:ext>
+            </a:extLst>
+          </a:blip>
+          <a:stretch>
+            <a:fillRect/>
+          </a:stretch>
+        </p:blipFill>
+        <p:spPr>
+          <a:xfrm>
+            <a:off x="2568389" y="2488578"/>
+            <a:ext cx="7048498" cy="3957141"/>
+          </a:xfrm>
+          <a:prstGeom prst="rect">
+            <a:avLst/>
+          </a:prstGeom>
+        </p:spPr>
+      </p:pic>
+    </p:spTree>
+    <p:extLst>
+      <p:ext uri="{BB962C8B-B14F-4D97-AF65-F5344CB8AC3E}">
+        <p14:creationId xmlns:p14="http://schemas.microsoft.com/office/powerpoint/2010/main" val="4114780762"/>
+      </p:ext>
+    </p:extLst>
+  </p:cSld>
+  <p:clrMapOvr>
+    <a:masterClrMapping/>
+  </p:clrMapOvr>
+  <mc:AlternateContent xmlns:mc="http://schemas.openxmlformats.org/markup-compatibility/2006" xmlns:p14="http://schemas.microsoft.com/office/powerpoint/2010/main">
+    <mc:Choice Requires="p14">
+      <p:transition spd="med" p14:dur="700">
+        <p:fade/>
+      </p:transition>
+    </mc:Choice>
+    <mc:Fallback xmlns="">
+      <p:transition spd="med">
+        <p:fade/>
+      </p:transition>
+    </mc:Fallback>
+  </mc:AlternateContent>
+  <p:timing>
+    <p:tnLst>
+      <p:par>
+        <p:cTn id="1" dur="indefinite" restart="never" nodeType="tmRoot">
+          <p:childTnLst>
+            <p:seq concurrent="1" nextAc="seek">
+              <p:cTn id="2" dur="indefinite" nodeType="mainSeq">
+                <p:childTnLst>
+                  <p:par>
+                    <p:cTn id="3" fill="hold">
+                      <p:stCondLst>
+                        <p:cond delay="indefinite"/>
+                        <p:cond evt="onBegin" delay="0">
+                          <p:tn val="2"/>
+                        </p:cond>
+                      </p:stCondLst>
+                      <p:childTnLst>
+                        <p:par>
+                          <p:cTn id="4" fill="hold">
+                            <p:stCondLst>
+                              <p:cond delay="0"/>
+                            </p:stCondLst>
+                            <p:childTnLst>
+                              <p:par>
+                                <p:cTn id="5" presetID="10" presetClass="entr" presetSubtype="0" fill="hold" grpId="0" nodeType="afterEffect">
+                                  <p:stCondLst>
+                                    <p:cond delay="0"/>
+                                  </p:stCondLst>
+                                  <p:childTnLst>
+                                    <p:set>
+                                      <p:cBhvr>
+                                        <p:cTn id="6" dur="1" fill="hold">
+                                          <p:stCondLst>
+                                            <p:cond delay="0"/>
+                                          </p:stCondLst>
+                                        </p:cTn>
+                                        <p:tgtEl>
+                                          <p:spTgt spid="7"/>
+                                        </p:tgtEl>
+                                        <p:attrNameLst>
+                                          <p:attrName>style.visibility</p:attrName>
+                                        </p:attrNameLst>
+                                      </p:cBhvr>
+                                      <p:to>
+                                        <p:strVal val="visible"/>
+                                      </p:to>
+                                    </p:set>
+                                    <p:animEffect transition="in" filter="fade">
+                                      <p:cBhvr>
+                                        <p:cTn id="7" dur="500"/>
+                                        <p:tgtEl>
+                                          <p:spTgt spid="7"/>
+                                        </p:tgtEl>
+                                      </p:cBhvr>
+                                    </p:animEffect>
+                                  </p:childTnLst>
+                                </p:cTn>
+                              </p:par>
+                            </p:childTnLst>
+                          </p:cTn>
+                        </p:par>
+                        <p:par>
+                          <p:cTn id="8" fill="hold">
+                            <p:stCondLst>
+                              <p:cond delay="500"/>
+                            </p:stCondLst>
+                            <p:childTnLst>
+                              <p:par>
+                                <p:cTn id="9" presetID="10" presetClass="entr" presetSubtype="0" fill="hold" nodeType="afterEffect">
+                                  <p:stCondLst>
+                                    <p:cond delay="0"/>
+                                  </p:stCondLst>
+                                  <p:childTnLst>
+                                    <p:set>
+                                      <p:cBhvr>
+                                        <p:cTn id="10" dur="1" fill="hold">
+                                          <p:stCondLst>
+                                            <p:cond delay="0"/>
+                                          </p:stCondLst>
+                                        </p:cTn>
+                                        <p:tgtEl>
+                                          <p:spTgt spid="8"/>
+                                        </p:tgtEl>
+                                        <p:attrNameLst>
+                                          <p:attrName>style.visibility</p:attrName>
+                                        </p:attrNameLst>
+                                      </p:cBhvr>
+                                      <p:to>
+                                        <p:strVal val="visible"/>
+                                      </p:to>
+                                    </p:set>
+                                    <p:animEffect transition="in" filter="fade">
+                                      <p:cBhvr>
+                                        <p:cTn id="11" dur="500"/>
+                                        <p:tgtEl>
+                                          <p:spTgt spid="8"/>
+                                        </p:tgtEl>
+                                      </p:cBhvr>
+                                    </p:animEffect>
+                                  </p:childTnLst>
+                                </p:cTn>
+                              </p:par>
+                            </p:childTnLst>
+                          </p:cTn>
+                        </p:par>
+                      </p:childTnLst>
+                    </p:cTn>
+                  </p:par>
+                </p:childTnLst>
+              </p:cTn>
+              <p:prevCondLst>
+                <p:cond evt="onPrev" delay="0">
+                  <p:tgtEl>
+                    <p:sldTgt/>
+                  </p:tgtEl>
+                </p:cond>
+              </p:prevCondLst>
+              <p:nextCondLst>
+                <p:cond evt="onNext" delay="0">
+                  <p:tgtEl>
+                    <p:sldTgt/>
+                  </p:tgtEl>
+                </p:cond>
+              </p:nextCondLst>
+            </p:seq>
+          </p:childTnLst>
+        </p:cTn>
+      </p:par>
+    </p:tnLst>
+    <p:bldLst>
+      <p:bldP spid="7" grpId="0"/>
+    </p:bldLst>
+  </p:timing>
+</p:sld>
+</file>
+
+<file path=ppt/slides/slide17.xml><?xml version="1.0" encoding="utf-8"?>
+<p:sld xmlns:a="http://schemas.openxmlformats.org/drawingml/2006/main" xmlns:r="http://schemas.openxmlformats.org/officeDocument/2006/relationships" xmlns:p="http://schemas.openxmlformats.org/presentationml/2006/main">
+  <p:cSld>
+    <p:spTree>
+      <p:nvGrpSpPr>
+        <p:cNvPr id="1" name=""/>
+        <p:cNvGrpSpPr/>
+        <p:nvPr/>
+      </p:nvGrpSpPr>
+      <p:grpSpPr>
+        <a:xfrm>
+          <a:off x="0" y="0"/>
+          <a:ext cx="0" cy="0"/>
+          <a:chOff x="0" y="0"/>
+          <a:chExt cx="0" cy="0"/>
+        </a:xfrm>
+      </p:grpSpPr>
+      <p:pic>
+        <p:nvPicPr>
+          <p:cNvPr id="4" name="Imagem 3"/>
+          <p:cNvPicPr>
+            <a:picLocks noChangeAspect="1"/>
+          </p:cNvPicPr>
+          <p:nvPr/>
+        </p:nvPicPr>
+        <p:blipFill>
+          <a:blip r:embed="rId2"/>
+          <a:stretch>
+            <a:fillRect/>
+          </a:stretch>
+        </p:blipFill>
+        <p:spPr>
+          <a:xfrm>
+            <a:off x="423704" y="862497"/>
+            <a:ext cx="11344593" cy="5280718"/>
+          </a:xfrm>
+          <a:prstGeom prst="rect">
+            <a:avLst/>
+          </a:prstGeom>
+        </p:spPr>
+      </p:pic>
+      <p:pic>
+        <p:nvPicPr>
+          <p:cNvPr id="5" name="Imagem 4"/>
+          <p:cNvPicPr>
+            <a:picLocks noChangeAspect="1"/>
+          </p:cNvPicPr>
+          <p:nvPr/>
+        </p:nvPicPr>
+        <p:blipFill>
+          <a:blip r:embed="rId3" cstate="print">
+            <a:extLst>
+              <a:ext uri="{28A0092B-C50C-407E-A947-70E740481C1C}">
+                <a14:useLocalDpi xmlns:a14="http://schemas.microsoft.com/office/drawing/2010/main" val="0"/>
+              </a:ext>
+            </a:extLst>
+          </a:blip>
+          <a:stretch>
+            <a:fillRect/>
+          </a:stretch>
+        </p:blipFill>
+        <p:spPr>
+          <a:xfrm>
+            <a:off x="11313459" y="286497"/>
+            <a:ext cx="576000" cy="576000"/>
+          </a:xfrm>
+          <a:prstGeom prst="rect">
+            <a:avLst/>
+          </a:prstGeom>
+        </p:spPr>
+      </p:pic>
+    </p:spTree>
+    <p:extLst>
+      <p:ext uri="{BB962C8B-B14F-4D97-AF65-F5344CB8AC3E}">
+        <p14:creationId xmlns:p14="http://schemas.microsoft.com/office/powerpoint/2010/main" val="373576588"/>
+      </p:ext>
+    </p:extLst>
+  </p:cSld>
+  <p:clrMapOvr>
+    <a:masterClrMapping/>
+  </p:clrMapOvr>
+  <p:timing>
+    <p:tnLst>
+      <p:par>
+        <p:cTn id="1" dur="indefinite" restart="never" nodeType="tmRoot"/>
+      </p:par>
+    </p:tnLst>
+  </p:timing>
+</p:sld>
+</file>
+
+<file path=ppt/slides/slide18.xml><?xml version="1.0" encoding="utf-8"?>
+<p:sld xmlns:a="http://schemas.openxmlformats.org/drawingml/2006/main" xmlns:r="http://schemas.openxmlformats.org/officeDocument/2006/relationships" xmlns:p="http://schemas.openxmlformats.org/presentationml/2006/main">
+  <p:cSld>
+    <p:spTree>
+      <p:nvGrpSpPr>
+        <p:cNvPr id="1" name=""/>
+        <p:cNvGrpSpPr/>
+        <p:nvPr/>
+      </p:nvGrpSpPr>
+      <p:grpSpPr>
+        <a:xfrm>
+          <a:off x="0" y="0"/>
+          <a:ext cx="0" cy="0"/>
+          <a:chOff x="0" y="0"/>
+          <a:chExt cx="0" cy="0"/>
+        </a:xfrm>
+      </p:grpSpPr>
+      <p:sp>
+        <p:nvSpPr>
           <p:cNvPr id="2" name="Título 1">
             <a:extLst>
               <a:ext uri="{FF2B5EF4-FFF2-40B4-BE49-F238E27FC236}">
@@ -13964,7 +14725,7 @@
 </p:sld>
 </file>
 
-<file path=ppt/slides/slide15.xml><?xml version="1.0" encoding="utf-8"?>
+<file path=ppt/slides/slide19.xml><?xml version="1.0" encoding="utf-8"?>
 <p:sld xmlns:a="http://schemas.openxmlformats.org/drawingml/2006/main" xmlns:r="http://schemas.openxmlformats.org/officeDocument/2006/relationships" xmlns:p="http://schemas.openxmlformats.org/presentationml/2006/main">
   <p:cSld>
     <p:spTree>
@@ -17395,7 +18156,240 @@
 </p:sld>
 </file>
 
-<file path=ppt/slides/slide16.xml><?xml version="1.0" encoding="utf-8"?>
+<file path=ppt/slides/slide2.xml><?xml version="1.0" encoding="utf-8"?>
+<p:sld xmlns:a="http://schemas.openxmlformats.org/drawingml/2006/main" xmlns:r="http://schemas.openxmlformats.org/officeDocument/2006/relationships" xmlns:p="http://schemas.openxmlformats.org/presentationml/2006/main">
+  <p:cSld>
+    <p:spTree>
+      <p:nvGrpSpPr>
+        <p:cNvPr id="1" name=""/>
+        <p:cNvGrpSpPr/>
+        <p:nvPr/>
+      </p:nvGrpSpPr>
+      <p:grpSpPr>
+        <a:xfrm>
+          <a:off x="0" y="0"/>
+          <a:ext cx="0" cy="0"/>
+          <a:chOff x="0" y="0"/>
+          <a:chExt cx="0" cy="0"/>
+        </a:xfrm>
+      </p:grpSpPr>
+      <p:pic>
+        <p:nvPicPr>
+          <p:cNvPr id="6" name="Imagem 5"/>
+          <p:cNvPicPr>
+            <a:picLocks noChangeAspect="1"/>
+          </p:cNvPicPr>
+          <p:nvPr/>
+        </p:nvPicPr>
+        <p:blipFill rotWithShape="1">
+          <a:blip r:embed="rId2">
+            <a:extLst>
+              <a:ext uri="{28A0092B-C50C-407E-A947-70E740481C1C}">
+                <a14:useLocalDpi xmlns:a14="http://schemas.microsoft.com/office/drawing/2010/main" val="0"/>
+              </a:ext>
+            </a:extLst>
+          </a:blip>
+          <a:srcRect t="70857"/>
+          <a:stretch/>
+        </p:blipFill>
+        <p:spPr>
+          <a:xfrm>
+            <a:off x="-1" y="4061188"/>
+            <a:ext cx="12192000" cy="1998617"/>
+          </a:xfrm>
+          <a:prstGeom prst="rect">
+            <a:avLst/>
+          </a:prstGeom>
+        </p:spPr>
+      </p:pic>
+      <p:pic>
+        <p:nvPicPr>
+          <p:cNvPr id="7" name="Imagem 6"/>
+          <p:cNvPicPr>
+            <a:picLocks noChangeAspect="1"/>
+          </p:cNvPicPr>
+          <p:nvPr/>
+        </p:nvPicPr>
+        <p:blipFill>
+          <a:blip r:embed="rId3">
+            <a:extLst>
+              <a:ext uri="{28A0092B-C50C-407E-A947-70E740481C1C}">
+                <a14:useLocalDpi xmlns:a14="http://schemas.microsoft.com/office/drawing/2010/main" val="0"/>
+              </a:ext>
+            </a:extLst>
+          </a:blip>
+          <a:stretch>
+            <a:fillRect/>
+          </a:stretch>
+        </p:blipFill>
+        <p:spPr>
+          <a:xfrm>
+            <a:off x="4660446" y="1079048"/>
+            <a:ext cx="2871107" cy="2871107"/>
+          </a:xfrm>
+          <a:prstGeom prst="rect">
+            <a:avLst/>
+          </a:prstGeom>
+        </p:spPr>
+      </p:pic>
+    </p:spTree>
+    <p:extLst>
+      <p:ext uri="{BB962C8B-B14F-4D97-AF65-F5344CB8AC3E}">
+        <p14:creationId xmlns:p14="http://schemas.microsoft.com/office/powerpoint/2010/main" val="4156819891"/>
+      </p:ext>
+    </p:extLst>
+  </p:cSld>
+  <p:clrMapOvr>
+    <a:masterClrMapping/>
+  </p:clrMapOvr>
+  <mc:AlternateContent xmlns:mc="http://schemas.openxmlformats.org/markup-compatibility/2006" xmlns:p14="http://schemas.microsoft.com/office/powerpoint/2010/main">
+    <mc:Choice Requires="p14">
+      <p:transition spd="med" p14:dur="700">
+        <p:fade/>
+      </p:transition>
+    </mc:Choice>
+    <mc:Fallback xmlns="">
+      <p:transition spd="med">
+        <p:fade/>
+      </p:transition>
+    </mc:Fallback>
+  </mc:AlternateContent>
+  <p:timing>
+    <p:tnLst>
+      <p:par>
+        <p:cTn id="1" dur="indefinite" restart="never" nodeType="tmRoot">
+          <p:childTnLst>
+            <p:seq concurrent="1" nextAc="seek">
+              <p:cTn id="2" dur="indefinite" nodeType="mainSeq">
+                <p:childTnLst>
+                  <p:par>
+                    <p:cTn id="3" fill="hold">
+                      <p:stCondLst>
+                        <p:cond delay="indefinite"/>
+                      </p:stCondLst>
+                      <p:childTnLst>
+                        <p:par>
+                          <p:cTn id="4" fill="hold">
+                            <p:stCondLst>
+                              <p:cond delay="0"/>
+                            </p:stCondLst>
+                            <p:childTnLst>
+                              <p:par>
+                                <p:cTn id="5" presetID="10" presetClass="exit" presetSubtype="0" fill="hold" nodeType="clickEffect">
+                                  <p:stCondLst>
+                                    <p:cond delay="0"/>
+                                  </p:stCondLst>
+                                  <p:childTnLst>
+                                    <p:animEffect transition="out" filter="fade">
+                                      <p:cBhvr>
+                                        <p:cTn id="6" dur="500"/>
+                                        <p:tgtEl>
+                                          <p:spTgt spid="6"/>
+                                        </p:tgtEl>
+                                      </p:cBhvr>
+                                    </p:animEffect>
+                                    <p:set>
+                                      <p:cBhvr>
+                                        <p:cTn id="7" dur="1" fill="hold">
+                                          <p:stCondLst>
+                                            <p:cond delay="499"/>
+                                          </p:stCondLst>
+                                        </p:cTn>
+                                        <p:tgtEl>
+                                          <p:spTgt spid="6"/>
+                                        </p:tgtEl>
+                                        <p:attrNameLst>
+                                          <p:attrName>style.visibility</p:attrName>
+                                        </p:attrNameLst>
+                                      </p:cBhvr>
+                                      <p:to>
+                                        <p:strVal val="hidden"/>
+                                      </p:to>
+                                    </p:set>
+                                  </p:childTnLst>
+                                </p:cTn>
+                              </p:par>
+                            </p:childTnLst>
+                          </p:cTn>
+                        </p:par>
+                        <p:par>
+                          <p:cTn id="8" fill="hold">
+                            <p:stCondLst>
+                              <p:cond delay="500"/>
+                            </p:stCondLst>
+                            <p:childTnLst>
+                              <p:par>
+                                <p:cTn id="9" presetID="6" presetClass="emph" presetSubtype="0" fill="hold" nodeType="afterEffect">
+                                  <p:stCondLst>
+                                    <p:cond delay="0"/>
+                                  </p:stCondLst>
+                                  <p:childTnLst>
+                                    <p:animScale>
+                                      <p:cBhvr>
+                                        <p:cTn id="10" dur="1000" fill="hold"/>
+                                        <p:tgtEl>
+                                          <p:spTgt spid="7"/>
+                                        </p:tgtEl>
+                                      </p:cBhvr>
+                                      <p:by x="20000" y="20000"/>
+                                    </p:animScale>
+                                  </p:childTnLst>
+                                </p:cTn>
+                              </p:par>
+                              <p:par>
+                                <p:cTn id="11" presetID="56" presetClass="path" presetSubtype="0" accel="50000" decel="50000" fill="hold" nodeType="withEffect">
+                                  <p:stCondLst>
+                                    <p:cond delay="0"/>
+                                  </p:stCondLst>
+                                  <p:childTnLst>
+                                    <p:animMotion origin="layout" path="M 0 3.33333E-6 L 0.45078 -0.28426 " pathEditMode="relative" rAng="0" ptsTypes="AA">
+                                      <p:cBhvr>
+                                        <p:cTn id="12" dur="1000" fill="hold"/>
+                                        <p:tgtEl>
+                                          <p:spTgt spid="7"/>
+                                        </p:tgtEl>
+                                        <p:attrNameLst>
+                                          <p:attrName>ppt_x</p:attrName>
+                                          <p:attrName>ppt_y</p:attrName>
+                                        </p:attrNameLst>
+                                      </p:cBhvr>
+                                      <p:rCtr x="22539" y="-14213"/>
+                                    </p:animMotion>
+                                  </p:childTnLst>
+                                </p:cTn>
+                              </p:par>
+                            </p:childTnLst>
+                          </p:cTn>
+                        </p:par>
+                      </p:childTnLst>
+                    </p:cTn>
+                  </p:par>
+                </p:childTnLst>
+              </p:cTn>
+              <p:prevCondLst>
+                <p:cond evt="onPrev" delay="0">
+                  <p:tgtEl>
+                    <p:sldTgt/>
+                  </p:tgtEl>
+                </p:cond>
+              </p:prevCondLst>
+              <p:nextCondLst>
+                <p:cond evt="onNext" delay="0">
+                  <p:tgtEl>
+                    <p:sldTgt/>
+                  </p:tgtEl>
+                </p:cond>
+              </p:nextCondLst>
+            </p:seq>
+          </p:childTnLst>
+        </p:cTn>
+      </p:par>
+    </p:tnLst>
+  </p:timing>
+</p:sld>
+</file>
+
+<file path=ppt/slides/slide20.xml><?xml version="1.0" encoding="utf-8"?>
 <p:sld xmlns:a="http://schemas.openxmlformats.org/drawingml/2006/main" xmlns:r="http://schemas.openxmlformats.org/officeDocument/2006/relationships" xmlns:p="http://schemas.openxmlformats.org/presentationml/2006/main">
   <p:cSld>
     <p:spTree>
@@ -17430,7 +18424,7 @@
         </p:nvSpPr>
         <p:spPr>
           <a:xfrm>
-            <a:off x="0" y="1433807"/>
+            <a:off x="-1" y="1250927"/>
             <a:ext cx="12192000" cy="1325563"/>
           </a:xfrm>
         </p:spPr>
@@ -17449,7 +18443,66 @@
                 </a:solidFill>
                 <a:latin typeface="Bariol Bold" panose="02000506040000020003" pitchFamily="2" charset="0"/>
               </a:rPr>
-              <a:t>Site / Simulador Financeiro</a:t>
+              <a:t>Site / </a:t>
+            </a:r>
+            <a:r>
+              <a:rPr lang="pt-BR" dirty="0" err="1" smtClean="0">
+                <a:solidFill>
+                  <a:schemeClr val="tx1">
+                    <a:lumMod val="75000"/>
+                    <a:lumOff val="25000"/>
+                  </a:schemeClr>
+                </a:solidFill>
+                <a:latin typeface="Bariol Bold" panose="02000506040000020003" pitchFamily="2" charset="0"/>
+              </a:rPr>
+              <a:t>Dashboard</a:t>
+            </a:r>
+            <a:r>
+              <a:rPr lang="pt-BR" dirty="0" smtClean="0">
+                <a:solidFill>
+                  <a:schemeClr val="tx1">
+                    <a:lumMod val="75000"/>
+                    <a:lumOff val="25000"/>
+                  </a:schemeClr>
+                </a:solidFill>
+                <a:latin typeface="Bariol Bold" panose="02000506040000020003" pitchFamily="2" charset="0"/>
+              </a:rPr>
+              <a:t/>
+            </a:r>
+            <a:br>
+              <a:rPr lang="pt-BR" dirty="0" smtClean="0">
+                <a:solidFill>
+                  <a:schemeClr val="tx1">
+                    <a:lumMod val="75000"/>
+                    <a:lumOff val="25000"/>
+                  </a:schemeClr>
+                </a:solidFill>
+                <a:latin typeface="Bariol Bold" panose="02000506040000020003" pitchFamily="2" charset="0"/>
+              </a:rPr>
+            </a:br>
+            <a:r>
+              <a:rPr lang="pt-BR" dirty="0" smtClean="0">
+                <a:solidFill>
+                  <a:schemeClr val="tx1">
+                    <a:lumMod val="75000"/>
+                    <a:lumOff val="25000"/>
+                  </a:schemeClr>
+                </a:solidFill>
+                <a:latin typeface="Bariol Bold" panose="02000506040000020003" pitchFamily="2" charset="0"/>
+              </a:rPr>
+              <a:t>Simulador </a:t>
+            </a:r>
+            <a:r>
+              <a:rPr lang="pt-BR" dirty="0">
+                <a:solidFill>
+                  <a:schemeClr val="tx1">
+                    <a:lumMod val="75000"/>
+                    <a:lumOff val="25000"/>
+                  </a:schemeClr>
+                </a:solidFill>
+                <a:latin typeface="Bariol Bold" panose="02000506040000020003" pitchFamily="2" charset="0"/>
+              </a:rPr>
+              <a:t>Financeiro</a:t>
             </a:r>
           </a:p>
         </p:txBody>
@@ -17672,7 +18725,7 @@
 </p:sld>
 </file>
 
-<file path=ppt/slides/slide17.xml><?xml version="1.0" encoding="utf-8"?>
+<file path=ppt/slides/slide21.xml><?xml version="1.0" encoding="utf-8"?>
 <p:sld xmlns:a="http://schemas.openxmlformats.org/drawingml/2006/main" xmlns:r="http://schemas.openxmlformats.org/officeDocument/2006/relationships" xmlns:p="http://schemas.openxmlformats.org/presentationml/2006/main">
   <p:cSld>
     <p:spTree>
@@ -17970,7 +19023,7 @@
 </p:sld>
 </file>
 
-<file path=ppt/slides/slide18.xml><?xml version="1.0" encoding="utf-8"?>
+<file path=ppt/slides/slide22.xml><?xml version="1.0" encoding="utf-8"?>
 <p:sld xmlns:a="http://schemas.openxmlformats.org/drawingml/2006/main" xmlns:r="http://schemas.openxmlformats.org/officeDocument/2006/relationships" xmlns:p="http://schemas.openxmlformats.org/presentationml/2006/main">
   <p:cSld>
     <p:spTree>
@@ -18150,7 +19203,7 @@
 </p:sld>
 </file>
 
-<file path=ppt/slides/slide19.xml><?xml version="1.0" encoding="utf-8"?>
+<file path=ppt/slides/slide23.xml><?xml version="1.0" encoding="utf-8"?>
 <p:sld xmlns:a="http://schemas.openxmlformats.org/drawingml/2006/main" xmlns:r="http://schemas.openxmlformats.org/officeDocument/2006/relationships" xmlns:p="http://schemas.openxmlformats.org/presentationml/2006/main">
   <p:cSld>
     <p:spTree>
@@ -18327,993 +19380,6 @@
       </p:par>
     </p:tnLst>
   </p:timing>
-</p:sld>
-</file>
-
-<file path=ppt/slides/slide2.xml><?xml version="1.0" encoding="utf-8"?>
-<p:sld xmlns:a="http://schemas.openxmlformats.org/drawingml/2006/main" xmlns:r="http://schemas.openxmlformats.org/officeDocument/2006/relationships" xmlns:p="http://schemas.openxmlformats.org/presentationml/2006/main">
-  <p:cSld>
-    <p:spTree>
-      <p:nvGrpSpPr>
-        <p:cNvPr id="1" name=""/>
-        <p:cNvGrpSpPr/>
-        <p:nvPr/>
-      </p:nvGrpSpPr>
-      <p:grpSpPr>
-        <a:xfrm>
-          <a:off x="0" y="0"/>
-          <a:ext cx="0" cy="0"/>
-          <a:chOff x="0" y="0"/>
-          <a:chExt cx="0" cy="0"/>
-        </a:xfrm>
-      </p:grpSpPr>
-      <p:pic>
-        <p:nvPicPr>
-          <p:cNvPr id="6" name="Imagem 5"/>
-          <p:cNvPicPr>
-            <a:picLocks noChangeAspect="1"/>
-          </p:cNvPicPr>
-          <p:nvPr/>
-        </p:nvPicPr>
-        <p:blipFill rotWithShape="1">
-          <a:blip r:embed="rId2">
-            <a:extLst>
-              <a:ext uri="{28A0092B-C50C-407E-A947-70E740481C1C}">
-                <a14:useLocalDpi xmlns:a14="http://schemas.microsoft.com/office/drawing/2010/main" val="0"/>
-              </a:ext>
-            </a:extLst>
-          </a:blip>
-          <a:srcRect t="70857"/>
-          <a:stretch/>
-        </p:blipFill>
-        <p:spPr>
-          <a:xfrm>
-            <a:off x="-1" y="4061188"/>
-            <a:ext cx="12192000" cy="1998617"/>
-          </a:xfrm>
-          <a:prstGeom prst="rect">
-            <a:avLst/>
-          </a:prstGeom>
-        </p:spPr>
-      </p:pic>
-      <p:pic>
-        <p:nvPicPr>
-          <p:cNvPr id="7" name="Imagem 6"/>
-          <p:cNvPicPr>
-            <a:picLocks noChangeAspect="1"/>
-          </p:cNvPicPr>
-          <p:nvPr/>
-        </p:nvPicPr>
-        <p:blipFill>
-          <a:blip r:embed="rId3">
-            <a:extLst>
-              <a:ext uri="{28A0092B-C50C-407E-A947-70E740481C1C}">
-                <a14:useLocalDpi xmlns:a14="http://schemas.microsoft.com/office/drawing/2010/main" val="0"/>
-              </a:ext>
-            </a:extLst>
-          </a:blip>
-          <a:stretch>
-            <a:fillRect/>
-          </a:stretch>
-        </p:blipFill>
-        <p:spPr>
-          <a:xfrm>
-            <a:off x="4660446" y="1079048"/>
-            <a:ext cx="2871107" cy="2871107"/>
-          </a:xfrm>
-          <a:prstGeom prst="rect">
-            <a:avLst/>
-          </a:prstGeom>
-        </p:spPr>
-      </p:pic>
-    </p:spTree>
-    <p:extLst>
-      <p:ext uri="{BB962C8B-B14F-4D97-AF65-F5344CB8AC3E}">
-        <p14:creationId xmlns:p14="http://schemas.microsoft.com/office/powerpoint/2010/main" val="4156819891"/>
-      </p:ext>
-    </p:extLst>
-  </p:cSld>
-  <p:clrMapOvr>
-    <a:masterClrMapping/>
-  </p:clrMapOvr>
-  <mc:AlternateContent xmlns:mc="http://schemas.openxmlformats.org/markup-compatibility/2006" xmlns:p14="http://schemas.microsoft.com/office/powerpoint/2010/main">
-    <mc:Choice Requires="p14">
-      <p:transition spd="med" p14:dur="700">
-        <p:fade/>
-      </p:transition>
-    </mc:Choice>
-    <mc:Fallback xmlns="">
-      <p:transition spd="med">
-        <p:fade/>
-      </p:transition>
-    </mc:Fallback>
-  </mc:AlternateContent>
-  <p:timing>
-    <p:tnLst>
-      <p:par>
-        <p:cTn id="1" dur="indefinite" restart="never" nodeType="tmRoot">
-          <p:childTnLst>
-            <p:seq concurrent="1" nextAc="seek">
-              <p:cTn id="2" dur="indefinite" nodeType="mainSeq">
-                <p:childTnLst>
-                  <p:par>
-                    <p:cTn id="3" fill="hold">
-                      <p:stCondLst>
-                        <p:cond delay="indefinite"/>
-                      </p:stCondLst>
-                      <p:childTnLst>
-                        <p:par>
-                          <p:cTn id="4" fill="hold">
-                            <p:stCondLst>
-                              <p:cond delay="0"/>
-                            </p:stCondLst>
-                            <p:childTnLst>
-                              <p:par>
-                                <p:cTn id="5" presetID="10" presetClass="exit" presetSubtype="0" fill="hold" nodeType="clickEffect">
-                                  <p:stCondLst>
-                                    <p:cond delay="0"/>
-                                  </p:stCondLst>
-                                  <p:childTnLst>
-                                    <p:animEffect transition="out" filter="fade">
-                                      <p:cBhvr>
-                                        <p:cTn id="6" dur="500"/>
-                                        <p:tgtEl>
-                                          <p:spTgt spid="6"/>
-                                        </p:tgtEl>
-                                      </p:cBhvr>
-                                    </p:animEffect>
-                                    <p:set>
-                                      <p:cBhvr>
-                                        <p:cTn id="7" dur="1" fill="hold">
-                                          <p:stCondLst>
-                                            <p:cond delay="499"/>
-                                          </p:stCondLst>
-                                        </p:cTn>
-                                        <p:tgtEl>
-                                          <p:spTgt spid="6"/>
-                                        </p:tgtEl>
-                                        <p:attrNameLst>
-                                          <p:attrName>style.visibility</p:attrName>
-                                        </p:attrNameLst>
-                                      </p:cBhvr>
-                                      <p:to>
-                                        <p:strVal val="hidden"/>
-                                      </p:to>
-                                    </p:set>
-                                  </p:childTnLst>
-                                </p:cTn>
-                              </p:par>
-                            </p:childTnLst>
-                          </p:cTn>
-                        </p:par>
-                        <p:par>
-                          <p:cTn id="8" fill="hold">
-                            <p:stCondLst>
-                              <p:cond delay="500"/>
-                            </p:stCondLst>
-                            <p:childTnLst>
-                              <p:par>
-                                <p:cTn id="9" presetID="6" presetClass="emph" presetSubtype="0" fill="hold" nodeType="afterEffect">
-                                  <p:stCondLst>
-                                    <p:cond delay="0"/>
-                                  </p:stCondLst>
-                                  <p:childTnLst>
-                                    <p:animScale>
-                                      <p:cBhvr>
-                                        <p:cTn id="10" dur="1000" fill="hold"/>
-                                        <p:tgtEl>
-                                          <p:spTgt spid="7"/>
-                                        </p:tgtEl>
-                                      </p:cBhvr>
-                                      <p:by x="20000" y="20000"/>
-                                    </p:animScale>
-                                  </p:childTnLst>
-                                </p:cTn>
-                              </p:par>
-                              <p:par>
-                                <p:cTn id="11" presetID="56" presetClass="path" presetSubtype="0" accel="50000" decel="50000" fill="hold" nodeType="withEffect">
-                                  <p:stCondLst>
-                                    <p:cond delay="0"/>
-                                  </p:stCondLst>
-                                  <p:childTnLst>
-                                    <p:animMotion origin="layout" path="M 0 3.33333E-6 L 0.45078 -0.28426 " pathEditMode="relative" rAng="0" ptsTypes="AA">
-                                      <p:cBhvr>
-                                        <p:cTn id="12" dur="1000" fill="hold"/>
-                                        <p:tgtEl>
-                                          <p:spTgt spid="7"/>
-                                        </p:tgtEl>
-                                        <p:attrNameLst>
-                                          <p:attrName>ppt_x</p:attrName>
-                                          <p:attrName>ppt_y</p:attrName>
-                                        </p:attrNameLst>
-                                      </p:cBhvr>
-                                      <p:rCtr x="22539" y="-14213"/>
-                                    </p:animMotion>
-                                  </p:childTnLst>
-                                </p:cTn>
-                              </p:par>
-                            </p:childTnLst>
-                          </p:cTn>
-                        </p:par>
-                      </p:childTnLst>
-                    </p:cTn>
-                  </p:par>
-                </p:childTnLst>
-              </p:cTn>
-              <p:prevCondLst>
-                <p:cond evt="onPrev" delay="0">
-                  <p:tgtEl>
-                    <p:sldTgt/>
-                  </p:tgtEl>
-                </p:cond>
-              </p:prevCondLst>
-              <p:nextCondLst>
-                <p:cond evt="onNext" delay="0">
-                  <p:tgtEl>
-                    <p:sldTgt/>
-                  </p:tgtEl>
-                </p:cond>
-              </p:nextCondLst>
-            </p:seq>
-          </p:childTnLst>
-        </p:cTn>
-      </p:par>
-    </p:tnLst>
-  </p:timing>
-</p:sld>
-</file>
-
-<file path=ppt/slides/slide20.xml><?xml version="1.0" encoding="utf-8"?>
-<p:sld xmlns:a="http://schemas.openxmlformats.org/drawingml/2006/main" xmlns:r="http://schemas.openxmlformats.org/officeDocument/2006/relationships" xmlns:p="http://schemas.openxmlformats.org/presentationml/2006/main">
-  <p:cSld>
-    <p:spTree>
-      <p:nvGrpSpPr>
-        <p:cNvPr id="1" name=""/>
-        <p:cNvGrpSpPr/>
-        <p:nvPr/>
-      </p:nvGrpSpPr>
-      <p:grpSpPr>
-        <a:xfrm>
-          <a:off x="0" y="0"/>
-          <a:ext cx="0" cy="0"/>
-          <a:chOff x="0" y="0"/>
-          <a:chExt cx="0" cy="0"/>
-        </a:xfrm>
-      </p:grpSpPr>
-      <p:sp>
-        <p:nvSpPr>
-          <p:cNvPr id="7" name="Título 1">
-            <a:extLst>
-              <a:ext uri="{FF2B5EF4-FFF2-40B4-BE49-F238E27FC236}">
-                <a16:creationId xmlns:a16="http://schemas.microsoft.com/office/drawing/2014/main" id="{99F76FBE-1BC2-4EE6-B90A-22263BF7BDCD}"/>
-              </a:ext>
-            </a:extLst>
-          </p:cNvPr>
-          <p:cNvSpPr txBox="1">
-            <a:spLocks/>
-          </p:cNvSpPr>
-          <p:nvPr/>
-        </p:nvSpPr>
-        <p:spPr>
-          <a:xfrm>
-            <a:off x="838199" y="1433807"/>
-            <a:ext cx="10515600" cy="1325563"/>
-          </a:xfrm>
-          <a:prstGeom prst="rect">
-            <a:avLst/>
-          </a:prstGeom>
-        </p:spPr>
-        <p:txBody>
-          <a:bodyPr vert="horz" lIns="91440" tIns="45720" rIns="91440" bIns="45720" rtlCol="0" anchor="ctr">
-            <a:normAutofit/>
-          </a:bodyPr>
-          <a:lstStyle>
-            <a:lvl1pPr algn="l" defTabSz="914400" rtl="0" eaLnBrk="1" latinLnBrk="0" hangingPunct="1">
-              <a:lnSpc>
-                <a:spcPct val="90000"/>
-              </a:lnSpc>
-              <a:spcBef>
-                <a:spcPct val="0"/>
-              </a:spcBef>
-              <a:buNone/>
-              <a:defRPr sz="4400" kern="1200">
-                <a:solidFill>
-                  <a:schemeClr val="tx1"/>
-                </a:solidFill>
-                <a:latin typeface="+mj-lt"/>
-                <a:ea typeface="+mj-ea"/>
-                <a:cs typeface="+mj-cs"/>
-              </a:defRPr>
-            </a:lvl1pPr>
-          </a:lstStyle>
-          <a:p>
-            <a:pPr algn="ctr"/>
-            <a:r>
-              <a:rPr lang="pt-BR" dirty="0" smtClean="0">
-                <a:solidFill>
-                  <a:schemeClr val="tx1">
-                    <a:lumMod val="75000"/>
-                    <a:lumOff val="25000"/>
-                  </a:schemeClr>
-                </a:solidFill>
-                <a:latin typeface="Bariol Bold" panose="02000506040000020003" pitchFamily="2" charset="0"/>
-              </a:rPr>
-              <a:t>Ferramenta de Gestão</a:t>
-            </a:r>
-            <a:endParaRPr lang="pt-BR" dirty="0">
-              <a:solidFill>
-                <a:schemeClr val="tx1">
-                  <a:lumMod val="75000"/>
-                  <a:lumOff val="25000"/>
-                </a:schemeClr>
-              </a:solidFill>
-              <a:latin typeface="Bariol Bold" panose="02000506040000020003" pitchFamily="2" charset="0"/>
-            </a:endParaRPr>
-          </a:p>
-        </p:txBody>
-      </p:sp>
-      <p:pic>
-        <p:nvPicPr>
-          <p:cNvPr id="5" name="Imagem 4"/>
-          <p:cNvPicPr>
-            <a:picLocks noChangeAspect="1"/>
-          </p:cNvPicPr>
-          <p:nvPr/>
-        </p:nvPicPr>
-        <p:blipFill>
-          <a:blip r:embed="rId2" cstate="print">
-            <a:extLst>
-              <a:ext uri="{28A0092B-C50C-407E-A947-70E740481C1C}">
-                <a14:useLocalDpi xmlns:a14="http://schemas.microsoft.com/office/drawing/2010/main" val="0"/>
-              </a:ext>
-            </a:extLst>
-          </a:blip>
-          <a:stretch>
-            <a:fillRect/>
-          </a:stretch>
-        </p:blipFill>
-        <p:spPr>
-          <a:xfrm>
-            <a:off x="11313459" y="286497"/>
-            <a:ext cx="576000" cy="576000"/>
-          </a:xfrm>
-          <a:prstGeom prst="rect">
-            <a:avLst/>
-          </a:prstGeom>
-        </p:spPr>
-      </p:pic>
-      <p:pic>
-        <p:nvPicPr>
-          <p:cNvPr id="9" name="Imagem 8"/>
-          <p:cNvPicPr>
-            <a:picLocks noChangeAspect="1"/>
-          </p:cNvPicPr>
-          <p:nvPr/>
-        </p:nvPicPr>
-        <p:blipFill>
-          <a:blip r:embed="rId3">
-            <a:extLst>
-              <a:ext uri="{28A0092B-C50C-407E-A947-70E740481C1C}">
-                <a14:useLocalDpi xmlns:a14="http://schemas.microsoft.com/office/drawing/2010/main" val="0"/>
-              </a:ext>
-            </a:extLst>
-          </a:blip>
-          <a:stretch>
-            <a:fillRect/>
-          </a:stretch>
-        </p:blipFill>
-        <p:spPr>
-          <a:xfrm>
-            <a:off x="3149522" y="2435246"/>
-            <a:ext cx="5892953" cy="4143353"/>
-          </a:xfrm>
-          <a:prstGeom prst="rect">
-            <a:avLst/>
-          </a:prstGeom>
-        </p:spPr>
-      </p:pic>
-    </p:spTree>
-    <p:extLst>
-      <p:ext uri="{BB962C8B-B14F-4D97-AF65-F5344CB8AC3E}">
-        <p14:creationId xmlns:p14="http://schemas.microsoft.com/office/powerpoint/2010/main" val="1144334788"/>
-      </p:ext>
-    </p:extLst>
-  </p:cSld>
-  <p:clrMapOvr>
-    <a:masterClrMapping/>
-  </p:clrMapOvr>
-  <mc:AlternateContent xmlns:mc="http://schemas.openxmlformats.org/markup-compatibility/2006" xmlns:p14="http://schemas.microsoft.com/office/powerpoint/2010/main">
-    <mc:Choice Requires="p14">
-      <p:transition spd="med" p14:dur="700">
-        <p:fade/>
-      </p:transition>
-    </mc:Choice>
-    <mc:Fallback xmlns="">
-      <p:transition spd="med">
-        <p:fade/>
-      </p:transition>
-    </mc:Fallback>
-  </mc:AlternateContent>
-  <p:timing>
-    <p:tnLst>
-      <p:par>
-        <p:cTn id="1" dur="indefinite" restart="never" nodeType="tmRoot">
-          <p:childTnLst>
-            <p:seq concurrent="1" nextAc="seek">
-              <p:cTn id="2" dur="indefinite" nodeType="mainSeq">
-                <p:childTnLst>
-                  <p:par>
-                    <p:cTn id="3" fill="hold">
-                      <p:stCondLst>
-                        <p:cond delay="indefinite"/>
-                        <p:cond evt="onBegin" delay="0">
-                          <p:tn val="2"/>
-                        </p:cond>
-                      </p:stCondLst>
-                      <p:childTnLst>
-                        <p:par>
-                          <p:cTn id="4" fill="hold">
-                            <p:stCondLst>
-                              <p:cond delay="0"/>
-                            </p:stCondLst>
-                            <p:childTnLst>
-                              <p:par>
-                                <p:cTn id="5" presetID="10" presetClass="entr" presetSubtype="0" fill="hold" grpId="0" nodeType="afterEffect">
-                                  <p:stCondLst>
-                                    <p:cond delay="0"/>
-                                  </p:stCondLst>
-                                  <p:childTnLst>
-                                    <p:set>
-                                      <p:cBhvr>
-                                        <p:cTn id="6" dur="1" fill="hold">
-                                          <p:stCondLst>
-                                            <p:cond delay="0"/>
-                                          </p:stCondLst>
-                                        </p:cTn>
-                                        <p:tgtEl>
-                                          <p:spTgt spid="7"/>
-                                        </p:tgtEl>
-                                        <p:attrNameLst>
-                                          <p:attrName>style.visibility</p:attrName>
-                                        </p:attrNameLst>
-                                      </p:cBhvr>
-                                      <p:to>
-                                        <p:strVal val="visible"/>
-                                      </p:to>
-                                    </p:set>
-                                    <p:animEffect transition="in" filter="fade">
-                                      <p:cBhvr>
-                                        <p:cTn id="7" dur="500"/>
-                                        <p:tgtEl>
-                                          <p:spTgt spid="7"/>
-                                        </p:tgtEl>
-                                      </p:cBhvr>
-                                    </p:animEffect>
-                                  </p:childTnLst>
-                                </p:cTn>
-                              </p:par>
-                            </p:childTnLst>
-                          </p:cTn>
-                        </p:par>
-                      </p:childTnLst>
-                    </p:cTn>
-                  </p:par>
-                </p:childTnLst>
-              </p:cTn>
-              <p:prevCondLst>
-                <p:cond evt="onPrev" delay="0">
-                  <p:tgtEl>
-                    <p:sldTgt/>
-                  </p:tgtEl>
-                </p:cond>
-              </p:prevCondLst>
-              <p:nextCondLst>
-                <p:cond evt="onNext" delay="0">
-                  <p:tgtEl>
-                    <p:sldTgt/>
-                  </p:tgtEl>
-                </p:cond>
-              </p:nextCondLst>
-            </p:seq>
-          </p:childTnLst>
-        </p:cTn>
-      </p:par>
-    </p:tnLst>
-    <p:bldLst>
-      <p:bldP spid="7" grpId="0"/>
-    </p:bldLst>
-  </p:timing>
-</p:sld>
-</file>
-
-<file path=ppt/slides/slide21.xml><?xml version="1.0" encoding="utf-8"?>
-<p:sld xmlns:a="http://schemas.openxmlformats.org/drawingml/2006/main" xmlns:r="http://schemas.openxmlformats.org/officeDocument/2006/relationships" xmlns:p="http://schemas.openxmlformats.org/presentationml/2006/main">
-  <p:cSld>
-    <p:spTree>
-      <p:nvGrpSpPr>
-        <p:cNvPr id="1" name=""/>
-        <p:cNvGrpSpPr/>
-        <p:nvPr/>
-      </p:nvGrpSpPr>
-      <p:grpSpPr>
-        <a:xfrm>
-          <a:off x="0" y="0"/>
-          <a:ext cx="0" cy="0"/>
-          <a:chOff x="0" y="0"/>
-          <a:chExt cx="0" cy="0"/>
-        </a:xfrm>
-      </p:grpSpPr>
-      <p:pic>
-        <p:nvPicPr>
-          <p:cNvPr id="5" name="Imagem 4"/>
-          <p:cNvPicPr>
-            <a:picLocks noChangeAspect="1"/>
-          </p:cNvPicPr>
-          <p:nvPr/>
-        </p:nvPicPr>
-        <p:blipFill>
-          <a:blip r:embed="rId2" cstate="print">
-            <a:extLst>
-              <a:ext uri="{28A0092B-C50C-407E-A947-70E740481C1C}">
-                <a14:useLocalDpi xmlns:a14="http://schemas.microsoft.com/office/drawing/2010/main" val="0"/>
-              </a:ext>
-            </a:extLst>
-          </a:blip>
-          <a:stretch>
-            <a:fillRect/>
-          </a:stretch>
-        </p:blipFill>
-        <p:spPr>
-          <a:xfrm>
-            <a:off x="11313459" y="286497"/>
-            <a:ext cx="576000" cy="576000"/>
-          </a:xfrm>
-          <a:prstGeom prst="rect">
-            <a:avLst/>
-          </a:prstGeom>
-        </p:spPr>
-      </p:pic>
-      <p:pic>
-        <p:nvPicPr>
-          <p:cNvPr id="2" name="Imagem 1"/>
-          <p:cNvPicPr>
-            <a:picLocks noChangeAspect="1"/>
-          </p:cNvPicPr>
-          <p:nvPr/>
-        </p:nvPicPr>
-        <p:blipFill>
-          <a:blip r:embed="rId3">
-            <a:extLst>
-              <a:ext uri="{28A0092B-C50C-407E-A947-70E740481C1C}">
-                <a14:useLocalDpi xmlns:a14="http://schemas.microsoft.com/office/drawing/2010/main" val="0"/>
-              </a:ext>
-            </a:extLst>
-          </a:blip>
-          <a:stretch>
-            <a:fillRect/>
-          </a:stretch>
-        </p:blipFill>
-        <p:spPr>
-          <a:xfrm>
-            <a:off x="903978" y="641268"/>
-            <a:ext cx="10384044" cy="5788411"/>
-          </a:xfrm>
-          <a:prstGeom prst="rect">
-            <a:avLst/>
-          </a:prstGeom>
-        </p:spPr>
-      </p:pic>
-    </p:spTree>
-    <p:extLst>
-      <p:ext uri="{BB962C8B-B14F-4D97-AF65-F5344CB8AC3E}">
-        <p14:creationId xmlns:p14="http://schemas.microsoft.com/office/powerpoint/2010/main" val="342750258"/>
-      </p:ext>
-    </p:extLst>
-  </p:cSld>
-  <p:clrMapOvr>
-    <a:masterClrMapping/>
-  </p:clrMapOvr>
-  <mc:AlternateContent xmlns:mc="http://schemas.openxmlformats.org/markup-compatibility/2006" xmlns:p14="http://schemas.microsoft.com/office/powerpoint/2010/main">
-    <mc:Choice Requires="p14">
-      <p:transition spd="med" p14:dur="700">
-        <p:fade/>
-      </p:transition>
-    </mc:Choice>
-    <mc:Fallback xmlns="">
-      <p:transition spd="med">
-        <p:fade/>
-      </p:transition>
-    </mc:Fallback>
-  </mc:AlternateContent>
-  <p:timing>
-    <p:tnLst>
-      <p:par>
-        <p:cTn id="1" dur="indefinite" restart="never" nodeType="tmRoot"/>
-      </p:par>
-    </p:tnLst>
-  </p:timing>
-</p:sld>
-</file>
-
-<file path=ppt/slides/slide22.xml><?xml version="1.0" encoding="utf-8"?>
-<p:sld xmlns:a="http://schemas.openxmlformats.org/drawingml/2006/main" xmlns:r="http://schemas.openxmlformats.org/officeDocument/2006/relationships" xmlns:p="http://schemas.openxmlformats.org/presentationml/2006/main">
-  <p:cSld>
-    <p:spTree>
-      <p:nvGrpSpPr>
-        <p:cNvPr id="1" name=""/>
-        <p:cNvGrpSpPr/>
-        <p:nvPr/>
-      </p:nvGrpSpPr>
-      <p:grpSpPr>
-        <a:xfrm>
-          <a:off x="0" y="0"/>
-          <a:ext cx="0" cy="0"/>
-          <a:chOff x="0" y="0"/>
-          <a:chExt cx="0" cy="0"/>
-        </a:xfrm>
-      </p:grpSpPr>
-      <p:sp>
-        <p:nvSpPr>
-          <p:cNvPr id="7" name="Título 1">
-            <a:extLst>
-              <a:ext uri="{FF2B5EF4-FFF2-40B4-BE49-F238E27FC236}">
-                <a16:creationId xmlns:a16="http://schemas.microsoft.com/office/drawing/2014/main" id="{99F76FBE-1BC2-4EE6-B90A-22263BF7BDCD}"/>
-              </a:ext>
-            </a:extLst>
-          </p:cNvPr>
-          <p:cNvSpPr txBox="1">
-            <a:spLocks/>
-          </p:cNvSpPr>
-          <p:nvPr/>
-        </p:nvSpPr>
-        <p:spPr>
-          <a:xfrm>
-            <a:off x="838199" y="1433807"/>
-            <a:ext cx="10515600" cy="1325563"/>
-          </a:xfrm>
-          <a:prstGeom prst="rect">
-            <a:avLst/>
-          </a:prstGeom>
-        </p:spPr>
-        <p:txBody>
-          <a:bodyPr vert="horz" lIns="91440" tIns="45720" rIns="91440" bIns="45720" rtlCol="0" anchor="ctr">
-            <a:normAutofit/>
-          </a:bodyPr>
-          <a:lstStyle>
-            <a:lvl1pPr algn="l" defTabSz="914400" rtl="0" eaLnBrk="1" latinLnBrk="0" hangingPunct="1">
-              <a:lnSpc>
-                <a:spcPct val="90000"/>
-              </a:lnSpc>
-              <a:spcBef>
-                <a:spcPct val="0"/>
-              </a:spcBef>
-              <a:buNone/>
-              <a:defRPr sz="4400" kern="1200">
-                <a:solidFill>
-                  <a:schemeClr val="tx1"/>
-                </a:solidFill>
-                <a:latin typeface="+mj-lt"/>
-                <a:ea typeface="+mj-ea"/>
-                <a:cs typeface="+mj-cs"/>
-              </a:defRPr>
-            </a:lvl1pPr>
-          </a:lstStyle>
-          <a:p>
-            <a:pPr algn="ctr"/>
-            <a:r>
-              <a:rPr lang="pt-BR" dirty="0">
-                <a:solidFill>
-                  <a:schemeClr val="tx1">
-                    <a:lumMod val="75000"/>
-                    <a:lumOff val="25000"/>
-                  </a:schemeClr>
-                </a:solidFill>
-                <a:latin typeface="Bariol Bold" panose="02000506040000020003" pitchFamily="2" charset="0"/>
-              </a:rPr>
-              <a:t>Repositório no GitHub</a:t>
-            </a:r>
-          </a:p>
-        </p:txBody>
-      </p:sp>
-      <p:pic>
-        <p:nvPicPr>
-          <p:cNvPr id="5" name="Imagem 4"/>
-          <p:cNvPicPr>
-            <a:picLocks noChangeAspect="1"/>
-          </p:cNvPicPr>
-          <p:nvPr/>
-        </p:nvPicPr>
-        <p:blipFill>
-          <a:blip r:embed="rId2" cstate="print">
-            <a:extLst>
-              <a:ext uri="{28A0092B-C50C-407E-A947-70E740481C1C}">
-                <a14:useLocalDpi xmlns:a14="http://schemas.microsoft.com/office/drawing/2010/main" val="0"/>
-              </a:ext>
-            </a:extLst>
-          </a:blip>
-          <a:stretch>
-            <a:fillRect/>
-          </a:stretch>
-        </p:blipFill>
-        <p:spPr>
-          <a:xfrm>
-            <a:off x="11313459" y="286497"/>
-            <a:ext cx="576000" cy="576000"/>
-          </a:xfrm>
-          <a:prstGeom prst="rect">
-            <a:avLst/>
-          </a:prstGeom>
-        </p:spPr>
-      </p:pic>
-      <p:pic>
-        <p:nvPicPr>
-          <p:cNvPr id="8" name="Imagem 7"/>
-          <p:cNvPicPr>
-            <a:picLocks noChangeAspect="1"/>
-          </p:cNvPicPr>
-          <p:nvPr/>
-        </p:nvPicPr>
-        <p:blipFill>
-          <a:blip r:embed="rId3">
-            <a:extLst>
-              <a:ext uri="{28A0092B-C50C-407E-A947-70E740481C1C}">
-                <a14:useLocalDpi xmlns:a14="http://schemas.microsoft.com/office/drawing/2010/main" val="0"/>
-              </a:ext>
-            </a:extLst>
-          </a:blip>
-          <a:stretch>
-            <a:fillRect/>
-          </a:stretch>
-        </p:blipFill>
-        <p:spPr>
-          <a:xfrm>
-            <a:off x="2568389" y="2488578"/>
-            <a:ext cx="7048498" cy="3957141"/>
-          </a:xfrm>
-          <a:prstGeom prst="rect">
-            <a:avLst/>
-          </a:prstGeom>
-        </p:spPr>
-      </p:pic>
-    </p:spTree>
-    <p:extLst>
-      <p:ext uri="{BB962C8B-B14F-4D97-AF65-F5344CB8AC3E}">
-        <p14:creationId xmlns:p14="http://schemas.microsoft.com/office/powerpoint/2010/main" val="4114780762"/>
-      </p:ext>
-    </p:extLst>
-  </p:cSld>
-  <p:clrMapOvr>
-    <a:masterClrMapping/>
-  </p:clrMapOvr>
-  <mc:AlternateContent xmlns:mc="http://schemas.openxmlformats.org/markup-compatibility/2006" xmlns:p14="http://schemas.microsoft.com/office/powerpoint/2010/main">
-    <mc:Choice Requires="p14">
-      <p:transition spd="med" p14:dur="700">
-        <p:fade/>
-      </p:transition>
-    </mc:Choice>
-    <mc:Fallback xmlns="">
-      <p:transition spd="med">
-        <p:fade/>
-      </p:transition>
-    </mc:Fallback>
-  </mc:AlternateContent>
-  <p:timing>
-    <p:tnLst>
-      <p:par>
-        <p:cTn id="1" dur="indefinite" restart="never" nodeType="tmRoot">
-          <p:childTnLst>
-            <p:seq concurrent="1" nextAc="seek">
-              <p:cTn id="2" dur="indefinite" nodeType="mainSeq">
-                <p:childTnLst>
-                  <p:par>
-                    <p:cTn id="3" fill="hold">
-                      <p:stCondLst>
-                        <p:cond delay="indefinite"/>
-                        <p:cond evt="onBegin" delay="0">
-                          <p:tn val="2"/>
-                        </p:cond>
-                      </p:stCondLst>
-                      <p:childTnLst>
-                        <p:par>
-                          <p:cTn id="4" fill="hold">
-                            <p:stCondLst>
-                              <p:cond delay="0"/>
-                            </p:stCondLst>
-                            <p:childTnLst>
-                              <p:par>
-                                <p:cTn id="5" presetID="10" presetClass="entr" presetSubtype="0" fill="hold" grpId="0" nodeType="afterEffect">
-                                  <p:stCondLst>
-                                    <p:cond delay="0"/>
-                                  </p:stCondLst>
-                                  <p:childTnLst>
-                                    <p:set>
-                                      <p:cBhvr>
-                                        <p:cTn id="6" dur="1" fill="hold">
-                                          <p:stCondLst>
-                                            <p:cond delay="0"/>
-                                          </p:stCondLst>
-                                        </p:cTn>
-                                        <p:tgtEl>
-                                          <p:spTgt spid="7"/>
-                                        </p:tgtEl>
-                                        <p:attrNameLst>
-                                          <p:attrName>style.visibility</p:attrName>
-                                        </p:attrNameLst>
-                                      </p:cBhvr>
-                                      <p:to>
-                                        <p:strVal val="visible"/>
-                                      </p:to>
-                                    </p:set>
-                                    <p:animEffect transition="in" filter="fade">
-                                      <p:cBhvr>
-                                        <p:cTn id="7" dur="500"/>
-                                        <p:tgtEl>
-                                          <p:spTgt spid="7"/>
-                                        </p:tgtEl>
-                                      </p:cBhvr>
-                                    </p:animEffect>
-                                  </p:childTnLst>
-                                </p:cTn>
-                              </p:par>
-                            </p:childTnLst>
-                          </p:cTn>
-                        </p:par>
-                        <p:par>
-                          <p:cTn id="8" fill="hold">
-                            <p:stCondLst>
-                              <p:cond delay="500"/>
-                            </p:stCondLst>
-                            <p:childTnLst>
-                              <p:par>
-                                <p:cTn id="9" presetID="10" presetClass="entr" presetSubtype="0" fill="hold" nodeType="afterEffect">
-                                  <p:stCondLst>
-                                    <p:cond delay="0"/>
-                                  </p:stCondLst>
-                                  <p:childTnLst>
-                                    <p:set>
-                                      <p:cBhvr>
-                                        <p:cTn id="10" dur="1" fill="hold">
-                                          <p:stCondLst>
-                                            <p:cond delay="0"/>
-                                          </p:stCondLst>
-                                        </p:cTn>
-                                        <p:tgtEl>
-                                          <p:spTgt spid="8"/>
-                                        </p:tgtEl>
-                                        <p:attrNameLst>
-                                          <p:attrName>style.visibility</p:attrName>
-                                        </p:attrNameLst>
-                                      </p:cBhvr>
-                                      <p:to>
-                                        <p:strVal val="visible"/>
-                                      </p:to>
-                                    </p:set>
-                                    <p:animEffect transition="in" filter="fade">
-                                      <p:cBhvr>
-                                        <p:cTn id="11" dur="500"/>
-                                        <p:tgtEl>
-                                          <p:spTgt spid="8"/>
-                                        </p:tgtEl>
-                                      </p:cBhvr>
-                                    </p:animEffect>
-                                  </p:childTnLst>
-                                </p:cTn>
-                              </p:par>
-                            </p:childTnLst>
-                          </p:cTn>
-                        </p:par>
-                      </p:childTnLst>
-                    </p:cTn>
-                  </p:par>
-                </p:childTnLst>
-              </p:cTn>
-              <p:prevCondLst>
-                <p:cond evt="onPrev" delay="0">
-                  <p:tgtEl>
-                    <p:sldTgt/>
-                  </p:tgtEl>
-                </p:cond>
-              </p:prevCondLst>
-              <p:nextCondLst>
-                <p:cond evt="onNext" delay="0">
-                  <p:tgtEl>
-                    <p:sldTgt/>
-                  </p:tgtEl>
-                </p:cond>
-              </p:nextCondLst>
-            </p:seq>
-          </p:childTnLst>
-        </p:cTn>
-      </p:par>
-    </p:tnLst>
-    <p:bldLst>
-      <p:bldP spid="7" grpId="0"/>
-    </p:bldLst>
-  </p:timing>
-</p:sld>
-</file>
-
-<file path=ppt/slides/slide23.xml><?xml version="1.0" encoding="utf-8"?>
-<p:sld xmlns:a="http://schemas.openxmlformats.org/drawingml/2006/main" xmlns:r="http://schemas.openxmlformats.org/officeDocument/2006/relationships" xmlns:p="http://schemas.openxmlformats.org/presentationml/2006/main">
-  <p:cSld>
-    <p:spTree>
-      <p:nvGrpSpPr>
-        <p:cNvPr id="1" name=""/>
-        <p:cNvGrpSpPr/>
-        <p:nvPr/>
-      </p:nvGrpSpPr>
-      <p:grpSpPr>
-        <a:xfrm>
-          <a:off x="0" y="0"/>
-          <a:ext cx="0" cy="0"/>
-          <a:chOff x="0" y="0"/>
-          <a:chExt cx="0" cy="0"/>
-        </a:xfrm>
-      </p:grpSpPr>
-      <p:pic>
-        <p:nvPicPr>
-          <p:cNvPr id="4" name="Imagem 3"/>
-          <p:cNvPicPr>
-            <a:picLocks noChangeAspect="1"/>
-          </p:cNvPicPr>
-          <p:nvPr/>
-        </p:nvPicPr>
-        <p:blipFill>
-          <a:blip r:embed="rId2"/>
-          <a:stretch>
-            <a:fillRect/>
-          </a:stretch>
-        </p:blipFill>
-        <p:spPr>
-          <a:xfrm>
-            <a:off x="423704" y="862497"/>
-            <a:ext cx="11344593" cy="5280718"/>
-          </a:xfrm>
-          <a:prstGeom prst="rect">
-            <a:avLst/>
-          </a:prstGeom>
-        </p:spPr>
-      </p:pic>
-      <p:pic>
-        <p:nvPicPr>
-          <p:cNvPr id="5" name="Imagem 4"/>
-          <p:cNvPicPr>
-            <a:picLocks noChangeAspect="1"/>
-          </p:cNvPicPr>
-          <p:nvPr/>
-        </p:nvPicPr>
-        <p:blipFill>
-          <a:blip r:embed="rId3" cstate="print">
-            <a:extLst>
-              <a:ext uri="{28A0092B-C50C-407E-A947-70E740481C1C}">
-                <a14:useLocalDpi xmlns:a14="http://schemas.microsoft.com/office/drawing/2010/main" val="0"/>
-              </a:ext>
-            </a:extLst>
-          </a:blip>
-          <a:stretch>
-            <a:fillRect/>
-          </a:stretch>
-        </p:blipFill>
-        <p:spPr>
-          <a:xfrm>
-            <a:off x="11313459" y="286497"/>
-            <a:ext cx="576000" cy="576000"/>
-          </a:xfrm>
-          <a:prstGeom prst="rect">
-            <a:avLst/>
-          </a:prstGeom>
-        </p:spPr>
-      </p:pic>
-    </p:spTree>
-    <p:extLst>
-      <p:ext uri="{BB962C8B-B14F-4D97-AF65-F5344CB8AC3E}">
-        <p14:creationId xmlns:p14="http://schemas.microsoft.com/office/powerpoint/2010/main" val="373576588"/>
-      </p:ext>
-    </p:extLst>
-  </p:cSld>
-  <p:clrMapOvr>
-    <a:masterClrMapping/>
-  </p:clrMapOvr>
 </p:sld>
 </file>
 
@@ -21926,7 +21992,7 @@
           <a:blip r:embed="rId5">
             <a:extLst>
               <a:ext uri="{96DAC541-7B7A-43D3-8B79-37D633B846F1}">
-                <asvg:svgBlip xmlns="" xmlns:asvg="http://schemas.microsoft.com/office/drawing/2016/SVG/main" r:embed="rId6"/>
+                <asvg:svgBlip xmlns:asvg="http://schemas.microsoft.com/office/drawing/2016/SVG/main" xmlns="" r:embed="rId6"/>
               </a:ext>
             </a:extLst>
           </a:blip>
@@ -21962,7 +22028,7 @@
           <a:blip r:embed="rId5">
             <a:extLst>
               <a:ext uri="{96DAC541-7B7A-43D3-8B79-37D633B846F1}">
-                <asvg:svgBlip xmlns="" xmlns:asvg="http://schemas.microsoft.com/office/drawing/2016/SVG/main" r:embed="rId6"/>
+                <asvg:svgBlip xmlns:asvg="http://schemas.microsoft.com/office/drawing/2016/SVG/main" xmlns="" r:embed="rId6"/>
               </a:ext>
             </a:extLst>
           </a:blip>
